--- a/福井技術者の集いその2_発表資料スライド.pptx
+++ b/福井技術者の集いその2_発表資料スライド.pptx
@@ -5,7 +5,7 @@
     <p:sldMasterId id="2147483744" r:id="rId1"/>
   </p:sldMasterIdLst>
   <p:notesMasterIdLst>
-    <p:notesMasterId r:id="rId27"/>
+    <p:notesMasterId r:id="rId28"/>
   </p:notesMasterIdLst>
   <p:sldIdLst>
     <p:sldId id="258" r:id="rId2"/>
@@ -14,30 +14,31 @@
     <p:sldId id="437" r:id="rId5"/>
     <p:sldId id="438" r:id="rId6"/>
     <p:sldId id="439" r:id="rId7"/>
-    <p:sldId id="383" r:id="rId8"/>
-    <p:sldId id="412" r:id="rId9"/>
-    <p:sldId id="413" r:id="rId10"/>
-    <p:sldId id="414" r:id="rId11"/>
-    <p:sldId id="415" r:id="rId12"/>
-    <p:sldId id="416" r:id="rId13"/>
-    <p:sldId id="417" r:id="rId14"/>
-    <p:sldId id="418" r:id="rId15"/>
-    <p:sldId id="419" r:id="rId16"/>
-    <p:sldId id="420" r:id="rId17"/>
-    <p:sldId id="421" r:id="rId18"/>
-    <p:sldId id="422" r:id="rId19"/>
-    <p:sldId id="429" r:id="rId20"/>
-    <p:sldId id="423" r:id="rId21"/>
-    <p:sldId id="426" r:id="rId22"/>
-    <p:sldId id="424" r:id="rId23"/>
-    <p:sldId id="425" r:id="rId24"/>
-    <p:sldId id="427" r:id="rId25"/>
-    <p:sldId id="428" r:id="rId26"/>
+    <p:sldId id="440" r:id="rId8"/>
+    <p:sldId id="383" r:id="rId9"/>
+    <p:sldId id="412" r:id="rId10"/>
+    <p:sldId id="413" r:id="rId11"/>
+    <p:sldId id="414" r:id="rId12"/>
+    <p:sldId id="415" r:id="rId13"/>
+    <p:sldId id="416" r:id="rId14"/>
+    <p:sldId id="417" r:id="rId15"/>
+    <p:sldId id="418" r:id="rId16"/>
+    <p:sldId id="419" r:id="rId17"/>
+    <p:sldId id="420" r:id="rId18"/>
+    <p:sldId id="421" r:id="rId19"/>
+    <p:sldId id="422" r:id="rId20"/>
+    <p:sldId id="429" r:id="rId21"/>
+    <p:sldId id="423" r:id="rId22"/>
+    <p:sldId id="426" r:id="rId23"/>
+    <p:sldId id="424" r:id="rId24"/>
+    <p:sldId id="425" r:id="rId25"/>
+    <p:sldId id="427" r:id="rId26"/>
+    <p:sldId id="428" r:id="rId27"/>
   </p:sldIdLst>
   <p:sldSz cx="9144000" cy="6858000" type="screen4x3"/>
   <p:notesSz cx="6858000" cy="9144000"/>
   <p:custDataLst>
-    <p:tags r:id="rId28"/>
+    <p:tags r:id="rId29"/>
   </p:custDataLst>
   <p:defaultTextStyle>
     <a:defPPr>
@@ -219,7 +220,7 @@
           <a:p>
             <a:fld id="{132713B8-E49A-41D1-88B6-B310770581C8}" type="datetimeFigureOut">
               <a:rPr kumimoji="1" lang="ja-JP" altLang="en-US" smtClean="0"/>
-              <a:t>2015/1/28</a:t>
+              <a:t>2015/2/3</a:t>
             </a:fld>
             <a:endParaRPr kumimoji="1" lang="ja-JP" altLang="en-US"/>
           </a:p>
@@ -823,7 +824,7 @@
             <a:fld id="{C120A1B4-3412-4C96-ACAA-DBDB2A910CC9}" type="datetimeFigureOut">
               <a:rPr kumimoji="1" lang="ja-JP" altLang="en-US" smtClean="0"/>
               <a:pPr/>
-              <a:t>2015/1/28</a:t>
+              <a:t>2015/2/3</a:t>
             </a:fld>
             <a:endParaRPr kumimoji="1" lang="ja-JP" altLang="en-US"/>
           </a:p>
@@ -1069,7 +1070,7 @@
                 </a:solidFill>
               </a:rPr>
               <a:pPr/>
-              <a:t>2015/1/28</a:t>
+              <a:t>2015/2/3</a:t>
             </a:fld>
             <a:endParaRPr kumimoji="1" lang="ja-JP" altLang="en-US">
               <a:solidFill>
@@ -1305,7 +1306,7 @@
                 </a:solidFill>
               </a:rPr>
               <a:pPr/>
-              <a:t>2015/1/28</a:t>
+              <a:t>2015/2/3</a:t>
             </a:fld>
             <a:endParaRPr kumimoji="1" lang="ja-JP" altLang="en-US">
               <a:solidFill>
@@ -1599,7 +1600,7 @@
                 </a:solidFill>
               </a:rPr>
               <a:pPr/>
-              <a:t>2015/1/28</a:t>
+              <a:t>2015/2/3</a:t>
             </a:fld>
             <a:endParaRPr kumimoji="1" lang="ja-JP" altLang="en-US">
               <a:solidFill>
@@ -2078,7 +2079,7 @@
                 </a:solidFill>
               </a:rPr>
               <a:pPr/>
-              <a:t>2015/1/28</a:t>
+              <a:t>2015/2/3</a:t>
             </a:fld>
             <a:endParaRPr kumimoji="1" lang="ja-JP" altLang="en-US">
               <a:solidFill>
@@ -2403,7 +2404,7 @@
                 </a:solidFill>
               </a:rPr>
               <a:pPr/>
-              <a:t>2015/1/28</a:t>
+              <a:t>2015/2/3</a:t>
             </a:fld>
             <a:endParaRPr kumimoji="1" lang="ja-JP" altLang="en-US">
               <a:solidFill>
@@ -2722,7 +2723,7 @@
                 </a:solidFill>
               </a:rPr>
               <a:pPr/>
-              <a:t>2015/1/28</a:t>
+              <a:t>2015/2/3</a:t>
             </a:fld>
             <a:endParaRPr kumimoji="1" lang="ja-JP" altLang="en-US">
               <a:solidFill>
@@ -2936,7 +2937,7 @@
                 </a:solidFill>
               </a:rPr>
               <a:pPr/>
-              <a:t>2015/1/28</a:t>
+              <a:t>2015/2/3</a:t>
             </a:fld>
             <a:endParaRPr kumimoji="1" lang="ja-JP" altLang="en-US">
               <a:solidFill>
@@ -3053,7 +3054,7 @@
                 </a:solidFill>
               </a:rPr>
               <a:pPr/>
-              <a:t>2015/1/28</a:t>
+              <a:t>2015/2/3</a:t>
             </a:fld>
             <a:endParaRPr kumimoji="1" lang="ja-JP" altLang="en-US">
               <a:solidFill>
@@ -3216,7 +3217,7 @@
                 </a:solidFill>
               </a:rPr>
               <a:pPr/>
-              <a:t>2015/1/28</a:t>
+              <a:t>2015/2/3</a:t>
             </a:fld>
             <a:endParaRPr kumimoji="1" lang="ja-JP" altLang="en-US">
               <a:solidFill>
@@ -3801,7 +3802,7 @@
                 </a:solidFill>
               </a:rPr>
               <a:pPr/>
-              <a:t>2015/1/28</a:t>
+              <a:t>2015/2/3</a:t>
             </a:fld>
             <a:endParaRPr kumimoji="1" lang="ja-JP" altLang="en-US">
               <a:solidFill>
@@ -4113,7 +4114,7 @@
                 </a:solidFill>
               </a:rPr>
               <a:pPr/>
-              <a:t>2015/1/28</a:t>
+              <a:t>2015/2/3</a:t>
             </a:fld>
             <a:endParaRPr kumimoji="1" lang="ja-JP" altLang="en-US">
               <a:solidFill>
@@ -4787,6 +4788,342 @@
           <a:lstStyle/>
           <a:p>
             <a:r>
+              <a:rPr lang="ja-JP" altLang="en-US" dirty="0"/>
+              <a:t>遠方</a:t>
+            </a:r>
+            <a:r>
+              <a:rPr kumimoji="1" lang="ja-JP" altLang="en-US" dirty="0" smtClean="0"/>
+              <a:t>での振る舞い</a:t>
+            </a:r>
+            <a:endParaRPr kumimoji="1" lang="ja-JP" altLang="en-US" dirty="0"/>
+          </a:p>
+        </p:txBody>
+      </p:sp>
+      <p:sp>
+        <p:nvSpPr>
+          <p:cNvPr id="3" name="コンテンツ プレースホルダー 2"/>
+          <p:cNvSpPr>
+            <a:spLocks noGrp="1"/>
+          </p:cNvSpPr>
+          <p:nvPr>
+            <p:ph sz="quarter" idx="1"/>
+          </p:nvPr>
+        </p:nvSpPr>
+        <p:spPr>
+          <a:xfrm>
+            <a:off x="612648" y="1600200"/>
+            <a:ext cx="8153400" cy="5141168"/>
+          </a:xfrm>
+        </p:spPr>
+        <p:txBody>
+          <a:bodyPr>
+            <a:normAutofit fontScale="92500" lnSpcReduction="10000"/>
+          </a:bodyPr>
+          <a:lstStyle/>
+          <a:p>
+            <a:r>
+              <a:rPr kumimoji="1" lang="ja-JP" altLang="en-US" dirty="0" smtClean="0"/>
+              <a:t>次に</a:t>
+            </a:r>
+            <a:r>
+              <a:rPr lang="ja-JP" altLang="en-US" dirty="0"/>
+              <a:t>遠方</a:t>
+            </a:r>
+            <a:r>
+              <a:rPr kumimoji="1" lang="ja-JP" altLang="en-US" dirty="0" smtClean="0"/>
+              <a:t>での振る舞いを調べてみる。文献</a:t>
+            </a:r>
+            <a:r>
+              <a:rPr lang="en-US" altLang="ja-JP" baseline="30000" dirty="0" smtClean="0"/>
+              <a:t>[1]</a:t>
+            </a:r>
+            <a:r>
+              <a:rPr lang="ja-JP" altLang="en-US" dirty="0" smtClean="0"/>
+              <a:t>によれば遠方で漸進的に、</a:t>
+            </a:r>
+            <a:endParaRPr lang="en-US" altLang="ja-JP" dirty="0" smtClean="0"/>
+          </a:p>
+          <a:p>
+            <a:endParaRPr lang="en-US" altLang="ja-JP" dirty="0"/>
+          </a:p>
+          <a:p>
+            <a:r>
+              <a:rPr lang="ja-JP" altLang="en-US" dirty="0"/>
+              <a:t>と書いてあるが</a:t>
+            </a:r>
+            <a:r>
+              <a:rPr lang="ja-JP" altLang="en-US" dirty="0" smtClean="0"/>
+              <a:t>、これは粗すぎる。ここで、論文</a:t>
+            </a:r>
+            <a:r>
+              <a:rPr lang="en-US" altLang="ja-JP" baseline="30000" dirty="0" smtClean="0"/>
+              <a:t>[2]</a:t>
+            </a:r>
+            <a:r>
+              <a:rPr lang="ja-JP" altLang="en-US" dirty="0" smtClean="0"/>
+              <a:t>によれば、やはり遠方</a:t>
+            </a:r>
+            <a:r>
+              <a:rPr lang="ja-JP" altLang="en-US" dirty="0"/>
+              <a:t>で漸進的に</a:t>
+            </a:r>
+            <a:r>
+              <a:rPr lang="ja-JP" altLang="en-US" dirty="0" smtClean="0"/>
+              <a:t>、</a:t>
+            </a:r>
+            <a:endParaRPr lang="en-US" altLang="ja-JP" dirty="0" smtClean="0"/>
+          </a:p>
+          <a:p>
+            <a:endParaRPr kumimoji="1" lang="en-US" altLang="ja-JP" dirty="0" smtClean="0"/>
+          </a:p>
+          <a:p>
+            <a:endParaRPr lang="en-US" altLang="ja-JP" dirty="0"/>
+          </a:p>
+          <a:p>
+            <a:endParaRPr kumimoji="1" lang="en-US" altLang="ja-JP" dirty="0" smtClean="0"/>
+          </a:p>
+          <a:p>
+            <a:r>
+              <a:rPr kumimoji="1" lang="ja-JP" altLang="en-US" dirty="0" smtClean="0"/>
+              <a:t>である。ここで、</a:t>
+            </a:r>
+            <a:r>
+              <a:rPr kumimoji="1" lang="en-US" altLang="ja-JP" dirty="0" smtClean="0"/>
+              <a:t>λ = 3.886, x</a:t>
+            </a:r>
+            <a:r>
+              <a:rPr kumimoji="1" lang="en-US" altLang="ja-JP" baseline="-25000" dirty="0" smtClean="0"/>
+              <a:t>0</a:t>
+            </a:r>
+            <a:r>
+              <a:rPr kumimoji="1" lang="en-US" altLang="ja-JP" dirty="0" smtClean="0"/>
+              <a:t> = 5.2415</a:t>
+            </a:r>
+            <a:r>
+              <a:rPr kumimoji="1" lang="ja-JP" altLang="en-US" dirty="0" smtClean="0"/>
+              <a:t>である。</a:t>
+            </a:r>
+            <a:endParaRPr kumimoji="1" lang="en-US" altLang="ja-JP" dirty="0" smtClean="0"/>
+          </a:p>
+          <a:p>
+            <a:endParaRPr kumimoji="1" lang="en-US" altLang="ja-JP" dirty="0" smtClean="0"/>
+          </a:p>
+          <a:p>
+            <a:r>
+              <a:rPr lang="en-US" altLang="ja-JP" sz="1500" dirty="0" smtClean="0"/>
+              <a:t>[1] R.G</a:t>
+            </a:r>
+            <a:r>
+              <a:rPr lang="en-US" altLang="ja-JP" sz="1500" dirty="0"/>
+              <a:t>.</a:t>
+            </a:r>
+            <a:r>
+              <a:rPr lang="ja-JP" altLang="en-US" sz="1500" dirty="0"/>
+              <a:t>パール</a:t>
+            </a:r>
+            <a:r>
+              <a:rPr lang="en-US" altLang="ja-JP" sz="1500" dirty="0"/>
+              <a:t>, W.</a:t>
+            </a:r>
+            <a:r>
+              <a:rPr lang="ja-JP" altLang="en-US" sz="1500" dirty="0"/>
+              <a:t>ヤング </a:t>
+            </a:r>
+            <a:r>
+              <a:rPr lang="en-US" altLang="ja-JP" sz="1500" dirty="0"/>
+              <a:t>『</a:t>
+            </a:r>
+            <a:r>
+              <a:rPr lang="ja-JP" altLang="en-US" sz="1500" dirty="0"/>
+              <a:t>原子･分子の密度汎関数法</a:t>
+            </a:r>
+            <a:r>
+              <a:rPr lang="en-US" altLang="ja-JP" sz="1500" dirty="0" smtClean="0"/>
+              <a:t>』</a:t>
+            </a:r>
+            <a:r>
+              <a:rPr lang="ja-JP" altLang="en-US" sz="1500" dirty="0" smtClean="0"/>
+              <a:t>シュプリンガー</a:t>
+            </a:r>
+            <a:r>
+              <a:rPr lang="ja-JP" altLang="en-US" sz="1500" dirty="0"/>
+              <a:t>・フェアラーク東京（</a:t>
+            </a:r>
+            <a:r>
+              <a:rPr lang="en-US" altLang="ja-JP" sz="1500" dirty="0"/>
+              <a:t>1996</a:t>
+            </a:r>
+            <a:r>
+              <a:rPr lang="ja-JP" altLang="en-US" sz="1500" dirty="0"/>
+              <a:t>）</a:t>
+            </a:r>
+          </a:p>
+          <a:p>
+            <a:r>
+              <a:rPr lang="en-US" altLang="ja-JP" sz="1500" dirty="0" smtClean="0"/>
+              <a:t>[2] M. </a:t>
+            </a:r>
+            <a:r>
+              <a:rPr lang="en-US" altLang="ja-JP" sz="1500" dirty="0" err="1" smtClean="0"/>
+              <a:t>Desaix</a:t>
+            </a:r>
+            <a:r>
+              <a:rPr lang="en-US" altLang="ja-JP" sz="1500" dirty="0" smtClean="0"/>
+              <a:t>, D. Anderson, and M. </a:t>
+            </a:r>
+            <a:r>
+              <a:rPr lang="en-US" altLang="ja-JP" sz="1500" dirty="0" err="1" smtClean="0"/>
+              <a:t>Lisak</a:t>
+            </a:r>
+            <a:r>
+              <a:rPr lang="en-US" altLang="ja-JP" sz="1500" dirty="0" smtClean="0"/>
+              <a:t>, </a:t>
+            </a:r>
+            <a:r>
+              <a:rPr lang="en-US" altLang="ja-JP" sz="1500" i="1" dirty="0" smtClean="0"/>
+              <a:t>Eur</a:t>
+            </a:r>
+            <a:r>
+              <a:rPr lang="en-US" altLang="ja-JP" sz="1500" i="1" dirty="0"/>
+              <a:t>. J. Phys. </a:t>
+            </a:r>
+            <a:r>
+              <a:rPr lang="en-US" altLang="ja-JP" sz="1500" b="1" dirty="0" smtClean="0"/>
+              <a:t>25</a:t>
+            </a:r>
+            <a:r>
+              <a:rPr lang="en-US" altLang="ja-JP" sz="1500" dirty="0"/>
+              <a:t> (2004) </a:t>
+            </a:r>
+            <a:r>
+              <a:rPr lang="en-US" altLang="ja-JP" sz="1500" dirty="0" smtClean="0"/>
+              <a:t>699.</a:t>
+            </a:r>
+            <a:endParaRPr kumimoji="1" lang="ja-JP" altLang="en-US" sz="1500" dirty="0"/>
+          </a:p>
+        </p:txBody>
+      </p:sp>
+      <p:pic>
+        <p:nvPicPr>
+          <p:cNvPr id="5" name="図 4"/>
+          <p:cNvPicPr>
+            <a:picLocks noChangeAspect="1"/>
+          </p:cNvPicPr>
+          <p:nvPr>
+            <p:custDataLst>
+              <p:tags r:id="rId1"/>
+            </p:custDataLst>
+          </p:nvPr>
+        </p:nvPicPr>
+        <p:blipFill>
+          <a:blip r:embed="rId4" cstate="print">
+            <a:extLst>
+              <a:ext uri="{28A0092B-C50C-407E-A947-70E740481C1C}">
+                <a14:useLocalDpi xmlns:a14="http://schemas.microsoft.com/office/drawing/2010/main" val="0"/>
+              </a:ext>
+            </a:extLst>
+          </a:blip>
+          <a:stretch>
+            <a:fillRect/>
+          </a:stretch>
+        </p:blipFill>
+        <p:spPr>
+          <a:xfrm>
+            <a:off x="1043608" y="2420888"/>
+            <a:ext cx="1295402" cy="533402"/>
+          </a:xfrm>
+          <a:prstGeom prst="rect">
+            <a:avLst/>
+          </a:prstGeom>
+        </p:spPr>
+      </p:pic>
+      <p:pic>
+        <p:nvPicPr>
+          <p:cNvPr id="17" name="図 16"/>
+          <p:cNvPicPr>
+            <a:picLocks noChangeAspect="1"/>
+          </p:cNvPicPr>
+          <p:nvPr>
+            <p:custDataLst>
+              <p:tags r:id="rId2"/>
+            </p:custDataLst>
+          </p:nvPr>
+        </p:nvPicPr>
+        <p:blipFill>
+          <a:blip r:embed="rId5" cstate="print">
+            <a:extLst>
+              <a:ext uri="{28A0092B-C50C-407E-A947-70E740481C1C}">
+                <a14:useLocalDpi xmlns:a14="http://schemas.microsoft.com/office/drawing/2010/main" val="0"/>
+              </a:ext>
+            </a:extLst>
+          </a:blip>
+          <a:stretch>
+            <a:fillRect/>
+          </a:stretch>
+        </p:blipFill>
+        <p:spPr>
+          <a:xfrm>
+            <a:off x="1043608" y="3717032"/>
+            <a:ext cx="5638812" cy="1321310"/>
+          </a:xfrm>
+          <a:prstGeom prst="rect">
+            <a:avLst/>
+          </a:prstGeom>
+        </p:spPr>
+      </p:pic>
+    </p:spTree>
+    <p:extLst>
+      <p:ext uri="{BB962C8B-B14F-4D97-AF65-F5344CB8AC3E}">
+        <p14:creationId xmlns:p14="http://schemas.microsoft.com/office/powerpoint/2010/main" val="3232447963"/>
+      </p:ext>
+    </p:extLst>
+  </p:cSld>
+  <p:clrMapOvr>
+    <a:masterClrMapping/>
+  </p:clrMapOvr>
+  <p:timing>
+    <p:tnLst>
+      <p:par>
+        <p:cTn id="1" dur="indefinite" restart="never" nodeType="tmRoot"/>
+      </p:par>
+    </p:tnLst>
+  </p:timing>
+</p:sld>
+</file>
+
+<file path=ppt/slides/slide11.xml><?xml version="1.0" encoding="utf-8"?>
+<p:sld xmlns:a="http://schemas.openxmlformats.org/drawingml/2006/main" xmlns:r="http://schemas.openxmlformats.org/officeDocument/2006/relationships" xmlns:p="http://schemas.openxmlformats.org/presentationml/2006/main">
+  <p:cSld>
+    <p:spTree>
+      <p:nvGrpSpPr>
+        <p:cNvPr id="1" name=""/>
+        <p:cNvGrpSpPr/>
+        <p:nvPr/>
+      </p:nvGrpSpPr>
+      <p:grpSpPr>
+        <a:xfrm>
+          <a:off x="0" y="0"/>
+          <a:ext cx="0" cy="0"/>
+          <a:chOff x="0" y="0"/>
+          <a:chExt cx="0" cy="0"/>
+        </a:xfrm>
+      </p:grpSpPr>
+      <p:sp>
+        <p:nvSpPr>
+          <p:cNvPr id="2" name="タイトル 1"/>
+          <p:cNvSpPr>
+            <a:spLocks noGrp="1"/>
+          </p:cNvSpPr>
+          <p:nvPr>
+            <p:ph type="title"/>
+          </p:nvPr>
+        </p:nvSpPr>
+        <p:spPr/>
+        <p:txBody>
+          <a:bodyPr/>
+          <a:lstStyle/>
+          <a:p>
+            <a:r>
               <a:rPr lang="en-US" altLang="ja-JP" dirty="0" smtClean="0"/>
               <a:t>T-F</a:t>
             </a:r>
@@ -4930,7 +5267,7 @@
 </p:sld>
 </file>
 
-<file path=ppt/slides/slide11.xml><?xml version="1.0" encoding="utf-8"?>
+<file path=ppt/slides/slide12.xml><?xml version="1.0" encoding="utf-8"?>
 <p:sld xmlns:a="http://schemas.openxmlformats.org/drawingml/2006/main" xmlns:r="http://schemas.openxmlformats.org/officeDocument/2006/relationships" xmlns:p="http://schemas.openxmlformats.org/presentationml/2006/main">
   <p:cSld>
     <p:spTree>
@@ -5222,7 +5559,7 @@
 </p:sld>
 </file>
 
-<file path=ppt/slides/slide12.xml><?xml version="1.0" encoding="utf-8"?>
+<file path=ppt/slides/slide13.xml><?xml version="1.0" encoding="utf-8"?>
 <p:sld xmlns:a="http://schemas.openxmlformats.org/drawingml/2006/main" xmlns:r="http://schemas.openxmlformats.org/officeDocument/2006/relationships" xmlns:p="http://schemas.openxmlformats.org/presentationml/2006/main">
   <p:cSld>
     <p:spTree>
@@ -5547,7 +5884,7 @@
 </p:sld>
 </file>
 
-<file path=ppt/slides/slide13.xml><?xml version="1.0" encoding="utf-8"?>
+<file path=ppt/slides/slide14.xml><?xml version="1.0" encoding="utf-8"?>
 <p:sld xmlns:a="http://schemas.openxmlformats.org/drawingml/2006/main" xmlns:r="http://schemas.openxmlformats.org/officeDocument/2006/relationships" xmlns:p="http://schemas.openxmlformats.org/presentationml/2006/main">
   <p:cSld>
     <p:spTree>
@@ -6021,7 +6358,7 @@
 </p:sld>
 </file>
 
-<file path=ppt/slides/slide14.xml><?xml version="1.0" encoding="utf-8"?>
+<file path=ppt/slides/slide15.xml><?xml version="1.0" encoding="utf-8"?>
 <p:sld xmlns:a="http://schemas.openxmlformats.org/drawingml/2006/main" xmlns:r="http://schemas.openxmlformats.org/officeDocument/2006/relationships" xmlns:p="http://schemas.openxmlformats.org/presentationml/2006/main">
   <p:cSld>
     <p:spTree>
@@ -6305,7 +6642,7 @@
 </p:sld>
 </file>
 
-<file path=ppt/slides/slide15.xml><?xml version="1.0" encoding="utf-8"?>
+<file path=ppt/slides/slide16.xml><?xml version="1.0" encoding="utf-8"?>
 <p:sld xmlns:a="http://schemas.openxmlformats.org/drawingml/2006/main" xmlns:r="http://schemas.openxmlformats.org/officeDocument/2006/relationships" xmlns:p="http://schemas.openxmlformats.org/presentationml/2006/main">
   <p:cSld>
     <p:spTree>
@@ -6718,7 +7055,7 @@
 </p:sld>
 </file>
 
-<file path=ppt/slides/slide16.xml><?xml version="1.0" encoding="utf-8"?>
+<file path=ppt/slides/slide17.xml><?xml version="1.0" encoding="utf-8"?>
 <p:sld xmlns:a="http://schemas.openxmlformats.org/drawingml/2006/main" xmlns:r="http://schemas.openxmlformats.org/officeDocument/2006/relationships" xmlns:p="http://schemas.openxmlformats.org/presentationml/2006/main">
   <p:cSld>
     <p:spTree>
@@ -6959,7 +7296,7 @@
 </p:sld>
 </file>
 
-<file path=ppt/slides/slide17.xml><?xml version="1.0" encoding="utf-8"?>
+<file path=ppt/slides/slide18.xml><?xml version="1.0" encoding="utf-8"?>
 <p:sld xmlns:a="http://schemas.openxmlformats.org/drawingml/2006/main" xmlns:r="http://schemas.openxmlformats.org/officeDocument/2006/relationships" xmlns:p="http://schemas.openxmlformats.org/presentationml/2006/main">
   <p:cSld>
     <p:spTree>
@@ -7842,7 +8179,7 @@
 </p:sld>
 </file>
 
-<file path=ppt/slides/slide18.xml><?xml version="1.0" encoding="utf-8"?>
+<file path=ppt/slides/slide19.xml><?xml version="1.0" encoding="utf-8"?>
 <p:sld xmlns:a="http://schemas.openxmlformats.org/drawingml/2006/main" xmlns:r="http://schemas.openxmlformats.org/officeDocument/2006/relationships" xmlns:p="http://schemas.openxmlformats.org/presentationml/2006/main">
   <p:cSld>
     <p:spTree>
@@ -8134,7 +8471,179 @@
 </p:sld>
 </file>
 
-<file path=ppt/slides/slide19.xml><?xml version="1.0" encoding="utf-8"?>
+<file path=ppt/slides/slide2.xml><?xml version="1.0" encoding="utf-8"?>
+<p:sld xmlns:a="http://schemas.openxmlformats.org/drawingml/2006/main" xmlns:r="http://schemas.openxmlformats.org/officeDocument/2006/relationships" xmlns:p="http://schemas.openxmlformats.org/presentationml/2006/main">
+  <p:cSld>
+    <p:spTree>
+      <p:nvGrpSpPr>
+        <p:cNvPr id="1" name=""/>
+        <p:cNvGrpSpPr/>
+        <p:nvPr/>
+      </p:nvGrpSpPr>
+      <p:grpSpPr>
+        <a:xfrm>
+          <a:off x="0" y="0"/>
+          <a:ext cx="0" cy="0"/>
+          <a:chOff x="0" y="0"/>
+          <a:chExt cx="0" cy="0"/>
+        </a:xfrm>
+      </p:grpSpPr>
+      <p:sp>
+        <p:nvSpPr>
+          <p:cNvPr id="4" name="タイトル 3"/>
+          <p:cNvSpPr>
+            <a:spLocks noGrp="1"/>
+          </p:cNvSpPr>
+          <p:nvPr>
+            <p:ph type="title"/>
+          </p:nvPr>
+        </p:nvSpPr>
+        <p:spPr/>
+        <p:txBody>
+          <a:bodyPr/>
+          <a:lstStyle/>
+          <a:p>
+            <a:r>
+              <a:rPr kumimoji="1" lang="ja-JP" altLang="en-US" dirty="0" smtClean="0"/>
+              <a:t>自己紹介</a:t>
+            </a:r>
+            <a:endParaRPr kumimoji="1" lang="ja-JP" altLang="en-US" dirty="0"/>
+          </a:p>
+        </p:txBody>
+      </p:sp>
+      <p:sp>
+        <p:nvSpPr>
+          <p:cNvPr id="5" name="コンテンツ プレースホルダー 4"/>
+          <p:cNvSpPr>
+            <a:spLocks noGrp="1"/>
+          </p:cNvSpPr>
+          <p:nvPr>
+            <p:ph sz="quarter" idx="1"/>
+          </p:nvPr>
+        </p:nvSpPr>
+        <p:spPr/>
+        <p:txBody>
+          <a:bodyPr/>
+          <a:lstStyle/>
+          <a:p>
+            <a:r>
+              <a:rPr kumimoji="1" lang="en-US" altLang="ja-JP" dirty="0" smtClean="0"/>
+              <a:t>Twitter: @dc1394</a:t>
+            </a:r>
+          </a:p>
+          <a:p>
+            <a:r>
+              <a:rPr kumimoji="1" lang="en-US" altLang="ja-JP" dirty="0" smtClean="0"/>
+              <a:t>C++</a:t>
+            </a:r>
+            <a:r>
+              <a:rPr kumimoji="1" lang="ja-JP" altLang="en-US" dirty="0" smtClean="0"/>
+              <a:t>とか</a:t>
+            </a:r>
+            <a:r>
+              <a:rPr kumimoji="1" lang="en-US" altLang="ja-JP" dirty="0" smtClean="0"/>
+              <a:t>C#</a:t>
+            </a:r>
+            <a:r>
+              <a:rPr kumimoji="1" lang="ja-JP" altLang="en-US" dirty="0" smtClean="0"/>
+              <a:t>とか</a:t>
+            </a:r>
+            <a:r>
+              <a:rPr kumimoji="1" lang="en-US" altLang="ja-JP" dirty="0" smtClean="0"/>
+              <a:t>Ruby</a:t>
+            </a:r>
+            <a:r>
+              <a:rPr kumimoji="1" lang="ja-JP" altLang="en-US" dirty="0" smtClean="0"/>
+              <a:t>が好きです</a:t>
+            </a:r>
+            <a:r>
+              <a:rPr kumimoji="1" lang="ja-JP" altLang="en-US" dirty="0" smtClean="0"/>
+              <a:t>（でもプログラマー</a:t>
+            </a:r>
+            <a:r>
+              <a:rPr kumimoji="1" lang="ja-JP" altLang="en-US" dirty="0" smtClean="0"/>
+              <a:t>で</a:t>
+            </a:r>
+            <a:r>
+              <a:rPr kumimoji="1" lang="ja-JP" altLang="en-US" dirty="0" smtClean="0"/>
+              <a:t>はないです</a:t>
+            </a:r>
+            <a:r>
+              <a:rPr lang="ja-JP" altLang="en-US" dirty="0" smtClean="0"/>
+              <a:t>）</a:t>
+            </a:r>
+            <a:r>
+              <a:rPr kumimoji="1" lang="ja-JP" altLang="en-US" dirty="0" smtClean="0"/>
+              <a:t>。</a:t>
+            </a:r>
+            <a:endParaRPr kumimoji="1" lang="en-US" altLang="ja-JP" dirty="0" smtClean="0"/>
+          </a:p>
+          <a:p>
+            <a:r>
+              <a:rPr lang="ja-JP" altLang="en-US" dirty="0"/>
+              <a:t>最も</a:t>
+            </a:r>
+            <a:r>
+              <a:rPr kumimoji="1" lang="ja-JP" altLang="en-US" dirty="0" smtClean="0"/>
+              <a:t>興味のあること</a:t>
+            </a:r>
+            <a:endParaRPr kumimoji="1" lang="en-US" altLang="ja-JP" dirty="0" smtClean="0"/>
+          </a:p>
+          <a:p>
+            <a:r>
+              <a:rPr kumimoji="1" lang="ja-JP" altLang="en-US" dirty="0" smtClean="0"/>
+              <a:t>・密度汎関数理論（</a:t>
+            </a:r>
+            <a:r>
+              <a:rPr kumimoji="1" lang="en-US" altLang="ja-JP" dirty="0" smtClean="0"/>
+              <a:t>Density Functional Theory, DFT</a:t>
+            </a:r>
+            <a:r>
+              <a:rPr kumimoji="1" lang="ja-JP" altLang="en-US" dirty="0" smtClean="0"/>
+              <a:t>）</a:t>
+            </a:r>
+            <a:endParaRPr kumimoji="1" lang="en-US" altLang="ja-JP" dirty="0" smtClean="0"/>
+          </a:p>
+          <a:p>
+            <a:r>
+              <a:rPr lang="ja-JP" altLang="en-US" dirty="0" smtClean="0"/>
+              <a:t>・第一原理計算</a:t>
+            </a:r>
+            <a:endParaRPr lang="en-US" altLang="ja-JP" dirty="0" smtClean="0"/>
+          </a:p>
+          <a:p>
+            <a:r>
+              <a:rPr lang="ja-JP" altLang="en-US" dirty="0" smtClean="0"/>
+              <a:t>→量子力学の数値計算</a:t>
+            </a:r>
+            <a:endParaRPr kumimoji="1" lang="en-US" altLang="ja-JP" dirty="0" smtClean="0"/>
+          </a:p>
+          <a:p>
+            <a:endParaRPr kumimoji="1" lang="ja-JP" altLang="en-US" dirty="0"/>
+          </a:p>
+        </p:txBody>
+      </p:sp>
+    </p:spTree>
+    <p:extLst>
+      <p:ext uri="{BB962C8B-B14F-4D97-AF65-F5344CB8AC3E}">
+        <p14:creationId xmlns:p14="http://schemas.microsoft.com/office/powerpoint/2010/main" val="2907276678"/>
+      </p:ext>
+    </p:extLst>
+  </p:cSld>
+  <p:clrMapOvr>
+    <a:masterClrMapping/>
+  </p:clrMapOvr>
+  <p:timing>
+    <p:tnLst>
+      <p:par>
+        <p:cTn id="1" dur="indefinite" restart="never" nodeType="tmRoot"/>
+      </p:par>
+    </p:tnLst>
+  </p:timing>
+</p:sld>
+</file>
+
+<file path=ppt/slides/slide20.xml><?xml version="1.0" encoding="utf-8"?>
 <p:sld xmlns:a="http://schemas.openxmlformats.org/drawingml/2006/main" xmlns:r="http://schemas.openxmlformats.org/officeDocument/2006/relationships" xmlns:p="http://schemas.openxmlformats.org/presentationml/2006/main">
   <p:cSld>
     <p:spTree>
@@ -8223,174 +8732,7 @@
 </p:sld>
 </file>
 
-<file path=ppt/slides/slide2.xml><?xml version="1.0" encoding="utf-8"?>
-<p:sld xmlns:a="http://schemas.openxmlformats.org/drawingml/2006/main" xmlns:r="http://schemas.openxmlformats.org/officeDocument/2006/relationships" xmlns:p="http://schemas.openxmlformats.org/presentationml/2006/main">
-  <p:cSld>
-    <p:spTree>
-      <p:nvGrpSpPr>
-        <p:cNvPr id="1" name=""/>
-        <p:cNvGrpSpPr/>
-        <p:nvPr/>
-      </p:nvGrpSpPr>
-      <p:grpSpPr>
-        <a:xfrm>
-          <a:off x="0" y="0"/>
-          <a:ext cx="0" cy="0"/>
-          <a:chOff x="0" y="0"/>
-          <a:chExt cx="0" cy="0"/>
-        </a:xfrm>
-      </p:grpSpPr>
-      <p:sp>
-        <p:nvSpPr>
-          <p:cNvPr id="4" name="タイトル 3"/>
-          <p:cNvSpPr>
-            <a:spLocks noGrp="1"/>
-          </p:cNvSpPr>
-          <p:nvPr>
-            <p:ph type="title"/>
-          </p:nvPr>
-        </p:nvSpPr>
-        <p:spPr/>
-        <p:txBody>
-          <a:bodyPr/>
-          <a:lstStyle/>
-          <a:p>
-            <a:r>
-              <a:rPr kumimoji="1" lang="ja-JP" altLang="en-US" dirty="0" smtClean="0"/>
-              <a:t>自己紹介</a:t>
-            </a:r>
-            <a:endParaRPr kumimoji="1" lang="ja-JP" altLang="en-US" dirty="0"/>
-          </a:p>
-        </p:txBody>
-      </p:sp>
-      <p:sp>
-        <p:nvSpPr>
-          <p:cNvPr id="5" name="コンテンツ プレースホルダー 4"/>
-          <p:cNvSpPr>
-            <a:spLocks noGrp="1"/>
-          </p:cNvSpPr>
-          <p:nvPr>
-            <p:ph sz="quarter" idx="1"/>
-          </p:nvPr>
-        </p:nvSpPr>
-        <p:spPr/>
-        <p:txBody>
-          <a:bodyPr/>
-          <a:lstStyle/>
-          <a:p>
-            <a:r>
-              <a:rPr kumimoji="1" lang="en-US" altLang="ja-JP" dirty="0" smtClean="0"/>
-              <a:t>Twitter: @dc1394</a:t>
-            </a:r>
-          </a:p>
-          <a:p>
-            <a:r>
-              <a:rPr kumimoji="1" lang="en-US" altLang="ja-JP" dirty="0" smtClean="0"/>
-              <a:t>C++</a:t>
-            </a:r>
-            <a:r>
-              <a:rPr kumimoji="1" lang="ja-JP" altLang="en-US" dirty="0" smtClean="0"/>
-              <a:t>とか</a:t>
-            </a:r>
-            <a:r>
-              <a:rPr kumimoji="1" lang="en-US" altLang="ja-JP" dirty="0" smtClean="0"/>
-              <a:t>C#</a:t>
-            </a:r>
-            <a:r>
-              <a:rPr kumimoji="1" lang="ja-JP" altLang="en-US" dirty="0" smtClean="0"/>
-              <a:t>とか</a:t>
-            </a:r>
-            <a:r>
-              <a:rPr kumimoji="1" lang="en-US" altLang="ja-JP" dirty="0" smtClean="0"/>
-              <a:t>Ruby</a:t>
-            </a:r>
-            <a:r>
-              <a:rPr kumimoji="1" lang="ja-JP" altLang="en-US" dirty="0" smtClean="0"/>
-              <a:t>が好きです。</a:t>
-            </a:r>
-            <a:endParaRPr kumimoji="1" lang="en-US" altLang="ja-JP" dirty="0" smtClean="0"/>
-          </a:p>
-          <a:p>
-            <a:r>
-              <a:rPr kumimoji="1" lang="ja-JP" altLang="en-US" dirty="0" smtClean="0"/>
-              <a:t>「自称」</a:t>
-            </a:r>
-            <a:r>
-              <a:rPr kumimoji="1" lang="en-US" altLang="ja-JP" dirty="0" smtClean="0"/>
-              <a:t>DFT</a:t>
-            </a:r>
-            <a:r>
-              <a:rPr kumimoji="1" lang="ja-JP" altLang="en-US" dirty="0" smtClean="0"/>
-              <a:t>研究家（プログラマーではないです）。</a:t>
-            </a:r>
-            <a:endParaRPr kumimoji="1" lang="en-US" altLang="ja-JP" dirty="0" smtClean="0"/>
-          </a:p>
-          <a:p>
-            <a:r>
-              <a:rPr lang="ja-JP" altLang="en-US" dirty="0"/>
-              <a:t>最も</a:t>
-            </a:r>
-            <a:r>
-              <a:rPr kumimoji="1" lang="ja-JP" altLang="en-US" dirty="0" smtClean="0"/>
-              <a:t>興味のあること</a:t>
-            </a:r>
-            <a:endParaRPr kumimoji="1" lang="en-US" altLang="ja-JP" dirty="0" smtClean="0"/>
-          </a:p>
-          <a:p>
-            <a:r>
-              <a:rPr kumimoji="1" lang="ja-JP" altLang="en-US" dirty="0" smtClean="0"/>
-              <a:t>・密度汎関数理論（</a:t>
-            </a:r>
-            <a:r>
-              <a:rPr kumimoji="1" lang="en-US" altLang="ja-JP" dirty="0" smtClean="0"/>
-              <a:t>Density Functional Theory, DFT</a:t>
-            </a:r>
-            <a:r>
-              <a:rPr kumimoji="1" lang="ja-JP" altLang="en-US" dirty="0" smtClean="0"/>
-              <a:t>）</a:t>
-            </a:r>
-            <a:endParaRPr kumimoji="1" lang="en-US" altLang="ja-JP" dirty="0" smtClean="0"/>
-          </a:p>
-          <a:p>
-            <a:r>
-              <a:rPr lang="ja-JP" altLang="en-US" dirty="0" smtClean="0"/>
-              <a:t>・第一原理計算</a:t>
-            </a:r>
-            <a:endParaRPr lang="en-US" altLang="ja-JP" dirty="0" smtClean="0"/>
-          </a:p>
-          <a:p>
-            <a:r>
-              <a:rPr lang="ja-JP" altLang="en-US" dirty="0" smtClean="0"/>
-              <a:t>→量子力学の数値計算</a:t>
-            </a:r>
-            <a:endParaRPr kumimoji="1" lang="en-US" altLang="ja-JP" dirty="0" smtClean="0"/>
-          </a:p>
-          <a:p>
-            <a:endParaRPr kumimoji="1" lang="ja-JP" altLang="en-US" dirty="0"/>
-          </a:p>
-        </p:txBody>
-      </p:sp>
-    </p:spTree>
-    <p:extLst>
-      <p:ext uri="{BB962C8B-B14F-4D97-AF65-F5344CB8AC3E}">
-        <p14:creationId xmlns:p14="http://schemas.microsoft.com/office/powerpoint/2010/main" val="2907276678"/>
-      </p:ext>
-    </p:extLst>
-  </p:cSld>
-  <p:clrMapOvr>
-    <a:masterClrMapping/>
-  </p:clrMapOvr>
-  <p:timing>
-    <p:tnLst>
-      <p:par>
-        <p:cTn id="1" dur="indefinite" restart="never" nodeType="tmRoot"/>
-      </p:par>
-    </p:tnLst>
-  </p:timing>
-</p:sld>
-</file>
-
-<file path=ppt/slides/slide20.xml><?xml version="1.0" encoding="utf-8"?>
+<file path=ppt/slides/slide21.xml><?xml version="1.0" encoding="utf-8"?>
 <p:sld xmlns:a="http://schemas.openxmlformats.org/drawingml/2006/main" xmlns:r="http://schemas.openxmlformats.org/officeDocument/2006/relationships" xmlns:p="http://schemas.openxmlformats.org/presentationml/2006/main">
   <p:cSld>
     <p:spTree>
@@ -8485,7 +8827,7 @@
 </p:sld>
 </file>
 
-<file path=ppt/slides/slide21.xml><?xml version="1.0" encoding="utf-8"?>
+<file path=ppt/slides/slide22.xml><?xml version="1.0" encoding="utf-8"?>
 <p:sld xmlns:a="http://schemas.openxmlformats.org/drawingml/2006/main" xmlns:r="http://schemas.openxmlformats.org/officeDocument/2006/relationships" xmlns:p="http://schemas.openxmlformats.org/presentationml/2006/main">
   <p:cSld>
     <p:spTree>
@@ -8592,7 +8934,7 @@
 </p:sld>
 </file>
 
-<file path=ppt/slides/slide22.xml><?xml version="1.0" encoding="utf-8"?>
+<file path=ppt/slides/slide23.xml><?xml version="1.0" encoding="utf-8"?>
 <p:sld xmlns:a="http://schemas.openxmlformats.org/drawingml/2006/main" xmlns:r="http://schemas.openxmlformats.org/officeDocument/2006/relationships" xmlns:p="http://schemas.openxmlformats.org/presentationml/2006/main">
   <p:cSld>
     <p:spTree>
@@ -8838,7 +9180,7 @@
 </p:sld>
 </file>
 
-<file path=ppt/slides/slide23.xml><?xml version="1.0" encoding="utf-8"?>
+<file path=ppt/slides/slide24.xml><?xml version="1.0" encoding="utf-8"?>
 <p:sld xmlns:a="http://schemas.openxmlformats.org/drawingml/2006/main" xmlns:r="http://schemas.openxmlformats.org/officeDocument/2006/relationships" xmlns:p="http://schemas.openxmlformats.org/presentationml/2006/main">
   <p:cSld>
     <p:spTree>
@@ -9496,7 +9838,7 @@
 </p:sld>
 </file>
 
-<file path=ppt/slides/slide24.xml><?xml version="1.0" encoding="utf-8"?>
+<file path=ppt/slides/slide25.xml><?xml version="1.0" encoding="utf-8"?>
 <p:sld xmlns:a="http://schemas.openxmlformats.org/drawingml/2006/main" xmlns:r="http://schemas.openxmlformats.org/officeDocument/2006/relationships" xmlns:p="http://schemas.openxmlformats.org/presentationml/2006/main">
   <p:cSld>
     <p:spTree>
@@ -9666,7 +10008,7 @@
 </p:sld>
 </file>
 
-<file path=ppt/slides/slide25.xml><?xml version="1.0" encoding="utf-8"?>
+<file path=ppt/slides/slide26.xml><?xml version="1.0" encoding="utf-8"?>
 <p:sld xmlns:a="http://schemas.openxmlformats.org/drawingml/2006/main" xmlns:r="http://schemas.openxmlformats.org/officeDocument/2006/relationships" xmlns:p="http://schemas.openxmlformats.org/presentationml/2006/main">
   <p:cSld>
     <p:spTree>
@@ -10504,11 +10846,7 @@
           <a:p>
             <a:r>
               <a:rPr lang="ja-JP" altLang="en-US" dirty="0" smtClean="0"/>
-              <a:t>ここで、　　　　　　　　　</a:t>
-            </a:r>
-            <a:r>
-              <a:rPr lang="ja-JP" altLang="en-US" dirty="0" smtClean="0"/>
-              <a:t>である。</a:t>
+              <a:t>ここで、　　　　　　　　　である。</a:t>
             </a:r>
             <a:endParaRPr lang="en-US" altLang="ja-JP" dirty="0" smtClean="0"/>
           </a:p>
@@ -10524,7 +10862,6 @@
               <a:rPr lang="ja-JP" altLang="en-US" dirty="0" smtClean="0"/>
               <a:t>今回は、この方程式を数値的に解くことを考える。</a:t>
             </a:r>
-            <a:endParaRPr lang="ja-JP" altLang="en-US" dirty="0" smtClean="0"/>
           </a:p>
           <a:p>
             <a:endParaRPr lang="en-US" altLang="ja-JP" dirty="0" smtClean="0"/>
@@ -10990,14 +11327,10 @@
               <a:t>Sch</a:t>
             </a:r>
             <a:r>
-              <a:rPr kumimoji="1" lang="ja-JP" altLang="en-US" dirty="0" smtClean="0"/>
-              <a:t>方程式</a:t>
-            </a:r>
-            <a:r>
-              <a:rPr kumimoji="1" lang="ja-JP" altLang="en-US" dirty="0" smtClean="0"/>
-              <a:t>の変数分離</a:t>
-            </a:r>
-            <a:endParaRPr kumimoji="1" lang="ja-JP" altLang="en-US" dirty="0"/>
+              <a:rPr lang="ja-JP" altLang="en-US" dirty="0" smtClean="0"/>
+              <a:t>方程式の変数分離</a:t>
+            </a:r>
+            <a:endParaRPr lang="ja-JP" altLang="en-US" dirty="0"/>
           </a:p>
         </p:txBody>
       </p:sp>
@@ -11014,26 +11347,18 @@
         <p:spPr>
           <a:xfrm>
             <a:off x="612648" y="1600200"/>
-            <a:ext cx="8153400" cy="5069160"/>
+            <a:ext cx="8153400" cy="4637112"/>
           </a:xfrm>
         </p:spPr>
         <p:txBody>
           <a:bodyPr>
-            <a:normAutofit fontScale="92500" lnSpcReduction="10000"/>
+            <a:normAutofit/>
           </a:bodyPr>
           <a:lstStyle/>
           <a:p>
             <a:r>
               <a:rPr lang="ja-JP" altLang="en-US" dirty="0" smtClean="0"/>
-              <a:t>水素原子</a:t>
-            </a:r>
-            <a:r>
-              <a:rPr lang="ja-JP" altLang="en-US" dirty="0"/>
-              <a:t>は球対称で</a:t>
-            </a:r>
-            <a:r>
-              <a:rPr lang="ja-JP" altLang="en-US" dirty="0" smtClean="0"/>
-              <a:t>あるので、</a:t>
+              <a:t>水素原子に対する</a:t>
             </a:r>
             <a:r>
               <a:rPr lang="en-US" altLang="ja-JP" dirty="0" err="1" smtClean="0"/>
@@ -11041,23 +11366,21 @@
             </a:r>
             <a:r>
               <a:rPr lang="ja-JP" altLang="en-US" dirty="0" smtClean="0"/>
-              <a:t>方程式の解（</a:t>
-            </a:r>
-            <a:r>
-              <a:rPr lang="ja-JP" altLang="en-US" dirty="0" smtClean="0"/>
-              <a:t>波動関数）</a:t>
+              <a:t>方程式を、以下のように書く。</a:t>
+            </a:r>
+            <a:endParaRPr lang="en-US" altLang="ja-JP" dirty="0" smtClean="0"/>
+          </a:p>
+          <a:p>
+            <a:endParaRPr lang="en-US" altLang="ja-JP" dirty="0" smtClean="0"/>
+          </a:p>
+          <a:p>
+            <a:r>
+              <a:rPr lang="ja-JP" altLang="en-US" dirty="0" smtClean="0"/>
+              <a:t>ここで、極座標におけるラプラシアン</a:t>
             </a:r>
             <a:r>
               <a:rPr lang="en-US" altLang="ja-JP" dirty="0" smtClean="0"/>
-              <a:t>ψ(</a:t>
-            </a:r>
-            <a:r>
-              <a:rPr lang="en-US" altLang="ja-JP" b="1" dirty="0" smtClean="0"/>
-              <a:t>r</a:t>
-            </a:r>
-            <a:r>
-              <a:rPr lang="en-US" altLang="ja-JP" dirty="0" smtClean="0"/>
-              <a:t>)</a:t>
+              <a:t>Δ</a:t>
             </a:r>
             <a:r>
               <a:rPr lang="ja-JP" altLang="en-US" dirty="0" smtClean="0"/>
@@ -11066,169 +11389,71 @@
             <a:endParaRPr lang="en-US" altLang="ja-JP" dirty="0" smtClean="0"/>
           </a:p>
           <a:p>
+            <a:endParaRPr lang="en-US" altLang="ja-JP" dirty="0" smtClean="0"/>
+          </a:p>
+          <a:p>
+            <a:r>
+              <a:rPr lang="ja-JP" altLang="en-US" dirty="0"/>
+              <a:t>であ</a:t>
+            </a:r>
+            <a:r>
+              <a:rPr lang="ja-JP" altLang="en-US" dirty="0" smtClean="0"/>
+              <a:t>り、</a:t>
+            </a:r>
+            <a:r>
+              <a:rPr lang="ja-JP" altLang="en-US" dirty="0"/>
+              <a:t>また</a:t>
+            </a:r>
+            <a:r>
+              <a:rPr lang="ja-JP" altLang="en-US" dirty="0" smtClean="0"/>
+              <a:t>水素原子は球対称であるので、</a:t>
+            </a:r>
+            <a:endParaRPr lang="en-US" altLang="ja-JP" dirty="0" smtClean="0"/>
+          </a:p>
+          <a:p>
             <a:endParaRPr lang="en-US" altLang="ja-JP" dirty="0"/>
           </a:p>
           <a:p>
             <a:r>
               <a:rPr lang="ja-JP" altLang="en-US" dirty="0" smtClean="0"/>
-              <a:t>と変数分離が可能である。ここで、</a:t>
-            </a:r>
-            <a:r>
-              <a:rPr lang="en-US" altLang="ja-JP" dirty="0" smtClean="0"/>
-              <a:t>n, l, </a:t>
+              <a:t>と変数分離が可能で</a:t>
+            </a:r>
+            <a:r>
+              <a:rPr lang="ja-JP" altLang="en-US" dirty="0"/>
+              <a:t>ある。ここで、</a:t>
             </a:r>
             <a:r>
               <a:rPr lang="en-US" altLang="ja-JP" dirty="0"/>
-              <a:t>m</a:t>
-            </a:r>
-            <a:r>
-              <a:rPr lang="ja-JP" altLang="en-US" dirty="0" smtClean="0"/>
+              <a:t>n, l, m</a:t>
+            </a:r>
+            <a:r>
+              <a:rPr lang="ja-JP" altLang="en-US" dirty="0"/>
               <a:t>はそれぞれ主量子数、方位量子数、磁気量子数である。</a:t>
             </a:r>
+          </a:p>
+          <a:p>
             <a:endParaRPr lang="en-US" altLang="ja-JP" dirty="0" smtClean="0"/>
           </a:p>
           <a:p>
-            <a:r>
-              <a:rPr lang="ja-JP" altLang="en-US" dirty="0" smtClean="0"/>
-              <a:t>この変数分離により</a:t>
-            </a:r>
-            <a:r>
-              <a:rPr lang="ja-JP" altLang="en-US" dirty="0" smtClean="0"/>
-              <a:t>、</a:t>
-            </a:r>
-            <a:r>
-              <a:rPr lang="en-US" altLang="ja-JP" dirty="0" err="1" smtClean="0"/>
-              <a:t>Sch</a:t>
-            </a:r>
-            <a:r>
-              <a:rPr lang="ja-JP" altLang="en-US" dirty="0" smtClean="0"/>
-              <a:t>方程式</a:t>
-            </a:r>
-            <a:r>
-              <a:rPr lang="ja-JP" altLang="en-US" dirty="0" smtClean="0"/>
-              <a:t>から以下の二つの方程式が得られる。</a:t>
-            </a:r>
+            <a:endParaRPr lang="en-US" altLang="ja-JP" dirty="0"/>
+          </a:p>
+          <a:p>
             <a:endParaRPr lang="en-US" altLang="ja-JP" dirty="0" smtClean="0"/>
           </a:p>
           <a:p>
-            <a:endParaRPr lang="en-US" altLang="ja-JP" dirty="0"/>
-          </a:p>
-          <a:p>
-            <a:endParaRPr lang="en-US" altLang="ja-JP" dirty="0" smtClean="0"/>
-          </a:p>
-          <a:p>
-            <a:r>
-              <a:rPr lang="ja-JP" altLang="en-US" dirty="0" smtClean="0"/>
-              <a:t>ただし、第二式の解は、球面調和</a:t>
-            </a:r>
-            <a:r>
-              <a:rPr lang="ja-JP" altLang="en-US" dirty="0" smtClean="0"/>
-              <a:t>関数と</a:t>
-            </a:r>
-            <a:r>
-              <a:rPr lang="ja-JP" altLang="en-US" dirty="0" smtClean="0"/>
-              <a:t>して解析的に得られる。</a:t>
-            </a:r>
             <a:endParaRPr lang="ja-JP" altLang="en-US" dirty="0"/>
-          </a:p>
-          <a:p>
-            <a:endParaRPr kumimoji="1" lang="ja-JP" altLang="en-US" dirty="0"/>
           </a:p>
         </p:txBody>
       </p:sp>
       <p:pic>
         <p:nvPicPr>
-          <p:cNvPr id="5" name="図 4"/>
+          <p:cNvPr id="11" name="図 10"/>
           <p:cNvPicPr>
             <a:picLocks noChangeAspect="1"/>
           </p:cNvPicPr>
           <p:nvPr>
             <p:custDataLst>
               <p:tags r:id="rId1"/>
-            </p:custDataLst>
-          </p:nvPr>
-        </p:nvPicPr>
-        <p:blipFill>
-          <a:blip r:embed="rId4" cstate="print">
-            <a:extLst>
-              <a:ext uri="{28A0092B-C50C-407E-A947-70E740481C1C}">
-                <a14:useLocalDpi xmlns:a14="http://schemas.microsoft.com/office/drawing/2010/main" val="0"/>
-              </a:ext>
-            </a:extLst>
-          </a:blip>
-          <a:stretch>
-            <a:fillRect/>
-          </a:stretch>
-        </p:blipFill>
-        <p:spPr bwMode="auto">
-          <a:xfrm>
-            <a:off x="1054400" y="4509120"/>
-            <a:ext cx="5741440" cy="990692"/>
-          </a:xfrm>
-          <a:prstGeom prst="rect">
-            <a:avLst/>
-          </a:prstGeom>
-          <a:noFill/>
-          <a:ln/>
-          <a:effectLst/>
-          <a:extLst>
-            <a:ext uri="{909E8E84-426E-40DD-AFC4-6F175D3DCCD1}">
-              <a14:hiddenFill xmlns:a14="http://schemas.microsoft.com/office/drawing/2010/main">
-                <a:pattFill prst="pct5">
-                  <a:fgClr>
-                    <a:srgbClr val="FFFFFF">
-                      <a:alpha val="0"/>
-                    </a:srgbClr>
-                  </a:fgClr>
-                  <a:bgClr>
-                    <a:srgbClr val="FFFFFF">
-                      <a:alpha val="0"/>
-                    </a:srgbClr>
-                  </a:bgClr>
-                </a:pattFill>
-              </a14:hiddenFill>
-            </a:ext>
-            <a:ext uri="{AF507438-7753-43E0-B8FC-AC1667EBCBE1}">
-              <a14:hiddenEffects xmlns:a14="http://schemas.microsoft.com/office/drawing/2010/main">
-                <a:effectLst>
-                  <a:outerShdw blurRad="63500" dist="37357" dir="2700000" rotWithShape="0">
-                    <a:scrgbClr r="0" g="0" b="0"/>
-                  </a:outerShdw>
-                </a:effectLst>
-              </a14:hiddenEffects>
-            </a:ext>
-            <a:ext uri="{31F19639-BCED-4A60-ADC4-E9642A236FB7}">
-              <a14:hiddenScene3d xmlns:a14="http://schemas.microsoft.com/office/drawing/2010/main">
-                <a:camera prst="orthographicFront">
-                  <a:rot lat="0" lon="0" rev="0"/>
-                </a:camera>
-                <a:lightRig rig="threePt" dir="t">
-                  <a:rot lat="0" lon="0" rev="0"/>
-                </a:lightRig>
-              </a14:hiddenScene3d>
-            </a:ext>
-            <a:ext uri="{E45631CC-5BF2-4C18-A39C-3461C7D3F71A}">
-              <a14:hiddenSp3d xmlns:a14="http://schemas.microsoft.com/office/drawing/2010/main" extrusionH="457200">
-                <a:contourClr>
-                  <a:srgbClr val="000000"/>
-                </a:contourClr>
-              </a14:hiddenSp3d>
-            </a:ext>
-            <a:ext uri="{53640926-AAD7-44D8-BBD7-CCE9431645EC}">
-              <a14:shadowObscured xmlns:a14="http://schemas.microsoft.com/office/drawing/2010/main"/>
-            </a:ext>
-          </a:extLst>
-        </p:spPr>
-      </p:pic>
-      <p:pic>
-        <p:nvPicPr>
-          <p:cNvPr id="4" name="図 3"/>
-          <p:cNvPicPr>
-            <a:picLocks noChangeAspect="1"/>
-          </p:cNvPicPr>
-          <p:nvPr>
-            <p:custDataLst>
-              <p:tags r:id="rId2"/>
             </p:custDataLst>
           </p:nvPr>
         </p:nvPicPr>
@@ -11244,64 +11469,82 @@
             <a:fillRect/>
           </a:stretch>
         </p:blipFill>
-        <p:spPr bwMode="auto">
+        <p:spPr>
           <a:xfrm>
-            <a:off x="1054400" y="2368992"/>
-            <a:ext cx="2616202" cy="559201"/>
+            <a:off x="1054399" y="3573016"/>
+            <a:ext cx="7045993" cy="707025"/>
           </a:xfrm>
           <a:prstGeom prst="rect">
             <a:avLst/>
           </a:prstGeom>
-          <a:noFill/>
-          <a:ln/>
-          <a:effectLst/>
-          <a:extLst>
-            <a:ext uri="{909E8E84-426E-40DD-AFC4-6F175D3DCCD1}">
-              <a14:hiddenFill xmlns:a14="http://schemas.microsoft.com/office/drawing/2010/main">
-                <a:pattFill prst="pct5">
-                  <a:fgClr>
-                    <a:srgbClr val="FFFFFF">
-                      <a:alpha val="0"/>
-                    </a:srgbClr>
-                  </a:fgClr>
-                  <a:bgClr>
-                    <a:srgbClr val="FFFFFF">
-                      <a:alpha val="0"/>
-                    </a:srgbClr>
-                  </a:bgClr>
-                </a:pattFill>
-              </a14:hiddenFill>
-            </a:ext>
-            <a:ext uri="{AF507438-7753-43E0-B8FC-AC1667EBCBE1}">
-              <a14:hiddenEffects xmlns:a14="http://schemas.microsoft.com/office/drawing/2010/main">
-                <a:effectLst>
-                  <a:outerShdw blurRad="63500" dist="37357" dir="2700000" rotWithShape="0">
-                    <a:scrgbClr r="0" g="0" b="0"/>
-                  </a:outerShdw>
-                </a:effectLst>
-              </a14:hiddenEffects>
-            </a:ext>
-            <a:ext uri="{31F19639-BCED-4A60-ADC4-E9642A236FB7}">
-              <a14:hiddenScene3d xmlns:a14="http://schemas.microsoft.com/office/drawing/2010/main">
-                <a:camera prst="orthographicFront">
-                  <a:rot lat="0" lon="0" rev="0"/>
-                </a:camera>
-                <a:lightRig rig="threePt" dir="t">
-                  <a:rot lat="0" lon="0" rev="0"/>
-                </a:lightRig>
-              </a14:hiddenScene3d>
-            </a:ext>
-            <a:ext uri="{E45631CC-5BF2-4C18-A39C-3461C7D3F71A}">
-              <a14:hiddenSp3d xmlns:a14="http://schemas.microsoft.com/office/drawing/2010/main" extrusionH="457200">
-                <a:contourClr>
-                  <a:srgbClr val="000000"/>
-                </a:contourClr>
-              </a14:hiddenSp3d>
-            </a:ext>
-            <a:ext uri="{53640926-AAD7-44D8-BBD7-CCE9431645EC}">
-              <a14:shadowObscured xmlns:a14="http://schemas.microsoft.com/office/drawing/2010/main"/>
-            </a:ext>
-          </a:extLst>
+        </p:spPr>
+      </p:pic>
+      <p:pic>
+        <p:nvPicPr>
+          <p:cNvPr id="14" name="図 13"/>
+          <p:cNvPicPr>
+            <a:picLocks noChangeAspect="1"/>
+          </p:cNvPicPr>
+          <p:nvPr>
+            <p:custDataLst>
+              <p:tags r:id="rId2"/>
+            </p:custDataLst>
+          </p:nvPr>
+        </p:nvPicPr>
+        <p:blipFill>
+          <a:blip r:embed="rId6" cstate="print">
+            <a:extLst>
+              <a:ext uri="{28A0092B-C50C-407E-A947-70E740481C1C}">
+                <a14:useLocalDpi xmlns:a14="http://schemas.microsoft.com/office/drawing/2010/main" val="0"/>
+              </a:ext>
+            </a:extLst>
+          </a:blip>
+          <a:stretch>
+            <a:fillRect/>
+          </a:stretch>
+        </p:blipFill>
+        <p:spPr>
+          <a:xfrm>
+            <a:off x="1054399" y="4725144"/>
+            <a:ext cx="3653333" cy="344762"/>
+          </a:xfrm>
+          <a:prstGeom prst="rect">
+            <a:avLst/>
+          </a:prstGeom>
+        </p:spPr>
+      </p:pic>
+      <p:pic>
+        <p:nvPicPr>
+          <p:cNvPr id="16" name="図 15"/>
+          <p:cNvPicPr>
+            <a:picLocks noChangeAspect="1"/>
+          </p:cNvPicPr>
+          <p:nvPr>
+            <p:custDataLst>
+              <p:tags r:id="rId3"/>
+            </p:custDataLst>
+          </p:nvPr>
+        </p:nvPicPr>
+        <p:blipFill>
+          <a:blip r:embed="rId7" cstate="print">
+            <a:extLst>
+              <a:ext uri="{28A0092B-C50C-407E-A947-70E740481C1C}">
+                <a14:useLocalDpi xmlns:a14="http://schemas.microsoft.com/office/drawing/2010/main" val="0"/>
+              </a:ext>
+            </a:extLst>
+          </a:blip>
+          <a:stretch>
+            <a:fillRect/>
+          </a:stretch>
+        </p:blipFill>
+        <p:spPr>
+          <a:xfrm>
+            <a:off x="1054399" y="2540000"/>
+            <a:ext cx="6906667" cy="645714"/>
+          </a:xfrm>
+          <a:prstGeom prst="rect">
+            <a:avLst/>
+          </a:prstGeom>
         </p:spPr>
       </p:pic>
     </p:spTree>
@@ -11325,6 +11568,140 @@
 </file>
 
 <file path=ppt/slides/slide7.xml><?xml version="1.0" encoding="utf-8"?>
+<p:sld xmlns:a="http://schemas.openxmlformats.org/drawingml/2006/main" xmlns:r="http://schemas.openxmlformats.org/officeDocument/2006/relationships" xmlns:p="http://schemas.openxmlformats.org/presentationml/2006/main">
+  <p:cSld>
+    <p:spTree>
+      <p:nvGrpSpPr>
+        <p:cNvPr id="1" name=""/>
+        <p:cNvGrpSpPr/>
+        <p:nvPr/>
+      </p:nvGrpSpPr>
+      <p:grpSpPr>
+        <a:xfrm>
+          <a:off x="0" y="0"/>
+          <a:ext cx="0" cy="0"/>
+          <a:chOff x="0" y="0"/>
+          <a:chExt cx="0" cy="0"/>
+        </a:xfrm>
+      </p:grpSpPr>
+      <p:sp>
+        <p:nvSpPr>
+          <p:cNvPr id="2" name="タイトル 1"/>
+          <p:cNvSpPr>
+            <a:spLocks noGrp="1"/>
+          </p:cNvSpPr>
+          <p:nvPr>
+            <p:ph type="title"/>
+          </p:nvPr>
+        </p:nvSpPr>
+        <p:spPr/>
+        <p:txBody>
+          <a:bodyPr/>
+          <a:lstStyle/>
+          <a:p>
+            <a:r>
+              <a:rPr kumimoji="1" lang="en-US" altLang="ja-JP" dirty="0" err="1" smtClean="0"/>
+              <a:t>Sch</a:t>
+            </a:r>
+            <a:r>
+              <a:rPr kumimoji="1" lang="ja-JP" altLang="en-US" dirty="0" smtClean="0"/>
+              <a:t>方程式の変数分離</a:t>
+            </a:r>
+            <a:endParaRPr kumimoji="1" lang="ja-JP" altLang="en-US" dirty="0"/>
+          </a:p>
+        </p:txBody>
+      </p:sp>
+      <p:sp>
+        <p:nvSpPr>
+          <p:cNvPr id="3" name="コンテンツ プレースホルダー 2"/>
+          <p:cNvSpPr>
+            <a:spLocks noGrp="1"/>
+          </p:cNvSpPr>
+          <p:nvPr>
+            <p:ph sz="quarter" idx="1"/>
+          </p:nvPr>
+        </p:nvSpPr>
+        <p:spPr/>
+        <p:txBody>
+          <a:bodyPr/>
+          <a:lstStyle/>
+          <a:p>
+            <a:r>
+              <a:rPr kumimoji="1" lang="ja-JP" altLang="en-US" dirty="0" smtClean="0"/>
+              <a:t>この変数分離により、以下の二つの微分方程式が得られる。</a:t>
+            </a:r>
+            <a:endParaRPr kumimoji="1" lang="en-US" altLang="ja-JP" dirty="0" smtClean="0"/>
+          </a:p>
+          <a:p>
+            <a:endParaRPr lang="en-US" altLang="ja-JP" dirty="0"/>
+          </a:p>
+          <a:p>
+            <a:endParaRPr kumimoji="1" lang="en-US" altLang="ja-JP" dirty="0" smtClean="0"/>
+          </a:p>
+          <a:p>
+            <a:r>
+              <a:rPr kumimoji="1" lang="ja-JP" altLang="en-US" dirty="0" smtClean="0"/>
+              <a:t>第二式の解は、球面調和関数として解析的に得られるので、数値的に解くべき方程式は第一式である。</a:t>
+            </a:r>
+            <a:endParaRPr kumimoji="1" lang="ja-JP" altLang="en-US" dirty="0"/>
+          </a:p>
+        </p:txBody>
+      </p:sp>
+      <p:pic>
+        <p:nvPicPr>
+          <p:cNvPr id="5" name="図 4"/>
+          <p:cNvPicPr>
+            <a:picLocks noChangeAspect="1"/>
+          </p:cNvPicPr>
+          <p:nvPr>
+            <p:custDataLst>
+              <p:tags r:id="rId1"/>
+            </p:custDataLst>
+          </p:nvPr>
+        </p:nvPicPr>
+        <p:blipFill>
+          <a:blip r:embed="rId3" cstate="print">
+            <a:extLst>
+              <a:ext uri="{28A0092B-C50C-407E-A947-70E740481C1C}">
+                <a14:useLocalDpi xmlns:a14="http://schemas.microsoft.com/office/drawing/2010/main" val="0"/>
+              </a:ext>
+            </a:extLst>
+          </a:blip>
+          <a:stretch>
+            <a:fillRect/>
+          </a:stretch>
+        </p:blipFill>
+        <p:spPr>
+          <a:xfrm>
+            <a:off x="971600" y="2540000"/>
+            <a:ext cx="7533333" cy="1139048"/>
+          </a:xfrm>
+          <a:prstGeom prst="rect">
+            <a:avLst/>
+          </a:prstGeom>
+        </p:spPr>
+      </p:pic>
+    </p:spTree>
+    <p:extLst>
+      <p:ext uri="{BB962C8B-B14F-4D97-AF65-F5344CB8AC3E}">
+        <p14:creationId xmlns:p14="http://schemas.microsoft.com/office/powerpoint/2010/main" val="2795536615"/>
+      </p:ext>
+    </p:extLst>
+  </p:cSld>
+  <p:clrMapOvr>
+    <a:masterClrMapping/>
+  </p:clrMapOvr>
+  <p:timing>
+    <p:tnLst>
+      <p:par>
+        <p:cTn id="1" dur="indefinite" restart="never" nodeType="tmRoot"/>
+      </p:par>
+    </p:tnLst>
+  </p:timing>
+</p:sld>
+</file>
+
+<file path=ppt/slides/slide8.xml><?xml version="1.0" encoding="utf-8"?>
 <p:sld xmlns:a="http://schemas.openxmlformats.org/drawingml/2006/main" xmlns:r="http://schemas.openxmlformats.org/officeDocument/2006/relationships" xmlns:p="http://schemas.openxmlformats.org/presentationml/2006/main">
   <p:cSld>
     <p:spTree>
@@ -11508,7 +11885,7 @@
 </p:sld>
 </file>
 
-<file path=ppt/slides/slide8.xml><?xml version="1.0" encoding="utf-8"?>
+<file path=ppt/slides/slide9.xml><?xml version="1.0" encoding="utf-8"?>
 <p:sld xmlns:a="http://schemas.openxmlformats.org/drawingml/2006/main" xmlns:r="http://schemas.openxmlformats.org/officeDocument/2006/relationships" xmlns:p="http://schemas.openxmlformats.org/presentationml/2006/main">
   <p:cSld>
     <p:spTree>
@@ -11868,342 +12245,6 @@
 </p:sld>
 </file>
 
-<file path=ppt/slides/slide9.xml><?xml version="1.0" encoding="utf-8"?>
-<p:sld xmlns:a="http://schemas.openxmlformats.org/drawingml/2006/main" xmlns:r="http://schemas.openxmlformats.org/officeDocument/2006/relationships" xmlns:p="http://schemas.openxmlformats.org/presentationml/2006/main">
-  <p:cSld>
-    <p:spTree>
-      <p:nvGrpSpPr>
-        <p:cNvPr id="1" name=""/>
-        <p:cNvGrpSpPr/>
-        <p:nvPr/>
-      </p:nvGrpSpPr>
-      <p:grpSpPr>
-        <a:xfrm>
-          <a:off x="0" y="0"/>
-          <a:ext cx="0" cy="0"/>
-          <a:chOff x="0" y="0"/>
-          <a:chExt cx="0" cy="0"/>
-        </a:xfrm>
-      </p:grpSpPr>
-      <p:sp>
-        <p:nvSpPr>
-          <p:cNvPr id="2" name="タイトル 1"/>
-          <p:cNvSpPr>
-            <a:spLocks noGrp="1"/>
-          </p:cNvSpPr>
-          <p:nvPr>
-            <p:ph type="title"/>
-          </p:nvPr>
-        </p:nvSpPr>
-        <p:spPr/>
-        <p:txBody>
-          <a:bodyPr/>
-          <a:lstStyle/>
-          <a:p>
-            <a:r>
-              <a:rPr lang="ja-JP" altLang="en-US" dirty="0"/>
-              <a:t>遠方</a:t>
-            </a:r>
-            <a:r>
-              <a:rPr kumimoji="1" lang="ja-JP" altLang="en-US" dirty="0" smtClean="0"/>
-              <a:t>での振る舞い</a:t>
-            </a:r>
-            <a:endParaRPr kumimoji="1" lang="ja-JP" altLang="en-US" dirty="0"/>
-          </a:p>
-        </p:txBody>
-      </p:sp>
-      <p:sp>
-        <p:nvSpPr>
-          <p:cNvPr id="3" name="コンテンツ プレースホルダー 2"/>
-          <p:cNvSpPr>
-            <a:spLocks noGrp="1"/>
-          </p:cNvSpPr>
-          <p:nvPr>
-            <p:ph sz="quarter" idx="1"/>
-          </p:nvPr>
-        </p:nvSpPr>
-        <p:spPr>
-          <a:xfrm>
-            <a:off x="612648" y="1600200"/>
-            <a:ext cx="8153400" cy="5141168"/>
-          </a:xfrm>
-        </p:spPr>
-        <p:txBody>
-          <a:bodyPr>
-            <a:normAutofit fontScale="92500" lnSpcReduction="10000"/>
-          </a:bodyPr>
-          <a:lstStyle/>
-          <a:p>
-            <a:r>
-              <a:rPr kumimoji="1" lang="ja-JP" altLang="en-US" dirty="0" smtClean="0"/>
-              <a:t>次に</a:t>
-            </a:r>
-            <a:r>
-              <a:rPr lang="ja-JP" altLang="en-US" dirty="0"/>
-              <a:t>遠方</a:t>
-            </a:r>
-            <a:r>
-              <a:rPr kumimoji="1" lang="ja-JP" altLang="en-US" dirty="0" smtClean="0"/>
-              <a:t>での振る舞いを調べてみる。文献</a:t>
-            </a:r>
-            <a:r>
-              <a:rPr lang="en-US" altLang="ja-JP" baseline="30000" dirty="0" smtClean="0"/>
-              <a:t>[1]</a:t>
-            </a:r>
-            <a:r>
-              <a:rPr lang="ja-JP" altLang="en-US" dirty="0" smtClean="0"/>
-              <a:t>によれば遠方で漸進的に、</a:t>
-            </a:r>
-            <a:endParaRPr lang="en-US" altLang="ja-JP" dirty="0" smtClean="0"/>
-          </a:p>
-          <a:p>
-            <a:endParaRPr lang="en-US" altLang="ja-JP" dirty="0"/>
-          </a:p>
-          <a:p>
-            <a:r>
-              <a:rPr lang="ja-JP" altLang="en-US" dirty="0"/>
-              <a:t>と書いてあるが</a:t>
-            </a:r>
-            <a:r>
-              <a:rPr lang="ja-JP" altLang="en-US" dirty="0" smtClean="0"/>
-              <a:t>、これは粗すぎる。ここで、論文</a:t>
-            </a:r>
-            <a:r>
-              <a:rPr lang="en-US" altLang="ja-JP" baseline="30000" dirty="0" smtClean="0"/>
-              <a:t>[2]</a:t>
-            </a:r>
-            <a:r>
-              <a:rPr lang="ja-JP" altLang="en-US" dirty="0" smtClean="0"/>
-              <a:t>によれば、やはり遠方</a:t>
-            </a:r>
-            <a:r>
-              <a:rPr lang="ja-JP" altLang="en-US" dirty="0"/>
-              <a:t>で漸進的に</a:t>
-            </a:r>
-            <a:r>
-              <a:rPr lang="ja-JP" altLang="en-US" dirty="0" smtClean="0"/>
-              <a:t>、</a:t>
-            </a:r>
-            <a:endParaRPr lang="en-US" altLang="ja-JP" dirty="0" smtClean="0"/>
-          </a:p>
-          <a:p>
-            <a:endParaRPr kumimoji="1" lang="en-US" altLang="ja-JP" dirty="0" smtClean="0"/>
-          </a:p>
-          <a:p>
-            <a:endParaRPr lang="en-US" altLang="ja-JP" dirty="0"/>
-          </a:p>
-          <a:p>
-            <a:endParaRPr kumimoji="1" lang="en-US" altLang="ja-JP" dirty="0" smtClean="0"/>
-          </a:p>
-          <a:p>
-            <a:r>
-              <a:rPr kumimoji="1" lang="ja-JP" altLang="en-US" dirty="0" smtClean="0"/>
-              <a:t>である。ここで、</a:t>
-            </a:r>
-            <a:r>
-              <a:rPr kumimoji="1" lang="en-US" altLang="ja-JP" dirty="0" smtClean="0"/>
-              <a:t>λ = 3.886, x</a:t>
-            </a:r>
-            <a:r>
-              <a:rPr kumimoji="1" lang="en-US" altLang="ja-JP" baseline="-25000" dirty="0" smtClean="0"/>
-              <a:t>0</a:t>
-            </a:r>
-            <a:r>
-              <a:rPr kumimoji="1" lang="en-US" altLang="ja-JP" dirty="0" smtClean="0"/>
-              <a:t> = 5.2415</a:t>
-            </a:r>
-            <a:r>
-              <a:rPr kumimoji="1" lang="ja-JP" altLang="en-US" dirty="0" smtClean="0"/>
-              <a:t>である。</a:t>
-            </a:r>
-            <a:endParaRPr kumimoji="1" lang="en-US" altLang="ja-JP" dirty="0" smtClean="0"/>
-          </a:p>
-          <a:p>
-            <a:endParaRPr kumimoji="1" lang="en-US" altLang="ja-JP" dirty="0" smtClean="0"/>
-          </a:p>
-          <a:p>
-            <a:r>
-              <a:rPr lang="en-US" altLang="ja-JP" sz="1500" dirty="0" smtClean="0"/>
-              <a:t>[1] R.G</a:t>
-            </a:r>
-            <a:r>
-              <a:rPr lang="en-US" altLang="ja-JP" sz="1500" dirty="0"/>
-              <a:t>.</a:t>
-            </a:r>
-            <a:r>
-              <a:rPr lang="ja-JP" altLang="en-US" sz="1500" dirty="0"/>
-              <a:t>パール</a:t>
-            </a:r>
-            <a:r>
-              <a:rPr lang="en-US" altLang="ja-JP" sz="1500" dirty="0"/>
-              <a:t>, W.</a:t>
-            </a:r>
-            <a:r>
-              <a:rPr lang="ja-JP" altLang="en-US" sz="1500" dirty="0"/>
-              <a:t>ヤング </a:t>
-            </a:r>
-            <a:r>
-              <a:rPr lang="en-US" altLang="ja-JP" sz="1500" dirty="0"/>
-              <a:t>『</a:t>
-            </a:r>
-            <a:r>
-              <a:rPr lang="ja-JP" altLang="en-US" sz="1500" dirty="0"/>
-              <a:t>原子･分子の密度汎関数法</a:t>
-            </a:r>
-            <a:r>
-              <a:rPr lang="en-US" altLang="ja-JP" sz="1500" dirty="0" smtClean="0"/>
-              <a:t>』</a:t>
-            </a:r>
-            <a:r>
-              <a:rPr lang="ja-JP" altLang="en-US" sz="1500" dirty="0" smtClean="0"/>
-              <a:t>シュプリンガー</a:t>
-            </a:r>
-            <a:r>
-              <a:rPr lang="ja-JP" altLang="en-US" sz="1500" dirty="0"/>
-              <a:t>・フェアラーク東京（</a:t>
-            </a:r>
-            <a:r>
-              <a:rPr lang="en-US" altLang="ja-JP" sz="1500" dirty="0"/>
-              <a:t>1996</a:t>
-            </a:r>
-            <a:r>
-              <a:rPr lang="ja-JP" altLang="en-US" sz="1500" dirty="0"/>
-              <a:t>）</a:t>
-            </a:r>
-          </a:p>
-          <a:p>
-            <a:r>
-              <a:rPr lang="en-US" altLang="ja-JP" sz="1500" dirty="0" smtClean="0"/>
-              <a:t>[2] M. </a:t>
-            </a:r>
-            <a:r>
-              <a:rPr lang="en-US" altLang="ja-JP" sz="1500" dirty="0" err="1" smtClean="0"/>
-              <a:t>Desaix</a:t>
-            </a:r>
-            <a:r>
-              <a:rPr lang="en-US" altLang="ja-JP" sz="1500" dirty="0" smtClean="0"/>
-              <a:t>, D. Anderson, and M. </a:t>
-            </a:r>
-            <a:r>
-              <a:rPr lang="en-US" altLang="ja-JP" sz="1500" dirty="0" err="1" smtClean="0"/>
-              <a:t>Lisak</a:t>
-            </a:r>
-            <a:r>
-              <a:rPr lang="en-US" altLang="ja-JP" sz="1500" dirty="0" smtClean="0"/>
-              <a:t>, </a:t>
-            </a:r>
-            <a:r>
-              <a:rPr lang="en-US" altLang="ja-JP" sz="1500" i="1" dirty="0" smtClean="0"/>
-              <a:t>Eur</a:t>
-            </a:r>
-            <a:r>
-              <a:rPr lang="en-US" altLang="ja-JP" sz="1500" i="1" dirty="0"/>
-              <a:t>. J. Phys. </a:t>
-            </a:r>
-            <a:r>
-              <a:rPr lang="en-US" altLang="ja-JP" sz="1500" b="1" dirty="0" smtClean="0"/>
-              <a:t>25</a:t>
-            </a:r>
-            <a:r>
-              <a:rPr lang="en-US" altLang="ja-JP" sz="1500" dirty="0"/>
-              <a:t> (2004) </a:t>
-            </a:r>
-            <a:r>
-              <a:rPr lang="en-US" altLang="ja-JP" sz="1500" dirty="0" smtClean="0"/>
-              <a:t>699.</a:t>
-            </a:r>
-            <a:endParaRPr kumimoji="1" lang="ja-JP" altLang="en-US" sz="1500" dirty="0"/>
-          </a:p>
-        </p:txBody>
-      </p:sp>
-      <p:pic>
-        <p:nvPicPr>
-          <p:cNvPr id="5" name="図 4"/>
-          <p:cNvPicPr>
-            <a:picLocks noChangeAspect="1"/>
-          </p:cNvPicPr>
-          <p:nvPr>
-            <p:custDataLst>
-              <p:tags r:id="rId1"/>
-            </p:custDataLst>
-          </p:nvPr>
-        </p:nvPicPr>
-        <p:blipFill>
-          <a:blip r:embed="rId4" cstate="print">
-            <a:extLst>
-              <a:ext uri="{28A0092B-C50C-407E-A947-70E740481C1C}">
-                <a14:useLocalDpi xmlns:a14="http://schemas.microsoft.com/office/drawing/2010/main" val="0"/>
-              </a:ext>
-            </a:extLst>
-          </a:blip>
-          <a:stretch>
-            <a:fillRect/>
-          </a:stretch>
-        </p:blipFill>
-        <p:spPr>
-          <a:xfrm>
-            <a:off x="1043608" y="2420888"/>
-            <a:ext cx="1295402" cy="533402"/>
-          </a:xfrm>
-          <a:prstGeom prst="rect">
-            <a:avLst/>
-          </a:prstGeom>
-        </p:spPr>
-      </p:pic>
-      <p:pic>
-        <p:nvPicPr>
-          <p:cNvPr id="17" name="図 16"/>
-          <p:cNvPicPr>
-            <a:picLocks noChangeAspect="1"/>
-          </p:cNvPicPr>
-          <p:nvPr>
-            <p:custDataLst>
-              <p:tags r:id="rId2"/>
-            </p:custDataLst>
-          </p:nvPr>
-        </p:nvPicPr>
-        <p:blipFill>
-          <a:blip r:embed="rId5" cstate="print">
-            <a:extLst>
-              <a:ext uri="{28A0092B-C50C-407E-A947-70E740481C1C}">
-                <a14:useLocalDpi xmlns:a14="http://schemas.microsoft.com/office/drawing/2010/main" val="0"/>
-              </a:ext>
-            </a:extLst>
-          </a:blip>
-          <a:stretch>
-            <a:fillRect/>
-          </a:stretch>
-        </p:blipFill>
-        <p:spPr>
-          <a:xfrm>
-            <a:off x="1043608" y="3717032"/>
-            <a:ext cx="5638812" cy="1321310"/>
-          </a:xfrm>
-          <a:prstGeom prst="rect">
-            <a:avLst/>
-          </a:prstGeom>
-        </p:spPr>
-      </p:pic>
-    </p:spTree>
-    <p:extLst>
-      <p:ext uri="{BB962C8B-B14F-4D97-AF65-F5344CB8AC3E}">
-        <p14:creationId xmlns:p14="http://schemas.microsoft.com/office/powerpoint/2010/main" val="3232447963"/>
-      </p:ext>
-    </p:extLst>
-  </p:cSld>
-  <p:clrMapOvr>
-    <a:masterClrMapping/>
-  </p:clrMapOvr>
-  <p:timing>
-    <p:tnLst>
-      <p:par>
-        <p:cTn id="1" dur="indefinite" restart="never" nodeType="tmRoot"/>
-      </p:par>
-    </p:tnLst>
-  </p:timing>
-</p:sld>
-</file>
-
 <file path=ppt/tags/tag1.xml><?xml version="1.0" encoding="utf-8"?>
 <p:tagLst xmlns:a="http://schemas.openxmlformats.org/drawingml/2006/main" xmlns:r="http://schemas.openxmlformats.org/officeDocument/2006/relationships" xmlns:p="http://schemas.openxmlformats.org/presentationml/2006/main">
   <p:tag name="FIRSTHIROYUKI@FMJMRY0FUVWYY5H6" val="4128"/>
@@ -12214,6 +12255,38 @@
 </file>
 
 <file path=ppt/tags/tag10.xml><?xml version="1.0" encoding="utf-8"?>
+<p:tagLst xmlns:a="http://schemas.openxmlformats.org/drawingml/2006/main" xmlns:r="http://schemas.openxmlformats.org/officeDocument/2006/relationships" xmlns:p="http://schemas.openxmlformats.org/presentationml/2006/main">
+  <p:tag name="TEXPOINT" val="latex"/>
+  <p:tag name="SOURCE" val="\documentclass{article}\pagestyle{empty}&#10;\usepackage{amsmath}&#10;\usepackage{amsfonts}%&#10;\setcounter{MaxMatrixCols}{30}%&#10;\usepackage{amssymb}%&#10;\usepackage{graphicx}&#10;\newtheorem{theorem}{\U{5b9a}\U{7406}}&#10;\newtheorem{acknowledgement}[theorem]{\U{627f}\U{8a8d}}&#10;\newtheorem{algorithm}[theorem]{\U{30a2}\U{30eb}\U{30b4}\U{30ea}\U{30ba}\U{30e0}}&#10;\newtheorem{axiom}[theorem]{\U{516c}\U{7406}}&#10;\newtheorem{case}[theorem]{\U{5834}\U{5408}}&#10;\newtheorem{claim}[theorem]{\U{4e3b}\U{5f35}}&#10;\newtheorem{conclusion}[theorem]{\U{7d50}\U{8ad6}}&#10;\newtheorem{condition}[theorem]{\U{6761}\U{4ef6}}&#10;\newtheorem{conjecture}[theorem]{\U{63a8}\U{8ad6}}&#10;\newtheorem{corollary}[theorem]{\U{7cfb}}&#10;\newtheorem{criterion}[theorem]{\U{57fa}\U{6e96}}&#10;\newtheorem{definition}[theorem]{\U{5b9a}\U{7fa9}}&#10;\newtheorem{example}[theorem]{\U{4f8b}}&#10;\newtheorem{exercise}[theorem]{\U{7df4}\U{7fd2}}&#10;\newtheorem{lemma}[theorem]{\U{88dc}\U{984c}}&#10;\newtheorem{notation}[theorem]{\U{8a18}\U{53f7}}&#10;\newtheorem{problem}[theorem]{\U{554f}\U{984c}}&#10;\newtheorem{proposition}[theorem]{\U{547d}\U{984c}}&#10;\newtheorem{remark}[theorem]{\U{8a18}\U{4e8b}}&#10;\newtheorem{solution}[theorem]{\U{89e3}\U{6cd5}}&#10;\newtheorem{summary}[theorem]{\U{8981}\U{7d04}}&#10;\newenvironment{proof}[1][\U{8a3c}\U{660e}]{\noindent\textbf{#1.} }{\ \rule{0.5em}{0.5em}}&#10;\begin{document}&#10;$y\left(  x\right)  =1+Bx+\dfrac{4}{3}x\sqrt{x}+\dfrac{2}{5}Bx^{\frac{5}{2}%&#10;}+\dfrac{1}{3}x^{3}+\ldots$&#10;\end{document}&#10;"/>
+  <p:tag name="FILENAME" val="TP_tmp"/>
+  <p:tag name="FORMAT" val="png16m"/>
+  <p:tag name="RES" val="1200"/>
+  <p:tag name="BLEND" val="0"/>
+  <p:tag name="TRANSPARENT" val="0"/>
+  <p:tag name="TBUG" val="0"/>
+  <p:tag name="ALLOWFS" val="0"/>
+  <p:tag name="ORIGWIDTH" val="197"/>
+  <p:tag name="PICTUREFILESIZE" val="12844"/>
+</p:tagLst>
+</file>
+
+<file path=ppt/tags/tag11.xml><?xml version="1.0" encoding="utf-8"?>
+<p:tagLst xmlns:a="http://schemas.openxmlformats.org/drawingml/2006/main" xmlns:r="http://schemas.openxmlformats.org/officeDocument/2006/relationships" xmlns:p="http://schemas.openxmlformats.org/presentationml/2006/main">
+  <p:tag name="TEXPOINT" val="latex"/>
+  <p:tag name="SOURCE" val="\documentclass{article}\pagestyle{empty}&#10;\usepackage{amsmath}&#10;\usepackage{amsfonts}%&#10;\setcounter{MaxMatrixCols}{30}%&#10;\usepackage{amssymb}%&#10;\usepackage{graphicx}&#10;\newtheorem{theorem}{\U{5b9a}\U{7406}}&#10;\newtheorem{acknowledgement}[theorem]{\U{627f}\U{8a8d}}&#10;\newtheorem{algorithm}[theorem]{\U{30a2}\U{30eb}\U{30b4}\U{30ea}\U{30ba}\U{30e0}}&#10;\newtheorem{axiom}[theorem]{\U{516c}\U{7406}}&#10;\newtheorem{case}[theorem]{\U{5834}\U{5408}}&#10;\newtheorem{claim}[theorem]{\U{4e3b}\U{5f35}}&#10;\newtheorem{conclusion}[theorem]{\U{7d50}\U{8ad6}}&#10;\newtheorem{condition}[theorem]{\U{6761}\U{4ef6}}&#10;\newtheorem{conjecture}[theorem]{\U{63a8}\U{8ad6}}&#10;\newtheorem{corollary}[theorem]{\U{7cfb}}&#10;\newtheorem{criterion}[theorem]{\U{57fa}\U{6e96}}&#10;\newtheorem{definition}[theorem]{\U{5b9a}\U{7fa9}}&#10;\newtheorem{example}[theorem]{\U{4f8b}}&#10;\newtheorem{exercise}[theorem]{\U{7df4}\U{7fd2}}&#10;\newtheorem{lemma}[theorem]{\U{88dc}\U{984c}}&#10;\newtheorem{notation}[theorem]{\U{8a18}\U{53f7}}&#10;\newtheorem{problem}[theorem]{\U{554f}\U{984c}}&#10;\newtheorem{proposition}[theorem]{\U{547d}\U{984c}}&#10;\newtheorem{remark}[theorem]{\U{8a18}\U{4e8b}}&#10;\newtheorem{solution}[theorem]{\U{89e3}\U{6cd5}}&#10;\newtheorem{summary}[theorem]{\U{8981}\U{7d04}}&#10;\newenvironment{proof}[1][\U{8a3c}\U{660e}]{\noindent\textbf{#1.} }{\ \rule{0.5em}{0.5em}}&#10;\begin{document}&#10;$y^{\prime}\left(  x\right)  =B+2\sqrt{x}+Bx^{\frac{3}{2}}+x^{2}+\dfrac{3}%&#10;{20}Bx^{\frac{5}{2}}+\ldots$&#10;\end{document}&#10;"/>
+  <p:tag name="FILENAME" val="TP_tmp"/>
+  <p:tag name="FORMAT" val="png16m"/>
+  <p:tag name="RES" val="1200"/>
+  <p:tag name="BLEND" val="0"/>
+  <p:tag name="TRANSPARENT" val="0"/>
+  <p:tag name="TBUG" val="0"/>
+  <p:tag name="ALLOWFS" val="0"/>
+  <p:tag name="ORIGWIDTH" val="199"/>
+  <p:tag name="PICTUREFILESIZE" val="13282"/>
+</p:tagLst>
+</file>
+
+<file path=ppt/tags/tag12.xml><?xml version="1.0" encoding="utf-8"?>
 <p:tagLst xmlns:a="http://schemas.openxmlformats.org/drawingml/2006/main" xmlns:r="http://schemas.openxmlformats.org/officeDocument/2006/relationships" xmlns:p="http://schemas.openxmlformats.org/presentationml/2006/main">
   <p:tag name="TEXPOINT" val="latex"/>
   <p:tag name="SOURCE" val="\documentclass{article}\pagestyle{empty}&#10;\usepackage{amsmath}&#10;\usepackage{amsfonts}%&#10;\setcounter{MaxMatrixCols}{30}%&#10;\usepackage{amssymb}%&#10;\usepackage{graphicx}&#10;\newtheorem{theorem}{\U{5b9a}\U{7406}}&#10;\newtheorem{acknowledgement}[theorem]{\U{627f}\U{8a8d}}&#10;\newtheorem{algorithm}[theorem]{\U{30a2}\U{30eb}\U{30b4}\U{30ea}\U{30ba}\U{30e0}}&#10;\newtheorem{axiom}[theorem]{\U{516c}\U{7406}}&#10;\newtheorem{case}[theorem]{\U{5834}\U{5408}}&#10;\newtheorem{claim}[theorem]{\U{4e3b}\U{5f35}}&#10;\newtheorem{conclusion}[theorem]{\U{7d50}\U{8ad6}}&#10;\newtheorem{condition}[theorem]{\U{6761}\U{4ef6}}&#10;\newtheorem{conjecture}[theorem]{\U{63a8}\U{8ad6}}&#10;\newtheorem{corollary}[theorem]{\U{7cfb}}&#10;\newtheorem{criterion}[theorem]{\U{57fa}\U{6e96}}&#10;\newtheorem{definition}[theorem]{\U{5b9a}\U{7fa9}}&#10;\newtheorem{example}[theorem]{\U{4f8b}}&#10;\newtheorem{exercise}[theorem]{\U{7df4}\U{7fd2}}&#10;\newtheorem{lemma}[theorem]{\U{88dc}\U{984c}}&#10;\newtheorem{notation}[theorem]{\U{8a18}\U{53f7}}&#10;\newtheorem{problem}[theorem]{\U{554f}\U{984c}}&#10;\newtheorem{proposition}[theorem]{\U{547d}\U{984c}}&#10;\newtheorem{remark}[theorem]{\U{8a18}\U{4e8b}}&#10;\newtheorem{solution}[theorem]{\U{89e3}\U{6cd5}}&#10;\newtheorem{summary}[theorem]{\U{8981}\U{7d04}}&#10;\newenvironment{proof}[1][\U{8a3c}\U{660e}]{\noindent\textbf{#1.} }{\ \rule{0.5em}{0.5em}}&#10;\begin{document}&#10;$B\approx-1.588076779$&#10;\end{document}&#10;"/>
@@ -12229,7 +12302,7 @@
 </p:tagLst>
 </file>
 
-<file path=ppt/tags/tag11.xml><?xml version="1.0" encoding="utf-8"?>
+<file path=ppt/tags/tag13.xml><?xml version="1.0" encoding="utf-8"?>
 <p:tagLst xmlns:a="http://schemas.openxmlformats.org/drawingml/2006/main" xmlns:r="http://schemas.openxmlformats.org/officeDocument/2006/relationships" xmlns:p="http://schemas.openxmlformats.org/presentationml/2006/main">
   <p:tag name="TEXPOINT" val="latex"/>
   <p:tag name="SOURCE" val="\documentclass{article}\pagestyle{empty}&#10;\usepackage{amsmath}&#10;\usepackage{amsfonts}%&#10;\setcounter{MaxMatrixCols}{30}%&#10;\usepackage{amssymb}%&#10;\usepackage{graphicx}&#10;\newtheorem{theorem}{\U{5b9a}\U{7406}}&#10;\newtheorem{acknowledgement}[theorem]{\U{627f}\U{8a8d}}&#10;\newtheorem{algorithm}[theorem]{\U{30a2}\U{30eb}\U{30b4}\U{30ea}\U{30ba}\U{30e0}}&#10;\newtheorem{axiom}[theorem]{\U{516c}\U{7406}}&#10;\newtheorem{case}[theorem]{\U{5834}\U{5408}}&#10;\newtheorem{claim}[theorem]{\U{4e3b}\U{5f35}}&#10;\newtheorem{conclusion}[theorem]{\U{7d50}\U{8ad6}}&#10;\newtheorem{condition}[theorem]{\U{6761}\U{4ef6}}&#10;\newtheorem{conjecture}[theorem]{\U{63a8}\U{8ad6}}&#10;\newtheorem{corollary}[theorem]{\U{7cfb}}&#10;\newtheorem{criterion}[theorem]{\U{57fa}\U{6e96}}&#10;\newtheorem{definition}[theorem]{\U{5b9a}\U{7fa9}}&#10;\newtheorem{example}[theorem]{\U{4f8b}}&#10;\newtheorem{exercise}[theorem]{\U{7df4}\U{7fd2}}&#10;\newtheorem{lemma}[theorem]{\U{88dc}\U{984c}}&#10;\newtheorem{notation}[theorem]{\U{8a18}\U{53f7}}&#10;\newtheorem{problem}[theorem]{\U{554f}\U{984c}}&#10;\newtheorem{proposition}[theorem]{\U{547d}\U{984c}}&#10;\newtheorem{remark}[theorem]{\U{8a18}\U{4e8b}}&#10;\newtheorem{solution}[theorem]{\U{89e3}\U{6cd5}}&#10;\newtheorem{summary}[theorem]{\U{8981}\U{7d04}}&#10;\newenvironment{proof}[1][\U{8a3c}\U{660e}]{\noindent\textbf{#1.} }{\ \rule{0.5em}{0.5em}}&#10;\begin{document}&#10;$y\left(  x\right)  \simeq\dfrac{144}{x^{3}}$&#10;\end{document}&#10;"/>
@@ -12245,7 +12318,7 @@
 </p:tagLst>
 </file>
 
-<file path=ppt/tags/tag12.xml><?xml version="1.0" encoding="utf-8"?>
+<file path=ppt/tags/tag14.xml><?xml version="1.0" encoding="utf-8"?>
 <p:tagLst xmlns:a="http://schemas.openxmlformats.org/drawingml/2006/main" xmlns:r="http://schemas.openxmlformats.org/officeDocument/2006/relationships" xmlns:p="http://schemas.openxmlformats.org/presentationml/2006/main">
   <p:tag name="TEXPOINT" val="latex"/>
   <p:tag name="SOURCE" val="\documentclass{article}\pagestyle{empty}&#10;\usepackage{amsmath}&#10;\usepackage{amsfonts}%&#10;\setcounter{MaxMatrixCols}{30}%&#10;\usepackage{amssymb}%&#10;\usepackage{graphicx}&#10;\newtheorem{theorem}{\U{5b9a}\U{7406}}&#10;\newtheorem{acknowledgement}[theorem]{\U{627f}\U{8a8d}}&#10;\newtheorem{algorithm}[theorem]{\U{30a2}\U{30eb}\U{30b4}\U{30ea}\U{30ba}\U{30e0}}&#10;\newtheorem{axiom}[theorem]{\U{516c}\U{7406}}&#10;\newtheorem{case}[theorem]{\U{5834}\U{5408}}&#10;\newtheorem{claim}[theorem]{\U{4e3b}\U{5f35}}&#10;\newtheorem{conclusion}[theorem]{\U{7d50}\U{8ad6}}&#10;\newtheorem{condition}[theorem]{\U{6761}\U{4ef6}}&#10;\newtheorem{conjecture}[theorem]{\U{63a8}\U{8ad6}}&#10;\newtheorem{corollary}[theorem]{\U{7cfb}}&#10;\newtheorem{criterion}[theorem]{\U{57fa}\U{6e96}}&#10;\newtheorem{definition}[theorem]{\U{5b9a}\U{7fa9}}&#10;\newtheorem{example}[theorem]{\U{4f8b}}&#10;\newtheorem{exercise}[theorem]{\U{7df4}\U{7fd2}}&#10;\newtheorem{lemma}[theorem]{\U{88dc}\U{984c}}&#10;\newtheorem{notation}[theorem]{\U{8a18}\U{53f7}}&#10;\newtheorem{problem}[theorem]{\U{554f}\U{984c}}&#10;\newtheorem{proposition}[theorem]{\U{547d}\U{984c}}&#10;\newtheorem{remark}[theorem]{\U{8a18}\U{4e8b}}&#10;\newtheorem{solution}[theorem]{\U{89e3}\U{6cd5}}&#10;\newtheorem{summary}[theorem]{\U{8981}\U{7d04}}&#10;\newenvironment{proof}[1][\U{8a3c}\U{660e}]{\noindent\textbf{#1.} }{\ \rule{0.5em}{0.5em}}&#10;\begin{document}&#10;$y\left(  x\right)  \simeq\dfrac{1}{\left[  1+\left(  \tfrac{x}{x_{0}}\right)&#10;^{\frac{3}{\lambda}}\right]  ^{\lambda}},y^{\prime}\left(  x\right)&#10;\simeq-\dfrac{\tfrac{3}{x_{0}}\left(  \tfrac{x}{x_{0}}\right)  ^{\frac&#10;{3}{\lambda}-1}}{\left[  1+\left(  \tfrac{x}{x_{0}}\right)  ^{\frac{3}%&#10;{\lambda}}\right]  ^{\lambda+1}}$&#10;\end{document}&#10;"/>
@@ -12261,7 +12334,7 @@
 </p:tagLst>
 </file>
 
-<file path=ppt/tags/tag13.xml><?xml version="1.0" encoding="utf-8"?>
+<file path=ppt/tags/tag15.xml><?xml version="1.0" encoding="utf-8"?>
 <p:tagLst xmlns:a="http://schemas.openxmlformats.org/drawingml/2006/main" xmlns:r="http://schemas.openxmlformats.org/officeDocument/2006/relationships" xmlns:p="http://schemas.openxmlformats.org/presentationml/2006/main">
   <p:tag name="TEXPOINT" val="latex"/>
   <p:tag name="SOURCE" val="\documentclass{article}\pagestyle{empty}&#10;\usepackage{amsmath}&#10;\usepackage{amsfonts}%&#10;\setcounter{MaxMatrixCols}{30}%&#10;\usepackage{amssymb}%&#10;\usepackage{graphicx}&#10;\newtheorem{theorem}{\U{5b9a}\U{7406}}&#10;\newtheorem{acknowledgement}[theorem]{\U{627f}\U{8a8d}}&#10;\newtheorem{algorithm}[theorem]{\U{30a2}\U{30eb}\U{30b4}\U{30ea}\U{30ba}\U{30e0}}&#10;\newtheorem{axiom}[theorem]{\U{516c}\U{7406}}&#10;\newtheorem{case}[theorem]{\U{5834}\U{5408}}&#10;\newtheorem{claim}[theorem]{\U{4e3b}\U{5f35}}&#10;\newtheorem{conclusion}[theorem]{\U{7d50}\U{8ad6}}&#10;\newtheorem{condition}[theorem]{\U{6761}\U{4ef6}}&#10;\newtheorem{conjecture}[theorem]{\U{63a8}\U{8ad6}}&#10;\newtheorem{corollary}[theorem]{\U{7cfb}}&#10;\newtheorem{criterion}[theorem]{\U{57fa}\U{6e96}}&#10;\newtheorem{definition}[theorem]{\U{5b9a}\U{7fa9}}&#10;\newtheorem{example}[theorem]{\U{4f8b}}&#10;\newtheorem{exercise}[theorem]{\U{7df4}\U{7fd2}}&#10;\newtheorem{lemma}[theorem]{\U{88dc}\U{984c}}&#10;\newtheorem{notation}[theorem]{\U{8a18}\U{53f7}}&#10;\newtheorem{problem}[theorem]{\U{554f}\U{984c}}&#10;\newtheorem{proposition}[theorem]{\U{547d}\U{984c}}&#10;\newtheorem{remark}[theorem]{\U{8a18}\U{4e8b}}&#10;\newtheorem{solution}[theorem]{\U{89e3}\U{6cd5}}&#10;\newtheorem{summary}[theorem]{\U{8981}\U{7d04}}&#10;\newenvironment{proof}[1][\U{8a3c}\U{660e}]{\noindent\textbf{#1.} }{\ \rule{0.5em}{0.5em}}&#10;\begin{document}&#10;$\dfrac{d^{2}y\left(  x\right)  }{dx^{2}}=\beta\left(  x\right)  $&#10;\end{document}&#10;"/>
@@ -12277,7 +12350,7 @@
 </p:tagLst>
 </file>
 
-<file path=ppt/tags/tag14.xml><?xml version="1.0" encoding="utf-8"?>
+<file path=ppt/tags/tag16.xml><?xml version="1.0" encoding="utf-8"?>
 <p:tagLst xmlns:a="http://schemas.openxmlformats.org/drawingml/2006/main" xmlns:r="http://schemas.openxmlformats.org/officeDocument/2006/relationships" xmlns:p="http://schemas.openxmlformats.org/presentationml/2006/main">
   <p:tag name="TEXPOINT" val="latex"/>
   <p:tag name="SOURCE" val="\documentclass{article}\pagestyle{empty}&#10;\usepackage{amsmath}&#10;\usepackage{amsfonts}%&#10;\setcounter{MaxMatrixCols}{30}%&#10;\usepackage{amssymb}%&#10;\usepackage{graphicx}&#10;\newtheorem{theorem}{\U{5b9a}\U{7406}}&#10;\newtheorem{acknowledgement}[theorem]{\U{627f}\U{8a8d}}&#10;\newtheorem{algorithm}[theorem]{\U{30a2}\U{30eb}\U{30b4}\U{30ea}\U{30ba}\U{30e0}}&#10;\newtheorem{axiom}[theorem]{\U{516c}\U{7406}}&#10;\newtheorem{case}[theorem]{\U{5834}\U{5408}}&#10;\newtheorem{claim}[theorem]{\U{4e3b}\U{5f35}}&#10;\newtheorem{conclusion}[theorem]{\U{7d50}\U{8ad6}}&#10;\newtheorem{condition}[theorem]{\U{6761}\U{4ef6}}&#10;\newtheorem{conjecture}[theorem]{\U{63a8}\U{8ad6}}&#10;\newtheorem{corollary}[theorem]{\U{7cfb}}&#10;\newtheorem{criterion}[theorem]{\U{57fa}\U{6e96}}&#10;\newtheorem{definition}[theorem]{\U{5b9a}\U{7fa9}}&#10;\newtheorem{example}[theorem]{\U{4f8b}}&#10;\newtheorem{exercise}[theorem]{\U{7df4}\U{7fd2}}&#10;\newtheorem{lemma}[theorem]{\U{88dc}\U{984c}}&#10;\newtheorem{notation}[theorem]{\U{8a18}\U{53f7}}&#10;\newtheorem{problem}[theorem]{\U{554f}\U{984c}}&#10;\newtheorem{proposition}[theorem]{\U{547d}\U{984c}}&#10;\newtheorem{remark}[theorem]{\U{8a18}\U{4e8b}}&#10;\newtheorem{solution}[theorem]{\U{89e3}\U{6cd5}}&#10;\newtheorem{summary}[theorem]{\U{8981}\U{7d04}}&#10;\newenvironment{proof}[1][\U{8a3c}\U{660e}]{\noindent\textbf{#1.} }{\ \rule{0.5em}{0.5em}}&#10;\begin{document}&#10;$\dfrac{d^{2}y\left(  x\right)  }{dx^{2}}=\beta\left(  x\right)  \qquad&#10;\qquad(1)$&#10;\end{document}&#10;"/>
@@ -12293,7 +12366,7 @@
 </p:tagLst>
 </file>
 
-<file path=ppt/tags/tag15.xml><?xml version="1.0" encoding="utf-8"?>
+<file path=ppt/tags/tag17.xml><?xml version="1.0" encoding="utf-8"?>
 <p:tagLst xmlns:a="http://schemas.openxmlformats.org/drawingml/2006/main" xmlns:r="http://schemas.openxmlformats.org/officeDocument/2006/relationships" xmlns:p="http://schemas.openxmlformats.org/presentationml/2006/main">
   <p:tag name="TEXPOINT" val="latex"/>
   <p:tag name="SOURCE" val="\documentclass{article}\pagestyle{empty}&#10;\usepackage{amsmath}&#10;\usepackage{amsfonts}%&#10;\setcounter{MaxMatrixCols}{30}%&#10;\usepackage{amssymb}%&#10;\usepackage{graphicx}&#10;\newtheorem{theorem}{\U{5b9a}\U{7406}}&#10;\newtheorem{acknowledgement}[theorem]{\U{627f}\U{8a8d}}&#10;\newtheorem{algorithm}[theorem]{\U{30a2}\U{30eb}\U{30b4}\U{30ea}\U{30ba}\U{30e0}}&#10;\newtheorem{axiom}[theorem]{\U{516c}\U{7406}}&#10;\newtheorem{case}[theorem]{\U{5834}\U{5408}}&#10;\newtheorem{claim}[theorem]{\U{4e3b}\U{5f35}}&#10;\newtheorem{conclusion}[theorem]{\U{7d50}\U{8ad6}}&#10;\newtheorem{condition}[theorem]{\U{6761}\U{4ef6}}&#10;\newtheorem{conjecture}[theorem]{\U{63a8}\U{8ad6}}&#10;\newtheorem{corollary}[theorem]{\U{7cfb}}&#10;\newtheorem{criterion}[theorem]{\U{57fa}\U{6e96}}&#10;\newtheorem{definition}[theorem]{\U{5b9a}\U{7fa9}}&#10;\newtheorem{example}[theorem]{\U{4f8b}}&#10;\newtheorem{exercise}[theorem]{\U{7df4}\U{7fd2}}&#10;\newtheorem{lemma}[theorem]{\U{88dc}\U{984c}}&#10;\newtheorem{notation}[theorem]{\U{8a18}\U{53f7}}&#10;\newtheorem{problem}[theorem]{\U{554f}\U{984c}}&#10;\newtheorem{proposition}[theorem]{\U{547d}\U{984c}}&#10;\newtheorem{remark}[theorem]{\U{8a18}\U{4e8b}}&#10;\newtheorem{solution}[theorem]{\U{89e3}\U{6cd5}}&#10;\newtheorem{summary}[theorem]{\U{8981}\U{7d04}}&#10;\newenvironment{proof}[1][\U{8a3c}\U{660e}]{\noindent\textbf{#1.} }{\ \rule{0.5em}{0.5em}}&#10;\begin{document}&#10;$\beta\left(  x\right)  =\dfrac{1}{\sqrt{x}}\left[  y\left(  x\right)&#10;\right]  ^{\frac{3}{2}}\qquad\qquad(2)$&#10;\end{document}&#10;"/>
@@ -12309,7 +12382,7 @@
 </p:tagLst>
 </file>
 
-<file path=ppt/tags/tag16.xml><?xml version="1.0" encoding="utf-8"?>
+<file path=ppt/tags/tag18.xml><?xml version="1.0" encoding="utf-8"?>
 <p:tagLst xmlns:a="http://schemas.openxmlformats.org/drawingml/2006/main" xmlns:r="http://schemas.openxmlformats.org/officeDocument/2006/relationships" xmlns:p="http://schemas.openxmlformats.org/presentationml/2006/main">
   <p:tag name="TEXPOINT" val="latex"/>
   <p:tag name="SOURCE" val="\documentclass{article}\pagestyle{empty}&#10;\usepackage{amsmath}&#10;\usepackage{amsfonts}%&#10;\setcounter{MaxMatrixCols}{30}%&#10;\usepackage{amssymb}%&#10;\usepackage{graphicx}&#10;\newtheorem{theorem}{\U{5b9a}\U{7406}}&#10;\newtheorem{acknowledgement}[theorem]{\U{627f}\U{8a8d}}&#10;\newtheorem{algorithm}[theorem]{\U{30a2}\U{30eb}\U{30b4}\U{30ea}\U{30ba}\U{30e0}}&#10;\newtheorem{axiom}[theorem]{\U{516c}\U{7406}}&#10;\newtheorem{case}[theorem]{\U{5834}\U{5408}}&#10;\newtheorem{claim}[theorem]{\U{4e3b}\U{5f35}}&#10;\newtheorem{conclusion}[theorem]{\U{7d50}\U{8ad6}}&#10;\newtheorem{condition}[theorem]{\U{6761}\U{4ef6}}&#10;\newtheorem{conjecture}[theorem]{\U{63a8}\U{8ad6}}&#10;\newtheorem{corollary}[theorem]{\U{7cfb}}&#10;\newtheorem{criterion}[theorem]{\U{57fa}\U{6e96}}&#10;\newtheorem{definition}[theorem]{\U{5b9a}\U{7fa9}}&#10;\newtheorem{example}[theorem]{\U{4f8b}}&#10;\newtheorem{exercise}[theorem]{\U{7df4}\U{7fd2}}&#10;\newtheorem{lemma}[theorem]{\U{88dc}\U{984c}}&#10;\newtheorem{notation}[theorem]{\U{8a18}\U{53f7}}&#10;\newtheorem{problem}[theorem]{\U{554f}\U{984c}}&#10;\newtheorem{proposition}[theorem]{\U{547d}\U{984c}}&#10;\newtheorem{remark}[theorem]{\U{8a18}\U{4e8b}}&#10;\newtheorem{solution}[theorem]{\U{89e3}\U{6cd5}}&#10;\newtheorem{summary}[theorem]{\U{8981}\U{7d04}}&#10;\newenvironment{proof}[1][\U{8a3c}\U{660e}]{\noindent\textbf{#1.} }{\ \rule{0.5em}{0.5em}}&#10;\begin{document}&#10;$y_{i+1}^{in}=\alpha y_{i}^{out}+\left(  1-\alpha\right)  y_{i}^{in}$&#10;\end{document}&#10;"/>
@@ -12325,7 +12398,7 @@
 </p:tagLst>
 </file>
 
-<file path=ppt/tags/tag17.xml><?xml version="1.0" encoding="utf-8"?>
+<file path=ppt/tags/tag19.xml><?xml version="1.0" encoding="utf-8"?>
 <p:tagLst xmlns:a="http://schemas.openxmlformats.org/drawingml/2006/main" xmlns:r="http://schemas.openxmlformats.org/officeDocument/2006/relationships" xmlns:p="http://schemas.openxmlformats.org/presentationml/2006/main">
   <p:tag name="TEXPOINT" val="latex"/>
   <p:tag name="SOURCE" val="\documentclass{article}\pagestyle{empty}&#10;\usepackage{amsmath}&#10;\usepackage{amsfonts}%&#10;\setcounter{MaxMatrixCols}{30}%&#10;\usepackage{amssymb}%&#10;\usepackage{graphicx}&#10;\newtheorem{theorem}{\U{5b9a}\U{7406}}&#10;\newtheorem{acknowledgement}[theorem]{\U{627f}\U{8a8d}}&#10;\newtheorem{algorithm}[theorem]{\U{30a2}\U{30eb}\U{30b4}\U{30ea}\U{30ba}\U{30e0}}&#10;\newtheorem{axiom}[theorem]{\U{516c}\U{7406}}&#10;\newtheorem{case}[theorem]{\U{5834}\U{5408}}&#10;\newtheorem{claim}[theorem]{\U{4e3b}\U{5f35}}&#10;\newtheorem{conclusion}[theorem]{\U{7d50}\U{8ad6}}&#10;\newtheorem{condition}[theorem]{\U{6761}\U{4ef6}}&#10;\newtheorem{conjecture}[theorem]{\U{63a8}\U{8ad6}}&#10;\newtheorem{corollary}[theorem]{\U{7cfb}}&#10;\newtheorem{criterion}[theorem]{\U{57fa}\U{6e96}}&#10;\newtheorem{definition}[theorem]{\U{5b9a}\U{7fa9}}&#10;\newtheorem{example}[theorem]{\U{4f8b}}&#10;\newtheorem{exercise}[theorem]{\U{7df4}\U{7fd2}}&#10;\newtheorem{lemma}[theorem]{\U{88dc}\U{984c}}&#10;\newtheorem{notation}[theorem]{\U{8a18}\U{53f7}}&#10;\newtheorem{problem}[theorem]{\U{554f}\U{984c}}&#10;\newtheorem{proposition}[theorem]{\U{547d}\U{984c}}&#10;\newtheorem{remark}[theorem]{\U{8a18}\U{4e8b}}&#10;\newtheorem{solution}[theorem]{\U{89e3}\U{6cd5}}&#10;\newtheorem{summary}[theorem]{\U{8981}\U{7d04}}&#10;\newenvironment{proof}[1][\U{8a3c}\U{660e}]{\noindent\textbf{#1.} }{\ \rule{0.5em}{0.5em}}&#10;\begin{document}&#10;$E=\dfrac{3}{7}\left(  \dfrac{128}{9\pi^{2}}\right)  ^{\frac{1}{3}}Z^{\frac&#10;{7}{3}}\left[  y^{\prime}\left(  0\right)  \right]  $&#10;\end{document}&#10;\end{document}"/>
@@ -12391,37 +12464,45 @@
 
 <file path=ppt/tags/tag5.xml><?xml version="1.0" encoding="utf-8"?>
 <p:tagLst xmlns:a="http://schemas.openxmlformats.org/drawingml/2006/main" xmlns:r="http://schemas.openxmlformats.org/officeDocument/2006/relationships" xmlns:p="http://schemas.openxmlformats.org/presentationml/2006/main">
-  <p:tag name="TEXPOINT" val="latex"/>
-  <p:tag name="SOURCE" val="\documentclass{article}\pagestyle{empty}&#10;\usepackage{amsmath}&#10;\usepackage{amsfonts}%&#10;\setcounter{MaxMatrixCols}{30}%&#10;\usepackage{amssymb}%&#10;\usepackage{graphicx}&#10;\newtheorem{theorem}{\U{5b9a}\U{7406}}&#10;\newtheorem{acknowledgement}[theorem]{\U{627f}\U{8a8d}}&#10;\newtheorem{algorithm}[theorem]{\U{30a2}\U{30eb}\U{30b4}\U{30ea}\U{30ba}\U{30e0}}&#10;\newtheorem{axiom}[theorem]{\U{516c}\U{7406}}&#10;\newtheorem{case}[theorem]{\U{5834}\U{5408}}&#10;\newtheorem{claim}[theorem]{\U{4e3b}\U{5f35}}&#10;\newtheorem{conclusion}[theorem]{\U{7d50}\U{8ad6}}&#10;\newtheorem{condition}[theorem]{\U{6761}\U{4ef6}}&#10;\newtheorem{conjecture}[theorem]{\U{63a8}\U{8ad6}}&#10;\newtheorem{corollary}[theorem]{\U{7cfb}}&#10;\newtheorem{criterion}[theorem]{\U{57fa}\U{6e96}}&#10;\newtheorem{definition}[theorem]{\U{5b9a}\U{7fa9}}&#10;\newtheorem{example}[theorem]{\U{4f8b}}&#10;\newtheorem{exercise}[theorem]{\U{7df4}\U{7fd2}}&#10;\newtheorem{lemma}[theorem]{\U{88dc}\U{984c}}&#10;\newtheorem{notation}[theorem]{\U{8a18}\U{53f7}}&#10;\newtheorem{problem}[theorem]{\U{554f}\U{984c}}&#10;\newtheorem{proposition}[theorem]{\U{547d}\U{984c}}&#10;\newtheorem{remark}[theorem]{\U{8a18}\U{4e8b}}&#10;\newtheorem{solution}[theorem]{\U{89e3}\U{6cd5}}&#10;\newtheorem{summary}[theorem]{\U{8981}\U{7d04}}&#10;\newenvironment{proof}[1][\U{8a3c}\U{660e}]{\noindent\textbf{#1.} }{\ \rule{0.5em}{0.5em}}&#10;\begin{document}&#10;$\left[  -\dfrac{1}{2}\dfrac{d^{2}}{dr^{2}}+\dfrac{l\left(  l+1\right)&#10;}{2r^{2}}+v_{eff}\left(  r\right)  \right]  P_{n,l}\left(  r\right)&#10;=\varepsilon_{n,l}P_{n,l}\left(  r\right)  $&#10;&#10;$\hat{l}^{2}Y_{l,m}\left(  \mathbf{\theta,\phi}\right)  =l\left(  l+1\right)&#10;Y_{l,m}\left(  \mathbf{\theta,\phi}\right)  $&#10;\end{document}&#10;"/>
-  <p:tag name="FILENAME" val="TP_tmp"/>
-  <p:tag name="FORMAT" val="png16m"/>
-  <p:tag name="RES" val="1200"/>
-  <p:tag name="BLEND" val="0"/>
-  <p:tag name="TRANSPARENT" val="0"/>
-  <p:tag name="TBUG" val="0"/>
-  <p:tag name="ALLOWFS" val="0"/>
-  <p:tag name="ORIGWIDTH" val="226"/>
-  <p:tag name="PICTUREFILESIZE" val="27661"/>
+  <p:tag name="ORIGINALHEIGHT" val="305.9617"/>
+  <p:tag name="ORIGINALWIDTH" val="3049.119"/>
+  <p:tag name="LATEXADDIN" val="\documentclass{article}&#10;\usepackage{amsmath}&#10;\pagestyle{empty}&#10;\begin{document}&#10;$\Delta=\dfrac{\partial^{2}}{\partial r^{2}}+\dfrac{2}{r}\dfrac{\partial&#10;}{\partial r}+\dfrac{1}{r^{2}}\left[  \dfrac{1}{\sin\theta}\dfrac{\partial&#10;}{\partial\theta}\left(  \sin\theta\dfrac{\partial}{\partial\theta}\right)&#10;+\dfrac{1}{\sin^{2}\theta}\dfrac{\partial^{2}}{\partial\phi^{2}}\right]  $&#10;\end{document}"/>
+  <p:tag name="IGUANATEXSIZE" val="20"/>
+  <p:tag name="IGUANATEXCURSOR" val="378"/>
 </p:tagLst>
 </file>
 
 <file path=ppt/tags/tag6.xml><?xml version="1.0" encoding="utf-8"?>
 <p:tagLst xmlns:a="http://schemas.openxmlformats.org/drawingml/2006/main" xmlns:r="http://schemas.openxmlformats.org/officeDocument/2006/relationships" xmlns:p="http://schemas.openxmlformats.org/presentationml/2006/main">
-  <p:tag name="TEXPOINT" val="latex"/>
-  <p:tag name="SOURCE" val="\documentclass{article}\pagestyle{empty}&#10;\usepackage{amsmath}&#10;\usepackage{amsfonts}%&#10;\setcounter{MaxMatrixCols}{30}%&#10;\usepackage{amssymb}%&#10;\usepackage{graphicx}&#10;\newtheorem{theorem}{\U{5b9a}\U{7406}}&#10;\newtheorem{acknowledgement}[theorem]{\U{627f}\U{8a8d}}&#10;\newtheorem{algorithm}[theorem]{\U{30a2}\U{30eb}\U{30b4}\U{30ea}\U{30ba}\U{30e0}}&#10;\newtheorem{axiom}[theorem]{\U{516c}\U{7406}}&#10;\newtheorem{case}[theorem]{\U{5834}\U{5408}}&#10;\newtheorem{claim}[theorem]{\U{4e3b}\U{5f35}}&#10;\newtheorem{conclusion}[theorem]{\U{7d50}\U{8ad6}}&#10;\newtheorem{condition}[theorem]{\U{6761}\U{4ef6}}&#10;\newtheorem{conjecture}[theorem]{\U{63a8}\U{8ad6}}&#10;\newtheorem{corollary}[theorem]{\U{7cfb}}&#10;\newtheorem{criterion}[theorem]{\U{57fa}\U{6e96}}&#10;\newtheorem{definition}[theorem]{\U{5b9a}\U{7fa9}}&#10;\newtheorem{example}[theorem]{\U{4f8b}}&#10;\newtheorem{exercise}[theorem]{\U{7df4}\U{7fd2}}&#10;\newtheorem{lemma}[theorem]{\U{88dc}\U{984c}}&#10;\newtheorem{notation}[theorem]{\U{8a18}\U{53f7}}&#10;\newtheorem{problem}[theorem]{\U{554f}\U{984c}}&#10;\newtheorem{proposition}[theorem]{\U{547d}\U{984c}}&#10;\newtheorem{remark}[theorem]{\U{8a18}\U{4e8b}}&#10;\newtheorem{solution}[theorem]{\U{89e3}\U{6cd5}}&#10;\newtheorem{summary}[theorem]{\U{8981}\U{7d04}}&#10;\newenvironment{proof}[1][\U{8a3c}\U{660e}]{\noindent\textbf{#1.} }{\ \rule{0.5em}{0.5em}}&#10;\begin{document}&#10;$\psi_{i}\left(  \vec{r}\right)  =\dfrac{P_{n,l}\left(  r\right)  }{r}%&#10;Y_{l,m}\left(  \mathbf{\hat{r}}\right)  $&#10;\end{document}&#10;"/>
-  <p:tag name="FILENAME" val="TP_tmp"/>
-  <p:tag name="FORMAT" val="png16m"/>
-  <p:tag name="RES" val="1200"/>
-  <p:tag name="BLEND" val="0"/>
-  <p:tag name="TRANSPARENT" val="0"/>
-  <p:tag name="TBUG" val="0"/>
-  <p:tag name="ALLOWFS" val="0"/>
-  <p:tag name="ORIGWIDTH" val="103"/>
-  <p:tag name="PICTUREFILESIZE" val="9497"/>
+  <p:tag name="ORIGINALHEIGHT" val="135.7331"/>
+  <p:tag name="ORIGINALWIDTH" val="1438.32"/>
+  <p:tag name="LATEXADDIN" val="\documentclass{article}&#10;\usepackage{amsmath}&#10;\pagestyle{empty}&#10;\begin{document}&#10;$\psi_{i}\left(  \vec{r}\right)  =r^{l}L_{nl}\left(  r\right)  Y_{lm}\left(&#10;\theta,\phi\right)  $&#10;\end{document}"/>
+  <p:tag name="IGUANATEXSIZE" val="20"/>
+  <p:tag name="IGUANATEXCURSOR" val="177"/>
 </p:tagLst>
 </file>
 
 <file path=ppt/tags/tag7.xml><?xml version="1.0" encoding="utf-8"?>
+<p:tagLst xmlns:a="http://schemas.openxmlformats.org/drawingml/2006/main" xmlns:r="http://schemas.openxmlformats.org/officeDocument/2006/relationships" xmlns:p="http://schemas.openxmlformats.org/presentationml/2006/main">
+  <p:tag name="ORIGINALHEIGHT" val="254.2182"/>
+  <p:tag name="ORIGINALWIDTH" val="2719.16"/>
+  <p:tag name="LATEXADDIN" val="\documentclass{article}&#10;\usepackage{amsmath}&#10;\pagestyle{empty}&#10;\begin{document}&#10;\begin{tabular}&#10;[c]{ll}%&#10;$-\dfrac{1}{2}\Delta\psi_{i}\left(  \vec{r}\right)  +V\left(  r\right)&#10;\psi_{i}\left(  \vec{r}\right)  =E\psi_{i}\left(  \vec{r}\right)  ,$ &amp;&#10;$V\left(  r\right)  =-\dfrac{1}{r}$%&#10;\end{tabular}&#10;\end{document}"/>
+  <p:tag name="IGUANATEXSIZE" val="20"/>
+  <p:tag name="IGUANATEXCURSOR" val="297"/>
+</p:tagLst>
+</file>
+
+<file path=ppt/tags/tag8.xml><?xml version="1.0" encoding="utf-8"?>
+<p:tagLst xmlns:a="http://schemas.openxmlformats.org/drawingml/2006/main" xmlns:r="http://schemas.openxmlformats.org/officeDocument/2006/relationships" xmlns:p="http://schemas.openxmlformats.org/presentationml/2006/main">
+  <p:tag name="ORIGINALHEIGHT" val="448.4439"/>
+  <p:tag name="ORIGINALWIDTH" val="2965.879"/>
+  <p:tag name="LATEXADDIN" val="\documentclass{article}&#10;\usepackage{amsmath}&#10;\pagestyle{empty}&#10;\begin{document}&#10;$\left\{&#10;\begin{tabular}&#10;[c]{l}%&#10;$\dfrac{d^{2}L_{nl}\left(  r\right)  }{dr^{2}}+\dfrac{2\left(  l+1\right)&#10;}{r}\dfrac{dL_{nl}\left(  r\right)  }{dr}=2\left[  V\left(  r\right)&#10;-E\right]  L_{nl}\left(  r\right)  $\\&#10;$\hat{l}^{2}Y_{lm}\left(  \theta,\phi\right)  =l\left(  l+1\right)&#10;Y_{lm}\left(  \theta,\phi\right)  $%&#10;\end{tabular}&#10;\right.  $&#10;\end{document}"/>
+  <p:tag name="IGUANATEXSIZE" val="20"/>
+  <p:tag name="IGUANATEXCURSOR" val="423"/>
+</p:tagLst>
+</file>
+
+<file path=ppt/tags/tag9.xml><?xml version="1.0" encoding="utf-8"?>
 <p:tagLst xmlns:a="http://schemas.openxmlformats.org/drawingml/2006/main" xmlns:r="http://schemas.openxmlformats.org/officeDocument/2006/relationships" xmlns:p="http://schemas.openxmlformats.org/presentationml/2006/main">
   <p:tag name="TEXPOINT" val="latex"/>
   <p:tag name="SOURCE" val="\documentclass{article}\pagestyle{empty}&#10;\usepackage{amsmath}&#10;\usepackage{amsfonts}%&#10;\setcounter{MaxMatrixCols}{30}%&#10;\usepackage{amssymb}%&#10;\usepackage{graphicx}&#10;\newtheorem{theorem}{\U{5b9a}\U{7406}}&#10;\newtheorem{acknowledgement}[theorem]{\U{627f}\U{8a8d}}&#10;\newtheorem{algorithm}[theorem]{\U{30a2}\U{30eb}\U{30b4}\U{30ea}\U{30ba}\U{30e0}}&#10;\newtheorem{axiom}[theorem]{\U{516c}\U{7406}}&#10;\newtheorem{case}[theorem]{\U{5834}\U{5408}}&#10;\newtheorem{claim}[theorem]{\U{4e3b}\U{5f35}}&#10;\newtheorem{conclusion}[theorem]{\U{7d50}\U{8ad6}}&#10;\newtheorem{condition}[theorem]{\U{6761}\U{4ef6}}&#10;\newtheorem{conjecture}[theorem]{\U{63a8}\U{8ad6}}&#10;\newtheorem{corollary}[theorem]{\U{7cfb}}&#10;\newtheorem{criterion}[theorem]{\U{57fa}\U{6e96}}&#10;\newtheorem{definition}[theorem]{\U{5b9a}\U{7fa9}}&#10;\newtheorem{example}[theorem]{\U{4f8b}}&#10;\newtheorem{exercise}[theorem]{\U{7df4}\U{7fd2}}&#10;\newtheorem{lemma}[theorem]{\U{88dc}\U{984c}}&#10;\newtheorem{notation}[theorem]{\U{8a18}\U{53f7}}&#10;\newtheorem{problem}[theorem]{\U{554f}\U{984c}}&#10;\newtheorem{proposition}[theorem]{\U{547d}\U{984c}}&#10;\newtheorem{remark}[theorem]{\U{8a18}\U{4e8b}}&#10;\newtheorem{solution}[theorem]{\U{89e3}\U{6cd5}}&#10;\newtheorem{summary}[theorem]{\U{8981}\U{7d04}}&#10;\newenvironment{proof}[1][\U{8a3c}\U{660e}]{\noindent\textbf{#1.} }{\ \rule{0.5em}{0.5em}}&#10;\begin{document}&#10;&#10;$\dfrac{d^{2}y\left(  x\right)  }{dx^{2}}=\dfrac{1}{\sqrt{x}}\left[  y\left(&#10;x\right)  \right]  ^{\frac{3}{2}}$&#10;\end{document}"/>
@@ -12434,38 +12515,6 @@
   <p:tag name="ALLOWFS" val="0"/>
   <p:tag name="ORIGWIDTH" val="94"/>
   <p:tag name="PICTUREFILESIZE" val="10553"/>
-</p:tagLst>
-</file>
-
-<file path=ppt/tags/tag8.xml><?xml version="1.0" encoding="utf-8"?>
-<p:tagLst xmlns:a="http://schemas.openxmlformats.org/drawingml/2006/main" xmlns:r="http://schemas.openxmlformats.org/officeDocument/2006/relationships" xmlns:p="http://schemas.openxmlformats.org/presentationml/2006/main">
-  <p:tag name="TEXPOINT" val="latex"/>
-  <p:tag name="SOURCE" val="\documentclass{article}\pagestyle{empty}&#10;\usepackage{amsmath}&#10;\usepackage{amsfonts}%&#10;\setcounter{MaxMatrixCols}{30}%&#10;\usepackage{amssymb}%&#10;\usepackage{graphicx}&#10;\newtheorem{theorem}{\U{5b9a}\U{7406}}&#10;\newtheorem{acknowledgement}[theorem]{\U{627f}\U{8a8d}}&#10;\newtheorem{algorithm}[theorem]{\U{30a2}\U{30eb}\U{30b4}\U{30ea}\U{30ba}\U{30e0}}&#10;\newtheorem{axiom}[theorem]{\U{516c}\U{7406}}&#10;\newtheorem{case}[theorem]{\U{5834}\U{5408}}&#10;\newtheorem{claim}[theorem]{\U{4e3b}\U{5f35}}&#10;\newtheorem{conclusion}[theorem]{\U{7d50}\U{8ad6}}&#10;\newtheorem{condition}[theorem]{\U{6761}\U{4ef6}}&#10;\newtheorem{conjecture}[theorem]{\U{63a8}\U{8ad6}}&#10;\newtheorem{corollary}[theorem]{\U{7cfb}}&#10;\newtheorem{criterion}[theorem]{\U{57fa}\U{6e96}}&#10;\newtheorem{definition}[theorem]{\U{5b9a}\U{7fa9}}&#10;\newtheorem{example}[theorem]{\U{4f8b}}&#10;\newtheorem{exercise}[theorem]{\U{7df4}\U{7fd2}}&#10;\newtheorem{lemma}[theorem]{\U{88dc}\U{984c}}&#10;\newtheorem{notation}[theorem]{\U{8a18}\U{53f7}}&#10;\newtheorem{problem}[theorem]{\U{554f}\U{984c}}&#10;\newtheorem{proposition}[theorem]{\U{547d}\U{984c}}&#10;\newtheorem{remark}[theorem]{\U{8a18}\U{4e8b}}&#10;\newtheorem{solution}[theorem]{\U{89e3}\U{6cd5}}&#10;\newtheorem{summary}[theorem]{\U{8981}\U{7d04}}&#10;\newenvironment{proof}[1][\U{8a3c}\U{660e}]{\noindent\textbf{#1.} }{\ \rule{0.5em}{0.5em}}&#10;\begin{document}&#10;$y\left(  x\right)  =1+Bx+\dfrac{4}{3}x\sqrt{x}+\dfrac{2}{5}Bx^{\frac{5}{2}%&#10;}+\dfrac{1}{3}x^{3}+\ldots$&#10;\end{document}&#10;"/>
-  <p:tag name="FILENAME" val="TP_tmp"/>
-  <p:tag name="FORMAT" val="png16m"/>
-  <p:tag name="RES" val="1200"/>
-  <p:tag name="BLEND" val="0"/>
-  <p:tag name="TRANSPARENT" val="0"/>
-  <p:tag name="TBUG" val="0"/>
-  <p:tag name="ALLOWFS" val="0"/>
-  <p:tag name="ORIGWIDTH" val="197"/>
-  <p:tag name="PICTUREFILESIZE" val="12844"/>
-</p:tagLst>
-</file>
-
-<file path=ppt/tags/tag9.xml><?xml version="1.0" encoding="utf-8"?>
-<p:tagLst xmlns:a="http://schemas.openxmlformats.org/drawingml/2006/main" xmlns:r="http://schemas.openxmlformats.org/officeDocument/2006/relationships" xmlns:p="http://schemas.openxmlformats.org/presentationml/2006/main">
-  <p:tag name="TEXPOINT" val="latex"/>
-  <p:tag name="SOURCE" val="\documentclass{article}\pagestyle{empty}&#10;\usepackage{amsmath}&#10;\usepackage{amsfonts}%&#10;\setcounter{MaxMatrixCols}{30}%&#10;\usepackage{amssymb}%&#10;\usepackage{graphicx}&#10;\newtheorem{theorem}{\U{5b9a}\U{7406}}&#10;\newtheorem{acknowledgement}[theorem]{\U{627f}\U{8a8d}}&#10;\newtheorem{algorithm}[theorem]{\U{30a2}\U{30eb}\U{30b4}\U{30ea}\U{30ba}\U{30e0}}&#10;\newtheorem{axiom}[theorem]{\U{516c}\U{7406}}&#10;\newtheorem{case}[theorem]{\U{5834}\U{5408}}&#10;\newtheorem{claim}[theorem]{\U{4e3b}\U{5f35}}&#10;\newtheorem{conclusion}[theorem]{\U{7d50}\U{8ad6}}&#10;\newtheorem{condition}[theorem]{\U{6761}\U{4ef6}}&#10;\newtheorem{conjecture}[theorem]{\U{63a8}\U{8ad6}}&#10;\newtheorem{corollary}[theorem]{\U{7cfb}}&#10;\newtheorem{criterion}[theorem]{\U{57fa}\U{6e96}}&#10;\newtheorem{definition}[theorem]{\U{5b9a}\U{7fa9}}&#10;\newtheorem{example}[theorem]{\U{4f8b}}&#10;\newtheorem{exercise}[theorem]{\U{7df4}\U{7fd2}}&#10;\newtheorem{lemma}[theorem]{\U{88dc}\U{984c}}&#10;\newtheorem{notation}[theorem]{\U{8a18}\U{53f7}}&#10;\newtheorem{problem}[theorem]{\U{554f}\U{984c}}&#10;\newtheorem{proposition}[theorem]{\U{547d}\U{984c}}&#10;\newtheorem{remark}[theorem]{\U{8a18}\U{4e8b}}&#10;\newtheorem{solution}[theorem]{\U{89e3}\U{6cd5}}&#10;\newtheorem{summary}[theorem]{\U{8981}\U{7d04}}&#10;\newenvironment{proof}[1][\U{8a3c}\U{660e}]{\noindent\textbf{#1.} }{\ \rule{0.5em}{0.5em}}&#10;\begin{document}&#10;$y^{\prime}\left(  x\right)  =B+2\sqrt{x}+Bx^{\frac{3}{2}}+x^{2}+\dfrac{3}%&#10;{20}Bx^{\frac{5}{2}}+\ldots$&#10;\end{document}&#10;"/>
-  <p:tag name="FILENAME" val="TP_tmp"/>
-  <p:tag name="FORMAT" val="png16m"/>
-  <p:tag name="RES" val="1200"/>
-  <p:tag name="BLEND" val="0"/>
-  <p:tag name="TRANSPARENT" val="0"/>
-  <p:tag name="TBUG" val="0"/>
-  <p:tag name="ALLOWFS" val="0"/>
-  <p:tag name="ORIGWIDTH" val="199"/>
-  <p:tag name="PICTUREFILESIZE" val="13282"/>
 </p:tagLst>
 </file>
 

--- a/福井技術者の集いその2_発表資料スライド.pptx
+++ b/福井技術者の集いその2_発表資料スライド.pptx
@@ -5,40 +5,43 @@
     <p:sldMasterId id="2147483744" r:id="rId1"/>
   </p:sldMasterIdLst>
   <p:notesMasterIdLst>
-    <p:notesMasterId r:id="rId28"/>
+    <p:notesMasterId r:id="rId31"/>
   </p:notesMasterIdLst>
   <p:sldIdLst>
     <p:sldId id="258" r:id="rId2"/>
     <p:sldId id="411" r:id="rId3"/>
-    <p:sldId id="436" r:id="rId4"/>
-    <p:sldId id="437" r:id="rId5"/>
-    <p:sldId id="438" r:id="rId6"/>
-    <p:sldId id="439" r:id="rId7"/>
-    <p:sldId id="440" r:id="rId8"/>
-    <p:sldId id="383" r:id="rId9"/>
-    <p:sldId id="412" r:id="rId10"/>
-    <p:sldId id="413" r:id="rId11"/>
-    <p:sldId id="414" r:id="rId12"/>
-    <p:sldId id="415" r:id="rId13"/>
-    <p:sldId id="416" r:id="rId14"/>
-    <p:sldId id="417" r:id="rId15"/>
-    <p:sldId id="418" r:id="rId16"/>
-    <p:sldId id="419" r:id="rId17"/>
-    <p:sldId id="420" r:id="rId18"/>
-    <p:sldId id="421" r:id="rId19"/>
-    <p:sldId id="422" r:id="rId20"/>
-    <p:sldId id="429" r:id="rId21"/>
-    <p:sldId id="423" r:id="rId22"/>
-    <p:sldId id="426" r:id="rId23"/>
-    <p:sldId id="424" r:id="rId24"/>
-    <p:sldId id="425" r:id="rId25"/>
-    <p:sldId id="427" r:id="rId26"/>
-    <p:sldId id="428" r:id="rId27"/>
+    <p:sldId id="441" r:id="rId4"/>
+    <p:sldId id="436" r:id="rId5"/>
+    <p:sldId id="437" r:id="rId6"/>
+    <p:sldId id="438" r:id="rId7"/>
+    <p:sldId id="439" r:id="rId8"/>
+    <p:sldId id="440" r:id="rId9"/>
+    <p:sldId id="443" r:id="rId10"/>
+    <p:sldId id="383" r:id="rId11"/>
+    <p:sldId id="442" r:id="rId12"/>
+    <p:sldId id="412" r:id="rId13"/>
+    <p:sldId id="413" r:id="rId14"/>
+    <p:sldId id="414" r:id="rId15"/>
+    <p:sldId id="415" r:id="rId16"/>
+    <p:sldId id="416" r:id="rId17"/>
+    <p:sldId id="417" r:id="rId18"/>
+    <p:sldId id="418" r:id="rId19"/>
+    <p:sldId id="419" r:id="rId20"/>
+    <p:sldId id="420" r:id="rId21"/>
+    <p:sldId id="421" r:id="rId22"/>
+    <p:sldId id="422" r:id="rId23"/>
+    <p:sldId id="429" r:id="rId24"/>
+    <p:sldId id="423" r:id="rId25"/>
+    <p:sldId id="426" r:id="rId26"/>
+    <p:sldId id="424" r:id="rId27"/>
+    <p:sldId id="425" r:id="rId28"/>
+    <p:sldId id="427" r:id="rId29"/>
+    <p:sldId id="428" r:id="rId30"/>
   </p:sldIdLst>
   <p:sldSz cx="9144000" cy="6858000" type="screen4x3"/>
   <p:notesSz cx="6858000" cy="9144000"/>
   <p:custDataLst>
-    <p:tags r:id="rId29"/>
+    <p:tags r:id="rId32"/>
   </p:custDataLst>
   <p:defaultTextStyle>
     <a:defPPr>
@@ -220,7 +223,7 @@
           <a:p>
             <a:fld id="{132713B8-E49A-41D1-88B6-B310770581C8}" type="datetimeFigureOut">
               <a:rPr kumimoji="1" lang="ja-JP" altLang="en-US" smtClean="0"/>
-              <a:t>2015/2/3</a:t>
+              <a:t>2015/2/7</a:t>
             </a:fld>
             <a:endParaRPr kumimoji="1" lang="ja-JP" altLang="en-US"/>
           </a:p>
@@ -824,7 +827,7 @@
             <a:fld id="{C120A1B4-3412-4C96-ACAA-DBDB2A910CC9}" type="datetimeFigureOut">
               <a:rPr kumimoji="1" lang="ja-JP" altLang="en-US" smtClean="0"/>
               <a:pPr/>
-              <a:t>2015/2/3</a:t>
+              <a:t>2015/2/7</a:t>
             </a:fld>
             <a:endParaRPr kumimoji="1" lang="ja-JP" altLang="en-US"/>
           </a:p>
@@ -1070,7 +1073,7 @@
                 </a:solidFill>
               </a:rPr>
               <a:pPr/>
-              <a:t>2015/2/3</a:t>
+              <a:t>2015/2/7</a:t>
             </a:fld>
             <a:endParaRPr kumimoji="1" lang="ja-JP" altLang="en-US">
               <a:solidFill>
@@ -1306,7 +1309,7 @@
                 </a:solidFill>
               </a:rPr>
               <a:pPr/>
-              <a:t>2015/2/3</a:t>
+              <a:t>2015/2/7</a:t>
             </a:fld>
             <a:endParaRPr kumimoji="1" lang="ja-JP" altLang="en-US">
               <a:solidFill>
@@ -1600,7 +1603,7 @@
                 </a:solidFill>
               </a:rPr>
               <a:pPr/>
-              <a:t>2015/2/3</a:t>
+              <a:t>2015/2/7</a:t>
             </a:fld>
             <a:endParaRPr kumimoji="1" lang="ja-JP" altLang="en-US">
               <a:solidFill>
@@ -2079,7 +2082,7 @@
                 </a:solidFill>
               </a:rPr>
               <a:pPr/>
-              <a:t>2015/2/3</a:t>
+              <a:t>2015/2/7</a:t>
             </a:fld>
             <a:endParaRPr kumimoji="1" lang="ja-JP" altLang="en-US">
               <a:solidFill>
@@ -2404,7 +2407,7 @@
                 </a:solidFill>
               </a:rPr>
               <a:pPr/>
-              <a:t>2015/2/3</a:t>
+              <a:t>2015/2/7</a:t>
             </a:fld>
             <a:endParaRPr kumimoji="1" lang="ja-JP" altLang="en-US">
               <a:solidFill>
@@ -2723,7 +2726,7 @@
                 </a:solidFill>
               </a:rPr>
               <a:pPr/>
-              <a:t>2015/2/3</a:t>
+              <a:t>2015/2/7</a:t>
             </a:fld>
             <a:endParaRPr kumimoji="1" lang="ja-JP" altLang="en-US">
               <a:solidFill>
@@ -2937,7 +2940,7 @@
                 </a:solidFill>
               </a:rPr>
               <a:pPr/>
-              <a:t>2015/2/3</a:t>
+              <a:t>2015/2/7</a:t>
             </a:fld>
             <a:endParaRPr kumimoji="1" lang="ja-JP" altLang="en-US">
               <a:solidFill>
@@ -3054,7 +3057,7 @@
                 </a:solidFill>
               </a:rPr>
               <a:pPr/>
-              <a:t>2015/2/3</a:t>
+              <a:t>2015/2/7</a:t>
             </a:fld>
             <a:endParaRPr kumimoji="1" lang="ja-JP" altLang="en-US">
               <a:solidFill>
@@ -3217,7 +3220,7 @@
                 </a:solidFill>
               </a:rPr>
               <a:pPr/>
-              <a:t>2015/2/3</a:t>
+              <a:t>2015/2/7</a:t>
             </a:fld>
             <a:endParaRPr kumimoji="1" lang="ja-JP" altLang="en-US">
               <a:solidFill>
@@ -3802,7 +3805,7 @@
                 </a:solidFill>
               </a:rPr>
               <a:pPr/>
-              <a:t>2015/2/3</a:t>
+              <a:t>2015/2/7</a:t>
             </a:fld>
             <a:endParaRPr kumimoji="1" lang="ja-JP" altLang="en-US">
               <a:solidFill>
@@ -4114,7 +4117,7 @@
                 </a:solidFill>
               </a:rPr>
               <a:pPr/>
-              <a:t>2015/2/3</a:t>
+              <a:t>2015/2/7</a:t>
             </a:fld>
             <a:endParaRPr kumimoji="1" lang="ja-JP" altLang="en-US">
               <a:solidFill>
@@ -4784,6 +4787,556 @@
         </p:nvSpPr>
         <p:spPr/>
         <p:txBody>
+          <a:bodyPr>
+            <a:normAutofit/>
+          </a:bodyPr>
+          <a:lstStyle/>
+          <a:p>
+            <a:r>
+              <a:rPr lang="ja-JP" altLang="en-US" dirty="0" smtClean="0"/>
+              <a:t>原点に近い点での振る舞い</a:t>
+            </a:r>
+            <a:endParaRPr lang="ja-JP" altLang="en-US" dirty="0"/>
+          </a:p>
+        </p:txBody>
+      </p:sp>
+      <p:sp>
+        <p:nvSpPr>
+          <p:cNvPr id="3" name="コンテンツ プレースホルダー 2"/>
+          <p:cNvSpPr>
+            <a:spLocks noGrp="1"/>
+          </p:cNvSpPr>
+          <p:nvPr>
+            <p:ph sz="quarter" idx="1"/>
+          </p:nvPr>
+        </p:nvSpPr>
+        <p:spPr/>
+        <p:txBody>
+          <a:bodyPr>
+            <a:normAutofit/>
+          </a:bodyPr>
+          <a:lstStyle/>
+          <a:p>
+            <a:r>
+              <a:rPr lang="ja-JP" altLang="en-US" dirty="0"/>
+              <a:t>仕方がないので、まずは原点に十分近い点で</a:t>
+            </a:r>
+            <a:r>
+              <a:rPr lang="ja-JP" altLang="en-US" dirty="0" smtClean="0"/>
+              <a:t>の</a:t>
+            </a:r>
+            <a:r>
+              <a:rPr lang="en-US" altLang="ja-JP" dirty="0" smtClean="0"/>
+              <a:t>L</a:t>
+            </a:r>
+            <a:r>
+              <a:rPr lang="en-US" altLang="ja-JP" baseline="-25000" dirty="0" smtClean="0"/>
+              <a:t>nl</a:t>
+            </a:r>
+            <a:r>
+              <a:rPr lang="en-US" altLang="ja-JP" dirty="0" smtClean="0"/>
+              <a:t>(r)</a:t>
+            </a:r>
+            <a:r>
+              <a:rPr lang="ja-JP" altLang="en-US" dirty="0" smtClean="0"/>
+              <a:t>と</a:t>
+            </a:r>
+            <a:r>
+              <a:rPr lang="en-US" altLang="ja-JP" dirty="0" smtClean="0"/>
+              <a:t>V(r)</a:t>
+            </a:r>
+            <a:r>
+              <a:rPr lang="ja-JP" altLang="en-US" dirty="0" smtClean="0"/>
+              <a:t>の振る舞い</a:t>
+            </a:r>
+            <a:r>
+              <a:rPr lang="ja-JP" altLang="en-US" dirty="0"/>
+              <a:t>を調べてみる。</a:t>
+            </a:r>
+            <a:endParaRPr lang="en-US" altLang="ja-JP" dirty="0"/>
+          </a:p>
+          <a:p>
+            <a:endParaRPr lang="en-US" altLang="ja-JP" dirty="0" smtClean="0"/>
+          </a:p>
+        </p:txBody>
+      </p:sp>
+    </p:spTree>
+    <p:extLst>
+      <p:ext uri="{BB962C8B-B14F-4D97-AF65-F5344CB8AC3E}">
+        <p14:creationId xmlns:p14="http://schemas.microsoft.com/office/powerpoint/2010/main" val="4279786510"/>
+      </p:ext>
+    </p:extLst>
+  </p:cSld>
+  <p:clrMapOvr>
+    <a:masterClrMapping/>
+  </p:clrMapOvr>
+  <p:timing>
+    <p:tnLst>
+      <p:par>
+        <p:cTn id="1" dur="indefinite" restart="never" nodeType="tmRoot"/>
+      </p:par>
+    </p:tnLst>
+  </p:timing>
+</p:sld>
+</file>
+
+<file path=ppt/slides/slide11.xml><?xml version="1.0" encoding="utf-8"?>
+<p:sld xmlns:a="http://schemas.openxmlformats.org/drawingml/2006/main" xmlns:r="http://schemas.openxmlformats.org/officeDocument/2006/relationships" xmlns:p="http://schemas.openxmlformats.org/presentationml/2006/main">
+  <p:cSld>
+    <p:spTree>
+      <p:nvGrpSpPr>
+        <p:cNvPr id="1" name=""/>
+        <p:cNvGrpSpPr/>
+        <p:nvPr/>
+      </p:nvGrpSpPr>
+      <p:grpSpPr>
+        <a:xfrm>
+          <a:off x="0" y="0"/>
+          <a:ext cx="0" cy="0"/>
+          <a:chOff x="0" y="0"/>
+          <a:chExt cx="0" cy="0"/>
+        </a:xfrm>
+      </p:grpSpPr>
+      <p:sp>
+        <p:nvSpPr>
+          <p:cNvPr id="2" name="タイトル 1"/>
+          <p:cNvSpPr>
+            <a:spLocks noGrp="1"/>
+          </p:cNvSpPr>
+          <p:nvPr>
+            <p:ph type="title"/>
+          </p:nvPr>
+        </p:nvSpPr>
+        <p:spPr/>
+        <p:txBody>
+          <a:bodyPr/>
+          <a:lstStyle/>
+          <a:p>
+            <a:endParaRPr kumimoji="1" lang="ja-JP" altLang="en-US"/>
+          </a:p>
+        </p:txBody>
+      </p:sp>
+      <p:sp>
+        <p:nvSpPr>
+          <p:cNvPr id="3" name="コンテンツ プレースホルダー 2"/>
+          <p:cNvSpPr>
+            <a:spLocks noGrp="1"/>
+          </p:cNvSpPr>
+          <p:nvPr>
+            <p:ph sz="quarter" idx="1"/>
+          </p:nvPr>
+        </p:nvSpPr>
+        <p:spPr/>
+        <p:txBody>
+          <a:bodyPr/>
+          <a:lstStyle/>
+          <a:p>
+            <a:endParaRPr kumimoji="1" lang="ja-JP" altLang="en-US"/>
+          </a:p>
+        </p:txBody>
+      </p:sp>
+    </p:spTree>
+    <p:extLst>
+      <p:ext uri="{BB962C8B-B14F-4D97-AF65-F5344CB8AC3E}">
+        <p14:creationId xmlns:p14="http://schemas.microsoft.com/office/powerpoint/2010/main" val="995919278"/>
+      </p:ext>
+    </p:extLst>
+  </p:cSld>
+  <p:clrMapOvr>
+    <a:masterClrMapping/>
+  </p:clrMapOvr>
+</p:sld>
+</file>
+
+<file path=ppt/slides/slide12.xml><?xml version="1.0" encoding="utf-8"?>
+<p:sld xmlns:a="http://schemas.openxmlformats.org/drawingml/2006/main" xmlns:r="http://schemas.openxmlformats.org/officeDocument/2006/relationships" xmlns:p="http://schemas.openxmlformats.org/presentationml/2006/main">
+  <p:cSld>
+    <p:spTree>
+      <p:nvGrpSpPr>
+        <p:cNvPr id="1" name=""/>
+        <p:cNvGrpSpPr/>
+        <p:nvPr/>
+      </p:nvGrpSpPr>
+      <p:grpSpPr>
+        <a:xfrm>
+          <a:off x="0" y="0"/>
+          <a:ext cx="0" cy="0"/>
+          <a:chOff x="0" y="0"/>
+          <a:chExt cx="0" cy="0"/>
+        </a:xfrm>
+      </p:grpSpPr>
+      <p:sp>
+        <p:nvSpPr>
+          <p:cNvPr id="2" name="タイトル 1"/>
+          <p:cNvSpPr>
+            <a:spLocks noGrp="1"/>
+          </p:cNvSpPr>
+          <p:nvPr>
+            <p:ph type="title"/>
+          </p:nvPr>
+        </p:nvSpPr>
+        <p:spPr/>
+        <p:txBody>
+          <a:bodyPr/>
+          <a:lstStyle/>
+          <a:p>
+            <a:r>
+              <a:rPr kumimoji="1" lang="ja-JP" altLang="en-US" dirty="0" smtClean="0"/>
+              <a:t>原点に近い点での振る舞い</a:t>
+            </a:r>
+            <a:endParaRPr kumimoji="1" lang="ja-JP" altLang="en-US" dirty="0"/>
+          </a:p>
+        </p:txBody>
+      </p:sp>
+      <p:sp>
+        <p:nvSpPr>
+          <p:cNvPr id="3" name="コンテンツ プレースホルダー 2"/>
+          <p:cNvSpPr>
+            <a:spLocks noGrp="1"/>
+          </p:cNvSpPr>
+          <p:nvPr>
+            <p:ph sz="quarter" idx="1"/>
+          </p:nvPr>
+        </p:nvSpPr>
+        <p:spPr>
+          <a:xfrm>
+            <a:off x="612648" y="1600200"/>
+            <a:ext cx="8153400" cy="5069160"/>
+          </a:xfrm>
+        </p:spPr>
+        <p:txBody>
+          <a:bodyPr>
+            <a:normAutofit fontScale="92500" lnSpcReduction="10000"/>
+          </a:bodyPr>
+          <a:lstStyle/>
+          <a:p>
+            <a:r>
+              <a:rPr kumimoji="1" lang="ja-JP" altLang="en-US" dirty="0" smtClean="0"/>
+              <a:t>仕方がないので、まずは原点に十分近い点での振る舞いを調べてみる。</a:t>
+            </a:r>
+            <a:endParaRPr kumimoji="1" lang="en-US" altLang="ja-JP" dirty="0" smtClean="0"/>
+          </a:p>
+          <a:p>
+            <a:r>
+              <a:rPr lang="ja-JP" altLang="en-US" dirty="0" smtClean="0"/>
+              <a:t>論文</a:t>
+            </a:r>
+            <a:r>
+              <a:rPr lang="en-US" altLang="ja-JP" baseline="30000" dirty="0" smtClean="0"/>
+              <a:t>[1]</a:t>
+            </a:r>
+            <a:r>
+              <a:rPr lang="ja-JP" altLang="en-US" dirty="0" smtClean="0"/>
+              <a:t>によれば、</a:t>
+            </a:r>
+            <a:r>
+              <a:rPr lang="en-US" altLang="ja-JP" dirty="0" smtClean="0"/>
+              <a:t>y(x)</a:t>
+            </a:r>
+            <a:r>
+              <a:rPr lang="ja-JP" altLang="en-US" dirty="0" smtClean="0"/>
+              <a:t>の</a:t>
+            </a:r>
+            <a:r>
+              <a:rPr lang="en-US" altLang="ja-JP" dirty="0" err="1"/>
+              <a:t>Maclaurin</a:t>
+            </a:r>
+            <a:r>
+              <a:rPr lang="ja-JP" altLang="en-US" dirty="0" smtClean="0"/>
+              <a:t>展開は、</a:t>
+            </a:r>
+            <a:endParaRPr lang="en-US" altLang="ja-JP" dirty="0" smtClean="0"/>
+          </a:p>
+          <a:p>
+            <a:endParaRPr kumimoji="1" lang="en-US" altLang="ja-JP" dirty="0"/>
+          </a:p>
+          <a:p>
+            <a:r>
+              <a:rPr lang="ja-JP" altLang="en-US" dirty="0" smtClean="0"/>
+              <a:t>であり、また</a:t>
+            </a:r>
+            <a:r>
+              <a:rPr lang="en-US" altLang="ja-JP" dirty="0" smtClean="0"/>
+              <a:t>y(x)</a:t>
+            </a:r>
+            <a:r>
+              <a:rPr lang="ja-JP" altLang="en-US" dirty="0" smtClean="0"/>
+              <a:t>の微分</a:t>
+            </a:r>
+            <a:r>
+              <a:rPr lang="en-US" altLang="ja-JP" dirty="0" smtClean="0"/>
+              <a:t>y’(x)</a:t>
+            </a:r>
+            <a:r>
+              <a:rPr lang="ja-JP" altLang="en-US" dirty="0" smtClean="0"/>
+              <a:t>は、</a:t>
+            </a:r>
+            <a:endParaRPr lang="en-US" altLang="ja-JP" dirty="0" smtClean="0"/>
+          </a:p>
+          <a:p>
+            <a:endParaRPr lang="en-US" altLang="ja-JP" dirty="0" smtClean="0"/>
+          </a:p>
+          <a:p>
+            <a:r>
+              <a:rPr lang="ja-JP" altLang="en-US" dirty="0" smtClean="0"/>
+              <a:t>である。ここで、</a:t>
+            </a:r>
+            <a:r>
+              <a:rPr lang="en-US" altLang="ja-JP" dirty="0" smtClean="0"/>
+              <a:t>B = y’(0)</a:t>
+            </a:r>
+            <a:r>
+              <a:rPr lang="ja-JP" altLang="en-US" dirty="0" smtClean="0"/>
+              <a:t>であり、同じ論文によ</a:t>
+            </a:r>
+            <a:r>
+              <a:rPr lang="ja-JP" altLang="en-US" dirty="0"/>
+              <a:t>れば</a:t>
+            </a:r>
+            <a:r>
+              <a:rPr lang="ja-JP" altLang="en-US" dirty="0" smtClean="0"/>
+              <a:t>、</a:t>
+            </a:r>
+            <a:endParaRPr lang="en-US" altLang="ja-JP" dirty="0" smtClean="0"/>
+          </a:p>
+          <a:p>
+            <a:r>
+              <a:rPr lang="ja-JP" altLang="en-US" dirty="0" smtClean="0"/>
+              <a:t>　　　　　　　　　　　　　である。</a:t>
+            </a:r>
+            <a:endParaRPr lang="en-US" altLang="ja-JP" dirty="0" smtClean="0"/>
+          </a:p>
+          <a:p>
+            <a:r>
+              <a:rPr lang="ja-JP" altLang="en-US" dirty="0" smtClean="0"/>
+              <a:t>なお、この初期値を使って、</a:t>
+            </a:r>
+            <a:r>
+              <a:rPr lang="en-US" altLang="ja-JP" dirty="0" smtClean="0"/>
+              <a:t>T-F</a:t>
+            </a:r>
+            <a:r>
+              <a:rPr lang="ja-JP" altLang="en-US" dirty="0" smtClean="0"/>
+              <a:t>方程式を数値的に解こうとしても遠方で発散する。</a:t>
+            </a:r>
+            <a:endParaRPr lang="en-US" altLang="ja-JP" dirty="0" smtClean="0"/>
+          </a:p>
+          <a:p>
+            <a:r>
+              <a:rPr lang="en-US" altLang="ja-JP" sz="1200" dirty="0" smtClean="0"/>
+              <a:t>[1] M. A. Noor and S. T. </a:t>
+            </a:r>
+            <a:r>
+              <a:rPr lang="en-US" altLang="ja-JP" sz="1200" dirty="0" err="1" smtClean="0"/>
+              <a:t>Mohyud</a:t>
+            </a:r>
+            <a:r>
+              <a:rPr lang="en-US" altLang="ja-JP" sz="1200" dirty="0" smtClean="0"/>
+              <a:t>-Din. </a:t>
+            </a:r>
+            <a:r>
+              <a:rPr lang="en-US" altLang="ja-JP" sz="1200" dirty="0" err="1" smtClean="0"/>
+              <a:t>Homotopy</a:t>
+            </a:r>
+            <a:r>
+              <a:rPr lang="en-US" altLang="ja-JP" sz="1200" dirty="0" smtClean="0"/>
+              <a:t> </a:t>
+            </a:r>
+            <a:r>
+              <a:rPr lang="en-US" altLang="ja-JP" sz="1200" dirty="0"/>
+              <a:t>Perturbation Method for Solving Thomas-Fermi Equation </a:t>
+            </a:r>
+            <a:r>
+              <a:rPr lang="en-US" altLang="ja-JP" sz="1200" dirty="0" smtClean="0"/>
+              <a:t>Using </a:t>
+            </a:r>
+            <a:r>
+              <a:rPr lang="en-US" altLang="ja-JP" sz="1200" dirty="0" err="1" smtClean="0"/>
+              <a:t>Pade</a:t>
+            </a:r>
+            <a:r>
+              <a:rPr lang="en-US" altLang="ja-JP" sz="1200" dirty="0" smtClean="0"/>
+              <a:t> Approximants. </a:t>
+            </a:r>
+            <a:r>
+              <a:rPr lang="en-US" altLang="ja-JP" sz="1200" i="1" dirty="0" smtClean="0"/>
+              <a:t>International </a:t>
+            </a:r>
+            <a:r>
+              <a:rPr lang="en-US" altLang="ja-JP" sz="1200" i="1" dirty="0"/>
+              <a:t>Journal of Nonlinear Science</a:t>
+            </a:r>
+            <a:r>
+              <a:rPr lang="en-US" altLang="ja-JP" sz="1200" dirty="0"/>
+              <a:t>, 8(2009):</a:t>
+            </a:r>
+            <a:r>
+              <a:rPr lang="en-US" altLang="ja-JP" sz="1200" dirty="0" smtClean="0"/>
+              <a:t>27-31.</a:t>
+            </a:r>
+          </a:p>
+          <a:p>
+            <a:endParaRPr lang="en-US" altLang="ja-JP" dirty="0"/>
+          </a:p>
+          <a:p>
+            <a:endParaRPr lang="en-US" altLang="ja-JP" dirty="0" smtClean="0"/>
+          </a:p>
+          <a:p>
+            <a:endParaRPr kumimoji="1" lang="ja-JP" altLang="en-US" dirty="0"/>
+          </a:p>
+        </p:txBody>
+      </p:sp>
+      <p:pic>
+        <p:nvPicPr>
+          <p:cNvPr id="5" name="図 4"/>
+          <p:cNvPicPr>
+            <a:picLocks noChangeAspect="1"/>
+          </p:cNvPicPr>
+          <p:nvPr>
+            <p:custDataLst>
+              <p:tags r:id="rId1"/>
+            </p:custDataLst>
+          </p:nvPr>
+        </p:nvPicPr>
+        <p:blipFill>
+          <a:blip r:embed="rId5" cstate="print">
+            <a:extLst>
+              <a:ext uri="{28A0092B-C50C-407E-A947-70E740481C1C}">
+                <a14:useLocalDpi xmlns:a14="http://schemas.microsoft.com/office/drawing/2010/main" val="0"/>
+              </a:ext>
+            </a:extLst>
+          </a:blip>
+          <a:stretch>
+            <a:fillRect/>
+          </a:stretch>
+        </p:blipFill>
+        <p:spPr>
+          <a:xfrm>
+            <a:off x="1096803" y="2852936"/>
+            <a:ext cx="5003302" cy="533402"/>
+          </a:xfrm>
+          <a:prstGeom prst="rect">
+            <a:avLst/>
+          </a:prstGeom>
+        </p:spPr>
+      </p:pic>
+      <p:pic>
+        <p:nvPicPr>
+          <p:cNvPr id="9" name="図 8"/>
+          <p:cNvPicPr>
+            <a:picLocks noChangeAspect="1"/>
+          </p:cNvPicPr>
+          <p:nvPr>
+            <p:custDataLst>
+              <p:tags r:id="rId2"/>
+            </p:custDataLst>
+          </p:nvPr>
+        </p:nvPicPr>
+        <p:blipFill>
+          <a:blip r:embed="rId6" cstate="print">
+            <a:extLst>
+              <a:ext uri="{28A0092B-C50C-407E-A947-70E740481C1C}">
+                <a14:useLocalDpi xmlns:a14="http://schemas.microsoft.com/office/drawing/2010/main" val="0"/>
+              </a:ext>
+            </a:extLst>
+          </a:blip>
+          <a:stretch>
+            <a:fillRect/>
+          </a:stretch>
+        </p:blipFill>
+        <p:spPr>
+          <a:xfrm>
+            <a:off x="1096803" y="3789040"/>
+            <a:ext cx="5055118" cy="533402"/>
+          </a:xfrm>
+          <a:prstGeom prst="rect">
+            <a:avLst/>
+          </a:prstGeom>
+        </p:spPr>
+      </p:pic>
+      <p:pic>
+        <p:nvPicPr>
+          <p:cNvPr id="6" name="図 5"/>
+          <p:cNvPicPr>
+            <a:picLocks noChangeAspect="1"/>
+          </p:cNvPicPr>
+          <p:nvPr>
+            <p:custDataLst>
+              <p:tags r:id="rId3"/>
+            </p:custDataLst>
+          </p:nvPr>
+        </p:nvPicPr>
+        <p:blipFill>
+          <a:blip r:embed="rId7" cstate="print">
+            <a:extLst>
+              <a:ext uri="{28A0092B-C50C-407E-A947-70E740481C1C}">
+                <a14:useLocalDpi xmlns:a14="http://schemas.microsoft.com/office/drawing/2010/main" val="0"/>
+              </a:ext>
+            </a:extLst>
+          </a:blip>
+          <a:stretch>
+            <a:fillRect/>
+          </a:stretch>
+        </p:blipFill>
+        <p:spPr>
+          <a:xfrm>
+            <a:off x="1096803" y="4797152"/>
+            <a:ext cx="2788314" cy="274700"/>
+          </a:xfrm>
+          <a:prstGeom prst="rect">
+            <a:avLst/>
+          </a:prstGeom>
+        </p:spPr>
+      </p:pic>
+    </p:spTree>
+    <p:extLst>
+      <p:ext uri="{BB962C8B-B14F-4D97-AF65-F5344CB8AC3E}">
+        <p14:creationId xmlns:p14="http://schemas.microsoft.com/office/powerpoint/2010/main" val="803096725"/>
+      </p:ext>
+    </p:extLst>
+  </p:cSld>
+  <p:clrMapOvr>
+    <a:masterClrMapping/>
+  </p:clrMapOvr>
+  <p:timing>
+    <p:tnLst>
+      <p:par>
+        <p:cTn id="1" dur="indefinite" restart="never" nodeType="tmRoot"/>
+      </p:par>
+    </p:tnLst>
+  </p:timing>
+</p:sld>
+</file>
+
+<file path=ppt/slides/slide13.xml><?xml version="1.0" encoding="utf-8"?>
+<p:sld xmlns:a="http://schemas.openxmlformats.org/drawingml/2006/main" xmlns:r="http://schemas.openxmlformats.org/officeDocument/2006/relationships" xmlns:p="http://schemas.openxmlformats.org/presentationml/2006/main">
+  <p:cSld>
+    <p:spTree>
+      <p:nvGrpSpPr>
+        <p:cNvPr id="1" name=""/>
+        <p:cNvGrpSpPr/>
+        <p:nvPr/>
+      </p:nvGrpSpPr>
+      <p:grpSpPr>
+        <a:xfrm>
+          <a:off x="0" y="0"/>
+          <a:ext cx="0" cy="0"/>
+          <a:chOff x="0" y="0"/>
+          <a:chExt cx="0" cy="0"/>
+        </a:xfrm>
+      </p:grpSpPr>
+      <p:sp>
+        <p:nvSpPr>
+          <p:cNvPr id="2" name="タイトル 1"/>
+          <p:cNvSpPr>
+            <a:spLocks noGrp="1"/>
+          </p:cNvSpPr>
+          <p:nvPr>
+            <p:ph type="title"/>
+          </p:nvPr>
+        </p:nvSpPr>
+        <p:spPr/>
+        <p:txBody>
           <a:bodyPr/>
           <a:lstStyle/>
           <a:p>
@@ -5091,7 +5644,7 @@
 </p:sld>
 </file>
 
-<file path=ppt/slides/slide11.xml><?xml version="1.0" encoding="utf-8"?>
+<file path=ppt/slides/slide14.xml><?xml version="1.0" encoding="utf-8"?>
 <p:sld xmlns:a="http://schemas.openxmlformats.org/drawingml/2006/main" xmlns:r="http://schemas.openxmlformats.org/officeDocument/2006/relationships" xmlns:p="http://schemas.openxmlformats.org/presentationml/2006/main">
   <p:cSld>
     <p:spTree>
@@ -5267,7 +5820,7 @@
 </p:sld>
 </file>
 
-<file path=ppt/slides/slide12.xml><?xml version="1.0" encoding="utf-8"?>
+<file path=ppt/slides/slide15.xml><?xml version="1.0" encoding="utf-8"?>
 <p:sld xmlns:a="http://schemas.openxmlformats.org/drawingml/2006/main" xmlns:r="http://schemas.openxmlformats.org/officeDocument/2006/relationships" xmlns:p="http://schemas.openxmlformats.org/presentationml/2006/main">
   <p:cSld>
     <p:spTree>
@@ -5559,7 +6112,7 @@
 </p:sld>
 </file>
 
-<file path=ppt/slides/slide13.xml><?xml version="1.0" encoding="utf-8"?>
+<file path=ppt/slides/slide16.xml><?xml version="1.0" encoding="utf-8"?>
 <p:sld xmlns:a="http://schemas.openxmlformats.org/drawingml/2006/main" xmlns:r="http://schemas.openxmlformats.org/officeDocument/2006/relationships" xmlns:p="http://schemas.openxmlformats.org/presentationml/2006/main">
   <p:cSld>
     <p:spTree>
@@ -5884,7 +6437,7 @@
 </p:sld>
 </file>
 
-<file path=ppt/slides/slide14.xml><?xml version="1.0" encoding="utf-8"?>
+<file path=ppt/slides/slide17.xml><?xml version="1.0" encoding="utf-8"?>
 <p:sld xmlns:a="http://schemas.openxmlformats.org/drawingml/2006/main" xmlns:r="http://schemas.openxmlformats.org/officeDocument/2006/relationships" xmlns:p="http://schemas.openxmlformats.org/presentationml/2006/main">
   <p:cSld>
     <p:spTree>
@@ -6358,7 +6911,7 @@
 </p:sld>
 </file>
 
-<file path=ppt/slides/slide15.xml><?xml version="1.0" encoding="utf-8"?>
+<file path=ppt/slides/slide18.xml><?xml version="1.0" encoding="utf-8"?>
 <p:sld xmlns:a="http://schemas.openxmlformats.org/drawingml/2006/main" xmlns:r="http://schemas.openxmlformats.org/officeDocument/2006/relationships" xmlns:p="http://schemas.openxmlformats.org/presentationml/2006/main">
   <p:cSld>
     <p:spTree>
@@ -6642,7 +7195,7 @@
 </p:sld>
 </file>
 
-<file path=ppt/slides/slide16.xml><?xml version="1.0" encoding="utf-8"?>
+<file path=ppt/slides/slide19.xml><?xml version="1.0" encoding="utf-8"?>
 <p:sld xmlns:a="http://schemas.openxmlformats.org/drawingml/2006/main" xmlns:r="http://schemas.openxmlformats.org/officeDocument/2006/relationships" xmlns:p="http://schemas.openxmlformats.org/presentationml/2006/main">
   <p:cSld>
     <p:spTree>
@@ -7055,7 +7608,183 @@
 </p:sld>
 </file>
 
-<file path=ppt/slides/slide17.xml><?xml version="1.0" encoding="utf-8"?>
+<file path=ppt/slides/slide2.xml><?xml version="1.0" encoding="utf-8"?>
+<p:sld xmlns:a="http://schemas.openxmlformats.org/drawingml/2006/main" xmlns:r="http://schemas.openxmlformats.org/officeDocument/2006/relationships" xmlns:p="http://schemas.openxmlformats.org/presentationml/2006/main">
+  <p:cSld>
+    <p:spTree>
+      <p:nvGrpSpPr>
+        <p:cNvPr id="1" name=""/>
+        <p:cNvGrpSpPr/>
+        <p:nvPr/>
+      </p:nvGrpSpPr>
+      <p:grpSpPr>
+        <a:xfrm>
+          <a:off x="0" y="0"/>
+          <a:ext cx="0" cy="0"/>
+          <a:chOff x="0" y="0"/>
+          <a:chExt cx="0" cy="0"/>
+        </a:xfrm>
+      </p:grpSpPr>
+      <p:sp>
+        <p:nvSpPr>
+          <p:cNvPr id="4" name="タイトル 3"/>
+          <p:cNvSpPr>
+            <a:spLocks noGrp="1"/>
+          </p:cNvSpPr>
+          <p:nvPr>
+            <p:ph type="title"/>
+          </p:nvPr>
+        </p:nvSpPr>
+        <p:spPr/>
+        <p:txBody>
+          <a:bodyPr/>
+          <a:lstStyle/>
+          <a:p>
+            <a:r>
+              <a:rPr kumimoji="1" lang="ja-JP" altLang="en-US" dirty="0" smtClean="0"/>
+              <a:t>自己紹介</a:t>
+            </a:r>
+            <a:endParaRPr kumimoji="1" lang="ja-JP" altLang="en-US" dirty="0"/>
+          </a:p>
+        </p:txBody>
+      </p:sp>
+      <p:sp>
+        <p:nvSpPr>
+          <p:cNvPr id="5" name="コンテンツ プレースホルダー 4"/>
+          <p:cNvSpPr>
+            <a:spLocks noGrp="1"/>
+          </p:cNvSpPr>
+          <p:nvPr>
+            <p:ph sz="quarter" idx="1"/>
+          </p:nvPr>
+        </p:nvSpPr>
+        <p:spPr/>
+        <p:txBody>
+          <a:bodyPr/>
+          <a:lstStyle/>
+          <a:p>
+            <a:r>
+              <a:rPr kumimoji="1" lang="en-US" altLang="ja-JP" dirty="0" smtClean="0"/>
+              <a:t>Twitter: @dc1394</a:t>
+            </a:r>
+          </a:p>
+          <a:p>
+            <a:r>
+              <a:rPr kumimoji="1" lang="en-US" altLang="ja-JP" dirty="0" smtClean="0"/>
+              <a:t>C++</a:t>
+            </a:r>
+            <a:r>
+              <a:rPr kumimoji="1" lang="ja-JP" altLang="en-US" dirty="0" smtClean="0"/>
+              <a:t>とか</a:t>
+            </a:r>
+            <a:r>
+              <a:rPr kumimoji="1" lang="en-US" altLang="ja-JP" dirty="0" smtClean="0"/>
+              <a:t>C#</a:t>
+            </a:r>
+            <a:r>
+              <a:rPr kumimoji="1" lang="ja-JP" altLang="en-US" dirty="0" smtClean="0"/>
+              <a:t>とか</a:t>
+            </a:r>
+            <a:r>
+              <a:rPr kumimoji="1" lang="en-US" altLang="ja-JP" dirty="0" smtClean="0"/>
+              <a:t>Ruby</a:t>
+            </a:r>
+            <a:r>
+              <a:rPr kumimoji="1" lang="ja-JP" altLang="en-US" dirty="0" smtClean="0"/>
+              <a:t>が好きです（でもプログラマーで</a:t>
+            </a:r>
+            <a:r>
+              <a:rPr kumimoji="1" lang="ja-JP" altLang="en-US" dirty="0" smtClean="0"/>
+              <a:t>は</a:t>
+            </a:r>
+            <a:r>
+              <a:rPr lang="ja-JP" altLang="en-US" dirty="0"/>
+              <a:t>ありません</a:t>
+            </a:r>
+            <a:r>
+              <a:rPr lang="ja-JP" altLang="en-US" dirty="0" smtClean="0"/>
+              <a:t>）</a:t>
+            </a:r>
+            <a:r>
+              <a:rPr kumimoji="1" lang="ja-JP" altLang="en-US" dirty="0" smtClean="0"/>
+              <a:t>。</a:t>
+            </a:r>
+            <a:endParaRPr kumimoji="1" lang="en-US" altLang="ja-JP" dirty="0" smtClean="0"/>
+          </a:p>
+          <a:p>
+            <a:r>
+              <a:rPr lang="ja-JP" altLang="en-US" dirty="0"/>
+              <a:t>最も</a:t>
+            </a:r>
+            <a:r>
+              <a:rPr kumimoji="1" lang="ja-JP" altLang="en-US" dirty="0" smtClean="0"/>
+              <a:t>興味のあること</a:t>
+            </a:r>
+            <a:endParaRPr kumimoji="1" lang="en-US" altLang="ja-JP" dirty="0" smtClean="0"/>
+          </a:p>
+          <a:p>
+            <a:r>
+              <a:rPr lang="ja-JP" altLang="en-US" dirty="0" smtClean="0"/>
+              <a:t>・</a:t>
+            </a:r>
+            <a:r>
+              <a:rPr lang="ja-JP" altLang="en-US" dirty="0" smtClean="0"/>
+              <a:t>第一原理</a:t>
+            </a:r>
+            <a:r>
+              <a:rPr lang="ja-JP" altLang="en-US" dirty="0" smtClean="0"/>
+              <a:t>計算</a:t>
+            </a:r>
+            <a:endParaRPr lang="en-US" altLang="ja-JP" dirty="0" smtClean="0"/>
+          </a:p>
+          <a:p>
+            <a:r>
+              <a:rPr lang="ja-JP" altLang="en-US" dirty="0"/>
+              <a:t>・密度汎関数理論（</a:t>
+            </a:r>
+            <a:r>
+              <a:rPr lang="en-US" altLang="ja-JP" dirty="0"/>
+              <a:t>Density Functional Theory, DFT</a:t>
+            </a:r>
+            <a:r>
+              <a:rPr lang="ja-JP" altLang="en-US" dirty="0"/>
+              <a:t>）</a:t>
+            </a:r>
+            <a:endParaRPr lang="en-US" altLang="ja-JP" dirty="0" smtClean="0"/>
+          </a:p>
+          <a:p>
+            <a:r>
+              <a:rPr lang="ja-JP" altLang="en-US" dirty="0" smtClean="0"/>
+              <a:t>→量子力学の数値計算</a:t>
+            </a:r>
+            <a:endParaRPr kumimoji="1" lang="en-US" altLang="ja-JP" dirty="0" smtClean="0"/>
+          </a:p>
+          <a:p>
+            <a:endParaRPr kumimoji="1" lang="ja-JP" altLang="en-US" dirty="0"/>
+          </a:p>
+        </p:txBody>
+      </p:sp>
+    </p:spTree>
+    <p:extLst>
+      <p:ext uri="{BB962C8B-B14F-4D97-AF65-F5344CB8AC3E}">
+        <p14:creationId xmlns:p14="http://schemas.microsoft.com/office/powerpoint/2010/main" val="2907276678"/>
+      </p:ext>
+    </p:extLst>
+  </p:cSld>
+  <p:clrMapOvr>
+    <a:masterClrMapping/>
+  </p:clrMapOvr>
+  <p:timing>
+    <p:tnLst>
+      <p:par>
+        <p:cTn id="1" dur="indefinite" restart="never" nodeType="tmRoot"/>
+      </p:par>
+    </p:tnLst>
+  </p:timing>
+</p:sld>
+</file>
+
+<file path=ppt/slides/slide20.xml><?xml version="1.0" encoding="utf-8"?>
 <p:sld xmlns:a="http://schemas.openxmlformats.org/drawingml/2006/main" xmlns:r="http://schemas.openxmlformats.org/officeDocument/2006/relationships" xmlns:p="http://schemas.openxmlformats.org/presentationml/2006/main">
   <p:cSld>
     <p:spTree>
@@ -7296,7 +8025,7 @@
 </p:sld>
 </file>
 
-<file path=ppt/slides/slide18.xml><?xml version="1.0" encoding="utf-8"?>
+<file path=ppt/slides/slide21.xml><?xml version="1.0" encoding="utf-8"?>
 <p:sld xmlns:a="http://schemas.openxmlformats.org/drawingml/2006/main" xmlns:r="http://schemas.openxmlformats.org/officeDocument/2006/relationships" xmlns:p="http://schemas.openxmlformats.org/presentationml/2006/main">
   <p:cSld>
     <p:spTree>
@@ -8179,7 +8908,7 @@
 </p:sld>
 </file>
 
-<file path=ppt/slides/slide19.xml><?xml version="1.0" encoding="utf-8"?>
+<file path=ppt/slides/slide22.xml><?xml version="1.0" encoding="utf-8"?>
 <p:sld xmlns:a="http://schemas.openxmlformats.org/drawingml/2006/main" xmlns:r="http://schemas.openxmlformats.org/officeDocument/2006/relationships" xmlns:p="http://schemas.openxmlformats.org/presentationml/2006/main">
   <p:cSld>
     <p:spTree>
@@ -8471,179 +9200,7 @@
 </p:sld>
 </file>
 
-<file path=ppt/slides/slide2.xml><?xml version="1.0" encoding="utf-8"?>
-<p:sld xmlns:a="http://schemas.openxmlformats.org/drawingml/2006/main" xmlns:r="http://schemas.openxmlformats.org/officeDocument/2006/relationships" xmlns:p="http://schemas.openxmlformats.org/presentationml/2006/main">
-  <p:cSld>
-    <p:spTree>
-      <p:nvGrpSpPr>
-        <p:cNvPr id="1" name=""/>
-        <p:cNvGrpSpPr/>
-        <p:nvPr/>
-      </p:nvGrpSpPr>
-      <p:grpSpPr>
-        <a:xfrm>
-          <a:off x="0" y="0"/>
-          <a:ext cx="0" cy="0"/>
-          <a:chOff x="0" y="0"/>
-          <a:chExt cx="0" cy="0"/>
-        </a:xfrm>
-      </p:grpSpPr>
-      <p:sp>
-        <p:nvSpPr>
-          <p:cNvPr id="4" name="タイトル 3"/>
-          <p:cNvSpPr>
-            <a:spLocks noGrp="1"/>
-          </p:cNvSpPr>
-          <p:nvPr>
-            <p:ph type="title"/>
-          </p:nvPr>
-        </p:nvSpPr>
-        <p:spPr/>
-        <p:txBody>
-          <a:bodyPr/>
-          <a:lstStyle/>
-          <a:p>
-            <a:r>
-              <a:rPr kumimoji="1" lang="ja-JP" altLang="en-US" dirty="0" smtClean="0"/>
-              <a:t>自己紹介</a:t>
-            </a:r>
-            <a:endParaRPr kumimoji="1" lang="ja-JP" altLang="en-US" dirty="0"/>
-          </a:p>
-        </p:txBody>
-      </p:sp>
-      <p:sp>
-        <p:nvSpPr>
-          <p:cNvPr id="5" name="コンテンツ プレースホルダー 4"/>
-          <p:cNvSpPr>
-            <a:spLocks noGrp="1"/>
-          </p:cNvSpPr>
-          <p:nvPr>
-            <p:ph sz="quarter" idx="1"/>
-          </p:nvPr>
-        </p:nvSpPr>
-        <p:spPr/>
-        <p:txBody>
-          <a:bodyPr/>
-          <a:lstStyle/>
-          <a:p>
-            <a:r>
-              <a:rPr kumimoji="1" lang="en-US" altLang="ja-JP" dirty="0" smtClean="0"/>
-              <a:t>Twitter: @dc1394</a:t>
-            </a:r>
-          </a:p>
-          <a:p>
-            <a:r>
-              <a:rPr kumimoji="1" lang="en-US" altLang="ja-JP" dirty="0" smtClean="0"/>
-              <a:t>C++</a:t>
-            </a:r>
-            <a:r>
-              <a:rPr kumimoji="1" lang="ja-JP" altLang="en-US" dirty="0" smtClean="0"/>
-              <a:t>とか</a:t>
-            </a:r>
-            <a:r>
-              <a:rPr kumimoji="1" lang="en-US" altLang="ja-JP" dirty="0" smtClean="0"/>
-              <a:t>C#</a:t>
-            </a:r>
-            <a:r>
-              <a:rPr kumimoji="1" lang="ja-JP" altLang="en-US" dirty="0" smtClean="0"/>
-              <a:t>とか</a:t>
-            </a:r>
-            <a:r>
-              <a:rPr kumimoji="1" lang="en-US" altLang="ja-JP" dirty="0" smtClean="0"/>
-              <a:t>Ruby</a:t>
-            </a:r>
-            <a:r>
-              <a:rPr kumimoji="1" lang="ja-JP" altLang="en-US" dirty="0" smtClean="0"/>
-              <a:t>が好きです</a:t>
-            </a:r>
-            <a:r>
-              <a:rPr kumimoji="1" lang="ja-JP" altLang="en-US" dirty="0" smtClean="0"/>
-              <a:t>（でもプログラマー</a:t>
-            </a:r>
-            <a:r>
-              <a:rPr kumimoji="1" lang="ja-JP" altLang="en-US" dirty="0" smtClean="0"/>
-              <a:t>で</a:t>
-            </a:r>
-            <a:r>
-              <a:rPr kumimoji="1" lang="ja-JP" altLang="en-US" dirty="0" smtClean="0"/>
-              <a:t>はないです</a:t>
-            </a:r>
-            <a:r>
-              <a:rPr lang="ja-JP" altLang="en-US" dirty="0" smtClean="0"/>
-              <a:t>）</a:t>
-            </a:r>
-            <a:r>
-              <a:rPr kumimoji="1" lang="ja-JP" altLang="en-US" dirty="0" smtClean="0"/>
-              <a:t>。</a:t>
-            </a:r>
-            <a:endParaRPr kumimoji="1" lang="en-US" altLang="ja-JP" dirty="0" smtClean="0"/>
-          </a:p>
-          <a:p>
-            <a:r>
-              <a:rPr lang="ja-JP" altLang="en-US" dirty="0"/>
-              <a:t>最も</a:t>
-            </a:r>
-            <a:r>
-              <a:rPr kumimoji="1" lang="ja-JP" altLang="en-US" dirty="0" smtClean="0"/>
-              <a:t>興味のあること</a:t>
-            </a:r>
-            <a:endParaRPr kumimoji="1" lang="en-US" altLang="ja-JP" dirty="0" smtClean="0"/>
-          </a:p>
-          <a:p>
-            <a:r>
-              <a:rPr kumimoji="1" lang="ja-JP" altLang="en-US" dirty="0" smtClean="0"/>
-              <a:t>・密度汎関数理論（</a:t>
-            </a:r>
-            <a:r>
-              <a:rPr kumimoji="1" lang="en-US" altLang="ja-JP" dirty="0" smtClean="0"/>
-              <a:t>Density Functional Theory, DFT</a:t>
-            </a:r>
-            <a:r>
-              <a:rPr kumimoji="1" lang="ja-JP" altLang="en-US" dirty="0" smtClean="0"/>
-              <a:t>）</a:t>
-            </a:r>
-            <a:endParaRPr kumimoji="1" lang="en-US" altLang="ja-JP" dirty="0" smtClean="0"/>
-          </a:p>
-          <a:p>
-            <a:r>
-              <a:rPr lang="ja-JP" altLang="en-US" dirty="0" smtClean="0"/>
-              <a:t>・第一原理計算</a:t>
-            </a:r>
-            <a:endParaRPr lang="en-US" altLang="ja-JP" dirty="0" smtClean="0"/>
-          </a:p>
-          <a:p>
-            <a:r>
-              <a:rPr lang="ja-JP" altLang="en-US" dirty="0" smtClean="0"/>
-              <a:t>→量子力学の数値計算</a:t>
-            </a:r>
-            <a:endParaRPr kumimoji="1" lang="en-US" altLang="ja-JP" dirty="0" smtClean="0"/>
-          </a:p>
-          <a:p>
-            <a:endParaRPr kumimoji="1" lang="ja-JP" altLang="en-US" dirty="0"/>
-          </a:p>
-        </p:txBody>
-      </p:sp>
-    </p:spTree>
-    <p:extLst>
-      <p:ext uri="{BB962C8B-B14F-4D97-AF65-F5344CB8AC3E}">
-        <p14:creationId xmlns:p14="http://schemas.microsoft.com/office/powerpoint/2010/main" val="2907276678"/>
-      </p:ext>
-    </p:extLst>
-  </p:cSld>
-  <p:clrMapOvr>
-    <a:masterClrMapping/>
-  </p:clrMapOvr>
-  <p:timing>
-    <p:tnLst>
-      <p:par>
-        <p:cTn id="1" dur="indefinite" restart="never" nodeType="tmRoot"/>
-      </p:par>
-    </p:tnLst>
-  </p:timing>
-</p:sld>
-</file>
-
-<file path=ppt/slides/slide20.xml><?xml version="1.0" encoding="utf-8"?>
+<file path=ppt/slides/slide23.xml><?xml version="1.0" encoding="utf-8"?>
 <p:sld xmlns:a="http://schemas.openxmlformats.org/drawingml/2006/main" xmlns:r="http://schemas.openxmlformats.org/officeDocument/2006/relationships" xmlns:p="http://schemas.openxmlformats.org/presentationml/2006/main">
   <p:cSld>
     <p:spTree>
@@ -8732,7 +9289,7 @@
 </p:sld>
 </file>
 
-<file path=ppt/slides/slide21.xml><?xml version="1.0" encoding="utf-8"?>
+<file path=ppt/slides/slide24.xml><?xml version="1.0" encoding="utf-8"?>
 <p:sld xmlns:a="http://schemas.openxmlformats.org/drawingml/2006/main" xmlns:r="http://schemas.openxmlformats.org/officeDocument/2006/relationships" xmlns:p="http://schemas.openxmlformats.org/presentationml/2006/main">
   <p:cSld>
     <p:spTree>
@@ -8827,7 +9384,7 @@
 </p:sld>
 </file>
 
-<file path=ppt/slides/slide22.xml><?xml version="1.0" encoding="utf-8"?>
+<file path=ppt/slides/slide25.xml><?xml version="1.0" encoding="utf-8"?>
 <p:sld xmlns:a="http://schemas.openxmlformats.org/drawingml/2006/main" xmlns:r="http://schemas.openxmlformats.org/officeDocument/2006/relationships" xmlns:p="http://schemas.openxmlformats.org/presentationml/2006/main">
   <p:cSld>
     <p:spTree>
@@ -8934,7 +9491,7 @@
 </p:sld>
 </file>
 
-<file path=ppt/slides/slide23.xml><?xml version="1.0" encoding="utf-8"?>
+<file path=ppt/slides/slide26.xml><?xml version="1.0" encoding="utf-8"?>
 <p:sld xmlns:a="http://schemas.openxmlformats.org/drawingml/2006/main" xmlns:r="http://schemas.openxmlformats.org/officeDocument/2006/relationships" xmlns:p="http://schemas.openxmlformats.org/presentationml/2006/main">
   <p:cSld>
     <p:spTree>
@@ -9180,7 +9737,7 @@
 </p:sld>
 </file>
 
-<file path=ppt/slides/slide24.xml><?xml version="1.0" encoding="utf-8"?>
+<file path=ppt/slides/slide27.xml><?xml version="1.0" encoding="utf-8"?>
 <p:sld xmlns:a="http://schemas.openxmlformats.org/drawingml/2006/main" xmlns:r="http://schemas.openxmlformats.org/officeDocument/2006/relationships" xmlns:p="http://schemas.openxmlformats.org/presentationml/2006/main">
   <p:cSld>
     <p:spTree>
@@ -9838,7 +10395,7 @@
 </p:sld>
 </file>
 
-<file path=ppt/slides/slide25.xml><?xml version="1.0" encoding="utf-8"?>
+<file path=ppt/slides/slide28.xml><?xml version="1.0" encoding="utf-8"?>
 <p:sld xmlns:a="http://schemas.openxmlformats.org/drawingml/2006/main" xmlns:r="http://schemas.openxmlformats.org/officeDocument/2006/relationships" xmlns:p="http://schemas.openxmlformats.org/presentationml/2006/main">
   <p:cSld>
     <p:spTree>
@@ -10008,7 +10565,7 @@
 </p:sld>
 </file>
 
-<file path=ppt/slides/slide26.xml><?xml version="1.0" encoding="utf-8"?>
+<file path=ppt/slides/slide29.xml><?xml version="1.0" encoding="utf-8"?>
 <p:sld xmlns:a="http://schemas.openxmlformats.org/drawingml/2006/main" xmlns:r="http://schemas.openxmlformats.org/officeDocument/2006/relationships" xmlns:p="http://schemas.openxmlformats.org/presentationml/2006/main">
   <p:cSld>
     <p:spTree>
@@ -10126,6 +10683,175 @@
 </file>
 
 <file path=ppt/slides/slide3.xml><?xml version="1.0" encoding="utf-8"?>
+<p:sld xmlns:a="http://schemas.openxmlformats.org/drawingml/2006/main" xmlns:r="http://schemas.openxmlformats.org/officeDocument/2006/relationships" xmlns:p="http://schemas.openxmlformats.org/presentationml/2006/main">
+  <p:cSld>
+    <p:spTree>
+      <p:nvGrpSpPr>
+        <p:cNvPr id="1" name=""/>
+        <p:cNvGrpSpPr/>
+        <p:nvPr/>
+      </p:nvGrpSpPr>
+      <p:grpSpPr>
+        <a:xfrm>
+          <a:off x="0" y="0"/>
+          <a:ext cx="0" cy="0"/>
+          <a:chOff x="0" y="0"/>
+          <a:chExt cx="0" cy="0"/>
+        </a:xfrm>
+      </p:grpSpPr>
+      <p:sp>
+        <p:nvSpPr>
+          <p:cNvPr id="2" name="タイトル 1"/>
+          <p:cNvSpPr>
+            <a:spLocks noGrp="1"/>
+          </p:cNvSpPr>
+          <p:nvPr>
+            <p:ph type="title"/>
+          </p:nvPr>
+        </p:nvSpPr>
+        <p:spPr/>
+        <p:txBody>
+          <a:bodyPr/>
+          <a:lstStyle/>
+          <a:p>
+            <a:r>
+              <a:rPr kumimoji="1" lang="ja-JP" altLang="en-US" dirty="0" smtClean="0"/>
+              <a:t>概要</a:t>
+            </a:r>
+            <a:endParaRPr kumimoji="1" lang="ja-JP" altLang="en-US" dirty="0"/>
+          </a:p>
+        </p:txBody>
+      </p:sp>
+      <p:sp>
+        <p:nvSpPr>
+          <p:cNvPr id="3" name="コンテンツ プレースホルダー 2"/>
+          <p:cNvSpPr>
+            <a:spLocks noGrp="1"/>
+          </p:cNvSpPr>
+          <p:nvPr>
+            <p:ph sz="quarter" idx="1"/>
+          </p:nvPr>
+        </p:nvSpPr>
+        <p:spPr/>
+        <p:txBody>
+          <a:bodyPr/>
+          <a:lstStyle/>
+          <a:p>
+            <a:r>
+              <a:rPr lang="en-US" altLang="ja-JP" dirty="0"/>
+              <a:t>Schrödinger</a:t>
+            </a:r>
+            <a:r>
+              <a:rPr lang="ja-JP" altLang="en-US" dirty="0" smtClean="0"/>
+              <a:t>方程式と用いる単位系について</a:t>
+            </a:r>
+            <a:endParaRPr lang="en-US" altLang="ja-JP" dirty="0" smtClean="0"/>
+          </a:p>
+          <a:p>
+            <a:r>
+              <a:rPr lang="en-US" altLang="ja-JP" dirty="0" smtClean="0"/>
+              <a:t>3</a:t>
+            </a:r>
+            <a:r>
+              <a:rPr lang="ja-JP" altLang="en-US" dirty="0" smtClean="0"/>
+              <a:t>次元の</a:t>
+            </a:r>
+            <a:r>
+              <a:rPr lang="en-US" altLang="ja-JP" dirty="0"/>
+              <a:t>Schrödinger</a:t>
+            </a:r>
+            <a:r>
+              <a:rPr lang="ja-JP" altLang="en-US" dirty="0" smtClean="0"/>
+              <a:t>方程式（偏微分方程式）を変数分離し、</a:t>
+            </a:r>
+            <a:r>
+              <a:rPr lang="en-US" altLang="ja-JP" dirty="0" smtClean="0"/>
+              <a:t>1</a:t>
+            </a:r>
+            <a:r>
+              <a:rPr lang="ja-JP" altLang="en-US" dirty="0" smtClean="0"/>
+              <a:t>次元の常微分方程式に還元</a:t>
+            </a:r>
+            <a:endParaRPr lang="en-US" altLang="ja-JP" dirty="0" smtClean="0"/>
+          </a:p>
+          <a:p>
+            <a:r>
+              <a:rPr lang="ja-JP" altLang="en-US" dirty="0"/>
+              <a:t>初期値の</a:t>
+            </a:r>
+            <a:r>
+              <a:rPr lang="ja-JP" altLang="en-US" dirty="0" smtClean="0"/>
+              <a:t>推定</a:t>
+            </a:r>
+            <a:endParaRPr lang="en-US" altLang="ja-JP" dirty="0" smtClean="0"/>
+          </a:p>
+          <a:p>
+            <a:r>
+              <a:rPr lang="en-US" altLang="ja-JP" dirty="0" err="1" smtClean="0"/>
+              <a:t>Boost.ODEInt</a:t>
+            </a:r>
+            <a:r>
+              <a:rPr lang="ja-JP" altLang="en-US" dirty="0" smtClean="0"/>
+              <a:t>を用いた常微分方程式の数値解法</a:t>
+            </a:r>
+            <a:endParaRPr lang="en-US" altLang="ja-JP" dirty="0" smtClean="0"/>
+          </a:p>
+          <a:p>
+            <a:r>
+              <a:rPr lang="en-US" altLang="ja-JP" dirty="0" smtClean="0"/>
+              <a:t>Brent</a:t>
+            </a:r>
+            <a:r>
+              <a:rPr lang="ja-JP" altLang="en-US" dirty="0" smtClean="0"/>
+              <a:t>アルゴリズム（</a:t>
+            </a:r>
+            <a:r>
+              <a:rPr lang="en-US" altLang="ja-JP" dirty="0" smtClean="0"/>
+              <a:t>GSL</a:t>
+            </a:r>
+            <a:r>
+              <a:rPr lang="ja-JP" altLang="en-US" dirty="0" smtClean="0"/>
+              <a:t>ライブラリを使用）を用いた固有値</a:t>
+            </a:r>
+            <a:r>
+              <a:rPr lang="ja-JP" altLang="en-US" dirty="0"/>
+              <a:t>の</a:t>
+            </a:r>
+            <a:r>
+              <a:rPr lang="ja-JP" altLang="en-US" dirty="0" smtClean="0"/>
+              <a:t>探索</a:t>
+            </a:r>
+            <a:endParaRPr lang="en-US" altLang="ja-JP" dirty="0" smtClean="0"/>
+          </a:p>
+          <a:p>
+            <a:r>
+              <a:rPr lang="ja-JP" altLang="en-US" dirty="0"/>
+              <a:t>波動関数と正規化</a:t>
+            </a:r>
+            <a:endParaRPr lang="en-US" altLang="ja-JP" dirty="0" smtClean="0"/>
+          </a:p>
+          <a:p>
+            <a:endParaRPr lang="en-US" altLang="ja-JP" dirty="0" smtClean="0"/>
+          </a:p>
+          <a:p>
+            <a:endParaRPr kumimoji="1" lang="ja-JP" altLang="en-US" dirty="0"/>
+          </a:p>
+        </p:txBody>
+      </p:sp>
+    </p:spTree>
+    <p:extLst>
+      <p:ext uri="{BB962C8B-B14F-4D97-AF65-F5344CB8AC3E}">
+        <p14:creationId xmlns:p14="http://schemas.microsoft.com/office/powerpoint/2010/main" val="2444514053"/>
+      </p:ext>
+    </p:extLst>
+  </p:cSld>
+  <p:clrMapOvr>
+    <a:masterClrMapping/>
+  </p:clrMapOvr>
+</p:sld>
+</file>
+
+<file path=ppt/slides/slide4.xml><?xml version="1.0" encoding="utf-8"?>
 <p:sld xmlns:a="http://schemas.openxmlformats.org/drawingml/2006/main" xmlns:r="http://schemas.openxmlformats.org/officeDocument/2006/relationships" xmlns:p="http://schemas.openxmlformats.org/presentationml/2006/main">
   <p:cSld>
     <p:spTree>
@@ -10371,7 +11097,7 @@
 </p:sld>
 </file>
 
-<file path=ppt/slides/slide4.xml><?xml version="1.0" encoding="utf-8"?>
+<file path=ppt/slides/slide5.xml><?xml version="1.0" encoding="utf-8"?>
 <p:sld xmlns:a="http://schemas.openxmlformats.org/drawingml/2006/main" xmlns:r="http://schemas.openxmlformats.org/officeDocument/2006/relationships" xmlns:p="http://schemas.openxmlformats.org/presentationml/2006/main">
   <p:cSld>
     <p:spTree>
@@ -10745,7 +11471,7 @@
 </p:sld>
 </file>
 
-<file path=ppt/slides/slide5.xml><?xml version="1.0" encoding="utf-8"?>
+<file path=ppt/slides/slide6.xml><?xml version="1.0" encoding="utf-8"?>
 <p:sld xmlns:a="http://schemas.openxmlformats.org/drawingml/2006/main" xmlns:r="http://schemas.openxmlformats.org/officeDocument/2006/relationships" xmlns:p="http://schemas.openxmlformats.org/presentationml/2006/main">
   <p:cSld>
     <p:spTree>
@@ -11288,7 +12014,7 @@
 </p:sld>
 </file>
 
-<file path=ppt/slides/slide6.xml><?xml version="1.0" encoding="utf-8"?>
+<file path=ppt/slides/slide7.xml><?xml version="1.0" encoding="utf-8"?>
 <p:sld xmlns:a="http://schemas.openxmlformats.org/drawingml/2006/main" xmlns:r="http://schemas.openxmlformats.org/officeDocument/2006/relationships" xmlns:p="http://schemas.openxmlformats.org/presentationml/2006/main">
   <p:cSld>
     <p:spTree>
@@ -11567,140 +12293,6 @@
 </p:sld>
 </file>
 
-<file path=ppt/slides/slide7.xml><?xml version="1.0" encoding="utf-8"?>
-<p:sld xmlns:a="http://schemas.openxmlformats.org/drawingml/2006/main" xmlns:r="http://schemas.openxmlformats.org/officeDocument/2006/relationships" xmlns:p="http://schemas.openxmlformats.org/presentationml/2006/main">
-  <p:cSld>
-    <p:spTree>
-      <p:nvGrpSpPr>
-        <p:cNvPr id="1" name=""/>
-        <p:cNvGrpSpPr/>
-        <p:nvPr/>
-      </p:nvGrpSpPr>
-      <p:grpSpPr>
-        <a:xfrm>
-          <a:off x="0" y="0"/>
-          <a:ext cx="0" cy="0"/>
-          <a:chOff x="0" y="0"/>
-          <a:chExt cx="0" cy="0"/>
-        </a:xfrm>
-      </p:grpSpPr>
-      <p:sp>
-        <p:nvSpPr>
-          <p:cNvPr id="2" name="タイトル 1"/>
-          <p:cNvSpPr>
-            <a:spLocks noGrp="1"/>
-          </p:cNvSpPr>
-          <p:nvPr>
-            <p:ph type="title"/>
-          </p:nvPr>
-        </p:nvSpPr>
-        <p:spPr/>
-        <p:txBody>
-          <a:bodyPr/>
-          <a:lstStyle/>
-          <a:p>
-            <a:r>
-              <a:rPr kumimoji="1" lang="en-US" altLang="ja-JP" dirty="0" err="1" smtClean="0"/>
-              <a:t>Sch</a:t>
-            </a:r>
-            <a:r>
-              <a:rPr kumimoji="1" lang="ja-JP" altLang="en-US" dirty="0" smtClean="0"/>
-              <a:t>方程式の変数分離</a:t>
-            </a:r>
-            <a:endParaRPr kumimoji="1" lang="ja-JP" altLang="en-US" dirty="0"/>
-          </a:p>
-        </p:txBody>
-      </p:sp>
-      <p:sp>
-        <p:nvSpPr>
-          <p:cNvPr id="3" name="コンテンツ プレースホルダー 2"/>
-          <p:cNvSpPr>
-            <a:spLocks noGrp="1"/>
-          </p:cNvSpPr>
-          <p:nvPr>
-            <p:ph sz="quarter" idx="1"/>
-          </p:nvPr>
-        </p:nvSpPr>
-        <p:spPr/>
-        <p:txBody>
-          <a:bodyPr/>
-          <a:lstStyle/>
-          <a:p>
-            <a:r>
-              <a:rPr kumimoji="1" lang="ja-JP" altLang="en-US" dirty="0" smtClean="0"/>
-              <a:t>この変数分離により、以下の二つの微分方程式が得られる。</a:t>
-            </a:r>
-            <a:endParaRPr kumimoji="1" lang="en-US" altLang="ja-JP" dirty="0" smtClean="0"/>
-          </a:p>
-          <a:p>
-            <a:endParaRPr lang="en-US" altLang="ja-JP" dirty="0"/>
-          </a:p>
-          <a:p>
-            <a:endParaRPr kumimoji="1" lang="en-US" altLang="ja-JP" dirty="0" smtClean="0"/>
-          </a:p>
-          <a:p>
-            <a:r>
-              <a:rPr kumimoji="1" lang="ja-JP" altLang="en-US" dirty="0" smtClean="0"/>
-              <a:t>第二式の解は、球面調和関数として解析的に得られるので、数値的に解くべき方程式は第一式である。</a:t>
-            </a:r>
-            <a:endParaRPr kumimoji="1" lang="ja-JP" altLang="en-US" dirty="0"/>
-          </a:p>
-        </p:txBody>
-      </p:sp>
-      <p:pic>
-        <p:nvPicPr>
-          <p:cNvPr id="5" name="図 4"/>
-          <p:cNvPicPr>
-            <a:picLocks noChangeAspect="1"/>
-          </p:cNvPicPr>
-          <p:nvPr>
-            <p:custDataLst>
-              <p:tags r:id="rId1"/>
-            </p:custDataLst>
-          </p:nvPr>
-        </p:nvPicPr>
-        <p:blipFill>
-          <a:blip r:embed="rId3" cstate="print">
-            <a:extLst>
-              <a:ext uri="{28A0092B-C50C-407E-A947-70E740481C1C}">
-                <a14:useLocalDpi xmlns:a14="http://schemas.microsoft.com/office/drawing/2010/main" val="0"/>
-              </a:ext>
-            </a:extLst>
-          </a:blip>
-          <a:stretch>
-            <a:fillRect/>
-          </a:stretch>
-        </p:blipFill>
-        <p:spPr>
-          <a:xfrm>
-            <a:off x="971600" y="2540000"/>
-            <a:ext cx="7533333" cy="1139048"/>
-          </a:xfrm>
-          <a:prstGeom prst="rect">
-            <a:avLst/>
-          </a:prstGeom>
-        </p:spPr>
-      </p:pic>
-    </p:spTree>
-    <p:extLst>
-      <p:ext uri="{BB962C8B-B14F-4D97-AF65-F5344CB8AC3E}">
-        <p14:creationId xmlns:p14="http://schemas.microsoft.com/office/powerpoint/2010/main" val="2795536615"/>
-      </p:ext>
-    </p:extLst>
-  </p:cSld>
-  <p:clrMapOvr>
-    <a:masterClrMapping/>
-  </p:clrMapOvr>
-  <p:timing>
-    <p:tnLst>
-      <p:par>
-        <p:cTn id="1" dur="indefinite" restart="never" nodeType="tmRoot"/>
-      </p:par>
-    </p:tnLst>
-  </p:timing>
-</p:sld>
-</file>
-
 <file path=ppt/slides/slide8.xml><?xml version="1.0" encoding="utf-8"?>
 <p:sld xmlns:a="http://schemas.openxmlformats.org/drawingml/2006/main" xmlns:r="http://schemas.openxmlformats.org/officeDocument/2006/relationships" xmlns:p="http://schemas.openxmlformats.org/presentationml/2006/main">
   <p:cSld>
@@ -11730,18 +12322,16 @@
         </p:nvSpPr>
         <p:spPr/>
         <p:txBody>
-          <a:bodyPr>
-            <a:normAutofit fontScale="90000"/>
-          </a:bodyPr>
+          <a:bodyPr/>
           <a:lstStyle/>
           <a:p>
             <a:r>
               <a:rPr lang="en-US" altLang="ja-JP" smtClean="0"/>
-              <a:t>Thomas-Fermi</a:t>
+              <a:t>Sch</a:t>
             </a:r>
             <a:r>
               <a:rPr lang="ja-JP" altLang="en-US" smtClean="0"/>
-              <a:t>方程式の数値解法上の困難</a:t>
+              <a:t>方程式の変数分離</a:t>
             </a:r>
             <a:endParaRPr lang="ja-JP" altLang="en-US" dirty="0"/>
           </a:p>
@@ -11759,81 +12349,39 @@
         </p:nvSpPr>
         <p:spPr/>
         <p:txBody>
-          <a:bodyPr>
-            <a:normAutofit lnSpcReduction="10000"/>
-          </a:bodyPr>
+          <a:bodyPr/>
           <a:lstStyle/>
           <a:p>
             <a:r>
-              <a:rPr lang="en-US" altLang="ja-JP" dirty="0" smtClean="0"/>
-              <a:t>Thomas-Fermi</a:t>
-            </a:r>
-            <a:r>
-              <a:rPr lang="ja-JP" altLang="en-US" dirty="0" smtClean="0"/>
-              <a:t>方程式（</a:t>
-            </a:r>
-            <a:r>
-              <a:rPr lang="ja-JP" altLang="en-US" dirty="0"/>
-              <a:t>以後</a:t>
-            </a:r>
-            <a:r>
-              <a:rPr lang="en-US" altLang="ja-JP" dirty="0" smtClean="0"/>
-              <a:t>T-F</a:t>
-            </a:r>
-            <a:r>
-              <a:rPr lang="ja-JP" altLang="en-US" dirty="0" smtClean="0"/>
-              <a:t>方程式と呼ぶ）は、</a:t>
-            </a:r>
-            <a:endParaRPr lang="en-US" altLang="ja-JP" dirty="0" smtClean="0"/>
-          </a:p>
-          <a:p>
-            <a:endParaRPr lang="en-US" altLang="ja-JP" dirty="0" smtClean="0"/>
-          </a:p>
-          <a:p>
-            <a:endParaRPr lang="en-US" altLang="ja-JP" dirty="0" smtClean="0"/>
-          </a:p>
-          <a:p>
-            <a:r>
-              <a:rPr lang="ja-JP" altLang="en-US" dirty="0" smtClean="0"/>
-              <a:t>であり、境界条件は、</a:t>
-            </a:r>
-            <a:r>
-              <a:rPr lang="en-US" altLang="ja-JP" dirty="0" smtClean="0"/>
-              <a:t>y(0) = 1, y(</a:t>
-            </a:r>
-            <a:r>
-              <a:rPr lang="ja-JP" altLang="en-US" dirty="0" smtClean="0"/>
-              <a:t>∞</a:t>
-            </a:r>
-            <a:r>
-              <a:rPr lang="en-US" altLang="ja-JP" dirty="0" smtClean="0"/>
-              <a:t>) = 0</a:t>
-            </a:r>
-            <a:r>
-              <a:rPr lang="ja-JP" altLang="en-US" dirty="0" smtClean="0"/>
-              <a:t>である。</a:t>
-            </a:r>
-            <a:endParaRPr lang="en-US" altLang="ja-JP" dirty="0" smtClean="0"/>
-          </a:p>
-          <a:p>
-            <a:r>
-              <a:rPr lang="ja-JP" altLang="en-US" dirty="0" smtClean="0"/>
-              <a:t>この境界条件は、この方程式を数値的に解く上で何も言っていないのと同じである。</a:t>
-            </a:r>
-            <a:endParaRPr lang="en-US" altLang="ja-JP" dirty="0" smtClean="0"/>
-          </a:p>
-          <a:p>
-            <a:r>
-              <a:rPr lang="ja-JP" altLang="en-US" dirty="0" smtClean="0"/>
-              <a:t>この方程式は原点に特異点を持つので原点から解けない。また当然ながらコンピュータは無限大を扱えない。</a:t>
-            </a:r>
-            <a:endParaRPr lang="en-US" altLang="ja-JP" dirty="0" smtClean="0"/>
+              <a:rPr lang="ja-JP" altLang="en-US" smtClean="0"/>
+              <a:t>この変数分離により、以下の二つの微分方程式が得られる。</a:t>
+            </a:r>
+            <a:endParaRPr lang="en-US" altLang="ja-JP" smtClean="0"/>
+          </a:p>
+          <a:p>
+            <a:endParaRPr lang="en-US" altLang="ja-JP" smtClean="0"/>
+          </a:p>
+          <a:p>
+            <a:endParaRPr lang="en-US" altLang="ja-JP" smtClean="0"/>
+          </a:p>
+          <a:p>
+            <a:r>
+              <a:rPr lang="ja-JP" altLang="en-US" smtClean="0"/>
+              <a:t>第二式の解は、球面調和関数として解析的に得られる。従って、数値的に解くべき方程式は第一式である。</a:t>
+            </a:r>
+            <a:endParaRPr lang="en-US" altLang="ja-JP" smtClean="0"/>
+          </a:p>
+          <a:p>
+            <a:endParaRPr lang="en-US" altLang="ja-JP" smtClean="0"/>
+          </a:p>
+          <a:p>
+            <a:endParaRPr lang="ja-JP" altLang="en-US" dirty="0"/>
           </a:p>
         </p:txBody>
       </p:sp>
       <p:pic>
         <p:nvPicPr>
-          <p:cNvPr id="4" name="図 3"/>
+          <p:cNvPr id="5" name="図 4"/>
           <p:cNvPicPr>
             <a:picLocks noChangeAspect="1"/>
           </p:cNvPicPr>
@@ -11857,8 +12405,8 @@
         </p:blipFill>
         <p:spPr>
           <a:xfrm>
-            <a:off x="1043608" y="2093567"/>
-            <a:ext cx="2705908" cy="720080"/>
+            <a:off x="960023" y="2564904"/>
+            <a:ext cx="7356394" cy="1112295"/>
           </a:xfrm>
           <a:prstGeom prst="rect">
             <a:avLst/>
@@ -11868,7 +12416,7 @@
     </p:spTree>
     <p:extLst>
       <p:ext uri="{BB962C8B-B14F-4D97-AF65-F5344CB8AC3E}">
-        <p14:creationId xmlns:p14="http://schemas.microsoft.com/office/powerpoint/2010/main" val="4279786510"/>
+        <p14:creationId xmlns:p14="http://schemas.microsoft.com/office/powerpoint/2010/main" val="2795536615"/>
       </p:ext>
     </p:extLst>
   </p:cSld>
@@ -11914,12 +12462,18 @@
         </p:nvSpPr>
         <p:spPr/>
         <p:txBody>
-          <a:bodyPr/>
+          <a:bodyPr>
+            <a:normAutofit/>
+          </a:bodyPr>
           <a:lstStyle/>
           <a:p>
             <a:r>
-              <a:rPr kumimoji="1" lang="ja-JP" altLang="en-US" dirty="0" smtClean="0"/>
-              <a:t>原点に近い点での振る舞い</a:t>
+              <a:rPr lang="ja-JP" altLang="en-US" dirty="0" smtClean="0"/>
+              <a:t>数値</a:t>
+            </a:r>
+            <a:r>
+              <a:rPr lang="ja-JP" altLang="en-US" dirty="0" smtClean="0"/>
+              <a:t>解法上の困難</a:t>
             </a:r>
             <a:endParaRPr kumimoji="1" lang="ja-JP" altLang="en-US" dirty="0"/>
           </a:p>
@@ -11938,7 +12492,7 @@
         <p:spPr>
           <a:xfrm>
             <a:off x="612648" y="1600200"/>
-            <a:ext cx="8153400" cy="5069160"/>
+            <a:ext cx="8153400" cy="5213176"/>
           </a:xfrm>
         </p:spPr>
         <p:txBody>
@@ -11947,185 +12501,107 @@
           </a:bodyPr>
           <a:lstStyle/>
           <a:p>
+            <a:endParaRPr lang="en-US" altLang="ja-JP" dirty="0" smtClean="0"/>
+          </a:p>
+          <a:p>
+            <a:r>
+              <a:rPr lang="ja-JP" altLang="en-US" dirty="0"/>
+              <a:t>ここで</a:t>
+            </a:r>
+            <a:r>
+              <a:rPr lang="ja-JP" altLang="en-US" dirty="0" smtClean="0"/>
+              <a:t>、この常微分方程式の</a:t>
+            </a:r>
+            <a:r>
+              <a:rPr lang="ja-JP" altLang="en-US" dirty="0"/>
+              <a:t>境界条件は、</a:t>
+            </a:r>
+          </a:p>
+          <a:p>
+            <a:r>
+              <a:rPr lang="en-US" altLang="ja-JP" dirty="0"/>
+              <a:t>L</a:t>
+            </a:r>
+            <a:r>
+              <a:rPr lang="en-US" altLang="ja-JP" baseline="-25000" dirty="0"/>
+              <a:t>nl</a:t>
+            </a:r>
+            <a:r>
+              <a:rPr lang="en-US" altLang="ja-JP" dirty="0"/>
+              <a:t>(0)=</a:t>
+            </a:r>
+            <a:r>
+              <a:rPr lang="ja-JP" altLang="en-US" dirty="0"/>
+              <a:t>有限</a:t>
+            </a:r>
+          </a:p>
+          <a:p>
+            <a:r>
+              <a:rPr lang="en-US" altLang="ja-JP" dirty="0"/>
+              <a:t>L</a:t>
+            </a:r>
+            <a:r>
+              <a:rPr lang="en-US" altLang="ja-JP" baseline="-25000" dirty="0"/>
+              <a:t>nl</a:t>
+            </a:r>
+            <a:r>
+              <a:rPr lang="en-US" altLang="ja-JP" dirty="0"/>
+              <a:t>(∞)=0</a:t>
+            </a:r>
+          </a:p>
+          <a:p>
+            <a:r>
+              <a:rPr lang="ja-JP" altLang="en-US" dirty="0"/>
+              <a:t>ノード数</a:t>
+            </a:r>
+            <a:r>
+              <a:rPr lang="en-US" altLang="ja-JP" dirty="0"/>
+              <a:t>=n-l-1</a:t>
+            </a:r>
+          </a:p>
+          <a:p>
+            <a:r>
+              <a:rPr lang="ja-JP" altLang="en-US" dirty="0" smtClean="0"/>
+              <a:t>である。しかし、この常微分方程式</a:t>
+            </a:r>
+            <a:r>
+              <a:rPr lang="ja-JP" altLang="en-US" dirty="0" smtClean="0"/>
+              <a:t>は固有方程式であり、</a:t>
+            </a:r>
+            <a:r>
+              <a:rPr lang="en-US" altLang="ja-JP" dirty="0" smtClean="0"/>
+              <a:t>E</a:t>
+            </a:r>
+            <a:r>
+              <a:rPr lang="ja-JP" altLang="en-US" dirty="0" smtClean="0"/>
+              <a:t>も未知数であるが、</a:t>
+            </a:r>
+            <a:r>
+              <a:rPr lang="en-US" altLang="ja-JP" dirty="0" smtClean="0"/>
+              <a:t>E</a:t>
+            </a:r>
+            <a:r>
+              <a:rPr lang="ja-JP" altLang="en-US" dirty="0" smtClean="0"/>
+              <a:t>が固有値以外の値では解が発散する。</a:t>
+            </a:r>
+            <a:endParaRPr lang="en-US" altLang="ja-JP" dirty="0" smtClean="0"/>
+          </a:p>
+          <a:p>
+            <a:r>
+              <a:rPr lang="ja-JP" altLang="en-US" dirty="0" smtClean="0"/>
+              <a:t>また、原点が確定特異点であるので、原点から微分方程式を積分できない。そして当然ながら、</a:t>
+            </a:r>
             <a:r>
               <a:rPr kumimoji="1" lang="ja-JP" altLang="en-US" dirty="0" smtClean="0"/>
-              <a:t>仕方がないので、まずは原点に十分近い点での振る舞いを調べてみる。</a:t>
-            </a:r>
-            <a:endParaRPr kumimoji="1" lang="en-US" altLang="ja-JP" dirty="0" smtClean="0"/>
-          </a:p>
-          <a:p>
-            <a:r>
-              <a:rPr lang="ja-JP" altLang="en-US" dirty="0" smtClean="0"/>
-              <a:t>論文</a:t>
-            </a:r>
-            <a:r>
-              <a:rPr lang="en-US" altLang="ja-JP" baseline="30000" dirty="0" smtClean="0"/>
-              <a:t>[1]</a:t>
-            </a:r>
-            <a:r>
-              <a:rPr lang="ja-JP" altLang="en-US" dirty="0" smtClean="0"/>
-              <a:t>によれば、</a:t>
-            </a:r>
-            <a:r>
-              <a:rPr lang="en-US" altLang="ja-JP" dirty="0" smtClean="0"/>
-              <a:t>y(x)</a:t>
-            </a:r>
-            <a:r>
-              <a:rPr lang="ja-JP" altLang="en-US" dirty="0" smtClean="0"/>
-              <a:t>の</a:t>
-            </a:r>
-            <a:r>
-              <a:rPr lang="en-US" altLang="ja-JP" dirty="0" err="1"/>
-              <a:t>Maclaurin</a:t>
-            </a:r>
-            <a:r>
-              <a:rPr lang="ja-JP" altLang="en-US" dirty="0" smtClean="0"/>
-              <a:t>展開は、</a:t>
-            </a:r>
-            <a:endParaRPr lang="en-US" altLang="ja-JP" dirty="0" smtClean="0"/>
-          </a:p>
-          <a:p>
-            <a:endParaRPr kumimoji="1" lang="en-US" altLang="ja-JP" dirty="0"/>
-          </a:p>
-          <a:p>
-            <a:r>
-              <a:rPr lang="ja-JP" altLang="en-US" dirty="0" smtClean="0"/>
-              <a:t>であり、また</a:t>
-            </a:r>
-            <a:r>
-              <a:rPr lang="en-US" altLang="ja-JP" dirty="0" smtClean="0"/>
-              <a:t>y(x)</a:t>
-            </a:r>
-            <a:r>
-              <a:rPr lang="ja-JP" altLang="en-US" dirty="0" smtClean="0"/>
-              <a:t>の微分</a:t>
-            </a:r>
-            <a:r>
-              <a:rPr lang="en-US" altLang="ja-JP" dirty="0" smtClean="0"/>
-              <a:t>y’(x)</a:t>
-            </a:r>
-            <a:r>
-              <a:rPr lang="ja-JP" altLang="en-US" dirty="0" smtClean="0"/>
-              <a:t>は、</a:t>
-            </a:r>
-            <a:endParaRPr lang="en-US" altLang="ja-JP" dirty="0" smtClean="0"/>
-          </a:p>
-          <a:p>
-            <a:endParaRPr lang="en-US" altLang="ja-JP" dirty="0" smtClean="0"/>
-          </a:p>
-          <a:p>
-            <a:r>
-              <a:rPr lang="ja-JP" altLang="en-US" dirty="0" smtClean="0"/>
-              <a:t>である。ここで、</a:t>
-            </a:r>
-            <a:r>
-              <a:rPr lang="en-US" altLang="ja-JP" dirty="0" smtClean="0"/>
-              <a:t>B = y’(0)</a:t>
-            </a:r>
-            <a:r>
-              <a:rPr lang="ja-JP" altLang="en-US" dirty="0" smtClean="0"/>
-              <a:t>であり、同じ論文によ</a:t>
-            </a:r>
-            <a:r>
-              <a:rPr lang="ja-JP" altLang="en-US" dirty="0"/>
-              <a:t>れば</a:t>
-            </a:r>
-            <a:r>
-              <a:rPr lang="ja-JP" altLang="en-US" dirty="0" smtClean="0"/>
-              <a:t>、</a:t>
-            </a:r>
-            <a:endParaRPr lang="en-US" altLang="ja-JP" dirty="0" smtClean="0"/>
-          </a:p>
-          <a:p>
-            <a:r>
-              <a:rPr lang="ja-JP" altLang="en-US" dirty="0" smtClean="0"/>
-              <a:t>　　　　　　　　　　　　　である。</a:t>
-            </a:r>
-            <a:endParaRPr lang="en-US" altLang="ja-JP" dirty="0" smtClean="0"/>
-          </a:p>
-          <a:p>
-            <a:r>
-              <a:rPr lang="ja-JP" altLang="en-US" dirty="0" smtClean="0"/>
-              <a:t>なお、この初期値を使って、</a:t>
-            </a:r>
-            <a:r>
-              <a:rPr lang="en-US" altLang="ja-JP" dirty="0" smtClean="0"/>
-              <a:t>T-F</a:t>
-            </a:r>
-            <a:r>
-              <a:rPr lang="ja-JP" altLang="en-US" dirty="0" smtClean="0"/>
-              <a:t>方程式を数値的に解こうとしても遠方で発散する。</a:t>
-            </a:r>
-            <a:endParaRPr lang="en-US" altLang="ja-JP" dirty="0" smtClean="0"/>
-          </a:p>
-          <a:p>
-            <a:r>
-              <a:rPr lang="en-US" altLang="ja-JP" sz="1200" dirty="0" smtClean="0"/>
-              <a:t>[1] M. A. Noor and S. T. </a:t>
-            </a:r>
-            <a:r>
-              <a:rPr lang="en-US" altLang="ja-JP" sz="1200" dirty="0" err="1" smtClean="0"/>
-              <a:t>Mohyud</a:t>
-            </a:r>
-            <a:r>
-              <a:rPr lang="en-US" altLang="ja-JP" sz="1200" dirty="0" smtClean="0"/>
-              <a:t>-Din. </a:t>
-            </a:r>
-            <a:r>
-              <a:rPr lang="en-US" altLang="ja-JP" sz="1200" dirty="0" err="1" smtClean="0"/>
-              <a:t>Homotopy</a:t>
-            </a:r>
-            <a:r>
-              <a:rPr lang="en-US" altLang="ja-JP" sz="1200" dirty="0" smtClean="0"/>
-              <a:t> </a:t>
-            </a:r>
-            <a:r>
-              <a:rPr lang="en-US" altLang="ja-JP" sz="1200" dirty="0"/>
-              <a:t>Perturbation Method for Solving Thomas-Fermi Equation </a:t>
-            </a:r>
-            <a:r>
-              <a:rPr lang="en-US" altLang="ja-JP" sz="1200" dirty="0" smtClean="0"/>
-              <a:t>Using </a:t>
-            </a:r>
-            <a:r>
-              <a:rPr lang="en-US" altLang="ja-JP" sz="1200" dirty="0" err="1" smtClean="0"/>
-              <a:t>Pade</a:t>
-            </a:r>
-            <a:r>
-              <a:rPr lang="en-US" altLang="ja-JP" sz="1200" dirty="0" smtClean="0"/>
-              <a:t> Approximants. </a:t>
-            </a:r>
-            <a:r>
-              <a:rPr lang="en-US" altLang="ja-JP" sz="1200" i="1" dirty="0" smtClean="0"/>
-              <a:t>International </a:t>
-            </a:r>
-            <a:r>
-              <a:rPr lang="en-US" altLang="ja-JP" sz="1200" i="1" dirty="0"/>
-              <a:t>Journal of Nonlinear Science</a:t>
-            </a:r>
-            <a:r>
-              <a:rPr lang="en-US" altLang="ja-JP" sz="1200" dirty="0"/>
-              <a:t>, 8(2009):</a:t>
-            </a:r>
-            <a:r>
-              <a:rPr lang="en-US" altLang="ja-JP" sz="1200" dirty="0" smtClean="0"/>
-              <a:t>27-31.</a:t>
-            </a:r>
-          </a:p>
-          <a:p>
-            <a:endParaRPr lang="en-US" altLang="ja-JP" dirty="0"/>
-          </a:p>
-          <a:p>
-            <a:endParaRPr lang="en-US" altLang="ja-JP" dirty="0" smtClean="0"/>
-          </a:p>
-          <a:p>
+              <a:t>コンピュータでは無限大を扱えないので、無限遠点から積分することも不可能である。</a:t>
+            </a:r>
             <a:endParaRPr kumimoji="1" lang="ja-JP" altLang="en-US" dirty="0"/>
           </a:p>
         </p:txBody>
       </p:sp>
       <p:pic>
         <p:nvPicPr>
-          <p:cNvPr id="5" name="図 4"/>
+          <p:cNvPr id="4" name="図 3"/>
           <p:cNvPicPr>
             <a:picLocks noChangeAspect="1"/>
           </p:cNvPicPr>
@@ -12136,7 +12612,7 @@
           </p:nvPr>
         </p:nvPicPr>
         <p:blipFill>
-          <a:blip r:embed="rId5" cstate="print">
+          <a:blip r:embed="rId3" cstate="print">
             <a:extLst>
               <a:ext uri="{28A0092B-C50C-407E-A947-70E740481C1C}">
                 <a14:useLocalDpi xmlns:a14="http://schemas.microsoft.com/office/drawing/2010/main" val="0"/>
@@ -12149,76 +12625,8 @@
         </p:blipFill>
         <p:spPr>
           <a:xfrm>
-            <a:off x="1096803" y="2852936"/>
-            <a:ext cx="5003302" cy="533402"/>
-          </a:xfrm>
-          <a:prstGeom prst="rect">
-            <a:avLst/>
-          </a:prstGeom>
-        </p:spPr>
-      </p:pic>
-      <p:pic>
-        <p:nvPicPr>
-          <p:cNvPr id="9" name="図 8"/>
-          <p:cNvPicPr>
-            <a:picLocks noChangeAspect="1"/>
-          </p:cNvPicPr>
-          <p:nvPr>
-            <p:custDataLst>
-              <p:tags r:id="rId2"/>
-            </p:custDataLst>
-          </p:nvPr>
-        </p:nvPicPr>
-        <p:blipFill>
-          <a:blip r:embed="rId6" cstate="print">
-            <a:extLst>
-              <a:ext uri="{28A0092B-C50C-407E-A947-70E740481C1C}">
-                <a14:useLocalDpi xmlns:a14="http://schemas.microsoft.com/office/drawing/2010/main" val="0"/>
-              </a:ext>
-            </a:extLst>
-          </a:blip>
-          <a:stretch>
-            <a:fillRect/>
-          </a:stretch>
-        </p:blipFill>
-        <p:spPr>
-          <a:xfrm>
-            <a:off x="1096803" y="3789040"/>
-            <a:ext cx="5055118" cy="533402"/>
-          </a:xfrm>
-          <a:prstGeom prst="rect">
-            <a:avLst/>
-          </a:prstGeom>
-        </p:spPr>
-      </p:pic>
-      <p:pic>
-        <p:nvPicPr>
-          <p:cNvPr id="6" name="図 5"/>
-          <p:cNvPicPr>
-            <a:picLocks noChangeAspect="1"/>
-          </p:cNvPicPr>
-          <p:nvPr>
-            <p:custDataLst>
-              <p:tags r:id="rId3"/>
-            </p:custDataLst>
-          </p:nvPr>
-        </p:nvPicPr>
-        <p:blipFill>
-          <a:blip r:embed="rId7" cstate="print">
-            <a:extLst>
-              <a:ext uri="{28A0092B-C50C-407E-A947-70E740481C1C}">
-                <a14:useLocalDpi xmlns:a14="http://schemas.microsoft.com/office/drawing/2010/main" val="0"/>
-              </a:ext>
-            </a:extLst>
-          </a:blip>
-          <a:stretch>
-            <a:fillRect/>
-          </a:stretch>
-        </p:blipFill>
-        <p:spPr>
-          <a:xfrm>
-            <a:off x="1096803" y="4797152"/>
-            <a:ext cx="2788314" cy="274700"/>
+            <a:off x="1043607" y="1556792"/>
+            <a:ext cx="5666667" cy="558095"/>
           </a:xfrm>
           <a:prstGeom prst="rect">
             <a:avLst/>
@@ -12228,7 +12636,7 @@
     </p:spTree>
     <p:extLst>
       <p:ext uri="{BB962C8B-B14F-4D97-AF65-F5344CB8AC3E}">
-        <p14:creationId xmlns:p14="http://schemas.microsoft.com/office/powerpoint/2010/main" val="803096725"/>
+        <p14:creationId xmlns:p14="http://schemas.microsoft.com/office/powerpoint/2010/main" val="2760733905"/>
       </p:ext>
     </p:extLst>
   </p:cSld>
@@ -12504,17 +12912,8 @@
 
 <file path=ppt/tags/tag9.xml><?xml version="1.0" encoding="utf-8"?>
 <p:tagLst xmlns:a="http://schemas.openxmlformats.org/drawingml/2006/main" xmlns:r="http://schemas.openxmlformats.org/officeDocument/2006/relationships" xmlns:p="http://schemas.openxmlformats.org/presentationml/2006/main">
-  <p:tag name="TEXPOINT" val="latex"/>
-  <p:tag name="SOURCE" val="\documentclass{article}\pagestyle{empty}&#10;\usepackage{amsmath}&#10;\usepackage{amsfonts}%&#10;\setcounter{MaxMatrixCols}{30}%&#10;\usepackage{amssymb}%&#10;\usepackage{graphicx}&#10;\newtheorem{theorem}{\U{5b9a}\U{7406}}&#10;\newtheorem{acknowledgement}[theorem]{\U{627f}\U{8a8d}}&#10;\newtheorem{algorithm}[theorem]{\U{30a2}\U{30eb}\U{30b4}\U{30ea}\U{30ba}\U{30e0}}&#10;\newtheorem{axiom}[theorem]{\U{516c}\U{7406}}&#10;\newtheorem{case}[theorem]{\U{5834}\U{5408}}&#10;\newtheorem{claim}[theorem]{\U{4e3b}\U{5f35}}&#10;\newtheorem{conclusion}[theorem]{\U{7d50}\U{8ad6}}&#10;\newtheorem{condition}[theorem]{\U{6761}\U{4ef6}}&#10;\newtheorem{conjecture}[theorem]{\U{63a8}\U{8ad6}}&#10;\newtheorem{corollary}[theorem]{\U{7cfb}}&#10;\newtheorem{criterion}[theorem]{\U{57fa}\U{6e96}}&#10;\newtheorem{definition}[theorem]{\U{5b9a}\U{7fa9}}&#10;\newtheorem{example}[theorem]{\U{4f8b}}&#10;\newtheorem{exercise}[theorem]{\U{7df4}\U{7fd2}}&#10;\newtheorem{lemma}[theorem]{\U{88dc}\U{984c}}&#10;\newtheorem{notation}[theorem]{\U{8a18}\U{53f7}}&#10;\newtheorem{problem}[theorem]{\U{554f}\U{984c}}&#10;\newtheorem{proposition}[theorem]{\U{547d}\U{984c}}&#10;\newtheorem{remark}[theorem]{\U{8a18}\U{4e8b}}&#10;\newtheorem{solution}[theorem]{\U{89e3}\U{6cd5}}&#10;\newtheorem{summary}[theorem]{\U{8981}\U{7d04}}&#10;\newenvironment{proof}[1][\U{8a3c}\U{660e}]{\noindent\textbf{#1.} }{\ \rule{0.5em}{0.5em}}&#10;\begin{document}&#10;&#10;$\dfrac{d^{2}y\left(  x\right)  }{dx^{2}}=\dfrac{1}{\sqrt{x}}\left[  y\left(&#10;x\right)  \right]  ^{\frac{3}{2}}$&#10;\end{document}"/>
-  <p:tag name="FILENAME" val="TP_tmp"/>
-  <p:tag name="FORMAT" val="png16m"/>
-  <p:tag name="RES" val="1200"/>
-  <p:tag name="BLEND" val="0"/>
-  <p:tag name="TRANSPARENT" val="0"/>
-  <p:tag name="TBUG" val="0"/>
-  <p:tag name="ALLOWFS" val="0"/>
-  <p:tag name="ORIGWIDTH" val="94"/>
-  <p:tag name="PICTUREFILESIZE" val="10553"/>
+  <p:tag name="LATEXADDIN" val="\documentclass{article}&#10;\usepackage{amsmath}&#10;\pagestyle{empty}&#10;\begin{document}&#10;$\dfrac{d^{2}L_{nl}\left(  r\right)  }{dr^{2}}+\dfrac{2\left(  l+1\right)&#10;}{r}\dfrac{dL_{nl}\left(  r\right)  }{dr}=2\left[  V\left(  r\right)&#10;-E\right]  L_{nl}\left(  r\right)  $&#10;\end{document}"/>
+  <p:tag name="IGUANATEXSIZE" val="20"/>
 </p:tagLst>
 </file>
 

--- a/福井技術者の集いその2_発表資料スライド.pptx
+++ b/福井技術者の集いその2_発表資料スライド.pptx
@@ -5,7 +5,7 @@
     <p:sldMasterId id="2147483744" r:id="rId1"/>
   </p:sldMasterIdLst>
   <p:notesMasterIdLst>
-    <p:notesMasterId r:id="rId31"/>
+    <p:notesMasterId r:id="rId29"/>
   </p:notesMasterIdLst>
   <p:sldIdLst>
     <p:sldId id="258" r:id="rId2"/>
@@ -18,30 +18,28 @@
     <p:sldId id="440" r:id="rId9"/>
     <p:sldId id="443" r:id="rId10"/>
     <p:sldId id="383" r:id="rId11"/>
-    <p:sldId id="442" r:id="rId12"/>
-    <p:sldId id="412" r:id="rId13"/>
-    <p:sldId id="413" r:id="rId14"/>
+    <p:sldId id="412" r:id="rId12"/>
+    <p:sldId id="413" r:id="rId13"/>
+    <p:sldId id="444" r:id="rId14"/>
     <p:sldId id="414" r:id="rId15"/>
-    <p:sldId id="415" r:id="rId16"/>
-    <p:sldId id="416" r:id="rId17"/>
-    <p:sldId id="417" r:id="rId18"/>
-    <p:sldId id="418" r:id="rId19"/>
-    <p:sldId id="419" r:id="rId20"/>
-    <p:sldId id="420" r:id="rId21"/>
-    <p:sldId id="421" r:id="rId22"/>
-    <p:sldId id="422" r:id="rId23"/>
-    <p:sldId id="429" r:id="rId24"/>
-    <p:sldId id="423" r:id="rId25"/>
-    <p:sldId id="426" r:id="rId26"/>
-    <p:sldId id="424" r:id="rId27"/>
-    <p:sldId id="425" r:id="rId28"/>
-    <p:sldId id="427" r:id="rId29"/>
-    <p:sldId id="428" r:id="rId30"/>
+    <p:sldId id="416" r:id="rId16"/>
+    <p:sldId id="418" r:id="rId17"/>
+    <p:sldId id="419" r:id="rId18"/>
+    <p:sldId id="420" r:id="rId19"/>
+    <p:sldId id="421" r:id="rId20"/>
+    <p:sldId id="422" r:id="rId21"/>
+    <p:sldId id="429" r:id="rId22"/>
+    <p:sldId id="423" r:id="rId23"/>
+    <p:sldId id="426" r:id="rId24"/>
+    <p:sldId id="424" r:id="rId25"/>
+    <p:sldId id="425" r:id="rId26"/>
+    <p:sldId id="427" r:id="rId27"/>
+    <p:sldId id="428" r:id="rId28"/>
   </p:sldIdLst>
   <p:sldSz cx="9144000" cy="6858000" type="screen4x3"/>
   <p:notesSz cx="6858000" cy="9144000"/>
   <p:custDataLst>
-    <p:tags r:id="rId32"/>
+    <p:tags r:id="rId30"/>
   </p:custDataLst>
   <p:defaultTextStyle>
     <a:defPPr>
@@ -223,7 +221,7 @@
           <a:p>
             <a:fld id="{132713B8-E49A-41D1-88B6-B310770581C8}" type="datetimeFigureOut">
               <a:rPr kumimoji="1" lang="ja-JP" altLang="en-US" smtClean="0"/>
-              <a:t>2015/2/7</a:t>
+              <a:t>2015/2/8</a:t>
             </a:fld>
             <a:endParaRPr kumimoji="1" lang="ja-JP" altLang="en-US"/>
           </a:p>
@@ -827,7 +825,7 @@
             <a:fld id="{C120A1B4-3412-4C96-ACAA-DBDB2A910CC9}" type="datetimeFigureOut">
               <a:rPr kumimoji="1" lang="ja-JP" altLang="en-US" smtClean="0"/>
               <a:pPr/>
-              <a:t>2015/2/7</a:t>
+              <a:t>2015/2/8</a:t>
             </a:fld>
             <a:endParaRPr kumimoji="1" lang="ja-JP" altLang="en-US"/>
           </a:p>
@@ -1073,7 +1071,7 @@
                 </a:solidFill>
               </a:rPr>
               <a:pPr/>
-              <a:t>2015/2/7</a:t>
+              <a:t>2015/2/8</a:t>
             </a:fld>
             <a:endParaRPr kumimoji="1" lang="ja-JP" altLang="en-US">
               <a:solidFill>
@@ -1309,7 +1307,7 @@
                 </a:solidFill>
               </a:rPr>
               <a:pPr/>
-              <a:t>2015/2/7</a:t>
+              <a:t>2015/2/8</a:t>
             </a:fld>
             <a:endParaRPr kumimoji="1" lang="ja-JP" altLang="en-US">
               <a:solidFill>
@@ -1603,7 +1601,7 @@
                 </a:solidFill>
               </a:rPr>
               <a:pPr/>
-              <a:t>2015/2/7</a:t>
+              <a:t>2015/2/8</a:t>
             </a:fld>
             <a:endParaRPr kumimoji="1" lang="ja-JP" altLang="en-US">
               <a:solidFill>
@@ -2082,7 +2080,7 @@
                 </a:solidFill>
               </a:rPr>
               <a:pPr/>
-              <a:t>2015/2/7</a:t>
+              <a:t>2015/2/8</a:t>
             </a:fld>
             <a:endParaRPr kumimoji="1" lang="ja-JP" altLang="en-US">
               <a:solidFill>
@@ -2407,7 +2405,7 @@
                 </a:solidFill>
               </a:rPr>
               <a:pPr/>
-              <a:t>2015/2/7</a:t>
+              <a:t>2015/2/8</a:t>
             </a:fld>
             <a:endParaRPr kumimoji="1" lang="ja-JP" altLang="en-US">
               <a:solidFill>
@@ -2726,7 +2724,7 @@
                 </a:solidFill>
               </a:rPr>
               <a:pPr/>
-              <a:t>2015/2/7</a:t>
+              <a:t>2015/2/8</a:t>
             </a:fld>
             <a:endParaRPr kumimoji="1" lang="ja-JP" altLang="en-US">
               <a:solidFill>
@@ -2940,7 +2938,7 @@
                 </a:solidFill>
               </a:rPr>
               <a:pPr/>
-              <a:t>2015/2/7</a:t>
+              <a:t>2015/2/8</a:t>
             </a:fld>
             <a:endParaRPr kumimoji="1" lang="ja-JP" altLang="en-US">
               <a:solidFill>
@@ -3057,7 +3055,7 @@
                 </a:solidFill>
               </a:rPr>
               <a:pPr/>
-              <a:t>2015/2/7</a:t>
+              <a:t>2015/2/8</a:t>
             </a:fld>
             <a:endParaRPr kumimoji="1" lang="ja-JP" altLang="en-US">
               <a:solidFill>
@@ -3220,7 +3218,7 @@
                 </a:solidFill>
               </a:rPr>
               <a:pPr/>
-              <a:t>2015/2/7</a:t>
+              <a:t>2015/2/8</a:t>
             </a:fld>
             <a:endParaRPr kumimoji="1" lang="ja-JP" altLang="en-US">
               <a:solidFill>
@@ -3805,7 +3803,7 @@
                 </a:solidFill>
               </a:rPr>
               <a:pPr/>
-              <a:t>2015/2/7</a:t>
+              <a:t>2015/2/8</a:t>
             </a:fld>
             <a:endParaRPr kumimoji="1" lang="ja-JP" altLang="en-US">
               <a:solidFill>
@@ -4117,7 +4115,7 @@
                 </a:solidFill>
               </a:rPr>
               <a:pPr/>
-              <a:t>2015/2/7</a:t>
+              <a:t>2015/2/8</a:t>
             </a:fld>
             <a:endParaRPr kumimoji="1" lang="ja-JP" altLang="en-US">
               <a:solidFill>
@@ -4788,13 +4786,17 @@
         <p:spPr/>
         <p:txBody>
           <a:bodyPr>
-            <a:normAutofit/>
+            <a:normAutofit fontScale="90000"/>
           </a:bodyPr>
           <a:lstStyle/>
           <a:p>
             <a:r>
-              <a:rPr lang="ja-JP" altLang="en-US" dirty="0" smtClean="0"/>
-              <a:t>原点に近い点での振る舞い</a:t>
+              <a:rPr lang="en-US" altLang="ja-JP" dirty="0" err="1" smtClean="0"/>
+              <a:t>Sch</a:t>
+            </a:r>
+            <a:r>
+              <a:rPr lang="ja-JP" altLang="en-US" dirty="0" smtClean="0"/>
+              <a:t>方程式を二点境界値問題にする</a:t>
             </a:r>
             <a:endParaRPr lang="ja-JP" altLang="en-US" dirty="0"/>
           </a:p>
@@ -4810,48 +4812,108 @@
             <p:ph sz="quarter" idx="1"/>
           </p:nvPr>
         </p:nvSpPr>
-        <p:spPr/>
+        <p:spPr>
+          <a:xfrm>
+            <a:off x="612648" y="1600200"/>
+            <a:ext cx="8153400" cy="5069160"/>
+          </a:xfrm>
+        </p:spPr>
         <p:txBody>
           <a:bodyPr>
             <a:normAutofit/>
           </a:bodyPr>
           <a:lstStyle/>
           <a:p>
+            <a:endParaRPr lang="en-US" altLang="ja-JP" dirty="0" smtClean="0"/>
+          </a:p>
+          <a:p>
+            <a:r>
+              <a:rPr lang="ja-JP" altLang="en-US" dirty="0" smtClean="0"/>
+              <a:t>原点は確定</a:t>
+            </a:r>
             <a:r>
               <a:rPr lang="ja-JP" altLang="en-US" dirty="0"/>
-              <a:t>仕方がないので、まずは原点に十分近い点で</a:t>
-            </a:r>
-            <a:r>
-              <a:rPr lang="ja-JP" altLang="en-US" dirty="0" smtClean="0"/>
-              <a:t>の</a:t>
+              <a:t>特異点であるので、原点から微分方程式を</a:t>
+            </a:r>
+            <a:r>
+              <a:rPr lang="ja-JP" altLang="en-US" dirty="0" smtClean="0"/>
+              <a:t>解くことができない。</a:t>
+            </a:r>
+            <a:endParaRPr lang="en-US" altLang="ja-JP" dirty="0" smtClean="0"/>
+          </a:p>
+          <a:p>
+            <a:r>
+              <a:rPr lang="ja-JP" altLang="en-US" dirty="0"/>
+              <a:t>また</a:t>
+            </a:r>
+            <a:r>
+              <a:rPr lang="ja-JP" altLang="en-US" dirty="0" smtClean="0"/>
+              <a:t>、</a:t>
+            </a:r>
+            <a:r>
+              <a:rPr lang="ja-JP" altLang="en-US" dirty="0"/>
+              <a:t>コンピュータでは無限大を扱えないので、無限遠点から微分方程式を解くことも不可能である。</a:t>
+            </a:r>
+          </a:p>
+          <a:p>
+            <a:r>
+              <a:rPr lang="ja-JP" altLang="en-US" dirty="0" smtClean="0"/>
+              <a:t>従って、原点に十分近い点と、原点から非常に遠く離れた点で</a:t>
+            </a:r>
+            <a:r>
+              <a:rPr lang="ja-JP" altLang="en-US" dirty="0" smtClean="0"/>
+              <a:t>、</a:t>
+            </a:r>
+            <a:r>
+              <a:rPr lang="en-US" altLang="ja-JP" dirty="0"/>
+              <a:t> V(r)</a:t>
+            </a:r>
+            <a:r>
+              <a:rPr lang="ja-JP" altLang="en-US" dirty="0"/>
+              <a:t>と</a:t>
+            </a:r>
+            <a:r>
+              <a:rPr lang="en-US" altLang="ja-JP" dirty="0" err="1"/>
+              <a:t>L</a:t>
+            </a:r>
+            <a:r>
+              <a:rPr lang="en-US" altLang="ja-JP" baseline="-25000" dirty="0" err="1"/>
+              <a:t>nl</a:t>
+            </a:r>
+            <a:r>
+              <a:rPr lang="en-US" altLang="ja-JP" dirty="0"/>
+              <a:t>(r</a:t>
             </a:r>
             <a:r>
               <a:rPr lang="en-US" altLang="ja-JP" dirty="0" smtClean="0"/>
-              <a:t>L</a:t>
-            </a:r>
-            <a:r>
-              <a:rPr lang="en-US" altLang="ja-JP" baseline="-25000" dirty="0" smtClean="0"/>
-              <a:t>nl</a:t>
-            </a:r>
-            <a:r>
-              <a:rPr lang="en-US" altLang="ja-JP" dirty="0" smtClean="0"/>
-              <a:t>(r)</a:t>
-            </a:r>
-            <a:r>
-              <a:rPr lang="ja-JP" altLang="en-US" dirty="0" smtClean="0"/>
-              <a:t>と</a:t>
-            </a:r>
-            <a:r>
-              <a:rPr lang="en-US" altLang="ja-JP" dirty="0" smtClean="0"/>
-              <a:t>V(r)</a:t>
-            </a:r>
-            <a:r>
-              <a:rPr lang="ja-JP" altLang="en-US" dirty="0" smtClean="0"/>
-              <a:t>の振る舞い</a:t>
+              <a:t>)</a:t>
+            </a:r>
+            <a:r>
+              <a:rPr lang="ja-JP" altLang="en-US" dirty="0" smtClean="0"/>
+              <a:t>の値</a:t>
+            </a:r>
+            <a:r>
+              <a:rPr lang="ja-JP" altLang="en-US" dirty="0" smtClean="0"/>
+              <a:t>を</a:t>
+            </a:r>
+            <a:r>
+              <a:rPr lang="ja-JP" altLang="en-US" dirty="0" smtClean="0"/>
+              <a:t>調べ、その二つの点から微分方程式を解く。</a:t>
+            </a:r>
+            <a:endParaRPr lang="en-US" altLang="ja-JP" dirty="0" smtClean="0"/>
+          </a:p>
+          <a:p>
+            <a:r>
+              <a:rPr lang="ja-JP" altLang="en-US" smtClean="0"/>
+              <a:t>最終的に、二点</a:t>
+            </a:r>
+            <a:r>
+              <a:rPr lang="ja-JP" altLang="en-US" dirty="0" smtClean="0"/>
+              <a:t>境界値問題に帰着する</a:t>
             </a:r>
             <a:r>
               <a:rPr lang="ja-JP" altLang="en-US" dirty="0"/>
-              <a:t>を調べてみる。</a:t>
+              <a:t>。</a:t>
             </a:r>
             <a:endParaRPr lang="en-US" altLang="ja-JP" dirty="0"/>
           </a:p>
@@ -4860,6 +4922,40 @@
           </a:p>
         </p:txBody>
       </p:sp>
+      <p:pic>
+        <p:nvPicPr>
+          <p:cNvPr id="4" name="図 3"/>
+          <p:cNvPicPr>
+            <a:picLocks noChangeAspect="1"/>
+          </p:cNvPicPr>
+          <p:nvPr>
+            <p:custDataLst>
+              <p:tags r:id="rId1"/>
+            </p:custDataLst>
+          </p:nvPr>
+        </p:nvPicPr>
+        <p:blipFill>
+          <a:blip r:embed="rId3" cstate="print">
+            <a:extLst>
+              <a:ext uri="{28A0092B-C50C-407E-A947-70E740481C1C}">
+                <a14:useLocalDpi xmlns:a14="http://schemas.microsoft.com/office/drawing/2010/main" val="0"/>
+              </a:ext>
+            </a:extLst>
+          </a:blip>
+          <a:stretch>
+            <a:fillRect/>
+          </a:stretch>
+        </p:blipFill>
+        <p:spPr>
+          <a:xfrm>
+            <a:off x="1043607" y="1556792"/>
+            <a:ext cx="5666667" cy="558095"/>
+          </a:xfrm>
+          <a:prstGeom prst="rect">
+            <a:avLst/>
+          </a:prstGeom>
+        </p:spPr>
+      </p:pic>
     </p:spTree>
     <p:extLst>
       <p:ext uri="{BB962C8B-B14F-4D97-AF65-F5344CB8AC3E}">
@@ -4909,10 +5005,36 @@
         </p:nvSpPr>
         <p:spPr/>
         <p:txBody>
-          <a:bodyPr/>
+          <a:bodyPr>
+            <a:normAutofit/>
+          </a:bodyPr>
           <a:lstStyle/>
           <a:p>
-            <a:endParaRPr kumimoji="1" lang="ja-JP" altLang="en-US"/>
+            <a:r>
+              <a:rPr lang="en-US" altLang="ja-JP" dirty="0"/>
+              <a:t>V(r)</a:t>
+            </a:r>
+            <a:r>
+              <a:rPr lang="ja-JP" altLang="en-US" dirty="0" smtClean="0"/>
+              <a:t>と</a:t>
+            </a:r>
+            <a:r>
+              <a:rPr lang="en-US" altLang="ja-JP" dirty="0" err="1" smtClean="0"/>
+              <a:t>L</a:t>
+            </a:r>
+            <a:r>
+              <a:rPr lang="en-US" altLang="ja-JP" baseline="-25000" dirty="0" err="1" smtClean="0"/>
+              <a:t>nl</a:t>
+            </a:r>
+            <a:r>
+              <a:rPr lang="en-US" altLang="ja-JP" dirty="0" smtClean="0"/>
+              <a:t>(r)</a:t>
+            </a:r>
+            <a:r>
+              <a:rPr lang="ja-JP" altLang="en-US" dirty="0" smtClean="0"/>
+              <a:t>を級数展開する</a:t>
+            </a:r>
+            <a:endParaRPr kumimoji="1" lang="ja-JP" altLang="en-US" dirty="0"/>
           </a:p>
         </p:txBody>
       </p:sp>
@@ -4926,25 +5048,231 @@
             <p:ph sz="quarter" idx="1"/>
           </p:nvPr>
         </p:nvSpPr>
-        <p:spPr/>
-        <p:txBody>
-          <a:bodyPr/>
+        <p:spPr>
+          <a:xfrm>
+            <a:off x="612648" y="1600200"/>
+            <a:ext cx="8153400" cy="5069160"/>
+          </a:xfrm>
+        </p:spPr>
+        <p:txBody>
+          <a:bodyPr>
+            <a:normAutofit/>
+          </a:bodyPr>
           <a:lstStyle/>
           <a:p>
-            <a:endParaRPr kumimoji="1" lang="ja-JP" altLang="en-US"/>
-          </a:p>
-        </p:txBody>
-      </p:sp>
+            <a:r>
+              <a:rPr kumimoji="1" lang="ja-JP" altLang="en-US" dirty="0" smtClean="0"/>
+              <a:t>まずは原点に十分近い点で、関数</a:t>
+            </a:r>
+            <a:r>
+              <a:rPr kumimoji="1" lang="en-US" altLang="ja-JP" dirty="0" smtClean="0"/>
+              <a:t>V(r)</a:t>
+            </a:r>
+            <a:r>
+              <a:rPr kumimoji="1" lang="ja-JP" altLang="en-US" dirty="0" smtClean="0"/>
+              <a:t>と関数</a:t>
+            </a:r>
+            <a:r>
+              <a:rPr lang="en-US" altLang="ja-JP" dirty="0" err="1" smtClean="0"/>
+              <a:t>L</a:t>
+            </a:r>
+            <a:r>
+              <a:rPr lang="en-US" altLang="ja-JP" baseline="-25000" dirty="0" err="1" smtClean="0"/>
+              <a:t>nl</a:t>
+            </a:r>
+            <a:r>
+              <a:rPr lang="en-US" altLang="ja-JP" dirty="0" smtClean="0"/>
+              <a:t>(r)</a:t>
+            </a:r>
+            <a:r>
+              <a:rPr lang="ja-JP" altLang="en-US" dirty="0" smtClean="0"/>
+              <a:t>がどう振る舞うか調べて</a:t>
+            </a:r>
+            <a:r>
+              <a:rPr lang="ja-JP" altLang="en-US" dirty="0" smtClean="0"/>
+              <a:t>みる（</a:t>
+            </a:r>
+            <a:r>
+              <a:rPr lang="en-US" altLang="ja-JP" dirty="0" err="1" smtClean="0"/>
+              <a:t>Frobenius</a:t>
+            </a:r>
+            <a:r>
+              <a:rPr lang="ja-JP" altLang="en-US" dirty="0" smtClean="0"/>
+              <a:t>の方法を</a:t>
+            </a:r>
+            <a:r>
+              <a:rPr lang="ja-JP" altLang="en-US" dirty="0" smtClean="0"/>
+              <a:t>用いる）。</a:t>
+            </a:r>
+            <a:endParaRPr lang="en-US" altLang="ja-JP" dirty="0" smtClean="0"/>
+          </a:p>
+          <a:p>
+            <a:r>
+              <a:rPr lang="ja-JP" altLang="en-US" dirty="0"/>
+              <a:t>関数</a:t>
+            </a:r>
+            <a:r>
+              <a:rPr lang="en-US" altLang="ja-JP" dirty="0"/>
+              <a:t>V(r)</a:t>
+            </a:r>
+            <a:r>
+              <a:rPr lang="ja-JP" altLang="en-US" dirty="0"/>
+              <a:t>と関数</a:t>
+            </a:r>
+            <a:r>
+              <a:rPr lang="en-US" altLang="ja-JP" dirty="0" err="1"/>
+              <a:t>L</a:t>
+            </a:r>
+            <a:r>
+              <a:rPr lang="en-US" altLang="ja-JP" baseline="-25000" dirty="0" err="1"/>
+              <a:t>nl</a:t>
+            </a:r>
+            <a:r>
+              <a:rPr lang="en-US" altLang="ja-JP" dirty="0"/>
+              <a:t>(r</a:t>
+            </a:r>
+            <a:r>
+              <a:rPr lang="en-US" altLang="ja-JP" dirty="0" smtClean="0"/>
+              <a:t>)</a:t>
+            </a:r>
+            <a:r>
+              <a:rPr lang="ja-JP" altLang="en-US" dirty="0"/>
+              <a:t>は、</a:t>
+            </a:r>
+            <a:r>
+              <a:rPr lang="ja-JP" altLang="en-US" dirty="0" smtClean="0"/>
+              <a:t>以下のよう</a:t>
+            </a:r>
+            <a:r>
+              <a:rPr lang="ja-JP" altLang="en-US" dirty="0" smtClean="0"/>
+              <a:t>に級数展開できるはずである。</a:t>
+            </a:r>
+            <a:endParaRPr lang="en-US" altLang="ja-JP" dirty="0" smtClean="0"/>
+          </a:p>
+          <a:p>
+            <a:endParaRPr lang="en-US" altLang="ja-JP" dirty="0"/>
+          </a:p>
+          <a:p>
+            <a:r>
+              <a:rPr lang="ja-JP" altLang="en-US" dirty="0" smtClean="0"/>
+              <a:t>従って、</a:t>
+            </a:r>
+            <a:r>
+              <a:rPr lang="en-US" altLang="ja-JP" dirty="0"/>
+              <a:t> </a:t>
+            </a:r>
+            <a:r>
+              <a:rPr lang="en-US" altLang="ja-JP" dirty="0" err="1"/>
+              <a:t>L</a:t>
+            </a:r>
+            <a:r>
+              <a:rPr lang="en-US" altLang="ja-JP" baseline="-25000" dirty="0" err="1"/>
+              <a:t>nl</a:t>
+            </a:r>
+            <a:r>
+              <a:rPr lang="en-US" altLang="ja-JP" dirty="0"/>
+              <a:t>(r</a:t>
+            </a:r>
+            <a:r>
+              <a:rPr lang="en-US" altLang="ja-JP" dirty="0" smtClean="0"/>
+              <a:t>)</a:t>
+            </a:r>
+            <a:r>
+              <a:rPr lang="ja-JP" altLang="en-US" dirty="0" smtClean="0"/>
+              <a:t>の一階微分と二階微分は以下となる。</a:t>
+            </a:r>
+            <a:endParaRPr lang="en-US" altLang="ja-JP" dirty="0" smtClean="0"/>
+          </a:p>
+          <a:p>
+            <a:endParaRPr kumimoji="1" lang="ja-JP" altLang="en-US" dirty="0"/>
+          </a:p>
+        </p:txBody>
+      </p:sp>
+      <p:pic>
+        <p:nvPicPr>
+          <p:cNvPr id="6" name="図 5"/>
+          <p:cNvPicPr>
+            <a:picLocks noChangeAspect="1"/>
+          </p:cNvPicPr>
+          <p:nvPr>
+            <p:custDataLst>
+              <p:tags r:id="rId1"/>
+            </p:custDataLst>
+          </p:nvPr>
+        </p:nvPicPr>
+        <p:blipFill>
+          <a:blip r:embed="rId4" cstate="print">
+            <a:extLst>
+              <a:ext uri="{28A0092B-C50C-407E-A947-70E740481C1C}">
+                <a14:useLocalDpi xmlns:a14="http://schemas.microsoft.com/office/drawing/2010/main" val="0"/>
+              </a:ext>
+            </a:extLst>
+          </a:blip>
+          <a:stretch>
+            <a:fillRect/>
+          </a:stretch>
+        </p:blipFill>
+        <p:spPr>
+          <a:xfrm>
+            <a:off x="1115616" y="3933057"/>
+            <a:ext cx="4032448" cy="666472"/>
+          </a:xfrm>
+          <a:prstGeom prst="rect">
+            <a:avLst/>
+          </a:prstGeom>
+        </p:spPr>
+      </p:pic>
+      <p:pic>
+        <p:nvPicPr>
+          <p:cNvPr id="7" name="図 6"/>
+          <p:cNvPicPr>
+            <a:picLocks noChangeAspect="1"/>
+          </p:cNvPicPr>
+          <p:nvPr>
+            <p:custDataLst>
+              <p:tags r:id="rId2"/>
+            </p:custDataLst>
+          </p:nvPr>
+        </p:nvPicPr>
+        <p:blipFill>
+          <a:blip r:embed="rId5" cstate="print">
+            <a:extLst>
+              <a:ext uri="{28A0092B-C50C-407E-A947-70E740481C1C}">
+                <a14:useLocalDpi xmlns:a14="http://schemas.microsoft.com/office/drawing/2010/main" val="0"/>
+              </a:ext>
+            </a:extLst>
+          </a:blip>
+          <a:stretch>
+            <a:fillRect/>
+          </a:stretch>
+        </p:blipFill>
+        <p:spPr>
+          <a:xfrm>
+            <a:off x="1115616" y="5517232"/>
+            <a:ext cx="6892190" cy="693333"/>
+          </a:xfrm>
+          <a:prstGeom prst="rect">
+            <a:avLst/>
+          </a:prstGeom>
+        </p:spPr>
+      </p:pic>
     </p:spTree>
     <p:extLst>
       <p:ext uri="{BB962C8B-B14F-4D97-AF65-F5344CB8AC3E}">
-        <p14:creationId xmlns:p14="http://schemas.microsoft.com/office/powerpoint/2010/main" val="995919278"/>
+        <p14:creationId xmlns:p14="http://schemas.microsoft.com/office/powerpoint/2010/main" val="803096725"/>
       </p:ext>
     </p:extLst>
   </p:cSld>
   <p:clrMapOvr>
     <a:masterClrMapping/>
   </p:clrMapOvr>
+  <p:timing>
+    <p:tnLst>
+      <p:par>
+        <p:cTn id="1" dur="indefinite" restart="never" nodeType="tmRoot"/>
+      </p:par>
+    </p:tnLst>
+  </p:timing>
 </p:sld>
 </file>
 
@@ -4977,20 +5305,22 @@
         </p:nvSpPr>
         <p:spPr/>
         <p:txBody>
-          <a:bodyPr/>
+          <a:bodyPr>
+            <a:normAutofit/>
+          </a:bodyPr>
           <a:lstStyle/>
           <a:p>
             <a:r>
-              <a:rPr kumimoji="1" lang="ja-JP" altLang="en-US" dirty="0" smtClean="0"/>
-              <a:t>原点に近い点での振る舞い</a:t>
-            </a:r>
-            <a:endParaRPr kumimoji="1" lang="ja-JP" altLang="en-US" dirty="0"/>
-          </a:p>
-        </p:txBody>
-      </p:sp>
-      <p:sp>
-        <p:nvSpPr>
-          <p:cNvPr id="3" name="コンテンツ プレースホルダー 2"/>
+              <a:rPr lang="ja-JP" altLang="en-US" dirty="0" smtClean="0"/>
+              <a:t>級数展開したものを代入する</a:t>
+            </a:r>
+            <a:endParaRPr lang="ja-JP" altLang="en-US" dirty="0"/>
+          </a:p>
+        </p:txBody>
+      </p:sp>
+      <p:sp>
+        <p:nvSpPr>
+          <p:cNvPr id="6" name="コンテンツ プレースホルダー 5"/>
           <p:cNvSpPr>
             <a:spLocks noGrp="1"/>
           </p:cNvSpPr>
@@ -4998,188 +5328,62 @@
             <p:ph sz="quarter" idx="1"/>
           </p:nvPr>
         </p:nvSpPr>
-        <p:spPr>
-          <a:xfrm>
-            <a:off x="612648" y="1600200"/>
-            <a:ext cx="8153400" cy="5069160"/>
-          </a:xfrm>
-        </p:spPr>
-        <p:txBody>
-          <a:bodyPr>
-            <a:normAutofit fontScale="92500" lnSpcReduction="10000"/>
-          </a:bodyPr>
+        <p:spPr/>
+        <p:txBody>
+          <a:bodyPr/>
           <a:lstStyle/>
           <a:p>
+            <a:endParaRPr kumimoji="1" lang="en-US" altLang="ja-JP" dirty="0" smtClean="0"/>
+          </a:p>
+          <a:p>
+            <a:r>
+              <a:rPr lang="ja-JP" altLang="en-US" dirty="0" smtClean="0"/>
+              <a:t>これらを上式に代入すると、</a:t>
+            </a:r>
+            <a:endParaRPr lang="en-US" altLang="ja-JP" dirty="0" smtClean="0"/>
+          </a:p>
+          <a:p>
             <a:r>
               <a:rPr kumimoji="1" lang="ja-JP" altLang="en-US" dirty="0" smtClean="0"/>
-              <a:t>仕方がないので、まずは原点に十分近い点での振る舞いを調べてみる。</a:t>
-            </a:r>
+              <a:t>左辺</a:t>
+            </a:r>
+            <a:r>
+              <a:rPr kumimoji="1" lang="en-US" altLang="ja-JP" dirty="0" smtClean="0"/>
+              <a:t>=</a:t>
+            </a:r>
+          </a:p>
+          <a:p>
+            <a:endParaRPr lang="en-US" altLang="ja-JP" dirty="0"/>
+          </a:p>
+          <a:p>
+            <a:r>
+              <a:rPr lang="ja-JP" altLang="en-US" dirty="0" smtClean="0"/>
+              <a:t>右辺</a:t>
+            </a:r>
+            <a:r>
+              <a:rPr lang="en-US" altLang="ja-JP" dirty="0" smtClean="0"/>
+              <a:t>=</a:t>
+            </a:r>
+          </a:p>
+          <a:p>
+            <a:endParaRPr lang="en-US" altLang="ja-JP" dirty="0"/>
+          </a:p>
+          <a:p>
+            <a:endParaRPr lang="en-US" altLang="ja-JP" dirty="0" smtClean="0"/>
+          </a:p>
+          <a:p>
+            <a:r>
+              <a:rPr lang="ja-JP" altLang="en-US" dirty="0"/>
+              <a:t>が</a:t>
+            </a:r>
+            <a:r>
+              <a:rPr lang="ja-JP" altLang="en-US" dirty="0" smtClean="0"/>
+              <a:t>得られる。</a:t>
+            </a:r>
+            <a:endParaRPr lang="en-US" altLang="ja-JP" dirty="0" smtClean="0"/>
+          </a:p>
+          <a:p>
             <a:endParaRPr kumimoji="1" lang="en-US" altLang="ja-JP" dirty="0" smtClean="0"/>
-          </a:p>
-          <a:p>
-            <a:r>
-              <a:rPr lang="ja-JP" altLang="en-US" dirty="0" smtClean="0"/>
-              <a:t>論文</a:t>
-            </a:r>
-            <a:r>
-              <a:rPr lang="en-US" altLang="ja-JP" baseline="30000" dirty="0" smtClean="0"/>
-              <a:t>[1]</a:t>
-            </a:r>
-            <a:r>
-              <a:rPr lang="ja-JP" altLang="en-US" dirty="0" smtClean="0"/>
-              <a:t>によれば、</a:t>
-            </a:r>
-            <a:r>
-              <a:rPr lang="en-US" altLang="ja-JP" dirty="0" smtClean="0"/>
-              <a:t>y(x)</a:t>
-            </a:r>
-            <a:r>
-              <a:rPr lang="ja-JP" altLang="en-US" dirty="0" smtClean="0"/>
-              <a:t>の</a:t>
-            </a:r>
-            <a:r>
-              <a:rPr lang="en-US" altLang="ja-JP" dirty="0" err="1"/>
-              <a:t>Maclaurin</a:t>
-            </a:r>
-            <a:r>
-              <a:rPr lang="ja-JP" altLang="en-US" dirty="0" smtClean="0"/>
-              <a:t>展開は、</a:t>
-            </a:r>
-            <a:endParaRPr lang="en-US" altLang="ja-JP" dirty="0" smtClean="0"/>
-          </a:p>
-          <a:p>
-            <a:endParaRPr kumimoji="1" lang="en-US" altLang="ja-JP" dirty="0"/>
-          </a:p>
-          <a:p>
-            <a:r>
-              <a:rPr lang="ja-JP" altLang="en-US" dirty="0" smtClean="0"/>
-              <a:t>であり、また</a:t>
-            </a:r>
-            <a:r>
-              <a:rPr lang="en-US" altLang="ja-JP" dirty="0" smtClean="0"/>
-              <a:t>y(x)</a:t>
-            </a:r>
-            <a:r>
-              <a:rPr lang="ja-JP" altLang="en-US" dirty="0" smtClean="0"/>
-              <a:t>の微分</a:t>
-            </a:r>
-            <a:r>
-              <a:rPr lang="en-US" altLang="ja-JP" dirty="0" smtClean="0"/>
-              <a:t>y’(x)</a:t>
-            </a:r>
-            <a:r>
-              <a:rPr lang="ja-JP" altLang="en-US" dirty="0" smtClean="0"/>
-              <a:t>は、</a:t>
-            </a:r>
-            <a:endParaRPr lang="en-US" altLang="ja-JP" dirty="0" smtClean="0"/>
-          </a:p>
-          <a:p>
-            <a:endParaRPr lang="en-US" altLang="ja-JP" dirty="0" smtClean="0"/>
-          </a:p>
-          <a:p>
-            <a:r>
-              <a:rPr lang="ja-JP" altLang="en-US" dirty="0" smtClean="0"/>
-              <a:t>である。ここで、</a:t>
-            </a:r>
-            <a:r>
-              <a:rPr lang="en-US" altLang="ja-JP" dirty="0" smtClean="0"/>
-              <a:t>B = y’(0)</a:t>
-            </a:r>
-            <a:r>
-              <a:rPr lang="ja-JP" altLang="en-US" dirty="0" smtClean="0"/>
-              <a:t>であり、同じ論文によ</a:t>
-            </a:r>
-            <a:r>
-              <a:rPr lang="ja-JP" altLang="en-US" dirty="0"/>
-              <a:t>れば</a:t>
-            </a:r>
-            <a:r>
-              <a:rPr lang="ja-JP" altLang="en-US" dirty="0" smtClean="0"/>
-              <a:t>、</a:t>
-            </a:r>
-            <a:endParaRPr lang="en-US" altLang="ja-JP" dirty="0" smtClean="0"/>
-          </a:p>
-          <a:p>
-            <a:r>
-              <a:rPr lang="ja-JP" altLang="en-US" dirty="0" smtClean="0"/>
-              <a:t>　　　　　　　　　　　　　である。</a:t>
-            </a:r>
-            <a:endParaRPr lang="en-US" altLang="ja-JP" dirty="0" smtClean="0"/>
-          </a:p>
-          <a:p>
-            <a:r>
-              <a:rPr lang="ja-JP" altLang="en-US" dirty="0" smtClean="0"/>
-              <a:t>なお、この初期値を使って、</a:t>
-            </a:r>
-            <a:r>
-              <a:rPr lang="en-US" altLang="ja-JP" dirty="0" smtClean="0"/>
-              <a:t>T-F</a:t>
-            </a:r>
-            <a:r>
-              <a:rPr lang="ja-JP" altLang="en-US" dirty="0" smtClean="0"/>
-              <a:t>方程式を数値的に解こうとしても遠方で発散する。</a:t>
-            </a:r>
-            <a:endParaRPr lang="en-US" altLang="ja-JP" dirty="0" smtClean="0"/>
-          </a:p>
-          <a:p>
-            <a:r>
-              <a:rPr lang="en-US" altLang="ja-JP" sz="1200" dirty="0" smtClean="0"/>
-              <a:t>[1] M. A. Noor and S. T. </a:t>
-            </a:r>
-            <a:r>
-              <a:rPr lang="en-US" altLang="ja-JP" sz="1200" dirty="0" err="1" smtClean="0"/>
-              <a:t>Mohyud</a:t>
-            </a:r>
-            <a:r>
-              <a:rPr lang="en-US" altLang="ja-JP" sz="1200" dirty="0" smtClean="0"/>
-              <a:t>-Din. </a:t>
-            </a:r>
-            <a:r>
-              <a:rPr lang="en-US" altLang="ja-JP" sz="1200" dirty="0" err="1" smtClean="0"/>
-              <a:t>Homotopy</a:t>
-            </a:r>
-            <a:r>
-              <a:rPr lang="en-US" altLang="ja-JP" sz="1200" dirty="0" smtClean="0"/>
-              <a:t> </a:t>
-            </a:r>
-            <a:r>
-              <a:rPr lang="en-US" altLang="ja-JP" sz="1200" dirty="0"/>
-              <a:t>Perturbation Method for Solving Thomas-Fermi Equation </a:t>
-            </a:r>
-            <a:r>
-              <a:rPr lang="en-US" altLang="ja-JP" sz="1200" dirty="0" smtClean="0"/>
-              <a:t>Using </a:t>
-            </a:r>
-            <a:r>
-              <a:rPr lang="en-US" altLang="ja-JP" sz="1200" dirty="0" err="1" smtClean="0"/>
-              <a:t>Pade</a:t>
-            </a:r>
-            <a:r>
-              <a:rPr lang="en-US" altLang="ja-JP" sz="1200" dirty="0" smtClean="0"/>
-              <a:t> Approximants. </a:t>
-            </a:r>
-            <a:r>
-              <a:rPr lang="en-US" altLang="ja-JP" sz="1200" i="1" dirty="0" smtClean="0"/>
-              <a:t>International </a:t>
-            </a:r>
-            <a:r>
-              <a:rPr lang="en-US" altLang="ja-JP" sz="1200" i="1" dirty="0"/>
-              <a:t>Journal of Nonlinear Science</a:t>
-            </a:r>
-            <a:r>
-              <a:rPr lang="en-US" altLang="ja-JP" sz="1200" dirty="0"/>
-              <a:t>, 8(2009):</a:t>
-            </a:r>
-            <a:r>
-              <a:rPr lang="en-US" altLang="ja-JP" sz="1200" dirty="0" smtClean="0"/>
-              <a:t>27-31.</a:t>
-            </a:r>
-          </a:p>
-          <a:p>
-            <a:endParaRPr lang="en-US" altLang="ja-JP" dirty="0"/>
-          </a:p>
-          <a:p>
-            <a:endParaRPr lang="en-US" altLang="ja-JP" dirty="0" smtClean="0"/>
           </a:p>
           <a:p>
             <a:endParaRPr kumimoji="1" lang="ja-JP" altLang="en-US" dirty="0"/>
@@ -5188,7 +5392,7 @@
       </p:sp>
       <p:pic>
         <p:nvPicPr>
-          <p:cNvPr id="5" name="図 4"/>
+          <p:cNvPr id="8" name="図 7"/>
           <p:cNvPicPr>
             <a:picLocks noChangeAspect="1"/>
           </p:cNvPicPr>
@@ -5212,8 +5416,8 @@
         </p:blipFill>
         <p:spPr>
           <a:xfrm>
-            <a:off x="1096803" y="2852936"/>
-            <a:ext cx="5003302" cy="533402"/>
+            <a:off x="1043608" y="1628799"/>
+            <a:ext cx="5666667" cy="558095"/>
           </a:xfrm>
           <a:prstGeom prst="rect">
             <a:avLst/>
@@ -5222,7 +5426,7 @@
       </p:pic>
       <p:pic>
         <p:nvPicPr>
-          <p:cNvPr id="9" name="図 8"/>
+          <p:cNvPr id="7" name="図 6"/>
           <p:cNvPicPr>
             <a:picLocks noChangeAspect="1"/>
           </p:cNvPicPr>
@@ -5246,8 +5450,8 @@
         </p:blipFill>
         <p:spPr>
           <a:xfrm>
-            <a:off x="1096803" y="3789040"/>
-            <a:ext cx="5055118" cy="533402"/>
+            <a:off x="1043606" y="3170968"/>
+            <a:ext cx="3600401" cy="656188"/>
           </a:xfrm>
           <a:prstGeom prst="rect">
             <a:avLst/>
@@ -5256,7 +5460,7 @@
       </p:pic>
       <p:pic>
         <p:nvPicPr>
-          <p:cNvPr id="6" name="図 5"/>
+          <p:cNvPr id="9" name="図 8"/>
           <p:cNvPicPr>
             <a:picLocks noChangeAspect="1"/>
           </p:cNvPicPr>
@@ -5280,8 +5484,8 @@
         </p:blipFill>
         <p:spPr>
           <a:xfrm>
-            <a:off x="1096803" y="4797152"/>
-            <a:ext cx="2788314" cy="274700"/>
+            <a:off x="1043608" y="4365104"/>
+            <a:ext cx="3818666" cy="694857"/>
           </a:xfrm>
           <a:prstGeom prst="rect">
             <a:avLst/>
@@ -5291,7 +5495,7 @@
     </p:spTree>
     <p:extLst>
       <p:ext uri="{BB962C8B-B14F-4D97-AF65-F5344CB8AC3E}">
-        <p14:creationId xmlns:p14="http://schemas.microsoft.com/office/powerpoint/2010/main" val="803096725"/>
+        <p14:creationId xmlns:p14="http://schemas.microsoft.com/office/powerpoint/2010/main" val="3232447963"/>
       </p:ext>
     </p:extLst>
   </p:cSld>
@@ -5341,12 +5545,8 @@
           <a:lstStyle/>
           <a:p>
             <a:r>
-              <a:rPr lang="ja-JP" altLang="en-US" dirty="0"/>
-              <a:t>遠方</a:t>
-            </a:r>
-            <a:r>
               <a:rPr kumimoji="1" lang="ja-JP" altLang="en-US" dirty="0" smtClean="0"/>
-              <a:t>での振る舞い</a:t>
+              <a:t>左辺と右辺を比較する</a:t>
             </a:r>
             <a:endParaRPr kumimoji="1" lang="ja-JP" altLang="en-US" dirty="0"/>
           </a:p>
@@ -5362,71 +5562,29 @@
             <p:ph sz="quarter" idx="1"/>
           </p:nvPr>
         </p:nvSpPr>
-        <p:spPr>
-          <a:xfrm>
-            <a:off x="612648" y="1600200"/>
-            <a:ext cx="8153400" cy="5141168"/>
-          </a:xfrm>
-        </p:spPr>
-        <p:txBody>
-          <a:bodyPr>
-            <a:normAutofit fontScale="92500" lnSpcReduction="10000"/>
-          </a:bodyPr>
+        <p:spPr/>
+        <p:txBody>
+          <a:bodyPr/>
           <a:lstStyle/>
           <a:p>
             <a:r>
               <a:rPr kumimoji="1" lang="ja-JP" altLang="en-US" dirty="0" smtClean="0"/>
-              <a:t>次に</a:t>
-            </a:r>
-            <a:r>
-              <a:rPr lang="ja-JP" altLang="en-US" dirty="0"/>
-              <a:t>遠方</a:t>
+              <a:t>左辺と右辺の</a:t>
+            </a:r>
+            <a:r>
+              <a:rPr kumimoji="1" lang="en-US" altLang="ja-JP" dirty="0" smtClean="0"/>
+              <a:t>r</a:t>
             </a:r>
             <a:r>
               <a:rPr kumimoji="1" lang="ja-JP" altLang="en-US" dirty="0" smtClean="0"/>
-              <a:t>での振る舞いを調べてみる。文献</a:t>
-            </a:r>
-            <a:r>
-              <a:rPr lang="en-US" altLang="ja-JP" baseline="30000" dirty="0" smtClean="0"/>
-              <a:t>[1]</a:t>
-            </a:r>
-            <a:r>
-              <a:rPr lang="ja-JP" altLang="en-US" dirty="0" smtClean="0"/>
-              <a:t>によれば遠方で漸進的に、</a:t>
-            </a:r>
-            <a:endParaRPr lang="en-US" altLang="ja-JP" dirty="0" smtClean="0"/>
+              <a:t>のべき乗の係数を比較することによって、以下が得られる。</a:t>
+            </a:r>
+            <a:endParaRPr kumimoji="1" lang="en-US" altLang="ja-JP" dirty="0" smtClean="0"/>
           </a:p>
           <a:p>
             <a:endParaRPr lang="en-US" altLang="ja-JP" dirty="0"/>
           </a:p>
           <a:p>
-            <a:r>
-              <a:rPr lang="ja-JP" altLang="en-US" dirty="0"/>
-              <a:t>と書いてあるが</a:t>
-            </a:r>
-            <a:r>
-              <a:rPr lang="ja-JP" altLang="en-US" dirty="0" smtClean="0"/>
-              <a:t>、これは粗すぎる。ここで、論文</a:t>
-            </a:r>
-            <a:r>
-              <a:rPr lang="en-US" altLang="ja-JP" baseline="30000" dirty="0" smtClean="0"/>
-              <a:t>[2]</a:t>
-            </a:r>
-            <a:r>
-              <a:rPr lang="ja-JP" altLang="en-US" dirty="0" smtClean="0"/>
-              <a:t>によれば、やはり遠方</a:t>
-            </a:r>
-            <a:r>
-              <a:rPr lang="ja-JP" altLang="en-US" dirty="0"/>
-              <a:t>で漸進的に</a:t>
-            </a:r>
-            <a:r>
-              <a:rPr lang="ja-JP" altLang="en-US" dirty="0" smtClean="0"/>
-              <a:t>、</a:t>
-            </a:r>
-            <a:endParaRPr lang="en-US" altLang="ja-JP" dirty="0" smtClean="0"/>
-          </a:p>
-          <a:p>
             <a:endParaRPr kumimoji="1" lang="en-US" altLang="ja-JP" dirty="0" smtClean="0"/>
           </a:p>
           <a:p>
@@ -5436,123 +5594,13 @@
             <a:endParaRPr kumimoji="1" lang="en-US" altLang="ja-JP" dirty="0" smtClean="0"/>
           </a:p>
           <a:p>
-            <a:r>
-              <a:rPr kumimoji="1" lang="ja-JP" altLang="en-US" dirty="0" smtClean="0"/>
-              <a:t>である。ここで、</a:t>
-            </a:r>
-            <a:r>
-              <a:rPr kumimoji="1" lang="en-US" altLang="ja-JP" dirty="0" smtClean="0"/>
-              <a:t>λ = 3.886, x</a:t>
-            </a:r>
-            <a:r>
-              <a:rPr kumimoji="1" lang="en-US" altLang="ja-JP" baseline="-25000" dirty="0" smtClean="0"/>
-              <a:t>0</a:t>
-            </a:r>
-            <a:r>
-              <a:rPr kumimoji="1" lang="en-US" altLang="ja-JP" dirty="0" smtClean="0"/>
-              <a:t> = 5.2415</a:t>
-            </a:r>
-            <a:r>
-              <a:rPr kumimoji="1" lang="ja-JP" altLang="en-US" dirty="0" smtClean="0"/>
-              <a:t>である。</a:t>
-            </a:r>
+            <a:endParaRPr lang="en-US" altLang="ja-JP" dirty="0"/>
+          </a:p>
+          <a:p>
             <a:endParaRPr kumimoji="1" lang="en-US" altLang="ja-JP" dirty="0" smtClean="0"/>
           </a:p>
           <a:p>
-            <a:endParaRPr kumimoji="1" lang="en-US" altLang="ja-JP" dirty="0" smtClean="0"/>
-          </a:p>
-          <a:p>
-            <a:r>
-              <a:rPr lang="en-US" altLang="ja-JP" sz="1500" dirty="0" smtClean="0"/>
-              <a:t>[1] R.G</a:t>
-            </a:r>
-            <a:r>
-              <a:rPr lang="en-US" altLang="ja-JP" sz="1500" dirty="0"/>
-              <a:t>.</a:t>
-            </a:r>
-            <a:r>
-              <a:rPr lang="ja-JP" altLang="en-US" sz="1500" dirty="0"/>
-              <a:t>パール</a:t>
-            </a:r>
-            <a:r>
-              <a:rPr lang="en-US" altLang="ja-JP" sz="1500" dirty="0"/>
-              <a:t>, W.</a:t>
-            </a:r>
-            <a:r>
-              <a:rPr lang="ja-JP" altLang="en-US" sz="1500" dirty="0"/>
-              <a:t>ヤング </a:t>
-            </a:r>
-            <a:r>
-              <a:rPr lang="en-US" altLang="ja-JP" sz="1500" dirty="0"/>
-              <a:t>『</a:t>
-            </a:r>
-            <a:r>
-              <a:rPr lang="ja-JP" altLang="en-US" sz="1500" dirty="0"/>
-              <a:t>原子･分子の密度汎関数法</a:t>
-            </a:r>
-            <a:r>
-              <a:rPr lang="en-US" altLang="ja-JP" sz="1500" dirty="0" smtClean="0"/>
-              <a:t>』</a:t>
-            </a:r>
-            <a:r>
-              <a:rPr lang="ja-JP" altLang="en-US" sz="1500" dirty="0" smtClean="0"/>
-              <a:t>シュプリンガー</a:t>
-            </a:r>
-            <a:r>
-              <a:rPr lang="ja-JP" altLang="en-US" sz="1500" dirty="0"/>
-              <a:t>・フェアラーク東京（</a:t>
-            </a:r>
-            <a:r>
-              <a:rPr lang="en-US" altLang="ja-JP" sz="1500" dirty="0"/>
-              <a:t>1996</a:t>
-            </a:r>
-            <a:r>
-              <a:rPr lang="ja-JP" altLang="en-US" sz="1500" dirty="0"/>
-              <a:t>）</a:t>
-            </a:r>
-          </a:p>
-          <a:p>
-            <a:r>
-              <a:rPr lang="en-US" altLang="ja-JP" sz="1500" dirty="0" smtClean="0"/>
-              <a:t>[2] M. </a:t>
-            </a:r>
-            <a:r>
-              <a:rPr lang="en-US" altLang="ja-JP" sz="1500" dirty="0" err="1" smtClean="0"/>
-              <a:t>Desaix</a:t>
-            </a:r>
-            <a:r>
-              <a:rPr lang="en-US" altLang="ja-JP" sz="1500" dirty="0" smtClean="0"/>
-              <a:t>, D. Anderson, and M. </a:t>
-            </a:r>
-            <a:r>
-              <a:rPr lang="en-US" altLang="ja-JP" sz="1500" dirty="0" err="1" smtClean="0"/>
-              <a:t>Lisak</a:t>
-            </a:r>
-            <a:r>
-              <a:rPr lang="en-US" altLang="ja-JP" sz="1500" dirty="0" smtClean="0"/>
-              <a:t>, </a:t>
-            </a:r>
-            <a:r>
-              <a:rPr lang="en-US" altLang="ja-JP" sz="1500" i="1" dirty="0" smtClean="0"/>
-              <a:t>Eur</a:t>
-            </a:r>
-            <a:r>
-              <a:rPr lang="en-US" altLang="ja-JP" sz="1500" i="1" dirty="0"/>
-              <a:t>. J. Phys. </a:t>
-            </a:r>
-            <a:r>
-              <a:rPr lang="en-US" altLang="ja-JP" sz="1500" b="1" dirty="0" smtClean="0"/>
-              <a:t>25</a:t>
-            </a:r>
-            <a:r>
-              <a:rPr lang="en-US" altLang="ja-JP" sz="1500" dirty="0"/>
-              <a:t> (2004) </a:t>
-            </a:r>
-            <a:r>
-              <a:rPr lang="en-US" altLang="ja-JP" sz="1500" dirty="0" smtClean="0"/>
-              <a:t>699.</a:t>
-            </a:r>
-            <a:endParaRPr kumimoji="1" lang="ja-JP" altLang="en-US" sz="1500" dirty="0"/>
+            <a:endParaRPr kumimoji="1" lang="ja-JP" altLang="en-US" dirty="0"/>
           </a:p>
         </p:txBody>
       </p:sp>
@@ -5569,7 +5617,7 @@
           </p:nvPr>
         </p:nvPicPr>
         <p:blipFill>
-          <a:blip r:embed="rId4" cstate="print">
+          <a:blip r:embed="rId3" cstate="print">
             <a:extLst>
               <a:ext uri="{28A0092B-C50C-407E-A947-70E740481C1C}">
                 <a14:useLocalDpi xmlns:a14="http://schemas.microsoft.com/office/drawing/2010/main" val="0"/>
@@ -5582,42 +5630,8 @@
         </p:blipFill>
         <p:spPr>
           <a:xfrm>
-            <a:off x="1043608" y="2420888"/>
-            <a:ext cx="1295402" cy="533402"/>
-          </a:xfrm>
-          <a:prstGeom prst="rect">
-            <a:avLst/>
-          </a:prstGeom>
-        </p:spPr>
-      </p:pic>
-      <p:pic>
-        <p:nvPicPr>
-          <p:cNvPr id="17" name="図 16"/>
-          <p:cNvPicPr>
-            <a:picLocks noChangeAspect="1"/>
-          </p:cNvPicPr>
-          <p:nvPr>
-            <p:custDataLst>
-              <p:tags r:id="rId2"/>
-            </p:custDataLst>
-          </p:nvPr>
-        </p:nvPicPr>
-        <p:blipFill>
-          <a:blip r:embed="rId5" cstate="print">
-            <a:extLst>
-              <a:ext uri="{28A0092B-C50C-407E-A947-70E740481C1C}">
-                <a14:useLocalDpi xmlns:a14="http://schemas.microsoft.com/office/drawing/2010/main" val="0"/>
-              </a:ext>
-            </a:extLst>
-          </a:blip>
-          <a:stretch>
-            <a:fillRect/>
-          </a:stretch>
-        </p:blipFill>
-        <p:spPr>
-          <a:xfrm>
-            <a:off x="1043608" y="3717032"/>
-            <a:ext cx="5638812" cy="1321310"/>
+            <a:off x="1115616" y="2636912"/>
+            <a:ext cx="2560000" cy="2208000"/>
           </a:xfrm>
           <a:prstGeom prst="rect">
             <a:avLst/>
@@ -5627,7 +5641,7 @@
     </p:spTree>
     <p:extLst>
       <p:ext uri="{BB962C8B-B14F-4D97-AF65-F5344CB8AC3E}">
-        <p14:creationId xmlns:p14="http://schemas.microsoft.com/office/powerpoint/2010/main" val="3232447963"/>
+        <p14:creationId xmlns:p14="http://schemas.microsoft.com/office/powerpoint/2010/main" val="797369140"/>
       </p:ext>
     </p:extLst>
   </p:cSld>
@@ -5853,298 +5867,6 @@
           <a:lstStyle/>
           <a:p>
             <a:r>
-              <a:rPr kumimoji="1" lang="en-US" altLang="ja-JP" dirty="0" smtClean="0"/>
-              <a:t>β(x)</a:t>
-            </a:r>
-            <a:r>
-              <a:rPr kumimoji="1" lang="ja-JP" altLang="en-US" dirty="0" smtClean="0"/>
-              <a:t>について</a:t>
-            </a:r>
-            <a:endParaRPr kumimoji="1" lang="ja-JP" altLang="en-US" dirty="0"/>
-          </a:p>
-        </p:txBody>
-      </p:sp>
-      <p:sp>
-        <p:nvSpPr>
-          <p:cNvPr id="3" name="コンテンツ プレースホルダー 2"/>
-          <p:cNvSpPr>
-            <a:spLocks noGrp="1"/>
-          </p:cNvSpPr>
-          <p:nvPr>
-            <p:ph sz="quarter" idx="1"/>
-          </p:nvPr>
-        </p:nvSpPr>
-        <p:spPr>
-          <a:xfrm>
-            <a:off x="612648" y="1600200"/>
-            <a:ext cx="8153400" cy="5141168"/>
-          </a:xfrm>
-        </p:spPr>
-        <p:txBody>
-          <a:bodyPr>
-            <a:normAutofit lnSpcReduction="10000"/>
-          </a:bodyPr>
-          <a:lstStyle/>
-          <a:p>
-            <a:endParaRPr kumimoji="1" lang="en-US" altLang="ja-JP" dirty="0" smtClean="0"/>
-          </a:p>
-          <a:p>
-            <a:r>
-              <a:rPr lang="ja-JP" altLang="en-US" dirty="0" smtClean="0"/>
-              <a:t>この</a:t>
-            </a:r>
-            <a:r>
-              <a:rPr lang="ja-JP" altLang="en-US" dirty="0"/>
-              <a:t>方程式</a:t>
-            </a:r>
-            <a:r>
-              <a:rPr lang="ja-JP" altLang="en-US" dirty="0" smtClean="0"/>
-              <a:t>は線形常微分方程式であり、有限要素による離散化によって、</a:t>
-            </a:r>
-            <a:r>
-              <a:rPr lang="en-US" altLang="ja-JP" dirty="0" smtClean="0"/>
-              <a:t>[K]{u} = {F}</a:t>
-            </a:r>
-            <a:r>
-              <a:rPr lang="ja-JP" altLang="en-US" dirty="0" smtClean="0"/>
-              <a:t>という形式の連立</a:t>
-            </a:r>
-            <a:r>
-              <a:rPr lang="en-US" altLang="ja-JP" dirty="0" smtClean="0"/>
-              <a:t>1</a:t>
-            </a:r>
-            <a:r>
-              <a:rPr lang="ja-JP" altLang="en-US" dirty="0" smtClean="0"/>
-              <a:t>次方程式に帰着でき、解ける。</a:t>
-            </a:r>
-            <a:endParaRPr lang="en-US" altLang="ja-JP" dirty="0" smtClean="0"/>
-          </a:p>
-          <a:p>
-            <a:r>
-              <a:rPr kumimoji="1" lang="ja-JP" altLang="en-US" dirty="0" smtClean="0"/>
-              <a:t>ここでもし、</a:t>
-            </a:r>
-            <a:r>
-              <a:rPr lang="en-US" altLang="ja-JP" dirty="0" smtClean="0"/>
-              <a:t>β(x)</a:t>
-            </a:r>
-            <a:r>
-              <a:rPr lang="ja-JP" altLang="en-US" dirty="0" smtClean="0"/>
-              <a:t>を次のように置くならば、</a:t>
-            </a:r>
-            <a:endParaRPr lang="en-US" altLang="ja-JP" dirty="0" smtClean="0"/>
-          </a:p>
-          <a:p>
-            <a:endParaRPr lang="en-US" altLang="ja-JP" dirty="0"/>
-          </a:p>
-          <a:p>
-            <a:r>
-              <a:rPr lang="en-US" altLang="ja-JP" dirty="0" smtClean="0"/>
-              <a:t>(1)</a:t>
-            </a:r>
-            <a:r>
-              <a:rPr lang="ja-JP" altLang="en-US" dirty="0" smtClean="0"/>
-              <a:t>式を解くことによって得た</a:t>
-            </a:r>
-            <a:r>
-              <a:rPr lang="en-US" altLang="ja-JP" dirty="0" smtClean="0"/>
-              <a:t>y(x)</a:t>
-            </a:r>
-            <a:r>
-              <a:rPr lang="ja-JP" altLang="en-US" dirty="0"/>
-              <a:t>から</a:t>
-            </a:r>
-            <a:r>
-              <a:rPr lang="ja-JP" altLang="en-US" dirty="0" smtClean="0"/>
-              <a:t>、</a:t>
-            </a:r>
-            <a:r>
-              <a:rPr lang="en-US" altLang="ja-JP" dirty="0" smtClean="0"/>
-              <a:t>(2)</a:t>
-            </a:r>
-            <a:r>
-              <a:rPr lang="ja-JP" altLang="en-US" dirty="0" smtClean="0"/>
-              <a:t>式によって</a:t>
-            </a:r>
-            <a:r>
-              <a:rPr lang="en-US" altLang="ja-JP" dirty="0" smtClean="0"/>
-              <a:t>β(x)</a:t>
-            </a:r>
-            <a:r>
-              <a:rPr lang="ja-JP" altLang="en-US" dirty="0" smtClean="0"/>
-              <a:t>を得</a:t>
-            </a:r>
-            <a:r>
-              <a:rPr lang="ja-JP" altLang="en-US" dirty="0"/>
-              <a:t>て</a:t>
-            </a:r>
-            <a:r>
-              <a:rPr lang="ja-JP" altLang="en-US" dirty="0" smtClean="0"/>
-              <a:t>、それからまた</a:t>
-            </a:r>
-            <a:r>
-              <a:rPr lang="en-US" altLang="ja-JP" dirty="0" smtClean="0"/>
-              <a:t>(1)</a:t>
-            </a:r>
-            <a:r>
-              <a:rPr lang="ja-JP" altLang="en-US" dirty="0" smtClean="0"/>
-              <a:t>式を解くことによって</a:t>
-            </a:r>
-            <a:r>
-              <a:rPr lang="en-US" altLang="ja-JP" dirty="0" smtClean="0"/>
-              <a:t>y(x)</a:t>
-            </a:r>
-            <a:r>
-              <a:rPr lang="ja-JP" altLang="en-US" dirty="0" smtClean="0"/>
-              <a:t>を得て</a:t>
-            </a:r>
-            <a:r>
-              <a:rPr lang="en-US" altLang="ja-JP" dirty="0" smtClean="0"/>
-              <a:t>…</a:t>
-            </a:r>
-            <a:r>
-              <a:rPr lang="ja-JP" altLang="en-US" dirty="0" smtClean="0"/>
-              <a:t>という反復法によって解ける（もっといい方法もあるだろうが、</a:t>
-            </a:r>
-            <a:r>
-              <a:rPr lang="en-US" altLang="ja-JP" dirty="0" smtClean="0"/>
-              <a:t>SCF</a:t>
-            </a:r>
-            <a:r>
-              <a:rPr lang="ja-JP" altLang="en-US" dirty="0" smtClean="0"/>
-              <a:t>法の練習になるので、この方法を採用する）。</a:t>
-            </a:r>
-            <a:endParaRPr lang="en-US" altLang="ja-JP" dirty="0" smtClean="0"/>
-          </a:p>
-          <a:p>
-            <a:endParaRPr kumimoji="1" lang="en-US" altLang="ja-JP" dirty="0"/>
-          </a:p>
-          <a:p>
-            <a:endParaRPr kumimoji="1" lang="ja-JP" altLang="en-US" dirty="0"/>
-          </a:p>
-        </p:txBody>
-      </p:sp>
-      <p:pic>
-        <p:nvPicPr>
-          <p:cNvPr id="9" name="図 8"/>
-          <p:cNvPicPr>
-            <a:picLocks noChangeAspect="1"/>
-          </p:cNvPicPr>
-          <p:nvPr>
-            <p:custDataLst>
-              <p:tags r:id="rId1"/>
-            </p:custDataLst>
-          </p:nvPr>
-        </p:nvPicPr>
-        <p:blipFill>
-          <a:blip r:embed="rId4" cstate="print">
-            <a:extLst>
-              <a:ext uri="{28A0092B-C50C-407E-A947-70E740481C1C}">
-                <a14:useLocalDpi xmlns:a14="http://schemas.microsoft.com/office/drawing/2010/main" val="0"/>
-              </a:ext>
-            </a:extLst>
-          </a:blip>
-          <a:stretch>
-            <a:fillRect/>
-          </a:stretch>
-        </p:blipFill>
-        <p:spPr>
-          <a:xfrm>
-            <a:off x="1043608" y="1556792"/>
-            <a:ext cx="3048006" cy="583694"/>
-          </a:xfrm>
-          <a:prstGeom prst="rect">
-            <a:avLst/>
-          </a:prstGeom>
-        </p:spPr>
-      </p:pic>
-      <p:pic>
-        <p:nvPicPr>
-          <p:cNvPr id="11" name="図 10"/>
-          <p:cNvPicPr>
-            <a:picLocks noChangeAspect="1"/>
-          </p:cNvPicPr>
-          <p:nvPr>
-            <p:custDataLst>
-              <p:tags r:id="rId2"/>
-            </p:custDataLst>
-          </p:nvPr>
-        </p:nvPicPr>
-        <p:blipFill>
-          <a:blip r:embed="rId5" cstate="print">
-            <a:extLst>
-              <a:ext uri="{28A0092B-C50C-407E-A947-70E740481C1C}">
-                <a14:useLocalDpi xmlns:a14="http://schemas.microsoft.com/office/drawing/2010/main" val="0"/>
-              </a:ext>
-            </a:extLst>
-          </a:blip>
-          <a:stretch>
-            <a:fillRect/>
-          </a:stretch>
-        </p:blipFill>
-        <p:spPr>
-          <a:xfrm>
-            <a:off x="1043608" y="3789040"/>
-            <a:ext cx="3531116" cy="609602"/>
-          </a:xfrm>
-          <a:prstGeom prst="rect">
-            <a:avLst/>
-          </a:prstGeom>
-        </p:spPr>
-      </p:pic>
-    </p:spTree>
-    <p:extLst>
-      <p:ext uri="{BB962C8B-B14F-4D97-AF65-F5344CB8AC3E}">
-        <p14:creationId xmlns:p14="http://schemas.microsoft.com/office/powerpoint/2010/main" val="166076018"/>
-      </p:ext>
-    </p:extLst>
-  </p:cSld>
-  <p:clrMapOvr>
-    <a:masterClrMapping/>
-  </p:clrMapOvr>
-  <p:timing>
-    <p:tnLst>
-      <p:par>
-        <p:cTn id="1" dur="indefinite" restart="never" nodeType="tmRoot"/>
-      </p:par>
-    </p:tnLst>
-  </p:timing>
-</p:sld>
-</file>
-
-<file path=ppt/slides/slide16.xml><?xml version="1.0" encoding="utf-8"?>
-<p:sld xmlns:a="http://schemas.openxmlformats.org/drawingml/2006/main" xmlns:r="http://schemas.openxmlformats.org/officeDocument/2006/relationships" xmlns:p="http://schemas.openxmlformats.org/presentationml/2006/main">
-  <p:cSld>
-    <p:spTree>
-      <p:nvGrpSpPr>
-        <p:cNvPr id="1" name=""/>
-        <p:cNvGrpSpPr/>
-        <p:nvPr/>
-      </p:nvGrpSpPr>
-      <p:grpSpPr>
-        <a:xfrm>
-          <a:off x="0" y="0"/>
-          <a:ext cx="0" cy="0"/>
-          <a:chOff x="0" y="0"/>
-          <a:chExt cx="0" cy="0"/>
-        </a:xfrm>
-      </p:grpSpPr>
-      <p:sp>
-        <p:nvSpPr>
-          <p:cNvPr id="2" name="タイトル 1"/>
-          <p:cNvSpPr>
-            <a:spLocks noGrp="1"/>
-          </p:cNvSpPr>
-          <p:nvPr>
-            <p:ph type="title"/>
-          </p:nvPr>
-        </p:nvSpPr>
-        <p:spPr/>
-        <p:txBody>
-          <a:bodyPr/>
-          <a:lstStyle/>
-          <a:p>
-            <a:r>
               <a:rPr lang="ja-JP" altLang="en-US" dirty="0" smtClean="0"/>
               <a:t>初期関数</a:t>
             </a:r>
@@ -6437,481 +6159,7 @@
 </p:sld>
 </file>
 
-<file path=ppt/slides/slide17.xml><?xml version="1.0" encoding="utf-8"?>
-<p:sld xmlns:a="http://schemas.openxmlformats.org/drawingml/2006/main" xmlns:r="http://schemas.openxmlformats.org/officeDocument/2006/relationships" xmlns:p="http://schemas.openxmlformats.org/presentationml/2006/main">
-  <p:cSld>
-    <p:spTree>
-      <p:nvGrpSpPr>
-        <p:cNvPr id="1" name=""/>
-        <p:cNvGrpSpPr/>
-        <p:nvPr/>
-      </p:nvGrpSpPr>
-      <p:grpSpPr>
-        <a:xfrm>
-          <a:off x="0" y="0"/>
-          <a:ext cx="0" cy="0"/>
-          <a:chOff x="0" y="0"/>
-          <a:chExt cx="0" cy="0"/>
-        </a:xfrm>
-      </p:grpSpPr>
-      <p:sp>
-        <p:nvSpPr>
-          <p:cNvPr id="2" name="タイトル 1"/>
-          <p:cNvSpPr>
-            <a:spLocks noGrp="1"/>
-          </p:cNvSpPr>
-          <p:nvPr>
-            <p:ph type="title"/>
-          </p:nvPr>
-        </p:nvSpPr>
-        <p:spPr/>
-        <p:txBody>
-          <a:bodyPr>
-            <a:normAutofit/>
-          </a:bodyPr>
-          <a:lstStyle/>
-          <a:p>
-            <a:r>
-              <a:rPr kumimoji="1" lang="ja-JP" altLang="en-US" dirty="0" smtClean="0"/>
-              <a:t>適合点への狙い撃ち法の問題</a:t>
-            </a:r>
-            <a:endParaRPr kumimoji="1" lang="ja-JP" altLang="en-US" dirty="0"/>
-          </a:p>
-        </p:txBody>
-      </p:sp>
-      <p:sp>
-        <p:nvSpPr>
-          <p:cNvPr id="3" name="コンテンツ プレースホルダー 2"/>
-          <p:cNvSpPr>
-            <a:spLocks noGrp="1"/>
-          </p:cNvSpPr>
-          <p:nvPr>
-            <p:ph sz="quarter" idx="1"/>
-          </p:nvPr>
-        </p:nvSpPr>
-        <p:spPr/>
-        <p:txBody>
-          <a:bodyPr/>
-          <a:lstStyle/>
-          <a:p>
-            <a:r>
-              <a:rPr lang="ja-JP" altLang="en-US" dirty="0" smtClean="0"/>
-              <a:t>狙い撃ち法の適合点は</a:t>
-            </a:r>
-            <a:r>
-              <a:rPr lang="en-US" altLang="ja-JP" dirty="0" smtClean="0"/>
-              <a:t>5.0</a:t>
-            </a:r>
-            <a:r>
-              <a:rPr lang="ja-JP" altLang="en-US" dirty="0" smtClean="0"/>
-              <a:t>～</a:t>
-            </a:r>
-            <a:r>
-              <a:rPr lang="en-US" altLang="ja-JP" dirty="0" smtClean="0"/>
-              <a:t>10.0</a:t>
-            </a:r>
-            <a:r>
-              <a:rPr lang="ja-JP" altLang="en-US" dirty="0" smtClean="0"/>
-              <a:t>程度が良いらしい（調査中）。</a:t>
-            </a:r>
-            <a:endParaRPr lang="en-US" altLang="ja-JP" dirty="0" smtClean="0"/>
-          </a:p>
-          <a:p>
-            <a:r>
-              <a:rPr lang="ja-JP" altLang="en-US" dirty="0" smtClean="0"/>
-              <a:t>そもそも最初から狙い撃ち法を使えば</a:t>
-            </a:r>
-            <a:r>
-              <a:rPr lang="en-US" altLang="ja-JP" dirty="0"/>
-              <a:t>…</a:t>
-            </a:r>
-            <a:r>
-              <a:rPr lang="ja-JP" altLang="en-US" dirty="0"/>
-              <a:t>が、この方法では、適合点</a:t>
-            </a:r>
-            <a:r>
-              <a:rPr lang="ja-JP" altLang="en-US" dirty="0" smtClean="0"/>
-              <a:t>で値が「異なる」の</a:t>
-            </a:r>
-            <a:r>
-              <a:rPr lang="ja-JP" altLang="en-US" dirty="0"/>
-              <a:t>で精度の高い解が</a:t>
-            </a:r>
-            <a:r>
-              <a:rPr lang="ja-JP" altLang="en-US" dirty="0" smtClean="0"/>
-              <a:t>得られない（私のプログラムがバグっている可能性もあるが</a:t>
-            </a:r>
-            <a:r>
-              <a:rPr lang="en-US" altLang="ja-JP" dirty="0"/>
-              <a:t>…</a:t>
-            </a:r>
-            <a:r>
-              <a:rPr lang="ja-JP" altLang="en-US" dirty="0" smtClean="0"/>
-              <a:t>まあ初期関数なので</a:t>
-            </a:r>
-            <a:r>
-              <a:rPr lang="en-US" altLang="ja-JP" dirty="0" smtClean="0"/>
-              <a:t>…</a:t>
-            </a:r>
-            <a:r>
-              <a:rPr lang="ja-JP" altLang="en-US" dirty="0" smtClean="0"/>
-              <a:t>）。</a:t>
-            </a:r>
-            <a:endParaRPr lang="ja-JP" altLang="en-US" dirty="0"/>
-          </a:p>
-          <a:p>
-            <a:endParaRPr kumimoji="1" lang="ja-JP" altLang="en-US" dirty="0"/>
-          </a:p>
-        </p:txBody>
-      </p:sp>
-      <p:graphicFrame>
-        <p:nvGraphicFramePr>
-          <p:cNvPr id="4" name="表 3"/>
-          <p:cNvGraphicFramePr>
-            <a:graphicFrameLocks noGrp="1"/>
-          </p:cNvGraphicFramePr>
-          <p:nvPr>
-            <p:extLst>
-              <p:ext uri="{D42A27DB-BD31-4B8C-83A1-F6EECF244321}">
-                <p14:modId xmlns:p14="http://schemas.microsoft.com/office/powerpoint/2010/main" val="1494058459"/>
-              </p:ext>
-            </p:extLst>
-          </p:nvPr>
-        </p:nvGraphicFramePr>
-        <p:xfrm>
-          <a:off x="1115616" y="4437112"/>
-          <a:ext cx="6984776" cy="2225040"/>
-        </p:xfrm>
-        <a:graphic>
-          <a:graphicData uri="http://schemas.openxmlformats.org/drawingml/2006/table">
-            <a:tbl>
-              <a:tblPr firstRow="1" bandRow="1">
-                <a:tableStyleId>{5C22544A-7EE6-4342-B048-85BDC9FD1C3A}</a:tableStyleId>
-              </a:tblPr>
-              <a:tblGrid>
-                <a:gridCol w="1152128"/>
-                <a:gridCol w="3456384"/>
-                <a:gridCol w="2376264"/>
-              </a:tblGrid>
-              <a:tr h="370840">
-                <a:tc>
-                  <a:txBody>
-                    <a:bodyPr/>
-                    <a:lstStyle/>
-                    <a:p>
-                      <a:pPr algn="ctr"/>
-                      <a:r>
-                        <a:rPr kumimoji="1" lang="en-US" altLang="ja-JP" dirty="0" smtClean="0"/>
-                        <a:t>x</a:t>
-                      </a:r>
-                      <a:endParaRPr kumimoji="1" lang="ja-JP" altLang="en-US" dirty="0"/>
-                    </a:p>
-                  </a:txBody>
-                  <a:tcPr/>
-                </a:tc>
-                <a:tc>
-                  <a:txBody>
-                    <a:bodyPr/>
-                    <a:lstStyle/>
-                    <a:p>
-                      <a:pPr algn="ctr"/>
-                      <a:r>
-                        <a:rPr kumimoji="1" lang="ja-JP" altLang="en-US" dirty="0" smtClean="0"/>
-                        <a:t>原点にごく近い点から解いた</a:t>
-                      </a:r>
-                      <a:r>
-                        <a:rPr kumimoji="1" lang="en-US" altLang="ja-JP" dirty="0" smtClean="0"/>
-                        <a:t>y(x)</a:t>
-                      </a:r>
-                      <a:endParaRPr kumimoji="1" lang="ja-JP" altLang="en-US" dirty="0"/>
-                    </a:p>
-                  </a:txBody>
-                  <a:tcPr/>
-                </a:tc>
-                <a:tc>
-                  <a:txBody>
-                    <a:bodyPr/>
-                    <a:lstStyle/>
-                    <a:p>
-                      <a:pPr algn="ctr"/>
-                      <a:r>
-                        <a:rPr kumimoji="1" lang="ja-JP" altLang="en-US" dirty="0" smtClean="0"/>
-                        <a:t>遠方から解いた</a:t>
-                      </a:r>
-                      <a:r>
-                        <a:rPr kumimoji="1" lang="en-US" altLang="ja-JP" dirty="0" smtClean="0"/>
-                        <a:t>y(x)</a:t>
-                      </a:r>
-                      <a:endParaRPr kumimoji="1" lang="ja-JP" altLang="en-US" dirty="0"/>
-                    </a:p>
-                  </a:txBody>
-                  <a:tcPr/>
-                </a:tc>
-              </a:tr>
-              <a:tr h="370840">
-                <a:tc>
-                  <a:txBody>
-                    <a:bodyPr/>
-                    <a:lstStyle/>
-                    <a:p>
-                      <a:pPr algn="ctr"/>
-                      <a:r>
-                        <a:rPr kumimoji="1" lang="en-US" altLang="ja-JP" dirty="0" smtClean="0"/>
-                        <a:t>4.98</a:t>
-                      </a:r>
-                      <a:endParaRPr kumimoji="1" lang="ja-JP" altLang="en-US" dirty="0"/>
-                    </a:p>
-                  </a:txBody>
-                  <a:tcPr/>
-                </a:tc>
-                <a:tc>
-                  <a:txBody>
-                    <a:bodyPr/>
-                    <a:lstStyle/>
-                    <a:p>
-                      <a:pPr algn="ctr"/>
-                      <a:r>
-                        <a:rPr kumimoji="1" lang="en-US" altLang="ja-JP" dirty="0" smtClean="0"/>
-                        <a:t>0.0788376</a:t>
-                      </a:r>
-                      <a:endParaRPr kumimoji="1" lang="ja-JP" altLang="en-US" dirty="0"/>
-                    </a:p>
-                  </a:txBody>
-                  <a:tcPr/>
-                </a:tc>
-                <a:tc>
-                  <a:txBody>
-                    <a:bodyPr/>
-                    <a:lstStyle/>
-                    <a:p>
-                      <a:endParaRPr kumimoji="1" lang="ja-JP" altLang="en-US" dirty="0"/>
-                    </a:p>
-                  </a:txBody>
-                  <a:tcPr/>
-                </a:tc>
-              </a:tr>
-              <a:tr h="370840">
-                <a:tc>
-                  <a:txBody>
-                    <a:bodyPr/>
-                    <a:lstStyle/>
-                    <a:p>
-                      <a:pPr algn="ctr"/>
-                      <a:r>
-                        <a:rPr kumimoji="1" lang="en-US" altLang="ja-JP" dirty="0" smtClean="0"/>
-                        <a:t>4.99</a:t>
-                      </a:r>
-                      <a:endParaRPr kumimoji="1" lang="ja-JP" altLang="en-US" dirty="0"/>
-                    </a:p>
-                  </a:txBody>
-                  <a:tcPr/>
-                </a:tc>
-                <a:tc>
-                  <a:txBody>
-                    <a:bodyPr/>
-                    <a:lstStyle/>
-                    <a:p>
-                      <a:pPr algn="ctr"/>
-                      <a:r>
-                        <a:rPr kumimoji="1" lang="en-US" altLang="ja-JP" dirty="0" smtClean="0"/>
-                        <a:t>0.0785983</a:t>
-                      </a:r>
-                      <a:endParaRPr kumimoji="1" lang="ja-JP" altLang="en-US" dirty="0"/>
-                    </a:p>
-                  </a:txBody>
-                  <a:tcPr/>
-                </a:tc>
-                <a:tc>
-                  <a:txBody>
-                    <a:bodyPr/>
-                    <a:lstStyle/>
-                    <a:p>
-                      <a:endParaRPr kumimoji="1" lang="ja-JP" altLang="en-US" dirty="0"/>
-                    </a:p>
-                  </a:txBody>
-                  <a:tcPr/>
-                </a:tc>
-              </a:tr>
-              <a:tr h="370840">
-                <a:tc>
-                  <a:txBody>
-                    <a:bodyPr/>
-                    <a:lstStyle/>
-                    <a:p>
-                      <a:pPr algn="ctr"/>
-                      <a:r>
-                        <a:rPr kumimoji="1" lang="en-US" altLang="ja-JP" dirty="0" smtClean="0"/>
-                        <a:t>5.00</a:t>
-                      </a:r>
-                      <a:endParaRPr kumimoji="1" lang="ja-JP" altLang="en-US" dirty="0"/>
-                    </a:p>
-                  </a:txBody>
-                  <a:tcPr/>
-                </a:tc>
-                <a:tc>
-                  <a:txBody>
-                    <a:bodyPr/>
-                    <a:lstStyle/>
-                    <a:p>
-                      <a:pPr algn="ctr"/>
-                      <a:r>
-                        <a:rPr kumimoji="1" lang="en-US" altLang="ja-JP" dirty="0" smtClean="0"/>
-                        <a:t>0.07</a:t>
-                      </a:r>
-                      <a:r>
-                        <a:rPr kumimoji="1" lang="en-US" altLang="ja-JP" baseline="0" dirty="0" smtClean="0">
-                          <a:solidFill>
-                            <a:srgbClr val="FF0000"/>
-                          </a:solidFill>
-                        </a:rPr>
-                        <a:t>83599</a:t>
-                      </a:r>
-                      <a:endParaRPr kumimoji="1" lang="ja-JP" altLang="en-US" baseline="0" dirty="0">
-                        <a:solidFill>
-                          <a:srgbClr val="FF0000"/>
-                        </a:solidFill>
-                      </a:endParaRPr>
-                    </a:p>
-                  </a:txBody>
-                  <a:tcPr/>
-                </a:tc>
-                <a:tc>
-                  <a:txBody>
-                    <a:bodyPr/>
-                    <a:lstStyle/>
-                    <a:p>
-                      <a:pPr algn="ctr"/>
-                      <a:r>
-                        <a:rPr kumimoji="1" lang="en-US" altLang="ja-JP" dirty="0" smtClean="0"/>
-                        <a:t>0.07</a:t>
-                      </a:r>
-                      <a:r>
-                        <a:rPr kumimoji="1" lang="en-US" altLang="ja-JP" baseline="0" dirty="0" smtClean="0">
-                          <a:solidFill>
-                            <a:srgbClr val="FF0000"/>
-                          </a:solidFill>
-                        </a:rPr>
-                        <a:t>92299</a:t>
-                      </a:r>
-                      <a:endParaRPr kumimoji="1" lang="ja-JP" altLang="en-US" baseline="0" dirty="0">
-                        <a:solidFill>
-                          <a:srgbClr val="FF0000"/>
-                        </a:solidFill>
-                      </a:endParaRPr>
-                    </a:p>
-                  </a:txBody>
-                  <a:tcPr/>
-                </a:tc>
-              </a:tr>
-              <a:tr h="370840">
-                <a:tc>
-                  <a:txBody>
-                    <a:bodyPr/>
-                    <a:lstStyle/>
-                    <a:p>
-                      <a:pPr algn="ctr"/>
-                      <a:r>
-                        <a:rPr kumimoji="1" lang="en-US" altLang="ja-JP" dirty="0" smtClean="0"/>
-                        <a:t>5.01</a:t>
-                      </a:r>
-                      <a:endParaRPr kumimoji="1" lang="ja-JP" altLang="en-US" dirty="0"/>
-                    </a:p>
-                  </a:txBody>
-                  <a:tcPr/>
-                </a:tc>
-                <a:tc>
-                  <a:txBody>
-                    <a:bodyPr/>
-                    <a:lstStyle/>
-                    <a:p>
-                      <a:endParaRPr kumimoji="1" lang="ja-JP" altLang="en-US" dirty="0"/>
-                    </a:p>
-                  </a:txBody>
-                  <a:tcPr/>
-                </a:tc>
-                <a:tc>
-                  <a:txBody>
-                    <a:bodyPr/>
-                    <a:lstStyle/>
-                    <a:p>
-                      <a:pPr algn="ctr"/>
-                      <a:r>
-                        <a:rPr kumimoji="1" lang="en-US" altLang="ja-JP" dirty="0" smtClean="0"/>
-                        <a:t>0.0789933</a:t>
-                      </a:r>
-                      <a:endParaRPr kumimoji="1" lang="ja-JP" altLang="en-US" dirty="0"/>
-                    </a:p>
-                  </a:txBody>
-                  <a:tcPr/>
-                </a:tc>
-              </a:tr>
-              <a:tr h="370840">
-                <a:tc>
-                  <a:txBody>
-                    <a:bodyPr/>
-                    <a:lstStyle/>
-                    <a:p>
-                      <a:pPr algn="ctr"/>
-                      <a:r>
-                        <a:rPr kumimoji="1" lang="en-US" altLang="ja-JP" dirty="0" smtClean="0"/>
-                        <a:t>5.02</a:t>
-                      </a:r>
-                      <a:endParaRPr kumimoji="1" lang="ja-JP" altLang="en-US" dirty="0"/>
-                    </a:p>
-                  </a:txBody>
-                  <a:tcPr/>
-                </a:tc>
-                <a:tc>
-                  <a:txBody>
-                    <a:bodyPr/>
-                    <a:lstStyle/>
-                    <a:p>
-                      <a:endParaRPr kumimoji="1" lang="ja-JP" altLang="en-US"/>
-                    </a:p>
-                  </a:txBody>
-                  <a:tcPr/>
-                </a:tc>
-                <a:tc>
-                  <a:txBody>
-                    <a:bodyPr/>
-                    <a:lstStyle/>
-                    <a:p>
-                      <a:pPr algn="ctr"/>
-                      <a:r>
-                        <a:rPr kumimoji="1" lang="en-US" altLang="ja-JP" dirty="0" smtClean="0"/>
-                        <a:t>0.0787575</a:t>
-                      </a:r>
-                      <a:endParaRPr kumimoji="1" lang="ja-JP" altLang="en-US" dirty="0"/>
-                    </a:p>
-                  </a:txBody>
-                  <a:tcPr/>
-                </a:tc>
-              </a:tr>
-            </a:tbl>
-          </a:graphicData>
-        </a:graphic>
-      </p:graphicFrame>
-    </p:spTree>
-    <p:extLst>
-      <p:ext uri="{BB962C8B-B14F-4D97-AF65-F5344CB8AC3E}">
-        <p14:creationId xmlns:p14="http://schemas.microsoft.com/office/powerpoint/2010/main" val="2122010460"/>
-      </p:ext>
-    </p:extLst>
-  </p:cSld>
-  <p:clrMapOvr>
-    <a:masterClrMapping/>
-  </p:clrMapOvr>
-  <p:timing>
-    <p:tnLst>
-      <p:par>
-        <p:cTn id="1" dur="indefinite" restart="never" nodeType="tmRoot"/>
-      </p:par>
-    </p:tnLst>
-  </p:timing>
-</p:sld>
-</file>
-
-<file path=ppt/slides/slide18.xml><?xml version="1.0" encoding="utf-8"?>
+<file path=ppt/slides/slide16.xml><?xml version="1.0" encoding="utf-8"?>
 <p:sld xmlns:a="http://schemas.openxmlformats.org/drawingml/2006/main" xmlns:r="http://schemas.openxmlformats.org/officeDocument/2006/relationships" xmlns:p="http://schemas.openxmlformats.org/presentationml/2006/main">
   <p:cSld>
     <p:spTree>
@@ -7195,7 +6443,7 @@
 </p:sld>
 </file>
 
-<file path=ppt/slides/slide19.xml><?xml version="1.0" encoding="utf-8"?>
+<file path=ppt/slides/slide17.xml><?xml version="1.0" encoding="utf-8"?>
 <p:sld xmlns:a="http://schemas.openxmlformats.org/drawingml/2006/main" xmlns:r="http://schemas.openxmlformats.org/officeDocument/2006/relationships" xmlns:p="http://schemas.openxmlformats.org/presentationml/2006/main">
   <p:cSld>
     <p:spTree>
@@ -7608,183 +6856,7 @@
 </p:sld>
 </file>
 
-<file path=ppt/slides/slide2.xml><?xml version="1.0" encoding="utf-8"?>
-<p:sld xmlns:a="http://schemas.openxmlformats.org/drawingml/2006/main" xmlns:r="http://schemas.openxmlformats.org/officeDocument/2006/relationships" xmlns:p="http://schemas.openxmlformats.org/presentationml/2006/main">
-  <p:cSld>
-    <p:spTree>
-      <p:nvGrpSpPr>
-        <p:cNvPr id="1" name=""/>
-        <p:cNvGrpSpPr/>
-        <p:nvPr/>
-      </p:nvGrpSpPr>
-      <p:grpSpPr>
-        <a:xfrm>
-          <a:off x="0" y="0"/>
-          <a:ext cx="0" cy="0"/>
-          <a:chOff x="0" y="0"/>
-          <a:chExt cx="0" cy="0"/>
-        </a:xfrm>
-      </p:grpSpPr>
-      <p:sp>
-        <p:nvSpPr>
-          <p:cNvPr id="4" name="タイトル 3"/>
-          <p:cNvSpPr>
-            <a:spLocks noGrp="1"/>
-          </p:cNvSpPr>
-          <p:nvPr>
-            <p:ph type="title"/>
-          </p:nvPr>
-        </p:nvSpPr>
-        <p:spPr/>
-        <p:txBody>
-          <a:bodyPr/>
-          <a:lstStyle/>
-          <a:p>
-            <a:r>
-              <a:rPr kumimoji="1" lang="ja-JP" altLang="en-US" dirty="0" smtClean="0"/>
-              <a:t>自己紹介</a:t>
-            </a:r>
-            <a:endParaRPr kumimoji="1" lang="ja-JP" altLang="en-US" dirty="0"/>
-          </a:p>
-        </p:txBody>
-      </p:sp>
-      <p:sp>
-        <p:nvSpPr>
-          <p:cNvPr id="5" name="コンテンツ プレースホルダー 4"/>
-          <p:cNvSpPr>
-            <a:spLocks noGrp="1"/>
-          </p:cNvSpPr>
-          <p:nvPr>
-            <p:ph sz="quarter" idx="1"/>
-          </p:nvPr>
-        </p:nvSpPr>
-        <p:spPr/>
-        <p:txBody>
-          <a:bodyPr/>
-          <a:lstStyle/>
-          <a:p>
-            <a:r>
-              <a:rPr kumimoji="1" lang="en-US" altLang="ja-JP" dirty="0" smtClean="0"/>
-              <a:t>Twitter: @dc1394</a:t>
-            </a:r>
-          </a:p>
-          <a:p>
-            <a:r>
-              <a:rPr kumimoji="1" lang="en-US" altLang="ja-JP" dirty="0" smtClean="0"/>
-              <a:t>C++</a:t>
-            </a:r>
-            <a:r>
-              <a:rPr kumimoji="1" lang="ja-JP" altLang="en-US" dirty="0" smtClean="0"/>
-              <a:t>とか</a:t>
-            </a:r>
-            <a:r>
-              <a:rPr kumimoji="1" lang="en-US" altLang="ja-JP" dirty="0" smtClean="0"/>
-              <a:t>C#</a:t>
-            </a:r>
-            <a:r>
-              <a:rPr kumimoji="1" lang="ja-JP" altLang="en-US" dirty="0" smtClean="0"/>
-              <a:t>とか</a:t>
-            </a:r>
-            <a:r>
-              <a:rPr kumimoji="1" lang="en-US" altLang="ja-JP" dirty="0" smtClean="0"/>
-              <a:t>Ruby</a:t>
-            </a:r>
-            <a:r>
-              <a:rPr kumimoji="1" lang="ja-JP" altLang="en-US" dirty="0" smtClean="0"/>
-              <a:t>が好きです（でもプログラマーで</a:t>
-            </a:r>
-            <a:r>
-              <a:rPr kumimoji="1" lang="ja-JP" altLang="en-US" dirty="0" smtClean="0"/>
-              <a:t>は</a:t>
-            </a:r>
-            <a:r>
-              <a:rPr lang="ja-JP" altLang="en-US" dirty="0"/>
-              <a:t>ありません</a:t>
-            </a:r>
-            <a:r>
-              <a:rPr lang="ja-JP" altLang="en-US" dirty="0" smtClean="0"/>
-              <a:t>）</a:t>
-            </a:r>
-            <a:r>
-              <a:rPr kumimoji="1" lang="ja-JP" altLang="en-US" dirty="0" smtClean="0"/>
-              <a:t>。</a:t>
-            </a:r>
-            <a:endParaRPr kumimoji="1" lang="en-US" altLang="ja-JP" dirty="0" smtClean="0"/>
-          </a:p>
-          <a:p>
-            <a:r>
-              <a:rPr lang="ja-JP" altLang="en-US" dirty="0"/>
-              <a:t>最も</a:t>
-            </a:r>
-            <a:r>
-              <a:rPr kumimoji="1" lang="ja-JP" altLang="en-US" dirty="0" smtClean="0"/>
-              <a:t>興味のあること</a:t>
-            </a:r>
-            <a:endParaRPr kumimoji="1" lang="en-US" altLang="ja-JP" dirty="0" smtClean="0"/>
-          </a:p>
-          <a:p>
-            <a:r>
-              <a:rPr lang="ja-JP" altLang="en-US" dirty="0" smtClean="0"/>
-              <a:t>・</a:t>
-            </a:r>
-            <a:r>
-              <a:rPr lang="ja-JP" altLang="en-US" dirty="0" smtClean="0"/>
-              <a:t>第一原理</a:t>
-            </a:r>
-            <a:r>
-              <a:rPr lang="ja-JP" altLang="en-US" dirty="0" smtClean="0"/>
-              <a:t>計算</a:t>
-            </a:r>
-            <a:endParaRPr lang="en-US" altLang="ja-JP" dirty="0" smtClean="0"/>
-          </a:p>
-          <a:p>
-            <a:r>
-              <a:rPr lang="ja-JP" altLang="en-US" dirty="0"/>
-              <a:t>・密度汎関数理論（</a:t>
-            </a:r>
-            <a:r>
-              <a:rPr lang="en-US" altLang="ja-JP" dirty="0"/>
-              <a:t>Density Functional Theory, DFT</a:t>
-            </a:r>
-            <a:r>
-              <a:rPr lang="ja-JP" altLang="en-US" dirty="0"/>
-              <a:t>）</a:t>
-            </a:r>
-            <a:endParaRPr lang="en-US" altLang="ja-JP" dirty="0" smtClean="0"/>
-          </a:p>
-          <a:p>
-            <a:r>
-              <a:rPr lang="ja-JP" altLang="en-US" dirty="0" smtClean="0"/>
-              <a:t>→量子力学の数値計算</a:t>
-            </a:r>
-            <a:endParaRPr kumimoji="1" lang="en-US" altLang="ja-JP" dirty="0" smtClean="0"/>
-          </a:p>
-          <a:p>
-            <a:endParaRPr kumimoji="1" lang="ja-JP" altLang="en-US" dirty="0"/>
-          </a:p>
-        </p:txBody>
-      </p:sp>
-    </p:spTree>
-    <p:extLst>
-      <p:ext uri="{BB962C8B-B14F-4D97-AF65-F5344CB8AC3E}">
-        <p14:creationId xmlns:p14="http://schemas.microsoft.com/office/powerpoint/2010/main" val="2907276678"/>
-      </p:ext>
-    </p:extLst>
-  </p:cSld>
-  <p:clrMapOvr>
-    <a:masterClrMapping/>
-  </p:clrMapOvr>
-  <p:timing>
-    <p:tnLst>
-      <p:par>
-        <p:cTn id="1" dur="indefinite" restart="never" nodeType="tmRoot"/>
-      </p:par>
-    </p:tnLst>
-  </p:timing>
-</p:sld>
-</file>
-
-<file path=ppt/slides/slide20.xml><?xml version="1.0" encoding="utf-8"?>
+<file path=ppt/slides/slide18.xml><?xml version="1.0" encoding="utf-8"?>
 <p:sld xmlns:a="http://schemas.openxmlformats.org/drawingml/2006/main" xmlns:r="http://schemas.openxmlformats.org/officeDocument/2006/relationships" xmlns:p="http://schemas.openxmlformats.org/presentationml/2006/main">
   <p:cSld>
     <p:spTree>
@@ -8025,7 +7097,7 @@
 </p:sld>
 </file>
 
-<file path=ppt/slides/slide21.xml><?xml version="1.0" encoding="utf-8"?>
+<file path=ppt/slides/slide19.xml><?xml version="1.0" encoding="utf-8"?>
 <p:sld xmlns:a="http://schemas.openxmlformats.org/drawingml/2006/main" xmlns:r="http://schemas.openxmlformats.org/officeDocument/2006/relationships" xmlns:p="http://schemas.openxmlformats.org/presentationml/2006/main">
   <p:cSld>
     <p:spTree>
@@ -8908,7 +7980,193 @@
 </p:sld>
 </file>
 
-<file path=ppt/slides/slide22.xml><?xml version="1.0" encoding="utf-8"?>
+<file path=ppt/slides/slide2.xml><?xml version="1.0" encoding="utf-8"?>
+<p:sld xmlns:a="http://schemas.openxmlformats.org/drawingml/2006/main" xmlns:r="http://schemas.openxmlformats.org/officeDocument/2006/relationships" xmlns:p="http://schemas.openxmlformats.org/presentationml/2006/main">
+  <p:cSld>
+    <p:spTree>
+      <p:nvGrpSpPr>
+        <p:cNvPr id="1" name=""/>
+        <p:cNvGrpSpPr/>
+        <p:nvPr/>
+      </p:nvGrpSpPr>
+      <p:grpSpPr>
+        <a:xfrm>
+          <a:off x="0" y="0"/>
+          <a:ext cx="0" cy="0"/>
+          <a:chOff x="0" y="0"/>
+          <a:chExt cx="0" cy="0"/>
+        </a:xfrm>
+      </p:grpSpPr>
+      <p:sp>
+        <p:nvSpPr>
+          <p:cNvPr id="4" name="タイトル 3"/>
+          <p:cNvSpPr>
+            <a:spLocks noGrp="1"/>
+          </p:cNvSpPr>
+          <p:nvPr>
+            <p:ph type="title"/>
+          </p:nvPr>
+        </p:nvSpPr>
+        <p:spPr/>
+        <p:txBody>
+          <a:bodyPr/>
+          <a:lstStyle/>
+          <a:p>
+            <a:r>
+              <a:rPr kumimoji="1" lang="ja-JP" altLang="en-US" dirty="0" smtClean="0"/>
+              <a:t>自己紹介</a:t>
+            </a:r>
+            <a:endParaRPr kumimoji="1" lang="ja-JP" altLang="en-US" dirty="0"/>
+          </a:p>
+        </p:txBody>
+      </p:sp>
+      <p:sp>
+        <p:nvSpPr>
+          <p:cNvPr id="5" name="コンテンツ プレースホルダー 4"/>
+          <p:cNvSpPr>
+            <a:spLocks noGrp="1"/>
+          </p:cNvSpPr>
+          <p:nvPr>
+            <p:ph sz="quarter" idx="1"/>
+          </p:nvPr>
+        </p:nvSpPr>
+        <p:spPr>
+          <a:xfrm>
+            <a:off x="612648" y="1600200"/>
+            <a:ext cx="8153400" cy="4997152"/>
+          </a:xfrm>
+        </p:spPr>
+        <p:txBody>
+          <a:bodyPr>
+            <a:normAutofit/>
+          </a:bodyPr>
+          <a:lstStyle/>
+          <a:p>
+            <a:r>
+              <a:rPr kumimoji="1" lang="en-US" altLang="ja-JP" dirty="0" smtClean="0"/>
+              <a:t>Twitter: @dc1394</a:t>
+            </a:r>
+          </a:p>
+          <a:p>
+            <a:r>
+              <a:rPr kumimoji="1" lang="en-US" altLang="ja-JP" dirty="0" smtClean="0"/>
+              <a:t>C++</a:t>
+            </a:r>
+            <a:r>
+              <a:rPr kumimoji="1" lang="ja-JP" altLang="en-US" dirty="0" smtClean="0"/>
+              <a:t>とか</a:t>
+            </a:r>
+            <a:r>
+              <a:rPr kumimoji="1" lang="en-US" altLang="ja-JP" dirty="0" smtClean="0"/>
+              <a:t>C#</a:t>
+            </a:r>
+            <a:r>
+              <a:rPr kumimoji="1" lang="ja-JP" altLang="en-US" dirty="0" smtClean="0"/>
+              <a:t>とか</a:t>
+            </a:r>
+            <a:r>
+              <a:rPr kumimoji="1" lang="en-US" altLang="ja-JP" dirty="0" smtClean="0"/>
+              <a:t>Ruby</a:t>
+            </a:r>
+            <a:r>
+              <a:rPr kumimoji="1" lang="ja-JP" altLang="en-US" dirty="0" smtClean="0"/>
+              <a:t>が好きです（でもプログラマーでは</a:t>
+            </a:r>
+            <a:r>
+              <a:rPr lang="ja-JP" altLang="en-US" dirty="0"/>
+              <a:t>ありません</a:t>
+            </a:r>
+            <a:r>
+              <a:rPr lang="ja-JP" altLang="en-US" dirty="0" smtClean="0"/>
+              <a:t>）</a:t>
+            </a:r>
+            <a:r>
+              <a:rPr kumimoji="1" lang="ja-JP" altLang="en-US" dirty="0" smtClean="0"/>
+              <a:t>。</a:t>
+            </a:r>
+            <a:endParaRPr kumimoji="1" lang="en-US" altLang="ja-JP" dirty="0" smtClean="0"/>
+          </a:p>
+          <a:p>
+            <a:r>
+              <a:rPr lang="ja-JP" altLang="en-US" dirty="0"/>
+              <a:t>数値計算を</a:t>
+            </a:r>
+            <a:r>
+              <a:rPr lang="ja-JP" altLang="en-US" dirty="0" smtClean="0"/>
+              <a:t>好みます。</a:t>
+            </a:r>
+            <a:endParaRPr kumimoji="1" lang="en-US" altLang="ja-JP" dirty="0" smtClean="0"/>
+          </a:p>
+          <a:p>
+            <a:r>
+              <a:rPr lang="ja-JP" altLang="en-US" dirty="0"/>
+              <a:t>最も</a:t>
+            </a:r>
+            <a:r>
+              <a:rPr kumimoji="1" lang="ja-JP" altLang="en-US" dirty="0" smtClean="0"/>
+              <a:t>興味の</a:t>
+            </a:r>
+            <a:r>
+              <a:rPr lang="ja-JP" altLang="en-US" dirty="0" smtClean="0"/>
+              <a:t>ある分野</a:t>
+            </a:r>
+            <a:endParaRPr kumimoji="1" lang="en-US" altLang="ja-JP" dirty="0" smtClean="0"/>
+          </a:p>
+          <a:p>
+            <a:r>
+              <a:rPr lang="ja-JP" altLang="en-US" dirty="0" smtClean="0"/>
+              <a:t>・第一原理計算</a:t>
+            </a:r>
+            <a:endParaRPr lang="en-US" altLang="ja-JP" dirty="0" smtClean="0"/>
+          </a:p>
+          <a:p>
+            <a:r>
+              <a:rPr lang="ja-JP" altLang="en-US" dirty="0"/>
+              <a:t>・密度汎関数理論（</a:t>
+            </a:r>
+            <a:r>
+              <a:rPr lang="en-US" altLang="ja-JP" dirty="0"/>
+              <a:t>Density Functional Theory, DFT</a:t>
+            </a:r>
+            <a:r>
+              <a:rPr lang="ja-JP" altLang="en-US" dirty="0"/>
+              <a:t>）</a:t>
+            </a:r>
+            <a:endParaRPr lang="en-US" altLang="ja-JP" dirty="0" smtClean="0"/>
+          </a:p>
+          <a:p>
+            <a:r>
+              <a:rPr lang="ja-JP" altLang="en-US" dirty="0" smtClean="0"/>
+              <a:t>→量子力学の数値計算</a:t>
+            </a:r>
+            <a:endParaRPr kumimoji="1" lang="en-US" altLang="ja-JP" dirty="0" smtClean="0"/>
+          </a:p>
+          <a:p>
+            <a:endParaRPr kumimoji="1" lang="ja-JP" altLang="en-US" dirty="0"/>
+          </a:p>
+        </p:txBody>
+      </p:sp>
+    </p:spTree>
+    <p:extLst>
+      <p:ext uri="{BB962C8B-B14F-4D97-AF65-F5344CB8AC3E}">
+        <p14:creationId xmlns:p14="http://schemas.microsoft.com/office/powerpoint/2010/main" val="2907276678"/>
+      </p:ext>
+    </p:extLst>
+  </p:cSld>
+  <p:clrMapOvr>
+    <a:masterClrMapping/>
+  </p:clrMapOvr>
+  <p:timing>
+    <p:tnLst>
+      <p:par>
+        <p:cTn id="1" dur="indefinite" restart="never" nodeType="tmRoot"/>
+      </p:par>
+    </p:tnLst>
+  </p:timing>
+</p:sld>
+</file>
+
+<file path=ppt/slides/slide20.xml><?xml version="1.0" encoding="utf-8"?>
 <p:sld xmlns:a="http://schemas.openxmlformats.org/drawingml/2006/main" xmlns:r="http://schemas.openxmlformats.org/officeDocument/2006/relationships" xmlns:p="http://schemas.openxmlformats.org/presentationml/2006/main">
   <p:cSld>
     <p:spTree>
@@ -9200,7 +8458,7 @@
 </p:sld>
 </file>
 
-<file path=ppt/slides/slide23.xml><?xml version="1.0" encoding="utf-8"?>
+<file path=ppt/slides/slide21.xml><?xml version="1.0" encoding="utf-8"?>
 <p:sld xmlns:a="http://schemas.openxmlformats.org/drawingml/2006/main" xmlns:r="http://schemas.openxmlformats.org/officeDocument/2006/relationships" xmlns:p="http://schemas.openxmlformats.org/presentationml/2006/main">
   <p:cSld>
     <p:spTree>
@@ -9289,7 +8547,7 @@
 </p:sld>
 </file>
 
-<file path=ppt/slides/slide24.xml><?xml version="1.0" encoding="utf-8"?>
+<file path=ppt/slides/slide22.xml><?xml version="1.0" encoding="utf-8"?>
 <p:sld xmlns:a="http://schemas.openxmlformats.org/drawingml/2006/main" xmlns:r="http://schemas.openxmlformats.org/officeDocument/2006/relationships" xmlns:p="http://schemas.openxmlformats.org/presentationml/2006/main">
   <p:cSld>
     <p:spTree>
@@ -9384,7 +8642,7 @@
 </p:sld>
 </file>
 
-<file path=ppt/slides/slide25.xml><?xml version="1.0" encoding="utf-8"?>
+<file path=ppt/slides/slide23.xml><?xml version="1.0" encoding="utf-8"?>
 <p:sld xmlns:a="http://schemas.openxmlformats.org/drawingml/2006/main" xmlns:r="http://schemas.openxmlformats.org/officeDocument/2006/relationships" xmlns:p="http://schemas.openxmlformats.org/presentationml/2006/main">
   <p:cSld>
     <p:spTree>
@@ -9491,7 +8749,7 @@
 </p:sld>
 </file>
 
-<file path=ppt/slides/slide26.xml><?xml version="1.0" encoding="utf-8"?>
+<file path=ppt/slides/slide24.xml><?xml version="1.0" encoding="utf-8"?>
 <p:sld xmlns:a="http://schemas.openxmlformats.org/drawingml/2006/main" xmlns:r="http://schemas.openxmlformats.org/officeDocument/2006/relationships" xmlns:p="http://schemas.openxmlformats.org/presentationml/2006/main">
   <p:cSld>
     <p:spTree>
@@ -9737,7 +8995,7 @@
 </p:sld>
 </file>
 
-<file path=ppt/slides/slide27.xml><?xml version="1.0" encoding="utf-8"?>
+<file path=ppt/slides/slide25.xml><?xml version="1.0" encoding="utf-8"?>
 <p:sld xmlns:a="http://schemas.openxmlformats.org/drawingml/2006/main" xmlns:r="http://schemas.openxmlformats.org/officeDocument/2006/relationships" xmlns:p="http://schemas.openxmlformats.org/presentationml/2006/main">
   <p:cSld>
     <p:spTree>
@@ -10395,7 +9653,7 @@
 </p:sld>
 </file>
 
-<file path=ppt/slides/slide28.xml><?xml version="1.0" encoding="utf-8"?>
+<file path=ppt/slides/slide26.xml><?xml version="1.0" encoding="utf-8"?>
 <p:sld xmlns:a="http://schemas.openxmlformats.org/drawingml/2006/main" xmlns:r="http://schemas.openxmlformats.org/officeDocument/2006/relationships" xmlns:p="http://schemas.openxmlformats.org/presentationml/2006/main">
   <p:cSld>
     <p:spTree>
@@ -10565,7 +9823,7 @@
 </p:sld>
 </file>
 
-<file path=ppt/slides/slide29.xml><?xml version="1.0" encoding="utf-8"?>
+<file path=ppt/slides/slide27.xml><?xml version="1.0" encoding="utf-8"?>
 <p:sld xmlns:a="http://schemas.openxmlformats.org/drawingml/2006/main" xmlns:r="http://schemas.openxmlformats.org/officeDocument/2006/relationships" xmlns:p="http://schemas.openxmlformats.org/presentationml/2006/main">
   <p:cSld>
     <p:spTree>
@@ -10776,19 +10034,15 @@
           </a:p>
           <a:p>
             <a:r>
-              <a:rPr lang="ja-JP" altLang="en-US" dirty="0"/>
-              <a:t>初期値の</a:t>
-            </a:r>
-            <a:r>
-              <a:rPr lang="ja-JP" altLang="en-US" dirty="0" smtClean="0"/>
-              <a:t>推定</a:t>
+              <a:rPr lang="ja-JP" altLang="en-US" dirty="0" smtClean="0"/>
+              <a:t>境界値の推定</a:t>
             </a:r>
             <a:endParaRPr lang="en-US" altLang="ja-JP" dirty="0" smtClean="0"/>
           </a:p>
           <a:p>
             <a:r>
               <a:rPr lang="en-US" altLang="ja-JP" dirty="0" err="1" smtClean="0"/>
-              <a:t>Boost.ODEInt</a:t>
+              <a:t>Boost.odeint</a:t>
             </a:r>
             <a:r>
               <a:rPr lang="ja-JP" altLang="en-US" dirty="0" smtClean="0"/>
@@ -10848,6 +10102,13 @@
   <p:clrMapOvr>
     <a:masterClrMapping/>
   </p:clrMapOvr>
+  <p:timing>
+    <p:tnLst>
+      <p:par>
+        <p:cTn id="1" dur="indefinite" restart="never" nodeType="tmRoot"/>
+      </p:par>
+    </p:tnLst>
+  </p:timing>
 </p:sld>
 </file>
 
@@ -12353,26 +11614,38 @@
           <a:lstStyle/>
           <a:p>
             <a:r>
-              <a:rPr lang="ja-JP" altLang="en-US" smtClean="0"/>
+              <a:rPr lang="ja-JP" altLang="en-US" dirty="0" smtClean="0"/>
               <a:t>この変数分離により、以下の二つの微分方程式が得られる。</a:t>
             </a:r>
-            <a:endParaRPr lang="en-US" altLang="ja-JP" smtClean="0"/>
-          </a:p>
-          <a:p>
-            <a:endParaRPr lang="en-US" altLang="ja-JP" smtClean="0"/>
-          </a:p>
-          <a:p>
-            <a:endParaRPr lang="en-US" altLang="ja-JP" smtClean="0"/>
-          </a:p>
-          <a:p>
-            <a:r>
-              <a:rPr lang="ja-JP" altLang="en-US" smtClean="0"/>
-              <a:t>第二式の解は、球面調和関数として解析的に得られる。従って、数値的に解くべき方程式は第一式である。</a:t>
-            </a:r>
-            <a:endParaRPr lang="en-US" altLang="ja-JP" smtClean="0"/>
-          </a:p>
-          <a:p>
-            <a:endParaRPr lang="en-US" altLang="ja-JP" smtClean="0"/>
+            <a:endParaRPr lang="en-US" altLang="ja-JP" dirty="0" smtClean="0"/>
+          </a:p>
+          <a:p>
+            <a:endParaRPr lang="en-US" altLang="ja-JP" dirty="0" smtClean="0"/>
+          </a:p>
+          <a:p>
+            <a:endParaRPr lang="en-US" altLang="ja-JP" dirty="0" smtClean="0"/>
+          </a:p>
+          <a:p>
+            <a:r>
+              <a:rPr lang="ja-JP" altLang="en-US" dirty="0" smtClean="0"/>
+              <a:t>第二式の解は、球面調和関数として解析的に得られる</a:t>
+            </a:r>
+            <a:r>
+              <a:rPr lang="ja-JP" altLang="en-US" dirty="0" smtClean="0"/>
+              <a:t>。</a:t>
+            </a:r>
+            <a:endParaRPr lang="en-US" altLang="ja-JP" dirty="0" smtClean="0"/>
+          </a:p>
+          <a:p>
+            <a:r>
+              <a:rPr lang="ja-JP" altLang="en-US" dirty="0" smtClean="0"/>
+              <a:t>従って</a:t>
+            </a:r>
+            <a:r>
+              <a:rPr lang="ja-JP" altLang="en-US" dirty="0" smtClean="0"/>
+              <a:t>、数値的に解くべき方程式は第一式である。</a:t>
+            </a:r>
+            <a:endParaRPr lang="en-US" altLang="ja-JP" dirty="0" smtClean="0"/>
           </a:p>
           <a:p>
             <a:endParaRPr lang="ja-JP" altLang="en-US" dirty="0"/>
@@ -12468,14 +11741,14 @@
           <a:lstStyle/>
           <a:p>
             <a:r>
-              <a:rPr lang="ja-JP" altLang="en-US" dirty="0" smtClean="0"/>
-              <a:t>数値</a:t>
-            </a:r>
-            <a:r>
-              <a:rPr lang="ja-JP" altLang="en-US" dirty="0" smtClean="0"/>
-              <a:t>解法上の困難</a:t>
-            </a:r>
-            <a:endParaRPr kumimoji="1" lang="ja-JP" altLang="en-US" dirty="0"/>
+              <a:rPr lang="en-US" altLang="ja-JP" dirty="0" err="1" smtClean="0"/>
+              <a:t>Sch</a:t>
+            </a:r>
+            <a:r>
+              <a:rPr lang="ja-JP" altLang="en-US" dirty="0" smtClean="0"/>
+              <a:t>方程式の数値解法上の困難</a:t>
+            </a:r>
+            <a:endParaRPr lang="ja-JP" altLang="en-US" dirty="0"/>
           </a:p>
         </p:txBody>
       </p:sp>
@@ -12489,38 +11762,39 @@
             <p:ph sz="quarter" idx="1"/>
           </p:nvPr>
         </p:nvSpPr>
-        <p:spPr>
-          <a:xfrm>
-            <a:off x="612648" y="1600200"/>
-            <a:ext cx="8153400" cy="5213176"/>
-          </a:xfrm>
-        </p:spPr>
-        <p:txBody>
-          <a:bodyPr>
-            <a:normAutofit fontScale="92500" lnSpcReduction="10000"/>
-          </a:bodyPr>
+        <p:spPr/>
+        <p:txBody>
+          <a:bodyPr/>
           <a:lstStyle/>
           <a:p>
             <a:endParaRPr lang="en-US" altLang="ja-JP" dirty="0" smtClean="0"/>
           </a:p>
           <a:p>
             <a:r>
-              <a:rPr lang="ja-JP" altLang="en-US" dirty="0"/>
-              <a:t>ここで</a:t>
-            </a:r>
-            <a:r>
-              <a:rPr lang="ja-JP" altLang="en-US" dirty="0" smtClean="0"/>
-              <a:t>、この常微分方程式の</a:t>
-            </a:r>
-            <a:r>
-              <a:rPr lang="ja-JP" altLang="en-US" dirty="0"/>
-              <a:t>境界条件は、</a:t>
-            </a:r>
-          </a:p>
-          <a:p>
+              <a:rPr lang="ja-JP" altLang="en-US" dirty="0" smtClean="0"/>
+              <a:t>ここで、この常微分方程式の境界条件は、</a:t>
+            </a:r>
+          </a:p>
+          <a:p>
+            <a:r>
+              <a:rPr lang="en-US" altLang="ja-JP" dirty="0" smtClean="0"/>
+              <a:t>L</a:t>
+            </a:r>
+            <a:r>
+              <a:rPr lang="en-US" altLang="ja-JP" baseline="-25000" dirty="0" smtClean="0"/>
+              <a:t>nl</a:t>
+            </a:r>
+            <a:r>
+              <a:rPr lang="en-US" altLang="ja-JP" dirty="0" smtClean="0"/>
+              <a:t>(0)=</a:t>
+            </a:r>
+            <a:r>
+              <a:rPr lang="ja-JP" altLang="en-US" dirty="0" smtClean="0"/>
+              <a:t>有限</a:t>
+            </a:r>
             <a:r>
               <a:rPr lang="en-US" altLang="ja-JP" dirty="0"/>
-              <a:t>L</a:t>
+              <a:t>, L</a:t>
             </a:r>
             <a:r>
               <a:rPr lang="en-US" altLang="ja-JP" baseline="-25000" dirty="0"/>
@@ -12528,45 +11802,44 @@
             </a:r>
             <a:r>
               <a:rPr lang="en-US" altLang="ja-JP" dirty="0"/>
-              <a:t>(0)=</a:t>
-            </a:r>
-            <a:r>
-              <a:rPr lang="ja-JP" altLang="en-US" dirty="0"/>
-              <a:t>有限</a:t>
-            </a:r>
-          </a:p>
-          <a:p>
-            <a:r>
-              <a:rPr lang="en-US" altLang="ja-JP" dirty="0"/>
-              <a:t>L</a:t>
-            </a:r>
-            <a:r>
-              <a:rPr lang="en-US" altLang="ja-JP" baseline="-25000" dirty="0"/>
-              <a:t>nl</a:t>
-            </a:r>
-            <a:r>
-              <a:rPr lang="en-US" altLang="ja-JP" dirty="0"/>
-              <a:t>(∞)=0</a:t>
-            </a:r>
-          </a:p>
-          <a:p>
-            <a:r>
-              <a:rPr lang="ja-JP" altLang="en-US" dirty="0"/>
-              <a:t>ノード数</a:t>
-            </a:r>
-            <a:r>
-              <a:rPr lang="en-US" altLang="ja-JP" dirty="0"/>
-              <a:t>=n-l-1</a:t>
-            </a:r>
-          </a:p>
-          <a:p>
-            <a:r>
-              <a:rPr lang="ja-JP" altLang="en-US" dirty="0" smtClean="0"/>
-              <a:t>である。しかし、この常微分方程式</a:t>
-            </a:r>
-            <a:r>
-              <a:rPr lang="ja-JP" altLang="en-US" dirty="0" smtClean="0"/>
-              <a:t>は固有方程式であり、</a:t>
+              <a:t>(∞</a:t>
+            </a:r>
+            <a:r>
+              <a:rPr lang="en-US" altLang="ja-JP" dirty="0" smtClean="0"/>
+              <a:t>)=0</a:t>
+            </a:r>
+            <a:r>
+              <a:rPr lang="ja-JP" altLang="en-US" dirty="0" smtClean="0"/>
+              <a:t>である。</a:t>
+            </a:r>
+            <a:endParaRPr lang="en-US" altLang="ja-JP" dirty="0" smtClean="0"/>
+          </a:p>
+          <a:p>
+            <a:r>
+              <a:rPr lang="ja-JP" altLang="en-US" dirty="0" smtClean="0"/>
+              <a:t>しかし、これらの境界条件は</a:t>
+            </a:r>
+            <a:r>
+              <a:rPr lang="ja-JP" altLang="en-US" dirty="0" smtClean="0"/>
+              <a:t>、この常微分方程式を数値的</a:t>
+            </a:r>
+            <a:r>
+              <a:rPr lang="ja-JP" altLang="en-US" dirty="0" smtClean="0"/>
+              <a:t>に解く上</a:t>
+            </a:r>
+            <a:r>
+              <a:rPr lang="ja-JP" altLang="en-US" dirty="0" smtClean="0"/>
+              <a:t>で、何</a:t>
+            </a:r>
+            <a:r>
+              <a:rPr lang="ja-JP" altLang="en-US" dirty="0" smtClean="0"/>
+              <a:t>も言っていないのと同じである。</a:t>
+            </a:r>
+          </a:p>
+          <a:p>
+            <a:r>
+              <a:rPr lang="ja-JP" altLang="en-US" dirty="0" smtClean="0"/>
+              <a:t>さらに、この常微分方程式は固有方程式であり、</a:t>
             </a:r>
             <a:r>
               <a:rPr lang="en-US" altLang="ja-JP" dirty="0" smtClean="0"/>
@@ -12585,17 +11858,6 @@
               <a:t>が固有値以外の値では解が発散する。</a:t>
             </a:r>
             <a:endParaRPr lang="en-US" altLang="ja-JP" dirty="0" smtClean="0"/>
-          </a:p>
-          <a:p>
-            <a:r>
-              <a:rPr lang="ja-JP" altLang="en-US" dirty="0" smtClean="0"/>
-              <a:t>また、原点が確定特異点であるので、原点から微分方程式を積分できない。そして当然ながら、</a:t>
-            </a:r>
-            <a:r>
-              <a:rPr kumimoji="1" lang="ja-JP" altLang="en-US" dirty="0" smtClean="0"/>
-              <a:t>コンピュータでは無限大を扱えないので、無限遠点から積分することも不可能である。</a:t>
-            </a:r>
-            <a:endParaRPr kumimoji="1" lang="ja-JP" altLang="en-US" dirty="0"/>
           </a:p>
         </p:txBody>
       </p:sp>
@@ -12664,85 +11926,69 @@
 
 <file path=ppt/tags/tag10.xml><?xml version="1.0" encoding="utf-8"?>
 <p:tagLst xmlns:a="http://schemas.openxmlformats.org/drawingml/2006/main" xmlns:r="http://schemas.openxmlformats.org/officeDocument/2006/relationships" xmlns:p="http://schemas.openxmlformats.org/presentationml/2006/main">
-  <p:tag name="TEXPOINT" val="latex"/>
-  <p:tag name="SOURCE" val="\documentclass{article}\pagestyle{empty}&#10;\usepackage{amsmath}&#10;\usepackage{amsfonts}%&#10;\setcounter{MaxMatrixCols}{30}%&#10;\usepackage{amssymb}%&#10;\usepackage{graphicx}&#10;\newtheorem{theorem}{\U{5b9a}\U{7406}}&#10;\newtheorem{acknowledgement}[theorem]{\U{627f}\U{8a8d}}&#10;\newtheorem{algorithm}[theorem]{\U{30a2}\U{30eb}\U{30b4}\U{30ea}\U{30ba}\U{30e0}}&#10;\newtheorem{axiom}[theorem]{\U{516c}\U{7406}}&#10;\newtheorem{case}[theorem]{\U{5834}\U{5408}}&#10;\newtheorem{claim}[theorem]{\U{4e3b}\U{5f35}}&#10;\newtheorem{conclusion}[theorem]{\U{7d50}\U{8ad6}}&#10;\newtheorem{condition}[theorem]{\U{6761}\U{4ef6}}&#10;\newtheorem{conjecture}[theorem]{\U{63a8}\U{8ad6}}&#10;\newtheorem{corollary}[theorem]{\U{7cfb}}&#10;\newtheorem{criterion}[theorem]{\U{57fa}\U{6e96}}&#10;\newtheorem{definition}[theorem]{\U{5b9a}\U{7fa9}}&#10;\newtheorem{example}[theorem]{\U{4f8b}}&#10;\newtheorem{exercise}[theorem]{\U{7df4}\U{7fd2}}&#10;\newtheorem{lemma}[theorem]{\U{88dc}\U{984c}}&#10;\newtheorem{notation}[theorem]{\U{8a18}\U{53f7}}&#10;\newtheorem{problem}[theorem]{\U{554f}\U{984c}}&#10;\newtheorem{proposition}[theorem]{\U{547d}\U{984c}}&#10;\newtheorem{remark}[theorem]{\U{8a18}\U{4e8b}}&#10;\newtheorem{solution}[theorem]{\U{89e3}\U{6cd5}}&#10;\newtheorem{summary}[theorem]{\U{8981}\U{7d04}}&#10;\newenvironment{proof}[1][\U{8a3c}\U{660e}]{\noindent\textbf{#1.} }{\ \rule{0.5em}{0.5em}}&#10;\begin{document}&#10;$y\left(  x\right)  =1+Bx+\dfrac{4}{3}x\sqrt{x}+\dfrac{2}{5}Bx^{\frac{5}{2}%&#10;}+\dfrac{1}{3}x^{3}+\ldots$&#10;\end{document}&#10;"/>
-  <p:tag name="FILENAME" val="TP_tmp"/>
-  <p:tag name="FORMAT" val="png16m"/>
-  <p:tag name="RES" val="1200"/>
-  <p:tag name="BLEND" val="0"/>
-  <p:tag name="TRANSPARENT" val="0"/>
-  <p:tag name="TBUG" val="0"/>
-  <p:tag name="ALLOWFS" val="0"/>
-  <p:tag name="ORIGWIDTH" val="197"/>
-  <p:tag name="PICTUREFILESIZE" val="12844"/>
+  <p:tag name="LATEXADDIN" val="\documentclass{article}&#10;\usepackage{amsmath}&#10;\pagestyle{empty}&#10;\begin{document}&#10;$\dfrac{d^{2}L_{nl}\left(  r\right)  }{dr^{2}}+\dfrac{2\left(  l+1\right)&#10;}{r}\dfrac{dL_{nl}\left(  r\right)  }{dr}=2\left[  V\left(  r\right)&#10;-E\right]  L_{nl}\left(  r\right)  $&#10;\end{document}"/>
+  <p:tag name="IGUANATEXSIZE" val="20"/>
 </p:tagLst>
 </file>
 
 <file path=ppt/tags/tag11.xml><?xml version="1.0" encoding="utf-8"?>
 <p:tagLst xmlns:a="http://schemas.openxmlformats.org/drawingml/2006/main" xmlns:r="http://schemas.openxmlformats.org/officeDocument/2006/relationships" xmlns:p="http://schemas.openxmlformats.org/presentationml/2006/main">
-  <p:tag name="TEXPOINT" val="latex"/>
-  <p:tag name="SOURCE" val="\documentclass{article}\pagestyle{empty}&#10;\usepackage{amsmath}&#10;\usepackage{amsfonts}%&#10;\setcounter{MaxMatrixCols}{30}%&#10;\usepackage{amssymb}%&#10;\usepackage{graphicx}&#10;\newtheorem{theorem}{\U{5b9a}\U{7406}}&#10;\newtheorem{acknowledgement}[theorem]{\U{627f}\U{8a8d}}&#10;\newtheorem{algorithm}[theorem]{\U{30a2}\U{30eb}\U{30b4}\U{30ea}\U{30ba}\U{30e0}}&#10;\newtheorem{axiom}[theorem]{\U{516c}\U{7406}}&#10;\newtheorem{case}[theorem]{\U{5834}\U{5408}}&#10;\newtheorem{claim}[theorem]{\U{4e3b}\U{5f35}}&#10;\newtheorem{conclusion}[theorem]{\U{7d50}\U{8ad6}}&#10;\newtheorem{condition}[theorem]{\U{6761}\U{4ef6}}&#10;\newtheorem{conjecture}[theorem]{\U{63a8}\U{8ad6}}&#10;\newtheorem{corollary}[theorem]{\U{7cfb}}&#10;\newtheorem{criterion}[theorem]{\U{57fa}\U{6e96}}&#10;\newtheorem{definition}[theorem]{\U{5b9a}\U{7fa9}}&#10;\newtheorem{example}[theorem]{\U{4f8b}}&#10;\newtheorem{exercise}[theorem]{\U{7df4}\U{7fd2}}&#10;\newtheorem{lemma}[theorem]{\U{88dc}\U{984c}}&#10;\newtheorem{notation}[theorem]{\U{8a18}\U{53f7}}&#10;\newtheorem{problem}[theorem]{\U{554f}\U{984c}}&#10;\newtheorem{proposition}[theorem]{\U{547d}\U{984c}}&#10;\newtheorem{remark}[theorem]{\U{8a18}\U{4e8b}}&#10;\newtheorem{solution}[theorem]{\U{89e3}\U{6cd5}}&#10;\newtheorem{summary}[theorem]{\U{8981}\U{7d04}}&#10;\newenvironment{proof}[1][\U{8a3c}\U{660e}]{\noindent\textbf{#1.} }{\ \rule{0.5em}{0.5em}}&#10;\begin{document}&#10;$y^{\prime}\left(  x\right)  =B+2\sqrt{x}+Bx^{\frac{3}{2}}+x^{2}+\dfrac{3}%&#10;{20}Bx^{\frac{5}{2}}+\ldots$&#10;\end{document}&#10;"/>
-  <p:tag name="FILENAME" val="TP_tmp"/>
-  <p:tag name="FORMAT" val="png16m"/>
-  <p:tag name="RES" val="1200"/>
-  <p:tag name="BLEND" val="0"/>
-  <p:tag name="TRANSPARENT" val="0"/>
-  <p:tag name="TBUG" val="0"/>
-  <p:tag name="ALLOWFS" val="0"/>
-  <p:tag name="ORIGWIDTH" val="199"/>
-  <p:tag name="PICTUREFILESIZE" val="13282"/>
+  <p:tag name="ORIGINALHEIGHT" val="341.9572"/>
+  <p:tag name="ORIGINALWIDTH" val="2068.991"/>
+  <p:tag name="LATEXADDIN" val="\documentclass{article}&#10;\usepackage{amsmath}&#10;\pagestyle{empty}&#10;\begin{document}&#10;\begin{tabular}&#10;[c]{ll}%&#10;$V\left(  r\right)  =%&#10;%TCIMACRO{\dsum \limits_{n=0}^{\infty}}%&#10;%BeginExpansion&#10;{\displaystyle\sum\limits_{n=0}^{\infty}}&#10;%EndExpansion&#10;a_{n}r^{n}$ &amp; $L_{nl}\left(  r\right)  =%&#10;%TCIMACRO{\dsum \limits_{m=0}^{\infty}}%&#10;%BeginExpansion&#10;{\displaystyle\sum\limits_{m=0}^{\infty}}&#10;%EndExpansion&#10;b_{m}r^{m}$%&#10;\end{tabular}&#10;&#10;&#10;&#10;\end{document}"/>
+  <p:tag name="IGUANATEXSIZE" val="20"/>
+  <p:tag name="IGUANATEXCURSOR" val="422"/>
 </p:tagLst>
 </file>
 
 <file path=ppt/tags/tag12.xml><?xml version="1.0" encoding="utf-8"?>
 <p:tagLst xmlns:a="http://schemas.openxmlformats.org/drawingml/2006/main" xmlns:r="http://schemas.openxmlformats.org/officeDocument/2006/relationships" xmlns:p="http://schemas.openxmlformats.org/presentationml/2006/main">
-  <p:tag name="TEXPOINT" val="latex"/>
-  <p:tag name="SOURCE" val="\documentclass{article}\pagestyle{empty}&#10;\usepackage{amsmath}&#10;\usepackage{amsfonts}%&#10;\setcounter{MaxMatrixCols}{30}%&#10;\usepackage{amssymb}%&#10;\usepackage{graphicx}&#10;\newtheorem{theorem}{\U{5b9a}\U{7406}}&#10;\newtheorem{acknowledgement}[theorem]{\U{627f}\U{8a8d}}&#10;\newtheorem{algorithm}[theorem]{\U{30a2}\U{30eb}\U{30b4}\U{30ea}\U{30ba}\U{30e0}}&#10;\newtheorem{axiom}[theorem]{\U{516c}\U{7406}}&#10;\newtheorem{case}[theorem]{\U{5834}\U{5408}}&#10;\newtheorem{claim}[theorem]{\U{4e3b}\U{5f35}}&#10;\newtheorem{conclusion}[theorem]{\U{7d50}\U{8ad6}}&#10;\newtheorem{condition}[theorem]{\U{6761}\U{4ef6}}&#10;\newtheorem{conjecture}[theorem]{\U{63a8}\U{8ad6}}&#10;\newtheorem{corollary}[theorem]{\U{7cfb}}&#10;\newtheorem{criterion}[theorem]{\U{57fa}\U{6e96}}&#10;\newtheorem{definition}[theorem]{\U{5b9a}\U{7fa9}}&#10;\newtheorem{example}[theorem]{\U{4f8b}}&#10;\newtheorem{exercise}[theorem]{\U{7df4}\U{7fd2}}&#10;\newtheorem{lemma}[theorem]{\U{88dc}\U{984c}}&#10;\newtheorem{notation}[theorem]{\U{8a18}\U{53f7}}&#10;\newtheorem{problem}[theorem]{\U{554f}\U{984c}}&#10;\newtheorem{proposition}[theorem]{\U{547d}\U{984c}}&#10;\newtheorem{remark}[theorem]{\U{8a18}\U{4e8b}}&#10;\newtheorem{solution}[theorem]{\U{89e3}\U{6cd5}}&#10;\newtheorem{summary}[theorem]{\U{8981}\U{7d04}}&#10;\newenvironment{proof}[1][\U{8a3c}\U{660e}]{\noindent\textbf{#1.} }{\ \rule{0.5em}{0.5em}}&#10;\begin{document}&#10;$B\approx-1.588076779$&#10;\end{document}&#10;"/>
-  <p:tag name="FILENAME" val="TP_tmp"/>
-  <p:tag name="FORMAT" val="png16m"/>
-  <p:tag name="RES" val="1200"/>
-  <p:tag name="BLEND" val="0"/>
-  <p:tag name="TRANSPARENT" val="0"/>
-  <p:tag name="TBUG" val="0"/>
-  <p:tag name="ALLOWFS" val="0"/>
-  <p:tag name="ORIGWIDTH" val="81"/>
-  <p:tag name="PICTUREFILESIZE" val="5843"/>
+  <p:tag name="ORIGINALHEIGHT" val="341.2073"/>
+  <p:tag name="ORIGINALWIDTH" val="3391.826"/>
+  <p:tag name="LATEXADDIN" val="\documentclass{article}&#10;\usepackage{amsmath}&#10;\pagestyle{empty}&#10;\begin{document}&#10;\begin{tabular}&#10;[c]{ll}%&#10;$\dfrac{dL_{nl}\left(  r\right)  }{dr}=%&#10;%TCIMACRO{\dsum \limits_{m=1}^{\infty}}%&#10;%BeginExpansion&#10;{\displaystyle\sum\limits_{m=1}^{\infty}}&#10;%EndExpansion&#10;mb_{m}r^{m-1}$ &amp; $\dfrac{d^{2}L_{nl}\left(  r\right)  }{dr^{2}}=%&#10;%TCIMACRO{\dsum \limits_{m=2}^{\infty}}%&#10;%BeginExpansion&#10;{\displaystyle\sum\limits_{m=2}^{\infty}}&#10;%EndExpansion&#10;m\left(  m-1\right)  b_{m}r^{m-2}$%&#10;\end{tabular}&#10;\end{document}"/>
+  <p:tag name="IGUANATEXSIZE" val="20"/>
+  <p:tag name="IGUANATEXCURSOR" val="488"/>
 </p:tagLst>
 </file>
 
 <file path=ppt/tags/tag13.xml><?xml version="1.0" encoding="utf-8"?>
 <p:tagLst xmlns:a="http://schemas.openxmlformats.org/drawingml/2006/main" xmlns:r="http://schemas.openxmlformats.org/officeDocument/2006/relationships" xmlns:p="http://schemas.openxmlformats.org/presentationml/2006/main">
-  <p:tag name="TEXPOINT" val="latex"/>
-  <p:tag name="SOURCE" val="\documentclass{article}\pagestyle{empty}&#10;\usepackage{amsmath}&#10;\usepackage{amsfonts}%&#10;\setcounter{MaxMatrixCols}{30}%&#10;\usepackage{amssymb}%&#10;\usepackage{graphicx}&#10;\newtheorem{theorem}{\U{5b9a}\U{7406}}&#10;\newtheorem{acknowledgement}[theorem]{\U{627f}\U{8a8d}}&#10;\newtheorem{algorithm}[theorem]{\U{30a2}\U{30eb}\U{30b4}\U{30ea}\U{30ba}\U{30e0}}&#10;\newtheorem{axiom}[theorem]{\U{516c}\U{7406}}&#10;\newtheorem{case}[theorem]{\U{5834}\U{5408}}&#10;\newtheorem{claim}[theorem]{\U{4e3b}\U{5f35}}&#10;\newtheorem{conclusion}[theorem]{\U{7d50}\U{8ad6}}&#10;\newtheorem{condition}[theorem]{\U{6761}\U{4ef6}}&#10;\newtheorem{conjecture}[theorem]{\U{63a8}\U{8ad6}}&#10;\newtheorem{corollary}[theorem]{\U{7cfb}}&#10;\newtheorem{criterion}[theorem]{\U{57fa}\U{6e96}}&#10;\newtheorem{definition}[theorem]{\U{5b9a}\U{7fa9}}&#10;\newtheorem{example}[theorem]{\U{4f8b}}&#10;\newtheorem{exercise}[theorem]{\U{7df4}\U{7fd2}}&#10;\newtheorem{lemma}[theorem]{\U{88dc}\U{984c}}&#10;\newtheorem{notation}[theorem]{\U{8a18}\U{53f7}}&#10;\newtheorem{problem}[theorem]{\U{554f}\U{984c}}&#10;\newtheorem{proposition}[theorem]{\U{547d}\U{984c}}&#10;\newtheorem{remark}[theorem]{\U{8a18}\U{4e8b}}&#10;\newtheorem{solution}[theorem]{\U{89e3}\U{6cd5}}&#10;\newtheorem{summary}[theorem]{\U{8981}\U{7d04}}&#10;\newenvironment{proof}[1][\U{8a3c}\U{660e}]{\noindent\textbf{#1.} }{\ \rule{0.5em}{0.5em}}&#10;\begin{document}&#10;$y\left(  x\right)  \simeq\dfrac{144}{x^{3}}$&#10;\end{document}&#10;"/>
-  <p:tag name="FILENAME" val="TP_tmp"/>
-  <p:tag name="FORMAT" val="png16m"/>
-  <p:tag name="RES" val="1200"/>
-  <p:tag name="BLEND" val="0"/>
-  <p:tag name="TRANSPARENT" val="0"/>
-  <p:tag name="TBUG" val="0"/>
-  <p:tag name="ALLOWFS" val="0"/>
-  <p:tag name="ORIGWIDTH" val="51"/>
-  <p:tag name="PICTUREFILESIZE" val="5488"/>
+  <p:tag name="LATEXADDIN" val="\documentclass{article}&#10;\usepackage{amsmath}&#10;\pagestyle{empty}&#10;\begin{document}&#10;$\dfrac{d^{2}L_{nl}\left(  r\right)  }{dr^{2}}+\dfrac{2\left(  l+1\right)&#10;}{r}\dfrac{dL_{nl}\left(  r\right)  }{dr}=2\left[  V\left(  r\right)&#10;-E\right]  L_{nl}\left(  r\right)  $&#10;\end{document}"/>
+  <p:tag name="IGUANATEXSIZE" val="20"/>
 </p:tagLst>
 </file>
 
 <file path=ppt/tags/tag14.xml><?xml version="1.0" encoding="utf-8"?>
 <p:tagLst xmlns:a="http://schemas.openxmlformats.org/drawingml/2006/main" xmlns:r="http://schemas.openxmlformats.org/officeDocument/2006/relationships" xmlns:p="http://schemas.openxmlformats.org/presentationml/2006/main">
-  <p:tag name="TEXPOINT" val="latex"/>
-  <p:tag name="SOURCE" val="\documentclass{article}\pagestyle{empty}&#10;\usepackage{amsmath}&#10;\usepackage{amsfonts}%&#10;\setcounter{MaxMatrixCols}{30}%&#10;\usepackage{amssymb}%&#10;\usepackage{graphicx}&#10;\newtheorem{theorem}{\U{5b9a}\U{7406}}&#10;\newtheorem{acknowledgement}[theorem]{\U{627f}\U{8a8d}}&#10;\newtheorem{algorithm}[theorem]{\U{30a2}\U{30eb}\U{30b4}\U{30ea}\U{30ba}\U{30e0}}&#10;\newtheorem{axiom}[theorem]{\U{516c}\U{7406}}&#10;\newtheorem{case}[theorem]{\U{5834}\U{5408}}&#10;\newtheorem{claim}[theorem]{\U{4e3b}\U{5f35}}&#10;\newtheorem{conclusion}[theorem]{\U{7d50}\U{8ad6}}&#10;\newtheorem{condition}[theorem]{\U{6761}\U{4ef6}}&#10;\newtheorem{conjecture}[theorem]{\U{63a8}\U{8ad6}}&#10;\newtheorem{corollary}[theorem]{\U{7cfb}}&#10;\newtheorem{criterion}[theorem]{\U{57fa}\U{6e96}}&#10;\newtheorem{definition}[theorem]{\U{5b9a}\U{7fa9}}&#10;\newtheorem{example}[theorem]{\U{4f8b}}&#10;\newtheorem{exercise}[theorem]{\U{7df4}\U{7fd2}}&#10;\newtheorem{lemma}[theorem]{\U{88dc}\U{984c}}&#10;\newtheorem{notation}[theorem]{\U{8a18}\U{53f7}}&#10;\newtheorem{problem}[theorem]{\U{554f}\U{984c}}&#10;\newtheorem{proposition}[theorem]{\U{547d}\U{984c}}&#10;\newtheorem{remark}[theorem]{\U{8a18}\U{4e8b}}&#10;\newtheorem{solution}[theorem]{\U{89e3}\U{6cd5}}&#10;\newtheorem{summary}[theorem]{\U{8981}\U{7d04}}&#10;\newenvironment{proof}[1][\U{8a3c}\U{660e}]{\noindent\textbf{#1.} }{\ \rule{0.5em}{0.5em}}&#10;\begin{document}&#10;$y\left(  x\right)  \simeq\dfrac{1}{\left[  1+\left(  \tfrac{x}{x_{0}}\right)&#10;^{\frac{3}{\lambda}}\right]  ^{\lambda}},y^{\prime}\left(  x\right)&#10;\simeq-\dfrac{\tfrac{3}{x_{0}}\left(  \tfrac{x}{x_{0}}\right)  ^{\frac&#10;{3}{\lambda}-1}}{\left[  1+\left(  \tfrac{x}{x_{0}}\right)  ^{\frac{3}%&#10;{\lambda}}\right]  ^{\lambda+1}}$&#10;\end{document}&#10;"/>
-  <p:tag name="FILENAME" val="TP_tmp"/>
-  <p:tag name="FORMAT" val="png16m"/>
-  <p:tag name="RES" val="1200"/>
-  <p:tag name="BLEND" val="0"/>
-  <p:tag name="TRANSPARENT" val="0"/>
-  <p:tag name="TBUG" val="0"/>
-  <p:tag name="ALLOWFS" val="0"/>
-  <p:tag name="ORIGWIDTH" val="222"/>
-  <p:tag name="PICTUREFILESIZE" val="25103"/>
+  <p:tag name="ORIGINALHEIGHT" val="341.9572"/>
+  <p:tag name="ORIGINALWIDTH" val="1876.265"/>
+  <p:tag name="LATEXADDIN" val="\documentclass{article}&#10;\usepackage{amsmath}&#10;\pagestyle{empty}&#10;\begin{document}&#10;$%&#10;%TCIMACRO{\dsum \limits_{m=0}^{\infty}}%&#10;%BeginExpansion&#10;{\displaystyle\sum\limits_{m=0}^{\infty}}&#10;%EndExpansion&#10;\left[  m\left(  m-1\right)  +2\left(  l+1\right)  \right]  b_{m}r^{m-2}$&#10;\end{document}"/>
+  <p:tag name="IGUANATEXSIZE" val="20"/>
+  <p:tag name="IGUANATEXCURSOR" val="270"/>
 </p:tagLst>
 </file>
 
 <file path=ppt/tags/tag15.xml><?xml version="1.0" encoding="utf-8"?>
+<p:tagLst xmlns:a="http://schemas.openxmlformats.org/drawingml/2006/main" xmlns:r="http://schemas.openxmlformats.org/officeDocument/2006/relationships" xmlns:p="http://schemas.openxmlformats.org/presentationml/2006/main">
+  <p:tag name="ORIGINALHEIGHT" val="341.9572"/>
+  <p:tag name="ORIGINALWIDTH" val="1879.265"/>
+  <p:tag name="LATEXADDIN" val="\documentclass{article}&#10;\usepackage{amsmath}&#10;\pagestyle{empty}&#10;\begin{document}&#10;$2%&#10;%TCIMACRO{\dsum \limits_{n=0}^{\infty}}%&#10;%BeginExpansion&#10;{\displaystyle\sum\limits_{n=0}^{\infty}}&#10;%EndExpansion%&#10;%TCIMACRO{\dsum \limits_{m=0}^{\infty}}%&#10;%BeginExpansion&#10;{\displaystyle\sum\limits_{m=0}^{\infty}}&#10;%EndExpansion&#10;a_{m}b_{m}r^{n+m}-2E%&#10;%TCIMACRO{\dsum \limits_{m=0}^{\infty}}%&#10;%BeginExpansion&#10;{\displaystyle\sum\limits_{m=0}^{\infty}}&#10;%EndExpansion&#10;b_{m}r^{m}$&#10;\end{document}"/>
+  <p:tag name="IGUANATEXSIZE" val="20"/>
+  <p:tag name="IGUANATEXCURSOR" val="472"/>
+</p:tagLst>
+</file>
+
+<file path=ppt/tags/tag16.xml><?xml version="1.0" encoding="utf-8"?>
+<p:tagLst xmlns:a="http://schemas.openxmlformats.org/drawingml/2006/main" xmlns:r="http://schemas.openxmlformats.org/officeDocument/2006/relationships" xmlns:p="http://schemas.openxmlformats.org/presentationml/2006/main">
+  <p:tag name="ORIGINALHEIGHT" val="1086.614"/>
+  <p:tag name="ORIGINALWIDTH" val="1259.843"/>
+  <p:tag name="LATEXADDIN" val="\documentclass{article}&#10;\usepackage{amsmath}&#10;\pagestyle{empty}&#10;\begin{document}&#10;\begin{tabular}&#10;[c]{l}%&#10;$b_{0}=arbitary$\\&#10;$b_{1}=0$\\&#10;$b_{2}=\dfrac{\left(  a_{0}-E\right)  b_{0}}{2l+3}$\\&#10;$b_{3}=\dfrac{a_{1}b_{0}}{3l+6}$\\&#10;$b_{4}=\dfrac{a_{0}b_{2}+a_{2}b_{0}-Eb_{2}}{4l+10}$%&#10;\end{tabular}&#10;\end{document}"/>
+  <p:tag name="IGUANATEXSIZE" val="20"/>
+  <p:tag name="IGUANATEXCURSOR" val="290"/>
+</p:tagLst>
+</file>
+
+<file path=ppt/tags/tag17.xml><?xml version="1.0" encoding="utf-8"?>
 <p:tagLst xmlns:a="http://schemas.openxmlformats.org/drawingml/2006/main" xmlns:r="http://schemas.openxmlformats.org/officeDocument/2006/relationships" xmlns:p="http://schemas.openxmlformats.org/presentationml/2006/main">
   <p:tag name="TEXPOINT" val="latex"/>
   <p:tag name="SOURCE" val="\documentclass{article}\pagestyle{empty}&#10;\usepackage{amsmath}&#10;\usepackage{amsfonts}%&#10;\setcounter{MaxMatrixCols}{30}%&#10;\usepackage{amssymb}%&#10;\usepackage{graphicx}&#10;\newtheorem{theorem}{\U{5b9a}\U{7406}}&#10;\newtheorem{acknowledgement}[theorem]{\U{627f}\U{8a8d}}&#10;\newtheorem{algorithm}[theorem]{\U{30a2}\U{30eb}\U{30b4}\U{30ea}\U{30ba}\U{30e0}}&#10;\newtheorem{axiom}[theorem]{\U{516c}\U{7406}}&#10;\newtheorem{case}[theorem]{\U{5834}\U{5408}}&#10;\newtheorem{claim}[theorem]{\U{4e3b}\U{5f35}}&#10;\newtheorem{conclusion}[theorem]{\U{7d50}\U{8ad6}}&#10;\newtheorem{condition}[theorem]{\U{6761}\U{4ef6}}&#10;\newtheorem{conjecture}[theorem]{\U{63a8}\U{8ad6}}&#10;\newtheorem{corollary}[theorem]{\U{7cfb}}&#10;\newtheorem{criterion}[theorem]{\U{57fa}\U{6e96}}&#10;\newtheorem{definition}[theorem]{\U{5b9a}\U{7fa9}}&#10;\newtheorem{example}[theorem]{\U{4f8b}}&#10;\newtheorem{exercise}[theorem]{\U{7df4}\U{7fd2}}&#10;\newtheorem{lemma}[theorem]{\U{88dc}\U{984c}}&#10;\newtheorem{notation}[theorem]{\U{8a18}\U{53f7}}&#10;\newtheorem{problem}[theorem]{\U{554f}\U{984c}}&#10;\newtheorem{proposition}[theorem]{\U{547d}\U{984c}}&#10;\newtheorem{remark}[theorem]{\U{8a18}\U{4e8b}}&#10;\newtheorem{solution}[theorem]{\U{89e3}\U{6cd5}}&#10;\newtheorem{summary}[theorem]{\U{8981}\U{7d04}}&#10;\newenvironment{proof}[1][\U{8a3c}\U{660e}]{\noindent\textbf{#1.} }{\ \rule{0.5em}{0.5em}}&#10;\begin{document}&#10;$\dfrac{d^{2}y\left(  x\right)  }{dx^{2}}=\beta\left(  x\right)  $&#10;\end{document}&#10;"/>
@@ -12755,38 +12001,6 @@
   <p:tag name="ALLOWFS" val="0"/>
   <p:tag name="ORIGWIDTH" val="66"/>
   <p:tag name="PICTUREFILESIZE" val="8144"/>
-</p:tagLst>
-</file>
-
-<file path=ppt/tags/tag16.xml><?xml version="1.0" encoding="utf-8"?>
-<p:tagLst xmlns:a="http://schemas.openxmlformats.org/drawingml/2006/main" xmlns:r="http://schemas.openxmlformats.org/officeDocument/2006/relationships" xmlns:p="http://schemas.openxmlformats.org/presentationml/2006/main">
-  <p:tag name="TEXPOINT" val="latex"/>
-  <p:tag name="SOURCE" val="\documentclass{article}\pagestyle{empty}&#10;\usepackage{amsmath}&#10;\usepackage{amsfonts}%&#10;\setcounter{MaxMatrixCols}{30}%&#10;\usepackage{amssymb}%&#10;\usepackage{graphicx}&#10;\newtheorem{theorem}{\U{5b9a}\U{7406}}&#10;\newtheorem{acknowledgement}[theorem]{\U{627f}\U{8a8d}}&#10;\newtheorem{algorithm}[theorem]{\U{30a2}\U{30eb}\U{30b4}\U{30ea}\U{30ba}\U{30e0}}&#10;\newtheorem{axiom}[theorem]{\U{516c}\U{7406}}&#10;\newtheorem{case}[theorem]{\U{5834}\U{5408}}&#10;\newtheorem{claim}[theorem]{\U{4e3b}\U{5f35}}&#10;\newtheorem{conclusion}[theorem]{\U{7d50}\U{8ad6}}&#10;\newtheorem{condition}[theorem]{\U{6761}\U{4ef6}}&#10;\newtheorem{conjecture}[theorem]{\U{63a8}\U{8ad6}}&#10;\newtheorem{corollary}[theorem]{\U{7cfb}}&#10;\newtheorem{criterion}[theorem]{\U{57fa}\U{6e96}}&#10;\newtheorem{definition}[theorem]{\U{5b9a}\U{7fa9}}&#10;\newtheorem{example}[theorem]{\U{4f8b}}&#10;\newtheorem{exercise}[theorem]{\U{7df4}\U{7fd2}}&#10;\newtheorem{lemma}[theorem]{\U{88dc}\U{984c}}&#10;\newtheorem{notation}[theorem]{\U{8a18}\U{53f7}}&#10;\newtheorem{problem}[theorem]{\U{554f}\U{984c}}&#10;\newtheorem{proposition}[theorem]{\U{547d}\U{984c}}&#10;\newtheorem{remark}[theorem]{\U{8a18}\U{4e8b}}&#10;\newtheorem{solution}[theorem]{\U{89e3}\U{6cd5}}&#10;\newtheorem{summary}[theorem]{\U{8981}\U{7d04}}&#10;\newenvironment{proof}[1][\U{8a3c}\U{660e}]{\noindent\textbf{#1.} }{\ \rule{0.5em}{0.5em}}&#10;\begin{document}&#10;$\dfrac{d^{2}y\left(  x\right)  }{dx^{2}}=\beta\left(  x\right)  \qquad&#10;\qquad(1)$&#10;\end{document}&#10;"/>
-  <p:tag name="FILENAME" val="TP_tmp"/>
-  <p:tag name="FORMAT" val="png16m"/>
-  <p:tag name="RES" val="1200"/>
-  <p:tag name="BLEND" val="0"/>
-  <p:tag name="TRANSPARENT" val="0"/>
-  <p:tag name="TBUG" val="0"/>
-  <p:tag name="ALLOWFS" val="0"/>
-  <p:tag name="ORIGWIDTH" val="120"/>
-  <p:tag name="PICTUREFILESIZE" val="9999"/>
-</p:tagLst>
-</file>
-
-<file path=ppt/tags/tag17.xml><?xml version="1.0" encoding="utf-8"?>
-<p:tagLst xmlns:a="http://schemas.openxmlformats.org/drawingml/2006/main" xmlns:r="http://schemas.openxmlformats.org/officeDocument/2006/relationships" xmlns:p="http://schemas.openxmlformats.org/presentationml/2006/main">
-  <p:tag name="TEXPOINT" val="latex"/>
-  <p:tag name="SOURCE" val="\documentclass{article}\pagestyle{empty}&#10;\usepackage{amsmath}&#10;\usepackage{amsfonts}%&#10;\setcounter{MaxMatrixCols}{30}%&#10;\usepackage{amssymb}%&#10;\usepackage{graphicx}&#10;\newtheorem{theorem}{\U{5b9a}\U{7406}}&#10;\newtheorem{acknowledgement}[theorem]{\U{627f}\U{8a8d}}&#10;\newtheorem{algorithm}[theorem]{\U{30a2}\U{30eb}\U{30b4}\U{30ea}\U{30ba}\U{30e0}}&#10;\newtheorem{axiom}[theorem]{\U{516c}\U{7406}}&#10;\newtheorem{case}[theorem]{\U{5834}\U{5408}}&#10;\newtheorem{claim}[theorem]{\U{4e3b}\U{5f35}}&#10;\newtheorem{conclusion}[theorem]{\U{7d50}\U{8ad6}}&#10;\newtheorem{condition}[theorem]{\U{6761}\U{4ef6}}&#10;\newtheorem{conjecture}[theorem]{\U{63a8}\U{8ad6}}&#10;\newtheorem{corollary}[theorem]{\U{7cfb}}&#10;\newtheorem{criterion}[theorem]{\U{57fa}\U{6e96}}&#10;\newtheorem{definition}[theorem]{\U{5b9a}\U{7fa9}}&#10;\newtheorem{example}[theorem]{\U{4f8b}}&#10;\newtheorem{exercise}[theorem]{\U{7df4}\U{7fd2}}&#10;\newtheorem{lemma}[theorem]{\U{88dc}\U{984c}}&#10;\newtheorem{notation}[theorem]{\U{8a18}\U{53f7}}&#10;\newtheorem{problem}[theorem]{\U{554f}\U{984c}}&#10;\newtheorem{proposition}[theorem]{\U{547d}\U{984c}}&#10;\newtheorem{remark}[theorem]{\U{8a18}\U{4e8b}}&#10;\newtheorem{solution}[theorem]{\U{89e3}\U{6cd5}}&#10;\newtheorem{summary}[theorem]{\U{8981}\U{7d04}}&#10;\newenvironment{proof}[1][\U{8a3c}\U{660e}]{\noindent\textbf{#1.} }{\ \rule{0.5em}{0.5em}}&#10;\begin{document}&#10;$\beta\left(  x\right)  =\dfrac{1}{\sqrt{x}}\left[  y\left(  x\right)&#10;\right]  ^{\frac{3}{2}}\qquad\qquad(2)$&#10;\end{document}&#10;"/>
-  <p:tag name="FILENAME" val="TP_tmp"/>
-  <p:tag name="FORMAT" val="png16m"/>
-  <p:tag name="RES" val="1200"/>
-  <p:tag name="BLEND" val="0"/>
-  <p:tag name="TRANSPARENT" val="0"/>
-  <p:tag name="TBUG" val="0"/>
-  <p:tag name="ALLOWFS" val="0"/>
-  <p:tag name="ORIGWIDTH" val="139"/>
-  <p:tag name="PICTUREFILESIZE" val="10211"/>
 </p:tagLst>
 </file>
 

--- a/福井技術者の集いその2_発表資料スライド.pptx
+++ b/福井技術者の集いその2_発表資料スライド.pptx
@@ -5,7 +5,7 @@
     <p:sldMasterId id="2147483744" r:id="rId1"/>
   </p:sldMasterIdLst>
   <p:notesMasterIdLst>
-    <p:notesMasterId r:id="rId29"/>
+    <p:notesMasterId r:id="rId28"/>
   </p:notesMasterIdLst>
   <p:sldIdLst>
     <p:sldId id="258" r:id="rId2"/>
@@ -21,25 +21,24 @@
     <p:sldId id="412" r:id="rId12"/>
     <p:sldId id="413" r:id="rId13"/>
     <p:sldId id="444" r:id="rId14"/>
-    <p:sldId id="414" r:id="rId15"/>
-    <p:sldId id="416" r:id="rId16"/>
-    <p:sldId id="418" r:id="rId17"/>
-    <p:sldId id="419" r:id="rId18"/>
-    <p:sldId id="420" r:id="rId19"/>
-    <p:sldId id="421" r:id="rId20"/>
-    <p:sldId id="422" r:id="rId21"/>
-    <p:sldId id="429" r:id="rId22"/>
-    <p:sldId id="423" r:id="rId23"/>
-    <p:sldId id="426" r:id="rId24"/>
-    <p:sldId id="424" r:id="rId25"/>
-    <p:sldId id="425" r:id="rId26"/>
-    <p:sldId id="427" r:id="rId27"/>
-    <p:sldId id="428" r:id="rId28"/>
+    <p:sldId id="416" r:id="rId15"/>
+    <p:sldId id="418" r:id="rId16"/>
+    <p:sldId id="419" r:id="rId17"/>
+    <p:sldId id="420" r:id="rId18"/>
+    <p:sldId id="421" r:id="rId19"/>
+    <p:sldId id="422" r:id="rId20"/>
+    <p:sldId id="429" r:id="rId21"/>
+    <p:sldId id="423" r:id="rId22"/>
+    <p:sldId id="426" r:id="rId23"/>
+    <p:sldId id="424" r:id="rId24"/>
+    <p:sldId id="425" r:id="rId25"/>
+    <p:sldId id="427" r:id="rId26"/>
+    <p:sldId id="428" r:id="rId27"/>
   </p:sldIdLst>
   <p:sldSz cx="9144000" cy="6858000" type="screen4x3"/>
   <p:notesSz cx="6858000" cy="9144000"/>
   <p:custDataLst>
-    <p:tags r:id="rId30"/>
+    <p:tags r:id="rId29"/>
   </p:custDataLst>
   <p:defaultTextStyle>
     <a:defPPr>
@@ -4858,11 +4857,7 @@
           <a:p>
             <a:r>
               <a:rPr lang="ja-JP" altLang="en-US" dirty="0" smtClean="0"/>
-              <a:t>従って、原点に十分近い点と、原点から非常に遠く離れた点で</a:t>
-            </a:r>
-            <a:r>
-              <a:rPr lang="ja-JP" altLang="en-US" dirty="0" smtClean="0"/>
-              <a:t>、</a:t>
+              <a:t>従って、原点に十分近い点と、原点から非常に遠く離れた点で、</a:t>
             </a:r>
             <a:r>
               <a:rPr lang="en-US" altLang="ja-JP" dirty="0"/>
@@ -4890,15 +4885,7 @@
             </a:r>
             <a:r>
               <a:rPr lang="ja-JP" altLang="en-US" dirty="0" smtClean="0"/>
-              <a:t>の値</a:t>
-            </a:r>
-            <a:r>
-              <a:rPr lang="ja-JP" altLang="en-US" dirty="0" smtClean="0"/>
-              <a:t>を</a:t>
-            </a:r>
-            <a:r>
-              <a:rPr lang="ja-JP" altLang="en-US" dirty="0" smtClean="0"/>
-              <a:t>調べ、その二つの点から微分方程式を解く。</a:t>
+              <a:t>の値を調べ、その二つの点から微分方程式を解く。</a:t>
             </a:r>
             <a:endParaRPr lang="en-US" altLang="ja-JP" dirty="0" smtClean="0"/>
           </a:p>
@@ -5086,11 +5073,7 @@
             </a:r>
             <a:r>
               <a:rPr lang="ja-JP" altLang="en-US" dirty="0" smtClean="0"/>
-              <a:t>がどう振る舞うか調べて</a:t>
-            </a:r>
-            <a:r>
-              <a:rPr lang="ja-JP" altLang="en-US" dirty="0" smtClean="0"/>
-              <a:t>みる（</a:t>
+              <a:t>がどう振る舞うか調べてみる（</a:t>
             </a:r>
             <a:r>
               <a:rPr lang="en-US" altLang="ja-JP" dirty="0" err="1" smtClean="0"/>
@@ -5098,11 +5081,7 @@
             </a:r>
             <a:r>
               <a:rPr lang="ja-JP" altLang="en-US" dirty="0" smtClean="0"/>
-              <a:t>の方法を</a:t>
-            </a:r>
-            <a:r>
-              <a:rPr lang="ja-JP" altLang="en-US" dirty="0" smtClean="0"/>
-              <a:t>用いる）。</a:t>
+              <a:t>の方法を用いる）。</a:t>
             </a:r>
             <a:endParaRPr lang="en-US" altLang="ja-JP" dirty="0" smtClean="0"/>
           </a:p>
@@ -5141,11 +5120,7 @@
             </a:r>
             <a:r>
               <a:rPr lang="ja-JP" altLang="en-US" dirty="0" smtClean="0"/>
-              <a:t>以下のよう</a:t>
-            </a:r>
-            <a:r>
-              <a:rPr lang="ja-JP" altLang="en-US" dirty="0" smtClean="0"/>
-              <a:t>に級数展開できるはずである。</a:t>
+              <a:t>以下のように級数展開できるはずである。</a:t>
             </a:r>
             <a:endParaRPr lang="en-US" altLang="ja-JP" dirty="0" smtClean="0"/>
           </a:p>
@@ -5691,182 +5666,6 @@
           <a:lstStyle/>
           <a:p>
             <a:r>
-              <a:rPr lang="en-US" altLang="ja-JP" dirty="0" smtClean="0"/>
-              <a:t>T-F</a:t>
-            </a:r>
-            <a:r>
-              <a:rPr kumimoji="1" lang="ja-JP" altLang="en-US" dirty="0" smtClean="0"/>
-              <a:t>方程式の問題</a:t>
-            </a:r>
-            <a:endParaRPr kumimoji="1" lang="ja-JP" altLang="en-US" dirty="0"/>
-          </a:p>
-        </p:txBody>
-      </p:sp>
-      <p:sp>
-        <p:nvSpPr>
-          <p:cNvPr id="3" name="コンテンツ プレースホルダー 2"/>
-          <p:cNvSpPr>
-            <a:spLocks noGrp="1"/>
-          </p:cNvSpPr>
-          <p:nvPr>
-            <p:ph sz="quarter" idx="1"/>
-          </p:nvPr>
-        </p:nvSpPr>
-        <p:spPr>
-          <a:xfrm>
-            <a:off x="612648" y="1600200"/>
-            <a:ext cx="8153400" cy="5069160"/>
-          </a:xfrm>
-        </p:spPr>
-        <p:txBody>
-          <a:bodyPr/>
-          <a:lstStyle/>
-          <a:p>
-            <a:r>
-              <a:rPr kumimoji="1" lang="ja-JP" altLang="en-US" dirty="0" smtClean="0"/>
-              <a:t>これで、原点にごく近い点での振る舞いと、遠方での振る舞いが分かった。これで常微分方程式の</a:t>
-            </a:r>
-            <a:r>
-              <a:rPr kumimoji="1" lang="en-US" altLang="ja-JP" dirty="0" smtClean="0"/>
-              <a:t>2</a:t>
-            </a:r>
-            <a:r>
-              <a:rPr kumimoji="1" lang="ja-JP" altLang="en-US" dirty="0" smtClean="0"/>
-              <a:t>点境界値問題に帰着したので、後は有限要素による離散化を行うだけ</a:t>
-            </a:r>
-            <a:r>
-              <a:rPr kumimoji="1" lang="en-US" altLang="ja-JP" dirty="0" smtClean="0"/>
-              <a:t>…</a:t>
-            </a:r>
-            <a:r>
-              <a:rPr kumimoji="1" lang="ja-JP" altLang="en-US" dirty="0" smtClean="0"/>
-              <a:t>としたいが、これだけでは解けない。</a:t>
-            </a:r>
-            <a:endParaRPr kumimoji="1" lang="en-US" altLang="ja-JP" dirty="0" smtClean="0"/>
-          </a:p>
-          <a:p>
-            <a:r>
-              <a:rPr lang="ja-JP" altLang="en-US" dirty="0"/>
-              <a:t>なぜなら</a:t>
-            </a:r>
-            <a:r>
-              <a:rPr lang="ja-JP" altLang="en-US" dirty="0" smtClean="0"/>
-              <a:t>、</a:t>
-            </a:r>
-            <a:r>
-              <a:rPr lang="en-US" altLang="ja-JP" dirty="0" smtClean="0"/>
-              <a:t>T-F</a:t>
-            </a:r>
-            <a:r>
-              <a:rPr lang="ja-JP" altLang="en-US" dirty="0" smtClean="0"/>
-              <a:t>方程式が非線形常微分方程式だからである。</a:t>
-            </a:r>
-            <a:endParaRPr lang="en-US" altLang="ja-JP" dirty="0" smtClean="0"/>
-          </a:p>
-          <a:p>
-            <a:r>
-              <a:rPr kumimoji="1" lang="ja-JP" altLang="en-US" dirty="0" smtClean="0"/>
-              <a:t>ここで、以下のような</a:t>
-            </a:r>
-            <a:r>
-              <a:rPr lang="ja-JP" altLang="en-US" dirty="0" smtClean="0"/>
-              <a:t>線形常</a:t>
-            </a:r>
-            <a:r>
-              <a:rPr kumimoji="1" lang="ja-JP" altLang="en-US" dirty="0" smtClean="0"/>
-              <a:t>微分方程式について考える。</a:t>
-            </a:r>
-            <a:endParaRPr kumimoji="1" lang="ja-JP" altLang="en-US" dirty="0"/>
-          </a:p>
-        </p:txBody>
-      </p:sp>
-      <p:pic>
-        <p:nvPicPr>
-          <p:cNvPr id="5" name="図 4"/>
-          <p:cNvPicPr>
-            <a:picLocks noChangeAspect="1"/>
-          </p:cNvPicPr>
-          <p:nvPr>
-            <p:custDataLst>
-              <p:tags r:id="rId1"/>
-            </p:custDataLst>
-          </p:nvPr>
-        </p:nvPicPr>
-        <p:blipFill>
-          <a:blip r:embed="rId3" cstate="print">
-            <a:extLst>
-              <a:ext uri="{28A0092B-C50C-407E-A947-70E740481C1C}">
-                <a14:useLocalDpi xmlns:a14="http://schemas.microsoft.com/office/drawing/2010/main" val="0"/>
-              </a:ext>
-            </a:extLst>
-          </a:blip>
-          <a:stretch>
-            <a:fillRect/>
-          </a:stretch>
-        </p:blipFill>
-        <p:spPr>
-          <a:xfrm>
-            <a:off x="1043608" y="5845260"/>
-            <a:ext cx="1676404" cy="583694"/>
-          </a:xfrm>
-          <a:prstGeom prst="rect">
-            <a:avLst/>
-          </a:prstGeom>
-        </p:spPr>
-      </p:pic>
-    </p:spTree>
-    <p:extLst>
-      <p:ext uri="{BB962C8B-B14F-4D97-AF65-F5344CB8AC3E}">
-        <p14:creationId xmlns:p14="http://schemas.microsoft.com/office/powerpoint/2010/main" val="2936967348"/>
-      </p:ext>
-    </p:extLst>
-  </p:cSld>
-  <p:clrMapOvr>
-    <a:masterClrMapping/>
-  </p:clrMapOvr>
-  <p:timing>
-    <p:tnLst>
-      <p:par>
-        <p:cTn id="1" dur="indefinite" restart="never" nodeType="tmRoot"/>
-      </p:par>
-    </p:tnLst>
-  </p:timing>
-</p:sld>
-</file>
-
-<file path=ppt/slides/slide15.xml><?xml version="1.0" encoding="utf-8"?>
-<p:sld xmlns:a="http://schemas.openxmlformats.org/drawingml/2006/main" xmlns:r="http://schemas.openxmlformats.org/officeDocument/2006/relationships" xmlns:p="http://schemas.openxmlformats.org/presentationml/2006/main">
-  <p:cSld>
-    <p:spTree>
-      <p:nvGrpSpPr>
-        <p:cNvPr id="1" name=""/>
-        <p:cNvGrpSpPr/>
-        <p:nvPr/>
-      </p:nvGrpSpPr>
-      <p:grpSpPr>
-        <a:xfrm>
-          <a:off x="0" y="0"/>
-          <a:ext cx="0" cy="0"/>
-          <a:chOff x="0" y="0"/>
-          <a:chExt cx="0" cy="0"/>
-        </a:xfrm>
-      </p:grpSpPr>
-      <p:sp>
-        <p:nvSpPr>
-          <p:cNvPr id="2" name="タイトル 1"/>
-          <p:cNvSpPr>
-            <a:spLocks noGrp="1"/>
-          </p:cNvSpPr>
-          <p:nvPr>
-            <p:ph type="title"/>
-          </p:nvPr>
-        </p:nvSpPr>
-        <p:spPr/>
-        <p:txBody>
-          <a:bodyPr/>
-          <a:lstStyle/>
-          <a:p>
-            <a:r>
               <a:rPr lang="ja-JP" altLang="en-US" dirty="0" smtClean="0"/>
               <a:t>初期関数</a:t>
             </a:r>
@@ -6159,7 +5958,7 @@
 </p:sld>
 </file>
 
-<file path=ppt/slides/slide16.xml><?xml version="1.0" encoding="utf-8"?>
+<file path=ppt/slides/slide15.xml><?xml version="1.0" encoding="utf-8"?>
 <p:sld xmlns:a="http://schemas.openxmlformats.org/drawingml/2006/main" xmlns:r="http://schemas.openxmlformats.org/officeDocument/2006/relationships" xmlns:p="http://schemas.openxmlformats.org/presentationml/2006/main">
   <p:cSld>
     <p:spTree>
@@ -6443,7 +6242,7 @@
 </p:sld>
 </file>
 
-<file path=ppt/slides/slide17.xml><?xml version="1.0" encoding="utf-8"?>
+<file path=ppt/slides/slide16.xml><?xml version="1.0" encoding="utf-8"?>
 <p:sld xmlns:a="http://schemas.openxmlformats.org/drawingml/2006/main" xmlns:r="http://schemas.openxmlformats.org/officeDocument/2006/relationships" xmlns:p="http://schemas.openxmlformats.org/presentationml/2006/main">
   <p:cSld>
     <p:spTree>
@@ -6856,7 +6655,7 @@
 </p:sld>
 </file>
 
-<file path=ppt/slides/slide18.xml><?xml version="1.0" encoding="utf-8"?>
+<file path=ppt/slides/slide17.xml><?xml version="1.0" encoding="utf-8"?>
 <p:sld xmlns:a="http://schemas.openxmlformats.org/drawingml/2006/main" xmlns:r="http://schemas.openxmlformats.org/officeDocument/2006/relationships" xmlns:p="http://schemas.openxmlformats.org/presentationml/2006/main">
   <p:cSld>
     <p:spTree>
@@ -7097,7 +6896,7 @@
 </p:sld>
 </file>
 
-<file path=ppt/slides/slide19.xml><?xml version="1.0" encoding="utf-8"?>
+<file path=ppt/slides/slide18.xml><?xml version="1.0" encoding="utf-8"?>
 <p:sld xmlns:a="http://schemas.openxmlformats.org/drawingml/2006/main" xmlns:r="http://schemas.openxmlformats.org/officeDocument/2006/relationships" xmlns:p="http://schemas.openxmlformats.org/presentationml/2006/main">
   <p:cSld>
     <p:spTree>
@@ -7980,193 +7779,7 @@
 </p:sld>
 </file>
 
-<file path=ppt/slides/slide2.xml><?xml version="1.0" encoding="utf-8"?>
-<p:sld xmlns:a="http://schemas.openxmlformats.org/drawingml/2006/main" xmlns:r="http://schemas.openxmlformats.org/officeDocument/2006/relationships" xmlns:p="http://schemas.openxmlformats.org/presentationml/2006/main">
-  <p:cSld>
-    <p:spTree>
-      <p:nvGrpSpPr>
-        <p:cNvPr id="1" name=""/>
-        <p:cNvGrpSpPr/>
-        <p:nvPr/>
-      </p:nvGrpSpPr>
-      <p:grpSpPr>
-        <a:xfrm>
-          <a:off x="0" y="0"/>
-          <a:ext cx="0" cy="0"/>
-          <a:chOff x="0" y="0"/>
-          <a:chExt cx="0" cy="0"/>
-        </a:xfrm>
-      </p:grpSpPr>
-      <p:sp>
-        <p:nvSpPr>
-          <p:cNvPr id="4" name="タイトル 3"/>
-          <p:cNvSpPr>
-            <a:spLocks noGrp="1"/>
-          </p:cNvSpPr>
-          <p:nvPr>
-            <p:ph type="title"/>
-          </p:nvPr>
-        </p:nvSpPr>
-        <p:spPr/>
-        <p:txBody>
-          <a:bodyPr/>
-          <a:lstStyle/>
-          <a:p>
-            <a:r>
-              <a:rPr kumimoji="1" lang="ja-JP" altLang="en-US" dirty="0" smtClean="0"/>
-              <a:t>自己紹介</a:t>
-            </a:r>
-            <a:endParaRPr kumimoji="1" lang="ja-JP" altLang="en-US" dirty="0"/>
-          </a:p>
-        </p:txBody>
-      </p:sp>
-      <p:sp>
-        <p:nvSpPr>
-          <p:cNvPr id="5" name="コンテンツ プレースホルダー 4"/>
-          <p:cNvSpPr>
-            <a:spLocks noGrp="1"/>
-          </p:cNvSpPr>
-          <p:nvPr>
-            <p:ph sz="quarter" idx="1"/>
-          </p:nvPr>
-        </p:nvSpPr>
-        <p:spPr>
-          <a:xfrm>
-            <a:off x="612648" y="1600200"/>
-            <a:ext cx="8153400" cy="4997152"/>
-          </a:xfrm>
-        </p:spPr>
-        <p:txBody>
-          <a:bodyPr>
-            <a:normAutofit/>
-          </a:bodyPr>
-          <a:lstStyle/>
-          <a:p>
-            <a:r>
-              <a:rPr kumimoji="1" lang="en-US" altLang="ja-JP" dirty="0" smtClean="0"/>
-              <a:t>Twitter: @dc1394</a:t>
-            </a:r>
-          </a:p>
-          <a:p>
-            <a:r>
-              <a:rPr kumimoji="1" lang="en-US" altLang="ja-JP" dirty="0" smtClean="0"/>
-              <a:t>C++</a:t>
-            </a:r>
-            <a:r>
-              <a:rPr kumimoji="1" lang="ja-JP" altLang="en-US" dirty="0" smtClean="0"/>
-              <a:t>とか</a:t>
-            </a:r>
-            <a:r>
-              <a:rPr kumimoji="1" lang="en-US" altLang="ja-JP" dirty="0" smtClean="0"/>
-              <a:t>C#</a:t>
-            </a:r>
-            <a:r>
-              <a:rPr kumimoji="1" lang="ja-JP" altLang="en-US" dirty="0" smtClean="0"/>
-              <a:t>とか</a:t>
-            </a:r>
-            <a:r>
-              <a:rPr kumimoji="1" lang="en-US" altLang="ja-JP" dirty="0" smtClean="0"/>
-              <a:t>Ruby</a:t>
-            </a:r>
-            <a:r>
-              <a:rPr kumimoji="1" lang="ja-JP" altLang="en-US" dirty="0" smtClean="0"/>
-              <a:t>が好きです（でもプログラマーでは</a:t>
-            </a:r>
-            <a:r>
-              <a:rPr lang="ja-JP" altLang="en-US" dirty="0"/>
-              <a:t>ありません</a:t>
-            </a:r>
-            <a:r>
-              <a:rPr lang="ja-JP" altLang="en-US" dirty="0" smtClean="0"/>
-              <a:t>）</a:t>
-            </a:r>
-            <a:r>
-              <a:rPr kumimoji="1" lang="ja-JP" altLang="en-US" dirty="0" smtClean="0"/>
-              <a:t>。</a:t>
-            </a:r>
-            <a:endParaRPr kumimoji="1" lang="en-US" altLang="ja-JP" dirty="0" smtClean="0"/>
-          </a:p>
-          <a:p>
-            <a:r>
-              <a:rPr lang="ja-JP" altLang="en-US" dirty="0"/>
-              <a:t>数値計算を</a:t>
-            </a:r>
-            <a:r>
-              <a:rPr lang="ja-JP" altLang="en-US" dirty="0" smtClean="0"/>
-              <a:t>好みます。</a:t>
-            </a:r>
-            <a:endParaRPr kumimoji="1" lang="en-US" altLang="ja-JP" dirty="0" smtClean="0"/>
-          </a:p>
-          <a:p>
-            <a:r>
-              <a:rPr lang="ja-JP" altLang="en-US" dirty="0"/>
-              <a:t>最も</a:t>
-            </a:r>
-            <a:r>
-              <a:rPr kumimoji="1" lang="ja-JP" altLang="en-US" dirty="0" smtClean="0"/>
-              <a:t>興味の</a:t>
-            </a:r>
-            <a:r>
-              <a:rPr lang="ja-JP" altLang="en-US" dirty="0" smtClean="0"/>
-              <a:t>ある分野</a:t>
-            </a:r>
-            <a:endParaRPr kumimoji="1" lang="en-US" altLang="ja-JP" dirty="0" smtClean="0"/>
-          </a:p>
-          <a:p>
-            <a:r>
-              <a:rPr lang="ja-JP" altLang="en-US" dirty="0" smtClean="0"/>
-              <a:t>・第一原理計算</a:t>
-            </a:r>
-            <a:endParaRPr lang="en-US" altLang="ja-JP" dirty="0" smtClean="0"/>
-          </a:p>
-          <a:p>
-            <a:r>
-              <a:rPr lang="ja-JP" altLang="en-US" dirty="0"/>
-              <a:t>・密度汎関数理論（</a:t>
-            </a:r>
-            <a:r>
-              <a:rPr lang="en-US" altLang="ja-JP" dirty="0"/>
-              <a:t>Density Functional Theory, DFT</a:t>
-            </a:r>
-            <a:r>
-              <a:rPr lang="ja-JP" altLang="en-US" dirty="0"/>
-              <a:t>）</a:t>
-            </a:r>
-            <a:endParaRPr lang="en-US" altLang="ja-JP" dirty="0" smtClean="0"/>
-          </a:p>
-          <a:p>
-            <a:r>
-              <a:rPr lang="ja-JP" altLang="en-US" dirty="0" smtClean="0"/>
-              <a:t>→量子力学の数値計算</a:t>
-            </a:r>
-            <a:endParaRPr kumimoji="1" lang="en-US" altLang="ja-JP" dirty="0" smtClean="0"/>
-          </a:p>
-          <a:p>
-            <a:endParaRPr kumimoji="1" lang="ja-JP" altLang="en-US" dirty="0"/>
-          </a:p>
-        </p:txBody>
-      </p:sp>
-    </p:spTree>
-    <p:extLst>
-      <p:ext uri="{BB962C8B-B14F-4D97-AF65-F5344CB8AC3E}">
-        <p14:creationId xmlns:p14="http://schemas.microsoft.com/office/powerpoint/2010/main" val="2907276678"/>
-      </p:ext>
-    </p:extLst>
-  </p:cSld>
-  <p:clrMapOvr>
-    <a:masterClrMapping/>
-  </p:clrMapOvr>
-  <p:timing>
-    <p:tnLst>
-      <p:par>
-        <p:cTn id="1" dur="indefinite" restart="never" nodeType="tmRoot"/>
-      </p:par>
-    </p:tnLst>
-  </p:timing>
-</p:sld>
-</file>
-
-<file path=ppt/slides/slide20.xml><?xml version="1.0" encoding="utf-8"?>
+<file path=ppt/slides/slide19.xml><?xml version="1.0" encoding="utf-8"?>
 <p:sld xmlns:a="http://schemas.openxmlformats.org/drawingml/2006/main" xmlns:r="http://schemas.openxmlformats.org/officeDocument/2006/relationships" xmlns:p="http://schemas.openxmlformats.org/presentationml/2006/main">
   <p:cSld>
     <p:spTree>
@@ -8458,7 +8071,193 @@
 </p:sld>
 </file>
 
-<file path=ppt/slides/slide21.xml><?xml version="1.0" encoding="utf-8"?>
+<file path=ppt/slides/slide2.xml><?xml version="1.0" encoding="utf-8"?>
+<p:sld xmlns:a="http://schemas.openxmlformats.org/drawingml/2006/main" xmlns:r="http://schemas.openxmlformats.org/officeDocument/2006/relationships" xmlns:p="http://schemas.openxmlformats.org/presentationml/2006/main">
+  <p:cSld>
+    <p:spTree>
+      <p:nvGrpSpPr>
+        <p:cNvPr id="1" name=""/>
+        <p:cNvGrpSpPr/>
+        <p:nvPr/>
+      </p:nvGrpSpPr>
+      <p:grpSpPr>
+        <a:xfrm>
+          <a:off x="0" y="0"/>
+          <a:ext cx="0" cy="0"/>
+          <a:chOff x="0" y="0"/>
+          <a:chExt cx="0" cy="0"/>
+        </a:xfrm>
+      </p:grpSpPr>
+      <p:sp>
+        <p:nvSpPr>
+          <p:cNvPr id="4" name="タイトル 3"/>
+          <p:cNvSpPr>
+            <a:spLocks noGrp="1"/>
+          </p:cNvSpPr>
+          <p:nvPr>
+            <p:ph type="title"/>
+          </p:nvPr>
+        </p:nvSpPr>
+        <p:spPr/>
+        <p:txBody>
+          <a:bodyPr/>
+          <a:lstStyle/>
+          <a:p>
+            <a:r>
+              <a:rPr kumimoji="1" lang="ja-JP" altLang="en-US" dirty="0" smtClean="0"/>
+              <a:t>自己紹介</a:t>
+            </a:r>
+            <a:endParaRPr kumimoji="1" lang="ja-JP" altLang="en-US" dirty="0"/>
+          </a:p>
+        </p:txBody>
+      </p:sp>
+      <p:sp>
+        <p:nvSpPr>
+          <p:cNvPr id="5" name="コンテンツ プレースホルダー 4"/>
+          <p:cNvSpPr>
+            <a:spLocks noGrp="1"/>
+          </p:cNvSpPr>
+          <p:nvPr>
+            <p:ph sz="quarter" idx="1"/>
+          </p:nvPr>
+        </p:nvSpPr>
+        <p:spPr>
+          <a:xfrm>
+            <a:off x="612648" y="1600200"/>
+            <a:ext cx="8153400" cy="4997152"/>
+          </a:xfrm>
+        </p:spPr>
+        <p:txBody>
+          <a:bodyPr>
+            <a:normAutofit/>
+          </a:bodyPr>
+          <a:lstStyle/>
+          <a:p>
+            <a:r>
+              <a:rPr kumimoji="1" lang="en-US" altLang="ja-JP" dirty="0" smtClean="0"/>
+              <a:t>Twitter: @dc1394</a:t>
+            </a:r>
+          </a:p>
+          <a:p>
+            <a:r>
+              <a:rPr kumimoji="1" lang="en-US" altLang="ja-JP" dirty="0" smtClean="0"/>
+              <a:t>C++</a:t>
+            </a:r>
+            <a:r>
+              <a:rPr kumimoji="1" lang="ja-JP" altLang="en-US" dirty="0" smtClean="0"/>
+              <a:t>とか</a:t>
+            </a:r>
+            <a:r>
+              <a:rPr kumimoji="1" lang="en-US" altLang="ja-JP" dirty="0" smtClean="0"/>
+              <a:t>C#</a:t>
+            </a:r>
+            <a:r>
+              <a:rPr kumimoji="1" lang="ja-JP" altLang="en-US" dirty="0" smtClean="0"/>
+              <a:t>とか</a:t>
+            </a:r>
+            <a:r>
+              <a:rPr kumimoji="1" lang="en-US" altLang="ja-JP" dirty="0" smtClean="0"/>
+              <a:t>Ruby</a:t>
+            </a:r>
+            <a:r>
+              <a:rPr kumimoji="1" lang="ja-JP" altLang="en-US" dirty="0" smtClean="0"/>
+              <a:t>が好きです（でもプログラマーでは</a:t>
+            </a:r>
+            <a:r>
+              <a:rPr lang="ja-JP" altLang="en-US" dirty="0"/>
+              <a:t>ありません</a:t>
+            </a:r>
+            <a:r>
+              <a:rPr lang="ja-JP" altLang="en-US" dirty="0" smtClean="0"/>
+              <a:t>）</a:t>
+            </a:r>
+            <a:r>
+              <a:rPr kumimoji="1" lang="ja-JP" altLang="en-US" dirty="0" smtClean="0"/>
+              <a:t>。</a:t>
+            </a:r>
+            <a:endParaRPr kumimoji="1" lang="en-US" altLang="ja-JP" dirty="0" smtClean="0"/>
+          </a:p>
+          <a:p>
+            <a:r>
+              <a:rPr lang="ja-JP" altLang="en-US" dirty="0"/>
+              <a:t>数値計算を</a:t>
+            </a:r>
+            <a:r>
+              <a:rPr lang="ja-JP" altLang="en-US" dirty="0" smtClean="0"/>
+              <a:t>好みます。</a:t>
+            </a:r>
+            <a:endParaRPr kumimoji="1" lang="en-US" altLang="ja-JP" dirty="0" smtClean="0"/>
+          </a:p>
+          <a:p>
+            <a:r>
+              <a:rPr lang="ja-JP" altLang="en-US" dirty="0"/>
+              <a:t>最も</a:t>
+            </a:r>
+            <a:r>
+              <a:rPr kumimoji="1" lang="ja-JP" altLang="en-US" dirty="0" smtClean="0"/>
+              <a:t>興味の</a:t>
+            </a:r>
+            <a:r>
+              <a:rPr lang="ja-JP" altLang="en-US" dirty="0" smtClean="0"/>
+              <a:t>ある分野</a:t>
+            </a:r>
+            <a:endParaRPr kumimoji="1" lang="en-US" altLang="ja-JP" dirty="0" smtClean="0"/>
+          </a:p>
+          <a:p>
+            <a:r>
+              <a:rPr lang="ja-JP" altLang="en-US" dirty="0" smtClean="0"/>
+              <a:t>・第一原理計算</a:t>
+            </a:r>
+            <a:endParaRPr lang="en-US" altLang="ja-JP" dirty="0" smtClean="0"/>
+          </a:p>
+          <a:p>
+            <a:r>
+              <a:rPr lang="ja-JP" altLang="en-US" dirty="0"/>
+              <a:t>・密度汎関数理論（</a:t>
+            </a:r>
+            <a:r>
+              <a:rPr lang="en-US" altLang="ja-JP" dirty="0"/>
+              <a:t>Density Functional Theory, DFT</a:t>
+            </a:r>
+            <a:r>
+              <a:rPr lang="ja-JP" altLang="en-US" dirty="0"/>
+              <a:t>）</a:t>
+            </a:r>
+            <a:endParaRPr lang="en-US" altLang="ja-JP" dirty="0" smtClean="0"/>
+          </a:p>
+          <a:p>
+            <a:r>
+              <a:rPr lang="ja-JP" altLang="en-US" dirty="0" smtClean="0"/>
+              <a:t>→量子力学の数値計算</a:t>
+            </a:r>
+            <a:endParaRPr kumimoji="1" lang="en-US" altLang="ja-JP" dirty="0" smtClean="0"/>
+          </a:p>
+          <a:p>
+            <a:endParaRPr kumimoji="1" lang="ja-JP" altLang="en-US" dirty="0"/>
+          </a:p>
+        </p:txBody>
+      </p:sp>
+    </p:spTree>
+    <p:extLst>
+      <p:ext uri="{BB962C8B-B14F-4D97-AF65-F5344CB8AC3E}">
+        <p14:creationId xmlns:p14="http://schemas.microsoft.com/office/powerpoint/2010/main" val="2907276678"/>
+      </p:ext>
+    </p:extLst>
+  </p:cSld>
+  <p:clrMapOvr>
+    <a:masterClrMapping/>
+  </p:clrMapOvr>
+  <p:timing>
+    <p:tnLst>
+      <p:par>
+        <p:cTn id="1" dur="indefinite" restart="never" nodeType="tmRoot"/>
+      </p:par>
+    </p:tnLst>
+  </p:timing>
+</p:sld>
+</file>
+
+<file path=ppt/slides/slide20.xml><?xml version="1.0" encoding="utf-8"?>
 <p:sld xmlns:a="http://schemas.openxmlformats.org/drawingml/2006/main" xmlns:r="http://schemas.openxmlformats.org/officeDocument/2006/relationships" xmlns:p="http://schemas.openxmlformats.org/presentationml/2006/main">
   <p:cSld>
     <p:spTree>
@@ -8547,7 +8346,7 @@
 </p:sld>
 </file>
 
-<file path=ppt/slides/slide22.xml><?xml version="1.0" encoding="utf-8"?>
+<file path=ppt/slides/slide21.xml><?xml version="1.0" encoding="utf-8"?>
 <p:sld xmlns:a="http://schemas.openxmlformats.org/drawingml/2006/main" xmlns:r="http://schemas.openxmlformats.org/officeDocument/2006/relationships" xmlns:p="http://schemas.openxmlformats.org/presentationml/2006/main">
   <p:cSld>
     <p:spTree>
@@ -8642,7 +8441,7 @@
 </p:sld>
 </file>
 
-<file path=ppt/slides/slide23.xml><?xml version="1.0" encoding="utf-8"?>
+<file path=ppt/slides/slide22.xml><?xml version="1.0" encoding="utf-8"?>
 <p:sld xmlns:a="http://schemas.openxmlformats.org/drawingml/2006/main" xmlns:r="http://schemas.openxmlformats.org/officeDocument/2006/relationships" xmlns:p="http://schemas.openxmlformats.org/presentationml/2006/main">
   <p:cSld>
     <p:spTree>
@@ -8749,7 +8548,7 @@
 </p:sld>
 </file>
 
-<file path=ppt/slides/slide24.xml><?xml version="1.0" encoding="utf-8"?>
+<file path=ppt/slides/slide23.xml><?xml version="1.0" encoding="utf-8"?>
 <p:sld xmlns:a="http://schemas.openxmlformats.org/drawingml/2006/main" xmlns:r="http://schemas.openxmlformats.org/officeDocument/2006/relationships" xmlns:p="http://schemas.openxmlformats.org/presentationml/2006/main">
   <p:cSld>
     <p:spTree>
@@ -8995,7 +8794,7 @@
 </p:sld>
 </file>
 
-<file path=ppt/slides/slide25.xml><?xml version="1.0" encoding="utf-8"?>
+<file path=ppt/slides/slide24.xml><?xml version="1.0" encoding="utf-8"?>
 <p:sld xmlns:a="http://schemas.openxmlformats.org/drawingml/2006/main" xmlns:r="http://schemas.openxmlformats.org/officeDocument/2006/relationships" xmlns:p="http://schemas.openxmlformats.org/presentationml/2006/main">
   <p:cSld>
     <p:spTree>
@@ -9653,7 +9452,7 @@
 </p:sld>
 </file>
 
-<file path=ppt/slides/slide26.xml><?xml version="1.0" encoding="utf-8"?>
+<file path=ppt/slides/slide25.xml><?xml version="1.0" encoding="utf-8"?>
 <p:sld xmlns:a="http://schemas.openxmlformats.org/drawingml/2006/main" xmlns:r="http://schemas.openxmlformats.org/officeDocument/2006/relationships" xmlns:p="http://schemas.openxmlformats.org/presentationml/2006/main">
   <p:cSld>
     <p:spTree>
@@ -9823,7 +9622,7 @@
 </p:sld>
 </file>
 
-<file path=ppt/slides/slide27.xml><?xml version="1.0" encoding="utf-8"?>
+<file path=ppt/slides/slide26.xml><?xml version="1.0" encoding="utf-8"?>
 <p:sld xmlns:a="http://schemas.openxmlformats.org/drawingml/2006/main" xmlns:r="http://schemas.openxmlformats.org/officeDocument/2006/relationships" xmlns:p="http://schemas.openxmlformats.org/presentationml/2006/main">
   <p:cSld>
     <p:spTree>
@@ -11628,22 +11427,14 @@
           <a:p>
             <a:r>
               <a:rPr lang="ja-JP" altLang="en-US" dirty="0" smtClean="0"/>
-              <a:t>第二式の解は、球面調和関数として解析的に得られる</a:t>
-            </a:r>
-            <a:r>
-              <a:rPr lang="ja-JP" altLang="en-US" dirty="0" smtClean="0"/>
-              <a:t>。</a:t>
+              <a:t>第二式の解は、球面調和関数として解析的に得られる。</a:t>
             </a:r>
             <a:endParaRPr lang="en-US" altLang="ja-JP" dirty="0" smtClean="0"/>
           </a:p>
           <a:p>
             <a:r>
               <a:rPr lang="ja-JP" altLang="en-US" dirty="0" smtClean="0"/>
-              <a:t>従って</a:t>
-            </a:r>
-            <a:r>
-              <a:rPr lang="ja-JP" altLang="en-US" dirty="0" smtClean="0"/>
-              <a:t>、数値的に解くべき方程式は第一式である。</a:t>
+              <a:t>従って、数値的に解くべき方程式は第一式である。</a:t>
             </a:r>
             <a:endParaRPr lang="en-US" altLang="ja-JP" dirty="0" smtClean="0"/>
           </a:p>
@@ -11817,23 +11608,7 @@
           <a:p>
             <a:r>
               <a:rPr lang="ja-JP" altLang="en-US" dirty="0" smtClean="0"/>
-              <a:t>しかし、これらの境界条件は</a:t>
-            </a:r>
-            <a:r>
-              <a:rPr lang="ja-JP" altLang="en-US" dirty="0" smtClean="0"/>
-              <a:t>、この常微分方程式を数値的</a:t>
-            </a:r>
-            <a:r>
-              <a:rPr lang="ja-JP" altLang="en-US" dirty="0" smtClean="0"/>
-              <a:t>に解く上</a:t>
-            </a:r>
-            <a:r>
-              <a:rPr lang="ja-JP" altLang="en-US" dirty="0" smtClean="0"/>
-              <a:t>で、何</a:t>
-            </a:r>
-            <a:r>
-              <a:rPr lang="ja-JP" altLang="en-US" dirty="0" smtClean="0"/>
-              <a:t>も言っていないのと同じである。</a:t>
+              <a:t>しかし、これらの境界条件は、この常微分方程式を数値的に解く上で、何も言っていないのと同じである。</a:t>
             </a:r>
           </a:p>
           <a:p>
@@ -11991,22 +11766,6 @@
 <file path=ppt/tags/tag17.xml><?xml version="1.0" encoding="utf-8"?>
 <p:tagLst xmlns:a="http://schemas.openxmlformats.org/drawingml/2006/main" xmlns:r="http://schemas.openxmlformats.org/officeDocument/2006/relationships" xmlns:p="http://schemas.openxmlformats.org/presentationml/2006/main">
   <p:tag name="TEXPOINT" val="latex"/>
-  <p:tag name="SOURCE" val="\documentclass{article}\pagestyle{empty}&#10;\usepackage{amsmath}&#10;\usepackage{amsfonts}%&#10;\setcounter{MaxMatrixCols}{30}%&#10;\usepackage{amssymb}%&#10;\usepackage{graphicx}&#10;\newtheorem{theorem}{\U{5b9a}\U{7406}}&#10;\newtheorem{acknowledgement}[theorem]{\U{627f}\U{8a8d}}&#10;\newtheorem{algorithm}[theorem]{\U{30a2}\U{30eb}\U{30b4}\U{30ea}\U{30ba}\U{30e0}}&#10;\newtheorem{axiom}[theorem]{\U{516c}\U{7406}}&#10;\newtheorem{case}[theorem]{\U{5834}\U{5408}}&#10;\newtheorem{claim}[theorem]{\U{4e3b}\U{5f35}}&#10;\newtheorem{conclusion}[theorem]{\U{7d50}\U{8ad6}}&#10;\newtheorem{condition}[theorem]{\U{6761}\U{4ef6}}&#10;\newtheorem{conjecture}[theorem]{\U{63a8}\U{8ad6}}&#10;\newtheorem{corollary}[theorem]{\U{7cfb}}&#10;\newtheorem{criterion}[theorem]{\U{57fa}\U{6e96}}&#10;\newtheorem{definition}[theorem]{\U{5b9a}\U{7fa9}}&#10;\newtheorem{example}[theorem]{\U{4f8b}}&#10;\newtheorem{exercise}[theorem]{\U{7df4}\U{7fd2}}&#10;\newtheorem{lemma}[theorem]{\U{88dc}\U{984c}}&#10;\newtheorem{notation}[theorem]{\U{8a18}\U{53f7}}&#10;\newtheorem{problem}[theorem]{\U{554f}\U{984c}}&#10;\newtheorem{proposition}[theorem]{\U{547d}\U{984c}}&#10;\newtheorem{remark}[theorem]{\U{8a18}\U{4e8b}}&#10;\newtheorem{solution}[theorem]{\U{89e3}\U{6cd5}}&#10;\newtheorem{summary}[theorem]{\U{8981}\U{7d04}}&#10;\newenvironment{proof}[1][\U{8a3c}\U{660e}]{\noindent\textbf{#1.} }{\ \rule{0.5em}{0.5em}}&#10;\begin{document}&#10;$\dfrac{d^{2}y\left(  x\right)  }{dx^{2}}=\beta\left(  x\right)  $&#10;\end{document}&#10;"/>
-  <p:tag name="FILENAME" val="TP_tmp"/>
-  <p:tag name="FORMAT" val="png16m"/>
-  <p:tag name="RES" val="1200"/>
-  <p:tag name="BLEND" val="0"/>
-  <p:tag name="TRANSPARENT" val="0"/>
-  <p:tag name="TBUG" val="0"/>
-  <p:tag name="ALLOWFS" val="0"/>
-  <p:tag name="ORIGWIDTH" val="66"/>
-  <p:tag name="PICTUREFILESIZE" val="8144"/>
-</p:tagLst>
-</file>
-
-<file path=ppt/tags/tag18.xml><?xml version="1.0" encoding="utf-8"?>
-<p:tagLst xmlns:a="http://schemas.openxmlformats.org/drawingml/2006/main" xmlns:r="http://schemas.openxmlformats.org/officeDocument/2006/relationships" xmlns:p="http://schemas.openxmlformats.org/presentationml/2006/main">
-  <p:tag name="TEXPOINT" val="latex"/>
   <p:tag name="SOURCE" val="\documentclass{article}\pagestyle{empty}&#10;\usepackage{amsmath}&#10;\usepackage{amsfonts}%&#10;\setcounter{MaxMatrixCols}{30}%&#10;\usepackage{amssymb}%&#10;\usepackage{graphicx}&#10;\newtheorem{theorem}{\U{5b9a}\U{7406}}&#10;\newtheorem{acknowledgement}[theorem]{\U{627f}\U{8a8d}}&#10;\newtheorem{algorithm}[theorem]{\U{30a2}\U{30eb}\U{30b4}\U{30ea}\U{30ba}\U{30e0}}&#10;\newtheorem{axiom}[theorem]{\U{516c}\U{7406}}&#10;\newtheorem{case}[theorem]{\U{5834}\U{5408}}&#10;\newtheorem{claim}[theorem]{\U{4e3b}\U{5f35}}&#10;\newtheorem{conclusion}[theorem]{\U{7d50}\U{8ad6}}&#10;\newtheorem{condition}[theorem]{\U{6761}\U{4ef6}}&#10;\newtheorem{conjecture}[theorem]{\U{63a8}\U{8ad6}}&#10;\newtheorem{corollary}[theorem]{\U{7cfb}}&#10;\newtheorem{criterion}[theorem]{\U{57fa}\U{6e96}}&#10;\newtheorem{definition}[theorem]{\U{5b9a}\U{7fa9}}&#10;\newtheorem{example}[theorem]{\U{4f8b}}&#10;\newtheorem{exercise}[theorem]{\U{7df4}\U{7fd2}}&#10;\newtheorem{lemma}[theorem]{\U{88dc}\U{984c}}&#10;\newtheorem{notation}[theorem]{\U{8a18}\U{53f7}}&#10;\newtheorem{problem}[theorem]{\U{554f}\U{984c}}&#10;\newtheorem{proposition}[theorem]{\U{547d}\U{984c}}&#10;\newtheorem{remark}[theorem]{\U{8a18}\U{4e8b}}&#10;\newtheorem{solution}[theorem]{\U{89e3}\U{6cd5}}&#10;\newtheorem{summary}[theorem]{\U{8981}\U{7d04}}&#10;\newenvironment{proof}[1][\U{8a3c}\U{660e}]{\noindent\textbf{#1.} }{\ \rule{0.5em}{0.5em}}&#10;\begin{document}&#10;$y_{i+1}^{in}=\alpha y_{i}^{out}+\left(  1-\alpha\right)  y_{i}^{in}$&#10;\end{document}&#10;"/>
   <p:tag name="FILENAME" val="TP_tmp"/>
   <p:tag name="FORMAT" val="png16m"/>
@@ -12020,7 +11779,7 @@
 </p:tagLst>
 </file>
 
-<file path=ppt/tags/tag19.xml><?xml version="1.0" encoding="utf-8"?>
+<file path=ppt/tags/tag18.xml><?xml version="1.0" encoding="utf-8"?>
 <p:tagLst xmlns:a="http://schemas.openxmlformats.org/drawingml/2006/main" xmlns:r="http://schemas.openxmlformats.org/officeDocument/2006/relationships" xmlns:p="http://schemas.openxmlformats.org/presentationml/2006/main">
   <p:tag name="TEXPOINT" val="latex"/>
   <p:tag name="SOURCE" val="\documentclass{article}\pagestyle{empty}&#10;\usepackage{amsmath}&#10;\usepackage{amsfonts}%&#10;\setcounter{MaxMatrixCols}{30}%&#10;\usepackage{amssymb}%&#10;\usepackage{graphicx}&#10;\newtheorem{theorem}{\U{5b9a}\U{7406}}&#10;\newtheorem{acknowledgement}[theorem]{\U{627f}\U{8a8d}}&#10;\newtheorem{algorithm}[theorem]{\U{30a2}\U{30eb}\U{30b4}\U{30ea}\U{30ba}\U{30e0}}&#10;\newtheorem{axiom}[theorem]{\U{516c}\U{7406}}&#10;\newtheorem{case}[theorem]{\U{5834}\U{5408}}&#10;\newtheorem{claim}[theorem]{\U{4e3b}\U{5f35}}&#10;\newtheorem{conclusion}[theorem]{\U{7d50}\U{8ad6}}&#10;\newtheorem{condition}[theorem]{\U{6761}\U{4ef6}}&#10;\newtheorem{conjecture}[theorem]{\U{63a8}\U{8ad6}}&#10;\newtheorem{corollary}[theorem]{\U{7cfb}}&#10;\newtheorem{criterion}[theorem]{\U{57fa}\U{6e96}}&#10;\newtheorem{definition}[theorem]{\U{5b9a}\U{7fa9}}&#10;\newtheorem{example}[theorem]{\U{4f8b}}&#10;\newtheorem{exercise}[theorem]{\U{7df4}\U{7fd2}}&#10;\newtheorem{lemma}[theorem]{\U{88dc}\U{984c}}&#10;\newtheorem{notation}[theorem]{\U{8a18}\U{53f7}}&#10;\newtheorem{problem}[theorem]{\U{554f}\U{984c}}&#10;\newtheorem{proposition}[theorem]{\U{547d}\U{984c}}&#10;\newtheorem{remark}[theorem]{\U{8a18}\U{4e8b}}&#10;\newtheorem{solution}[theorem]{\U{89e3}\U{6cd5}}&#10;\newtheorem{summary}[theorem]{\U{8981}\U{7d04}}&#10;\newenvironment{proof}[1][\U{8a3c}\U{660e}]{\noindent\textbf{#1.} }{\ \rule{0.5em}{0.5em}}&#10;\begin{document}&#10;$E=\dfrac{3}{7}\left(  \dfrac{128}{9\pi^{2}}\right)  ^{\frac{1}{3}}Z^{\frac&#10;{7}{3}}\left[  y^{\prime}\left(  0\right)  \right]  $&#10;\end{document}&#10;\end{document}"/>

--- a/福井技術者の集いその2_発表資料スライド.pptx
+++ b/福井技術者の集いその2_発表資料スライド.pptx
@@ -5,7 +5,7 @@
     <p:sldMasterId id="2147483744" r:id="rId1"/>
   </p:sldMasterIdLst>
   <p:notesMasterIdLst>
-    <p:notesMasterId r:id="rId28"/>
+    <p:notesMasterId r:id="rId34"/>
   </p:notesMasterIdLst>
   <p:sldIdLst>
     <p:sldId id="258" r:id="rId2"/>
@@ -18,27 +18,33 @@
     <p:sldId id="440" r:id="rId9"/>
     <p:sldId id="443" r:id="rId10"/>
     <p:sldId id="383" r:id="rId11"/>
-    <p:sldId id="412" r:id="rId12"/>
-    <p:sldId id="413" r:id="rId13"/>
-    <p:sldId id="444" r:id="rId14"/>
-    <p:sldId id="416" r:id="rId15"/>
-    <p:sldId id="418" r:id="rId16"/>
-    <p:sldId id="419" r:id="rId17"/>
-    <p:sldId id="420" r:id="rId18"/>
-    <p:sldId id="421" r:id="rId19"/>
-    <p:sldId id="422" r:id="rId20"/>
-    <p:sldId id="429" r:id="rId21"/>
-    <p:sldId id="423" r:id="rId22"/>
-    <p:sldId id="426" r:id="rId23"/>
-    <p:sldId id="424" r:id="rId24"/>
-    <p:sldId id="425" r:id="rId25"/>
-    <p:sldId id="427" r:id="rId26"/>
-    <p:sldId id="428" r:id="rId27"/>
+    <p:sldId id="446" r:id="rId12"/>
+    <p:sldId id="447" r:id="rId13"/>
+    <p:sldId id="448" r:id="rId14"/>
+    <p:sldId id="412" r:id="rId15"/>
+    <p:sldId id="413" r:id="rId16"/>
+    <p:sldId id="444" r:id="rId17"/>
+    <p:sldId id="445" r:id="rId18"/>
+    <p:sldId id="449" r:id="rId19"/>
+    <p:sldId id="450" r:id="rId20"/>
+    <p:sldId id="416" r:id="rId21"/>
+    <p:sldId id="418" r:id="rId22"/>
+    <p:sldId id="419" r:id="rId23"/>
+    <p:sldId id="420" r:id="rId24"/>
+    <p:sldId id="421" r:id="rId25"/>
+    <p:sldId id="422" r:id="rId26"/>
+    <p:sldId id="429" r:id="rId27"/>
+    <p:sldId id="423" r:id="rId28"/>
+    <p:sldId id="426" r:id="rId29"/>
+    <p:sldId id="424" r:id="rId30"/>
+    <p:sldId id="425" r:id="rId31"/>
+    <p:sldId id="427" r:id="rId32"/>
+    <p:sldId id="428" r:id="rId33"/>
   </p:sldIdLst>
   <p:sldSz cx="9144000" cy="6858000" type="screen4x3"/>
   <p:notesSz cx="6858000" cy="9144000"/>
   <p:custDataLst>
-    <p:tags r:id="rId29"/>
+    <p:tags r:id="rId35"/>
   </p:custDataLst>
   <p:defaultTextStyle>
     <a:defPPr>
@@ -220,7 +226,7 @@
           <a:p>
             <a:fld id="{132713B8-E49A-41D1-88B6-B310770581C8}" type="datetimeFigureOut">
               <a:rPr kumimoji="1" lang="ja-JP" altLang="en-US" smtClean="0"/>
-              <a:t>2015/2/8</a:t>
+              <a:t>2015/2/9</a:t>
             </a:fld>
             <a:endParaRPr kumimoji="1" lang="ja-JP" altLang="en-US"/>
           </a:p>
@@ -824,7 +830,7 @@
             <a:fld id="{C120A1B4-3412-4C96-ACAA-DBDB2A910CC9}" type="datetimeFigureOut">
               <a:rPr kumimoji="1" lang="ja-JP" altLang="en-US" smtClean="0"/>
               <a:pPr/>
-              <a:t>2015/2/8</a:t>
+              <a:t>2015/2/9</a:t>
             </a:fld>
             <a:endParaRPr kumimoji="1" lang="ja-JP" altLang="en-US"/>
           </a:p>
@@ -1070,7 +1076,7 @@
                 </a:solidFill>
               </a:rPr>
               <a:pPr/>
-              <a:t>2015/2/8</a:t>
+              <a:t>2015/2/9</a:t>
             </a:fld>
             <a:endParaRPr kumimoji="1" lang="ja-JP" altLang="en-US">
               <a:solidFill>
@@ -1306,7 +1312,7 @@
                 </a:solidFill>
               </a:rPr>
               <a:pPr/>
-              <a:t>2015/2/8</a:t>
+              <a:t>2015/2/9</a:t>
             </a:fld>
             <a:endParaRPr kumimoji="1" lang="ja-JP" altLang="en-US">
               <a:solidFill>
@@ -1600,7 +1606,7 @@
                 </a:solidFill>
               </a:rPr>
               <a:pPr/>
-              <a:t>2015/2/8</a:t>
+              <a:t>2015/2/9</a:t>
             </a:fld>
             <a:endParaRPr kumimoji="1" lang="ja-JP" altLang="en-US">
               <a:solidFill>
@@ -2079,7 +2085,7 @@
                 </a:solidFill>
               </a:rPr>
               <a:pPr/>
-              <a:t>2015/2/8</a:t>
+              <a:t>2015/2/9</a:t>
             </a:fld>
             <a:endParaRPr kumimoji="1" lang="ja-JP" altLang="en-US">
               <a:solidFill>
@@ -2404,7 +2410,7 @@
                 </a:solidFill>
               </a:rPr>
               <a:pPr/>
-              <a:t>2015/2/8</a:t>
+              <a:t>2015/2/9</a:t>
             </a:fld>
             <a:endParaRPr kumimoji="1" lang="ja-JP" altLang="en-US">
               <a:solidFill>
@@ -2723,7 +2729,7 @@
                 </a:solidFill>
               </a:rPr>
               <a:pPr/>
-              <a:t>2015/2/8</a:t>
+              <a:t>2015/2/9</a:t>
             </a:fld>
             <a:endParaRPr kumimoji="1" lang="ja-JP" altLang="en-US">
               <a:solidFill>
@@ -2937,7 +2943,7 @@
                 </a:solidFill>
               </a:rPr>
               <a:pPr/>
-              <a:t>2015/2/8</a:t>
+              <a:t>2015/2/9</a:t>
             </a:fld>
             <a:endParaRPr kumimoji="1" lang="ja-JP" altLang="en-US">
               <a:solidFill>
@@ -3054,7 +3060,7 @@
                 </a:solidFill>
               </a:rPr>
               <a:pPr/>
-              <a:t>2015/2/8</a:t>
+              <a:t>2015/2/9</a:t>
             </a:fld>
             <a:endParaRPr kumimoji="1" lang="ja-JP" altLang="en-US">
               <a:solidFill>
@@ -3217,7 +3223,7 @@
                 </a:solidFill>
               </a:rPr>
               <a:pPr/>
-              <a:t>2015/2/8</a:t>
+              <a:t>2015/2/9</a:t>
             </a:fld>
             <a:endParaRPr kumimoji="1" lang="ja-JP" altLang="en-US">
               <a:solidFill>
@@ -3802,7 +3808,7 @@
                 </a:solidFill>
               </a:rPr>
               <a:pPr/>
-              <a:t>2015/2/8</a:t>
+              <a:t>2015/2/9</a:t>
             </a:fld>
             <a:endParaRPr kumimoji="1" lang="ja-JP" altLang="en-US">
               <a:solidFill>
@@ -4114,7 +4120,7 @@
                 </a:solidFill>
               </a:rPr>
               <a:pPr/>
-              <a:t>2015/2/8</a:t>
+              <a:t>2015/2/9</a:t>
             </a:fld>
             <a:endParaRPr kumimoji="1" lang="ja-JP" altLang="en-US">
               <a:solidFill>
@@ -4857,7 +4863,7 @@
           <a:p>
             <a:r>
               <a:rPr lang="ja-JP" altLang="en-US" dirty="0" smtClean="0"/>
-              <a:t>従って、原点に十分近い点と、原点から非常に遠く離れた点で、</a:t>
+              <a:t>従って、原点に十分近い点と、原点から十分離れた点で、</a:t>
             </a:r>
             <a:r>
               <a:rPr lang="en-US" altLang="ja-JP" dirty="0"/>
@@ -4868,11 +4874,11 @@
               <a:t>と</a:t>
             </a:r>
             <a:r>
-              <a:rPr lang="en-US" altLang="ja-JP" dirty="0" err="1"/>
+              <a:rPr lang="en-US" altLang="ja-JP" dirty="0"/>
               <a:t>L</a:t>
             </a:r>
             <a:r>
-              <a:rPr lang="en-US" altLang="ja-JP" baseline="-25000" dirty="0" err="1"/>
+              <a:rPr lang="en-US" altLang="ja-JP" baseline="-25000" dirty="0"/>
               <a:t>nl</a:t>
             </a:r>
             <a:r>
@@ -4885,18 +4891,14 @@
             </a:r>
             <a:r>
               <a:rPr lang="ja-JP" altLang="en-US" dirty="0" smtClean="0"/>
-              <a:t>の値を調べ、その二つの点から微分方程式を解く。</a:t>
+              <a:t>の値を調べ、その二つの点から微分方程式を数値的に解く。</a:t>
             </a:r>
             <a:endParaRPr lang="en-US" altLang="ja-JP" dirty="0" smtClean="0"/>
           </a:p>
           <a:p>
             <a:r>
-              <a:rPr lang="ja-JP" altLang="en-US" smtClean="0"/>
-              <a:t>最終的に、二点</a:t>
-            </a:r>
-            <a:r>
-              <a:rPr lang="ja-JP" altLang="en-US" dirty="0" smtClean="0"/>
-              <a:t>境界値問題に帰着する</a:t>
+              <a:rPr lang="ja-JP" altLang="en-US" dirty="0" smtClean="0"/>
+              <a:t>最終的に、二点境界値問題に帰着する</a:t>
             </a:r>
             <a:r>
               <a:rPr lang="ja-JP" altLang="en-US" dirty="0"/>
@@ -4992,12 +4994,614 @@
         </p:nvSpPr>
         <p:spPr/>
         <p:txBody>
+          <a:bodyPr/>
+          <a:lstStyle/>
+          <a:p>
+            <a:r>
+              <a:rPr kumimoji="1" lang="ja-JP" altLang="en-US" dirty="0" smtClean="0"/>
+              <a:t>対数メッシュの導入</a:t>
+            </a:r>
+            <a:endParaRPr kumimoji="1" lang="ja-JP" altLang="en-US" dirty="0"/>
+          </a:p>
+        </p:txBody>
+      </p:sp>
+      <p:sp>
+        <p:nvSpPr>
+          <p:cNvPr id="3" name="コンテンツ プレースホルダー 2"/>
+          <p:cNvSpPr>
+            <a:spLocks noGrp="1"/>
+          </p:cNvSpPr>
+          <p:nvPr>
+            <p:ph sz="quarter" idx="1"/>
+          </p:nvPr>
+        </p:nvSpPr>
+        <p:spPr>
+          <a:xfrm>
+            <a:off x="612648" y="1600200"/>
+            <a:ext cx="8153400" cy="4781128"/>
+          </a:xfrm>
+        </p:spPr>
+        <p:txBody>
           <a:bodyPr>
             <a:normAutofit/>
           </a:bodyPr>
           <a:lstStyle/>
           <a:p>
             <a:r>
+              <a:rPr kumimoji="1" lang="ja-JP" altLang="en-US" dirty="0" smtClean="0"/>
+              <a:t>ポテンシャル</a:t>
+            </a:r>
+            <a:r>
+              <a:rPr kumimoji="1" lang="en-US" altLang="ja-JP" dirty="0" smtClean="0"/>
+              <a:t>V(r)</a:t>
+            </a:r>
+            <a:r>
+              <a:rPr kumimoji="1" lang="ja-JP" altLang="en-US" dirty="0" smtClean="0"/>
+              <a:t>は原点付近で大きく変化する。</a:t>
+            </a:r>
+            <a:endParaRPr kumimoji="1" lang="en-US" altLang="ja-JP" dirty="0" smtClean="0"/>
+          </a:p>
+          <a:p>
+            <a:endParaRPr lang="en-US" altLang="ja-JP" dirty="0" smtClean="0"/>
+          </a:p>
+          <a:p>
+            <a:endParaRPr lang="en-US" altLang="ja-JP" dirty="0"/>
+          </a:p>
+          <a:p>
+            <a:endParaRPr lang="en-US" altLang="ja-JP" dirty="0" smtClean="0"/>
+          </a:p>
+          <a:p>
+            <a:endParaRPr lang="en-US" altLang="ja-JP" dirty="0"/>
+          </a:p>
+          <a:p>
+            <a:endParaRPr lang="en-US" altLang="ja-JP" dirty="0" smtClean="0"/>
+          </a:p>
+          <a:p>
+            <a:r>
+              <a:rPr lang="ja-JP" altLang="en-US" dirty="0" smtClean="0"/>
+              <a:t>このような空間の異方性を考慮するために、対数メッシュ</a:t>
+            </a:r>
+            <a:r>
+              <a:rPr lang="en-US" altLang="ja-JP" dirty="0" smtClean="0">
+                <a:solidFill>
+                  <a:srgbClr val="FF0000"/>
+                </a:solidFill>
+              </a:rPr>
+              <a:t>r = e</a:t>
+            </a:r>
+            <a:r>
+              <a:rPr lang="en-US" altLang="ja-JP" baseline="30000" dirty="0" smtClean="0">
+                <a:solidFill>
+                  <a:srgbClr val="FF0000"/>
+                </a:solidFill>
+              </a:rPr>
+              <a:t>x</a:t>
+            </a:r>
+            <a:r>
+              <a:rPr lang="ja-JP" altLang="en-US" dirty="0" smtClean="0"/>
+              <a:t>を導入（変数変換）して微分方程式を変形する。</a:t>
+            </a:r>
+            <a:endParaRPr kumimoji="1" lang="ja-JP" altLang="en-US" dirty="0"/>
+          </a:p>
+        </p:txBody>
+      </p:sp>
+      <p:pic>
+        <p:nvPicPr>
+          <p:cNvPr id="5" name="Picture 3" descr="C:\cygwin64\home\HP\fukui_sono2\-1_r.png"/>
+          <p:cNvPicPr>
+            <a:picLocks noChangeAspect="1" noChangeArrowheads="1"/>
+          </p:cNvPicPr>
+          <p:nvPr/>
+        </p:nvPicPr>
+        <p:blipFill>
+          <a:blip r:embed="rId2">
+            <a:extLst>
+              <a:ext uri="{28A0092B-C50C-407E-A947-70E740481C1C}">
+                <a14:useLocalDpi xmlns:a14="http://schemas.microsoft.com/office/drawing/2010/main" val="0"/>
+              </a:ext>
+            </a:extLst>
+          </a:blip>
+          <a:srcRect/>
+          <a:stretch>
+            <a:fillRect/>
+          </a:stretch>
+        </p:blipFill>
+        <p:spPr bwMode="auto">
+          <a:xfrm>
+            <a:off x="1043608" y="2132856"/>
+            <a:ext cx="3600400" cy="2700300"/>
+          </a:xfrm>
+          <a:prstGeom prst="rect">
+            <a:avLst/>
+          </a:prstGeom>
+          <a:noFill/>
+          <a:extLst>
+            <a:ext uri="{909E8E84-426E-40DD-AFC4-6F175D3DCCD1}">
+              <a14:hiddenFill xmlns:a14="http://schemas.microsoft.com/office/drawing/2010/main">
+                <a:solidFill>
+                  <a:srgbClr val="FFFFFF"/>
+                </a:solidFill>
+              </a14:hiddenFill>
+            </a:ext>
+          </a:extLst>
+        </p:spPr>
+      </p:pic>
+    </p:spTree>
+    <p:extLst>
+      <p:ext uri="{BB962C8B-B14F-4D97-AF65-F5344CB8AC3E}">
+        <p14:creationId xmlns:p14="http://schemas.microsoft.com/office/powerpoint/2010/main" val="1513186919"/>
+      </p:ext>
+    </p:extLst>
+  </p:cSld>
+  <p:clrMapOvr>
+    <a:masterClrMapping/>
+  </p:clrMapOvr>
+  <p:timing>
+    <p:tnLst>
+      <p:par>
+        <p:cTn id="1" dur="indefinite" restart="never" nodeType="tmRoot"/>
+      </p:par>
+    </p:tnLst>
+  </p:timing>
+</p:sld>
+</file>
+
+<file path=ppt/slides/slide12.xml><?xml version="1.0" encoding="utf-8"?>
+<p:sld xmlns:a="http://schemas.openxmlformats.org/drawingml/2006/main" xmlns:r="http://schemas.openxmlformats.org/officeDocument/2006/relationships" xmlns:p="http://schemas.openxmlformats.org/presentationml/2006/main">
+  <p:cSld>
+    <p:spTree>
+      <p:nvGrpSpPr>
+        <p:cNvPr id="1" name=""/>
+        <p:cNvGrpSpPr/>
+        <p:nvPr/>
+      </p:nvGrpSpPr>
+      <p:grpSpPr>
+        <a:xfrm>
+          <a:off x="0" y="0"/>
+          <a:ext cx="0" cy="0"/>
+          <a:chOff x="0" y="0"/>
+          <a:chExt cx="0" cy="0"/>
+        </a:xfrm>
+      </p:grpSpPr>
+      <p:sp>
+        <p:nvSpPr>
+          <p:cNvPr id="2" name="タイトル 1"/>
+          <p:cNvSpPr>
+            <a:spLocks noGrp="1"/>
+          </p:cNvSpPr>
+          <p:nvPr>
+            <p:ph type="title"/>
+          </p:nvPr>
+        </p:nvSpPr>
+        <p:spPr/>
+        <p:txBody>
+          <a:bodyPr>
+            <a:normAutofit/>
+          </a:bodyPr>
+          <a:lstStyle/>
+          <a:p>
+            <a:r>
+              <a:rPr kumimoji="1" lang="ja-JP" altLang="en-US" dirty="0" smtClean="0"/>
+              <a:t>変数変換した微分方程式</a:t>
+            </a:r>
+            <a:endParaRPr kumimoji="1" lang="ja-JP" altLang="en-US" dirty="0"/>
+          </a:p>
+        </p:txBody>
+      </p:sp>
+      <p:sp>
+        <p:nvSpPr>
+          <p:cNvPr id="3" name="コンテンツ プレースホルダー 2"/>
+          <p:cNvSpPr>
+            <a:spLocks noGrp="1"/>
+          </p:cNvSpPr>
+          <p:nvPr>
+            <p:ph sz="quarter" idx="1"/>
+          </p:nvPr>
+        </p:nvSpPr>
+        <p:spPr/>
+        <p:txBody>
+          <a:bodyPr/>
+          <a:lstStyle/>
+          <a:p>
+            <a:r>
+              <a:rPr kumimoji="1" lang="ja-JP" altLang="en-US" dirty="0" smtClean="0"/>
+              <a:t>この変数変換により、</a:t>
+            </a:r>
+            <a:r>
+              <a:rPr lang="en-US" altLang="ja-JP" dirty="0"/>
+              <a:t> L</a:t>
+            </a:r>
+            <a:r>
+              <a:rPr lang="en-US" altLang="ja-JP" baseline="-25000" dirty="0"/>
+              <a:t>nl</a:t>
+            </a:r>
+            <a:r>
+              <a:rPr lang="en-US" altLang="ja-JP" dirty="0"/>
+              <a:t>(r)</a:t>
+            </a:r>
+            <a:r>
+              <a:rPr lang="ja-JP" altLang="en-US" dirty="0"/>
+              <a:t>の一階微分と二階微分</a:t>
+            </a:r>
+            <a:r>
+              <a:rPr lang="ja-JP" altLang="en-US" dirty="0" smtClean="0"/>
+              <a:t>は次式となる。</a:t>
+            </a:r>
+            <a:endParaRPr lang="en-US" altLang="ja-JP" dirty="0" smtClean="0"/>
+          </a:p>
+          <a:p>
+            <a:endParaRPr lang="en-US" altLang="ja-JP" dirty="0"/>
+          </a:p>
+          <a:p>
+            <a:endParaRPr lang="en-US" altLang="ja-JP" dirty="0" smtClean="0"/>
+          </a:p>
+          <a:p>
+            <a:r>
+              <a:rPr lang="ja-JP" altLang="en-US" dirty="0" smtClean="0"/>
+              <a:t>これらを目的の方程式に代入することによって、以下</a:t>
+            </a:r>
+            <a:r>
+              <a:rPr lang="ja-JP" altLang="en-US" dirty="0" smtClean="0"/>
+              <a:t>の微分</a:t>
+            </a:r>
+            <a:r>
+              <a:rPr lang="ja-JP" altLang="en-US" dirty="0" smtClean="0"/>
+              <a:t>方程式が得られる。</a:t>
+            </a:r>
+            <a:endParaRPr lang="en-US" altLang="ja-JP" dirty="0" smtClean="0"/>
+          </a:p>
+          <a:p>
+            <a:endParaRPr lang="en-US" altLang="ja-JP" dirty="0" smtClean="0"/>
+          </a:p>
+          <a:p>
+            <a:endParaRPr kumimoji="1" lang="ja-JP" altLang="en-US" dirty="0"/>
+          </a:p>
+        </p:txBody>
+      </p:sp>
+      <p:pic>
+        <p:nvPicPr>
+          <p:cNvPr id="4" name="図 3"/>
+          <p:cNvPicPr>
+            <a:picLocks noChangeAspect="1"/>
+          </p:cNvPicPr>
+          <p:nvPr>
+            <p:custDataLst>
+              <p:tags r:id="rId1"/>
+            </p:custDataLst>
+          </p:nvPr>
+        </p:nvPicPr>
+        <p:blipFill>
+          <a:blip r:embed="rId4" cstate="print">
+            <a:extLst>
+              <a:ext uri="{28A0092B-C50C-407E-A947-70E740481C1C}">
+                <a14:useLocalDpi xmlns:a14="http://schemas.microsoft.com/office/drawing/2010/main" val="0"/>
+              </a:ext>
+            </a:extLst>
+          </a:blip>
+          <a:stretch>
+            <a:fillRect/>
+          </a:stretch>
+        </p:blipFill>
+        <p:spPr>
+          <a:xfrm>
+            <a:off x="1043608" y="2564904"/>
+            <a:ext cx="4429714" cy="1112381"/>
+          </a:xfrm>
+          <a:prstGeom prst="rect">
+            <a:avLst/>
+          </a:prstGeom>
+        </p:spPr>
+      </p:pic>
+      <p:pic>
+        <p:nvPicPr>
+          <p:cNvPr id="6" name="図 5"/>
+          <p:cNvPicPr>
+            <a:picLocks noChangeAspect="1"/>
+          </p:cNvPicPr>
+          <p:nvPr>
+            <p:custDataLst>
+              <p:tags r:id="rId2"/>
+            </p:custDataLst>
+          </p:nvPr>
+        </p:nvPicPr>
+        <p:blipFill>
+          <a:blip r:embed="rId5" cstate="print">
+            <a:extLst>
+              <a:ext uri="{28A0092B-C50C-407E-A947-70E740481C1C}">
+                <a14:useLocalDpi xmlns:a14="http://schemas.microsoft.com/office/drawing/2010/main" val="0"/>
+              </a:ext>
+            </a:extLst>
+          </a:blip>
+          <a:stretch>
+            <a:fillRect/>
+          </a:stretch>
+        </p:blipFill>
+        <p:spPr>
+          <a:xfrm>
+            <a:off x="1043608" y="4561322"/>
+            <a:ext cx="6145524" cy="557714"/>
+          </a:xfrm>
+          <a:prstGeom prst="rect">
+            <a:avLst/>
+          </a:prstGeom>
+        </p:spPr>
+      </p:pic>
+    </p:spTree>
+    <p:extLst>
+      <p:ext uri="{BB962C8B-B14F-4D97-AF65-F5344CB8AC3E}">
+        <p14:creationId xmlns:p14="http://schemas.microsoft.com/office/powerpoint/2010/main" val="2081668094"/>
+      </p:ext>
+    </p:extLst>
+  </p:cSld>
+  <p:clrMapOvr>
+    <a:masterClrMapping/>
+  </p:clrMapOvr>
+  <p:timing>
+    <p:tnLst>
+      <p:par>
+        <p:cTn id="1" dur="indefinite" restart="never" nodeType="tmRoot"/>
+      </p:par>
+    </p:tnLst>
+  </p:timing>
+</p:sld>
+</file>
+
+<file path=ppt/slides/slide13.xml><?xml version="1.0" encoding="utf-8"?>
+<p:sld xmlns:a="http://schemas.openxmlformats.org/drawingml/2006/main" xmlns:r="http://schemas.openxmlformats.org/officeDocument/2006/relationships" xmlns:p="http://schemas.openxmlformats.org/presentationml/2006/main">
+  <p:cSld>
+    <p:spTree>
+      <p:nvGrpSpPr>
+        <p:cNvPr id="1" name=""/>
+        <p:cNvGrpSpPr/>
+        <p:nvPr/>
+      </p:nvGrpSpPr>
+      <p:grpSpPr>
+        <a:xfrm>
+          <a:off x="0" y="0"/>
+          <a:ext cx="0" cy="0"/>
+          <a:chOff x="0" y="0"/>
+          <a:chExt cx="0" cy="0"/>
+        </a:xfrm>
+      </p:grpSpPr>
+      <p:sp>
+        <p:nvSpPr>
+          <p:cNvPr id="2" name="タイトル 1"/>
+          <p:cNvSpPr>
+            <a:spLocks noGrp="1"/>
+          </p:cNvSpPr>
+          <p:nvPr>
+            <p:ph type="title"/>
+          </p:nvPr>
+        </p:nvSpPr>
+        <p:spPr/>
+        <p:txBody>
+          <a:bodyPr>
+            <a:normAutofit/>
+          </a:bodyPr>
+          <a:lstStyle/>
+          <a:p>
+            <a:r>
+              <a:rPr lang="ja-JP" altLang="en-US" dirty="0"/>
+              <a:t>連立微分方程式に変形する</a:t>
+            </a:r>
+            <a:endParaRPr kumimoji="1" lang="ja-JP" altLang="en-US" dirty="0"/>
+          </a:p>
+        </p:txBody>
+      </p:sp>
+      <p:sp>
+        <p:nvSpPr>
+          <p:cNvPr id="3" name="コンテンツ プレースホルダー 2"/>
+          <p:cNvSpPr>
+            <a:spLocks noGrp="1"/>
+          </p:cNvSpPr>
+          <p:nvPr>
+            <p:ph sz="quarter" idx="1"/>
+          </p:nvPr>
+        </p:nvSpPr>
+        <p:spPr>
+          <a:xfrm>
+            <a:off x="612648" y="1600200"/>
+            <a:ext cx="8153400" cy="4565104"/>
+          </a:xfrm>
+        </p:spPr>
+        <p:txBody>
+          <a:bodyPr>
+            <a:normAutofit/>
+          </a:bodyPr>
+          <a:lstStyle/>
+          <a:p>
+            <a:r>
+              <a:rPr kumimoji="1" lang="ja-JP" altLang="en-US" dirty="0" smtClean="0"/>
+              <a:t>二階の微分方程式を</a:t>
+            </a:r>
+            <a:r>
+              <a:rPr kumimoji="1" lang="ja-JP" altLang="en-US" dirty="0" smtClean="0"/>
+              <a:t>直接、数値的</a:t>
+            </a:r>
+            <a:r>
+              <a:rPr kumimoji="1" lang="ja-JP" altLang="en-US" dirty="0" smtClean="0"/>
+              <a:t>に解くことは</a:t>
+            </a:r>
+            <a:r>
+              <a:rPr kumimoji="1" lang="ja-JP" altLang="en-US" dirty="0" smtClean="0"/>
+              <a:t>難しい</a:t>
+            </a:r>
+            <a:r>
+              <a:rPr lang="ja-JP" altLang="en-US" dirty="0" smtClean="0"/>
+              <a:t>。</a:t>
+            </a:r>
+            <a:endParaRPr lang="en-US" altLang="ja-JP" dirty="0" smtClean="0"/>
+          </a:p>
+          <a:p>
+            <a:r>
+              <a:rPr kumimoji="1" lang="ja-JP" altLang="en-US" dirty="0" smtClean="0"/>
+              <a:t>従って、二階微分方程式を二元</a:t>
+            </a:r>
+            <a:r>
+              <a:rPr kumimoji="1" lang="ja-JP" altLang="en-US" dirty="0" smtClean="0"/>
+              <a:t>連立一階微分方程式に変形</a:t>
+            </a:r>
+            <a:r>
+              <a:rPr kumimoji="1" lang="ja-JP" altLang="en-US" dirty="0" smtClean="0"/>
+              <a:t>する。すると、次の二つの式が</a:t>
+            </a:r>
+            <a:r>
+              <a:rPr kumimoji="1" lang="ja-JP" altLang="en-US" dirty="0" smtClean="0"/>
+              <a:t>得られる。</a:t>
+            </a:r>
+            <a:endParaRPr lang="en-US" altLang="ja-JP" dirty="0"/>
+          </a:p>
+          <a:p>
+            <a:endParaRPr kumimoji="1" lang="en-US" altLang="ja-JP" dirty="0" smtClean="0"/>
+          </a:p>
+          <a:p>
+            <a:endParaRPr lang="en-US" altLang="ja-JP" dirty="0"/>
+          </a:p>
+          <a:p>
+            <a:r>
+              <a:rPr kumimoji="1" lang="ja-JP" altLang="en-US" dirty="0" smtClean="0"/>
+              <a:t>これら</a:t>
+            </a:r>
+            <a:r>
+              <a:rPr kumimoji="1" lang="ja-JP" altLang="en-US" dirty="0" smtClean="0"/>
+              <a:t>の</a:t>
+            </a:r>
+            <a:r>
+              <a:rPr kumimoji="1" lang="ja-JP" altLang="en-US" dirty="0" smtClean="0"/>
+              <a:t>式が、数値的</a:t>
+            </a:r>
+            <a:r>
+              <a:rPr kumimoji="1" lang="ja-JP" altLang="en-US" dirty="0" smtClean="0"/>
+              <a:t>に</a:t>
+            </a:r>
+            <a:r>
+              <a:rPr kumimoji="1" lang="ja-JP" altLang="en-US" dirty="0" smtClean="0"/>
+              <a:t>解くべき方程式である。</a:t>
+            </a:r>
+            <a:endParaRPr kumimoji="1" lang="en-US" altLang="ja-JP" dirty="0" smtClean="0"/>
+          </a:p>
+          <a:p>
+            <a:r>
+              <a:rPr kumimoji="1" lang="ja-JP" altLang="en-US" dirty="0" smtClean="0"/>
+              <a:t>次に、</a:t>
+            </a:r>
+            <a:r>
+              <a:rPr kumimoji="1" lang="en-US" altLang="ja-JP" dirty="0" smtClean="0"/>
+              <a:t>L</a:t>
+            </a:r>
+            <a:r>
+              <a:rPr kumimoji="1" lang="en-US" altLang="ja-JP" baseline="-25000" dirty="0" smtClean="0"/>
+              <a:t>nl</a:t>
+            </a:r>
+            <a:r>
+              <a:rPr kumimoji="1" lang="en-US" altLang="ja-JP" dirty="0" smtClean="0"/>
+              <a:t>(x)</a:t>
+            </a:r>
+            <a:r>
+              <a:rPr kumimoji="1" lang="ja-JP" altLang="en-US" dirty="0" smtClean="0"/>
+              <a:t>と</a:t>
+            </a:r>
+            <a:r>
+              <a:rPr kumimoji="1" lang="en-US" altLang="ja-JP" dirty="0" smtClean="0"/>
+              <a:t>M(x)</a:t>
+            </a:r>
+            <a:r>
+              <a:rPr kumimoji="1" lang="ja-JP" altLang="en-US" dirty="0" smtClean="0"/>
+              <a:t>の境界値について考える。</a:t>
+            </a:r>
+            <a:endParaRPr kumimoji="1" lang="ja-JP" altLang="en-US" dirty="0"/>
+          </a:p>
+        </p:txBody>
+      </p:sp>
+      <p:pic>
+        <p:nvPicPr>
+          <p:cNvPr id="6" name="図 5"/>
+          <p:cNvPicPr>
+            <a:picLocks noChangeAspect="1"/>
+          </p:cNvPicPr>
+          <p:nvPr>
+            <p:custDataLst>
+              <p:tags r:id="rId1"/>
+            </p:custDataLst>
+          </p:nvPr>
+        </p:nvPicPr>
+        <p:blipFill>
+          <a:blip r:embed="rId3" cstate="print">
+            <a:extLst>
+              <a:ext uri="{28A0092B-C50C-407E-A947-70E740481C1C}">
+                <a14:useLocalDpi xmlns:a14="http://schemas.microsoft.com/office/drawing/2010/main" val="0"/>
+              </a:ext>
+            </a:extLst>
+          </a:blip>
+          <a:stretch>
+            <a:fillRect/>
+          </a:stretch>
+        </p:blipFill>
+        <p:spPr>
+          <a:xfrm>
+            <a:off x="1020487" y="4005064"/>
+            <a:ext cx="5905449" cy="1036136"/>
+          </a:xfrm>
+          <a:prstGeom prst="rect">
+            <a:avLst/>
+          </a:prstGeom>
+        </p:spPr>
+      </p:pic>
+    </p:spTree>
+    <p:extLst>
+      <p:ext uri="{BB962C8B-B14F-4D97-AF65-F5344CB8AC3E}">
+        <p14:creationId xmlns:p14="http://schemas.microsoft.com/office/powerpoint/2010/main" val="3619731811"/>
+      </p:ext>
+    </p:extLst>
+  </p:cSld>
+  <p:clrMapOvr>
+    <a:masterClrMapping/>
+  </p:clrMapOvr>
+  <p:timing>
+    <p:tnLst>
+      <p:par>
+        <p:cTn id="1" dur="indefinite" restart="never" nodeType="tmRoot"/>
+      </p:par>
+    </p:tnLst>
+  </p:timing>
+</p:sld>
+</file>
+
+<file path=ppt/slides/slide14.xml><?xml version="1.0" encoding="utf-8"?>
+<p:sld xmlns:a="http://schemas.openxmlformats.org/drawingml/2006/main" xmlns:r="http://schemas.openxmlformats.org/officeDocument/2006/relationships" xmlns:p="http://schemas.openxmlformats.org/presentationml/2006/main">
+  <p:cSld>
+    <p:spTree>
+      <p:nvGrpSpPr>
+        <p:cNvPr id="1" name=""/>
+        <p:cNvGrpSpPr/>
+        <p:nvPr/>
+      </p:nvGrpSpPr>
+      <p:grpSpPr>
+        <a:xfrm>
+          <a:off x="0" y="0"/>
+          <a:ext cx="0" cy="0"/>
+          <a:chOff x="0" y="0"/>
+          <a:chExt cx="0" cy="0"/>
+        </a:xfrm>
+      </p:grpSpPr>
+      <p:sp>
+        <p:nvSpPr>
+          <p:cNvPr id="2" name="タイトル 1"/>
+          <p:cNvSpPr>
+            <a:spLocks noGrp="1"/>
+          </p:cNvSpPr>
+          <p:nvPr>
+            <p:ph type="title"/>
+          </p:nvPr>
+        </p:nvSpPr>
+        <p:spPr/>
+        <p:txBody>
+          <a:bodyPr>
+            <a:normAutofit/>
+          </a:bodyPr>
+          <a:lstStyle/>
+          <a:p>
+            <a:r>
               <a:rPr lang="en-US" altLang="ja-JP" dirty="0"/>
               <a:t>V(r)</a:t>
             </a:r>
@@ -5006,11 +5610,11 @@
               <a:t>と</a:t>
             </a:r>
             <a:r>
-              <a:rPr lang="en-US" altLang="ja-JP" dirty="0" err="1" smtClean="0"/>
+              <a:rPr lang="en-US" altLang="ja-JP" dirty="0" smtClean="0"/>
               <a:t>L</a:t>
             </a:r>
             <a:r>
-              <a:rPr lang="en-US" altLang="ja-JP" baseline="-25000" dirty="0" err="1" smtClean="0"/>
+              <a:rPr lang="en-US" altLang="ja-JP" baseline="-25000" dirty="0" smtClean="0"/>
               <a:t>nl</a:t>
             </a:r>
             <a:r>
@@ -5060,11 +5664,11 @@
               <a:t>と関数</a:t>
             </a:r>
             <a:r>
-              <a:rPr lang="en-US" altLang="ja-JP" dirty="0" err="1" smtClean="0"/>
+              <a:rPr lang="en-US" altLang="ja-JP" dirty="0" smtClean="0"/>
               <a:t>L</a:t>
             </a:r>
             <a:r>
-              <a:rPr lang="en-US" altLang="ja-JP" baseline="-25000" dirty="0" err="1" smtClean="0"/>
+              <a:rPr lang="en-US" altLang="ja-JP" baseline="-25000" dirty="0" smtClean="0"/>
               <a:t>nl</a:t>
             </a:r>
             <a:r>
@@ -5099,11 +5703,11 @@
               <a:t>と関数</a:t>
             </a:r>
             <a:r>
-              <a:rPr lang="en-US" altLang="ja-JP" dirty="0" err="1"/>
+              <a:rPr lang="en-US" altLang="ja-JP" dirty="0"/>
               <a:t>L</a:t>
             </a:r>
             <a:r>
-              <a:rPr lang="en-US" altLang="ja-JP" baseline="-25000" dirty="0" err="1"/>
+              <a:rPr lang="en-US" altLang="ja-JP" baseline="-25000" dirty="0"/>
               <a:t>nl</a:t>
             </a:r>
             <a:r>
@@ -5134,14 +5738,10 @@
             </a:r>
             <a:r>
               <a:rPr lang="en-US" altLang="ja-JP" dirty="0"/>
-              <a:t> </a:t>
-            </a:r>
-            <a:r>
-              <a:rPr lang="en-US" altLang="ja-JP" dirty="0" err="1"/>
-              <a:t>L</a:t>
-            </a:r>
-            <a:r>
-              <a:rPr lang="en-US" altLang="ja-JP" baseline="-25000" dirty="0" err="1"/>
+              <a:t> L</a:t>
+            </a:r>
+            <a:r>
+              <a:rPr lang="en-US" altLang="ja-JP" baseline="-25000" dirty="0"/>
               <a:t>nl</a:t>
             </a:r>
             <a:r>
@@ -5251,7 +5851,7 @@
 </p:sld>
 </file>
 
-<file path=ppt/slides/slide12.xml><?xml version="1.0" encoding="utf-8"?>
+<file path=ppt/slides/slide15.xml><?xml version="1.0" encoding="utf-8"?>
 <p:sld xmlns:a="http://schemas.openxmlformats.org/drawingml/2006/main" xmlns:r="http://schemas.openxmlformats.org/officeDocument/2006/relationships" xmlns:p="http://schemas.openxmlformats.org/presentationml/2006/main">
   <p:cSld>
     <p:spTree>
@@ -5401,7 +6001,7 @@
       </p:pic>
       <p:pic>
         <p:nvPicPr>
-          <p:cNvPr id="7" name="図 6"/>
+          <p:cNvPr id="9" name="図 8"/>
           <p:cNvPicPr>
             <a:picLocks noChangeAspect="1"/>
           </p:cNvPicPr>
@@ -5425,8 +6025,8 @@
         </p:blipFill>
         <p:spPr>
           <a:xfrm>
-            <a:off x="1043606" y="3170968"/>
-            <a:ext cx="3600401" cy="656188"/>
+            <a:off x="1043608" y="4365104"/>
+            <a:ext cx="3818666" cy="694857"/>
           </a:xfrm>
           <a:prstGeom prst="rect">
             <a:avLst/>
@@ -5435,7 +6035,7 @@
       </p:pic>
       <p:pic>
         <p:nvPicPr>
-          <p:cNvPr id="9" name="図 8"/>
+          <p:cNvPr id="3" name="図 2"/>
           <p:cNvPicPr>
             <a:picLocks noChangeAspect="1"/>
           </p:cNvPicPr>
@@ -5459,8 +6059,8 @@
         </p:blipFill>
         <p:spPr>
           <a:xfrm>
-            <a:off x="1043608" y="4365104"/>
-            <a:ext cx="3818666" cy="694857"/>
+            <a:off x="1043608" y="3140968"/>
+            <a:ext cx="4076190" cy="694857"/>
           </a:xfrm>
           <a:prstGeom prst="rect">
             <a:avLst/>
@@ -5487,7 +6087,7 @@
 </p:sld>
 </file>
 
-<file path=ppt/slides/slide13.xml><?xml version="1.0" encoding="utf-8"?>
+<file path=ppt/slides/slide16.xml><?xml version="1.0" encoding="utf-8"?>
 <p:sld xmlns:a="http://schemas.openxmlformats.org/drawingml/2006/main" xmlns:r="http://schemas.openxmlformats.org/officeDocument/2006/relationships" xmlns:p="http://schemas.openxmlformats.org/presentationml/2006/main">
   <p:cSld>
     <p:spTree>
@@ -5520,8 +6120,28 @@
           <a:lstStyle/>
           <a:p>
             <a:r>
-              <a:rPr kumimoji="1" lang="ja-JP" altLang="en-US" dirty="0" smtClean="0"/>
-              <a:t>左辺と右辺を比較する</a:t>
+              <a:rPr lang="en-US" altLang="ja-JP" dirty="0" smtClean="0"/>
+              <a:t>L</a:t>
+            </a:r>
+            <a:r>
+              <a:rPr lang="en-US" altLang="ja-JP" baseline="-25000" dirty="0" smtClean="0"/>
+              <a:t>nl</a:t>
+            </a:r>
+            <a:r>
+              <a:rPr lang="en-US" altLang="ja-JP" dirty="0" smtClean="0"/>
+              <a:t>(r</a:t>
+            </a:r>
+            <a:r>
+              <a:rPr lang="en-US" altLang="ja-JP" dirty="0"/>
+              <a:t>)</a:t>
+            </a:r>
+            <a:r>
+              <a:rPr lang="ja-JP" altLang="en-US" dirty="0"/>
+              <a:t>の級数展開の</a:t>
+            </a:r>
+            <a:r>
+              <a:rPr lang="ja-JP" altLang="en-US" dirty="0" smtClean="0"/>
+              <a:t>係数を求める</a:t>
             </a:r>
             <a:endParaRPr kumimoji="1" lang="ja-JP" altLang="en-US" dirty="0"/>
           </a:p>
@@ -5539,7 +6159,9 @@
         </p:nvSpPr>
         <p:spPr/>
         <p:txBody>
-          <a:bodyPr/>
+          <a:bodyPr>
+            <a:normAutofit fontScale="92500" lnSpcReduction="10000"/>
+          </a:bodyPr>
           <a:lstStyle/>
           <a:p>
             <a:r>
@@ -5552,7 +6174,113 @@
             </a:r>
             <a:r>
               <a:rPr kumimoji="1" lang="ja-JP" altLang="en-US" dirty="0" smtClean="0"/>
-              <a:t>のべき乗の係数を比較することによって、以下が得られる。</a:t>
+              <a:t>のべき乗の係数を比較することによって、</a:t>
+            </a:r>
+            <a:r>
+              <a:rPr lang="en-US" altLang="ja-JP" dirty="0"/>
+              <a:t> </a:t>
+            </a:r>
+            <a:r>
+              <a:rPr lang="en-US" altLang="ja-JP" dirty="0" smtClean="0"/>
+              <a:t>L</a:t>
+            </a:r>
+            <a:r>
+              <a:rPr lang="en-US" altLang="ja-JP" baseline="-25000" dirty="0" smtClean="0"/>
+              <a:t>nl</a:t>
+            </a:r>
+            <a:r>
+              <a:rPr lang="en-US" altLang="ja-JP" dirty="0" smtClean="0"/>
+              <a:t>(r)</a:t>
+            </a:r>
+            <a:r>
+              <a:rPr lang="ja-JP" altLang="en-US" dirty="0" smtClean="0"/>
+              <a:t>の級数展開の係数</a:t>
+            </a:r>
+            <a:r>
+              <a:rPr lang="en-US" altLang="ja-JP" dirty="0" smtClean="0"/>
+              <a:t>b</a:t>
+            </a:r>
+            <a:r>
+              <a:rPr lang="en-US" altLang="ja-JP" baseline="-25000" dirty="0" smtClean="0"/>
+              <a:t>0</a:t>
+            </a:r>
+            <a:r>
+              <a:rPr lang="ja-JP" altLang="en-US" dirty="0" smtClean="0"/>
+              <a:t>～</a:t>
+            </a:r>
+            <a:r>
+              <a:rPr lang="en-US" altLang="ja-JP" dirty="0" smtClean="0"/>
+              <a:t>b</a:t>
+            </a:r>
+            <a:r>
+              <a:rPr lang="en-US" altLang="ja-JP" baseline="-25000" dirty="0" smtClean="0"/>
+              <a:t>4</a:t>
+            </a:r>
+            <a:r>
+              <a:rPr lang="ja-JP" altLang="en-US" dirty="0" smtClean="0"/>
+              <a:t>は以下のように得られる</a:t>
+            </a:r>
+            <a:r>
+              <a:rPr kumimoji="1" lang="ja-JP" altLang="en-US" dirty="0" smtClean="0"/>
+              <a:t>。</a:t>
+            </a:r>
+            <a:endParaRPr kumimoji="1" lang="en-US" altLang="ja-JP" dirty="0" smtClean="0"/>
+          </a:p>
+          <a:p>
+            <a:endParaRPr lang="en-US" altLang="ja-JP" dirty="0"/>
+          </a:p>
+          <a:p>
+            <a:endParaRPr kumimoji="1" lang="en-US" altLang="ja-JP" dirty="0" smtClean="0"/>
+          </a:p>
+          <a:p>
+            <a:endParaRPr lang="en-US" altLang="ja-JP" dirty="0"/>
+          </a:p>
+          <a:p>
+            <a:endParaRPr kumimoji="1" lang="en-US" altLang="ja-JP" dirty="0" smtClean="0"/>
+          </a:p>
+          <a:p>
+            <a:endParaRPr lang="en-US" altLang="ja-JP" dirty="0"/>
+          </a:p>
+          <a:p>
+            <a:r>
+              <a:rPr kumimoji="1" lang="en-US" altLang="ja-JP" dirty="0" smtClean="0"/>
+              <a:t>V(r)</a:t>
+            </a:r>
+            <a:r>
+              <a:rPr kumimoji="1" lang="ja-JP" altLang="en-US" dirty="0" smtClean="0"/>
+              <a:t>の級数展開の係数</a:t>
+            </a:r>
+            <a:r>
+              <a:rPr kumimoji="1" lang="en-US" altLang="ja-JP" dirty="0" smtClean="0"/>
+              <a:t>a</a:t>
+            </a:r>
+            <a:r>
+              <a:rPr kumimoji="1" lang="en-US" altLang="ja-JP" baseline="-25000" dirty="0" smtClean="0"/>
+              <a:t>0</a:t>
+            </a:r>
+            <a:r>
+              <a:rPr kumimoji="1" lang="ja-JP" altLang="en-US" dirty="0" smtClean="0"/>
+              <a:t>～</a:t>
+            </a:r>
+            <a:r>
+              <a:rPr kumimoji="1" lang="en-US" altLang="ja-JP" dirty="0" smtClean="0"/>
+              <a:t>a</a:t>
+            </a:r>
+            <a:r>
+              <a:rPr kumimoji="1" lang="en-US" altLang="ja-JP" baseline="-25000" dirty="0" smtClean="0"/>
+              <a:t>2</a:t>
+            </a:r>
+            <a:r>
+              <a:rPr kumimoji="1" lang="ja-JP" altLang="en-US" dirty="0" smtClean="0"/>
+              <a:t>（と</a:t>
+            </a:r>
+            <a:r>
+              <a:rPr kumimoji="1" lang="en-US" altLang="ja-JP" dirty="0" smtClean="0"/>
+              <a:t>E</a:t>
+            </a:r>
+            <a:r>
+              <a:rPr kumimoji="1" lang="ja-JP" altLang="en-US" dirty="0" smtClean="0"/>
+              <a:t>）は、未だ未知数であるので、別に求める必要がある。</a:t>
             </a:r>
             <a:endParaRPr kumimoji="1" lang="en-US" altLang="ja-JP" dirty="0" smtClean="0"/>
           </a:p>
@@ -5605,7 +6333,7 @@
         </p:blipFill>
         <p:spPr>
           <a:xfrm>
-            <a:off x="1115616" y="2636912"/>
+            <a:off x="1096050" y="2780928"/>
             <a:ext cx="2560000" cy="2208000"/>
           </a:xfrm>
           <a:prstGeom prst="rect">
@@ -5633,7 +6361,1186 @@
 </p:sld>
 </file>
 
-<file path=ppt/slides/slide14.xml><?xml version="1.0" encoding="utf-8"?>
+<file path=ppt/slides/slide17.xml><?xml version="1.0" encoding="utf-8"?>
+<p:sld xmlns:a="http://schemas.openxmlformats.org/drawingml/2006/main" xmlns:r="http://schemas.openxmlformats.org/officeDocument/2006/relationships" xmlns:p="http://schemas.openxmlformats.org/presentationml/2006/main">
+  <p:cSld>
+    <p:spTree>
+      <p:nvGrpSpPr>
+        <p:cNvPr id="1" name=""/>
+        <p:cNvGrpSpPr/>
+        <p:nvPr/>
+      </p:nvGrpSpPr>
+      <p:grpSpPr>
+        <a:xfrm>
+          <a:off x="0" y="0"/>
+          <a:ext cx="0" cy="0"/>
+          <a:chOff x="0" y="0"/>
+          <a:chExt cx="0" cy="0"/>
+        </a:xfrm>
+      </p:grpSpPr>
+      <p:sp>
+        <p:nvSpPr>
+          <p:cNvPr id="2" name="タイトル 1"/>
+          <p:cNvSpPr>
+            <a:spLocks noGrp="1"/>
+          </p:cNvSpPr>
+          <p:nvPr>
+            <p:ph type="title"/>
+          </p:nvPr>
+        </p:nvSpPr>
+        <p:spPr/>
+        <p:txBody>
+          <a:bodyPr/>
+          <a:lstStyle/>
+          <a:p>
+            <a:r>
+              <a:rPr kumimoji="1" lang="ja-JP" altLang="en-US" dirty="0" smtClean="0"/>
+              <a:t>原点付近の</a:t>
+            </a:r>
+            <a:r>
+              <a:rPr kumimoji="1" lang="en-US" altLang="ja-JP" dirty="0" smtClean="0"/>
+              <a:t>L</a:t>
+            </a:r>
+            <a:r>
+              <a:rPr kumimoji="1" lang="en-US" altLang="ja-JP" baseline="-25000" dirty="0" smtClean="0"/>
+              <a:t>nl</a:t>
+            </a:r>
+            <a:r>
+              <a:rPr kumimoji="1" lang="en-US" altLang="ja-JP" dirty="0" smtClean="0"/>
+              <a:t>(x</a:t>
+            </a:r>
+            <a:r>
+              <a:rPr kumimoji="1" lang="en-US" altLang="ja-JP" dirty="0" smtClean="0"/>
+              <a:t>)</a:t>
+            </a:r>
+            <a:r>
+              <a:rPr kumimoji="1" lang="ja-JP" altLang="en-US" dirty="0" smtClean="0"/>
+              <a:t>と</a:t>
+            </a:r>
+            <a:r>
+              <a:rPr kumimoji="1" lang="en-US" altLang="ja-JP" dirty="0" smtClean="0"/>
+              <a:t>M(x)</a:t>
+            </a:r>
+            <a:r>
+              <a:rPr kumimoji="1" lang="ja-JP" altLang="en-US" dirty="0" smtClean="0"/>
+              <a:t>の初期値</a:t>
+            </a:r>
+            <a:endParaRPr kumimoji="1" lang="ja-JP" altLang="en-US" dirty="0"/>
+          </a:p>
+        </p:txBody>
+      </p:sp>
+      <p:sp>
+        <p:nvSpPr>
+          <p:cNvPr id="3" name="コンテンツ プレースホルダー 2"/>
+          <p:cNvSpPr>
+            <a:spLocks noGrp="1"/>
+          </p:cNvSpPr>
+          <p:nvPr>
+            <p:ph sz="quarter" idx="1"/>
+          </p:nvPr>
+        </p:nvSpPr>
+        <p:spPr/>
+        <p:txBody>
+          <a:bodyPr/>
+          <a:lstStyle/>
+          <a:p>
+            <a:r>
+              <a:rPr lang="en-US" altLang="ja-JP" dirty="0"/>
+              <a:t>V(r)</a:t>
+            </a:r>
+            <a:r>
+              <a:rPr lang="ja-JP" altLang="en-US" dirty="0"/>
+              <a:t>の級数展開の係数</a:t>
+            </a:r>
+            <a:r>
+              <a:rPr lang="en-US" altLang="ja-JP" dirty="0"/>
+              <a:t>a</a:t>
+            </a:r>
+            <a:r>
+              <a:rPr lang="en-US" altLang="ja-JP" baseline="-25000" dirty="0"/>
+              <a:t>0</a:t>
+            </a:r>
+            <a:r>
+              <a:rPr lang="ja-JP" altLang="en-US" dirty="0"/>
+              <a:t>～</a:t>
+            </a:r>
+            <a:r>
+              <a:rPr lang="en-US" altLang="ja-JP" dirty="0" smtClean="0"/>
+              <a:t>a</a:t>
+            </a:r>
+            <a:r>
+              <a:rPr lang="en-US" altLang="ja-JP" baseline="-25000" dirty="0" smtClean="0"/>
+              <a:t>2</a:t>
+            </a:r>
+            <a:r>
+              <a:rPr lang="ja-JP" altLang="en-US" dirty="0" smtClean="0"/>
+              <a:t>は、以下の連立一次方程式から求められる。</a:t>
+            </a:r>
+            <a:endParaRPr lang="en-US" altLang="ja-JP" dirty="0" smtClean="0"/>
+          </a:p>
+          <a:p>
+            <a:endParaRPr lang="en-US" altLang="ja-JP" dirty="0"/>
+          </a:p>
+          <a:p>
+            <a:endParaRPr lang="en-US" altLang="ja-JP" dirty="0" smtClean="0"/>
+          </a:p>
+          <a:p>
+            <a:r>
+              <a:rPr lang="ja-JP" altLang="en-US" dirty="0"/>
+              <a:t>この連立一次方程式の</a:t>
+            </a:r>
+            <a:r>
+              <a:rPr lang="ja-JP" altLang="en-US" dirty="0" smtClean="0"/>
+              <a:t>解は、</a:t>
+            </a:r>
+            <a:r>
+              <a:rPr lang="en-US" altLang="ja-JP" dirty="0" smtClean="0"/>
+              <a:t>GSL</a:t>
+            </a:r>
+            <a:r>
+              <a:rPr lang="ja-JP" altLang="en-US" dirty="0" smtClean="0"/>
+              <a:t>ライブラリの連立一次</a:t>
+            </a:r>
+            <a:r>
+              <a:rPr lang="ja-JP" altLang="en-US" dirty="0" smtClean="0"/>
+              <a:t>方程式のソルバー</a:t>
+            </a:r>
+            <a:r>
+              <a:rPr lang="ja-JP" altLang="en-US" dirty="0" smtClean="0"/>
+              <a:t>を使えば、簡単に</a:t>
+            </a:r>
+            <a:r>
+              <a:rPr lang="ja-JP" altLang="en-US" dirty="0" smtClean="0"/>
+              <a:t>得られる。そしてこれでやっと、以下のように原点付近</a:t>
+            </a:r>
+            <a:r>
+              <a:rPr lang="en-US" altLang="ja-JP" dirty="0" smtClean="0"/>
+              <a:t>(x = x</a:t>
+            </a:r>
+            <a:r>
+              <a:rPr lang="en-US" altLang="ja-JP" baseline="-25000" dirty="0" smtClean="0"/>
+              <a:t>0</a:t>
+            </a:r>
+            <a:r>
+              <a:rPr lang="en-US" altLang="ja-JP" dirty="0" smtClean="0"/>
+              <a:t>)</a:t>
+            </a:r>
+            <a:r>
+              <a:rPr lang="ja-JP" altLang="en-US" dirty="0" err="1" smtClean="0"/>
+              <a:t>での</a:t>
+            </a:r>
+            <a:r>
+              <a:rPr lang="ja-JP" altLang="en-US" dirty="0" smtClean="0"/>
+              <a:t>初期値が求まる。</a:t>
+            </a:r>
+            <a:endParaRPr lang="en-US" altLang="ja-JP" dirty="0" smtClean="0"/>
+          </a:p>
+          <a:p>
+            <a:endParaRPr kumimoji="1" lang="ja-JP" altLang="en-US" dirty="0"/>
+          </a:p>
+        </p:txBody>
+      </p:sp>
+      <p:pic>
+        <p:nvPicPr>
+          <p:cNvPr id="4" name="図 3"/>
+          <p:cNvPicPr>
+            <a:picLocks noChangeAspect="1"/>
+          </p:cNvPicPr>
+          <p:nvPr>
+            <p:custDataLst>
+              <p:tags r:id="rId1"/>
+            </p:custDataLst>
+          </p:nvPr>
+        </p:nvPicPr>
+        <p:blipFill>
+          <a:blip r:embed="rId4" cstate="print">
+            <a:extLst>
+              <a:ext uri="{28A0092B-C50C-407E-A947-70E740481C1C}">
+                <a14:useLocalDpi xmlns:a14="http://schemas.microsoft.com/office/drawing/2010/main" val="0"/>
+              </a:ext>
+            </a:extLst>
+          </a:blip>
+          <a:stretch>
+            <a:fillRect/>
+          </a:stretch>
+        </p:blipFill>
+        <p:spPr>
+          <a:xfrm>
+            <a:off x="1043608" y="2708920"/>
+            <a:ext cx="4332190" cy="911238"/>
+          </a:xfrm>
+          <a:prstGeom prst="rect">
+            <a:avLst/>
+          </a:prstGeom>
+        </p:spPr>
+      </p:pic>
+      <p:pic>
+        <p:nvPicPr>
+          <p:cNvPr id="7" name="図 6"/>
+          <p:cNvPicPr>
+            <a:picLocks noChangeAspect="1"/>
+          </p:cNvPicPr>
+          <p:nvPr>
+            <p:custDataLst>
+              <p:tags r:id="rId2"/>
+            </p:custDataLst>
+          </p:nvPr>
+        </p:nvPicPr>
+        <p:blipFill>
+          <a:blip r:embed="rId5" cstate="print">
+            <a:extLst>
+              <a:ext uri="{28A0092B-C50C-407E-A947-70E740481C1C}">
+                <a14:useLocalDpi xmlns:a14="http://schemas.microsoft.com/office/drawing/2010/main" val="0"/>
+              </a:ext>
+            </a:extLst>
+          </a:blip>
+          <a:stretch>
+            <a:fillRect/>
+          </a:stretch>
+        </p:blipFill>
+        <p:spPr>
+          <a:xfrm>
+            <a:off x="1044356" y="5517232"/>
+            <a:ext cx="5869714" cy="556190"/>
+          </a:xfrm>
+          <a:prstGeom prst="rect">
+            <a:avLst/>
+          </a:prstGeom>
+        </p:spPr>
+      </p:pic>
+    </p:spTree>
+    <p:extLst>
+      <p:ext uri="{BB962C8B-B14F-4D97-AF65-F5344CB8AC3E}">
+        <p14:creationId xmlns:p14="http://schemas.microsoft.com/office/powerpoint/2010/main" val="2850323274"/>
+      </p:ext>
+    </p:extLst>
+  </p:cSld>
+  <p:clrMapOvr>
+    <a:masterClrMapping/>
+  </p:clrMapOvr>
+  <p:timing>
+    <p:tnLst>
+      <p:par>
+        <p:cTn id="1" dur="indefinite" restart="never" nodeType="tmRoot"/>
+      </p:par>
+    </p:tnLst>
+  </p:timing>
+</p:sld>
+</file>
+
+<file path=ppt/slides/slide18.xml><?xml version="1.0" encoding="utf-8"?>
+<p:sld xmlns:a="http://schemas.openxmlformats.org/drawingml/2006/main" xmlns:r="http://schemas.openxmlformats.org/officeDocument/2006/relationships" xmlns:p="http://schemas.openxmlformats.org/presentationml/2006/main">
+  <p:cSld>
+    <p:spTree>
+      <p:nvGrpSpPr>
+        <p:cNvPr id="1" name=""/>
+        <p:cNvGrpSpPr/>
+        <p:nvPr/>
+      </p:nvGrpSpPr>
+      <p:grpSpPr>
+        <a:xfrm>
+          <a:off x="0" y="0"/>
+          <a:ext cx="0" cy="0"/>
+          <a:chOff x="0" y="0"/>
+          <a:chExt cx="0" cy="0"/>
+        </a:xfrm>
+      </p:grpSpPr>
+      <p:sp>
+        <p:nvSpPr>
+          <p:cNvPr id="2" name="タイトル 1"/>
+          <p:cNvSpPr>
+            <a:spLocks noGrp="1"/>
+          </p:cNvSpPr>
+          <p:nvPr>
+            <p:ph type="title"/>
+          </p:nvPr>
+        </p:nvSpPr>
+        <p:spPr/>
+        <p:txBody>
+          <a:bodyPr>
+            <a:normAutofit fontScale="90000"/>
+          </a:bodyPr>
+          <a:lstStyle/>
+          <a:p>
+            <a:r>
+              <a:rPr lang="ja-JP" altLang="en-US" dirty="0"/>
+              <a:t>原点</a:t>
+            </a:r>
+            <a:r>
+              <a:rPr lang="ja-JP" altLang="en-US" dirty="0" smtClean="0"/>
+              <a:t>から十分離れた</a:t>
+            </a:r>
+            <a:r>
+              <a:rPr lang="ja-JP" altLang="en-US" dirty="0"/>
+              <a:t>点で</a:t>
+            </a:r>
+            <a:r>
+              <a:rPr lang="ja-JP" altLang="en-US" dirty="0" smtClean="0"/>
+              <a:t>の波動関数の振る舞い</a:t>
+            </a:r>
+            <a:endParaRPr kumimoji="1" lang="ja-JP" altLang="en-US" dirty="0"/>
+          </a:p>
+        </p:txBody>
+      </p:sp>
+      <p:sp>
+        <p:nvSpPr>
+          <p:cNvPr id="3" name="コンテンツ プレースホルダー 2"/>
+          <p:cNvSpPr>
+            <a:spLocks noGrp="1"/>
+          </p:cNvSpPr>
+          <p:nvPr>
+            <p:ph sz="quarter" idx="1"/>
+          </p:nvPr>
+        </p:nvSpPr>
+        <p:spPr>
+          <a:xfrm>
+            <a:off x="612648" y="1600200"/>
+            <a:ext cx="8153400" cy="5257800"/>
+          </a:xfrm>
+        </p:spPr>
+        <p:txBody>
+          <a:bodyPr>
+            <a:normAutofit/>
+          </a:bodyPr>
+          <a:lstStyle/>
+          <a:p>
+            <a:r>
+              <a:rPr kumimoji="1" lang="ja-JP" altLang="en-US" dirty="0" smtClean="0"/>
+              <a:t>波動関数を以下のように書くと、</a:t>
+            </a:r>
+            <a:endParaRPr kumimoji="1" lang="en-US" altLang="ja-JP" dirty="0" smtClean="0"/>
+          </a:p>
+          <a:p>
+            <a:endParaRPr lang="en-US" altLang="ja-JP" dirty="0"/>
+          </a:p>
+          <a:p>
+            <a:r>
+              <a:rPr kumimoji="1" lang="ja-JP" altLang="en-US" dirty="0" smtClean="0"/>
+              <a:t>次式が成り立つ。</a:t>
+            </a:r>
+            <a:endParaRPr kumimoji="1" lang="en-US" altLang="ja-JP" dirty="0" smtClean="0"/>
+          </a:p>
+          <a:p>
+            <a:endParaRPr lang="en-US" altLang="ja-JP" dirty="0"/>
+          </a:p>
+          <a:p>
+            <a:r>
+              <a:rPr kumimoji="1" lang="ja-JP" altLang="en-US" dirty="0" smtClean="0"/>
+              <a:t>左辺</a:t>
+            </a:r>
+            <a:r>
+              <a:rPr kumimoji="1" lang="en-US" altLang="ja-JP" dirty="0" smtClean="0"/>
+              <a:t>[]</a:t>
+            </a:r>
+            <a:r>
+              <a:rPr kumimoji="1" lang="ja-JP" altLang="en-US" dirty="0" smtClean="0"/>
+              <a:t>の中の第一項と第二項の寄与は、原点から十分離れたところでは無視できる。従って、</a:t>
+            </a:r>
+            <a:endParaRPr kumimoji="1" lang="en-US" altLang="ja-JP" dirty="0" smtClean="0"/>
+          </a:p>
+          <a:p>
+            <a:endParaRPr kumimoji="1" lang="en-US" altLang="ja-JP" dirty="0" smtClean="0"/>
+          </a:p>
+          <a:p>
+            <a:r>
+              <a:rPr lang="ja-JP" altLang="en-US" dirty="0" smtClean="0"/>
+              <a:t>この方程式の解析解は容易に分かり、</a:t>
+            </a:r>
+            <a:endParaRPr lang="en-US" altLang="ja-JP" dirty="0" smtClean="0"/>
+          </a:p>
+          <a:p>
+            <a:endParaRPr lang="en-US" altLang="ja-JP" dirty="0" smtClean="0"/>
+          </a:p>
+          <a:p>
+            <a:r>
+              <a:rPr lang="ja-JP" altLang="en-US" dirty="0" smtClean="0"/>
+              <a:t>である。</a:t>
+            </a:r>
+            <a:endParaRPr kumimoji="1" lang="ja-JP" altLang="en-US" dirty="0"/>
+          </a:p>
+        </p:txBody>
+      </p:sp>
+      <p:pic>
+        <p:nvPicPr>
+          <p:cNvPr id="4" name="図 3"/>
+          <p:cNvPicPr>
+            <a:picLocks noChangeAspect="1"/>
+          </p:cNvPicPr>
+          <p:nvPr>
+            <p:custDataLst>
+              <p:tags r:id="rId1"/>
+            </p:custDataLst>
+          </p:nvPr>
+        </p:nvPicPr>
+        <p:blipFill>
+          <a:blip r:embed="rId6" cstate="print">
+            <a:extLst>
+              <a:ext uri="{28A0092B-C50C-407E-A947-70E740481C1C}">
+                <a14:useLocalDpi xmlns:a14="http://schemas.microsoft.com/office/drawing/2010/main" val="0"/>
+              </a:ext>
+            </a:extLst>
+          </a:blip>
+          <a:stretch>
+            <a:fillRect/>
+          </a:stretch>
+        </p:blipFill>
+        <p:spPr>
+          <a:xfrm>
+            <a:off x="1043608" y="2140247"/>
+            <a:ext cx="2733714" cy="536381"/>
+          </a:xfrm>
+          <a:prstGeom prst="rect">
+            <a:avLst/>
+          </a:prstGeom>
+        </p:spPr>
+      </p:pic>
+      <p:pic>
+        <p:nvPicPr>
+          <p:cNvPr id="5" name="図 4"/>
+          <p:cNvPicPr>
+            <a:picLocks noChangeAspect="1"/>
+          </p:cNvPicPr>
+          <p:nvPr>
+            <p:custDataLst>
+              <p:tags r:id="rId2"/>
+            </p:custDataLst>
+          </p:nvPr>
+        </p:nvPicPr>
+        <p:blipFill>
+          <a:blip r:embed="rId7" cstate="print">
+            <a:extLst>
+              <a:ext uri="{28A0092B-C50C-407E-A947-70E740481C1C}">
+                <a14:useLocalDpi xmlns:a14="http://schemas.microsoft.com/office/drawing/2010/main" val="0"/>
+              </a:ext>
+            </a:extLst>
+          </a:blip>
+          <a:stretch>
+            <a:fillRect/>
+          </a:stretch>
+        </p:blipFill>
+        <p:spPr>
+          <a:xfrm>
+            <a:off x="1043608" y="3182816"/>
+            <a:ext cx="5100190" cy="621714"/>
+          </a:xfrm>
+          <a:prstGeom prst="rect">
+            <a:avLst/>
+          </a:prstGeom>
+        </p:spPr>
+      </p:pic>
+      <p:pic>
+        <p:nvPicPr>
+          <p:cNvPr id="7" name="図 6"/>
+          <p:cNvPicPr>
+            <a:picLocks noChangeAspect="1"/>
+          </p:cNvPicPr>
+          <p:nvPr>
+            <p:custDataLst>
+              <p:tags r:id="rId3"/>
+            </p:custDataLst>
+          </p:nvPr>
+        </p:nvPicPr>
+        <p:blipFill>
+          <a:blip r:embed="rId8" cstate="print">
+            <a:extLst>
+              <a:ext uri="{28A0092B-C50C-407E-A947-70E740481C1C}">
+                <a14:useLocalDpi xmlns:a14="http://schemas.microsoft.com/office/drawing/2010/main" val="0"/>
+              </a:ext>
+            </a:extLst>
+          </a:blip>
+          <a:stretch>
+            <a:fillRect/>
+          </a:stretch>
+        </p:blipFill>
+        <p:spPr>
+          <a:xfrm>
+            <a:off x="1043608" y="5823823"/>
+            <a:ext cx="3888432" cy="393566"/>
+          </a:xfrm>
+          <a:prstGeom prst="rect">
+            <a:avLst/>
+          </a:prstGeom>
+        </p:spPr>
+      </p:pic>
+      <p:grpSp>
+        <p:nvGrpSpPr>
+          <p:cNvPr id="25" name="グループ化 24"/>
+          <p:cNvGrpSpPr/>
+          <p:nvPr/>
+        </p:nvGrpSpPr>
+        <p:grpSpPr>
+          <a:xfrm>
+            <a:off x="2154892" y="3086917"/>
+            <a:ext cx="788478" cy="813512"/>
+            <a:chOff x="7219981" y="1531758"/>
+            <a:chExt cx="788478" cy="813512"/>
+          </a:xfrm>
+        </p:grpSpPr>
+        <p:cxnSp>
+          <p:nvCxnSpPr>
+            <p:cNvPr id="10" name="直線コネクタ 9"/>
+            <p:cNvCxnSpPr/>
+            <p:nvPr/>
+          </p:nvCxnSpPr>
+          <p:spPr>
+            <a:xfrm>
+              <a:off x="7219981" y="1556792"/>
+              <a:ext cx="788478" cy="788478"/>
+            </a:xfrm>
+            <a:prstGeom prst="line">
+              <a:avLst/>
+            </a:prstGeom>
+            <a:ln w="25400">
+              <a:solidFill>
+                <a:srgbClr val="FF0000"/>
+              </a:solidFill>
+            </a:ln>
+          </p:spPr>
+          <p:style>
+            <a:lnRef idx="1">
+              <a:schemeClr val="accent1"/>
+            </a:lnRef>
+            <a:fillRef idx="0">
+              <a:schemeClr val="accent1"/>
+            </a:fillRef>
+            <a:effectRef idx="0">
+              <a:schemeClr val="accent1"/>
+            </a:effectRef>
+            <a:fontRef idx="minor">
+              <a:schemeClr val="tx1"/>
+            </a:fontRef>
+          </p:style>
+        </p:cxnSp>
+        <p:cxnSp>
+          <p:nvCxnSpPr>
+            <p:cNvPr id="11" name="直線コネクタ 10"/>
+            <p:cNvCxnSpPr/>
+            <p:nvPr/>
+          </p:nvCxnSpPr>
+          <p:spPr>
+            <a:xfrm flipH="1">
+              <a:off x="7219981" y="1531758"/>
+              <a:ext cx="788478" cy="788478"/>
+            </a:xfrm>
+            <a:prstGeom prst="line">
+              <a:avLst/>
+            </a:prstGeom>
+            <a:ln w="25400">
+              <a:solidFill>
+                <a:srgbClr val="FF0000"/>
+              </a:solidFill>
+            </a:ln>
+          </p:spPr>
+          <p:style>
+            <a:lnRef idx="1">
+              <a:schemeClr val="accent1"/>
+            </a:lnRef>
+            <a:fillRef idx="0">
+              <a:schemeClr val="accent1"/>
+            </a:fillRef>
+            <a:effectRef idx="0">
+              <a:schemeClr val="accent1"/>
+            </a:effectRef>
+            <a:fontRef idx="minor">
+              <a:schemeClr val="tx1"/>
+            </a:fontRef>
+          </p:style>
+        </p:cxnSp>
+      </p:grpSp>
+      <p:grpSp>
+        <p:nvGrpSpPr>
+          <p:cNvPr id="26" name="グループ化 25"/>
+          <p:cNvGrpSpPr/>
+          <p:nvPr/>
+        </p:nvGrpSpPr>
+        <p:grpSpPr>
+          <a:xfrm>
+            <a:off x="3199464" y="3111951"/>
+            <a:ext cx="788478" cy="813512"/>
+            <a:chOff x="7219981" y="1531758"/>
+            <a:chExt cx="788478" cy="813512"/>
+          </a:xfrm>
+        </p:grpSpPr>
+        <p:cxnSp>
+          <p:nvCxnSpPr>
+            <p:cNvPr id="27" name="直線コネクタ 26"/>
+            <p:cNvCxnSpPr/>
+            <p:nvPr/>
+          </p:nvCxnSpPr>
+          <p:spPr>
+            <a:xfrm>
+              <a:off x="7219981" y="1556792"/>
+              <a:ext cx="788478" cy="788478"/>
+            </a:xfrm>
+            <a:prstGeom prst="line">
+              <a:avLst/>
+            </a:prstGeom>
+            <a:ln w="25400">
+              <a:solidFill>
+                <a:srgbClr val="FF0000"/>
+              </a:solidFill>
+            </a:ln>
+          </p:spPr>
+          <p:style>
+            <a:lnRef idx="1">
+              <a:schemeClr val="accent1"/>
+            </a:lnRef>
+            <a:fillRef idx="0">
+              <a:schemeClr val="accent1"/>
+            </a:fillRef>
+            <a:effectRef idx="0">
+              <a:schemeClr val="accent1"/>
+            </a:effectRef>
+            <a:fontRef idx="minor">
+              <a:schemeClr val="tx1"/>
+            </a:fontRef>
+          </p:style>
+        </p:cxnSp>
+        <p:cxnSp>
+          <p:nvCxnSpPr>
+            <p:cNvPr id="28" name="直線コネクタ 27"/>
+            <p:cNvCxnSpPr/>
+            <p:nvPr/>
+          </p:nvCxnSpPr>
+          <p:spPr>
+            <a:xfrm flipH="1">
+              <a:off x="7219981" y="1531758"/>
+              <a:ext cx="788478" cy="788478"/>
+            </a:xfrm>
+            <a:prstGeom prst="line">
+              <a:avLst/>
+            </a:prstGeom>
+            <a:ln w="25400">
+              <a:solidFill>
+                <a:srgbClr val="FF0000"/>
+              </a:solidFill>
+            </a:ln>
+          </p:spPr>
+          <p:style>
+            <a:lnRef idx="1">
+              <a:schemeClr val="accent1"/>
+            </a:lnRef>
+            <a:fillRef idx="0">
+              <a:schemeClr val="accent1"/>
+            </a:fillRef>
+            <a:effectRef idx="0">
+              <a:schemeClr val="accent1"/>
+            </a:effectRef>
+            <a:fontRef idx="minor">
+              <a:schemeClr val="tx1"/>
+            </a:fontRef>
+          </p:style>
+        </p:cxnSp>
+      </p:grpSp>
+      <p:pic>
+        <p:nvPicPr>
+          <p:cNvPr id="29" name="図 28"/>
+          <p:cNvPicPr>
+            <a:picLocks noChangeAspect="1"/>
+          </p:cNvPicPr>
+          <p:nvPr>
+            <p:custDataLst>
+              <p:tags r:id="rId4"/>
+            </p:custDataLst>
+          </p:nvPr>
+        </p:nvPicPr>
+        <p:blipFill>
+          <a:blip r:embed="rId9" cstate="print">
+            <a:extLst>
+              <a:ext uri="{28A0092B-C50C-407E-A947-70E740481C1C}">
+                <a14:useLocalDpi xmlns:a14="http://schemas.microsoft.com/office/drawing/2010/main" val="0"/>
+              </a:ext>
+            </a:extLst>
+          </a:blip>
+          <a:stretch>
+            <a:fillRect/>
+          </a:stretch>
+        </p:blipFill>
+        <p:spPr>
+          <a:xfrm>
+            <a:off x="1043608" y="4725144"/>
+            <a:ext cx="2633143" cy="557714"/>
+          </a:xfrm>
+          <a:prstGeom prst="rect">
+            <a:avLst/>
+          </a:prstGeom>
+        </p:spPr>
+      </p:pic>
+    </p:spTree>
+    <p:extLst>
+      <p:ext uri="{BB962C8B-B14F-4D97-AF65-F5344CB8AC3E}">
+        <p14:creationId xmlns:p14="http://schemas.microsoft.com/office/powerpoint/2010/main" val="2355320439"/>
+      </p:ext>
+    </p:extLst>
+  </p:cSld>
+  <p:clrMapOvr>
+    <a:masterClrMapping/>
+  </p:clrMapOvr>
+  <p:timing>
+    <p:tnLst>
+      <p:par>
+        <p:cTn id="1" dur="indefinite" restart="never" nodeType="tmRoot"/>
+      </p:par>
+    </p:tnLst>
+  </p:timing>
+</p:sld>
+</file>
+
+<file path=ppt/slides/slide19.xml><?xml version="1.0" encoding="utf-8"?>
+<p:sld xmlns:a="http://schemas.openxmlformats.org/drawingml/2006/main" xmlns:r="http://schemas.openxmlformats.org/officeDocument/2006/relationships" xmlns:p="http://schemas.openxmlformats.org/presentationml/2006/main">
+  <p:cSld>
+    <p:spTree>
+      <p:nvGrpSpPr>
+        <p:cNvPr id="1" name=""/>
+        <p:cNvGrpSpPr/>
+        <p:nvPr/>
+      </p:nvGrpSpPr>
+      <p:grpSpPr>
+        <a:xfrm>
+          <a:off x="0" y="0"/>
+          <a:ext cx="0" cy="0"/>
+          <a:chOff x="0" y="0"/>
+          <a:chExt cx="0" cy="0"/>
+        </a:xfrm>
+      </p:grpSpPr>
+      <p:sp>
+        <p:nvSpPr>
+          <p:cNvPr id="2" name="タイトル 1"/>
+          <p:cNvSpPr>
+            <a:spLocks noGrp="1"/>
+          </p:cNvSpPr>
+          <p:nvPr>
+            <p:ph type="title"/>
+          </p:nvPr>
+        </p:nvSpPr>
+        <p:spPr/>
+        <p:txBody>
+          <a:bodyPr>
+            <a:normAutofit fontScale="90000"/>
+          </a:bodyPr>
+          <a:lstStyle/>
+          <a:p>
+            <a:r>
+              <a:rPr lang="ja-JP" altLang="en-US" dirty="0"/>
+              <a:t>原点から十分離れた</a:t>
+            </a:r>
+            <a:r>
+              <a:rPr lang="ja-JP" altLang="en-US" dirty="0" smtClean="0"/>
+              <a:t>点での</a:t>
+            </a:r>
+            <a:r>
+              <a:rPr lang="en-US" altLang="ja-JP" dirty="0"/>
+              <a:t>L</a:t>
+            </a:r>
+            <a:r>
+              <a:rPr lang="en-US" altLang="ja-JP" baseline="-25000" dirty="0"/>
+              <a:t>nl</a:t>
+            </a:r>
+            <a:r>
+              <a:rPr lang="en-US" altLang="ja-JP" dirty="0"/>
+              <a:t>(x)</a:t>
+            </a:r>
+            <a:r>
+              <a:rPr lang="ja-JP" altLang="en-US" dirty="0" smtClean="0"/>
+              <a:t>と</a:t>
+            </a:r>
+            <a:r>
+              <a:rPr lang="en-US" altLang="ja-JP" dirty="0" smtClean="0"/>
+              <a:t>M(x)</a:t>
+            </a:r>
+            <a:r>
+              <a:rPr lang="ja-JP" altLang="en-US" dirty="0" smtClean="0"/>
+              <a:t>の初期値</a:t>
+            </a:r>
+            <a:endParaRPr kumimoji="1" lang="ja-JP" altLang="en-US" dirty="0"/>
+          </a:p>
+        </p:txBody>
+      </p:sp>
+      <p:sp>
+        <p:nvSpPr>
+          <p:cNvPr id="3" name="コンテンツ プレースホルダー 2"/>
+          <p:cNvSpPr>
+            <a:spLocks noGrp="1"/>
+          </p:cNvSpPr>
+          <p:nvPr>
+            <p:ph sz="quarter" idx="1"/>
+          </p:nvPr>
+        </p:nvSpPr>
+        <p:spPr/>
+        <p:txBody>
+          <a:bodyPr/>
+          <a:lstStyle/>
+          <a:p>
+            <a:r>
+              <a:rPr kumimoji="1" lang="ja-JP" altLang="en-US" dirty="0" smtClean="0"/>
+              <a:t>ここで、</a:t>
+            </a:r>
+            <a:endParaRPr kumimoji="1" lang="en-US" altLang="ja-JP" dirty="0" smtClean="0"/>
+          </a:p>
+          <a:p>
+            <a:endParaRPr kumimoji="1" lang="en-US" altLang="ja-JP" dirty="0" smtClean="0"/>
+          </a:p>
+          <a:p>
+            <a:r>
+              <a:rPr kumimoji="1" lang="ja-JP" altLang="en-US" dirty="0" smtClean="0"/>
+              <a:t>である。従って、前ページ</a:t>
+            </a:r>
+            <a:r>
+              <a:rPr kumimoji="1" lang="ja-JP" altLang="en-US" dirty="0" smtClean="0"/>
+              <a:t>の結果から</a:t>
+            </a:r>
+            <a:r>
+              <a:rPr lang="ja-JP" altLang="en-US" dirty="0"/>
+              <a:t>、原点から十分離れた</a:t>
+            </a:r>
+            <a:r>
+              <a:rPr lang="ja-JP" altLang="en-US" dirty="0" smtClean="0"/>
+              <a:t>点</a:t>
+            </a:r>
+            <a:r>
+              <a:rPr lang="en-US" altLang="ja-JP" dirty="0" smtClean="0"/>
+              <a:t>(x = x</a:t>
+            </a:r>
+            <a:r>
+              <a:rPr lang="en-US" altLang="ja-JP" baseline="-25000" dirty="0" smtClean="0"/>
+              <a:t>max</a:t>
+            </a:r>
+            <a:r>
+              <a:rPr lang="en-US" altLang="ja-JP" dirty="0" smtClean="0"/>
+              <a:t>)</a:t>
+            </a:r>
+            <a:r>
+              <a:rPr lang="ja-JP" altLang="en-US" dirty="0" err="1" smtClean="0"/>
+              <a:t>での</a:t>
+            </a:r>
+            <a:r>
+              <a:rPr kumimoji="1" lang="en-US" altLang="ja-JP" dirty="0" smtClean="0"/>
+              <a:t>L</a:t>
+            </a:r>
+            <a:r>
+              <a:rPr kumimoji="1" lang="en-US" altLang="ja-JP" baseline="-25000" dirty="0" smtClean="0"/>
+              <a:t>nl</a:t>
+            </a:r>
+            <a:r>
+              <a:rPr kumimoji="1" lang="en-US" altLang="ja-JP" dirty="0" smtClean="0"/>
+              <a:t>(x)</a:t>
+            </a:r>
+            <a:r>
+              <a:rPr kumimoji="1" lang="ja-JP" altLang="en-US" dirty="0" smtClean="0"/>
+              <a:t>と</a:t>
+            </a:r>
+            <a:r>
+              <a:rPr kumimoji="1" lang="en-US" altLang="ja-JP" dirty="0" smtClean="0"/>
+              <a:t>M(x)</a:t>
+            </a:r>
+            <a:r>
+              <a:rPr kumimoji="1" lang="ja-JP" altLang="en-US" dirty="0" err="1" smtClean="0"/>
+              <a:t>の</a:t>
+            </a:r>
+            <a:r>
+              <a:rPr kumimoji="1" lang="ja-JP" altLang="en-US" dirty="0" err="1" smtClean="0"/>
+              <a:t>近</a:t>
+            </a:r>
+            <a:r>
+              <a:rPr kumimoji="1" lang="ja-JP" altLang="en-US" dirty="0" smtClean="0"/>
+              <a:t>似解は</a:t>
+            </a:r>
+            <a:r>
+              <a:rPr kumimoji="1" lang="ja-JP" altLang="en-US" dirty="0" smtClean="0"/>
+              <a:t>、</a:t>
+            </a:r>
+            <a:endParaRPr kumimoji="1" lang="en-US" altLang="ja-JP" dirty="0" smtClean="0"/>
+          </a:p>
+          <a:p>
+            <a:endParaRPr lang="en-US" altLang="ja-JP" dirty="0"/>
+          </a:p>
+          <a:p>
+            <a:endParaRPr kumimoji="1" lang="en-US" altLang="ja-JP" dirty="0" smtClean="0"/>
+          </a:p>
+          <a:p>
+            <a:r>
+              <a:rPr lang="ja-JP" altLang="en-US" dirty="0"/>
+              <a:t>となる。</a:t>
+            </a:r>
+            <a:endParaRPr lang="en-US" altLang="ja-JP" dirty="0"/>
+          </a:p>
+        </p:txBody>
+      </p:sp>
+      <p:pic>
+        <p:nvPicPr>
+          <p:cNvPr id="4" name="図 3"/>
+          <p:cNvPicPr>
+            <a:picLocks noChangeAspect="1"/>
+          </p:cNvPicPr>
+          <p:nvPr>
+            <p:custDataLst>
+              <p:tags r:id="rId1"/>
+            </p:custDataLst>
+          </p:nvPr>
+        </p:nvPicPr>
+        <p:blipFill>
+          <a:blip r:embed="rId4" cstate="print">
+            <a:extLst>
+              <a:ext uri="{28A0092B-C50C-407E-A947-70E740481C1C}">
+                <a14:useLocalDpi xmlns:a14="http://schemas.microsoft.com/office/drawing/2010/main" val="0"/>
+              </a:ext>
+            </a:extLst>
+          </a:blip>
+          <a:stretch>
+            <a:fillRect/>
+          </a:stretch>
+        </p:blipFill>
+        <p:spPr>
+          <a:xfrm>
+            <a:off x="1043608" y="2132856"/>
+            <a:ext cx="1819428" cy="536381"/>
+          </a:xfrm>
+          <a:prstGeom prst="rect">
+            <a:avLst/>
+          </a:prstGeom>
+        </p:spPr>
+      </p:pic>
+      <p:pic>
+        <p:nvPicPr>
+          <p:cNvPr id="5" name="図 4"/>
+          <p:cNvPicPr>
+            <a:picLocks noChangeAspect="1"/>
+          </p:cNvPicPr>
+          <p:nvPr>
+            <p:custDataLst>
+              <p:tags r:id="rId2"/>
+            </p:custDataLst>
+          </p:nvPr>
+        </p:nvPicPr>
+        <p:blipFill>
+          <a:blip r:embed="rId5" cstate="print">
+            <a:extLst>
+              <a:ext uri="{28A0092B-C50C-407E-A947-70E740481C1C}">
+                <a14:useLocalDpi xmlns:a14="http://schemas.microsoft.com/office/drawing/2010/main" val="0"/>
+              </a:ext>
+            </a:extLst>
+          </a:blip>
+          <a:stretch>
+            <a:fillRect/>
+          </a:stretch>
+        </p:blipFill>
+        <p:spPr>
+          <a:xfrm>
+            <a:off x="1043608" y="3645024"/>
+            <a:ext cx="4917333" cy="1188571"/>
+          </a:xfrm>
+          <a:prstGeom prst="rect">
+            <a:avLst/>
+          </a:prstGeom>
+        </p:spPr>
+      </p:pic>
+    </p:spTree>
+    <p:extLst>
+      <p:ext uri="{BB962C8B-B14F-4D97-AF65-F5344CB8AC3E}">
+        <p14:creationId xmlns:p14="http://schemas.microsoft.com/office/powerpoint/2010/main" val="3792116594"/>
+      </p:ext>
+    </p:extLst>
+  </p:cSld>
+  <p:clrMapOvr>
+    <a:masterClrMapping/>
+  </p:clrMapOvr>
+  <p:timing>
+    <p:tnLst>
+      <p:par>
+        <p:cTn id="1" dur="indefinite" restart="never" nodeType="tmRoot"/>
+      </p:par>
+    </p:tnLst>
+  </p:timing>
+</p:sld>
+</file>
+
+<file path=ppt/slides/slide2.xml><?xml version="1.0" encoding="utf-8"?>
+<p:sld xmlns:a="http://schemas.openxmlformats.org/drawingml/2006/main" xmlns:r="http://schemas.openxmlformats.org/officeDocument/2006/relationships" xmlns:p="http://schemas.openxmlformats.org/presentationml/2006/main">
+  <p:cSld>
+    <p:spTree>
+      <p:nvGrpSpPr>
+        <p:cNvPr id="1" name=""/>
+        <p:cNvGrpSpPr/>
+        <p:nvPr/>
+      </p:nvGrpSpPr>
+      <p:grpSpPr>
+        <a:xfrm>
+          <a:off x="0" y="0"/>
+          <a:ext cx="0" cy="0"/>
+          <a:chOff x="0" y="0"/>
+          <a:chExt cx="0" cy="0"/>
+        </a:xfrm>
+      </p:grpSpPr>
+      <p:sp>
+        <p:nvSpPr>
+          <p:cNvPr id="4" name="タイトル 3"/>
+          <p:cNvSpPr>
+            <a:spLocks noGrp="1"/>
+          </p:cNvSpPr>
+          <p:nvPr>
+            <p:ph type="title"/>
+          </p:nvPr>
+        </p:nvSpPr>
+        <p:spPr/>
+        <p:txBody>
+          <a:bodyPr/>
+          <a:lstStyle/>
+          <a:p>
+            <a:r>
+              <a:rPr kumimoji="1" lang="ja-JP" altLang="en-US" dirty="0" smtClean="0"/>
+              <a:t>自己紹介</a:t>
+            </a:r>
+            <a:endParaRPr kumimoji="1" lang="ja-JP" altLang="en-US" dirty="0"/>
+          </a:p>
+        </p:txBody>
+      </p:sp>
+      <p:sp>
+        <p:nvSpPr>
+          <p:cNvPr id="5" name="コンテンツ プレースホルダー 4"/>
+          <p:cNvSpPr>
+            <a:spLocks noGrp="1"/>
+          </p:cNvSpPr>
+          <p:nvPr>
+            <p:ph sz="quarter" idx="1"/>
+          </p:nvPr>
+        </p:nvSpPr>
+        <p:spPr>
+          <a:xfrm>
+            <a:off x="612648" y="1600200"/>
+            <a:ext cx="8153400" cy="4997152"/>
+          </a:xfrm>
+        </p:spPr>
+        <p:txBody>
+          <a:bodyPr>
+            <a:normAutofit/>
+          </a:bodyPr>
+          <a:lstStyle/>
+          <a:p>
+            <a:r>
+              <a:rPr kumimoji="1" lang="en-US" altLang="ja-JP" dirty="0" smtClean="0"/>
+              <a:t>Twitter: @dc1394</a:t>
+            </a:r>
+          </a:p>
+          <a:p>
+            <a:r>
+              <a:rPr kumimoji="1" lang="en-US" altLang="ja-JP" dirty="0" smtClean="0"/>
+              <a:t>C++</a:t>
+            </a:r>
+            <a:r>
+              <a:rPr kumimoji="1" lang="ja-JP" altLang="en-US" dirty="0" smtClean="0"/>
+              <a:t>とか</a:t>
+            </a:r>
+            <a:r>
+              <a:rPr kumimoji="1" lang="en-US" altLang="ja-JP" dirty="0" smtClean="0"/>
+              <a:t>C#</a:t>
+            </a:r>
+            <a:r>
+              <a:rPr kumimoji="1" lang="ja-JP" altLang="en-US" dirty="0" smtClean="0"/>
+              <a:t>とか</a:t>
+            </a:r>
+            <a:r>
+              <a:rPr kumimoji="1" lang="en-US" altLang="ja-JP" dirty="0" smtClean="0"/>
+              <a:t>Ruby</a:t>
+            </a:r>
+            <a:r>
+              <a:rPr kumimoji="1" lang="ja-JP" altLang="en-US" dirty="0" smtClean="0"/>
+              <a:t>が好きです（プログラマーでは</a:t>
+            </a:r>
+            <a:r>
+              <a:rPr lang="ja-JP" altLang="en-US" dirty="0"/>
+              <a:t>ありません</a:t>
+            </a:r>
+            <a:r>
+              <a:rPr lang="ja-JP" altLang="en-US" dirty="0" smtClean="0"/>
+              <a:t>）</a:t>
+            </a:r>
+            <a:r>
+              <a:rPr kumimoji="1" lang="ja-JP" altLang="en-US" dirty="0" smtClean="0"/>
+              <a:t>。</a:t>
+            </a:r>
+            <a:endParaRPr kumimoji="1" lang="en-US" altLang="ja-JP" dirty="0" smtClean="0"/>
+          </a:p>
+          <a:p>
+            <a:r>
+              <a:rPr lang="ja-JP" altLang="en-US" dirty="0"/>
+              <a:t>数値計算を</a:t>
+            </a:r>
+            <a:r>
+              <a:rPr lang="ja-JP" altLang="en-US" dirty="0" smtClean="0"/>
+              <a:t>好みます。</a:t>
+            </a:r>
+            <a:endParaRPr kumimoji="1" lang="en-US" altLang="ja-JP" dirty="0" smtClean="0"/>
+          </a:p>
+          <a:p>
+            <a:r>
+              <a:rPr lang="ja-JP" altLang="en-US" dirty="0"/>
+              <a:t>最も</a:t>
+            </a:r>
+            <a:r>
+              <a:rPr kumimoji="1" lang="ja-JP" altLang="en-US" dirty="0" smtClean="0"/>
+              <a:t>興味の</a:t>
+            </a:r>
+            <a:r>
+              <a:rPr lang="ja-JP" altLang="en-US" dirty="0" smtClean="0"/>
+              <a:t>ある分野</a:t>
+            </a:r>
+            <a:endParaRPr kumimoji="1" lang="en-US" altLang="ja-JP" dirty="0" smtClean="0"/>
+          </a:p>
+          <a:p>
+            <a:r>
+              <a:rPr lang="ja-JP" altLang="en-US" dirty="0" smtClean="0"/>
+              <a:t>・第一原理計算</a:t>
+            </a:r>
+            <a:endParaRPr lang="en-US" altLang="ja-JP" dirty="0" smtClean="0"/>
+          </a:p>
+          <a:p>
+            <a:r>
+              <a:rPr lang="ja-JP" altLang="en-US" dirty="0"/>
+              <a:t>・密度汎関数理論（</a:t>
+            </a:r>
+            <a:r>
+              <a:rPr lang="en-US" altLang="ja-JP" dirty="0"/>
+              <a:t>Density Functional Theory, DFT</a:t>
+            </a:r>
+            <a:r>
+              <a:rPr lang="ja-JP" altLang="en-US" dirty="0"/>
+              <a:t>）</a:t>
+            </a:r>
+            <a:endParaRPr lang="en-US" altLang="ja-JP" dirty="0" smtClean="0"/>
+          </a:p>
+          <a:p>
+            <a:r>
+              <a:rPr lang="ja-JP" altLang="en-US" dirty="0" smtClean="0"/>
+              <a:t>→量子力学の数値計算</a:t>
+            </a:r>
+            <a:endParaRPr kumimoji="1" lang="en-US" altLang="ja-JP" dirty="0" smtClean="0"/>
+          </a:p>
+          <a:p>
+            <a:endParaRPr kumimoji="1" lang="ja-JP" altLang="en-US" dirty="0"/>
+          </a:p>
+        </p:txBody>
+      </p:sp>
+    </p:spTree>
+    <p:extLst>
+      <p:ext uri="{BB962C8B-B14F-4D97-AF65-F5344CB8AC3E}">
+        <p14:creationId xmlns:p14="http://schemas.microsoft.com/office/powerpoint/2010/main" val="2907276678"/>
+      </p:ext>
+    </p:extLst>
+  </p:cSld>
+  <p:clrMapOvr>
+    <a:masterClrMapping/>
+  </p:clrMapOvr>
+  <p:timing>
+    <p:tnLst>
+      <p:par>
+        <p:cTn id="1" dur="indefinite" restart="never" nodeType="tmRoot"/>
+      </p:par>
+    </p:tnLst>
+  </p:timing>
+</p:sld>
+</file>
+
+<file path=ppt/slides/slide20.xml><?xml version="1.0" encoding="utf-8"?>
 <p:sld xmlns:a="http://schemas.openxmlformats.org/drawingml/2006/main" xmlns:r="http://schemas.openxmlformats.org/officeDocument/2006/relationships" xmlns:p="http://schemas.openxmlformats.org/presentationml/2006/main">
   <p:cSld>
     <p:spTree>
@@ -5958,7 +7865,7 @@
 </p:sld>
 </file>
 
-<file path=ppt/slides/slide15.xml><?xml version="1.0" encoding="utf-8"?>
+<file path=ppt/slides/slide21.xml><?xml version="1.0" encoding="utf-8"?>
 <p:sld xmlns:a="http://schemas.openxmlformats.org/drawingml/2006/main" xmlns:r="http://schemas.openxmlformats.org/officeDocument/2006/relationships" xmlns:p="http://schemas.openxmlformats.org/presentationml/2006/main">
   <p:cSld>
     <p:spTree>
@@ -6242,7 +8149,7 @@
 </p:sld>
 </file>
 
-<file path=ppt/slides/slide16.xml><?xml version="1.0" encoding="utf-8"?>
+<file path=ppt/slides/slide22.xml><?xml version="1.0" encoding="utf-8"?>
 <p:sld xmlns:a="http://schemas.openxmlformats.org/drawingml/2006/main" xmlns:r="http://schemas.openxmlformats.org/officeDocument/2006/relationships" xmlns:p="http://schemas.openxmlformats.org/presentationml/2006/main">
   <p:cSld>
     <p:spTree>
@@ -6655,7 +8562,7 @@
 </p:sld>
 </file>
 
-<file path=ppt/slides/slide17.xml><?xml version="1.0" encoding="utf-8"?>
+<file path=ppt/slides/slide23.xml><?xml version="1.0" encoding="utf-8"?>
 <p:sld xmlns:a="http://schemas.openxmlformats.org/drawingml/2006/main" xmlns:r="http://schemas.openxmlformats.org/officeDocument/2006/relationships" xmlns:p="http://schemas.openxmlformats.org/presentationml/2006/main">
   <p:cSld>
     <p:spTree>
@@ -6896,7 +8803,7 @@
 </p:sld>
 </file>
 
-<file path=ppt/slides/slide18.xml><?xml version="1.0" encoding="utf-8"?>
+<file path=ppt/slides/slide24.xml><?xml version="1.0" encoding="utf-8"?>
 <p:sld xmlns:a="http://schemas.openxmlformats.org/drawingml/2006/main" xmlns:r="http://schemas.openxmlformats.org/officeDocument/2006/relationships" xmlns:p="http://schemas.openxmlformats.org/presentationml/2006/main">
   <p:cSld>
     <p:spTree>
@@ -7779,7 +9686,7 @@
 </p:sld>
 </file>
 
-<file path=ppt/slides/slide19.xml><?xml version="1.0" encoding="utf-8"?>
+<file path=ppt/slides/slide25.xml><?xml version="1.0" encoding="utf-8"?>
 <p:sld xmlns:a="http://schemas.openxmlformats.org/drawingml/2006/main" xmlns:r="http://schemas.openxmlformats.org/officeDocument/2006/relationships" xmlns:p="http://schemas.openxmlformats.org/presentationml/2006/main">
   <p:cSld>
     <p:spTree>
@@ -8071,193 +9978,7 @@
 </p:sld>
 </file>
 
-<file path=ppt/slides/slide2.xml><?xml version="1.0" encoding="utf-8"?>
-<p:sld xmlns:a="http://schemas.openxmlformats.org/drawingml/2006/main" xmlns:r="http://schemas.openxmlformats.org/officeDocument/2006/relationships" xmlns:p="http://schemas.openxmlformats.org/presentationml/2006/main">
-  <p:cSld>
-    <p:spTree>
-      <p:nvGrpSpPr>
-        <p:cNvPr id="1" name=""/>
-        <p:cNvGrpSpPr/>
-        <p:nvPr/>
-      </p:nvGrpSpPr>
-      <p:grpSpPr>
-        <a:xfrm>
-          <a:off x="0" y="0"/>
-          <a:ext cx="0" cy="0"/>
-          <a:chOff x="0" y="0"/>
-          <a:chExt cx="0" cy="0"/>
-        </a:xfrm>
-      </p:grpSpPr>
-      <p:sp>
-        <p:nvSpPr>
-          <p:cNvPr id="4" name="タイトル 3"/>
-          <p:cNvSpPr>
-            <a:spLocks noGrp="1"/>
-          </p:cNvSpPr>
-          <p:nvPr>
-            <p:ph type="title"/>
-          </p:nvPr>
-        </p:nvSpPr>
-        <p:spPr/>
-        <p:txBody>
-          <a:bodyPr/>
-          <a:lstStyle/>
-          <a:p>
-            <a:r>
-              <a:rPr kumimoji="1" lang="ja-JP" altLang="en-US" dirty="0" smtClean="0"/>
-              <a:t>自己紹介</a:t>
-            </a:r>
-            <a:endParaRPr kumimoji="1" lang="ja-JP" altLang="en-US" dirty="0"/>
-          </a:p>
-        </p:txBody>
-      </p:sp>
-      <p:sp>
-        <p:nvSpPr>
-          <p:cNvPr id="5" name="コンテンツ プレースホルダー 4"/>
-          <p:cNvSpPr>
-            <a:spLocks noGrp="1"/>
-          </p:cNvSpPr>
-          <p:nvPr>
-            <p:ph sz="quarter" idx="1"/>
-          </p:nvPr>
-        </p:nvSpPr>
-        <p:spPr>
-          <a:xfrm>
-            <a:off x="612648" y="1600200"/>
-            <a:ext cx="8153400" cy="4997152"/>
-          </a:xfrm>
-        </p:spPr>
-        <p:txBody>
-          <a:bodyPr>
-            <a:normAutofit/>
-          </a:bodyPr>
-          <a:lstStyle/>
-          <a:p>
-            <a:r>
-              <a:rPr kumimoji="1" lang="en-US" altLang="ja-JP" dirty="0" smtClean="0"/>
-              <a:t>Twitter: @dc1394</a:t>
-            </a:r>
-          </a:p>
-          <a:p>
-            <a:r>
-              <a:rPr kumimoji="1" lang="en-US" altLang="ja-JP" dirty="0" smtClean="0"/>
-              <a:t>C++</a:t>
-            </a:r>
-            <a:r>
-              <a:rPr kumimoji="1" lang="ja-JP" altLang="en-US" dirty="0" smtClean="0"/>
-              <a:t>とか</a:t>
-            </a:r>
-            <a:r>
-              <a:rPr kumimoji="1" lang="en-US" altLang="ja-JP" dirty="0" smtClean="0"/>
-              <a:t>C#</a:t>
-            </a:r>
-            <a:r>
-              <a:rPr kumimoji="1" lang="ja-JP" altLang="en-US" dirty="0" smtClean="0"/>
-              <a:t>とか</a:t>
-            </a:r>
-            <a:r>
-              <a:rPr kumimoji="1" lang="en-US" altLang="ja-JP" dirty="0" smtClean="0"/>
-              <a:t>Ruby</a:t>
-            </a:r>
-            <a:r>
-              <a:rPr kumimoji="1" lang="ja-JP" altLang="en-US" dirty="0" smtClean="0"/>
-              <a:t>が好きです（でもプログラマーでは</a:t>
-            </a:r>
-            <a:r>
-              <a:rPr lang="ja-JP" altLang="en-US" dirty="0"/>
-              <a:t>ありません</a:t>
-            </a:r>
-            <a:r>
-              <a:rPr lang="ja-JP" altLang="en-US" dirty="0" smtClean="0"/>
-              <a:t>）</a:t>
-            </a:r>
-            <a:r>
-              <a:rPr kumimoji="1" lang="ja-JP" altLang="en-US" dirty="0" smtClean="0"/>
-              <a:t>。</a:t>
-            </a:r>
-            <a:endParaRPr kumimoji="1" lang="en-US" altLang="ja-JP" dirty="0" smtClean="0"/>
-          </a:p>
-          <a:p>
-            <a:r>
-              <a:rPr lang="ja-JP" altLang="en-US" dirty="0"/>
-              <a:t>数値計算を</a:t>
-            </a:r>
-            <a:r>
-              <a:rPr lang="ja-JP" altLang="en-US" dirty="0" smtClean="0"/>
-              <a:t>好みます。</a:t>
-            </a:r>
-            <a:endParaRPr kumimoji="1" lang="en-US" altLang="ja-JP" dirty="0" smtClean="0"/>
-          </a:p>
-          <a:p>
-            <a:r>
-              <a:rPr lang="ja-JP" altLang="en-US" dirty="0"/>
-              <a:t>最も</a:t>
-            </a:r>
-            <a:r>
-              <a:rPr kumimoji="1" lang="ja-JP" altLang="en-US" dirty="0" smtClean="0"/>
-              <a:t>興味の</a:t>
-            </a:r>
-            <a:r>
-              <a:rPr lang="ja-JP" altLang="en-US" dirty="0" smtClean="0"/>
-              <a:t>ある分野</a:t>
-            </a:r>
-            <a:endParaRPr kumimoji="1" lang="en-US" altLang="ja-JP" dirty="0" smtClean="0"/>
-          </a:p>
-          <a:p>
-            <a:r>
-              <a:rPr lang="ja-JP" altLang="en-US" dirty="0" smtClean="0"/>
-              <a:t>・第一原理計算</a:t>
-            </a:r>
-            <a:endParaRPr lang="en-US" altLang="ja-JP" dirty="0" smtClean="0"/>
-          </a:p>
-          <a:p>
-            <a:r>
-              <a:rPr lang="ja-JP" altLang="en-US" dirty="0"/>
-              <a:t>・密度汎関数理論（</a:t>
-            </a:r>
-            <a:r>
-              <a:rPr lang="en-US" altLang="ja-JP" dirty="0"/>
-              <a:t>Density Functional Theory, DFT</a:t>
-            </a:r>
-            <a:r>
-              <a:rPr lang="ja-JP" altLang="en-US" dirty="0"/>
-              <a:t>）</a:t>
-            </a:r>
-            <a:endParaRPr lang="en-US" altLang="ja-JP" dirty="0" smtClean="0"/>
-          </a:p>
-          <a:p>
-            <a:r>
-              <a:rPr lang="ja-JP" altLang="en-US" dirty="0" smtClean="0"/>
-              <a:t>→量子力学の数値計算</a:t>
-            </a:r>
-            <a:endParaRPr kumimoji="1" lang="en-US" altLang="ja-JP" dirty="0" smtClean="0"/>
-          </a:p>
-          <a:p>
-            <a:endParaRPr kumimoji="1" lang="ja-JP" altLang="en-US" dirty="0"/>
-          </a:p>
-        </p:txBody>
-      </p:sp>
-    </p:spTree>
-    <p:extLst>
-      <p:ext uri="{BB962C8B-B14F-4D97-AF65-F5344CB8AC3E}">
-        <p14:creationId xmlns:p14="http://schemas.microsoft.com/office/powerpoint/2010/main" val="2907276678"/>
-      </p:ext>
-    </p:extLst>
-  </p:cSld>
-  <p:clrMapOvr>
-    <a:masterClrMapping/>
-  </p:clrMapOvr>
-  <p:timing>
-    <p:tnLst>
-      <p:par>
-        <p:cTn id="1" dur="indefinite" restart="never" nodeType="tmRoot"/>
-      </p:par>
-    </p:tnLst>
-  </p:timing>
-</p:sld>
-</file>
-
-<file path=ppt/slides/slide20.xml><?xml version="1.0" encoding="utf-8"?>
+<file path=ppt/slides/slide26.xml><?xml version="1.0" encoding="utf-8"?>
 <p:sld xmlns:a="http://schemas.openxmlformats.org/drawingml/2006/main" xmlns:r="http://schemas.openxmlformats.org/officeDocument/2006/relationships" xmlns:p="http://schemas.openxmlformats.org/presentationml/2006/main">
   <p:cSld>
     <p:spTree>
@@ -8346,7 +10067,7 @@
 </p:sld>
 </file>
 
-<file path=ppt/slides/slide21.xml><?xml version="1.0" encoding="utf-8"?>
+<file path=ppt/slides/slide27.xml><?xml version="1.0" encoding="utf-8"?>
 <p:sld xmlns:a="http://schemas.openxmlformats.org/drawingml/2006/main" xmlns:r="http://schemas.openxmlformats.org/officeDocument/2006/relationships" xmlns:p="http://schemas.openxmlformats.org/presentationml/2006/main">
   <p:cSld>
     <p:spTree>
@@ -8441,7 +10162,7 @@
 </p:sld>
 </file>
 
-<file path=ppt/slides/slide22.xml><?xml version="1.0" encoding="utf-8"?>
+<file path=ppt/slides/slide28.xml><?xml version="1.0" encoding="utf-8"?>
 <p:sld xmlns:a="http://schemas.openxmlformats.org/drawingml/2006/main" xmlns:r="http://schemas.openxmlformats.org/officeDocument/2006/relationships" xmlns:p="http://schemas.openxmlformats.org/presentationml/2006/main">
   <p:cSld>
     <p:spTree>
@@ -8548,7 +10269,7 @@
 </p:sld>
 </file>
 
-<file path=ppt/slides/slide23.xml><?xml version="1.0" encoding="utf-8"?>
+<file path=ppt/slides/slide29.xml><?xml version="1.0" encoding="utf-8"?>
 <p:sld xmlns:a="http://schemas.openxmlformats.org/drawingml/2006/main" xmlns:r="http://schemas.openxmlformats.org/officeDocument/2006/relationships" xmlns:p="http://schemas.openxmlformats.org/presentationml/2006/main">
   <p:cSld>
     <p:spTree>
@@ -8794,7 +10515,183 @@
 </p:sld>
 </file>
 
-<file path=ppt/slides/slide24.xml><?xml version="1.0" encoding="utf-8"?>
+<file path=ppt/slides/slide3.xml><?xml version="1.0" encoding="utf-8"?>
+<p:sld xmlns:a="http://schemas.openxmlformats.org/drawingml/2006/main" xmlns:r="http://schemas.openxmlformats.org/officeDocument/2006/relationships" xmlns:p="http://schemas.openxmlformats.org/presentationml/2006/main">
+  <p:cSld>
+    <p:spTree>
+      <p:nvGrpSpPr>
+        <p:cNvPr id="1" name=""/>
+        <p:cNvGrpSpPr/>
+        <p:nvPr/>
+      </p:nvGrpSpPr>
+      <p:grpSpPr>
+        <a:xfrm>
+          <a:off x="0" y="0"/>
+          <a:ext cx="0" cy="0"/>
+          <a:chOff x="0" y="0"/>
+          <a:chExt cx="0" cy="0"/>
+        </a:xfrm>
+      </p:grpSpPr>
+      <p:sp>
+        <p:nvSpPr>
+          <p:cNvPr id="2" name="タイトル 1"/>
+          <p:cNvSpPr>
+            <a:spLocks noGrp="1"/>
+          </p:cNvSpPr>
+          <p:nvPr>
+            <p:ph type="title"/>
+          </p:nvPr>
+        </p:nvSpPr>
+        <p:spPr/>
+        <p:txBody>
+          <a:bodyPr/>
+          <a:lstStyle/>
+          <a:p>
+            <a:r>
+              <a:rPr kumimoji="1" lang="ja-JP" altLang="en-US" dirty="0" smtClean="0"/>
+              <a:t>概要</a:t>
+            </a:r>
+            <a:endParaRPr kumimoji="1" lang="ja-JP" altLang="en-US" dirty="0"/>
+          </a:p>
+        </p:txBody>
+      </p:sp>
+      <p:sp>
+        <p:nvSpPr>
+          <p:cNvPr id="3" name="コンテンツ プレースホルダー 2"/>
+          <p:cNvSpPr>
+            <a:spLocks noGrp="1"/>
+          </p:cNvSpPr>
+          <p:nvPr>
+            <p:ph sz="quarter" idx="1"/>
+          </p:nvPr>
+        </p:nvSpPr>
+        <p:spPr/>
+        <p:txBody>
+          <a:bodyPr/>
+          <a:lstStyle/>
+          <a:p>
+            <a:r>
+              <a:rPr lang="en-US" altLang="ja-JP" dirty="0"/>
+              <a:t>Schrödinger</a:t>
+            </a:r>
+            <a:r>
+              <a:rPr lang="ja-JP" altLang="en-US" dirty="0" smtClean="0"/>
+              <a:t>方程式と用いる単位系について</a:t>
+            </a:r>
+            <a:endParaRPr lang="en-US" altLang="ja-JP" dirty="0" smtClean="0"/>
+          </a:p>
+          <a:p>
+            <a:r>
+              <a:rPr lang="en-US" altLang="ja-JP" dirty="0" smtClean="0"/>
+              <a:t>3</a:t>
+            </a:r>
+            <a:r>
+              <a:rPr lang="ja-JP" altLang="en-US" dirty="0" smtClean="0"/>
+              <a:t>次元の</a:t>
+            </a:r>
+            <a:r>
+              <a:rPr lang="en-US" altLang="ja-JP" dirty="0"/>
+              <a:t>Schrödinger</a:t>
+            </a:r>
+            <a:r>
+              <a:rPr lang="ja-JP" altLang="en-US" dirty="0" smtClean="0"/>
+              <a:t>方程式（偏微分方程式）を変数分離し、</a:t>
+            </a:r>
+            <a:r>
+              <a:rPr lang="en-US" altLang="ja-JP" dirty="0" smtClean="0"/>
+              <a:t>1</a:t>
+            </a:r>
+            <a:r>
+              <a:rPr lang="ja-JP" altLang="en-US" dirty="0" smtClean="0"/>
+              <a:t>次元の常微分方程式に還元</a:t>
+            </a:r>
+            <a:endParaRPr lang="en-US" altLang="ja-JP" dirty="0" smtClean="0"/>
+          </a:p>
+          <a:p>
+            <a:r>
+              <a:rPr lang="ja-JP" altLang="en-US" dirty="0" smtClean="0"/>
+              <a:t>境界値の推定</a:t>
+            </a:r>
+            <a:endParaRPr lang="en-US" altLang="ja-JP" dirty="0" smtClean="0"/>
+          </a:p>
+          <a:p>
+            <a:r>
+              <a:rPr lang="en-US" altLang="ja-JP" dirty="0" err="1" smtClean="0"/>
+              <a:t>Boost.odeint</a:t>
+            </a:r>
+            <a:r>
+              <a:rPr lang="ja-JP" altLang="en-US" dirty="0" smtClean="0"/>
+              <a:t>を用いた常微分方程式の数値解法</a:t>
+            </a:r>
+            <a:endParaRPr lang="en-US" altLang="ja-JP" dirty="0" smtClean="0"/>
+          </a:p>
+          <a:p>
+            <a:r>
+              <a:rPr lang="en-US" altLang="ja-JP" dirty="0" smtClean="0"/>
+              <a:t>Brent</a:t>
+            </a:r>
+            <a:r>
+              <a:rPr lang="ja-JP" altLang="en-US" dirty="0" smtClean="0"/>
+              <a:t>アルゴリズム（</a:t>
+            </a:r>
+            <a:r>
+              <a:rPr lang="en-US" altLang="ja-JP" dirty="0"/>
+              <a:t>GNU Scientific </a:t>
+            </a:r>
+            <a:r>
+              <a:rPr lang="en-US" altLang="ja-JP" dirty="0" smtClean="0"/>
+              <a:t>Library (GSL)</a:t>
+            </a:r>
+            <a:r>
+              <a:rPr lang="ja-JP" altLang="en-US" dirty="0" smtClean="0"/>
+              <a:t>ライブラリを使用）を用いた固有値</a:t>
+            </a:r>
+            <a:r>
+              <a:rPr lang="ja-JP" altLang="en-US" dirty="0"/>
+              <a:t>の</a:t>
+            </a:r>
+            <a:r>
+              <a:rPr lang="ja-JP" altLang="en-US" dirty="0" smtClean="0"/>
+              <a:t>探索</a:t>
+            </a:r>
+            <a:endParaRPr lang="en-US" altLang="ja-JP" dirty="0" smtClean="0"/>
+          </a:p>
+          <a:p>
+            <a:r>
+              <a:rPr lang="ja-JP" altLang="en-US" dirty="0"/>
+              <a:t>波動関数と正規化</a:t>
+            </a:r>
+            <a:endParaRPr lang="en-US" altLang="ja-JP" dirty="0" smtClean="0"/>
+          </a:p>
+          <a:p>
+            <a:endParaRPr lang="en-US" altLang="ja-JP" dirty="0" smtClean="0"/>
+          </a:p>
+          <a:p>
+            <a:endParaRPr kumimoji="1" lang="ja-JP" altLang="en-US" dirty="0"/>
+          </a:p>
+        </p:txBody>
+      </p:sp>
+    </p:spTree>
+    <p:extLst>
+      <p:ext uri="{BB962C8B-B14F-4D97-AF65-F5344CB8AC3E}">
+        <p14:creationId xmlns:p14="http://schemas.microsoft.com/office/powerpoint/2010/main" val="2444514053"/>
+      </p:ext>
+    </p:extLst>
+  </p:cSld>
+  <p:clrMapOvr>
+    <a:masterClrMapping/>
+  </p:clrMapOvr>
+  <p:timing>
+    <p:tnLst>
+      <p:par>
+        <p:cTn id="1" dur="indefinite" restart="never" nodeType="tmRoot"/>
+      </p:par>
+    </p:tnLst>
+  </p:timing>
+</p:sld>
+</file>
+
+<file path=ppt/slides/slide30.xml><?xml version="1.0" encoding="utf-8"?>
 <p:sld xmlns:a="http://schemas.openxmlformats.org/drawingml/2006/main" xmlns:r="http://schemas.openxmlformats.org/officeDocument/2006/relationships" xmlns:p="http://schemas.openxmlformats.org/presentationml/2006/main">
   <p:cSld>
     <p:spTree>
@@ -9452,7 +11349,7 @@
 </p:sld>
 </file>
 
-<file path=ppt/slides/slide25.xml><?xml version="1.0" encoding="utf-8"?>
+<file path=ppt/slides/slide31.xml><?xml version="1.0" encoding="utf-8"?>
 <p:sld xmlns:a="http://schemas.openxmlformats.org/drawingml/2006/main" xmlns:r="http://schemas.openxmlformats.org/officeDocument/2006/relationships" xmlns:p="http://schemas.openxmlformats.org/presentationml/2006/main">
   <p:cSld>
     <p:spTree>
@@ -9622,7 +11519,7 @@
 </p:sld>
 </file>
 
-<file path=ppt/slides/slide26.xml><?xml version="1.0" encoding="utf-8"?>
+<file path=ppt/slides/slide32.xml><?xml version="1.0" encoding="utf-8"?>
 <p:sld xmlns:a="http://schemas.openxmlformats.org/drawingml/2006/main" xmlns:r="http://schemas.openxmlformats.org/officeDocument/2006/relationships" xmlns:p="http://schemas.openxmlformats.org/presentationml/2006/main">
   <p:cSld>
     <p:spTree>
@@ -9723,178 +11620,6 @@
     <p:extLst>
       <p:ext uri="{BB962C8B-B14F-4D97-AF65-F5344CB8AC3E}">
         <p14:creationId xmlns:p14="http://schemas.microsoft.com/office/powerpoint/2010/main" val="2519575391"/>
-      </p:ext>
-    </p:extLst>
-  </p:cSld>
-  <p:clrMapOvr>
-    <a:masterClrMapping/>
-  </p:clrMapOvr>
-  <p:timing>
-    <p:tnLst>
-      <p:par>
-        <p:cTn id="1" dur="indefinite" restart="never" nodeType="tmRoot"/>
-      </p:par>
-    </p:tnLst>
-  </p:timing>
-</p:sld>
-</file>
-
-<file path=ppt/slides/slide3.xml><?xml version="1.0" encoding="utf-8"?>
-<p:sld xmlns:a="http://schemas.openxmlformats.org/drawingml/2006/main" xmlns:r="http://schemas.openxmlformats.org/officeDocument/2006/relationships" xmlns:p="http://schemas.openxmlformats.org/presentationml/2006/main">
-  <p:cSld>
-    <p:spTree>
-      <p:nvGrpSpPr>
-        <p:cNvPr id="1" name=""/>
-        <p:cNvGrpSpPr/>
-        <p:nvPr/>
-      </p:nvGrpSpPr>
-      <p:grpSpPr>
-        <a:xfrm>
-          <a:off x="0" y="0"/>
-          <a:ext cx="0" cy="0"/>
-          <a:chOff x="0" y="0"/>
-          <a:chExt cx="0" cy="0"/>
-        </a:xfrm>
-      </p:grpSpPr>
-      <p:sp>
-        <p:nvSpPr>
-          <p:cNvPr id="2" name="タイトル 1"/>
-          <p:cNvSpPr>
-            <a:spLocks noGrp="1"/>
-          </p:cNvSpPr>
-          <p:nvPr>
-            <p:ph type="title"/>
-          </p:nvPr>
-        </p:nvSpPr>
-        <p:spPr/>
-        <p:txBody>
-          <a:bodyPr/>
-          <a:lstStyle/>
-          <a:p>
-            <a:r>
-              <a:rPr kumimoji="1" lang="ja-JP" altLang="en-US" dirty="0" smtClean="0"/>
-              <a:t>概要</a:t>
-            </a:r>
-            <a:endParaRPr kumimoji="1" lang="ja-JP" altLang="en-US" dirty="0"/>
-          </a:p>
-        </p:txBody>
-      </p:sp>
-      <p:sp>
-        <p:nvSpPr>
-          <p:cNvPr id="3" name="コンテンツ プレースホルダー 2"/>
-          <p:cNvSpPr>
-            <a:spLocks noGrp="1"/>
-          </p:cNvSpPr>
-          <p:nvPr>
-            <p:ph sz="quarter" idx="1"/>
-          </p:nvPr>
-        </p:nvSpPr>
-        <p:spPr/>
-        <p:txBody>
-          <a:bodyPr/>
-          <a:lstStyle/>
-          <a:p>
-            <a:r>
-              <a:rPr lang="en-US" altLang="ja-JP" dirty="0"/>
-              <a:t>Schrödinger</a:t>
-            </a:r>
-            <a:r>
-              <a:rPr lang="ja-JP" altLang="en-US" dirty="0" smtClean="0"/>
-              <a:t>方程式と用いる単位系について</a:t>
-            </a:r>
-            <a:endParaRPr lang="en-US" altLang="ja-JP" dirty="0" smtClean="0"/>
-          </a:p>
-          <a:p>
-            <a:r>
-              <a:rPr lang="en-US" altLang="ja-JP" dirty="0" smtClean="0"/>
-              <a:t>3</a:t>
-            </a:r>
-            <a:r>
-              <a:rPr lang="ja-JP" altLang="en-US" dirty="0" smtClean="0"/>
-              <a:t>次元の</a:t>
-            </a:r>
-            <a:r>
-              <a:rPr lang="en-US" altLang="ja-JP" dirty="0"/>
-              <a:t>Schrödinger</a:t>
-            </a:r>
-            <a:r>
-              <a:rPr lang="ja-JP" altLang="en-US" dirty="0" smtClean="0"/>
-              <a:t>方程式（偏微分方程式）を変数分離し、</a:t>
-            </a:r>
-            <a:r>
-              <a:rPr lang="en-US" altLang="ja-JP" dirty="0" smtClean="0"/>
-              <a:t>1</a:t>
-            </a:r>
-            <a:r>
-              <a:rPr lang="ja-JP" altLang="en-US" dirty="0" smtClean="0"/>
-              <a:t>次元の常微分方程式に還元</a:t>
-            </a:r>
-            <a:endParaRPr lang="en-US" altLang="ja-JP" dirty="0" smtClean="0"/>
-          </a:p>
-          <a:p>
-            <a:r>
-              <a:rPr lang="ja-JP" altLang="en-US" dirty="0" smtClean="0"/>
-              <a:t>境界値の推定</a:t>
-            </a:r>
-            <a:endParaRPr lang="en-US" altLang="ja-JP" dirty="0" smtClean="0"/>
-          </a:p>
-          <a:p>
-            <a:r>
-              <a:rPr lang="en-US" altLang="ja-JP" dirty="0" err="1" smtClean="0"/>
-              <a:t>Boost.odeint</a:t>
-            </a:r>
-            <a:r>
-              <a:rPr lang="ja-JP" altLang="en-US" dirty="0" smtClean="0"/>
-              <a:t>を用いた常微分方程式の数値解法</a:t>
-            </a:r>
-            <a:endParaRPr lang="en-US" altLang="ja-JP" dirty="0" smtClean="0"/>
-          </a:p>
-          <a:p>
-            <a:r>
-              <a:rPr lang="en-US" altLang="ja-JP" dirty="0" smtClean="0"/>
-              <a:t>Brent</a:t>
-            </a:r>
-            <a:r>
-              <a:rPr lang="ja-JP" altLang="en-US" dirty="0" smtClean="0"/>
-              <a:t>アルゴリズム（</a:t>
-            </a:r>
-            <a:r>
-              <a:rPr lang="en-US" altLang="ja-JP" dirty="0" smtClean="0"/>
-              <a:t>GSL</a:t>
-            </a:r>
-            <a:r>
-              <a:rPr lang="ja-JP" altLang="en-US" dirty="0" smtClean="0"/>
-              <a:t>ライブラリを使用）を用いた固有値</a:t>
-            </a:r>
-            <a:r>
-              <a:rPr lang="ja-JP" altLang="en-US" dirty="0"/>
-              <a:t>の</a:t>
-            </a:r>
-            <a:r>
-              <a:rPr lang="ja-JP" altLang="en-US" dirty="0" smtClean="0"/>
-              <a:t>探索</a:t>
-            </a:r>
-            <a:endParaRPr lang="en-US" altLang="ja-JP" dirty="0" smtClean="0"/>
-          </a:p>
-          <a:p>
-            <a:r>
-              <a:rPr lang="ja-JP" altLang="en-US" dirty="0"/>
-              <a:t>波動関数と正規化</a:t>
-            </a:r>
-            <a:endParaRPr lang="en-US" altLang="ja-JP" dirty="0" smtClean="0"/>
-          </a:p>
-          <a:p>
-            <a:endParaRPr lang="en-US" altLang="ja-JP" dirty="0" smtClean="0"/>
-          </a:p>
-          <a:p>
-            <a:endParaRPr kumimoji="1" lang="ja-JP" altLang="en-US" dirty="0"/>
-          </a:p>
-        </p:txBody>
-      </p:sp>
-    </p:spTree>
-    <p:extLst>
-      <p:ext uri="{BB962C8B-B14F-4D97-AF65-F5344CB8AC3E}">
-        <p14:creationId xmlns:p14="http://schemas.microsoft.com/office/powerpoint/2010/main" val="2444514053"/>
       </p:ext>
     </p:extLst>
   </p:cSld>
@@ -11414,7 +13139,11 @@
           <a:p>
             <a:r>
               <a:rPr lang="ja-JP" altLang="en-US" dirty="0" smtClean="0"/>
-              <a:t>この変数分離により、以下の二つの微分方程式が得られる。</a:t>
+              <a:t>この変数分離により、以下の二つの微分方程式が得られる（計算は</a:t>
+            </a:r>
+            <a:r>
+              <a:rPr lang="ja-JP" altLang="en-US" dirty="0" err="1" smtClean="0"/>
+              <a:t>、。</a:t>
             </a:r>
             <a:endParaRPr lang="en-US" altLang="ja-JP" dirty="0" smtClean="0"/>
           </a:p>
@@ -11608,13 +13337,13 @@
           <a:p>
             <a:r>
               <a:rPr lang="ja-JP" altLang="en-US" dirty="0" smtClean="0"/>
-              <a:t>しかし、これらの境界条件は、この常微分方程式を数値的に解く上で、何も言っていないのと同じである。</a:t>
-            </a:r>
-          </a:p>
-          <a:p>
-            <a:r>
-              <a:rPr lang="ja-JP" altLang="en-US" dirty="0" smtClean="0"/>
-              <a:t>さらに、この常微分方程式は固有方程式であり、</a:t>
+              <a:t>しかし、これらの境界条件は、この微分方程式を数値的に解く上で、何も言っていないのと同じである。</a:t>
+            </a:r>
+          </a:p>
+          <a:p>
+            <a:r>
+              <a:rPr lang="ja-JP" altLang="en-US" dirty="0" smtClean="0"/>
+              <a:t>さらに、この微分方程式は固有方程式であり、</a:t>
             </a:r>
             <a:r>
               <a:rPr lang="en-US" altLang="ja-JP" dirty="0" smtClean="0"/>
@@ -11708,6 +13437,36 @@
 
 <file path=ppt/tags/tag11.xml><?xml version="1.0" encoding="utf-8"?>
 <p:tagLst xmlns:a="http://schemas.openxmlformats.org/drawingml/2006/main" xmlns:r="http://schemas.openxmlformats.org/officeDocument/2006/relationships" xmlns:p="http://schemas.openxmlformats.org/presentationml/2006/main">
+  <p:tag name="ORIGINALHEIGHT" val="547.4316"/>
+  <p:tag name="ORIGINALWIDTH" val="2179.978"/>
+  <p:tag name="LATEXADDIN" val="\documentclass{article}&#10;\usepackage{amsmath}&#10;\pagestyle{empty}&#10;\begin{document}&#10;$\dfrac{dL_{nl}\left(  x\right)  }{dr}=\dfrac{1}{r}\dfrac{dL_{nl}\left(&#10;x\right)  }{dx}$&#10;&#10;$\dfrac{d^{2}L_{nl}\left(  r\right)  }{dr^{2}}=-\dfrac{1}{r^{2}}\dfrac&#10;{dL_{nl}\left(  x\right)  }{dx}+\dfrac{1}{r^{2}}\dfrac{d^{2}L_{nl}\left(&#10;x\right)  }{dx^{2}}$%&#10;\end{document}"/>
+  <p:tag name="IGUANATEXSIZE" val="20"/>
+  <p:tag name="IGUANATEXCURSOR" val="335"/>
+</p:tagLst>
+</file>
+
+<file path=ppt/tags/tag12.xml><?xml version="1.0" encoding="utf-8"?>
+<p:tagLst xmlns:a="http://schemas.openxmlformats.org/drawingml/2006/main" xmlns:r="http://schemas.openxmlformats.org/officeDocument/2006/relationships" xmlns:p="http://schemas.openxmlformats.org/presentationml/2006/main">
+  <p:tag name="ORIGINALHEIGHT" val="274.4657"/>
+  <p:tag name="ORIGINALWIDTH" val="3024.372"/>
+  <p:tag name="LATEXADDIN" val="\documentclass{article}&#10;\usepackage{amsmath}&#10;\pagestyle{empty}&#10;\begin{document}&#10;$\dfrac{d^{2}L_{nl}\left(  x\right)  }{dx^{2}}=-2\left(  l+1\right)&#10;\dfrac{dL_{nl}\left(  x\right)  }{dx}+2r^{2}\left[  V\left(  r\right)&#10;-E\right]  L_{nl}\left(  x\right)  $%&#10;\end{document}"/>
+  <p:tag name="IGUANATEXSIZE" val="20"/>
+  <p:tag name="IGUANATEXCURSOR" val="255"/>
+</p:tagLst>
+</file>
+
+<file path=ppt/tags/tag13.xml><?xml version="1.0" encoding="utf-8"?>
+<p:tagLst xmlns:a="http://schemas.openxmlformats.org/drawingml/2006/main" xmlns:r="http://schemas.openxmlformats.org/officeDocument/2006/relationships" xmlns:p="http://schemas.openxmlformats.org/presentationml/2006/main">
+  <p:tag name="ORIGINALHEIGHT" val="126.3334"/>
+  <p:tag name="ORIGINALWIDTH" val="720.0347"/>
+  <p:tag name="LATEXADDIN" val="\documentclass{article}&#10;\usepackage{amsmath}&#10;\pagestyle{empty}&#10;\begin{document}&#10;$\left\{&#10;\begin{tabular}&#10;[c]{l}%&#10;$\dfrac{dL_{nl}\left(  x\right)  }{dx}=M\left(  x\right)  $\\&#10;$\dfrac{dM\left(  x\right)  }{dx}=-\left(  2l+1\right)  M\left(  x\right)&#10;+2e^{2x}\left[  V\left(  r\right)  -E\right]  L_{nl}\left(  x\right)  $%&#10;\end{tabular}&#10;\ \right.  $%&#10;\end{document}"/>
+  <p:tag name="IGUANATEXSIZE" val="20"/>
+  <p:tag name="IGUANATEXCURSOR" val="349"/>
+</p:tagLst>
+</file>
+
+<file path=ppt/tags/tag14.xml><?xml version="1.0" encoding="utf-8"?>
+<p:tagLst xmlns:a="http://schemas.openxmlformats.org/drawingml/2006/main" xmlns:r="http://schemas.openxmlformats.org/officeDocument/2006/relationships" xmlns:p="http://schemas.openxmlformats.org/presentationml/2006/main">
   <p:tag name="ORIGINALHEIGHT" val="341.9572"/>
   <p:tag name="ORIGINALWIDTH" val="2068.991"/>
   <p:tag name="LATEXADDIN" val="\documentclass{article}&#10;\usepackage{amsmath}&#10;\pagestyle{empty}&#10;\begin{document}&#10;\begin{tabular}&#10;[c]{ll}%&#10;$V\left(  r\right)  =%&#10;%TCIMACRO{\dsum \limits_{n=0}^{\infty}}%&#10;%BeginExpansion&#10;{\displaystyle\sum\limits_{n=0}^{\infty}}&#10;%EndExpansion&#10;a_{n}r^{n}$ &amp; $L_{nl}\left(  r\right)  =%&#10;%TCIMACRO{\dsum \limits_{m=0}^{\infty}}%&#10;%BeginExpansion&#10;{\displaystyle\sum\limits_{m=0}^{\infty}}&#10;%EndExpansion&#10;b_{m}r^{m}$%&#10;\end{tabular}&#10;&#10;&#10;&#10;\end{document}"/>
@@ -11716,7 +13475,7 @@
 </p:tagLst>
 </file>
 
-<file path=ppt/tags/tag12.xml><?xml version="1.0" encoding="utf-8"?>
+<file path=ppt/tags/tag15.xml><?xml version="1.0" encoding="utf-8"?>
 <p:tagLst xmlns:a="http://schemas.openxmlformats.org/drawingml/2006/main" xmlns:r="http://schemas.openxmlformats.org/officeDocument/2006/relationships" xmlns:p="http://schemas.openxmlformats.org/presentationml/2006/main">
   <p:tag name="ORIGINALHEIGHT" val="341.2073"/>
   <p:tag name="ORIGINALWIDTH" val="3391.826"/>
@@ -11726,24 +13485,14 @@
 </p:tagLst>
 </file>
 
-<file path=ppt/tags/tag13.xml><?xml version="1.0" encoding="utf-8"?>
+<file path=ppt/tags/tag16.xml><?xml version="1.0" encoding="utf-8"?>
 <p:tagLst xmlns:a="http://schemas.openxmlformats.org/drawingml/2006/main" xmlns:r="http://schemas.openxmlformats.org/officeDocument/2006/relationships" xmlns:p="http://schemas.openxmlformats.org/presentationml/2006/main">
   <p:tag name="LATEXADDIN" val="\documentclass{article}&#10;\usepackage{amsmath}&#10;\pagestyle{empty}&#10;\begin{document}&#10;$\dfrac{d^{2}L_{nl}\left(  r\right)  }{dr^{2}}+\dfrac{2\left(  l+1\right)&#10;}{r}\dfrac{dL_{nl}\left(  r\right)  }{dr}=2\left[  V\left(  r\right)&#10;-E\right]  L_{nl}\left(  r\right)  $&#10;\end{document}"/>
   <p:tag name="IGUANATEXSIZE" val="20"/>
 </p:tagLst>
 </file>
 
-<file path=ppt/tags/tag14.xml><?xml version="1.0" encoding="utf-8"?>
-<p:tagLst xmlns:a="http://schemas.openxmlformats.org/drawingml/2006/main" xmlns:r="http://schemas.openxmlformats.org/officeDocument/2006/relationships" xmlns:p="http://schemas.openxmlformats.org/presentationml/2006/main">
-  <p:tag name="ORIGINALHEIGHT" val="341.9572"/>
-  <p:tag name="ORIGINALWIDTH" val="1876.265"/>
-  <p:tag name="LATEXADDIN" val="\documentclass{article}&#10;\usepackage{amsmath}&#10;\pagestyle{empty}&#10;\begin{document}&#10;$%&#10;%TCIMACRO{\dsum \limits_{m=0}^{\infty}}%&#10;%BeginExpansion&#10;{\displaystyle\sum\limits_{m=0}^{\infty}}&#10;%EndExpansion&#10;\left[  m\left(  m-1\right)  +2\left(  l+1\right)  \right]  b_{m}r^{m-2}$&#10;\end{document}"/>
-  <p:tag name="IGUANATEXSIZE" val="20"/>
-  <p:tag name="IGUANATEXCURSOR" val="270"/>
-</p:tagLst>
-</file>
-
-<file path=ppt/tags/tag15.xml><?xml version="1.0" encoding="utf-8"?>
+<file path=ppt/tags/tag17.xml><?xml version="1.0" encoding="utf-8"?>
 <p:tagLst xmlns:a="http://schemas.openxmlformats.org/drawingml/2006/main" xmlns:r="http://schemas.openxmlformats.org/officeDocument/2006/relationships" xmlns:p="http://schemas.openxmlformats.org/presentationml/2006/main">
   <p:tag name="ORIGINALHEIGHT" val="341.9572"/>
   <p:tag name="ORIGINALWIDTH" val="1879.265"/>
@@ -11753,45 +13502,23 @@
 </p:tagLst>
 </file>
 
-<file path=ppt/tags/tag16.xml><?xml version="1.0" encoding="utf-8"?>
+<file path=ppt/tags/tag18.xml><?xml version="1.0" encoding="utf-8"?>
+<p:tagLst xmlns:a="http://schemas.openxmlformats.org/drawingml/2006/main" xmlns:r="http://schemas.openxmlformats.org/officeDocument/2006/relationships" xmlns:p="http://schemas.openxmlformats.org/presentationml/2006/main">
+  <p:tag name="ORIGINALHEIGHT" val="341.9572"/>
+  <p:tag name="ORIGINALWIDTH" val="2005.999"/>
+  <p:tag name="LATEXADDIN" val="\documentclass{article}&#10;\usepackage{amsmath}&#10;\pagestyle{empty}&#10;\begin{document}&#10;$%&#10;%TCIMACRO{\dsum \limits_{m=0}^{\infty}}%&#10;%BeginExpansion&#10;{\displaystyle\sum\limits_{m=0}^{\infty}}&#10;%EndExpansion&#10;\left[  m\left(  m-1\right)  +2\left(  l+1\right)  m\right]  b_{m}r^{m-2}$&#10;\end{document}"/>
+  <p:tag name="IGUANATEXSIZE" val="20"/>
+  <p:tag name="IGUANATEXCURSOR" val="270"/>
+</p:tagLst>
+</file>
+
+<file path=ppt/tags/tag19.xml><?xml version="1.0" encoding="utf-8"?>
 <p:tagLst xmlns:a="http://schemas.openxmlformats.org/drawingml/2006/main" xmlns:r="http://schemas.openxmlformats.org/officeDocument/2006/relationships" xmlns:p="http://schemas.openxmlformats.org/presentationml/2006/main">
   <p:tag name="ORIGINALHEIGHT" val="1086.614"/>
   <p:tag name="ORIGINALWIDTH" val="1259.843"/>
   <p:tag name="LATEXADDIN" val="\documentclass{article}&#10;\usepackage{amsmath}&#10;\pagestyle{empty}&#10;\begin{document}&#10;\begin{tabular}&#10;[c]{l}%&#10;$b_{0}=arbitary$\\&#10;$b_{1}=0$\\&#10;$b_{2}=\dfrac{\left(  a_{0}-E\right)  b_{0}}{2l+3}$\\&#10;$b_{3}=\dfrac{a_{1}b_{0}}{3l+6}$\\&#10;$b_{4}=\dfrac{a_{0}b_{2}+a_{2}b_{0}-Eb_{2}}{4l+10}$%&#10;\end{tabular}&#10;\end{document}"/>
   <p:tag name="IGUANATEXSIZE" val="20"/>
   <p:tag name="IGUANATEXCURSOR" val="290"/>
-</p:tagLst>
-</file>
-
-<file path=ppt/tags/tag17.xml><?xml version="1.0" encoding="utf-8"?>
-<p:tagLst xmlns:a="http://schemas.openxmlformats.org/drawingml/2006/main" xmlns:r="http://schemas.openxmlformats.org/officeDocument/2006/relationships" xmlns:p="http://schemas.openxmlformats.org/presentationml/2006/main">
-  <p:tag name="TEXPOINT" val="latex"/>
-  <p:tag name="SOURCE" val="\documentclass{article}\pagestyle{empty}&#10;\usepackage{amsmath}&#10;\usepackage{amsfonts}%&#10;\setcounter{MaxMatrixCols}{30}%&#10;\usepackage{amssymb}%&#10;\usepackage{graphicx}&#10;\newtheorem{theorem}{\U{5b9a}\U{7406}}&#10;\newtheorem{acknowledgement}[theorem]{\U{627f}\U{8a8d}}&#10;\newtheorem{algorithm}[theorem]{\U{30a2}\U{30eb}\U{30b4}\U{30ea}\U{30ba}\U{30e0}}&#10;\newtheorem{axiom}[theorem]{\U{516c}\U{7406}}&#10;\newtheorem{case}[theorem]{\U{5834}\U{5408}}&#10;\newtheorem{claim}[theorem]{\U{4e3b}\U{5f35}}&#10;\newtheorem{conclusion}[theorem]{\U{7d50}\U{8ad6}}&#10;\newtheorem{condition}[theorem]{\U{6761}\U{4ef6}}&#10;\newtheorem{conjecture}[theorem]{\U{63a8}\U{8ad6}}&#10;\newtheorem{corollary}[theorem]{\U{7cfb}}&#10;\newtheorem{criterion}[theorem]{\U{57fa}\U{6e96}}&#10;\newtheorem{definition}[theorem]{\U{5b9a}\U{7fa9}}&#10;\newtheorem{example}[theorem]{\U{4f8b}}&#10;\newtheorem{exercise}[theorem]{\U{7df4}\U{7fd2}}&#10;\newtheorem{lemma}[theorem]{\U{88dc}\U{984c}}&#10;\newtheorem{notation}[theorem]{\U{8a18}\U{53f7}}&#10;\newtheorem{problem}[theorem]{\U{554f}\U{984c}}&#10;\newtheorem{proposition}[theorem]{\U{547d}\U{984c}}&#10;\newtheorem{remark}[theorem]{\U{8a18}\U{4e8b}}&#10;\newtheorem{solution}[theorem]{\U{89e3}\U{6cd5}}&#10;\newtheorem{summary}[theorem]{\U{8981}\U{7d04}}&#10;\newenvironment{proof}[1][\U{8a3c}\U{660e}]{\noindent\textbf{#1.} }{\ \rule{0.5em}{0.5em}}&#10;\begin{document}&#10;$y_{i+1}^{in}=\alpha y_{i}^{out}+\left(  1-\alpha\right)  y_{i}^{in}$&#10;\end{document}&#10;"/>
-  <p:tag name="FILENAME" val="TP_tmp"/>
-  <p:tag name="FORMAT" val="png16m"/>
-  <p:tag name="RES" val="1200"/>
-  <p:tag name="BLEND" val="0"/>
-  <p:tag name="TRANSPARENT" val="0"/>
-  <p:tag name="TBUG" val="0"/>
-  <p:tag name="ALLOWFS" val="0"/>
-  <p:tag name="ORIGWIDTH" val="114"/>
-  <p:tag name="PICTUREFILESIZE" val="7171"/>
-</p:tagLst>
-</file>
-
-<file path=ppt/tags/tag18.xml><?xml version="1.0" encoding="utf-8"?>
-<p:tagLst xmlns:a="http://schemas.openxmlformats.org/drawingml/2006/main" xmlns:r="http://schemas.openxmlformats.org/officeDocument/2006/relationships" xmlns:p="http://schemas.openxmlformats.org/presentationml/2006/main">
-  <p:tag name="TEXPOINT" val="latex"/>
-  <p:tag name="SOURCE" val="\documentclass{article}\pagestyle{empty}&#10;\usepackage{amsmath}&#10;\usepackage{amsfonts}%&#10;\setcounter{MaxMatrixCols}{30}%&#10;\usepackage{amssymb}%&#10;\usepackage{graphicx}&#10;\newtheorem{theorem}{\U{5b9a}\U{7406}}&#10;\newtheorem{acknowledgement}[theorem]{\U{627f}\U{8a8d}}&#10;\newtheorem{algorithm}[theorem]{\U{30a2}\U{30eb}\U{30b4}\U{30ea}\U{30ba}\U{30e0}}&#10;\newtheorem{axiom}[theorem]{\U{516c}\U{7406}}&#10;\newtheorem{case}[theorem]{\U{5834}\U{5408}}&#10;\newtheorem{claim}[theorem]{\U{4e3b}\U{5f35}}&#10;\newtheorem{conclusion}[theorem]{\U{7d50}\U{8ad6}}&#10;\newtheorem{condition}[theorem]{\U{6761}\U{4ef6}}&#10;\newtheorem{conjecture}[theorem]{\U{63a8}\U{8ad6}}&#10;\newtheorem{corollary}[theorem]{\U{7cfb}}&#10;\newtheorem{criterion}[theorem]{\U{57fa}\U{6e96}}&#10;\newtheorem{definition}[theorem]{\U{5b9a}\U{7fa9}}&#10;\newtheorem{example}[theorem]{\U{4f8b}}&#10;\newtheorem{exercise}[theorem]{\U{7df4}\U{7fd2}}&#10;\newtheorem{lemma}[theorem]{\U{88dc}\U{984c}}&#10;\newtheorem{notation}[theorem]{\U{8a18}\U{53f7}}&#10;\newtheorem{problem}[theorem]{\U{554f}\U{984c}}&#10;\newtheorem{proposition}[theorem]{\U{547d}\U{984c}}&#10;\newtheorem{remark}[theorem]{\U{8a18}\U{4e8b}}&#10;\newtheorem{solution}[theorem]{\U{89e3}\U{6cd5}}&#10;\newtheorem{summary}[theorem]{\U{8981}\U{7d04}}&#10;\newenvironment{proof}[1][\U{8a3c}\U{660e}]{\noindent\textbf{#1.} }{\ \rule{0.5em}{0.5em}}&#10;\begin{document}&#10;$E=\dfrac{3}{7}\left(  \dfrac{128}{9\pi^{2}}\right)  ^{\frac{1}{3}}Z^{\frac&#10;{7}{3}}\left[  y^{\prime}\left(  0\right)  \right]  $&#10;\end{document}&#10;\end{document}"/>
-  <p:tag name="FILENAME" val="TP_tmp"/>
-  <p:tag name="FORMAT" val="png16m"/>
-  <p:tag name="RES" val="1200"/>
-  <p:tag name="BLEND" val="0"/>
-  <p:tag name="TRANSPARENT" val="0"/>
-  <p:tag name="TBUG" val="0"/>
-  <p:tag name="ALLOWFS" val="0"/>
-  <p:tag name="ORIGWIDTH" val="113"/>
-  <p:tag name="PICTUREFILESIZE" val="12633"/>
 </p:tagLst>
 </file>
 
@@ -11808,6 +13535,118 @@
   <p:tag name="ALLOWFS" val="0"/>
   <p:tag name="ORIGWIDTH" val="93"/>
   <p:tag name="PICTUREFILESIZE" val="13813"/>
+</p:tagLst>
+</file>
+
+<file path=ppt/tags/tag20.xml><?xml version="1.0" encoding="utf-8"?>
+<p:tagLst xmlns:a="http://schemas.openxmlformats.org/drawingml/2006/main" xmlns:r="http://schemas.openxmlformats.org/officeDocument/2006/relationships" xmlns:p="http://schemas.openxmlformats.org/presentationml/2006/main">
+  <p:tag name="ORIGINALHEIGHT" val="448.4439"/>
+  <p:tag name="ORIGINALWIDTH" val="2131.983"/>
+  <p:tag name="LATEXADDIN" val="\documentclass{article}&#10;\usepackage{amsmath}&#10;\pagestyle{empty}&#10;\begin{document}&#10;$\left(&#10;\begin{array}&#10;[c]{ccc}%&#10;1 &amp; r_{0} &amp; r_{0}^{2}\\&#10;1 &amp; r_{1} &amp; r_{1}^{2}\\&#10;1 &amp; r_{2} &amp; r_{2}^{2}%&#10;\end{array}&#10;\right)  \left(&#10;\begin{array}&#10;[c]{c}%&#10;a_{0}\\&#10;a_{1}\\&#10;a_{2}%&#10;\end{array}&#10;\right)  =\left(&#10;\begin{array}&#10;[c]{c}%&#10;V\left(  r_{0}\right)  \\&#10;V\left(  r_{1}\right)  \\&#10;V\left(  r_{2}\right)&#10;\end{array}&#10;\right)  $&#10;\end{document}"/>
+  <p:tag name="IGUANATEXSIZE" val="20"/>
+  <p:tag name="IGUANATEXCURSOR" val="404"/>
+</p:tagLst>
+</file>
+
+<file path=ppt/tags/tag21.xml><?xml version="1.0" encoding="utf-8"?>
+<p:tagLst xmlns:a="http://schemas.openxmlformats.org/drawingml/2006/main" xmlns:r="http://schemas.openxmlformats.org/officeDocument/2006/relationships" xmlns:p="http://schemas.openxmlformats.org/presentationml/2006/main">
+  <p:tag name="ORIGINALHEIGHT" val="273.7158"/>
+  <p:tag name="ORIGINALWIDTH" val="2888.639"/>
+  <p:tag name="LATEXADDIN" val="\documentclass{article}&#10;\usepackage{amsmath}&#10;\pagestyle{empty}&#10;\begin{document}&#10;$%&#10;\begin{tabular}&#10;[c]{l}%&#10;$L_{nl}\left(  x_{0}\right)  =\left\{  \left\{  \left[  \left(  b_{4}e^{x_{0}%&#10;}+b_{3}\right)  e^{x_{0}}\right]  +b_{2}\right\}  e^{x_{0}}+b_{1}\right\}&#10;e^{x_{0}}+b_{0}$\\&#10;$M\left(  x_{0}\right)  =\left\{  \left[  \left(  4b_{4}e^{x_{0}}%&#10;+3b_{3}\right)  e^{x_{0}}+2b_{2}\right]  e^{x_{0}}+b_{1}\right\}  e^{x_{0}}$%&#10;\end{tabular}&#10;\ $&#10;\end{document}"/>
+  <p:tag name="IGUANATEXSIZE" val="20"/>
+  <p:tag name="IGUANATEXCURSOR" val="441"/>
+</p:tagLst>
+</file>
+
+<file path=ppt/tags/tag22.xml><?xml version="1.0" encoding="utf-8"?>
+<p:tagLst xmlns:a="http://schemas.openxmlformats.org/drawingml/2006/main" xmlns:r="http://schemas.openxmlformats.org/officeDocument/2006/relationships" xmlns:p="http://schemas.openxmlformats.org/presentationml/2006/main">
+  <p:tag name="ORIGINALHEIGHT" val="263.967"/>
+  <p:tag name="ORIGINALWIDTH" val="1345.332"/>
+  <p:tag name="LATEXADDIN" val="\documentclass{article}&#10;\usepackage{amsmath}&#10;\pagestyle{empty}&#10;\begin{document}&#10;$\psi_{i}\left(  \vec{r}\right)  =\dfrac{P_{nl}\left(  r\right)  }{r}%&#10;Y_{lm}\left(  \theta,\phi\right)  $&#10;\end{document}"/>
+  <p:tag name="IGUANATEXSIZE" val="20"/>
+  <p:tag name="IGUANATEXCURSOR" val="186"/>
+</p:tagLst>
+</file>
+
+<file path=ppt/tags/tag23.xml><?xml version="1.0" encoding="utf-8"?>
+<p:tagLst xmlns:a="http://schemas.openxmlformats.org/drawingml/2006/main" xmlns:r="http://schemas.openxmlformats.org/officeDocument/2006/relationships" xmlns:p="http://schemas.openxmlformats.org/presentationml/2006/main">
+  <p:tag name="ORIGINALHEIGHT" val="305.9617"/>
+  <p:tag name="ORIGINALWIDTH" val="2509.936"/>
+  <p:tag name="LATEXADDIN" val="\documentclass{article}&#10;\usepackage{amsmath}&#10;\pagestyle{empty}&#10;\begin{document}&#10;$\left[  -\dfrac{1}{2}\dfrac{d^{2}}{dr^{2}}+V\left(  r\right)  +\dfrac&#10;{l\left(  l+1\right)  }{r^{2}}\right]  P_{nl}\left(  r\right)  =EP_{nl}\left(&#10;r\right)  $&#10;\end{document}"/>
+  <p:tag name="IGUANATEXSIZE" val="20"/>
+  <p:tag name="IGUANATEXCURSOR" val="240"/>
+</p:tagLst>
+</file>
+
+<file path=ppt/tags/tag24.xml><?xml version="1.0" encoding="utf-8"?>
+<p:tagLst xmlns:a="http://schemas.openxmlformats.org/drawingml/2006/main" xmlns:r="http://schemas.openxmlformats.org/officeDocument/2006/relationships" xmlns:p="http://schemas.openxmlformats.org/presentationml/2006/main">
+  <p:tag name="ORIGINALHEIGHT" val="149.9813"/>
+  <p:tag name="ORIGINALWIDTH" val="1481.815"/>
+  <p:tag name="LATEXADDIN" val="\documentclass{article}&#10;\usepackage{amsmath}&#10;\pagestyle{empty}&#10;\begin{document}&#10;$P_{nl}\left(  r\right)  =\exp\left[  -\left(  \sqrt{-2E}\right)  r\right]  $&#10;\end{document}"/>
+  <p:tag name="IGUANATEXSIZE" val="20"/>
+  <p:tag name="IGUANATEXCURSOR" val="157"/>
+</p:tagLst>
+</file>
+
+<file path=ppt/tags/tag25.xml><?xml version="1.0" encoding="utf-8"?>
+<p:tagLst xmlns:a="http://schemas.openxmlformats.org/drawingml/2006/main" xmlns:r="http://schemas.openxmlformats.org/officeDocument/2006/relationships" xmlns:p="http://schemas.openxmlformats.org/presentationml/2006/main">
+  <p:tag name="ORIGINALHEIGHT" val="274.4657"/>
+  <p:tag name="ORIGINALWIDTH" val="1295.838"/>
+  <p:tag name="LATEXADDIN" val="\documentclass{article}&#10;\usepackage{amsmath}&#10;\pagestyle{empty}&#10;\begin{document}&#10;$-\dfrac{1}{2}\dfrac{d^{2}P_{nl}\left(  r\right)  }{dr^{2}}\approx&#10;EP_{nl}\left(  r\right)  $&#10;\end{document}"/>
+  <p:tag name="IGUANATEXSIZE" val="20"/>
+  <p:tag name="IGUANATEXCURSOR" val="173"/>
+</p:tagLst>
+</file>
+
+<file path=ppt/tags/tag26.xml><?xml version="1.0" encoding="utf-8"?>
+<p:tagLst xmlns:a="http://schemas.openxmlformats.org/drawingml/2006/main" xmlns:r="http://schemas.openxmlformats.org/officeDocument/2006/relationships" xmlns:p="http://schemas.openxmlformats.org/presentationml/2006/main">
+  <p:tag name="ORIGINALHEIGHT" val="263.967"/>
+  <p:tag name="ORIGINALWIDTH" val="895.3881"/>
+  <p:tag name="LATEXADDIN" val="\documentclass{article}&#10;\usepackage{amsmath}&#10;\pagestyle{empty}&#10;\begin{document}&#10;$L_{nl}\left(  r\right)  =\dfrac{P_{nl}\left(  r\right)  }{r^{l+1}}$&#10;\end{document}"/>
+  <p:tag name="IGUANATEXSIZE" val="20"/>
+  <p:tag name="IGUANATEXCURSOR" val="148"/>
+</p:tagLst>
+</file>
+
+<file path=ppt/tags/tag27.xml><?xml version="1.0" encoding="utf-8"?>
+<p:tagLst xmlns:a="http://schemas.openxmlformats.org/drawingml/2006/main" xmlns:r="http://schemas.openxmlformats.org/officeDocument/2006/relationships" xmlns:p="http://schemas.openxmlformats.org/presentationml/2006/main">
+  <p:tag name="ORIGINALHEIGHT" val="584.9269"/>
+  <p:tag name="ORIGINALWIDTH" val="2419.948"/>
+  <p:tag name="LATEXADDIN" val="\documentclass{article}&#10;\usepackage{amsmath}&#10;\pagestyle{empty}&#10;\begin{document}&#10;\begin{tabular}&#10;[c]{l}%&#10;$L_{nl}\left(  x_{\max}\right)  =\dfrac{\exp\left[  -\left(  \sqrt&#10;{-2E}\right)  e^{x_{\max}}\right]  }{e^{\left(  l+1\right)  x_{\max}}}$\\&#10;$M\left(  x_{\max}\right)  =-L_{nl}\left(  x_{\max}\right)  \left\{&#10;\sqrt{-2E}+\dfrac{\left(  l+1\right)  }{e^{x_{\max}}}\right\}  $%&#10;\end{tabular}&#10;\end{document}"/>
+  <p:tag name="IGUANATEXSIZE" val="20"/>
+  <p:tag name="IGUANATEXCURSOR" val="392"/>
+</p:tagLst>
+</file>
+
+<file path=ppt/tags/tag28.xml><?xml version="1.0" encoding="utf-8"?>
+<p:tagLst xmlns:a="http://schemas.openxmlformats.org/drawingml/2006/main" xmlns:r="http://schemas.openxmlformats.org/officeDocument/2006/relationships" xmlns:p="http://schemas.openxmlformats.org/presentationml/2006/main">
+  <p:tag name="TEXPOINT" val="latex"/>
+  <p:tag name="SOURCE" val="\documentclass{article}\pagestyle{empty}&#10;\usepackage{amsmath}&#10;\usepackage{amsfonts}%&#10;\setcounter{MaxMatrixCols}{30}%&#10;\usepackage{amssymb}%&#10;\usepackage{graphicx}&#10;\newtheorem{theorem}{\U{5b9a}\U{7406}}&#10;\newtheorem{acknowledgement}[theorem]{\U{627f}\U{8a8d}}&#10;\newtheorem{algorithm}[theorem]{\U{30a2}\U{30eb}\U{30b4}\U{30ea}\U{30ba}\U{30e0}}&#10;\newtheorem{axiom}[theorem]{\U{516c}\U{7406}}&#10;\newtheorem{case}[theorem]{\U{5834}\U{5408}}&#10;\newtheorem{claim}[theorem]{\U{4e3b}\U{5f35}}&#10;\newtheorem{conclusion}[theorem]{\U{7d50}\U{8ad6}}&#10;\newtheorem{condition}[theorem]{\U{6761}\U{4ef6}}&#10;\newtheorem{conjecture}[theorem]{\U{63a8}\U{8ad6}}&#10;\newtheorem{corollary}[theorem]{\U{7cfb}}&#10;\newtheorem{criterion}[theorem]{\U{57fa}\U{6e96}}&#10;\newtheorem{definition}[theorem]{\U{5b9a}\U{7fa9}}&#10;\newtheorem{example}[theorem]{\U{4f8b}}&#10;\newtheorem{exercise}[theorem]{\U{7df4}\U{7fd2}}&#10;\newtheorem{lemma}[theorem]{\U{88dc}\U{984c}}&#10;\newtheorem{notation}[theorem]{\U{8a18}\U{53f7}}&#10;\newtheorem{problem}[theorem]{\U{554f}\U{984c}}&#10;\newtheorem{proposition}[theorem]{\U{547d}\U{984c}}&#10;\newtheorem{remark}[theorem]{\U{8a18}\U{4e8b}}&#10;\newtheorem{solution}[theorem]{\U{89e3}\U{6cd5}}&#10;\newtheorem{summary}[theorem]{\U{8981}\U{7d04}}&#10;\newenvironment{proof}[1][\U{8a3c}\U{660e}]{\noindent\textbf{#1.} }{\ \rule{0.5em}{0.5em}}&#10;\begin{document}&#10;$y_{i+1}^{in}=\alpha y_{i}^{out}+\left(  1-\alpha\right)  y_{i}^{in}$&#10;\end{document}&#10;"/>
+  <p:tag name="FILENAME" val="TP_tmp"/>
+  <p:tag name="FORMAT" val="png16m"/>
+  <p:tag name="RES" val="1200"/>
+  <p:tag name="BLEND" val="0"/>
+  <p:tag name="TRANSPARENT" val="0"/>
+  <p:tag name="TBUG" val="0"/>
+  <p:tag name="ALLOWFS" val="0"/>
+  <p:tag name="ORIGWIDTH" val="114"/>
+  <p:tag name="PICTUREFILESIZE" val="7171"/>
+</p:tagLst>
+</file>
+
+<file path=ppt/tags/tag29.xml><?xml version="1.0" encoding="utf-8"?>
+<p:tagLst xmlns:a="http://schemas.openxmlformats.org/drawingml/2006/main" xmlns:r="http://schemas.openxmlformats.org/officeDocument/2006/relationships" xmlns:p="http://schemas.openxmlformats.org/presentationml/2006/main">
+  <p:tag name="TEXPOINT" val="latex"/>
+  <p:tag name="SOURCE" val="\documentclass{article}\pagestyle{empty}&#10;\usepackage{amsmath}&#10;\usepackage{amsfonts}%&#10;\setcounter{MaxMatrixCols}{30}%&#10;\usepackage{amssymb}%&#10;\usepackage{graphicx}&#10;\newtheorem{theorem}{\U{5b9a}\U{7406}}&#10;\newtheorem{acknowledgement}[theorem]{\U{627f}\U{8a8d}}&#10;\newtheorem{algorithm}[theorem]{\U{30a2}\U{30eb}\U{30b4}\U{30ea}\U{30ba}\U{30e0}}&#10;\newtheorem{axiom}[theorem]{\U{516c}\U{7406}}&#10;\newtheorem{case}[theorem]{\U{5834}\U{5408}}&#10;\newtheorem{claim}[theorem]{\U{4e3b}\U{5f35}}&#10;\newtheorem{conclusion}[theorem]{\U{7d50}\U{8ad6}}&#10;\newtheorem{condition}[theorem]{\U{6761}\U{4ef6}}&#10;\newtheorem{conjecture}[theorem]{\U{63a8}\U{8ad6}}&#10;\newtheorem{corollary}[theorem]{\U{7cfb}}&#10;\newtheorem{criterion}[theorem]{\U{57fa}\U{6e96}}&#10;\newtheorem{definition}[theorem]{\U{5b9a}\U{7fa9}}&#10;\newtheorem{example}[theorem]{\U{4f8b}}&#10;\newtheorem{exercise}[theorem]{\U{7df4}\U{7fd2}}&#10;\newtheorem{lemma}[theorem]{\U{88dc}\U{984c}}&#10;\newtheorem{notation}[theorem]{\U{8a18}\U{53f7}}&#10;\newtheorem{problem}[theorem]{\U{554f}\U{984c}}&#10;\newtheorem{proposition}[theorem]{\U{547d}\U{984c}}&#10;\newtheorem{remark}[theorem]{\U{8a18}\U{4e8b}}&#10;\newtheorem{solution}[theorem]{\U{89e3}\U{6cd5}}&#10;\newtheorem{summary}[theorem]{\U{8981}\U{7d04}}&#10;\newenvironment{proof}[1][\U{8a3c}\U{660e}]{\noindent\textbf{#1.} }{\ \rule{0.5em}{0.5em}}&#10;\begin{document}&#10;$E=\dfrac{3}{7}\left(  \dfrac{128}{9\pi^{2}}\right)  ^{\frac{1}{3}}Z^{\frac&#10;{7}{3}}\left[  y^{\prime}\left(  0\right)  \right]  $&#10;\end{document}&#10;\end{document}"/>
+  <p:tag name="FILENAME" val="TP_tmp"/>
+  <p:tag name="FORMAT" val="png16m"/>
+  <p:tag name="RES" val="1200"/>
+  <p:tag name="BLEND" val="0"/>
+  <p:tag name="TRANSPARENT" val="0"/>
+  <p:tag name="TBUG" val="0"/>
+  <p:tag name="ALLOWFS" val="0"/>
+  <p:tag name="ORIGWIDTH" val="113"/>
+  <p:tag name="PICTUREFILESIZE" val="12633"/>
 </p:tagLst>
 </file>
 

--- a/福井技術者の集いその2_発表資料スライド.pptx
+++ b/福井技術者の集いその2_発表資料スライド.pptx
@@ -5,7 +5,7 @@
     <p:sldMasterId id="2147483744" r:id="rId1"/>
   </p:sldMasterIdLst>
   <p:notesMasterIdLst>
-    <p:notesMasterId r:id="rId34"/>
+    <p:notesMasterId r:id="rId30"/>
   </p:notesMasterIdLst>
   <p:sldIdLst>
     <p:sldId id="258" r:id="rId2"/>
@@ -27,24 +27,20 @@
     <p:sldId id="445" r:id="rId18"/>
     <p:sldId id="449" r:id="rId19"/>
     <p:sldId id="450" r:id="rId20"/>
-    <p:sldId id="416" r:id="rId21"/>
-    <p:sldId id="418" r:id="rId22"/>
-    <p:sldId id="419" r:id="rId23"/>
-    <p:sldId id="420" r:id="rId24"/>
-    <p:sldId id="421" r:id="rId25"/>
-    <p:sldId id="422" r:id="rId26"/>
-    <p:sldId id="429" r:id="rId27"/>
-    <p:sldId id="423" r:id="rId28"/>
-    <p:sldId id="426" r:id="rId29"/>
-    <p:sldId id="424" r:id="rId30"/>
-    <p:sldId id="425" r:id="rId31"/>
-    <p:sldId id="427" r:id="rId32"/>
-    <p:sldId id="428" r:id="rId33"/>
+    <p:sldId id="451" r:id="rId21"/>
+    <p:sldId id="452" r:id="rId22"/>
+    <p:sldId id="453" r:id="rId23"/>
+    <p:sldId id="454" r:id="rId24"/>
+    <p:sldId id="455" r:id="rId25"/>
+    <p:sldId id="456" r:id="rId26"/>
+    <p:sldId id="457" r:id="rId27"/>
+    <p:sldId id="427" r:id="rId28"/>
+    <p:sldId id="428" r:id="rId29"/>
   </p:sldIdLst>
   <p:sldSz cx="9144000" cy="6858000" type="screen4x3"/>
   <p:notesSz cx="6858000" cy="9144000"/>
   <p:custDataLst>
-    <p:tags r:id="rId35"/>
+    <p:tags r:id="rId31"/>
   </p:custDataLst>
   <p:defaultTextStyle>
     <a:defPPr>
@@ -226,7 +222,7 @@
           <a:p>
             <a:fld id="{132713B8-E49A-41D1-88B6-B310770581C8}" type="datetimeFigureOut">
               <a:rPr kumimoji="1" lang="ja-JP" altLang="en-US" smtClean="0"/>
-              <a:t>2015/2/9</a:t>
+              <a:t>2015/2/10</a:t>
             </a:fld>
             <a:endParaRPr kumimoji="1" lang="ja-JP" altLang="en-US"/>
           </a:p>
@@ -830,7 +826,7 @@
             <a:fld id="{C120A1B4-3412-4C96-ACAA-DBDB2A910CC9}" type="datetimeFigureOut">
               <a:rPr kumimoji="1" lang="ja-JP" altLang="en-US" smtClean="0"/>
               <a:pPr/>
-              <a:t>2015/2/9</a:t>
+              <a:t>2015/2/10</a:t>
             </a:fld>
             <a:endParaRPr kumimoji="1" lang="ja-JP" altLang="en-US"/>
           </a:p>
@@ -1076,7 +1072,7 @@
                 </a:solidFill>
               </a:rPr>
               <a:pPr/>
-              <a:t>2015/2/9</a:t>
+              <a:t>2015/2/10</a:t>
             </a:fld>
             <a:endParaRPr kumimoji="1" lang="ja-JP" altLang="en-US">
               <a:solidFill>
@@ -1312,7 +1308,7 @@
                 </a:solidFill>
               </a:rPr>
               <a:pPr/>
-              <a:t>2015/2/9</a:t>
+              <a:t>2015/2/10</a:t>
             </a:fld>
             <a:endParaRPr kumimoji="1" lang="ja-JP" altLang="en-US">
               <a:solidFill>
@@ -1606,7 +1602,7 @@
                 </a:solidFill>
               </a:rPr>
               <a:pPr/>
-              <a:t>2015/2/9</a:t>
+              <a:t>2015/2/10</a:t>
             </a:fld>
             <a:endParaRPr kumimoji="1" lang="ja-JP" altLang="en-US">
               <a:solidFill>
@@ -2085,7 +2081,7 @@
                 </a:solidFill>
               </a:rPr>
               <a:pPr/>
-              <a:t>2015/2/9</a:t>
+              <a:t>2015/2/10</a:t>
             </a:fld>
             <a:endParaRPr kumimoji="1" lang="ja-JP" altLang="en-US">
               <a:solidFill>
@@ -2410,7 +2406,7 @@
                 </a:solidFill>
               </a:rPr>
               <a:pPr/>
-              <a:t>2015/2/9</a:t>
+              <a:t>2015/2/10</a:t>
             </a:fld>
             <a:endParaRPr kumimoji="1" lang="ja-JP" altLang="en-US">
               <a:solidFill>
@@ -2729,7 +2725,7 @@
                 </a:solidFill>
               </a:rPr>
               <a:pPr/>
-              <a:t>2015/2/9</a:t>
+              <a:t>2015/2/10</a:t>
             </a:fld>
             <a:endParaRPr kumimoji="1" lang="ja-JP" altLang="en-US">
               <a:solidFill>
@@ -2943,7 +2939,7 @@
                 </a:solidFill>
               </a:rPr>
               <a:pPr/>
-              <a:t>2015/2/9</a:t>
+              <a:t>2015/2/10</a:t>
             </a:fld>
             <a:endParaRPr kumimoji="1" lang="ja-JP" altLang="en-US">
               <a:solidFill>
@@ -3060,7 +3056,7 @@
                 </a:solidFill>
               </a:rPr>
               <a:pPr/>
-              <a:t>2015/2/9</a:t>
+              <a:t>2015/2/10</a:t>
             </a:fld>
             <a:endParaRPr kumimoji="1" lang="ja-JP" altLang="en-US">
               <a:solidFill>
@@ -3223,7 +3219,7 @@
                 </a:solidFill>
               </a:rPr>
               <a:pPr/>
-              <a:t>2015/2/9</a:t>
+              <a:t>2015/2/10</a:t>
             </a:fld>
             <a:endParaRPr kumimoji="1" lang="ja-JP" altLang="en-US">
               <a:solidFill>
@@ -3808,7 +3804,7 @@
                 </a:solidFill>
               </a:rPr>
               <a:pPr/>
-              <a:t>2015/2/9</a:t>
+              <a:t>2015/2/10</a:t>
             </a:fld>
             <a:endParaRPr kumimoji="1" lang="ja-JP" altLang="en-US">
               <a:solidFill>
@@ -4120,7 +4116,7 @@
                 </a:solidFill>
               </a:rPr>
               <a:pPr/>
-              <a:t>2015/2/9</a:t>
+              <a:t>2015/2/10</a:t>
             </a:fld>
             <a:endParaRPr kumimoji="1" lang="ja-JP" altLang="en-US">
               <a:solidFill>
@@ -4867,27 +4863,19 @@
             </a:r>
             <a:r>
               <a:rPr lang="en-US" altLang="ja-JP" dirty="0"/>
-              <a:t> V(r)</a:t>
-            </a:r>
-            <a:r>
-              <a:rPr lang="ja-JP" altLang="en-US" dirty="0"/>
-              <a:t>と</a:t>
-            </a:r>
-            <a:r>
-              <a:rPr lang="en-US" altLang="ja-JP" dirty="0"/>
+              <a:t> </a:t>
+            </a:r>
+            <a:r>
+              <a:rPr lang="en-US" altLang="ja-JP" dirty="0" smtClean="0"/>
               <a:t>L</a:t>
             </a:r>
             <a:r>
-              <a:rPr lang="en-US" altLang="ja-JP" baseline="-25000" dirty="0"/>
+              <a:rPr lang="en-US" altLang="ja-JP" baseline="-25000" dirty="0" smtClean="0"/>
               <a:t>nl</a:t>
             </a:r>
             <a:r>
-              <a:rPr lang="en-US" altLang="ja-JP" dirty="0"/>
-              <a:t>(r</a:t>
-            </a:r>
-            <a:r>
               <a:rPr lang="en-US" altLang="ja-JP" dirty="0" smtClean="0"/>
-              <a:t>)</a:t>
+              <a:t>(r)</a:t>
             </a:r>
             <a:r>
               <a:rPr lang="ja-JP" altLang="en-US" dirty="0" smtClean="0"/>
@@ -5225,7 +5213,15 @@
             </a:r>
             <a:r>
               <a:rPr lang="ja-JP" altLang="en-US" dirty="0" smtClean="0"/>
-              <a:t>は次式となる。</a:t>
+              <a:t>は</a:t>
+            </a:r>
+            <a:r>
+              <a:rPr lang="ja-JP" altLang="en-US" dirty="0"/>
+              <a:t>以下</a:t>
+            </a:r>
+            <a:r>
+              <a:rPr lang="ja-JP" altLang="en-US" dirty="0" smtClean="0"/>
+              <a:t>の式となる。</a:t>
             </a:r>
             <a:endParaRPr lang="en-US" altLang="ja-JP" dirty="0" smtClean="0"/>
           </a:p>
@@ -5238,15 +5234,7 @@
           <a:p>
             <a:r>
               <a:rPr lang="ja-JP" altLang="en-US" dirty="0" smtClean="0"/>
-              <a:t>これらを目的の方程式に代入することによって、以下</a:t>
-            </a:r>
-            <a:r>
-              <a:rPr lang="ja-JP" altLang="en-US" dirty="0" smtClean="0"/>
-              <a:t>の微分</a:t>
-            </a:r>
-            <a:r>
-              <a:rPr lang="ja-JP" altLang="en-US" dirty="0" smtClean="0"/>
-              <a:t>方程式が得られる。</a:t>
+              <a:t>これらを目的の方程式に代入することによって、次式が得られる。</a:t>
             </a:r>
             <a:endParaRPr lang="en-US" altLang="ja-JP" dirty="0" smtClean="0"/>
           </a:p>
@@ -5318,7 +5306,7 @@
         </p:blipFill>
         <p:spPr>
           <a:xfrm>
-            <a:off x="1043608" y="4561322"/>
+            <a:off x="1043608" y="4578549"/>
             <a:ext cx="6145524" cy="557714"/>
           </a:xfrm>
           <a:prstGeom prst="rect">
@@ -5381,8 +5369,20 @@
           <a:lstStyle/>
           <a:p>
             <a:r>
+              <a:rPr lang="ja-JP" altLang="en-US" dirty="0" smtClean="0"/>
+              <a:t>連立</a:t>
+            </a:r>
+            <a:r>
               <a:rPr lang="ja-JP" altLang="en-US" dirty="0"/>
-              <a:t>連立微分方程式に変形する</a:t>
+              <a:t>一階</a:t>
+            </a:r>
+            <a:r>
+              <a:rPr lang="ja-JP" altLang="en-US" dirty="0" smtClean="0"/>
+              <a:t>微分</a:t>
+            </a:r>
+            <a:r>
+              <a:rPr lang="ja-JP" altLang="en-US" dirty="0"/>
+              <a:t>方程式に変形する</a:t>
             </a:r>
             <a:endParaRPr kumimoji="1" lang="ja-JP" altLang="en-US" dirty="0"/>
           </a:p>
@@ -5412,71 +5412,39 @@
           <a:p>
             <a:r>
               <a:rPr kumimoji="1" lang="ja-JP" altLang="en-US" dirty="0" smtClean="0"/>
-              <a:t>二階の微分方程式を</a:t>
-            </a:r>
+              <a:t>二階の微分方程式を直接、数値的に解くことは難しい</a:t>
+            </a:r>
+            <a:r>
+              <a:rPr lang="ja-JP" altLang="en-US" dirty="0" smtClean="0"/>
+              <a:t>。</a:t>
+            </a:r>
+            <a:endParaRPr lang="en-US" altLang="ja-JP" dirty="0" smtClean="0"/>
+          </a:p>
+          <a:p>
             <a:r>
               <a:rPr kumimoji="1" lang="ja-JP" altLang="en-US" dirty="0" smtClean="0"/>
-              <a:t>直接、数値的</a:t>
+              <a:t>従って、二階微分方程式を二元連立一階微分方程式に</a:t>
+            </a:r>
+            <a:r>
+              <a:rPr lang="ja-JP" altLang="en-US" dirty="0"/>
+              <a:t>書き直す</a:t>
             </a:r>
             <a:r>
               <a:rPr kumimoji="1" lang="ja-JP" altLang="en-US" dirty="0" smtClean="0"/>
-              <a:t>に解くことは</a:t>
-            </a:r>
+              <a:t>。すると、次の二つの式が得られる。</a:t>
+            </a:r>
+            <a:endParaRPr lang="en-US" altLang="ja-JP" dirty="0"/>
+          </a:p>
+          <a:p>
+            <a:endParaRPr kumimoji="1" lang="en-US" altLang="ja-JP" dirty="0" smtClean="0"/>
+          </a:p>
+          <a:p>
+            <a:endParaRPr lang="en-US" altLang="ja-JP" dirty="0"/>
+          </a:p>
+          <a:p>
             <a:r>
               <a:rPr kumimoji="1" lang="ja-JP" altLang="en-US" dirty="0" smtClean="0"/>
-              <a:t>難しい</a:t>
-            </a:r>
-            <a:r>
-              <a:rPr lang="ja-JP" altLang="en-US" dirty="0" smtClean="0"/>
-              <a:t>。</a:t>
-            </a:r>
-            <a:endParaRPr lang="en-US" altLang="ja-JP" dirty="0" smtClean="0"/>
-          </a:p>
-          <a:p>
-            <a:r>
-              <a:rPr kumimoji="1" lang="ja-JP" altLang="en-US" dirty="0" smtClean="0"/>
-              <a:t>従って、二階微分方程式を二元</a:t>
-            </a:r>
-            <a:r>
-              <a:rPr kumimoji="1" lang="ja-JP" altLang="en-US" dirty="0" smtClean="0"/>
-              <a:t>連立一階微分方程式に変形</a:t>
-            </a:r>
-            <a:r>
-              <a:rPr kumimoji="1" lang="ja-JP" altLang="en-US" dirty="0" smtClean="0"/>
-              <a:t>する。すると、次の二つの式が</a:t>
-            </a:r>
-            <a:r>
-              <a:rPr kumimoji="1" lang="ja-JP" altLang="en-US" dirty="0" smtClean="0"/>
-              <a:t>得られる。</a:t>
-            </a:r>
-            <a:endParaRPr lang="en-US" altLang="ja-JP" dirty="0"/>
-          </a:p>
-          <a:p>
-            <a:endParaRPr kumimoji="1" lang="en-US" altLang="ja-JP" dirty="0" smtClean="0"/>
-          </a:p>
-          <a:p>
-            <a:endParaRPr lang="en-US" altLang="ja-JP" dirty="0"/>
-          </a:p>
-          <a:p>
-            <a:r>
-              <a:rPr kumimoji="1" lang="ja-JP" altLang="en-US" dirty="0" smtClean="0"/>
-              <a:t>これら</a:t>
-            </a:r>
-            <a:r>
-              <a:rPr kumimoji="1" lang="ja-JP" altLang="en-US" dirty="0" smtClean="0"/>
-              <a:t>の</a:t>
-            </a:r>
-            <a:r>
-              <a:rPr kumimoji="1" lang="ja-JP" altLang="en-US" dirty="0" smtClean="0"/>
-              <a:t>式が、数値的</a:t>
-            </a:r>
-            <a:r>
-              <a:rPr kumimoji="1" lang="ja-JP" altLang="en-US" dirty="0" smtClean="0"/>
-              <a:t>に</a:t>
-            </a:r>
-            <a:r>
-              <a:rPr kumimoji="1" lang="ja-JP" altLang="en-US" dirty="0" smtClean="0"/>
-              <a:t>解くべき方程式である。</a:t>
+              <a:t>これらの式が、数値的に解くべき方程式である。</a:t>
             </a:r>
             <a:endParaRPr kumimoji="1" lang="en-US" altLang="ja-JP" dirty="0" smtClean="0"/>
           </a:p>
@@ -5887,7 +5855,7 @@
           <a:p>
             <a:r>
               <a:rPr lang="ja-JP" altLang="en-US" dirty="0" smtClean="0"/>
-              <a:t>級数展開したものを代入する</a:t>
+              <a:t>級数展開した式を代入する</a:t>
             </a:r>
             <a:endParaRPr lang="ja-JP" altLang="en-US" dirty="0"/>
           </a:p>
@@ -6243,6 +6211,10 @@
           </a:p>
           <a:p>
             <a:r>
+              <a:rPr kumimoji="1" lang="ja-JP" altLang="en-US" dirty="0" smtClean="0"/>
+              <a:t>ここで、</a:t>
+            </a:r>
+            <a:r>
               <a:rPr kumimoji="1" lang="en-US" altLang="ja-JP" dirty="0" smtClean="0"/>
               <a:t>V(r)</a:t>
             </a:r>
@@ -6407,11 +6379,7 @@
             </a:r>
             <a:r>
               <a:rPr kumimoji="1" lang="en-US" altLang="ja-JP" dirty="0" smtClean="0"/>
-              <a:t>(x</a:t>
-            </a:r>
-            <a:r>
-              <a:rPr kumimoji="1" lang="en-US" altLang="ja-JP" dirty="0" smtClean="0"/>
-              <a:t>)</a:t>
+              <a:t>(x)</a:t>
             </a:r>
             <a:r>
               <a:rPr kumimoji="1" lang="ja-JP" altLang="en-US" dirty="0" smtClean="0"/>
@@ -6499,19 +6467,18 @@
             </a:r>
             <a:r>
               <a:rPr lang="ja-JP" altLang="en-US" dirty="0" smtClean="0"/>
-              <a:t>ライブラリの連立一次</a:t>
-            </a:r>
-            <a:r>
-              <a:rPr lang="ja-JP" altLang="en-US" dirty="0" smtClean="0"/>
-              <a:t>方程式のソルバー</a:t>
-            </a:r>
-            <a:r>
-              <a:rPr lang="ja-JP" altLang="en-US" dirty="0" smtClean="0"/>
-              <a:t>を使えば、簡単に</a:t>
-            </a:r>
-            <a:r>
-              <a:rPr lang="ja-JP" altLang="en-US" dirty="0" smtClean="0"/>
-              <a:t>得られる。そしてこれでやっと、以下のように原点付近</a:t>
+              <a:t>の連立一次方程式のソルバーを使えば、簡単に得られる。</a:t>
+            </a:r>
+            <a:endParaRPr lang="en-US" altLang="ja-JP" dirty="0" smtClean="0"/>
+          </a:p>
+          <a:p>
+            <a:r>
+              <a:rPr lang="ja-JP" altLang="en-US" dirty="0"/>
+              <a:t>その解を用いる</a:t>
+            </a:r>
+            <a:r>
+              <a:rPr lang="ja-JP" altLang="en-US" dirty="0" smtClean="0"/>
+              <a:t>と、以下のように、原点付近</a:t>
             </a:r>
             <a:r>
               <a:rPr lang="en-US" altLang="ja-JP" dirty="0" smtClean="0"/>
@@ -6530,8 +6497,56 @@
               <a:t>での</a:t>
             </a:r>
             <a:r>
-              <a:rPr lang="ja-JP" altLang="en-US" dirty="0" smtClean="0"/>
-              <a:t>初期値が求まる。</a:t>
+              <a:rPr lang="en-US" altLang="ja-JP" dirty="0" smtClean="0"/>
+              <a:t>L</a:t>
+            </a:r>
+            <a:r>
+              <a:rPr lang="en-US" altLang="ja-JP" baseline="-25000" dirty="0" smtClean="0"/>
+              <a:t>nl</a:t>
+            </a:r>
+            <a:r>
+              <a:rPr lang="en-US" altLang="ja-JP" dirty="0" smtClean="0"/>
+              <a:t>(</a:t>
+            </a:r>
+            <a:r>
+              <a:rPr lang="en-US" altLang="ja-JP" dirty="0"/>
+              <a:t>x</a:t>
+            </a:r>
+            <a:r>
+              <a:rPr lang="en-US" altLang="ja-JP" baseline="-25000" dirty="0"/>
+              <a:t>0</a:t>
+            </a:r>
+            <a:r>
+              <a:rPr lang="en-US" altLang="ja-JP" dirty="0" smtClean="0"/>
+              <a:t>)</a:t>
+            </a:r>
+            <a:r>
+              <a:rPr lang="ja-JP" altLang="en-US" dirty="0"/>
+              <a:t>と</a:t>
+            </a:r>
+            <a:r>
+              <a:rPr lang="en-US" altLang="ja-JP" dirty="0" smtClean="0"/>
+              <a:t>M(</a:t>
+            </a:r>
+            <a:r>
+              <a:rPr lang="en-US" altLang="ja-JP" dirty="0"/>
+              <a:t>x</a:t>
+            </a:r>
+            <a:r>
+              <a:rPr lang="en-US" altLang="ja-JP" baseline="-25000" dirty="0"/>
+              <a:t>0</a:t>
+            </a:r>
+            <a:r>
+              <a:rPr lang="en-US" altLang="ja-JP" dirty="0" smtClean="0"/>
+              <a:t>)</a:t>
+            </a:r>
+            <a:r>
+              <a:rPr lang="ja-JP" altLang="en-US" dirty="0" err="1" smtClean="0"/>
+              <a:t>の近</a:t>
+            </a:r>
+            <a:r>
+              <a:rPr lang="ja-JP" altLang="en-US" dirty="0" smtClean="0"/>
+              <a:t>似値が求まる。</a:t>
             </a:r>
             <a:endParaRPr lang="en-US" altLang="ja-JP" dirty="0" smtClean="0"/>
           </a:p>
@@ -6600,7 +6615,7 @@
         </p:blipFill>
         <p:spPr>
           <a:xfrm>
-            <a:off x="1044356" y="5517232"/>
+            <a:off x="1043608" y="5589240"/>
             <a:ext cx="5869714" cy="556190"/>
           </a:xfrm>
           <a:prstGeom prst="rect">
@@ -6729,12 +6744,12 @@
               <a:t>左辺</a:t>
             </a:r>
             <a:r>
-              <a:rPr kumimoji="1" lang="en-US" altLang="ja-JP" dirty="0" smtClean="0"/>
-              <a:t>[]</a:t>
+              <a:rPr lang="ja-JP" altLang="en-US" dirty="0"/>
+              <a:t>中括弧</a:t>
             </a:r>
             <a:r>
               <a:rPr kumimoji="1" lang="ja-JP" altLang="en-US" dirty="0" smtClean="0"/>
-              <a:t>の中の第一項と第二項の寄与は、原点から十分離れたところでは無視できる。従って、</a:t>
+              <a:t>の中の第二項と第三項の寄与は、原点から十分離れたところでは無視できる。従って、</a:t>
             </a:r>
             <a:endParaRPr kumimoji="1" lang="en-US" altLang="ja-JP" dirty="0" smtClean="0"/>
           </a:p>
@@ -6744,7 +6759,7 @@
           <a:p>
             <a:r>
               <a:rPr lang="ja-JP" altLang="en-US" dirty="0" smtClean="0"/>
-              <a:t>この方程式の解析解は容易に分かり、</a:t>
+              <a:t>となる。この微分方程式の解析解は容易に分かり、</a:t>
             </a:r>
             <a:endParaRPr lang="en-US" altLang="ja-JP" dirty="0" smtClean="0"/>
           </a:p>
@@ -7183,15 +7198,22 @@
           <a:p>
             <a:r>
               <a:rPr kumimoji="1" lang="ja-JP" altLang="en-US" dirty="0" smtClean="0"/>
-              <a:t>である。従って、前ページ</a:t>
-            </a:r>
+              <a:t>である。</a:t>
+            </a:r>
+            <a:endParaRPr kumimoji="1" lang="en-US" altLang="ja-JP" dirty="0" smtClean="0"/>
+          </a:p>
+          <a:p>
             <a:r>
               <a:rPr kumimoji="1" lang="ja-JP" altLang="en-US" dirty="0" smtClean="0"/>
-              <a:t>の結果から</a:t>
+              <a:t>従って、上式に前ページの結果を代入すると</a:t>
+            </a:r>
+            <a:r>
+              <a:rPr lang="ja-JP" altLang="en-US" dirty="0" smtClean="0"/>
+              <a:t>、</a:t>
             </a:r>
             <a:r>
               <a:rPr lang="ja-JP" altLang="en-US" dirty="0"/>
-              <a:t>、原点から十分離れた</a:t>
+              <a:t>原点から十分離れた</a:t>
             </a:r>
             <a:r>
               <a:rPr lang="ja-JP" altLang="en-US" dirty="0" smtClean="0"/>
@@ -7223,7 +7245,19 @@
             </a:r>
             <a:r>
               <a:rPr kumimoji="1" lang="en-US" altLang="ja-JP" dirty="0" smtClean="0"/>
-              <a:t>(x)</a:t>
+              <a:t>(</a:t>
+            </a:r>
+            <a:r>
+              <a:rPr lang="en-US" altLang="ja-JP" dirty="0" err="1"/>
+              <a:t>x</a:t>
+            </a:r>
+            <a:r>
+              <a:rPr lang="en-US" altLang="ja-JP" baseline="-25000" dirty="0" err="1"/>
+              <a:t>max</a:t>
+            </a:r>
+            <a:r>
+              <a:rPr kumimoji="1" lang="en-US" altLang="ja-JP" dirty="0" smtClean="0"/>
+              <a:t>)</a:t>
             </a:r>
             <a:r>
               <a:rPr kumimoji="1" lang="ja-JP" altLang="en-US" dirty="0" smtClean="0"/>
@@ -7231,23 +7265,27 @@
             </a:r>
             <a:r>
               <a:rPr kumimoji="1" lang="en-US" altLang="ja-JP" dirty="0" smtClean="0"/>
-              <a:t>M(x)</a:t>
+              <a:t>M(</a:t>
+            </a:r>
+            <a:r>
+              <a:rPr lang="en-US" altLang="ja-JP" dirty="0" err="1"/>
+              <a:t>x</a:t>
+            </a:r>
+            <a:r>
+              <a:rPr lang="en-US" altLang="ja-JP" baseline="-25000" dirty="0" err="1"/>
+              <a:t>max</a:t>
+            </a:r>
+            <a:r>
+              <a:rPr kumimoji="1" lang="en-US" altLang="ja-JP" dirty="0" smtClean="0"/>
+              <a:t>)</a:t>
             </a:r>
             <a:r>
               <a:rPr kumimoji="1" lang="ja-JP" altLang="en-US" dirty="0" err="1" smtClean="0"/>
-              <a:t>の</a:t>
-            </a:r>
-            <a:r>
-              <a:rPr kumimoji="1" lang="ja-JP" altLang="en-US" dirty="0" err="1" smtClean="0"/>
-              <a:t>近</a:t>
+              <a:t>の近</a:t>
             </a:r>
             <a:r>
               <a:rPr kumimoji="1" lang="ja-JP" altLang="en-US" dirty="0" smtClean="0"/>
-              <a:t>似解は</a:t>
-            </a:r>
-            <a:r>
-              <a:rPr kumimoji="1" lang="ja-JP" altLang="en-US" dirty="0" smtClean="0"/>
-              <a:t>、</a:t>
+              <a:t>似値は次式となる。</a:t>
             </a:r>
             <a:endParaRPr kumimoji="1" lang="en-US" altLang="ja-JP" dirty="0" smtClean="0"/>
           </a:p>
@@ -7256,13 +7294,6 @@
           </a:p>
           <a:p>
             <a:endParaRPr kumimoji="1" lang="en-US" altLang="ja-JP" dirty="0" smtClean="0"/>
-          </a:p>
-          <a:p>
-            <a:r>
-              <a:rPr lang="ja-JP" altLang="en-US" dirty="0"/>
-              <a:t>となる。</a:t>
-            </a:r>
-            <a:endParaRPr lang="en-US" altLang="ja-JP" dirty="0"/>
           </a:p>
         </p:txBody>
       </p:sp>
@@ -7326,7 +7357,7 @@
         </p:blipFill>
         <p:spPr>
           <a:xfrm>
-            <a:off x="1043608" y="3645024"/>
+            <a:off x="1043608" y="4653135"/>
             <a:ext cx="4917333" cy="1188571"/>
           </a:xfrm>
           <a:prstGeom prst="rect">
@@ -7573,28 +7604,16 @@
           <a:lstStyle/>
           <a:p>
             <a:r>
-              <a:rPr lang="ja-JP" altLang="en-US" dirty="0" smtClean="0"/>
-              <a:t>初期関数</a:t>
-            </a:r>
-            <a:r>
-              <a:rPr lang="en-US" altLang="ja-JP" dirty="0" smtClean="0"/>
-              <a:t>y</a:t>
-            </a:r>
-            <a:r>
-              <a:rPr lang="en-US" altLang="ja-JP" baseline="-25000" dirty="0" smtClean="0"/>
-              <a:t>0</a:t>
-            </a:r>
-            <a:r>
-              <a:rPr lang="en-US" altLang="ja-JP" dirty="0" smtClean="0"/>
-              <a:t>(x)</a:t>
-            </a:r>
-            <a:endParaRPr lang="ja-JP" altLang="en-US" dirty="0"/>
-          </a:p>
-        </p:txBody>
-      </p:sp>
-      <p:sp>
-        <p:nvSpPr>
-          <p:cNvPr id="5" name="コンテンツ プレースホルダー 4"/>
+              <a:rPr kumimoji="1" lang="ja-JP" altLang="en-US" smtClean="0"/>
+              <a:t>常微分方程式の解法</a:t>
+            </a:r>
+            <a:endParaRPr kumimoji="1" lang="ja-JP" altLang="en-US" dirty="0"/>
+          </a:p>
+        </p:txBody>
+      </p:sp>
+      <p:sp>
+        <p:nvSpPr>
+          <p:cNvPr id="3" name="コンテンツ プレースホルダー 2"/>
           <p:cNvSpPr>
             <a:spLocks noGrp="1"/>
           </p:cNvSpPr>
@@ -7605,7 +7624,7 @@
         <p:spPr>
           <a:xfrm>
             <a:off x="612648" y="1600200"/>
-            <a:ext cx="8153400" cy="5257800"/>
+            <a:ext cx="8153400" cy="5213176"/>
           </a:xfrm>
         </p:spPr>
         <p:txBody>
@@ -7615,240 +7634,115 @@
           <a:lstStyle/>
           <a:p>
             <a:r>
+              <a:rPr lang="ja-JP" altLang="en-US" dirty="0"/>
+              <a:t>これら</a:t>
+            </a:r>
+            <a:r>
+              <a:rPr lang="ja-JP" altLang="en-US" dirty="0" smtClean="0"/>
+              <a:t>の近似値を初期値として用いて</a:t>
+            </a:r>
+            <a:r>
+              <a:rPr lang="ja-JP" altLang="en-US" dirty="0"/>
+              <a:t>、ある</a:t>
+            </a:r>
+            <a:r>
               <a:rPr kumimoji="1" lang="ja-JP" altLang="en-US" dirty="0" smtClean="0"/>
-              <a:t>この方法で</a:t>
+              <a:t>エネルギー</a:t>
             </a:r>
             <a:r>
               <a:rPr kumimoji="1" lang="en-US" altLang="ja-JP" dirty="0" smtClean="0"/>
-              <a:t>T-F</a:t>
+              <a:t>E</a:t>
             </a:r>
             <a:r>
               <a:rPr kumimoji="1" lang="ja-JP" altLang="en-US" dirty="0" smtClean="0"/>
-              <a:t>方程式を解くには、</a:t>
+              <a:t>を仮定し、</a:t>
+            </a:r>
+            <a:r>
+              <a:rPr lang="ja-JP" altLang="en-US" dirty="0"/>
+              <a:t>原点に十分近い点と、原点から十分離れた</a:t>
+            </a:r>
+            <a:r>
+              <a:rPr lang="ja-JP" altLang="en-US" dirty="0" smtClean="0"/>
+              <a:t>点から、常微分方程式を数値的に解いていく。</a:t>
+            </a:r>
+            <a:endParaRPr lang="en-US" altLang="ja-JP" dirty="0" smtClean="0"/>
+          </a:p>
+          <a:p>
+            <a:r>
+              <a:rPr kumimoji="1" lang="ja-JP" altLang="en-US" dirty="0" smtClean="0"/>
+              <a:t>常微分方程式のソルバーには、</a:t>
+            </a:r>
+            <a:r>
+              <a:rPr kumimoji="1" lang="en-US" altLang="ja-JP" dirty="0" err="1" smtClean="0"/>
+              <a:t>Boost.o</a:t>
+            </a:r>
+            <a:r>
+              <a:rPr lang="en-US" altLang="ja-JP" dirty="0" err="1" smtClean="0"/>
+              <a:t>deint</a:t>
+            </a:r>
+            <a:r>
+              <a:rPr lang="ja-JP" altLang="en-US" dirty="0" smtClean="0"/>
+              <a:t>を用いる。</a:t>
+            </a:r>
+            <a:endParaRPr lang="en-US" altLang="ja-JP" dirty="0" smtClean="0"/>
+          </a:p>
+          <a:p>
+            <a:r>
+              <a:rPr kumimoji="1" lang="ja-JP" altLang="en-US" dirty="0" smtClean="0"/>
+              <a:t>ソルバーのアルゴリズムは、</a:t>
             </a:r>
             <a:r>
               <a:rPr kumimoji="1" lang="en-US" altLang="ja-JP" dirty="0" smtClean="0"/>
-              <a:t>y(x)</a:t>
+              <a:t>Adams-</a:t>
+            </a:r>
+            <a:r>
+              <a:rPr kumimoji="1" lang="en-US" altLang="ja-JP" dirty="0" err="1" smtClean="0"/>
+              <a:t>Bashforth</a:t>
+            </a:r>
+            <a:r>
+              <a:rPr kumimoji="1" lang="en-US" altLang="ja-JP" dirty="0" smtClean="0"/>
+              <a:t>-Moulton</a:t>
             </a:r>
             <a:r>
               <a:rPr kumimoji="1" lang="ja-JP" altLang="en-US" dirty="0" smtClean="0"/>
-              <a:t>の初期値</a:t>
+              <a:t>法（予測子・修正子法）、</a:t>
+            </a:r>
+            <a:r>
+              <a:rPr kumimoji="1" lang="en-US" altLang="ja-JP" dirty="0" err="1" smtClean="0"/>
+              <a:t>Burilrsh-Stoer</a:t>
+            </a:r>
+            <a:r>
+              <a:rPr kumimoji="1" lang="ja-JP" altLang="en-US" dirty="0" smtClean="0"/>
+              <a:t>法（補外法）、</a:t>
             </a:r>
             <a:r>
               <a:rPr kumimoji="1" lang="en-US" altLang="ja-JP" dirty="0" smtClean="0"/>
-              <a:t>y</a:t>
-            </a:r>
-            <a:r>
-              <a:rPr kumimoji="1" lang="en-US" altLang="ja-JP" baseline="-25000" dirty="0" smtClean="0"/>
-              <a:t>0</a:t>
-            </a:r>
-            <a:r>
-              <a:rPr kumimoji="1" lang="en-US" altLang="ja-JP" dirty="0" smtClean="0"/>
-              <a:t>(x)</a:t>
+              <a:t>Controlled </a:t>
+            </a:r>
+            <a:r>
+              <a:rPr kumimoji="1" lang="en-US" altLang="ja-JP" dirty="0" err="1" smtClean="0"/>
+              <a:t>Runge-Kutta</a:t>
             </a:r>
             <a:r>
               <a:rPr kumimoji="1" lang="ja-JP" altLang="en-US" dirty="0" smtClean="0"/>
-              <a:t>が必要である。</a:t>
-            </a:r>
-            <a:endParaRPr kumimoji="1" lang="en-US" altLang="ja-JP" dirty="0" smtClean="0"/>
-          </a:p>
-          <a:p>
-            <a:r>
-              <a:rPr kumimoji="1" lang="ja-JP" altLang="en-US" dirty="0" smtClean="0"/>
-              <a:t>できるだけ良い</a:t>
-            </a:r>
-            <a:r>
-              <a:rPr lang="en-US" altLang="ja-JP" dirty="0"/>
-              <a:t>y</a:t>
-            </a:r>
-            <a:r>
-              <a:rPr lang="en-US" altLang="ja-JP" baseline="-25000" dirty="0"/>
-              <a:t>0</a:t>
-            </a:r>
-            <a:r>
-              <a:rPr lang="en-US" altLang="ja-JP" dirty="0"/>
-              <a:t>(x)</a:t>
-            </a:r>
-            <a:r>
-              <a:rPr lang="ja-JP" altLang="en-US" dirty="0" smtClean="0"/>
-              <a:t>を</a:t>
-            </a:r>
-            <a:r>
-              <a:rPr kumimoji="1" lang="ja-JP" altLang="en-US" dirty="0" smtClean="0"/>
-              <a:t>得たいので、（本末転倒な気もするが）</a:t>
-            </a:r>
-            <a:r>
-              <a:rPr lang="ja-JP" altLang="en-US" dirty="0" smtClean="0"/>
-              <a:t>常</a:t>
-            </a:r>
-            <a:r>
-              <a:rPr lang="ja-JP" altLang="en-US" dirty="0"/>
-              <a:t>微分方程式の</a:t>
-            </a:r>
-            <a:r>
-              <a:rPr lang="ja-JP" altLang="en-US" dirty="0" smtClean="0"/>
-              <a:t>解法に、</a:t>
-            </a:r>
-            <a:r>
-              <a:rPr lang="ja-JP" altLang="en-US" dirty="0"/>
-              <a:t>補</a:t>
-            </a:r>
-            <a:r>
-              <a:rPr lang="ja-JP" altLang="en-US" dirty="0" smtClean="0"/>
-              <a:t>外法の一種である</a:t>
+              <a:t>法（誤差とステップ幅を制御した</a:t>
             </a:r>
             <a:r>
               <a:rPr lang="en-US" altLang="ja-JP" dirty="0" err="1" smtClean="0"/>
-              <a:t>Bulirsch-Stoer</a:t>
-            </a:r>
-            <a:r>
-              <a:rPr lang="ja-JP" altLang="en-US" dirty="0" smtClean="0"/>
-              <a:t>法</a:t>
-            </a:r>
-            <a:r>
-              <a:rPr lang="ja-JP" altLang="en-US" dirty="0"/>
-              <a:t>と、適合点への狙い撃ち法</a:t>
-            </a:r>
-            <a:r>
-              <a:rPr lang="ja-JP" altLang="en-US" dirty="0" smtClean="0"/>
-              <a:t>を使う。</a:t>
-            </a:r>
-            <a:endParaRPr lang="en-US" altLang="ja-JP" dirty="0" smtClean="0"/>
-          </a:p>
-          <a:p>
-            <a:r>
-              <a:rPr lang="en-US" altLang="ja-JP" dirty="0" err="1" smtClean="0"/>
-              <a:t>Bulirsch-Stoer</a:t>
-            </a:r>
-            <a:r>
-              <a:rPr lang="ja-JP" altLang="en-US" dirty="0" smtClean="0"/>
-              <a:t>法は本（たとえば</a:t>
-            </a:r>
-            <a:r>
-              <a:rPr lang="en-US" altLang="ja-JP" baseline="30000" dirty="0" smtClean="0"/>
-              <a:t>[1]</a:t>
-            </a:r>
-            <a:r>
-              <a:rPr lang="ja-JP" altLang="en-US" dirty="0" smtClean="0"/>
-              <a:t>）を参考に自分で実装しても良いのだが、ここでは</a:t>
-            </a:r>
-            <a:r>
-              <a:rPr lang="en-US" altLang="ja-JP" dirty="0" smtClean="0"/>
-              <a:t>boost::</a:t>
-            </a:r>
-            <a:r>
-              <a:rPr lang="en-US" altLang="ja-JP" dirty="0"/>
-              <a:t>numeric</a:t>
-            </a:r>
-            <a:r>
-              <a:rPr lang="en-US" altLang="ja-JP" dirty="0" smtClean="0"/>
-              <a:t>::</a:t>
-            </a:r>
-            <a:r>
-              <a:rPr lang="en-US" altLang="ja-JP" dirty="0" err="1" smtClean="0"/>
-              <a:t>odeint</a:t>
-            </a:r>
-            <a:r>
-              <a:rPr lang="ja-JP" altLang="en-US" dirty="0" smtClean="0"/>
-              <a:t>を使う。</a:t>
-            </a:r>
-            <a:endParaRPr lang="en-US" altLang="ja-JP" sz="1600" dirty="0" smtClean="0"/>
-          </a:p>
-          <a:p>
-            <a:endParaRPr lang="en-US" altLang="ja-JP" sz="1600" dirty="0" smtClean="0"/>
-          </a:p>
-          <a:p>
-            <a:endParaRPr lang="en-US" altLang="ja-JP" sz="1600" dirty="0" smtClean="0"/>
-          </a:p>
-          <a:p>
-            <a:r>
-              <a:rPr lang="en-US" altLang="ja-JP" sz="1600" dirty="0" smtClean="0"/>
-              <a:t>[</a:t>
-            </a:r>
-            <a:r>
-              <a:rPr lang="en-US" altLang="ja-JP" sz="1600" dirty="0"/>
-              <a:t>1] William H. </a:t>
-            </a:r>
-            <a:r>
-              <a:rPr lang="en-US" altLang="ja-JP" sz="1600" dirty="0" smtClean="0"/>
-              <a:t>Press, </a:t>
-            </a:r>
-            <a:r>
-              <a:rPr lang="en-US" altLang="ja-JP" sz="1600" dirty="0"/>
-              <a:t>William T. </a:t>
-            </a:r>
-            <a:r>
-              <a:rPr lang="en-US" altLang="ja-JP" sz="1600" dirty="0" err="1" smtClean="0"/>
-              <a:t>Vetterling</a:t>
-            </a:r>
-            <a:r>
-              <a:rPr lang="en-US" altLang="ja-JP" sz="1600" dirty="0" smtClean="0"/>
-              <a:t>, </a:t>
-            </a:r>
-            <a:r>
-              <a:rPr lang="en-US" altLang="ja-JP" sz="1600" dirty="0"/>
-              <a:t>Saul A. </a:t>
-            </a:r>
-            <a:r>
-              <a:rPr lang="en-US" altLang="ja-JP" sz="1600" dirty="0" err="1" smtClean="0"/>
-              <a:t>Teukolsky</a:t>
-            </a:r>
-            <a:r>
-              <a:rPr lang="en-US" altLang="ja-JP" sz="1600" dirty="0" smtClean="0"/>
-              <a:t>, </a:t>
-            </a:r>
-            <a:r>
-              <a:rPr lang="en-US" altLang="ja-JP" sz="1600" dirty="0"/>
-              <a:t>Brian P. </a:t>
-            </a:r>
-            <a:r>
-              <a:rPr lang="en-US" altLang="ja-JP" sz="1600" dirty="0" smtClean="0"/>
-              <a:t>Flannery 『</a:t>
-            </a:r>
-            <a:r>
-              <a:rPr lang="ja-JP" altLang="en-US" sz="1600" dirty="0" smtClean="0"/>
-              <a:t>ニューメリカルレシピ</a:t>
-            </a:r>
-            <a:r>
-              <a:rPr lang="ja-JP" altLang="en-US" sz="1600" dirty="0"/>
-              <a:t>・イン・シー 日本語版</a:t>
-            </a:r>
-            <a:r>
-              <a:rPr lang="en-US" altLang="ja-JP" sz="1600" dirty="0"/>
-              <a:t>―C</a:t>
-            </a:r>
-            <a:r>
-              <a:rPr lang="ja-JP" altLang="en-US" sz="1600" dirty="0"/>
-              <a:t>言語による数値計算の</a:t>
-            </a:r>
-            <a:r>
-              <a:rPr lang="ja-JP" altLang="en-US" sz="1600" dirty="0" smtClean="0"/>
-              <a:t>レシピ</a:t>
-            </a:r>
-            <a:r>
-              <a:rPr lang="en-US" altLang="ja-JP" sz="1600" dirty="0" smtClean="0"/>
-              <a:t>』 </a:t>
-            </a:r>
-            <a:r>
-              <a:rPr lang="ja-JP" altLang="en-US" sz="1600" dirty="0" smtClean="0"/>
-              <a:t>技術評論社（</a:t>
-            </a:r>
-            <a:r>
-              <a:rPr lang="en-US" altLang="ja-JP" sz="1600" dirty="0" smtClean="0"/>
-              <a:t>1993</a:t>
-            </a:r>
-            <a:r>
-              <a:rPr lang="ja-JP" altLang="en-US" sz="1600" dirty="0" smtClean="0"/>
-              <a:t>）</a:t>
-            </a:r>
-            <a:endParaRPr kumimoji="1" lang="ja-JP" altLang="en-US" sz="1600" dirty="0"/>
+              <a:t>Runge-Kutta</a:t>
+            </a:r>
+            <a:r>
+              <a:rPr lang="ja-JP" altLang="en-US" dirty="0" smtClean="0"/>
+              <a:t>法）のいずれかを使う（私のコードでは、インプットファイルでアルゴリズムを指定するようにしている）。</a:t>
+            </a:r>
+            <a:endParaRPr kumimoji="1" lang="ja-JP" altLang="en-US" dirty="0"/>
           </a:p>
         </p:txBody>
       </p:sp>
     </p:spTree>
     <p:extLst>
       <p:ext uri="{BB962C8B-B14F-4D97-AF65-F5344CB8AC3E}">
-        <p14:creationId xmlns:p14="http://schemas.microsoft.com/office/powerpoint/2010/main" val="2969376074"/>
+        <p14:creationId xmlns:p14="http://schemas.microsoft.com/office/powerpoint/2010/main" val="1006433483"/>
       </p:ext>
     </p:extLst>
   </p:cSld>
@@ -7898,12 +7792,28 @@
           <a:lstStyle/>
           <a:p>
             <a:r>
-              <a:rPr lang="en-US" altLang="ja-JP" dirty="0" smtClean="0"/>
-              <a:t>1</a:t>
-            </a:r>
-            <a:r>
-              <a:rPr lang="ja-JP" altLang="en-US" dirty="0" smtClean="0"/>
-              <a:t>次混合</a:t>
+              <a:rPr kumimoji="1" lang="en-US" altLang="ja-JP" dirty="0" smtClean="0"/>
+              <a:t>L</a:t>
+            </a:r>
+            <a:r>
+              <a:rPr kumimoji="1" lang="en-US" altLang="ja-JP" baseline="-25000" dirty="0" smtClean="0"/>
+              <a:t>nl</a:t>
+            </a:r>
+            <a:r>
+              <a:rPr kumimoji="1" lang="en-US" altLang="ja-JP" dirty="0" smtClean="0"/>
+              <a:t>(x)</a:t>
+            </a:r>
+            <a:r>
+              <a:rPr kumimoji="1" lang="ja-JP" altLang="en-US" dirty="0" smtClean="0"/>
+              <a:t>と</a:t>
+            </a:r>
+            <a:r>
+              <a:rPr kumimoji="1" lang="en-US" altLang="ja-JP" dirty="0" smtClean="0"/>
+              <a:t>M(x)</a:t>
+            </a:r>
+            <a:r>
+              <a:rPr kumimoji="1" lang="ja-JP" altLang="en-US" dirty="0" smtClean="0"/>
+              <a:t>のグラフ</a:t>
             </a:r>
             <a:endParaRPr kumimoji="1" lang="ja-JP" altLang="en-US" dirty="0"/>
           </a:p>
@@ -7919,177 +7829,66 @@
             <p:ph sz="quarter" idx="1"/>
           </p:nvPr>
         </p:nvSpPr>
-        <p:spPr>
-          <a:xfrm>
-            <a:off x="612648" y="1600200"/>
-            <a:ext cx="8153400" cy="4997152"/>
-          </a:xfrm>
-        </p:spPr>
-        <p:txBody>
-          <a:bodyPr>
-            <a:normAutofit/>
-          </a:bodyPr>
+        <p:spPr/>
+        <p:txBody>
+          <a:bodyPr/>
           <a:lstStyle/>
           <a:p>
             <a:r>
+              <a:rPr kumimoji="1" lang="en-US" altLang="ja-JP" dirty="0" smtClean="0"/>
+              <a:t>l = 0, E = -0.5 (</a:t>
+            </a:r>
+            <a:r>
+              <a:rPr kumimoji="1" lang="en-US" altLang="ja-JP" dirty="0" err="1" smtClean="0"/>
+              <a:t>Hartree</a:t>
+            </a:r>
+            <a:r>
+              <a:rPr kumimoji="1" lang="en-US" altLang="ja-JP" dirty="0" smtClean="0"/>
+              <a:t>)</a:t>
+            </a:r>
+            <a:r>
               <a:rPr kumimoji="1" lang="ja-JP" altLang="en-US" dirty="0" smtClean="0"/>
-              <a:t>入力と出力が一致する解を得るために、最も簡単な</a:t>
+              <a:t>に対して、</a:t>
             </a:r>
             <a:r>
               <a:rPr kumimoji="1" lang="en-US" altLang="ja-JP" dirty="0" smtClean="0"/>
-              <a:t>1</a:t>
+              <a:t>x = -8.0</a:t>
             </a:r>
             <a:r>
               <a:rPr kumimoji="1" lang="ja-JP" altLang="en-US" dirty="0" smtClean="0"/>
-              <a:t>次混合法を使う。</a:t>
-            </a:r>
-            <a:endParaRPr kumimoji="1" lang="en-US" altLang="ja-JP" dirty="0" smtClean="0"/>
-          </a:p>
-          <a:p>
-            <a:r>
-              <a:rPr kumimoji="1" lang="ja-JP" altLang="en-US" dirty="0" smtClean="0"/>
-              <a:t>すなわち、</a:t>
-            </a:r>
-            <a:r>
-              <a:rPr kumimoji="1" lang="en-US" altLang="ja-JP" dirty="0" err="1" smtClean="0"/>
-              <a:t>i</a:t>
-            </a:r>
-            <a:r>
-              <a:rPr kumimoji="1" lang="en-US" altLang="ja-JP" dirty="0" smtClean="0"/>
-              <a:t> + 1</a:t>
-            </a:r>
-            <a:r>
-              <a:rPr kumimoji="1" lang="ja-JP" altLang="en-US" dirty="0" smtClean="0"/>
-              <a:t>段階での改善された入力関数</a:t>
-            </a:r>
-            <a:r>
-              <a:rPr kumimoji="1" lang="en-US" altLang="ja-JP" dirty="0" smtClean="0"/>
-              <a:t>y</a:t>
-            </a:r>
-            <a:r>
-              <a:rPr kumimoji="1" lang="en-US" altLang="ja-JP" baseline="-25000" dirty="0" smtClean="0"/>
-              <a:t>i+1</a:t>
-            </a:r>
-            <a:r>
-              <a:rPr kumimoji="1" lang="en-US" altLang="ja-JP" baseline="30000" dirty="0" smtClean="0"/>
-              <a:t>in</a:t>
-            </a:r>
-            <a:r>
-              <a:rPr kumimoji="1" lang="ja-JP" altLang="en-US" dirty="0" smtClean="0"/>
-              <a:t>   は、</a:t>
-            </a:r>
-            <a:r>
-              <a:rPr kumimoji="1" lang="en-US" altLang="ja-JP" dirty="0" err="1" smtClean="0"/>
-              <a:t>i</a:t>
-            </a:r>
-            <a:r>
-              <a:rPr kumimoji="1" lang="ja-JP" altLang="en-US" dirty="0" smtClean="0"/>
-              <a:t>段階での</a:t>
-            </a:r>
-            <a:r>
-              <a:rPr lang="en-US" altLang="ja-JP" dirty="0" smtClean="0">
+              <a:t>（</a:t>
+            </a:r>
+            <a:r>
+              <a:rPr kumimoji="1" lang="ja-JP" altLang="en-US" dirty="0" smtClean="0">
                 <a:solidFill>
-                  <a:prstClr val="black"/>
+                  <a:srgbClr val="92D050"/>
                 </a:solidFill>
               </a:rPr>
-              <a:t>y</a:t>
-            </a:r>
-            <a:r>
-              <a:rPr lang="en-US" altLang="ja-JP" baseline="-25000" dirty="0" smtClean="0">
+              <a:t>緑線</a:t>
+            </a:r>
+            <a:r>
+              <a:rPr kumimoji="1" lang="ja-JP" altLang="en-US" dirty="0" smtClean="0"/>
+              <a:t>）及び</a:t>
+            </a:r>
+            <a:r>
+              <a:rPr kumimoji="1" lang="en-US" altLang="ja-JP" dirty="0" smtClean="0"/>
+              <a:t>x = 6.0</a:t>
+            </a:r>
+            <a:r>
+              <a:rPr kumimoji="1" lang="ja-JP" altLang="en-US" dirty="0" smtClean="0"/>
+              <a:t>（</a:t>
+            </a:r>
+            <a:r>
+              <a:rPr kumimoji="1" lang="ja-JP" altLang="en-US" dirty="0" smtClean="0">
                 <a:solidFill>
-                  <a:prstClr val="black"/>
+                  <a:srgbClr val="0070C0"/>
                 </a:solidFill>
               </a:rPr>
-              <a:t>i</a:t>
-            </a:r>
-            <a:r>
-              <a:rPr lang="en-US" altLang="ja-JP" baseline="30000" dirty="0" smtClean="0">
-                <a:solidFill>
-                  <a:prstClr val="black"/>
-                </a:solidFill>
-              </a:rPr>
-              <a:t>in</a:t>
+              <a:t>青線</a:t>
             </a:r>
             <a:r>
               <a:rPr kumimoji="1" lang="ja-JP" altLang="en-US" dirty="0" smtClean="0"/>
-              <a:t>と</a:t>
-            </a:r>
-            <a:r>
-              <a:rPr lang="en-US" altLang="ja-JP" dirty="0" smtClean="0">
-                <a:solidFill>
-                  <a:prstClr val="black"/>
-                </a:solidFill>
-              </a:rPr>
-              <a:t>y</a:t>
-            </a:r>
-            <a:r>
-              <a:rPr lang="en-US" altLang="ja-JP" baseline="-25000" dirty="0" smtClean="0">
-                <a:solidFill>
-                  <a:prstClr val="black"/>
-                </a:solidFill>
-              </a:rPr>
-              <a:t>i</a:t>
-            </a:r>
-            <a:r>
-              <a:rPr lang="en-US" altLang="ja-JP" baseline="30000" dirty="0" smtClean="0">
-                <a:solidFill>
-                  <a:prstClr val="black"/>
-                </a:solidFill>
-              </a:rPr>
-              <a:t>out</a:t>
-            </a:r>
-            <a:r>
-              <a:rPr kumimoji="1" lang="ja-JP" altLang="en-US" dirty="0" smtClean="0"/>
-              <a:t>を用いて、次式で与えられる。</a:t>
-            </a:r>
-            <a:endParaRPr kumimoji="1" lang="en-US" altLang="ja-JP" dirty="0" smtClean="0"/>
-          </a:p>
-          <a:p>
-            <a:endParaRPr lang="en-US" altLang="ja-JP" dirty="0"/>
-          </a:p>
-          <a:p>
-            <a:r>
-              <a:rPr lang="ja-JP" altLang="en-US" dirty="0"/>
-              <a:t>ここ</a:t>
-            </a:r>
-            <a:r>
-              <a:rPr lang="ja-JP" altLang="en-US" dirty="0" smtClean="0"/>
-              <a:t>で</a:t>
-            </a:r>
-            <a:r>
-              <a:rPr lang="en-US" altLang="ja-JP" dirty="0" smtClean="0"/>
-              <a:t>α</a:t>
-            </a:r>
-            <a:r>
-              <a:rPr lang="ja-JP" altLang="en-US" dirty="0" smtClean="0"/>
-              <a:t>は定数であり、</a:t>
-            </a:r>
-            <a:r>
-              <a:rPr lang="en-US" altLang="ja-JP" dirty="0" smtClean="0"/>
-              <a:t>α = 0.05</a:t>
-            </a:r>
-            <a:r>
-              <a:rPr lang="ja-JP" altLang="en-US" dirty="0" smtClean="0"/>
-              <a:t>程度としないと収束しない。</a:t>
-            </a:r>
-            <a:endParaRPr lang="en-US" altLang="ja-JP" dirty="0" smtClean="0"/>
-          </a:p>
-          <a:p>
-            <a:r>
-              <a:rPr lang="ja-JP" altLang="en-US" dirty="0" smtClean="0"/>
-              <a:t>（修正）</a:t>
-            </a:r>
-            <a:r>
-              <a:rPr lang="en-US" altLang="ja-JP" dirty="0" err="1" smtClean="0"/>
-              <a:t>Broyden</a:t>
-            </a:r>
-            <a:r>
-              <a:rPr lang="ja-JP" altLang="en-US" dirty="0"/>
-              <a:t>法などのより高度</a:t>
-            </a:r>
-            <a:r>
-              <a:rPr lang="ja-JP" altLang="en-US" dirty="0" smtClean="0"/>
-              <a:t>な方法もあるが、（実装が面倒なので）今回は使わないこととする。</a:t>
+              <a:t>）から解くと、以下のようになる。</a:t>
             </a:r>
             <a:endParaRPr kumimoji="1" lang="ja-JP" altLang="en-US" dirty="0"/>
           </a:p>
@@ -8097,42 +7896,90 @@
       </p:sp>
       <p:pic>
         <p:nvPicPr>
-          <p:cNvPr id="7" name="図 6"/>
+          <p:cNvPr id="1033" name="Picture 9" descr="C:\cygwin64\home\HP\fukui_sono2\M_x_ori_inf.png"/>
           <p:cNvPicPr>
-            <a:picLocks noChangeAspect="1"/>
+            <a:picLocks noChangeAspect="1" noChangeArrowheads="1"/>
           </p:cNvPicPr>
-          <p:nvPr>
-            <p:custDataLst>
-              <p:tags r:id="rId1"/>
-            </p:custDataLst>
-          </p:nvPr>
+          <p:nvPr/>
         </p:nvPicPr>
         <p:blipFill>
-          <a:blip r:embed="rId3" cstate="print">
+          <a:blip r:embed="rId2">
             <a:extLst>
               <a:ext uri="{28A0092B-C50C-407E-A947-70E740481C1C}">
                 <a14:useLocalDpi xmlns:a14="http://schemas.microsoft.com/office/drawing/2010/main" val="0"/>
               </a:ext>
             </a:extLst>
           </a:blip>
+          <a:srcRect/>
           <a:stretch>
             <a:fillRect/>
           </a:stretch>
         </p:blipFill>
-        <p:spPr>
+        <p:spPr bwMode="auto">
           <a:xfrm>
-            <a:off x="1048018" y="4056076"/>
-            <a:ext cx="2895606" cy="330708"/>
+            <a:off x="4427984" y="2659413"/>
+            <a:ext cx="4380487" cy="3285365"/>
           </a:xfrm>
           <a:prstGeom prst="rect">
             <a:avLst/>
           </a:prstGeom>
+          <a:noFill/>
+          <a:extLst>
+            <a:ext uri="{909E8E84-426E-40DD-AFC4-6F175D3DCCD1}">
+              <a14:hiddenFill xmlns:a14="http://schemas.microsoft.com/office/drawing/2010/main">
+                <a:solidFill>
+                  <a:srgbClr val="FFFFFF"/>
+                </a:solidFill>
+              </a14:hiddenFill>
+            </a:ext>
+          </a:extLst>
+        </p:spPr>
+      </p:pic>
+      <p:pic>
+        <p:nvPicPr>
+          <p:cNvPr id="2051" name="Picture 3" descr="C:\cygwin64\home\HP\fukui_sono2\Lnl_x_ori_inf.png"/>
+          <p:cNvPicPr>
+            <a:picLocks noChangeAspect="1" noChangeArrowheads="1"/>
+          </p:cNvPicPr>
+          <p:nvPr/>
+        </p:nvPicPr>
+        <p:blipFill>
+          <a:blip r:embed="rId3">
+            <a:extLst>
+              <a:ext uri="{28A0092B-C50C-407E-A947-70E740481C1C}">
+                <a14:useLocalDpi xmlns:a14="http://schemas.microsoft.com/office/drawing/2010/main" val="0"/>
+              </a:ext>
+            </a:extLst>
+          </a:blip>
+          <a:srcRect/>
+          <a:stretch>
+            <a:fillRect/>
+          </a:stretch>
+        </p:blipFill>
+        <p:spPr bwMode="auto">
+          <a:xfrm>
+            <a:off x="179511" y="2659413"/>
+            <a:ext cx="4380486" cy="3285365"/>
+          </a:xfrm>
+          <a:prstGeom prst="rect">
+            <a:avLst/>
+          </a:prstGeom>
+          <a:noFill/>
+          <a:extLst>
+            <a:ext uri="{909E8E84-426E-40DD-AFC4-6F175D3DCCD1}">
+              <a14:hiddenFill xmlns:a14="http://schemas.microsoft.com/office/drawing/2010/main">
+                <a:solidFill>
+                  <a:srgbClr val="FFFFFF"/>
+                </a:solidFill>
+              </a14:hiddenFill>
+            </a:ext>
+          </a:extLst>
         </p:spPr>
       </p:pic>
     </p:spTree>
     <p:extLst>
       <p:ext uri="{BB962C8B-B14F-4D97-AF65-F5344CB8AC3E}">
-        <p14:creationId xmlns:p14="http://schemas.microsoft.com/office/powerpoint/2010/main" val="1811997026"/>
+        <p14:creationId xmlns:p14="http://schemas.microsoft.com/office/powerpoint/2010/main" val="1262622508"/>
       </p:ext>
     </p:extLst>
   </p:cSld>
@@ -8166,6 +8013,47 @@
           <a:chExt cx="0" cy="0"/>
         </a:xfrm>
       </p:grpSpPr>
+      <p:pic>
+        <p:nvPicPr>
+          <p:cNvPr id="9" name="Picture 3" descr="C:\cygwin64\home\HP\fukui_sono2\Lnl_x_ori_inf.png"/>
+          <p:cNvPicPr>
+            <a:picLocks noChangeAspect="1" noChangeArrowheads="1"/>
+          </p:cNvPicPr>
+          <p:nvPr/>
+        </p:nvPicPr>
+        <p:blipFill>
+          <a:blip r:embed="rId2">
+            <a:extLst>
+              <a:ext uri="{28A0092B-C50C-407E-A947-70E740481C1C}">
+                <a14:useLocalDpi xmlns:a14="http://schemas.microsoft.com/office/drawing/2010/main" val="0"/>
+              </a:ext>
+            </a:extLst>
+          </a:blip>
+          <a:srcRect/>
+          <a:stretch>
+            <a:fillRect/>
+          </a:stretch>
+        </p:blipFill>
+        <p:spPr bwMode="auto">
+          <a:xfrm>
+            <a:off x="190495" y="1548557"/>
+            <a:ext cx="4380486" cy="3285365"/>
+          </a:xfrm>
+          <a:prstGeom prst="rect">
+            <a:avLst/>
+          </a:prstGeom>
+          <a:noFill/>
+          <a:extLst>
+            <a:ext uri="{909E8E84-426E-40DD-AFC4-6F175D3DCCD1}">
+              <a14:hiddenFill xmlns:a14="http://schemas.microsoft.com/office/drawing/2010/main">
+                <a:solidFill>
+                  <a:srgbClr val="FFFFFF"/>
+                </a:solidFill>
+              </a14:hiddenFill>
+            </a:ext>
+          </a:extLst>
+        </p:spPr>
+      </p:pic>
       <p:sp>
         <p:nvSpPr>
           <p:cNvPr id="2" name="タイトル 1"/>
@@ -8178,374 +8066,252 @@
         </p:nvSpPr>
         <p:spPr/>
         <p:txBody>
+          <a:bodyPr/>
+          <a:lstStyle/>
+          <a:p>
+            <a:r>
+              <a:rPr kumimoji="1" lang="ja-JP" altLang="en-US" dirty="0" smtClean="0"/>
+              <a:t>マッチングポイント</a:t>
+            </a:r>
+            <a:endParaRPr kumimoji="1" lang="ja-JP" altLang="en-US" dirty="0"/>
+          </a:p>
+        </p:txBody>
+      </p:sp>
+      <p:sp>
+        <p:nvSpPr>
+          <p:cNvPr id="3" name="コンテンツ プレースホルダー 2"/>
+          <p:cNvSpPr>
+            <a:spLocks noGrp="1"/>
+          </p:cNvSpPr>
+          <p:nvPr>
+            <p:ph sz="quarter" idx="1"/>
+          </p:nvPr>
+        </p:nvSpPr>
+        <p:spPr>
+          <a:xfrm>
+            <a:off x="612648" y="1600200"/>
+            <a:ext cx="8153400" cy="5069160"/>
+          </a:xfrm>
+        </p:spPr>
+        <p:txBody>
           <a:bodyPr>
             <a:normAutofit/>
           </a:bodyPr>
           <a:lstStyle/>
           <a:p>
+            <a:endParaRPr kumimoji="1" lang="en-US" altLang="ja-JP" dirty="0" smtClean="0"/>
+          </a:p>
+          <a:p>
+            <a:endParaRPr lang="en-US" altLang="ja-JP" dirty="0"/>
+          </a:p>
+          <a:p>
+            <a:endParaRPr kumimoji="1" lang="en-US" altLang="ja-JP" dirty="0" smtClean="0"/>
+          </a:p>
+          <a:p>
+            <a:endParaRPr lang="en-US" altLang="ja-JP" dirty="0"/>
+          </a:p>
+          <a:p>
+            <a:endParaRPr kumimoji="1" lang="en-US" altLang="ja-JP" dirty="0" smtClean="0"/>
+          </a:p>
+          <a:p>
+            <a:endParaRPr lang="en-US" altLang="ja-JP" dirty="0"/>
+          </a:p>
+          <a:p>
+            <a:endParaRPr kumimoji="1" lang="en-US" altLang="ja-JP" dirty="0" smtClean="0"/>
+          </a:p>
+          <a:p>
             <a:r>
               <a:rPr kumimoji="1" lang="ja-JP" altLang="en-US" dirty="0" smtClean="0"/>
-              <a:t>反復法の収束の判定</a:t>
+              <a:t>二つの</a:t>
+            </a:r>
+            <a:r>
+              <a:rPr kumimoji="1" lang="en-US" altLang="ja-JP" dirty="0" smtClean="0"/>
+              <a:t>L</a:t>
+            </a:r>
+            <a:r>
+              <a:rPr kumimoji="1" lang="en-US" altLang="ja-JP" baseline="-25000" dirty="0" smtClean="0"/>
+              <a:t>nl</a:t>
+            </a:r>
+            <a:r>
+              <a:rPr kumimoji="1" lang="en-US" altLang="ja-JP" dirty="0" smtClean="0"/>
+              <a:t>(x)</a:t>
+            </a:r>
+            <a:r>
+              <a:rPr kumimoji="1" lang="ja-JP" altLang="en-US" dirty="0" smtClean="0"/>
+              <a:t>あるいは</a:t>
+            </a:r>
+            <a:r>
+              <a:rPr kumimoji="1" lang="en-US" altLang="ja-JP" dirty="0" smtClean="0"/>
+              <a:t>M(x)</a:t>
+            </a:r>
+            <a:r>
+              <a:rPr kumimoji="1" lang="ja-JP" altLang="en-US" dirty="0" smtClean="0"/>
+              <a:t>を比較する点を、マッチングポイントと呼ぶ。</a:t>
             </a:r>
             <a:endParaRPr kumimoji="1" lang="ja-JP" altLang="en-US" dirty="0"/>
           </a:p>
         </p:txBody>
       </p:sp>
-      <p:sp>
-        <p:nvSpPr>
-          <p:cNvPr id="3" name="コンテンツ プレースホルダー 2"/>
-          <p:cNvSpPr>
-            <a:spLocks noGrp="1"/>
-          </p:cNvSpPr>
-          <p:nvPr>
-            <p:ph sz="quarter" idx="1"/>
-          </p:nvPr>
-        </p:nvSpPr>
-        <p:spPr/>
-        <p:txBody>
-          <a:bodyPr>
-            <a:normAutofit/>
+      <p:pic>
+        <p:nvPicPr>
+          <p:cNvPr id="1033" name="Picture 9" descr="C:\cygwin64\home\HP\fukui_sono2\M_x_ori_inf.png"/>
+          <p:cNvPicPr>
+            <a:picLocks noChangeAspect="1" noChangeArrowheads="1"/>
+          </p:cNvPicPr>
+          <p:nvPr/>
+        </p:nvPicPr>
+        <p:blipFill>
+          <a:blip r:embed="rId3">
+            <a:extLst>
+              <a:ext uri="{28A0092B-C50C-407E-A947-70E740481C1C}">
+                <a14:useLocalDpi xmlns:a14="http://schemas.microsoft.com/office/drawing/2010/main" val="0"/>
+              </a:ext>
+            </a:extLst>
+          </a:blip>
+          <a:srcRect/>
+          <a:stretch>
+            <a:fillRect/>
+          </a:stretch>
+        </p:blipFill>
+        <p:spPr bwMode="auto">
+          <a:xfrm>
+            <a:off x="4427984" y="1579293"/>
+            <a:ext cx="4380487" cy="3285365"/>
+          </a:xfrm>
+          <a:prstGeom prst="rect">
+            <a:avLst/>
+          </a:prstGeom>
+          <a:noFill/>
+          <a:extLst>
+            <a:ext uri="{909E8E84-426E-40DD-AFC4-6F175D3DCCD1}">
+              <a14:hiddenFill xmlns:a14="http://schemas.microsoft.com/office/drawing/2010/main">
+                <a:solidFill>
+                  <a:srgbClr val="FFFFFF"/>
+                </a:solidFill>
+              </a14:hiddenFill>
+            </a:ext>
+          </a:extLst>
+        </p:spPr>
+      </p:pic>
+      <p:cxnSp>
+        <p:nvCxnSpPr>
+          <p:cNvPr id="10" name="直線矢印コネクタ 9"/>
+          <p:cNvCxnSpPr>
+            <a:stCxn id="11" idx="0"/>
+          </p:cNvCxnSpPr>
+          <p:nvPr/>
+        </p:nvCxnSpPr>
+        <p:spPr>
+          <a:xfrm flipH="1" flipV="1">
+            <a:off x="3131840" y="2924944"/>
+            <a:ext cx="1999015" cy="1958200"/>
+          </a:xfrm>
+          <a:prstGeom prst="straightConnector1">
+            <a:avLst/>
+          </a:prstGeom>
+          <a:ln w="15875">
+            <a:solidFill>
+              <a:srgbClr val="FF0000"/>
+            </a:solidFill>
+            <a:tailEnd type="arrow"/>
+          </a:ln>
+        </p:spPr>
+        <p:style>
+          <a:lnRef idx="1">
+            <a:schemeClr val="accent1"/>
+          </a:lnRef>
+          <a:fillRef idx="0">
+            <a:schemeClr val="accent1"/>
+          </a:fillRef>
+          <a:effectRef idx="0">
+            <a:schemeClr val="accent1"/>
+          </a:effectRef>
+          <a:fontRef idx="minor">
+            <a:schemeClr val="tx1"/>
+          </a:fontRef>
+        </p:style>
+      </p:cxnSp>
+      <p:sp>
+        <p:nvSpPr>
+          <p:cNvPr id="11" name="テキスト ボックス 10"/>
+          <p:cNvSpPr txBox="1"/>
+          <p:nvPr/>
+        </p:nvSpPr>
+        <p:spPr>
+          <a:xfrm>
+            <a:off x="3673486" y="4883144"/>
+            <a:ext cx="2914738" cy="492443"/>
+          </a:xfrm>
+          <a:prstGeom prst="rect">
+            <a:avLst/>
+          </a:prstGeom>
+          <a:noFill/>
+        </p:spPr>
+        <p:txBody>
+          <a:bodyPr wrap="square" rtlCol="0">
+            <a:spAutoFit/>
           </a:bodyPr>
           <a:lstStyle/>
           <a:p>
-            <a:r>
-              <a:rPr lang="en-US" altLang="ja-JP" dirty="0" smtClean="0">
+            <a:pPr algn="ctr"/>
+            <a:r>
+              <a:rPr kumimoji="1" lang="ja-JP" altLang="en-US" sz="2600" dirty="0" smtClean="0">
                 <a:solidFill>
-                  <a:prstClr val="black"/>
+                  <a:srgbClr val="FF0000"/>
                 </a:solidFill>
               </a:rPr>
-              <a:t>y</a:t>
-            </a:r>
-            <a:r>
-              <a:rPr lang="en-US" altLang="ja-JP" baseline="-25000" dirty="0" smtClean="0">
-                <a:solidFill>
-                  <a:prstClr val="black"/>
-                </a:solidFill>
-              </a:rPr>
-              <a:t>i</a:t>
-            </a:r>
-            <a:r>
-              <a:rPr lang="ja-JP" altLang="en-US" dirty="0" smtClean="0">
-                <a:solidFill>
-                  <a:prstClr val="black"/>
-                </a:solidFill>
-              </a:rPr>
-              <a:t>は（数値計算上は）ベクトルと見なせる。ここで、</a:t>
-            </a:r>
-            <a:r>
-              <a:rPr lang="en-US" altLang="ja-JP" dirty="0" smtClean="0">
-                <a:solidFill>
-                  <a:prstClr val="black"/>
-                </a:solidFill>
-              </a:rPr>
-              <a:t>y</a:t>
-            </a:r>
-            <a:r>
-              <a:rPr lang="en-US" altLang="ja-JP" baseline="-25000" dirty="0" smtClean="0">
-                <a:solidFill>
-                  <a:prstClr val="black"/>
-                </a:solidFill>
-              </a:rPr>
-              <a:t>i</a:t>
-            </a:r>
-            <a:r>
-              <a:rPr lang="en-US" altLang="ja-JP" baseline="30000" dirty="0" smtClean="0">
-                <a:solidFill>
-                  <a:prstClr val="black"/>
-                </a:solidFill>
-              </a:rPr>
-              <a:t>out</a:t>
-            </a:r>
-            <a:r>
-              <a:rPr lang="ja-JP" altLang="en-US" dirty="0"/>
-              <a:t>と</a:t>
-            </a:r>
-            <a:r>
-              <a:rPr lang="en-US" altLang="ja-JP" dirty="0" smtClean="0">
-                <a:solidFill>
-                  <a:prstClr val="black"/>
-                </a:solidFill>
-              </a:rPr>
-              <a:t>y</a:t>
-            </a:r>
-            <a:r>
-              <a:rPr lang="en-US" altLang="ja-JP" baseline="-25000" dirty="0" smtClean="0">
-                <a:solidFill>
-                  <a:prstClr val="black"/>
-                </a:solidFill>
-              </a:rPr>
-              <a:t>i</a:t>
-            </a:r>
-            <a:r>
-              <a:rPr lang="en-US" altLang="ja-JP" baseline="30000" dirty="0" smtClean="0">
-                <a:solidFill>
-                  <a:prstClr val="black"/>
-                </a:solidFill>
-              </a:rPr>
-              <a:t>in</a:t>
-            </a:r>
-            <a:r>
-              <a:rPr lang="ja-JP" altLang="en-US" dirty="0">
-                <a:solidFill>
-                  <a:prstClr val="black"/>
-                </a:solidFill>
-              </a:rPr>
-              <a:t>の</a:t>
-            </a:r>
-            <a:r>
-              <a:rPr lang="ja-JP" altLang="en-US" dirty="0" smtClean="0">
-                <a:solidFill>
-                  <a:prstClr val="black"/>
-                </a:solidFill>
-              </a:rPr>
-              <a:t>差の大きさを</a:t>
-            </a:r>
-            <a:r>
-              <a:rPr lang="en-US" altLang="ja-JP" dirty="0" err="1" smtClean="0">
-                <a:solidFill>
-                  <a:prstClr val="black"/>
-                </a:solidFill>
-              </a:rPr>
-              <a:t>IterationError</a:t>
-            </a:r>
-            <a:r>
-              <a:rPr lang="ja-JP" altLang="en-US" dirty="0" smtClean="0">
-                <a:solidFill>
-                  <a:prstClr val="black"/>
-                </a:solidFill>
-              </a:rPr>
-              <a:t>と適当に名付け、</a:t>
-            </a:r>
-            <a:r>
-              <a:rPr lang="en-US" altLang="ja-JP" dirty="0" err="1" smtClean="0">
-                <a:solidFill>
-                  <a:prstClr val="black"/>
-                </a:solidFill>
-              </a:rPr>
-              <a:t>IterationError</a:t>
-            </a:r>
-            <a:r>
-              <a:rPr lang="en-US" altLang="ja-JP" dirty="0" smtClean="0">
-                <a:solidFill>
-                  <a:prstClr val="black"/>
-                </a:solidFill>
-              </a:rPr>
-              <a:t> = |</a:t>
-            </a:r>
-            <a:r>
-              <a:rPr lang="en-US" altLang="ja-JP" b="1" dirty="0" smtClean="0">
-                <a:solidFill>
-                  <a:prstClr val="black"/>
-                </a:solidFill>
-              </a:rPr>
-              <a:t>y</a:t>
-            </a:r>
-            <a:r>
-              <a:rPr lang="en-US" altLang="ja-JP" baseline="-25000" dirty="0" smtClean="0">
-                <a:solidFill>
-                  <a:prstClr val="black"/>
-                </a:solidFill>
-              </a:rPr>
-              <a:t>i</a:t>
-            </a:r>
-            <a:r>
-              <a:rPr lang="en-US" altLang="ja-JP" baseline="30000" dirty="0" smtClean="0">
-                <a:solidFill>
-                  <a:prstClr val="black"/>
-                </a:solidFill>
-              </a:rPr>
-              <a:t>out</a:t>
-            </a:r>
-            <a:r>
-              <a:rPr lang="ja-JP" altLang="en-US" baseline="30000" dirty="0" smtClean="0">
-                <a:solidFill>
-                  <a:prstClr val="black"/>
-                </a:solidFill>
-              </a:rPr>
-              <a:t>　</a:t>
-            </a:r>
-            <a:r>
-              <a:rPr lang="en-US" altLang="ja-JP" dirty="0" smtClean="0">
-                <a:solidFill>
-                  <a:prstClr val="black"/>
-                </a:solidFill>
-              </a:rPr>
-              <a:t>–</a:t>
-            </a:r>
-            <a:r>
-              <a:rPr lang="en-US" altLang="ja-JP" baseline="30000" dirty="0" smtClean="0">
-                <a:solidFill>
-                  <a:prstClr val="black"/>
-                </a:solidFill>
-              </a:rPr>
-              <a:t> </a:t>
-            </a:r>
-            <a:r>
-              <a:rPr lang="en-US" altLang="ja-JP" b="1" dirty="0" smtClean="0">
-                <a:solidFill>
-                  <a:prstClr val="black"/>
-                </a:solidFill>
-              </a:rPr>
-              <a:t>y</a:t>
-            </a:r>
-            <a:r>
-              <a:rPr lang="en-US" altLang="ja-JP" baseline="-25000" dirty="0" smtClean="0">
-                <a:solidFill>
-                  <a:prstClr val="black"/>
-                </a:solidFill>
-              </a:rPr>
-              <a:t>i</a:t>
-            </a:r>
-            <a:r>
-              <a:rPr lang="en-US" altLang="ja-JP" baseline="30000" dirty="0" smtClean="0">
-                <a:solidFill>
-                  <a:prstClr val="black"/>
-                </a:solidFill>
-              </a:rPr>
-              <a:t>in</a:t>
-            </a:r>
-            <a:r>
-              <a:rPr lang="en-US" altLang="ja-JP" dirty="0" smtClean="0">
-                <a:solidFill>
-                  <a:prstClr val="black"/>
-                </a:solidFill>
-              </a:rPr>
-              <a:t>|</a:t>
-            </a:r>
-            <a:r>
-              <a:rPr lang="ja-JP" altLang="en-US" dirty="0" smtClean="0">
-                <a:solidFill>
-                  <a:prstClr val="black"/>
-                </a:solidFill>
-              </a:rPr>
-              <a:t>と定義する。</a:t>
-            </a:r>
-            <a:endParaRPr lang="en-US" altLang="ja-JP" dirty="0" smtClean="0">
+              <a:t>マッチングポイント</a:t>
+            </a:r>
+            <a:endParaRPr kumimoji="1" lang="ja-JP" altLang="en-US" sz="2600" dirty="0">
               <a:solidFill>
-                <a:prstClr val="black"/>
+                <a:srgbClr val="FF0000"/>
               </a:solidFill>
             </a:endParaRPr>
           </a:p>
-          <a:p>
-            <a:r>
-              <a:rPr lang="ja-JP" altLang="en-US" dirty="0" smtClean="0">
-                <a:solidFill>
-                  <a:prstClr val="black"/>
-                </a:solidFill>
-              </a:rPr>
-              <a:t>この</a:t>
-            </a:r>
-            <a:r>
-              <a:rPr lang="en-US" altLang="ja-JP" dirty="0" err="1">
-                <a:solidFill>
-                  <a:prstClr val="black"/>
-                </a:solidFill>
-              </a:rPr>
-              <a:t>IterationError</a:t>
-            </a:r>
-            <a:r>
-              <a:rPr lang="ja-JP" altLang="en-US" dirty="0" smtClean="0">
-                <a:solidFill>
-                  <a:prstClr val="black"/>
-                </a:solidFill>
-              </a:rPr>
-              <a:t>がある閾値（</a:t>
-            </a:r>
-            <a:r>
-              <a:rPr lang="en-US" altLang="ja-JP" dirty="0" smtClean="0">
-                <a:solidFill>
-                  <a:prstClr val="black"/>
-                </a:solidFill>
-              </a:rPr>
-              <a:t>ε</a:t>
-            </a:r>
-            <a:r>
-              <a:rPr lang="ja-JP" altLang="en-US" dirty="0" smtClean="0">
-                <a:solidFill>
-                  <a:prstClr val="black"/>
-                </a:solidFill>
-              </a:rPr>
-              <a:t>）未満になった場合（</a:t>
-            </a:r>
-            <a:r>
-              <a:rPr lang="en-US" altLang="ja-JP" dirty="0" err="1">
-                <a:solidFill>
-                  <a:prstClr val="black"/>
-                </a:solidFill>
-              </a:rPr>
-              <a:t>IterationError</a:t>
-            </a:r>
-            <a:r>
-              <a:rPr lang="en-US" altLang="ja-JP" dirty="0">
-                <a:solidFill>
-                  <a:prstClr val="black"/>
-                </a:solidFill>
-              </a:rPr>
-              <a:t> </a:t>
-            </a:r>
-            <a:r>
-              <a:rPr lang="en-US" altLang="ja-JP" dirty="0" smtClean="0">
-                <a:solidFill>
-                  <a:prstClr val="black"/>
-                </a:solidFill>
-              </a:rPr>
-              <a:t>&lt; </a:t>
-            </a:r>
-            <a:r>
-              <a:rPr lang="en-US" altLang="ja-JP" dirty="0">
-                <a:solidFill>
-                  <a:prstClr val="black"/>
-                </a:solidFill>
-              </a:rPr>
-              <a:t>ε</a:t>
-            </a:r>
-            <a:r>
-              <a:rPr lang="ja-JP" altLang="en-US" dirty="0" smtClean="0">
-                <a:solidFill>
-                  <a:prstClr val="black"/>
-                </a:solidFill>
-              </a:rPr>
-              <a:t>）、収束したと判定する。</a:t>
-            </a:r>
-            <a:endParaRPr kumimoji="1" lang="en-US" altLang="ja-JP" dirty="0" smtClean="0"/>
-          </a:p>
-          <a:p>
-            <a:r>
-              <a:rPr lang="en-US" altLang="ja-JP" dirty="0" err="1"/>
-              <a:t>IterationError</a:t>
-            </a:r>
-            <a:r>
-              <a:rPr lang="ja-JP" altLang="en-US" dirty="0" smtClean="0"/>
-              <a:t>は、どうがんばっても</a:t>
-            </a:r>
-            <a:r>
-              <a:rPr lang="en-US" altLang="ja-JP" dirty="0" smtClean="0"/>
-              <a:t>10</a:t>
-            </a:r>
-            <a:r>
-              <a:rPr lang="en-US" altLang="ja-JP" baseline="30000" dirty="0" smtClean="0"/>
-              <a:t>-12</a:t>
-            </a:r>
-            <a:r>
-              <a:rPr lang="ja-JP" altLang="en-US" dirty="0" smtClean="0"/>
-              <a:t>程度以下には下がらないので、</a:t>
-            </a:r>
-            <a:r>
-              <a:rPr lang="en-US" altLang="ja-JP" dirty="0" smtClean="0"/>
-              <a:t>ε</a:t>
-            </a:r>
-            <a:r>
-              <a:rPr lang="ja-JP" altLang="en-US" dirty="0" smtClean="0"/>
-              <a:t>もその程度とする（絶対的な誤差基準よりもむしろ、相対的な誤差基準を使うべきかもしれない）。</a:t>
-            </a:r>
-            <a:endParaRPr lang="en-US" altLang="ja-JP" dirty="0" smtClean="0"/>
-          </a:p>
-        </p:txBody>
-      </p:sp>
+        </p:txBody>
+      </p:sp>
+      <p:cxnSp>
+        <p:nvCxnSpPr>
+          <p:cNvPr id="15" name="直線矢印コネクタ 14"/>
+          <p:cNvCxnSpPr>
+            <a:stCxn id="11" idx="0"/>
+          </p:cNvCxnSpPr>
+          <p:nvPr/>
+        </p:nvCxnSpPr>
+        <p:spPr>
+          <a:xfrm flipV="1">
+            <a:off x="5130855" y="3284984"/>
+            <a:ext cx="2249457" cy="1598160"/>
+          </a:xfrm>
+          <a:prstGeom prst="straightConnector1">
+            <a:avLst/>
+          </a:prstGeom>
+          <a:ln w="15875">
+            <a:solidFill>
+              <a:srgbClr val="FF0000"/>
+            </a:solidFill>
+            <a:tailEnd type="arrow"/>
+          </a:ln>
+        </p:spPr>
+        <p:style>
+          <a:lnRef idx="1">
+            <a:schemeClr val="accent1"/>
+          </a:lnRef>
+          <a:fillRef idx="0">
+            <a:schemeClr val="accent1"/>
+          </a:fillRef>
+          <a:effectRef idx="0">
+            <a:schemeClr val="accent1"/>
+          </a:effectRef>
+          <a:fontRef idx="minor">
+            <a:schemeClr val="tx1"/>
+          </a:fontRef>
+        </p:style>
+      </p:cxnSp>
     </p:spTree>
     <p:extLst>
       <p:ext uri="{BB962C8B-B14F-4D97-AF65-F5344CB8AC3E}">
-        <p14:creationId xmlns:p14="http://schemas.microsoft.com/office/powerpoint/2010/main" val="3194367450"/>
+        <p14:creationId xmlns:p14="http://schemas.microsoft.com/office/powerpoint/2010/main" val="1663575064"/>
       </p:ext>
     </p:extLst>
   </p:cSld>
@@ -8595,10 +8361,18 @@
           <a:lstStyle/>
           <a:p>
             <a:r>
-              <a:rPr kumimoji="1" lang="ja-JP" altLang="en-US" dirty="0" smtClean="0"/>
-              <a:t>有限要素による離散化</a:t>
-            </a:r>
-            <a:endParaRPr kumimoji="1" lang="ja-JP" altLang="en-US" dirty="0"/>
+              <a:rPr lang="ja-JP" altLang="en-US" smtClean="0"/>
+              <a:t>関数</a:t>
+            </a:r>
+            <a:r>
+              <a:rPr lang="en-US" altLang="ja-JP" smtClean="0"/>
+              <a:t>ΔD(E)</a:t>
+            </a:r>
+            <a:r>
+              <a:rPr lang="ja-JP" altLang="en-US" smtClean="0"/>
+              <a:t>を定義する</a:t>
+            </a:r>
+            <a:endParaRPr lang="ja-JP" altLang="en-US" dirty="0"/>
           </a:p>
         </p:txBody>
       </p:sp>
@@ -8612,181 +8386,146 @@
             <p:ph sz="quarter" idx="1"/>
           </p:nvPr>
         </p:nvSpPr>
+        <p:spPr/>
+        <p:txBody>
+          <a:bodyPr/>
+          <a:lstStyle/>
+          <a:p>
+            <a:r>
+              <a:rPr lang="ja-JP" altLang="en-US" dirty="0" smtClean="0"/>
+              <a:t>もし選んだ</a:t>
+            </a:r>
+            <a:r>
+              <a:rPr lang="en-US" altLang="ja-JP" dirty="0" smtClean="0"/>
+              <a:t>E</a:t>
+            </a:r>
+            <a:r>
+              <a:rPr lang="ja-JP" altLang="en-US" dirty="0" smtClean="0"/>
+              <a:t>が固有値であるならば、次式が成り立つ。</a:t>
+            </a:r>
+            <a:endParaRPr lang="en-US" altLang="ja-JP" dirty="0" smtClean="0"/>
+          </a:p>
+          <a:p>
+            <a:endParaRPr lang="en-US" altLang="ja-JP" dirty="0" smtClean="0"/>
+          </a:p>
+          <a:p>
+            <a:endParaRPr lang="en-US" altLang="ja-JP" dirty="0" smtClean="0"/>
+          </a:p>
+          <a:p>
+            <a:r>
+              <a:rPr lang="ja-JP" altLang="en-US" dirty="0" smtClean="0"/>
+              <a:t>ここで、以下の関数</a:t>
+            </a:r>
+            <a:r>
+              <a:rPr lang="en-US" altLang="ja-JP" dirty="0" smtClean="0"/>
+              <a:t>ΔD(E)</a:t>
+            </a:r>
+            <a:r>
+              <a:rPr lang="ja-JP" altLang="en-US" dirty="0" smtClean="0"/>
+              <a:t>を定義する。</a:t>
+            </a:r>
+            <a:endParaRPr lang="en-US" altLang="ja-JP" dirty="0" smtClean="0"/>
+          </a:p>
+          <a:p>
+            <a:endParaRPr lang="en-US" altLang="ja-JP" dirty="0" smtClean="0"/>
+          </a:p>
+          <a:p>
+            <a:r>
+              <a:rPr lang="ja-JP" altLang="en-US" dirty="0" smtClean="0"/>
+              <a:t>この関数</a:t>
+            </a:r>
+            <a:r>
+              <a:rPr lang="en-US" altLang="ja-JP" dirty="0" smtClean="0"/>
+              <a:t>ΔD(E)</a:t>
+            </a:r>
+            <a:r>
+              <a:rPr lang="ja-JP" altLang="en-US" dirty="0" smtClean="0"/>
+              <a:t>がゼロになる</a:t>
+            </a:r>
+            <a:r>
+              <a:rPr lang="en-US" altLang="ja-JP" dirty="0" smtClean="0"/>
+              <a:t>E</a:t>
+            </a:r>
+            <a:r>
+              <a:rPr lang="ja-JP" altLang="en-US" dirty="0" smtClean="0"/>
+              <a:t>を求めれば、固有値が求められる。</a:t>
+            </a:r>
+            <a:endParaRPr lang="ja-JP" altLang="en-US" dirty="0"/>
+          </a:p>
+        </p:txBody>
+      </p:sp>
+      <p:pic>
+        <p:nvPicPr>
+          <p:cNvPr id="4" name="図 3"/>
+          <p:cNvPicPr>
+            <a:picLocks noChangeAspect="1"/>
+          </p:cNvPicPr>
+          <p:nvPr>
+            <p:custDataLst>
+              <p:tags r:id="rId1"/>
+            </p:custDataLst>
+          </p:nvPr>
+        </p:nvPicPr>
+        <p:blipFill>
+          <a:blip r:embed="rId4" cstate="print">
+            <a:extLst>
+              <a:ext uri="{28A0092B-C50C-407E-A947-70E740481C1C}">
+                <a14:useLocalDpi xmlns:a14="http://schemas.microsoft.com/office/drawing/2010/main" val="0"/>
+              </a:ext>
+            </a:extLst>
+          </a:blip>
+          <a:stretch>
+            <a:fillRect/>
+          </a:stretch>
+        </p:blipFill>
         <p:spPr>
           <a:xfrm>
-            <a:off x="612648" y="1600200"/>
-            <a:ext cx="8153400" cy="4853136"/>
+            <a:off x="1043608" y="2636912"/>
+            <a:ext cx="3674286" cy="758095"/>
           </a:xfrm>
+          <a:prstGeom prst="rect">
+            <a:avLst/>
+          </a:prstGeom>
         </p:spPr>
-        <p:txBody>
-          <a:bodyPr>
-            <a:normAutofit/>
-          </a:bodyPr>
-          <a:lstStyle/>
-          <a:p>
-            <a:r>
-              <a:rPr kumimoji="1" lang="ja-JP" altLang="en-US" dirty="0" smtClean="0"/>
-              <a:t>最も</a:t>
-            </a:r>
-            <a:r>
-              <a:rPr lang="ja-JP" altLang="en-US" dirty="0"/>
-              <a:t>単純</a:t>
-            </a:r>
-            <a:r>
-              <a:rPr kumimoji="1" lang="ja-JP" altLang="en-US" dirty="0" smtClean="0"/>
-              <a:t>な</a:t>
-            </a:r>
-            <a:r>
-              <a:rPr kumimoji="1" lang="en-US" altLang="ja-JP" dirty="0" smtClean="0"/>
-              <a:t>1</a:t>
-            </a:r>
-            <a:r>
-              <a:rPr kumimoji="1" lang="ja-JP" altLang="en-US" dirty="0" smtClean="0"/>
-              <a:t>次要素によって離散化。</a:t>
-            </a:r>
-            <a:endParaRPr kumimoji="1" lang="en-US" altLang="ja-JP" dirty="0" smtClean="0"/>
-          </a:p>
-          <a:p>
-            <a:r>
-              <a:rPr lang="ja-JP" altLang="en-US" dirty="0" smtClean="0"/>
-              <a:t>連立</a:t>
-            </a:r>
-            <a:r>
-              <a:rPr lang="en-US" altLang="ja-JP" dirty="0" smtClean="0"/>
-              <a:t>1</a:t>
-            </a:r>
-            <a:r>
-              <a:rPr lang="ja-JP" altLang="en-US" dirty="0" smtClean="0"/>
-              <a:t>次方程式を解くには</a:t>
-            </a:r>
-            <a:r>
-              <a:rPr lang="en-US" altLang="ja-JP" dirty="0" smtClean="0"/>
-              <a:t>Intel Math Kernel Library (Intel MKL)</a:t>
-            </a:r>
-            <a:r>
-              <a:rPr lang="ja-JP" altLang="en-US" dirty="0" smtClean="0"/>
-              <a:t>を使う。</a:t>
-            </a:r>
-            <a:endParaRPr lang="en-US" altLang="ja-JP" dirty="0" smtClean="0"/>
-          </a:p>
-          <a:p>
-            <a:r>
-              <a:rPr kumimoji="1" lang="en-US" altLang="ja-JP" dirty="0" smtClean="0"/>
-              <a:t>1</a:t>
-            </a:r>
-            <a:r>
-              <a:rPr kumimoji="1" lang="ja-JP" altLang="en-US" dirty="0" smtClean="0"/>
-              <a:t>次要素だと、連立</a:t>
-            </a:r>
-            <a:r>
-              <a:rPr kumimoji="1" lang="en-US" altLang="ja-JP" dirty="0" smtClean="0"/>
-              <a:t>1</a:t>
-            </a:r>
-            <a:r>
-              <a:rPr kumimoji="1" lang="ja-JP" altLang="en-US" dirty="0" smtClean="0"/>
-              <a:t>次方程式</a:t>
-            </a:r>
-            <a:r>
-              <a:rPr lang="en-US" altLang="ja-JP" dirty="0" smtClean="0"/>
-              <a:t>[</a:t>
-            </a:r>
-            <a:r>
-              <a:rPr lang="en-US" altLang="ja-JP" dirty="0"/>
-              <a:t>K]{u} = {</a:t>
-            </a:r>
-            <a:r>
-              <a:rPr lang="en-US" altLang="ja-JP" dirty="0" smtClean="0"/>
-              <a:t>F}</a:t>
-            </a:r>
-            <a:r>
-              <a:rPr lang="ja-JP" altLang="en-US" dirty="0" smtClean="0"/>
-              <a:t>の</a:t>
-            </a:r>
-            <a:r>
-              <a:rPr lang="en-US" altLang="ja-JP" dirty="0" smtClean="0"/>
-              <a:t>[K]</a:t>
-            </a:r>
-            <a:r>
-              <a:rPr lang="ja-JP" altLang="en-US" dirty="0" smtClean="0"/>
-              <a:t>が対称正定値三重対角行列になるので、</a:t>
-            </a:r>
-            <a:r>
-              <a:rPr lang="en-US" altLang="ja-JP" dirty="0" smtClean="0"/>
-              <a:t>[K]</a:t>
-            </a:r>
-            <a:r>
-              <a:rPr lang="ja-JP" altLang="en-US" dirty="0" smtClean="0"/>
-              <a:t>は</a:t>
-            </a:r>
-            <a:r>
-              <a:rPr lang="en-US" altLang="ja-JP" dirty="0" smtClean="0"/>
-              <a:t>2</a:t>
-            </a:r>
-            <a:r>
-              <a:rPr lang="ja-JP" altLang="en-US" dirty="0" smtClean="0"/>
-              <a:t>次元配列を使わなくても、単に配列を</a:t>
-            </a:r>
-            <a:r>
-              <a:rPr lang="en-US" altLang="ja-JP" dirty="0" smtClean="0"/>
-              <a:t>2</a:t>
-            </a:r>
-            <a:r>
-              <a:rPr lang="ja-JP" altLang="en-US" dirty="0" smtClean="0"/>
-              <a:t>つ用意するだけで済む。</a:t>
-            </a:r>
-            <a:r>
-              <a:rPr lang="ja-JP" altLang="en-US" dirty="0"/>
-              <a:t>これ</a:t>
-            </a:r>
-            <a:r>
-              <a:rPr lang="ja-JP" altLang="en-US" dirty="0" smtClean="0"/>
-              <a:t>はメモリの節約になる。</a:t>
-            </a:r>
-            <a:endParaRPr lang="en-US" altLang="ja-JP" dirty="0" smtClean="0"/>
-          </a:p>
-          <a:p>
-            <a:r>
-              <a:rPr lang="ja-JP" altLang="en-US" dirty="0" smtClean="0"/>
-              <a:t>ちなみに</a:t>
-            </a:r>
-            <a:r>
-              <a:rPr lang="en-US" altLang="ja-JP" dirty="0" smtClean="0"/>
-              <a:t>2</a:t>
-            </a:r>
-            <a:r>
-              <a:rPr lang="ja-JP" altLang="en-US" dirty="0" smtClean="0"/>
-              <a:t>次要素で離散化すると、</a:t>
-            </a:r>
-            <a:r>
-              <a:rPr lang="en-US" altLang="ja-JP" dirty="0" smtClean="0"/>
-              <a:t>[K]</a:t>
-            </a:r>
-            <a:r>
-              <a:rPr lang="ja-JP" altLang="en-US" dirty="0" smtClean="0"/>
-              <a:t>は対称正定値帯行列になる。機会があればやってみたい（</a:t>
-            </a:r>
-            <a:r>
-              <a:rPr lang="ja-JP" altLang="en-US" dirty="0"/>
-              <a:t>配列の</a:t>
-            </a:r>
-            <a:r>
-              <a:rPr lang="ja-JP" altLang="en-US" dirty="0" smtClean="0"/>
-              <a:t>扱いが煩雑になるので今回は見送った）。</a:t>
-            </a:r>
-            <a:endParaRPr lang="en-US" altLang="ja-JP" dirty="0" smtClean="0"/>
-          </a:p>
-          <a:p>
-            <a:endParaRPr lang="en-US" altLang="ja-JP" dirty="0" smtClean="0"/>
-          </a:p>
-          <a:p>
-            <a:endParaRPr kumimoji="1" lang="ja-JP" altLang="en-US" dirty="0"/>
-          </a:p>
-        </p:txBody>
-      </p:sp>
+      </p:pic>
+      <p:pic>
+        <p:nvPicPr>
+          <p:cNvPr id="5" name="図 4"/>
+          <p:cNvPicPr>
+            <a:picLocks noChangeAspect="1"/>
+          </p:cNvPicPr>
+          <p:nvPr>
+            <p:custDataLst>
+              <p:tags r:id="rId2"/>
+            </p:custDataLst>
+          </p:nvPr>
+        </p:nvPicPr>
+        <p:blipFill>
+          <a:blip r:embed="rId5" cstate="print">
+            <a:extLst>
+              <a:ext uri="{28A0092B-C50C-407E-A947-70E740481C1C}">
+                <a14:useLocalDpi xmlns:a14="http://schemas.microsoft.com/office/drawing/2010/main" val="0"/>
+              </a:ext>
+            </a:extLst>
+          </a:blip>
+          <a:stretch>
+            <a:fillRect/>
+          </a:stretch>
+        </p:blipFill>
+        <p:spPr>
+          <a:xfrm>
+            <a:off x="1043608" y="4077072"/>
+            <a:ext cx="7847619" cy="758095"/>
+          </a:xfrm>
+          <a:prstGeom prst="rect">
+            <a:avLst/>
+          </a:prstGeom>
+        </p:spPr>
+      </p:pic>
     </p:spTree>
     <p:extLst>
       <p:ext uri="{BB962C8B-B14F-4D97-AF65-F5344CB8AC3E}">
-        <p14:creationId xmlns:p14="http://schemas.microsoft.com/office/powerpoint/2010/main" val="3119385596"/>
+        <p14:creationId xmlns:p14="http://schemas.microsoft.com/office/powerpoint/2010/main" val="3236546146"/>
       </p:ext>
     </p:extLst>
   </p:cSld>
@@ -8837,7 +8576,15 @@
           <a:p>
             <a:r>
               <a:rPr kumimoji="1" lang="ja-JP" altLang="en-US" dirty="0" smtClean="0"/>
-              <a:t>フローチャート</a:t>
+              <a:t>固有値</a:t>
+            </a:r>
+            <a:r>
+              <a:rPr kumimoji="1" lang="en-US" altLang="ja-JP" dirty="0" smtClean="0"/>
+              <a:t>E</a:t>
+            </a:r>
+            <a:r>
+              <a:rPr kumimoji="1" lang="ja-JP" altLang="en-US" dirty="0" smtClean="0"/>
+              <a:t>を探索する</a:t>
             </a:r>
             <a:endParaRPr kumimoji="1" lang="ja-JP" altLang="en-US" dirty="0"/>
           </a:p>
@@ -8845,831 +8592,131 @@
       </p:sp>
       <p:sp>
         <p:nvSpPr>
-          <p:cNvPr id="20" name="フローチャート: 処理 19"/>
-          <p:cNvSpPr/>
-          <p:nvPr/>
-        </p:nvSpPr>
-        <p:spPr>
-          <a:xfrm>
-            <a:off x="3357621" y="1641380"/>
-            <a:ext cx="3240360" cy="369332"/>
-          </a:xfrm>
-          <a:prstGeom prst="flowChartProcess">
-            <a:avLst/>
-          </a:prstGeom>
-          <a:noFill/>
-          <a:ln>
-            <a:solidFill>
-              <a:srgbClr val="FF0000"/>
-            </a:solidFill>
-          </a:ln>
-        </p:spPr>
-        <p:style>
-          <a:lnRef idx="2">
-            <a:schemeClr val="accent1">
-              <a:shade val="50000"/>
-            </a:schemeClr>
-          </a:lnRef>
-          <a:fillRef idx="1">
-            <a:schemeClr val="accent1"/>
-          </a:fillRef>
-          <a:effectRef idx="0">
-            <a:schemeClr val="accent1"/>
-          </a:effectRef>
-          <a:fontRef idx="minor">
-            <a:schemeClr val="lt1"/>
-          </a:fontRef>
-        </p:style>
-        <p:txBody>
-          <a:bodyPr rtlCol="0" anchor="ctr"/>
+          <p:cNvPr id="3" name="コンテンツ プレースホルダー 2"/>
+          <p:cNvSpPr>
+            <a:spLocks noGrp="1"/>
+          </p:cNvSpPr>
+          <p:nvPr>
+            <p:ph sz="quarter" idx="1"/>
+          </p:nvPr>
+        </p:nvSpPr>
+        <p:spPr/>
+        <p:txBody>
+          <a:bodyPr/>
           <a:lstStyle/>
           <a:p>
-            <a:pPr algn="ctr"/>
-            <a:r>
-              <a:rPr lang="ja-JP" altLang="en-US" dirty="0">
-                <a:solidFill>
-                  <a:schemeClr val="tx1"/>
-                </a:solidFill>
-              </a:rPr>
-              <a:t>初期関数</a:t>
-            </a:r>
-            <a:r>
-              <a:rPr lang="en-US" altLang="ja-JP" dirty="0">
-                <a:solidFill>
-                  <a:schemeClr val="tx1"/>
-                </a:solidFill>
-              </a:rPr>
-              <a:t>y</a:t>
-            </a:r>
-            <a:r>
-              <a:rPr lang="en-US" altLang="ja-JP" baseline="-25000" dirty="0">
-                <a:solidFill>
-                  <a:schemeClr val="tx1"/>
-                </a:solidFill>
-              </a:rPr>
-              <a:t>0</a:t>
-            </a:r>
-            <a:r>
-              <a:rPr lang="en-US" altLang="ja-JP" dirty="0">
-                <a:solidFill>
-                  <a:schemeClr val="tx1"/>
-                </a:solidFill>
-              </a:rPr>
-              <a:t>(x</a:t>
-            </a:r>
-            <a:r>
-              <a:rPr lang="en-US" altLang="ja-JP" dirty="0" smtClean="0">
-                <a:solidFill>
-                  <a:schemeClr val="tx1"/>
-                </a:solidFill>
-              </a:rPr>
-              <a:t>), [</a:t>
-            </a:r>
-            <a:r>
-              <a:rPr lang="en-US" altLang="ja-JP" dirty="0">
-                <a:solidFill>
-                  <a:schemeClr val="tx1"/>
-                </a:solidFill>
-              </a:rPr>
-              <a:t>K]</a:t>
-            </a:r>
-            <a:r>
-              <a:rPr lang="ja-JP" altLang="en-US" dirty="0">
-                <a:solidFill>
-                  <a:schemeClr val="tx1"/>
-                </a:solidFill>
-              </a:rPr>
-              <a:t>の</a:t>
-            </a:r>
-            <a:r>
-              <a:rPr lang="ja-JP" altLang="en-US" dirty="0" smtClean="0">
-                <a:solidFill>
-                  <a:schemeClr val="tx1"/>
-                </a:solidFill>
-              </a:rPr>
-              <a:t>生成</a:t>
-            </a:r>
-            <a:endParaRPr lang="ja-JP" altLang="en-US" dirty="0">
-              <a:solidFill>
-                <a:schemeClr val="tx1"/>
-              </a:solidFill>
-            </a:endParaRPr>
-          </a:p>
-        </p:txBody>
-      </p:sp>
-      <p:sp>
-        <p:nvSpPr>
-          <p:cNvPr id="21" name="フローチャート: 処理 20"/>
-          <p:cNvSpPr/>
-          <p:nvPr/>
-        </p:nvSpPr>
-        <p:spPr>
-          <a:xfrm>
-            <a:off x="3357621" y="2500592"/>
-            <a:ext cx="3240360" cy="369332"/>
-          </a:xfrm>
-          <a:prstGeom prst="flowChartProcess">
-            <a:avLst/>
-          </a:prstGeom>
-          <a:noFill/>
-          <a:ln>
-            <a:solidFill>
-              <a:srgbClr val="FF0000"/>
-            </a:solidFill>
-          </a:ln>
-        </p:spPr>
-        <p:style>
-          <a:lnRef idx="2">
-            <a:schemeClr val="accent1">
-              <a:shade val="50000"/>
-            </a:schemeClr>
-          </a:lnRef>
-          <a:fillRef idx="1">
-            <a:schemeClr val="accent1"/>
-          </a:fillRef>
-          <a:effectRef idx="0">
-            <a:schemeClr val="accent1"/>
-          </a:effectRef>
-          <a:fontRef idx="minor">
-            <a:schemeClr val="lt1"/>
-          </a:fontRef>
-        </p:style>
-        <p:txBody>
-          <a:bodyPr rtlCol="0" anchor="ctr"/>
-          <a:lstStyle/>
-          <a:p>
-            <a:pPr algn="ctr"/>
-            <a:r>
-              <a:rPr lang="el-GR" altLang="ja-JP" dirty="0" smtClean="0">
-                <a:solidFill>
-                  <a:schemeClr val="tx1"/>
-                </a:solidFill>
-              </a:rPr>
-              <a:t>β</a:t>
-            </a:r>
-            <a:r>
-              <a:rPr lang="en-US" altLang="ja-JP" dirty="0" smtClean="0">
-                <a:solidFill>
-                  <a:schemeClr val="tx1"/>
-                </a:solidFill>
-              </a:rPr>
-              <a:t>(x), {f}</a:t>
-            </a:r>
-            <a:r>
-              <a:rPr lang="ja-JP" altLang="en-US" dirty="0" smtClean="0">
-                <a:solidFill>
-                  <a:schemeClr val="tx1"/>
-                </a:solidFill>
-              </a:rPr>
-              <a:t>の</a:t>
-            </a:r>
-            <a:r>
-              <a:rPr lang="ja-JP" altLang="en-US" dirty="0">
-                <a:solidFill>
-                  <a:schemeClr val="tx1"/>
-                </a:solidFill>
-              </a:rPr>
-              <a:t>生成</a:t>
-            </a:r>
-          </a:p>
-        </p:txBody>
-      </p:sp>
-      <p:sp>
-        <p:nvSpPr>
-          <p:cNvPr id="24" name="フローチャート: 処理 23"/>
-          <p:cNvSpPr/>
-          <p:nvPr/>
-        </p:nvSpPr>
-        <p:spPr>
-          <a:xfrm>
-            <a:off x="3357621" y="3363308"/>
-            <a:ext cx="3240360" cy="369332"/>
-          </a:xfrm>
-          <a:prstGeom prst="flowChartProcess">
-            <a:avLst/>
-          </a:prstGeom>
-          <a:noFill/>
-          <a:ln>
-            <a:solidFill>
-              <a:srgbClr val="FF0000"/>
-            </a:solidFill>
-          </a:ln>
-        </p:spPr>
-        <p:style>
-          <a:lnRef idx="2">
-            <a:schemeClr val="accent1">
-              <a:shade val="50000"/>
-            </a:schemeClr>
-          </a:lnRef>
-          <a:fillRef idx="1">
-            <a:schemeClr val="accent1"/>
-          </a:fillRef>
-          <a:effectRef idx="0">
-            <a:schemeClr val="accent1"/>
-          </a:effectRef>
-          <a:fontRef idx="minor">
-            <a:schemeClr val="lt1"/>
-          </a:fontRef>
-        </p:style>
-        <p:txBody>
-          <a:bodyPr rtlCol="0" anchor="ctr"/>
-          <a:lstStyle/>
-          <a:p>
-            <a:pPr algn="ctr"/>
-            <a:r>
-              <a:rPr lang="en-US" altLang="ja-JP" dirty="0" smtClean="0">
-                <a:solidFill>
-                  <a:schemeClr val="tx1"/>
-                </a:solidFill>
-              </a:rPr>
-              <a:t>[K], {f}</a:t>
-            </a:r>
-            <a:r>
-              <a:rPr lang="ja-JP" altLang="en-US" dirty="0" smtClean="0">
-                <a:solidFill>
-                  <a:schemeClr val="tx1"/>
-                </a:solidFill>
-              </a:rPr>
-              <a:t>に境界条件処理</a:t>
-            </a:r>
-            <a:endParaRPr lang="ja-JP" altLang="en-US" dirty="0">
-              <a:solidFill>
-                <a:schemeClr val="tx1"/>
-              </a:solidFill>
-            </a:endParaRPr>
-          </a:p>
-        </p:txBody>
-      </p:sp>
-      <p:sp>
-        <p:nvSpPr>
-          <p:cNvPr id="26" name="フローチャート: 処理 25"/>
-          <p:cNvSpPr/>
-          <p:nvPr/>
-        </p:nvSpPr>
-        <p:spPr>
-          <a:xfrm>
-            <a:off x="3357621" y="4232494"/>
-            <a:ext cx="3240360" cy="369332"/>
-          </a:xfrm>
-          <a:prstGeom prst="flowChartProcess">
-            <a:avLst/>
-          </a:prstGeom>
-          <a:noFill/>
-          <a:ln>
-            <a:solidFill>
-              <a:srgbClr val="FF0000"/>
-            </a:solidFill>
-          </a:ln>
-        </p:spPr>
-        <p:style>
-          <a:lnRef idx="2">
-            <a:schemeClr val="accent1">
-              <a:shade val="50000"/>
-            </a:schemeClr>
-          </a:lnRef>
-          <a:fillRef idx="1">
-            <a:schemeClr val="accent1"/>
-          </a:fillRef>
-          <a:effectRef idx="0">
-            <a:schemeClr val="accent1"/>
-          </a:effectRef>
-          <a:fontRef idx="minor">
-            <a:schemeClr val="lt1"/>
-          </a:fontRef>
-        </p:style>
-        <p:txBody>
-          <a:bodyPr rtlCol="0" anchor="ctr"/>
-          <a:lstStyle/>
-          <a:p>
-            <a:pPr algn="ctr"/>
-            <a:r>
-              <a:rPr lang="en-US" altLang="ja-JP" dirty="0" smtClean="0">
-                <a:solidFill>
-                  <a:schemeClr val="tx1"/>
-                </a:solidFill>
-              </a:rPr>
-              <a:t>Intel MKL</a:t>
-            </a:r>
-            <a:r>
-              <a:rPr lang="ja-JP" altLang="en-US" dirty="0" smtClean="0">
-                <a:solidFill>
-                  <a:schemeClr val="tx1"/>
-                </a:solidFill>
-              </a:rPr>
-              <a:t>により</a:t>
-            </a:r>
-            <a:r>
-              <a:rPr lang="en-US" altLang="ja-JP" dirty="0" smtClean="0">
-                <a:solidFill>
-                  <a:schemeClr val="tx1"/>
-                </a:solidFill>
-              </a:rPr>
-              <a:t>y(x)</a:t>
-            </a:r>
-            <a:r>
-              <a:rPr lang="ja-JP" altLang="en-US" dirty="0" smtClean="0">
-                <a:solidFill>
-                  <a:schemeClr val="tx1"/>
-                </a:solidFill>
-              </a:rPr>
-              <a:t>を求める</a:t>
-            </a:r>
-            <a:endParaRPr lang="ja-JP" altLang="en-US" dirty="0">
-              <a:solidFill>
-                <a:schemeClr val="tx1"/>
-              </a:solidFill>
-            </a:endParaRPr>
-          </a:p>
-        </p:txBody>
-      </p:sp>
-      <p:sp>
-        <p:nvSpPr>
-          <p:cNvPr id="29" name="フローチャート : 端子 28"/>
-          <p:cNvSpPr/>
-          <p:nvPr/>
-        </p:nvSpPr>
-        <p:spPr>
-          <a:xfrm>
-            <a:off x="3607989" y="6165304"/>
-            <a:ext cx="2736304" cy="360040"/>
-          </a:xfrm>
-          <a:prstGeom prst="flowChartTerminator">
-            <a:avLst/>
-          </a:prstGeom>
-          <a:noFill/>
-          <a:ln>
-            <a:solidFill>
-              <a:srgbClr val="FF0000"/>
-            </a:solidFill>
-          </a:ln>
-        </p:spPr>
-        <p:style>
-          <a:lnRef idx="2">
-            <a:schemeClr val="accent1">
-              <a:shade val="50000"/>
-            </a:schemeClr>
-          </a:lnRef>
-          <a:fillRef idx="1">
-            <a:schemeClr val="accent1"/>
-          </a:fillRef>
-          <a:effectRef idx="0">
-            <a:schemeClr val="accent1"/>
-          </a:effectRef>
-          <a:fontRef idx="minor">
-            <a:schemeClr val="lt1"/>
-          </a:fontRef>
-        </p:style>
-        <p:txBody>
-          <a:bodyPr rtlCol="0" anchor="ctr"/>
-          <a:lstStyle/>
-          <a:p>
-            <a:pPr algn="ctr"/>
-            <a:r>
-              <a:rPr lang="ja-JP" altLang="en-US" dirty="0" smtClean="0">
-                <a:solidFill>
-                  <a:schemeClr val="tx1"/>
-                </a:solidFill>
-              </a:rPr>
-              <a:t>終了</a:t>
-            </a:r>
-            <a:endParaRPr kumimoji="1" lang="ja-JP" altLang="en-US" dirty="0">
-              <a:solidFill>
-                <a:schemeClr val="tx1"/>
-              </a:solidFill>
-            </a:endParaRPr>
-          </a:p>
-        </p:txBody>
-      </p:sp>
-      <p:sp>
-        <p:nvSpPr>
-          <p:cNvPr id="30" name="フローチャート : 判断 29"/>
-          <p:cNvSpPr/>
-          <p:nvPr/>
-        </p:nvSpPr>
-        <p:spPr>
-          <a:xfrm>
-            <a:off x="3357621" y="5095856"/>
-            <a:ext cx="3240360" cy="576064"/>
-          </a:xfrm>
-          <a:prstGeom prst="flowChartDecision">
-            <a:avLst/>
-          </a:prstGeom>
-          <a:noFill/>
-          <a:ln>
-            <a:solidFill>
-              <a:srgbClr val="FF0000"/>
-            </a:solidFill>
-          </a:ln>
-        </p:spPr>
-        <p:style>
-          <a:lnRef idx="2">
-            <a:schemeClr val="accent1">
-              <a:shade val="50000"/>
-            </a:schemeClr>
-          </a:lnRef>
-          <a:fillRef idx="1">
-            <a:schemeClr val="accent1"/>
-          </a:fillRef>
-          <a:effectRef idx="0">
-            <a:schemeClr val="accent1"/>
-          </a:effectRef>
-          <a:fontRef idx="minor">
-            <a:schemeClr val="lt1"/>
-          </a:fontRef>
-        </p:style>
-        <p:txBody>
-          <a:bodyPr rtlCol="0" anchor="ctr"/>
-          <a:lstStyle/>
-          <a:p>
-            <a:pPr algn="ctr"/>
-            <a:r>
-              <a:rPr lang="ja-JP" altLang="en-US" dirty="0">
-                <a:solidFill>
-                  <a:schemeClr val="tx1"/>
-                </a:solidFill>
-              </a:rPr>
-              <a:t>収束した</a:t>
-            </a:r>
-            <a:r>
-              <a:rPr lang="ja-JP" altLang="en-US" dirty="0" smtClean="0">
-                <a:solidFill>
-                  <a:schemeClr val="tx1"/>
-                </a:solidFill>
-              </a:rPr>
-              <a:t>か？</a:t>
-            </a:r>
-            <a:endParaRPr kumimoji="1" lang="ja-JP" altLang="en-US" dirty="0">
-              <a:solidFill>
-                <a:schemeClr val="tx1"/>
-              </a:solidFill>
-            </a:endParaRPr>
-          </a:p>
-        </p:txBody>
-      </p:sp>
-      <p:cxnSp>
-        <p:nvCxnSpPr>
-          <p:cNvPr id="31" name="直線矢印コネクタ 30"/>
-          <p:cNvCxnSpPr/>
-          <p:nvPr/>
-        </p:nvCxnSpPr>
-        <p:spPr>
-          <a:xfrm flipH="1">
-            <a:off x="4976141" y="5671920"/>
-            <a:ext cx="1660" cy="493384"/>
-          </a:xfrm>
-          <a:prstGeom prst="straightConnector1">
-            <a:avLst/>
-          </a:prstGeom>
-          <a:ln>
-            <a:solidFill>
-              <a:srgbClr val="FF0000"/>
-            </a:solidFill>
-            <a:tailEnd type="arrow"/>
-          </a:ln>
-        </p:spPr>
-        <p:style>
-          <a:lnRef idx="1">
-            <a:schemeClr val="accent1"/>
-          </a:lnRef>
-          <a:fillRef idx="0">
-            <a:schemeClr val="accent1"/>
-          </a:fillRef>
-          <a:effectRef idx="0">
-            <a:schemeClr val="accent1"/>
-          </a:effectRef>
-          <a:fontRef idx="minor">
-            <a:schemeClr val="tx1"/>
-          </a:fontRef>
-        </p:style>
-      </p:cxnSp>
-      <p:cxnSp>
-        <p:nvCxnSpPr>
-          <p:cNvPr id="33" name="直線コネクタ 32"/>
-          <p:cNvCxnSpPr>
-            <a:stCxn id="30" idx="3"/>
-          </p:cNvCxnSpPr>
-          <p:nvPr/>
-        </p:nvCxnSpPr>
-        <p:spPr>
-          <a:xfrm>
-            <a:off x="6597981" y="5383888"/>
-            <a:ext cx="482733" cy="0"/>
-          </a:xfrm>
-          <a:prstGeom prst="line">
-            <a:avLst/>
-          </a:prstGeom>
-          <a:ln>
-            <a:solidFill>
-              <a:srgbClr val="FF0000"/>
-            </a:solidFill>
-          </a:ln>
-        </p:spPr>
-        <p:style>
-          <a:lnRef idx="1">
-            <a:schemeClr val="accent1"/>
-          </a:lnRef>
-          <a:fillRef idx="0">
-            <a:schemeClr val="accent1"/>
-          </a:fillRef>
-          <a:effectRef idx="0">
-            <a:schemeClr val="accent1"/>
-          </a:effectRef>
-          <a:fontRef idx="minor">
-            <a:schemeClr val="tx1"/>
-          </a:fontRef>
-        </p:style>
-      </p:cxnSp>
-      <p:cxnSp>
-        <p:nvCxnSpPr>
-          <p:cNvPr id="35" name="直線矢印コネクタ 34"/>
-          <p:cNvCxnSpPr/>
-          <p:nvPr/>
-        </p:nvCxnSpPr>
-        <p:spPr>
-          <a:xfrm flipH="1">
-            <a:off x="4977801" y="4595356"/>
-            <a:ext cx="1660" cy="493384"/>
-          </a:xfrm>
-          <a:prstGeom prst="straightConnector1">
-            <a:avLst/>
-          </a:prstGeom>
-          <a:ln>
-            <a:solidFill>
-              <a:srgbClr val="FF0000"/>
-            </a:solidFill>
-            <a:tailEnd type="arrow"/>
-          </a:ln>
-        </p:spPr>
-        <p:style>
-          <a:lnRef idx="1">
-            <a:schemeClr val="accent1"/>
-          </a:lnRef>
-          <a:fillRef idx="0">
-            <a:schemeClr val="accent1"/>
-          </a:fillRef>
-          <a:effectRef idx="0">
-            <a:schemeClr val="accent1"/>
-          </a:effectRef>
-          <a:fontRef idx="minor">
-            <a:schemeClr val="tx1"/>
-          </a:fontRef>
-        </p:style>
-      </p:cxnSp>
-      <p:cxnSp>
-        <p:nvCxnSpPr>
-          <p:cNvPr id="36" name="直線矢印コネクタ 35"/>
-          <p:cNvCxnSpPr/>
-          <p:nvPr/>
-        </p:nvCxnSpPr>
-        <p:spPr>
-          <a:xfrm flipH="1">
-            <a:off x="4979461" y="3732640"/>
-            <a:ext cx="1660" cy="493384"/>
-          </a:xfrm>
-          <a:prstGeom prst="straightConnector1">
-            <a:avLst/>
-          </a:prstGeom>
-          <a:ln>
-            <a:solidFill>
-              <a:srgbClr val="FF0000"/>
-            </a:solidFill>
-            <a:tailEnd type="arrow"/>
-          </a:ln>
-        </p:spPr>
-        <p:style>
-          <a:lnRef idx="1">
-            <a:schemeClr val="accent1"/>
-          </a:lnRef>
-          <a:fillRef idx="0">
-            <a:schemeClr val="accent1"/>
-          </a:fillRef>
-          <a:effectRef idx="0">
-            <a:schemeClr val="accent1"/>
-          </a:effectRef>
-          <a:fontRef idx="minor">
-            <a:schemeClr val="tx1"/>
-          </a:fontRef>
-        </p:style>
-      </p:cxnSp>
-      <p:cxnSp>
-        <p:nvCxnSpPr>
-          <p:cNvPr id="37" name="直線矢印コネクタ 36"/>
-          <p:cNvCxnSpPr/>
-          <p:nvPr/>
-        </p:nvCxnSpPr>
-        <p:spPr>
-          <a:xfrm flipH="1">
-            <a:off x="4976141" y="2869924"/>
-            <a:ext cx="1660" cy="493384"/>
-          </a:xfrm>
-          <a:prstGeom prst="straightConnector1">
-            <a:avLst/>
-          </a:prstGeom>
-          <a:ln>
-            <a:solidFill>
-              <a:srgbClr val="FF0000"/>
-            </a:solidFill>
-            <a:tailEnd type="arrow"/>
-          </a:ln>
-        </p:spPr>
-        <p:style>
-          <a:lnRef idx="1">
-            <a:schemeClr val="accent1"/>
-          </a:lnRef>
-          <a:fillRef idx="0">
-            <a:schemeClr val="accent1"/>
-          </a:fillRef>
-          <a:effectRef idx="0">
-            <a:schemeClr val="accent1"/>
-          </a:effectRef>
-          <a:fontRef idx="minor">
-            <a:schemeClr val="tx1"/>
-          </a:fontRef>
-        </p:style>
-      </p:cxnSp>
-      <p:cxnSp>
-        <p:nvCxnSpPr>
-          <p:cNvPr id="38" name="直線矢印コネクタ 37"/>
-          <p:cNvCxnSpPr/>
-          <p:nvPr/>
-        </p:nvCxnSpPr>
-        <p:spPr>
-          <a:xfrm flipH="1">
-            <a:off x="4977801" y="2007208"/>
-            <a:ext cx="1660" cy="493384"/>
-          </a:xfrm>
-          <a:prstGeom prst="straightConnector1">
-            <a:avLst/>
-          </a:prstGeom>
-          <a:ln>
-            <a:solidFill>
-              <a:srgbClr val="FF0000"/>
-            </a:solidFill>
-            <a:tailEnd type="arrow"/>
-          </a:ln>
-        </p:spPr>
-        <p:style>
-          <a:lnRef idx="1">
-            <a:schemeClr val="accent1"/>
-          </a:lnRef>
-          <a:fillRef idx="0">
-            <a:schemeClr val="accent1"/>
-          </a:fillRef>
-          <a:effectRef idx="0">
-            <a:schemeClr val="accent1"/>
-          </a:effectRef>
-          <a:fontRef idx="minor">
-            <a:schemeClr val="tx1"/>
-          </a:fontRef>
-        </p:style>
-      </p:cxnSp>
-      <p:cxnSp>
-        <p:nvCxnSpPr>
-          <p:cNvPr id="40" name="直線コネクタ 39"/>
-          <p:cNvCxnSpPr/>
-          <p:nvPr/>
-        </p:nvCxnSpPr>
-        <p:spPr>
-          <a:xfrm flipV="1">
-            <a:off x="7080714" y="2221800"/>
-            <a:ext cx="0" cy="3162088"/>
-          </a:xfrm>
-          <a:prstGeom prst="line">
-            <a:avLst/>
-          </a:prstGeom>
-          <a:ln>
-            <a:solidFill>
-              <a:srgbClr val="FF0000"/>
-            </a:solidFill>
-          </a:ln>
-        </p:spPr>
-        <p:style>
-          <a:lnRef idx="1">
-            <a:schemeClr val="accent1"/>
-          </a:lnRef>
-          <a:fillRef idx="0">
-            <a:schemeClr val="accent1"/>
-          </a:fillRef>
-          <a:effectRef idx="0">
-            <a:schemeClr val="accent1"/>
-          </a:effectRef>
-          <a:fontRef idx="minor">
-            <a:schemeClr val="tx1"/>
-          </a:fontRef>
-        </p:style>
-      </p:cxnSp>
-      <p:cxnSp>
-        <p:nvCxnSpPr>
-          <p:cNvPr id="42" name="直線矢印コネクタ 41"/>
-          <p:cNvCxnSpPr/>
-          <p:nvPr/>
-        </p:nvCxnSpPr>
-        <p:spPr>
-          <a:xfrm flipH="1">
-            <a:off x="4982781" y="2221800"/>
-            <a:ext cx="2097933" cy="0"/>
-          </a:xfrm>
-          <a:prstGeom prst="straightConnector1">
-            <a:avLst/>
-          </a:prstGeom>
-          <a:ln>
-            <a:solidFill>
-              <a:srgbClr val="FF0000"/>
-            </a:solidFill>
-            <a:tailEnd type="arrow"/>
-          </a:ln>
-        </p:spPr>
-        <p:style>
-          <a:lnRef idx="1">
-            <a:schemeClr val="accent1"/>
-          </a:lnRef>
-          <a:fillRef idx="0">
-            <a:schemeClr val="accent1"/>
-          </a:fillRef>
-          <a:effectRef idx="0">
-            <a:schemeClr val="accent1"/>
-          </a:effectRef>
-          <a:fontRef idx="minor">
-            <a:schemeClr val="tx1"/>
-          </a:fontRef>
-        </p:style>
-      </p:cxnSp>
-      <p:sp>
-        <p:nvSpPr>
-          <p:cNvPr id="49" name="テキスト ボックス 48"/>
-          <p:cNvSpPr txBox="1"/>
-          <p:nvPr/>
-        </p:nvSpPr>
-        <p:spPr>
-          <a:xfrm>
-            <a:off x="4932040" y="5589240"/>
-            <a:ext cx="648071" cy="369332"/>
-          </a:xfrm>
-          <a:prstGeom prst="rect">
-            <a:avLst/>
-          </a:prstGeom>
-          <a:noFill/>
-        </p:spPr>
-        <p:txBody>
-          <a:bodyPr wrap="square" rtlCol="0">
-            <a:spAutoFit/>
-          </a:bodyPr>
-          <a:lstStyle/>
-          <a:p>
-            <a:r>
-              <a:rPr kumimoji="1" lang="en-US" altLang="ja-JP" dirty="0" smtClean="0">
-                <a:solidFill>
-                  <a:srgbClr val="FF0000"/>
-                </a:solidFill>
-              </a:rPr>
-              <a:t>YES</a:t>
-            </a:r>
-            <a:endParaRPr kumimoji="1" lang="ja-JP" altLang="en-US" dirty="0">
-              <a:solidFill>
-                <a:srgbClr val="FF0000"/>
-              </a:solidFill>
-            </a:endParaRPr>
-          </a:p>
-        </p:txBody>
-      </p:sp>
-      <p:sp>
-        <p:nvSpPr>
-          <p:cNvPr id="50" name="テキスト ボックス 49"/>
-          <p:cNvSpPr txBox="1"/>
-          <p:nvPr/>
-        </p:nvSpPr>
-        <p:spPr>
-          <a:xfrm>
-            <a:off x="6418947" y="5014556"/>
-            <a:ext cx="565403" cy="369332"/>
-          </a:xfrm>
-          <a:prstGeom prst="rect">
-            <a:avLst/>
-          </a:prstGeom>
-          <a:noFill/>
-        </p:spPr>
-        <p:txBody>
-          <a:bodyPr wrap="square" rtlCol="0">
-            <a:spAutoFit/>
-          </a:bodyPr>
-          <a:lstStyle/>
-          <a:p>
-            <a:pPr algn="ctr"/>
-            <a:r>
-              <a:rPr kumimoji="1" lang="en-US" altLang="ja-JP" dirty="0" smtClean="0">
-                <a:solidFill>
-                  <a:srgbClr val="FF0000"/>
-                </a:solidFill>
-              </a:rPr>
-              <a:t>NO</a:t>
-            </a:r>
+            <a:r>
+              <a:rPr lang="en-US" altLang="ja-JP" dirty="0" smtClean="0"/>
+              <a:t>ΔD(E)</a:t>
+            </a:r>
+            <a:r>
+              <a:rPr lang="ja-JP" altLang="en-US" dirty="0" smtClean="0"/>
+              <a:t>は固有値の前後で符号が変化するので、固有値</a:t>
+            </a:r>
+            <a:r>
+              <a:rPr lang="en-US" altLang="ja-JP" dirty="0" smtClean="0"/>
+              <a:t>E</a:t>
+            </a:r>
+            <a:r>
+              <a:rPr lang="ja-JP" altLang="en-US" dirty="0" smtClean="0"/>
+              <a:t>を探索するアルゴリズムは以下のようになる。</a:t>
+            </a:r>
+            <a:endParaRPr lang="en-US" altLang="ja-JP" dirty="0" smtClean="0"/>
+          </a:p>
+          <a:p>
+            <a:pPr lvl="1"/>
+            <a:r>
+              <a:rPr kumimoji="1" lang="en-US" altLang="ja-JP" dirty="0" smtClean="0"/>
+              <a:t>(1) E</a:t>
+            </a:r>
+            <a:r>
+              <a:rPr kumimoji="1" lang="ja-JP" altLang="en-US" dirty="0" smtClean="0"/>
+              <a:t>をスキャンし、</a:t>
+            </a:r>
+            <a:r>
+              <a:rPr lang="en-US" altLang="ja-JP" dirty="0" smtClean="0"/>
+              <a:t>ΔD(E)</a:t>
+            </a:r>
+            <a:r>
+              <a:rPr lang="ja-JP" altLang="en-US" dirty="0" smtClean="0"/>
+              <a:t>の符号が変化する領域を探す。</a:t>
+            </a:r>
+            <a:endParaRPr lang="en-US" altLang="ja-JP" dirty="0" smtClean="0"/>
+          </a:p>
+          <a:p>
+            <a:pPr lvl="1"/>
+            <a:r>
+              <a:rPr kumimoji="1" lang="en-US" altLang="ja-JP" dirty="0" smtClean="0"/>
+              <a:t>(2) </a:t>
+            </a:r>
+            <a:r>
+              <a:rPr kumimoji="1" lang="ja-JP" altLang="en-US" dirty="0" smtClean="0"/>
+              <a:t>符号が変化する領域が見つかったら、</a:t>
+            </a:r>
+            <a:r>
+              <a:rPr lang="ja-JP" altLang="en-US" dirty="0" smtClean="0"/>
+              <a:t>その</a:t>
+            </a:r>
+            <a:r>
+              <a:rPr lang="ja-JP" altLang="en-US" dirty="0"/>
+              <a:t>領域内</a:t>
+            </a:r>
+            <a:r>
+              <a:rPr lang="ja-JP" altLang="en-US" dirty="0" smtClean="0"/>
+              <a:t>で、代数方程式の根を求める（非常に優れた）アルゴリズムである、</a:t>
+            </a:r>
+            <a:r>
+              <a:rPr lang="en-US" altLang="ja-JP" dirty="0" smtClean="0"/>
+              <a:t>Brent</a:t>
+            </a:r>
+            <a:r>
+              <a:rPr lang="ja-JP" altLang="en-US" dirty="0" smtClean="0"/>
+              <a:t>法（これは</a:t>
+            </a:r>
+            <a:r>
+              <a:rPr lang="en-US" altLang="ja-JP" dirty="0" smtClean="0"/>
+              <a:t>GSL</a:t>
+            </a:r>
+            <a:r>
+              <a:rPr lang="ja-JP" altLang="en-US" dirty="0" smtClean="0"/>
+              <a:t>を使う）を用いて、</a:t>
+            </a:r>
+            <a:r>
+              <a:rPr lang="en-US" altLang="ja-JP" dirty="0" smtClean="0"/>
+              <a:t>ΔD(E) = 0</a:t>
+            </a:r>
+            <a:r>
+              <a:rPr lang="ja-JP" altLang="en-US" dirty="0" smtClean="0"/>
+              <a:t>の根を求める。</a:t>
+            </a:r>
+            <a:endParaRPr lang="en-US" altLang="ja-JP" dirty="0" smtClean="0"/>
+          </a:p>
+          <a:p>
+            <a:pPr lvl="1"/>
+            <a:r>
+              <a:rPr kumimoji="1" lang="en-US" altLang="ja-JP" dirty="0" smtClean="0"/>
+              <a:t>(3) </a:t>
+            </a:r>
+            <a:r>
+              <a:rPr kumimoji="1" lang="ja-JP" altLang="en-US" dirty="0" smtClean="0"/>
+              <a:t>求まった根が目的の固有値</a:t>
+            </a:r>
+            <a:r>
+              <a:rPr kumimoji="1" lang="en-US" altLang="ja-JP" dirty="0" smtClean="0"/>
+              <a:t>E</a:t>
+            </a:r>
+            <a:r>
+              <a:rPr kumimoji="1" lang="ja-JP" altLang="en-US" dirty="0" smtClean="0"/>
+              <a:t>である。</a:t>
+            </a:r>
+            <a:endParaRPr kumimoji="1" lang="ja-JP" altLang="en-US" dirty="0"/>
           </a:p>
         </p:txBody>
       </p:sp>
     </p:spTree>
     <p:extLst>
       <p:ext uri="{BB962C8B-B14F-4D97-AF65-F5344CB8AC3E}">
-        <p14:creationId xmlns:p14="http://schemas.microsoft.com/office/powerpoint/2010/main" val="2469838310"/>
+        <p14:creationId xmlns:p14="http://schemas.microsoft.com/office/powerpoint/2010/main" val="2587514989"/>
       </p:ext>
     </p:extLst>
   </p:cSld>
@@ -9719,12 +8766,8 @@
           <a:lstStyle/>
           <a:p>
             <a:r>
-              <a:rPr kumimoji="1" lang="en-US" altLang="ja-JP" dirty="0" smtClean="0"/>
-              <a:t>T-F</a:t>
-            </a:r>
-            <a:r>
-              <a:rPr kumimoji="1" lang="ja-JP" altLang="en-US" dirty="0" smtClean="0"/>
-              <a:t>方程式の数値解</a:t>
+              <a:rPr kumimoji="1" lang="ja-JP" altLang="en-US" smtClean="0"/>
+              <a:t>波動関数の正規化</a:t>
             </a:r>
             <a:endParaRPr kumimoji="1" lang="ja-JP" altLang="en-US" dirty="0"/>
           </a:p>
@@ -9740,193 +8783,179 @@
             <p:ph sz="quarter" idx="1"/>
           </p:nvPr>
         </p:nvSpPr>
-        <p:spPr>
-          <a:xfrm>
-            <a:off x="612648" y="1600200"/>
-            <a:ext cx="8153400" cy="5213176"/>
-          </a:xfrm>
-        </p:spPr>
+        <p:spPr/>
         <p:txBody>
           <a:bodyPr>
-            <a:normAutofit fontScale="92500"/>
+            <a:normAutofit/>
           </a:bodyPr>
           <a:lstStyle/>
           <a:p>
             <a:r>
               <a:rPr lang="ja-JP" altLang="en-US" dirty="0" smtClean="0"/>
-              <a:t>以上の解法で得た</a:t>
+              <a:t>見つかった固有値</a:t>
             </a:r>
             <a:r>
               <a:rPr lang="en-US" altLang="ja-JP" dirty="0" smtClean="0"/>
-              <a:t>T-F</a:t>
-            </a:r>
-            <a:r>
-              <a:rPr lang="ja-JP" altLang="en-US" dirty="0" smtClean="0"/>
-              <a:t>方程式の数値解</a:t>
+              <a:t>E</a:t>
+            </a:r>
+            <a:r>
+              <a:rPr lang="ja-JP" altLang="en-US" dirty="0" smtClean="0"/>
+              <a:t>に対して、以下の順序で波動関数を求める。</a:t>
+            </a:r>
+            <a:endParaRPr lang="en-US" altLang="ja-JP" dirty="0" smtClean="0"/>
+          </a:p>
+          <a:p>
+            <a:pPr marL="320040" lvl="1" indent="-320040">
+              <a:spcBef>
+                <a:spcPts val="700"/>
+              </a:spcBef>
+              <a:buClr>
+                <a:schemeClr val="accent2"/>
+              </a:buClr>
+              <a:buSzPct val="60000"/>
+              <a:buFont typeface="Wingdings"/>
+              <a:buChar char=""/>
+            </a:pPr>
+            <a:r>
+              <a:rPr lang="en-US" altLang="ja-JP" dirty="0" smtClean="0"/>
+              <a:t>(1) L</a:t>
+            </a:r>
+            <a:r>
+              <a:rPr lang="en-US" altLang="ja-JP" baseline="-25000" dirty="0" smtClean="0"/>
+              <a:t>nl,O</a:t>
+            </a:r>
+            <a:r>
+              <a:rPr lang="en-US" altLang="ja-JP" dirty="0" smtClean="0"/>
+              <a:t>(x</a:t>
+            </a:r>
+            <a:r>
+              <a:rPr lang="en-US" altLang="ja-JP" dirty="0"/>
+              <a:t>)</a:t>
             </a:r>
             <a:r>
               <a:rPr lang="ja-JP" altLang="en-US" dirty="0"/>
-              <a:t>は</a:t>
-            </a:r>
-            <a:r>
-              <a:rPr lang="ja-JP" altLang="en-US" dirty="0" smtClean="0"/>
-              <a:t>、文献</a:t>
-            </a:r>
-            <a:r>
-              <a:rPr lang="en-US" altLang="ja-JP" baseline="30000" dirty="0" smtClean="0"/>
-              <a:t>[1]</a:t>
-            </a:r>
-            <a:r>
-              <a:rPr lang="ja-JP" altLang="en-US" dirty="0" smtClean="0"/>
-              <a:t>に載っている、</a:t>
+              <a:t>と</a:t>
+            </a:r>
+            <a:r>
+              <a:rPr lang="en-US" altLang="ja-JP" dirty="0"/>
+              <a:t>L</a:t>
+            </a:r>
+            <a:r>
+              <a:rPr lang="en-US" altLang="ja-JP" baseline="-25000" dirty="0"/>
+              <a:t>nl,I</a:t>
+            </a:r>
+            <a:r>
+              <a:rPr lang="en-US" altLang="ja-JP" dirty="0"/>
+              <a:t>(x)</a:t>
+            </a:r>
+            <a:r>
+              <a:rPr lang="ja-JP" altLang="en-US" dirty="0" err="1"/>
+              <a:t>を</a:t>
+            </a:r>
+            <a:r>
+              <a:rPr lang="ja-JP" altLang="en-US" dirty="0" err="1" smtClean="0"/>
+              <a:t>接</a:t>
+            </a:r>
+            <a:r>
+              <a:rPr lang="ja-JP" altLang="en-US" dirty="0" smtClean="0"/>
+              <a:t>合して</a:t>
+            </a:r>
+            <a:r>
+              <a:rPr lang="en-US" altLang="ja-JP" dirty="0" err="1" smtClean="0"/>
+              <a:t>L</a:t>
+            </a:r>
+            <a:r>
+              <a:rPr lang="en-US" altLang="ja-JP" baseline="-25000" dirty="0" err="1" smtClean="0"/>
+              <a:t>nl</a:t>
             </a:r>
             <a:r>
               <a:rPr lang="en-US" altLang="ja-JP" dirty="0" smtClean="0"/>
-              <a:t>T-F</a:t>
-            </a:r>
-            <a:r>
-              <a:rPr lang="ja-JP" altLang="en-US" dirty="0" smtClean="0"/>
-              <a:t>方程式の解の数表と「ほぼ」一致している。従って、バグは残っていないと判断した。</a:t>
+              <a:t>(x)</a:t>
+            </a:r>
+            <a:r>
+              <a:rPr lang="ja-JP" altLang="en-US" dirty="0" smtClean="0"/>
+              <a:t>を構成する。</a:t>
             </a:r>
             <a:endParaRPr lang="en-US" altLang="ja-JP" dirty="0" smtClean="0"/>
           </a:p>
           <a:p>
-            <a:r>
-              <a:rPr kumimoji="1" lang="en-US" altLang="ja-JP" dirty="0" smtClean="0"/>
-              <a:t>T-F</a:t>
-            </a:r>
-            <a:r>
-              <a:rPr kumimoji="1" lang="ja-JP" altLang="en-US" dirty="0" smtClean="0"/>
-              <a:t>方程式の解から得られる中性原子のエネルギーは、</a:t>
-            </a:r>
-            <a:r>
-              <a:rPr kumimoji="1" lang="en-US" altLang="ja-JP" dirty="0" smtClean="0"/>
-              <a:t>Z</a:t>
-            </a:r>
-            <a:r>
-              <a:rPr kumimoji="1" lang="ja-JP" altLang="en-US" dirty="0" smtClean="0"/>
-              <a:t>を原子番号として、</a:t>
-            </a:r>
-            <a:endParaRPr kumimoji="1" lang="en-US" altLang="ja-JP" dirty="0"/>
-          </a:p>
-          <a:p>
+            <a:pPr marL="320040" lvl="1" indent="-320040">
+              <a:spcBef>
+                <a:spcPts val="700"/>
+              </a:spcBef>
+              <a:buClr>
+                <a:schemeClr val="accent2"/>
+              </a:buClr>
+              <a:buSzPct val="60000"/>
+              <a:buFont typeface="Wingdings"/>
+              <a:buChar char=""/>
+            </a:pPr>
+            <a:endParaRPr lang="en-US" altLang="ja-JP" dirty="0"/>
+          </a:p>
+          <a:p>
+            <a:pPr marL="320040" lvl="1" indent="-320040">
+              <a:spcBef>
+                <a:spcPts val="700"/>
+              </a:spcBef>
+              <a:buClr>
+                <a:schemeClr val="accent2"/>
+              </a:buClr>
+              <a:buSzPct val="60000"/>
+              <a:buFont typeface="Wingdings"/>
+              <a:buChar char=""/>
+            </a:pPr>
             <a:endParaRPr lang="en-US" altLang="ja-JP" dirty="0" smtClean="0"/>
           </a:p>
           <a:p>
-            <a:r>
-              <a:rPr lang="ja-JP" altLang="en-US" dirty="0" smtClean="0"/>
-              <a:t>である。ここで、</a:t>
-            </a:r>
+            <a:pPr marL="320040" lvl="1" indent="-320040">
+              <a:spcBef>
+                <a:spcPts val="700"/>
+              </a:spcBef>
+              <a:buClr>
+                <a:schemeClr val="accent2"/>
+              </a:buClr>
+              <a:buSzPct val="60000"/>
+              <a:buFont typeface="Wingdings"/>
+              <a:buChar char=""/>
+            </a:pPr>
             <a:r>
               <a:rPr lang="en-US" altLang="ja-JP" dirty="0" smtClean="0"/>
-              <a:t>y’(0)</a:t>
-            </a:r>
-            <a:r>
-              <a:rPr lang="ja-JP" altLang="en-US" dirty="0" err="1" smtClean="0"/>
-              <a:t>は適</a:t>
-            </a:r>
-            <a:r>
-              <a:rPr lang="ja-JP" altLang="en-US" dirty="0" smtClean="0"/>
-              <a:t>合点への狙い撃ち法で得た値を使う（この値も文献</a:t>
-            </a:r>
-            <a:r>
-              <a:rPr lang="en-US" altLang="ja-JP" baseline="30000" dirty="0" smtClean="0"/>
-              <a:t>[1]</a:t>
-            </a:r>
-            <a:r>
-              <a:rPr lang="ja-JP" altLang="en-US" dirty="0" smtClean="0"/>
-              <a:t>の値とほぼ一致している）。</a:t>
-            </a:r>
+              <a:t>(2)</a:t>
+            </a:r>
+            <a:r>
+              <a:rPr lang="en-US" altLang="ja-JP" dirty="0"/>
+              <a:t> </a:t>
+            </a:r>
+            <a:r>
+              <a:rPr lang="ja-JP" altLang="en-US" dirty="0" smtClean="0"/>
+              <a:t>以下の式により、</a:t>
+            </a:r>
+            <a:r>
+              <a:rPr lang="en-US" altLang="ja-JP" dirty="0" err="1" smtClean="0"/>
+              <a:t>L</a:t>
+            </a:r>
+            <a:r>
+              <a:rPr lang="en-US" altLang="ja-JP" baseline="-25000" dirty="0" err="1" smtClean="0"/>
+              <a:t>nl</a:t>
+            </a:r>
+            <a:r>
+              <a:rPr lang="en-US" altLang="ja-JP" dirty="0" smtClean="0"/>
+              <a:t>(x)</a:t>
+            </a:r>
+            <a:r>
+              <a:rPr lang="ja-JP" altLang="en-US" dirty="0" smtClean="0"/>
+              <a:t>を正規化する。</a:t>
+            </a:r>
+            <a:endParaRPr lang="en-US" altLang="ja-JP" dirty="0"/>
+          </a:p>
+          <a:p>
             <a:endParaRPr lang="en-US" altLang="ja-JP" dirty="0" smtClean="0"/>
-          </a:p>
-          <a:p>
-            <a:endParaRPr lang="en-US" altLang="ja-JP" sz="1700" dirty="0" smtClean="0"/>
-          </a:p>
-          <a:p>
-            <a:r>
-              <a:rPr lang="en-US" altLang="ja-JP" sz="1700" dirty="0" smtClean="0"/>
-              <a:t>[1] E. U. Condon, </a:t>
-            </a:r>
-            <a:r>
-              <a:rPr lang="en-US" altLang="ja-JP" sz="1700" dirty="0" err="1" smtClean="0"/>
-              <a:t>Halis</a:t>
-            </a:r>
-            <a:r>
-              <a:rPr lang="en-US" altLang="ja-JP" sz="1700" dirty="0" smtClean="0"/>
-              <a:t> </a:t>
-            </a:r>
-            <a:r>
-              <a:rPr lang="en-US" altLang="ja-JP" sz="1700" dirty="0" err="1" smtClean="0"/>
-              <a:t>Odabasi</a:t>
-            </a:r>
-            <a:r>
-              <a:rPr lang="en-US" altLang="ja-JP" sz="1700" dirty="0" smtClean="0"/>
-              <a:t>. </a:t>
-            </a:r>
-            <a:r>
-              <a:rPr lang="en-US" altLang="ja-JP" sz="1700" i="1" dirty="0" smtClean="0"/>
-              <a:t>Atomic Structure</a:t>
-            </a:r>
-            <a:r>
-              <a:rPr lang="en-US" altLang="ja-JP" sz="1700" dirty="0" smtClean="0"/>
-              <a:t>, Cambridge University Press,</a:t>
-            </a:r>
-            <a:r>
-              <a:rPr lang="ja-JP" altLang="en-US" sz="1700" dirty="0" smtClean="0"/>
-              <a:t> </a:t>
-            </a:r>
-            <a:r>
-              <a:rPr lang="en-US" altLang="ja-JP" sz="1700" dirty="0" smtClean="0"/>
-              <a:t>Cambridge, 1980</a:t>
-            </a:r>
-          </a:p>
-          <a:p>
-            <a:r>
-              <a:rPr lang="ja-JP" altLang="en-US" sz="1700" dirty="0" smtClean="0"/>
-              <a:t>ちなみにこの本は</a:t>
-            </a:r>
-            <a:r>
-              <a:rPr lang="en-US" altLang="ja-JP" sz="1700" dirty="0" smtClean="0"/>
-              <a:t>Google </a:t>
-            </a:r>
-            <a:r>
-              <a:rPr lang="ja-JP" altLang="en-US" sz="1700" dirty="0" smtClean="0"/>
-              <a:t>ブックスで（全部ではないが）読める。数表のページの</a:t>
-            </a:r>
-            <a:r>
-              <a:rPr lang="en-US" altLang="ja-JP" sz="1700" dirty="0" smtClean="0"/>
-              <a:t>URL</a:t>
-            </a:r>
-            <a:r>
-              <a:rPr lang="ja-JP" altLang="en-US" sz="1700" dirty="0" smtClean="0"/>
-              <a:t>はこちら</a:t>
-            </a:r>
-            <a:r>
-              <a:rPr lang="en-US" altLang="ja-JP" sz="1700" dirty="0" smtClean="0"/>
-              <a:t>: </a:t>
-            </a:r>
-            <a:r>
-              <a:rPr lang="ja-JP" altLang="en-US" sz="1700" dirty="0" smtClean="0"/>
-              <a:t> </a:t>
-            </a:r>
-            <a:r>
-              <a:rPr lang="en-US" altLang="ja-JP" sz="1700" dirty="0" smtClean="0"/>
-              <a:t>http</a:t>
-            </a:r>
-            <a:r>
-              <a:rPr lang="en-US" altLang="ja-JP" sz="1700" dirty="0"/>
-              <a:t>://bit.ly/1fRQ71T</a:t>
-            </a:r>
-            <a:endParaRPr lang="en-US" altLang="ja-JP" sz="1700" dirty="0" smtClean="0"/>
-          </a:p>
-          <a:p>
-            <a:endParaRPr kumimoji="1" lang="ja-JP" altLang="en-US" sz="1700" dirty="0"/>
           </a:p>
         </p:txBody>
       </p:sp>
       <p:pic>
         <p:nvPicPr>
-          <p:cNvPr id="6" name="図 5"/>
+          <p:cNvPr id="7" name="図 6"/>
           <p:cNvPicPr>
             <a:picLocks noChangeAspect="1"/>
           </p:cNvPicPr>
@@ -9937,7 +8966,7 @@
           </p:nvPr>
         </p:nvPicPr>
         <p:blipFill>
-          <a:blip r:embed="rId3" cstate="print">
+          <a:blip r:embed="rId4" cstate="print">
             <a:extLst>
               <a:ext uri="{28A0092B-C50C-407E-A947-70E740481C1C}">
                 <a14:useLocalDpi xmlns:a14="http://schemas.microsoft.com/office/drawing/2010/main" val="0"/>
@@ -9950,8 +8979,42 @@
         </p:blipFill>
         <p:spPr>
           <a:xfrm>
-            <a:off x="1077653" y="3806195"/>
-            <a:ext cx="2582335" cy="662384"/>
+            <a:off x="1052409" y="3056384"/>
+            <a:ext cx="6095077" cy="1050694"/>
+          </a:xfrm>
+          <a:prstGeom prst="rect">
+            <a:avLst/>
+          </a:prstGeom>
+        </p:spPr>
+      </p:pic>
+      <p:pic>
+        <p:nvPicPr>
+          <p:cNvPr id="10" name="図 9"/>
+          <p:cNvPicPr>
+            <a:picLocks noChangeAspect="1"/>
+          </p:cNvPicPr>
+          <p:nvPr>
+            <p:custDataLst>
+              <p:tags r:id="rId2"/>
+            </p:custDataLst>
+          </p:nvPr>
+        </p:nvPicPr>
+        <p:blipFill>
+          <a:blip r:embed="rId5" cstate="print">
+            <a:extLst>
+              <a:ext uri="{28A0092B-C50C-407E-A947-70E740481C1C}">
+                <a14:useLocalDpi xmlns:a14="http://schemas.microsoft.com/office/drawing/2010/main" val="0"/>
+              </a:ext>
+            </a:extLst>
+          </a:blip>
+          <a:stretch>
+            <a:fillRect/>
+          </a:stretch>
+        </p:blipFill>
+        <p:spPr>
+          <a:xfrm>
+            <a:off x="1068207" y="4509120"/>
+            <a:ext cx="4388571" cy="1485714"/>
           </a:xfrm>
           <a:prstGeom prst="rect">
             <a:avLst/>
@@ -9961,7 +9024,7 @@
     </p:spTree>
     <p:extLst>
       <p:ext uri="{BB962C8B-B14F-4D97-AF65-F5344CB8AC3E}">
-        <p14:creationId xmlns:p14="http://schemas.microsoft.com/office/powerpoint/2010/main" val="3961444378"/>
+        <p14:creationId xmlns:p14="http://schemas.microsoft.com/office/powerpoint/2010/main" val="4016905351"/>
       </p:ext>
     </p:extLst>
   </p:cSld>
@@ -9995,38 +9058,13 @@
           <a:chExt cx="0" cy="0"/>
         </a:xfrm>
       </p:grpSpPr>
-      <p:sp>
-        <p:nvSpPr>
-          <p:cNvPr id="2" name="タイトル 1"/>
-          <p:cNvSpPr>
-            <a:spLocks noGrp="1"/>
-          </p:cNvSpPr>
-          <p:nvPr>
-            <p:ph type="title"/>
-          </p:nvPr>
-        </p:nvSpPr>
-        <p:spPr/>
-        <p:txBody>
-          <a:bodyPr/>
-          <a:lstStyle/>
-          <a:p>
-            <a:r>
-              <a:rPr lang="ja-JP" altLang="en-US" dirty="0"/>
-              <a:t>実行画面</a:t>
-            </a:r>
-            <a:endParaRPr kumimoji="1" lang="ja-JP" altLang="en-US" dirty="0"/>
-          </a:p>
-        </p:txBody>
-      </p:sp>
       <p:pic>
         <p:nvPicPr>
-          <p:cNvPr id="6" name="コンテンツ プレースホルダー 5"/>
+          <p:cNvPr id="7" name="Picture 2" descr="C:\cygwin64\home\HP\fukui_sono2\1s_2s_3s_node.png"/>
           <p:cNvPicPr>
-            <a:picLocks noGrp="1" noChangeAspect="1"/>
+            <a:picLocks noChangeAspect="1" noChangeArrowheads="1"/>
           </p:cNvPicPr>
-          <p:nvPr>
-            <p:ph sz="quarter" idx="1"/>
-          </p:nvPr>
+          <p:nvPr/>
         </p:nvPicPr>
         <p:blipFill>
           <a:blip r:embed="rId2">
@@ -10036,21 +9074,311 @@
               </a:ext>
             </a:extLst>
           </a:blip>
+          <a:srcRect/>
           <a:stretch>
             <a:fillRect/>
           </a:stretch>
         </p:blipFill>
+        <p:spPr bwMode="auto">
+          <a:xfrm>
+            <a:off x="2411759" y="3126162"/>
+            <a:ext cx="4752529" cy="3564397"/>
+          </a:xfrm>
+          <a:prstGeom prst="rect">
+            <a:avLst/>
+          </a:prstGeom>
+          <a:noFill/>
+          <a:extLst>
+            <a:ext uri="{909E8E84-426E-40DD-AFC4-6F175D3DCCD1}">
+              <a14:hiddenFill xmlns:a14="http://schemas.microsoft.com/office/drawing/2010/main">
+                <a:solidFill>
+                  <a:srgbClr val="FFFFFF"/>
+                </a:solidFill>
+              </a14:hiddenFill>
+            </a:ext>
+          </a:extLst>
+        </p:spPr>
+      </p:pic>
+      <p:sp>
+        <p:nvSpPr>
+          <p:cNvPr id="2" name="タイトル 1"/>
+          <p:cNvSpPr>
+            <a:spLocks noGrp="1"/>
+          </p:cNvSpPr>
+          <p:nvPr>
+            <p:ph type="title"/>
+          </p:nvPr>
+        </p:nvSpPr>
+        <p:spPr/>
+        <p:txBody>
+          <a:bodyPr/>
+          <a:lstStyle/>
+          <a:p>
+            <a:r>
+              <a:rPr kumimoji="1" lang="ja-JP" altLang="en-US" dirty="0" smtClean="0"/>
+              <a:t>波動関数のノード数</a:t>
+            </a:r>
+            <a:endParaRPr kumimoji="1" lang="ja-JP" altLang="en-US" dirty="0"/>
+          </a:p>
+        </p:txBody>
+      </p:sp>
+      <p:sp>
+        <p:nvSpPr>
+          <p:cNvPr id="3" name="コンテンツ プレースホルダー 2"/>
+          <p:cNvSpPr>
+            <a:spLocks noGrp="1"/>
+          </p:cNvSpPr>
+          <p:nvPr>
+            <p:ph sz="quarter" idx="1"/>
+          </p:nvPr>
+        </p:nvSpPr>
+        <p:spPr/>
+        <p:txBody>
+          <a:bodyPr/>
+          <a:lstStyle/>
+          <a:p>
+            <a:r>
+              <a:rPr kumimoji="1" lang="ja-JP" altLang="en-US" dirty="0" smtClean="0"/>
+              <a:t>それぞれの波動関数のノード数は</a:t>
+            </a:r>
+            <a:r>
+              <a:rPr kumimoji="1" lang="en-US" altLang="ja-JP" dirty="0" smtClean="0"/>
+              <a:t>n – l – 1</a:t>
+            </a:r>
+            <a:r>
+              <a:rPr kumimoji="1" lang="ja-JP" altLang="en-US" dirty="0" smtClean="0"/>
+              <a:t>となる。</a:t>
+            </a:r>
+            <a:endParaRPr kumimoji="1" lang="en-US" altLang="ja-JP" dirty="0" smtClean="0"/>
+          </a:p>
+          <a:p>
+            <a:r>
+              <a:rPr lang="ja-JP" altLang="en-US" dirty="0"/>
+              <a:t>重複して解を</a:t>
+            </a:r>
+            <a:r>
+              <a:rPr lang="ja-JP" altLang="en-US" dirty="0" smtClean="0"/>
+              <a:t>求めてしまわないように、</a:t>
+            </a:r>
+            <a:r>
+              <a:rPr kumimoji="1" lang="ja-JP" altLang="en-US" dirty="0" smtClean="0"/>
+              <a:t>ノード数が適切なものになっているか調べる必要がある。</a:t>
+            </a:r>
+            <a:endParaRPr kumimoji="1" lang="ja-JP" altLang="en-US" dirty="0"/>
+          </a:p>
+        </p:txBody>
+      </p:sp>
+      <p:sp>
+        <p:nvSpPr>
+          <p:cNvPr id="4" name="円/楕円 3"/>
+          <p:cNvSpPr/>
+          <p:nvPr/>
+        </p:nvSpPr>
         <p:spPr>
           <a:xfrm>
-            <a:off x="1602602" y="1600200"/>
-            <a:ext cx="6173745" cy="4495800"/>
+            <a:off x="3575998" y="5610752"/>
+            <a:ext cx="288032" cy="288032"/>
           </a:xfrm>
+          <a:prstGeom prst="ellipse">
+            <a:avLst/>
+          </a:prstGeom>
+          <a:noFill/>
+          <a:ln>
+            <a:solidFill>
+              <a:srgbClr val="FF0000"/>
+            </a:solidFill>
+          </a:ln>
         </p:spPr>
-      </p:pic>
+        <p:style>
+          <a:lnRef idx="2">
+            <a:schemeClr val="accent1">
+              <a:shade val="50000"/>
+            </a:schemeClr>
+          </a:lnRef>
+          <a:fillRef idx="1">
+            <a:schemeClr val="accent1"/>
+          </a:fillRef>
+          <a:effectRef idx="0">
+            <a:schemeClr val="accent1"/>
+          </a:effectRef>
+          <a:fontRef idx="minor">
+            <a:schemeClr val="lt1"/>
+          </a:fontRef>
+        </p:style>
+        <p:txBody>
+          <a:bodyPr rtlCol="0" anchor="ctr"/>
+          <a:lstStyle/>
+          <a:p>
+            <a:pPr algn="ctr"/>
+            <a:endParaRPr kumimoji="1" lang="ja-JP" altLang="en-US"/>
+          </a:p>
+        </p:txBody>
+      </p:sp>
+      <p:sp>
+        <p:nvSpPr>
+          <p:cNvPr id="6" name="円/楕円 5"/>
+          <p:cNvSpPr/>
+          <p:nvPr/>
+        </p:nvSpPr>
+        <p:spPr>
+          <a:xfrm>
+            <a:off x="5357031" y="5602270"/>
+            <a:ext cx="288032" cy="288032"/>
+          </a:xfrm>
+          <a:prstGeom prst="ellipse">
+            <a:avLst/>
+          </a:prstGeom>
+          <a:noFill/>
+          <a:ln>
+            <a:solidFill>
+              <a:srgbClr val="FF0000"/>
+            </a:solidFill>
+          </a:ln>
+        </p:spPr>
+        <p:style>
+          <a:lnRef idx="2">
+            <a:schemeClr val="accent1">
+              <a:shade val="50000"/>
+            </a:schemeClr>
+          </a:lnRef>
+          <a:fillRef idx="1">
+            <a:schemeClr val="accent1"/>
+          </a:fillRef>
+          <a:effectRef idx="0">
+            <a:schemeClr val="accent1"/>
+          </a:effectRef>
+          <a:fontRef idx="minor">
+            <a:schemeClr val="lt1"/>
+          </a:fontRef>
+        </p:style>
+        <p:txBody>
+          <a:bodyPr rtlCol="0" anchor="ctr"/>
+          <a:lstStyle/>
+          <a:p>
+            <a:pPr algn="ctr"/>
+            <a:endParaRPr kumimoji="1" lang="ja-JP" altLang="en-US"/>
+          </a:p>
+        </p:txBody>
+      </p:sp>
+      <p:sp>
+        <p:nvSpPr>
+          <p:cNvPr id="5" name="テキスト ボックス 4"/>
+          <p:cNvSpPr txBox="1"/>
+          <p:nvPr/>
+        </p:nvSpPr>
+        <p:spPr>
+          <a:xfrm>
+            <a:off x="899592" y="3789040"/>
+            <a:ext cx="1944216" cy="523220"/>
+          </a:xfrm>
+          <a:prstGeom prst="rect">
+            <a:avLst/>
+          </a:prstGeom>
+          <a:noFill/>
+        </p:spPr>
+        <p:txBody>
+          <a:bodyPr wrap="square" rtlCol="0">
+            <a:spAutoFit/>
+          </a:bodyPr>
+          <a:lstStyle/>
+          <a:p>
+            <a:pPr algn="ctr"/>
+            <a:r>
+              <a:rPr kumimoji="1" lang="ja-JP" altLang="en-US" sz="2800" dirty="0" smtClean="0">
+                <a:solidFill>
+                  <a:srgbClr val="FF0000"/>
+                </a:solidFill>
+              </a:rPr>
+              <a:t>ノード（節）</a:t>
+            </a:r>
+            <a:endParaRPr kumimoji="1" lang="ja-JP" altLang="en-US" sz="2800" dirty="0">
+              <a:solidFill>
+                <a:srgbClr val="FF0000"/>
+              </a:solidFill>
+            </a:endParaRPr>
+          </a:p>
+        </p:txBody>
+      </p:sp>
+      <p:cxnSp>
+        <p:nvCxnSpPr>
+          <p:cNvPr id="8" name="直線矢印コネクタ 7"/>
+          <p:cNvCxnSpPr>
+            <a:endCxn id="4" idx="1"/>
+          </p:cNvCxnSpPr>
+          <p:nvPr/>
+        </p:nvCxnSpPr>
+        <p:spPr>
+          <a:xfrm>
+            <a:off x="1763688" y="4221088"/>
+            <a:ext cx="1854491" cy="1431845"/>
+          </a:xfrm>
+          <a:prstGeom prst="straightConnector1">
+            <a:avLst/>
+          </a:prstGeom>
+          <a:ln w="15875">
+            <a:solidFill>
+              <a:srgbClr val="FF0000"/>
+            </a:solidFill>
+            <a:tailEnd type="arrow"/>
+          </a:ln>
+        </p:spPr>
+        <p:style>
+          <a:lnRef idx="1">
+            <a:schemeClr val="accent1"/>
+          </a:lnRef>
+          <a:fillRef idx="0">
+            <a:schemeClr val="accent1"/>
+          </a:fillRef>
+          <a:effectRef idx="0">
+            <a:schemeClr val="accent1"/>
+          </a:effectRef>
+          <a:fontRef idx="minor">
+            <a:schemeClr val="tx1"/>
+          </a:fontRef>
+        </p:style>
+      </p:cxnSp>
+      <p:cxnSp>
+        <p:nvCxnSpPr>
+          <p:cNvPr id="10" name="直線矢印コネクタ 9"/>
+          <p:cNvCxnSpPr>
+            <a:endCxn id="6" idx="1"/>
+          </p:cNvCxnSpPr>
+          <p:nvPr/>
+        </p:nvCxnSpPr>
+        <p:spPr>
+          <a:xfrm>
+            <a:off x="1763688" y="4221088"/>
+            <a:ext cx="3635524" cy="1423363"/>
+          </a:xfrm>
+          <a:prstGeom prst="straightConnector1">
+            <a:avLst/>
+          </a:prstGeom>
+          <a:ln w="15875">
+            <a:solidFill>
+              <a:srgbClr val="FF0000"/>
+            </a:solidFill>
+            <a:tailEnd type="arrow"/>
+          </a:ln>
+        </p:spPr>
+        <p:style>
+          <a:lnRef idx="1">
+            <a:schemeClr val="accent1"/>
+          </a:lnRef>
+          <a:fillRef idx="0">
+            <a:schemeClr val="accent1"/>
+          </a:fillRef>
+          <a:effectRef idx="0">
+            <a:schemeClr val="accent1"/>
+          </a:effectRef>
+          <a:fontRef idx="minor">
+            <a:schemeClr val="tx1"/>
+          </a:fontRef>
+        </p:style>
+      </p:cxnSp>
     </p:spTree>
     <p:extLst>
       <p:ext uri="{BB962C8B-B14F-4D97-AF65-F5344CB8AC3E}">
-        <p14:creationId xmlns:p14="http://schemas.microsoft.com/office/powerpoint/2010/main" val="3257610533"/>
+        <p14:creationId xmlns:p14="http://schemas.microsoft.com/office/powerpoint/2010/main" val="1807857551"/>
       </p:ext>
     </p:extLst>
   </p:cSld>
@@ -10096,56 +9424,131 @@
         </p:nvSpPr>
         <p:spPr/>
         <p:txBody>
-          <a:bodyPr>
-            <a:normAutofit fontScale="90000"/>
-          </a:bodyPr>
+          <a:bodyPr/>
           <a:lstStyle/>
           <a:p>
             <a:r>
-              <a:rPr kumimoji="1" lang="en-US" altLang="ja-JP" dirty="0" smtClean="0"/>
+              <a:rPr lang="ja-JP" altLang="en-US" smtClean="0"/>
+              <a:t>まとめ</a:t>
+            </a:r>
+            <a:endParaRPr lang="ja-JP" altLang="en-US" dirty="0"/>
+          </a:p>
+        </p:txBody>
+      </p:sp>
+      <p:sp>
+        <p:nvSpPr>
+          <p:cNvPr id="3" name="コンテンツ プレースホルダー 2"/>
+          <p:cNvSpPr>
+            <a:spLocks noGrp="1"/>
+          </p:cNvSpPr>
+          <p:nvPr>
+            <p:ph sz="quarter" idx="1"/>
+          </p:nvPr>
+        </p:nvSpPr>
+        <p:spPr/>
+        <p:txBody>
+          <a:bodyPr/>
+          <a:lstStyle/>
+          <a:p>
+            <a:r>
+              <a:rPr lang="en-US" altLang="ja-JP" dirty="0" smtClean="0"/>
               <a:t>Thomas-Fermi</a:t>
             </a:r>
             <a:r>
-              <a:rPr kumimoji="1" lang="ja-JP" altLang="en-US" dirty="0" smtClean="0"/>
-              <a:t>方程式の解のグラフ</a:t>
-            </a:r>
-            <a:endParaRPr kumimoji="1" lang="ja-JP" altLang="en-US" dirty="0"/>
-          </a:p>
-        </p:txBody>
-      </p:sp>
-      <p:pic>
-        <p:nvPicPr>
-          <p:cNvPr id="5" name="コンテンツ プレースホルダー 4"/>
-          <p:cNvPicPr>
-            <a:picLocks noGrp="1" noChangeAspect="1"/>
-          </p:cNvPicPr>
-          <p:nvPr>
-            <p:ph sz="quarter" idx="1"/>
-          </p:nvPr>
-        </p:nvPicPr>
-        <p:blipFill>
-          <a:blip r:embed="rId2">
-            <a:extLst>
-              <a:ext uri="{28A0092B-C50C-407E-A947-70E740481C1C}">
-                <a14:useLocalDpi xmlns:a14="http://schemas.microsoft.com/office/drawing/2010/main" val="0"/>
-              </a:ext>
-            </a:extLst>
-          </a:blip>
-          <a:stretch>
-            <a:fillRect/>
-          </a:stretch>
-        </p:blipFill>
-        <p:spPr>
-          <a:xfrm>
-            <a:off x="1692275" y="1600200"/>
-            <a:ext cx="5994400" cy="4495800"/>
-          </a:xfrm>
-        </p:spPr>
-      </p:pic>
+              <a:rPr lang="ja-JP" altLang="en-US" dirty="0" smtClean="0"/>
+              <a:t>方程式を有限要素（</a:t>
+            </a:r>
+            <a:r>
+              <a:rPr lang="en-US" altLang="ja-JP" dirty="0" smtClean="0"/>
+              <a:t>1</a:t>
+            </a:r>
+            <a:r>
+              <a:rPr lang="ja-JP" altLang="en-US" dirty="0" smtClean="0"/>
+              <a:t>次要素）による離散化と、反復法によって（数値的に）解いた。</a:t>
+            </a:r>
+            <a:endParaRPr lang="en-US" altLang="ja-JP" dirty="0" smtClean="0"/>
+          </a:p>
+          <a:p>
+            <a:r>
+              <a:rPr lang="ja-JP" altLang="en-US" dirty="0" smtClean="0"/>
+              <a:t>得られた結果は、文献の結果とほぼ一致していた。</a:t>
+            </a:r>
+            <a:endParaRPr lang="en-US" altLang="ja-JP" dirty="0" smtClean="0"/>
+          </a:p>
+          <a:p>
+            <a:r>
+              <a:rPr lang="ja-JP" altLang="en-US" dirty="0" smtClean="0"/>
+              <a:t>高速化をめざして、</a:t>
+            </a:r>
+            <a:r>
+              <a:rPr lang="en-US" altLang="ja-JP" dirty="0" smtClean="0"/>
+              <a:t>AVX</a:t>
+            </a:r>
+            <a:r>
+              <a:rPr lang="ja-JP" altLang="en-US" dirty="0" smtClean="0"/>
+              <a:t>によるベクトル化と、</a:t>
+            </a:r>
+            <a:r>
+              <a:rPr lang="en-US" altLang="ja-JP" dirty="0" smtClean="0"/>
+              <a:t>Intel </a:t>
+            </a:r>
+            <a:r>
+              <a:rPr lang="en-US" altLang="ja-JP" dirty="0" err="1" smtClean="0"/>
+              <a:t>Cilk</a:t>
+            </a:r>
+            <a:r>
+              <a:rPr lang="en-US" altLang="ja-JP" dirty="0" smtClean="0"/>
+              <a:t> Plus</a:t>
+            </a:r>
+            <a:r>
+              <a:rPr lang="ja-JP" altLang="en-US" dirty="0" smtClean="0"/>
+              <a:t>による並列化を試みた。</a:t>
+            </a:r>
+            <a:endParaRPr lang="en-US" altLang="ja-JP" dirty="0" smtClean="0"/>
+          </a:p>
+          <a:p>
+            <a:r>
+              <a:rPr lang="en-US" altLang="ja-JP" dirty="0" smtClean="0"/>
+              <a:t>AVX</a:t>
+            </a:r>
+            <a:r>
+              <a:rPr lang="ja-JP" altLang="en-US" dirty="0" smtClean="0"/>
+              <a:t>によるベクトル化は効果がなかったが、</a:t>
+            </a:r>
+            <a:r>
+              <a:rPr lang="en-US" altLang="ja-JP" dirty="0" smtClean="0"/>
+              <a:t>Intel </a:t>
+            </a:r>
+            <a:r>
+              <a:rPr lang="en-US" altLang="ja-JP" dirty="0" err="1" smtClean="0"/>
+              <a:t>Cilk</a:t>
+            </a:r>
+            <a:r>
+              <a:rPr lang="en-US" altLang="ja-JP" dirty="0" smtClean="0"/>
+              <a:t> Plus</a:t>
+            </a:r>
+            <a:r>
+              <a:rPr lang="ja-JP" altLang="en-US" dirty="0" smtClean="0"/>
+              <a:t>による並列化は非常に効果的であった。</a:t>
+            </a:r>
+            <a:endParaRPr lang="en-US" altLang="ja-JP" dirty="0" smtClean="0"/>
+          </a:p>
+          <a:p>
+            <a:r>
+              <a:rPr lang="ja-JP" altLang="en-US" dirty="0" smtClean="0"/>
+              <a:t>ベクトル化、並列化による誤差はほとんどなかった。</a:t>
+            </a:r>
+            <a:endParaRPr lang="en-US" altLang="ja-JP" dirty="0" smtClean="0"/>
+          </a:p>
+          <a:p>
+            <a:endParaRPr lang="ja-JP" altLang="en-US" dirty="0"/>
+          </a:p>
+        </p:txBody>
+      </p:sp>
     </p:spTree>
     <p:extLst>
       <p:ext uri="{BB962C8B-B14F-4D97-AF65-F5344CB8AC3E}">
-        <p14:creationId xmlns:p14="http://schemas.microsoft.com/office/powerpoint/2010/main" val="3058332376"/>
+        <p14:creationId xmlns:p14="http://schemas.microsoft.com/office/powerpoint/2010/main" val="4033363336"/>
       </p:ext>
     </p:extLst>
   </p:cSld>
@@ -10191,119 +9594,12 @@
         </p:nvSpPr>
         <p:spPr/>
         <p:txBody>
-          <a:bodyPr>
-            <a:normAutofit fontScale="90000"/>
-          </a:bodyPr>
-          <a:lstStyle/>
-          <a:p>
-            <a:r>
-              <a:rPr lang="en-US" altLang="ja-JP" dirty="0"/>
-              <a:t>Thomas-Fermi</a:t>
-            </a:r>
-            <a:r>
-              <a:rPr lang="ja-JP" altLang="en-US" dirty="0"/>
-              <a:t>方程式の解の</a:t>
-            </a:r>
-            <a:r>
-              <a:rPr lang="ja-JP" altLang="en-US" dirty="0" smtClean="0"/>
-              <a:t>グラフ（</a:t>
-            </a:r>
-            <a:r>
-              <a:rPr lang="en-US" altLang="ja-JP" dirty="0" smtClean="0"/>
-              <a:t>y</a:t>
-            </a:r>
-            <a:r>
-              <a:rPr lang="ja-JP" altLang="en-US" dirty="0" smtClean="0"/>
-              <a:t>軸対数目盛）</a:t>
-            </a:r>
-            <a:endParaRPr kumimoji="1" lang="ja-JP" altLang="en-US" dirty="0"/>
-          </a:p>
-        </p:txBody>
-      </p:sp>
-      <p:pic>
-        <p:nvPicPr>
-          <p:cNvPr id="5" name="コンテンツ プレースホルダー 4"/>
-          <p:cNvPicPr>
-            <a:picLocks noGrp="1" noChangeAspect="1"/>
-          </p:cNvPicPr>
-          <p:nvPr>
-            <p:ph sz="quarter" idx="1"/>
-          </p:nvPr>
-        </p:nvPicPr>
-        <p:blipFill>
-          <a:blip r:embed="rId2">
-            <a:extLst>
-              <a:ext uri="{28A0092B-C50C-407E-A947-70E740481C1C}">
-                <a14:useLocalDpi xmlns:a14="http://schemas.microsoft.com/office/drawing/2010/main" val="0"/>
-              </a:ext>
-            </a:extLst>
-          </a:blip>
-          <a:stretch>
-            <a:fillRect/>
-          </a:stretch>
-        </p:blipFill>
-        <p:spPr>
-          <a:xfrm>
-            <a:off x="1692275" y="1600200"/>
-            <a:ext cx="5994400" cy="4495800"/>
-          </a:xfrm>
-        </p:spPr>
-      </p:pic>
-    </p:spTree>
-    <p:extLst>
-      <p:ext uri="{BB962C8B-B14F-4D97-AF65-F5344CB8AC3E}">
-        <p14:creationId xmlns:p14="http://schemas.microsoft.com/office/powerpoint/2010/main" val="4281549395"/>
-      </p:ext>
-    </p:extLst>
-  </p:cSld>
-  <p:clrMapOvr>
-    <a:masterClrMapping/>
-  </p:clrMapOvr>
-  <p:timing>
-    <p:tnLst>
-      <p:par>
-        <p:cTn id="1" dur="indefinite" restart="never" nodeType="tmRoot"/>
-      </p:par>
-    </p:tnLst>
-  </p:timing>
-</p:sld>
-</file>
-
-<file path=ppt/slides/slide29.xml><?xml version="1.0" encoding="utf-8"?>
-<p:sld xmlns:a="http://schemas.openxmlformats.org/drawingml/2006/main" xmlns:r="http://schemas.openxmlformats.org/officeDocument/2006/relationships" xmlns:p="http://schemas.openxmlformats.org/presentationml/2006/main">
-  <p:cSld>
-    <p:spTree>
-      <p:nvGrpSpPr>
-        <p:cNvPr id="1" name=""/>
-        <p:cNvGrpSpPr/>
-        <p:nvPr/>
-      </p:nvGrpSpPr>
-      <p:grpSpPr>
-        <a:xfrm>
-          <a:off x="0" y="0"/>
-          <a:ext cx="0" cy="0"/>
-          <a:chOff x="0" y="0"/>
-          <a:chExt cx="0" cy="0"/>
-        </a:xfrm>
-      </p:grpSpPr>
-      <p:sp>
-        <p:nvSpPr>
-          <p:cNvPr id="2" name="タイトル 1"/>
-          <p:cNvSpPr>
-            <a:spLocks noGrp="1"/>
-          </p:cNvSpPr>
-          <p:nvPr>
-            <p:ph type="title"/>
-          </p:nvPr>
-        </p:nvSpPr>
-        <p:spPr/>
-        <p:txBody>
           <a:bodyPr/>
           <a:lstStyle/>
           <a:p>
             <a:r>
-              <a:rPr lang="ja-JP" altLang="en-US" dirty="0" smtClean="0"/>
-              <a:t>ベクトル化と並列化</a:t>
+              <a:rPr kumimoji="1" lang="ja-JP" altLang="en-US" dirty="0" smtClean="0"/>
+              <a:t>参考サイト</a:t>
             </a:r>
             <a:endParaRPr kumimoji="1" lang="ja-JP" altLang="en-US" dirty="0"/>
           </a:p>
@@ -10319,186 +9615,57 @@
             <p:ph sz="quarter" idx="1"/>
           </p:nvPr>
         </p:nvSpPr>
-        <p:spPr>
-          <a:xfrm>
-            <a:off x="612648" y="1600200"/>
-            <a:ext cx="8153400" cy="5141168"/>
-          </a:xfrm>
-        </p:spPr>
-        <p:txBody>
-          <a:bodyPr>
-            <a:normAutofit fontScale="92500" lnSpcReduction="20000"/>
-          </a:bodyPr>
+        <p:spPr/>
+        <p:txBody>
+          <a:bodyPr/>
           <a:lstStyle/>
           <a:p>
             <a:r>
-              <a:rPr kumimoji="1" lang="ja-JP" altLang="en-US" dirty="0" smtClean="0"/>
-              <a:t>次に、</a:t>
-            </a:r>
-            <a:r>
               <a:rPr kumimoji="1" lang="en-US" altLang="ja-JP" dirty="0" smtClean="0"/>
-              <a:t>AVX</a:t>
-            </a:r>
-            <a:r>
-              <a:rPr kumimoji="1" lang="ja-JP" altLang="en-US" dirty="0" smtClean="0"/>
-              <a:t>命令によるベクトル化と、</a:t>
-            </a:r>
-            <a:r>
-              <a:rPr kumimoji="1" lang="en-US" altLang="ja-JP" dirty="0" smtClean="0"/>
-              <a:t>Intel </a:t>
-            </a:r>
-            <a:r>
-              <a:rPr kumimoji="1" lang="en-US" altLang="ja-JP" dirty="0" err="1" smtClean="0"/>
-              <a:t>Cilk</a:t>
-            </a:r>
-            <a:r>
-              <a:rPr kumimoji="1" lang="en-US" altLang="ja-JP" dirty="0" smtClean="0"/>
-              <a:t> Plus</a:t>
-            </a:r>
-            <a:r>
-              <a:rPr kumimoji="1" lang="ja-JP" altLang="en-US" dirty="0" smtClean="0"/>
-              <a:t>による（手動の）並列化を</a:t>
-            </a:r>
+              <a:t>Internet-College of Finite </a:t>
+            </a:r>
+            <a:r>
+              <a:rPr lang="en-US" altLang="ja-JP" dirty="0"/>
+              <a:t>Element Method: http://</a:t>
+            </a:r>
+            <a:r>
+              <a:rPr lang="en-US" altLang="ja-JP" dirty="0" smtClean="0"/>
+              <a:t>www.fem.gr.jp/index.html</a:t>
+            </a:r>
+          </a:p>
+          <a:p>
             <a:r>
               <a:rPr lang="ja-JP" altLang="en-US" dirty="0"/>
-              <a:t>試みた（コンパイラによる自動並列化（</a:t>
+              <a:t>有限要素法プログラミング演習（</a:t>
+            </a:r>
+            <a:r>
+              <a:rPr lang="en-US" altLang="ja-JP" dirty="0" err="1"/>
+              <a:t>fortran</a:t>
             </a:r>
             <a:r>
               <a:rPr lang="en-US" altLang="ja-JP" dirty="0"/>
-              <a:t>Intel MKL</a:t>
+              <a:t>, C </a:t>
             </a:r>
             <a:r>
               <a:rPr lang="ja-JP" altLang="en-US" dirty="0"/>
-              <a:t>内部</a:t>
-            </a:r>
-            <a:r>
-              <a:rPr lang="ja-JP" altLang="en-US" dirty="0" smtClean="0"/>
-              <a:t>の並列化</a:t>
-            </a:r>
-            <a:r>
-              <a:rPr lang="ja-JP" altLang="en-US" dirty="0"/>
-              <a:t>も含む）は、計測の全てのパターンにおいて</a:t>
-            </a:r>
-            <a:r>
-              <a:rPr lang="ja-JP" altLang="en-US" dirty="0" smtClean="0"/>
-              <a:t>有効にしてある）。</a:t>
-            </a:r>
-            <a:endParaRPr kumimoji="1" lang="en-US" altLang="ja-JP" dirty="0" smtClean="0"/>
-          </a:p>
-          <a:p>
-            <a:r>
-              <a:rPr lang="ja-JP" altLang="en-US" dirty="0"/>
-              <a:t>その効果を検証したのが次ページの</a:t>
-            </a:r>
-            <a:r>
-              <a:rPr lang="ja-JP" altLang="en-US" dirty="0" smtClean="0"/>
-              <a:t>表</a:t>
-            </a:r>
-            <a:r>
-              <a:rPr lang="en-US" altLang="ja-JP" dirty="0" smtClean="0"/>
-              <a:t>1</a:t>
-            </a:r>
-            <a:r>
-              <a:rPr lang="ja-JP" altLang="en-US" dirty="0" smtClean="0"/>
-              <a:t>で</a:t>
-            </a:r>
-            <a:r>
-              <a:rPr lang="ja-JP" altLang="en-US" dirty="0"/>
-              <a:t>ある</a:t>
-            </a:r>
-            <a:r>
-              <a:rPr lang="ja-JP" altLang="en-US" dirty="0" smtClean="0"/>
-              <a:t>。</a:t>
-            </a:r>
-            <a:endParaRPr lang="en-US" altLang="ja-JP" dirty="0" smtClean="0"/>
-          </a:p>
-          <a:p>
-            <a:r>
-              <a:rPr lang="ja-JP" altLang="en-US" dirty="0"/>
-              <a:t>計測</a:t>
-            </a:r>
-            <a:r>
-              <a:rPr lang="ja-JP" altLang="en-US" dirty="0" smtClean="0"/>
-              <a:t>環境：</a:t>
-            </a:r>
-            <a:endParaRPr lang="ja-JP" altLang="en-US" dirty="0"/>
-          </a:p>
-          <a:p>
-            <a:r>
-              <a:rPr lang="en-US" altLang="ja-JP" dirty="0" smtClean="0"/>
-              <a:t>CPU</a:t>
+              <a:t>のソースコードつき）（開発版</a:t>
+            </a:r>
+            <a:r>
+              <a:rPr lang="ja-JP" altLang="en-US" dirty="0" smtClean="0"/>
+              <a:t>）</a:t>
             </a:r>
             <a:r>
               <a:rPr lang="en-US" altLang="ja-JP" dirty="0"/>
-              <a:t>: Intel Core </a:t>
-            </a:r>
-            <a:r>
-              <a:rPr lang="en-US" altLang="ja-JP" dirty="0" smtClean="0"/>
-              <a:t>i7-3930K (Sandy Bridge-E, Hyper Threading ON (6C12T), </a:t>
-            </a:r>
-            <a:r>
-              <a:rPr lang="en-US" altLang="ja-JP" dirty="0" err="1" smtClean="0"/>
-              <a:t>SpeedStep</a:t>
-            </a:r>
-            <a:r>
-              <a:rPr lang="en-US" altLang="ja-JP" dirty="0" smtClean="0"/>
-              <a:t> OFF, Turbo Boost OFF) </a:t>
-            </a:r>
-          </a:p>
-          <a:p>
-            <a:r>
-              <a:rPr lang="ja-JP" altLang="en-US" dirty="0" smtClean="0"/>
-              <a:t>コンパイラ</a:t>
-            </a:r>
-            <a:r>
-              <a:rPr lang="en-US" altLang="ja-JP" dirty="0"/>
-              <a:t>: Intel C++ Composer XE </a:t>
-            </a:r>
-            <a:r>
-              <a:rPr lang="en-US" altLang="ja-JP" dirty="0" smtClean="0"/>
-              <a:t>2013 SP1</a:t>
-            </a:r>
-            <a:r>
-              <a:rPr lang="ja-JP" altLang="en-US" dirty="0" smtClean="0"/>
-              <a:t>（</a:t>
-            </a:r>
-            <a:r>
-              <a:rPr lang="en-US" altLang="ja-JP" dirty="0" smtClean="0"/>
-              <a:t>x64</a:t>
-            </a:r>
-            <a:r>
-              <a:rPr lang="ja-JP" altLang="en-US" dirty="0" smtClean="0"/>
-              <a:t>ビルド）</a:t>
-            </a:r>
-            <a:endParaRPr lang="en-US" altLang="ja-JP" dirty="0" smtClean="0"/>
-          </a:p>
-          <a:p>
-            <a:r>
-              <a:rPr lang="en-US" altLang="ja-JP" dirty="0"/>
-              <a:t>OS: Microsoft Windows </a:t>
-            </a:r>
-            <a:r>
-              <a:rPr lang="en-US" altLang="ja-JP" dirty="0" smtClean="0"/>
-              <a:t>8 (64bit)</a:t>
-            </a:r>
-            <a:endParaRPr lang="en-US" altLang="ja-JP" dirty="0"/>
-          </a:p>
-          <a:p>
-            <a:r>
-              <a:rPr kumimoji="1" lang="ja-JP" altLang="en-US" dirty="0" smtClean="0"/>
-              <a:t>物理メモリ</a:t>
-            </a:r>
-            <a:r>
-              <a:rPr kumimoji="1" lang="en-US" altLang="ja-JP" dirty="0" smtClean="0"/>
-              <a:t>: 16GB</a:t>
-            </a:r>
+              <a:t>: http://www.sml.k.u-tokyo.ac.jp/members/nabe/FEM/fem.html</a:t>
+            </a:r>
+            <a:endParaRPr kumimoji="1" lang="ja-JP" altLang="en-US" dirty="0"/>
           </a:p>
         </p:txBody>
       </p:sp>
     </p:spTree>
     <p:extLst>
       <p:ext uri="{BB962C8B-B14F-4D97-AF65-F5344CB8AC3E}">
-        <p14:creationId xmlns:p14="http://schemas.microsoft.com/office/powerpoint/2010/main" val="897101193"/>
+        <p14:creationId xmlns:p14="http://schemas.microsoft.com/office/powerpoint/2010/main" val="2519575391"/>
       </p:ext>
     </p:extLst>
   </p:cSld>
@@ -10644,7 +9811,7 @@
             </a:r>
             <a:r>
               <a:rPr lang="ja-JP" altLang="en-US" dirty="0" smtClean="0"/>
-              <a:t>ライブラリを使用）を用いた固有値</a:t>
+              <a:t> を使用）を用いた固有値</a:t>
             </a:r>
             <a:r>
               <a:rPr lang="ja-JP" altLang="en-US" dirty="0"/>
@@ -10675,951 +9842,6 @@
     <p:extLst>
       <p:ext uri="{BB962C8B-B14F-4D97-AF65-F5344CB8AC3E}">
         <p14:creationId xmlns:p14="http://schemas.microsoft.com/office/powerpoint/2010/main" val="2444514053"/>
-      </p:ext>
-    </p:extLst>
-  </p:cSld>
-  <p:clrMapOvr>
-    <a:masterClrMapping/>
-  </p:clrMapOvr>
-  <p:timing>
-    <p:tnLst>
-      <p:par>
-        <p:cTn id="1" dur="indefinite" restart="never" nodeType="tmRoot"/>
-      </p:par>
-    </p:tnLst>
-  </p:timing>
-</p:sld>
-</file>
-
-<file path=ppt/slides/slide30.xml><?xml version="1.0" encoding="utf-8"?>
-<p:sld xmlns:a="http://schemas.openxmlformats.org/drawingml/2006/main" xmlns:r="http://schemas.openxmlformats.org/officeDocument/2006/relationships" xmlns:p="http://schemas.openxmlformats.org/presentationml/2006/main">
-  <p:cSld>
-    <p:spTree>
-      <p:nvGrpSpPr>
-        <p:cNvPr id="1" name=""/>
-        <p:cNvGrpSpPr/>
-        <p:nvPr/>
-      </p:nvGrpSpPr>
-      <p:grpSpPr>
-        <a:xfrm>
-          <a:off x="0" y="0"/>
-          <a:ext cx="0" cy="0"/>
-          <a:chOff x="0" y="0"/>
-          <a:chExt cx="0" cy="0"/>
-        </a:xfrm>
-      </p:grpSpPr>
-      <p:sp>
-        <p:nvSpPr>
-          <p:cNvPr id="2" name="タイトル 1"/>
-          <p:cNvSpPr>
-            <a:spLocks noGrp="1"/>
-          </p:cNvSpPr>
-          <p:nvPr>
-            <p:ph type="title"/>
-          </p:nvPr>
-        </p:nvSpPr>
-        <p:spPr/>
-        <p:txBody>
-          <a:bodyPr/>
-          <a:lstStyle/>
-          <a:p>
-            <a:r>
-              <a:rPr lang="ja-JP" altLang="en-US" smtClean="0"/>
-              <a:t>ベクトル化と並列化</a:t>
-            </a:r>
-            <a:endParaRPr lang="ja-JP" altLang="en-US" dirty="0"/>
-          </a:p>
-        </p:txBody>
-      </p:sp>
-      <p:sp>
-        <p:nvSpPr>
-          <p:cNvPr id="7" name="コンテンツ プレースホルダー 6"/>
-          <p:cNvSpPr>
-            <a:spLocks noGrp="1"/>
-          </p:cNvSpPr>
-          <p:nvPr>
-            <p:ph sz="quarter" idx="1"/>
-          </p:nvPr>
-        </p:nvSpPr>
-        <p:spPr>
-          <a:xfrm>
-            <a:off x="612648" y="1600200"/>
-            <a:ext cx="8153400" cy="5141168"/>
-          </a:xfrm>
-        </p:spPr>
-        <p:txBody>
-          <a:bodyPr>
-            <a:normAutofit lnSpcReduction="10000"/>
-          </a:bodyPr>
-          <a:lstStyle/>
-          <a:p>
-            <a:endParaRPr lang="en-US" altLang="ja-JP" dirty="0" smtClean="0"/>
-          </a:p>
-          <a:p>
-            <a:endParaRPr lang="en-US" altLang="ja-JP" dirty="0"/>
-          </a:p>
-          <a:p>
-            <a:endParaRPr lang="en-US" altLang="ja-JP" dirty="0" smtClean="0"/>
-          </a:p>
-          <a:p>
-            <a:endParaRPr lang="en-US" altLang="ja-JP" dirty="0"/>
-          </a:p>
-          <a:p>
-            <a:endParaRPr lang="en-US" altLang="ja-JP" dirty="0" smtClean="0"/>
-          </a:p>
-          <a:p>
-            <a:r>
-              <a:rPr lang="ja-JP" altLang="en-US" dirty="0" smtClean="0"/>
-              <a:t>表</a:t>
-            </a:r>
-            <a:r>
-              <a:rPr lang="en-US" altLang="ja-JP" dirty="0" smtClean="0"/>
-              <a:t>1</a:t>
-            </a:r>
-            <a:r>
-              <a:rPr lang="ja-JP" altLang="en-US" dirty="0" smtClean="0"/>
-              <a:t>から分かるとおり、</a:t>
-            </a:r>
-            <a:r>
-              <a:rPr lang="en-US" altLang="ja-JP" dirty="0" smtClean="0"/>
-              <a:t>AVX</a:t>
-            </a:r>
-            <a:r>
-              <a:rPr lang="ja-JP" altLang="en-US" dirty="0" smtClean="0"/>
-              <a:t>によるベクトル化は効果がない。一方、</a:t>
-            </a:r>
-            <a:r>
-              <a:rPr lang="en-US" altLang="ja-JP" dirty="0" err="1" smtClean="0"/>
-              <a:t>Cilk</a:t>
-            </a:r>
-            <a:r>
-              <a:rPr lang="ja-JP" altLang="en-US" dirty="0" smtClean="0"/>
-              <a:t>による並列化は非常に効果的である。</a:t>
-            </a:r>
-            <a:endParaRPr lang="en-US" altLang="ja-JP" dirty="0" smtClean="0"/>
-          </a:p>
-          <a:p>
-            <a:r>
-              <a:rPr lang="ja-JP" altLang="en-US" dirty="0"/>
-              <a:t>ベクトル化、</a:t>
-            </a:r>
-            <a:r>
-              <a:rPr lang="ja-JP" altLang="en-US" dirty="0" smtClean="0"/>
-              <a:t>並列化による誤差は（ほとんど）ない。</a:t>
-            </a:r>
-            <a:endParaRPr lang="en-US" altLang="ja-JP" dirty="0" smtClean="0"/>
-          </a:p>
-          <a:p>
-            <a:r>
-              <a:rPr lang="ja-JP" altLang="en-US" dirty="0" smtClean="0"/>
-              <a:t>ベクトル化、並列化を行うと、若干メモリ使用量が増える傾向が見られる。</a:t>
-            </a:r>
-            <a:endParaRPr lang="en-US" altLang="ja-JP" dirty="0"/>
-          </a:p>
-          <a:p>
-            <a:endParaRPr kumimoji="1" lang="ja-JP" altLang="en-US" dirty="0"/>
-          </a:p>
-        </p:txBody>
-      </p:sp>
-      <p:graphicFrame>
-        <p:nvGraphicFramePr>
-          <p:cNvPr id="8" name="表 7"/>
-          <p:cNvGraphicFramePr>
-            <a:graphicFrameLocks noGrp="1"/>
-          </p:cNvGraphicFramePr>
-          <p:nvPr>
-            <p:extLst>
-              <p:ext uri="{D42A27DB-BD31-4B8C-83A1-F6EECF244321}">
-                <p14:modId xmlns:p14="http://schemas.microsoft.com/office/powerpoint/2010/main" val="655646364"/>
-              </p:ext>
-            </p:extLst>
-          </p:nvPr>
-        </p:nvGraphicFramePr>
-        <p:xfrm>
-          <a:off x="683568" y="2055531"/>
-          <a:ext cx="8064896" cy="1872210"/>
-        </p:xfrm>
-        <a:graphic>
-          <a:graphicData uri="http://schemas.openxmlformats.org/drawingml/2006/table">
-            <a:tbl>
-              <a:tblPr firstRow="1" bandRow="1">
-                <a:tableStyleId>{5C22544A-7EE6-4342-B048-85BDC9FD1C3A}</a:tableStyleId>
-              </a:tblPr>
-              <a:tblGrid>
-                <a:gridCol w="2088232"/>
-                <a:gridCol w="1584176"/>
-                <a:gridCol w="2376264"/>
-                <a:gridCol w="2016224"/>
-              </a:tblGrid>
-              <a:tr h="374442">
-                <a:tc>
-                  <a:txBody>
-                    <a:bodyPr/>
-                    <a:lstStyle/>
-                    <a:p>
-                      <a:pPr algn="ctr"/>
-                      <a:endParaRPr kumimoji="1" lang="ja-JP" altLang="en-US" dirty="0"/>
-                    </a:p>
-                  </a:txBody>
-                  <a:tcPr>
-                    <a:lnTlToBr w="19050" cap="flat" cmpd="sng" algn="ctr">
-                      <a:solidFill>
-                        <a:schemeClr val="bg1"/>
-                      </a:solidFill>
-                      <a:prstDash val="solid"/>
-                      <a:round/>
-                      <a:headEnd type="none" w="med" len="med"/>
-                      <a:tailEnd type="none" w="med" len="med"/>
-                    </a:lnTlToBr>
-                  </a:tcPr>
-                </a:tc>
-                <a:tc>
-                  <a:txBody>
-                    <a:bodyPr/>
-                    <a:lstStyle/>
-                    <a:p>
-                      <a:pPr algn="ctr"/>
-                      <a:r>
-                        <a:rPr kumimoji="1" lang="ja-JP" altLang="en-US" b="0" i="0" baseline="0" dirty="0" smtClean="0">
-                          <a:solidFill>
-                            <a:schemeClr val="tx1"/>
-                          </a:solidFill>
-                        </a:rPr>
-                        <a:t>計算時間（秒）</a:t>
-                      </a:r>
-                      <a:endParaRPr kumimoji="1" lang="ja-JP" altLang="en-US" b="0" i="0" baseline="0" dirty="0">
-                        <a:solidFill>
-                          <a:schemeClr val="tx1"/>
-                        </a:solidFill>
-                      </a:endParaRPr>
-                    </a:p>
-                  </a:txBody>
-                  <a:tcPr/>
-                </a:tc>
-                <a:tc>
-                  <a:txBody>
-                    <a:bodyPr/>
-                    <a:lstStyle/>
-                    <a:p>
-                      <a:pPr algn="ctr"/>
-                      <a:r>
-                        <a:rPr kumimoji="1" lang="ja-JP" altLang="en-US" b="0" i="0" baseline="0" dirty="0" smtClean="0">
-                          <a:solidFill>
-                            <a:schemeClr val="tx1"/>
-                          </a:solidFill>
-                        </a:rPr>
-                        <a:t>収束時の</a:t>
-                      </a:r>
-                      <a:r>
-                        <a:rPr kumimoji="1" lang="en-US" altLang="ja-JP" b="0" i="0" baseline="0" dirty="0" err="1" smtClean="0">
-                          <a:solidFill>
-                            <a:schemeClr val="tx1"/>
-                          </a:solidFill>
-                        </a:rPr>
-                        <a:t>IterationError</a:t>
-                      </a:r>
-                      <a:endParaRPr kumimoji="1" lang="ja-JP" altLang="en-US" b="0" i="0" baseline="0" dirty="0">
-                        <a:solidFill>
-                          <a:schemeClr val="tx1"/>
-                        </a:solidFill>
-                      </a:endParaRPr>
-                    </a:p>
-                  </a:txBody>
-                  <a:tcPr/>
-                </a:tc>
-                <a:tc>
-                  <a:txBody>
-                    <a:bodyPr/>
-                    <a:lstStyle/>
-                    <a:p>
-                      <a:pPr algn="ctr"/>
-                      <a:r>
-                        <a:rPr kumimoji="1" lang="ja-JP" altLang="en-US" b="0" i="0" baseline="0" dirty="0" smtClean="0">
-                          <a:solidFill>
-                            <a:schemeClr val="tx1"/>
-                          </a:solidFill>
-                        </a:rPr>
-                        <a:t>使用メモリ量（</a:t>
-                      </a:r>
-                      <a:r>
-                        <a:rPr kumimoji="1" lang="en-US" altLang="ja-JP" b="0" i="0" baseline="0" dirty="0" err="1" smtClean="0">
-                          <a:solidFill>
-                            <a:schemeClr val="tx1"/>
-                          </a:solidFill>
-                        </a:rPr>
-                        <a:t>KiB</a:t>
-                      </a:r>
-                      <a:r>
-                        <a:rPr kumimoji="1" lang="ja-JP" altLang="en-US" b="0" i="0" baseline="0" dirty="0" smtClean="0">
-                          <a:solidFill>
-                            <a:schemeClr val="tx1"/>
-                          </a:solidFill>
-                        </a:rPr>
-                        <a:t>）</a:t>
-                      </a:r>
-                      <a:endParaRPr kumimoji="1" lang="ja-JP" altLang="en-US" b="0" i="0" baseline="0" dirty="0">
-                        <a:solidFill>
-                          <a:schemeClr val="tx1"/>
-                        </a:solidFill>
-                      </a:endParaRPr>
-                    </a:p>
-                  </a:txBody>
-                  <a:tcPr/>
-                </a:tc>
-              </a:tr>
-              <a:tr h="374442">
-                <a:tc>
-                  <a:txBody>
-                    <a:bodyPr/>
-                    <a:lstStyle/>
-                    <a:p>
-                      <a:pPr algn="ctr"/>
-                      <a:r>
-                        <a:rPr kumimoji="1" lang="en-US" altLang="ja-JP" dirty="0" smtClean="0"/>
-                        <a:t>AVX</a:t>
-                      </a:r>
-                      <a:r>
-                        <a:rPr kumimoji="1" lang="ja-JP" altLang="en-US" dirty="0" smtClean="0"/>
-                        <a:t>無効</a:t>
-                      </a:r>
-                      <a:r>
-                        <a:rPr kumimoji="1" lang="en-US" altLang="ja-JP" dirty="0" smtClean="0"/>
-                        <a:t>, </a:t>
-                      </a:r>
-                      <a:r>
-                        <a:rPr kumimoji="1" lang="en-US" altLang="ja-JP" dirty="0" err="1" smtClean="0"/>
-                        <a:t>Cilk</a:t>
-                      </a:r>
-                      <a:r>
-                        <a:rPr kumimoji="1" lang="ja-JP" altLang="en-US" dirty="0" smtClean="0"/>
-                        <a:t>無効</a:t>
-                      </a:r>
-                      <a:endParaRPr kumimoji="1" lang="ja-JP" altLang="en-US" dirty="0"/>
-                    </a:p>
-                  </a:txBody>
-                  <a:tcPr/>
-                </a:tc>
-                <a:tc>
-                  <a:txBody>
-                    <a:bodyPr/>
-                    <a:lstStyle/>
-                    <a:p>
-                      <a:pPr algn="ctr"/>
-                      <a:r>
-                        <a:rPr kumimoji="1" lang="en-US" altLang="ja-JP" dirty="0" smtClean="0"/>
-                        <a:t>773.2</a:t>
-                      </a:r>
-                      <a:endParaRPr kumimoji="1" lang="ja-JP" altLang="en-US" dirty="0"/>
-                    </a:p>
-                  </a:txBody>
-                  <a:tcPr/>
-                </a:tc>
-                <a:tc>
-                  <a:txBody>
-                    <a:bodyPr/>
-                    <a:lstStyle/>
-                    <a:p>
-                      <a:pPr algn="ctr"/>
-                      <a:r>
-                        <a:rPr kumimoji="1" lang="en-US" altLang="ja-JP" dirty="0" smtClean="0"/>
-                        <a:t>9.36E-13</a:t>
-                      </a:r>
-                      <a:endParaRPr kumimoji="1" lang="ja-JP" altLang="en-US" dirty="0"/>
-                    </a:p>
-                  </a:txBody>
-                  <a:tcPr/>
-                </a:tc>
-                <a:tc>
-                  <a:txBody>
-                    <a:bodyPr/>
-                    <a:lstStyle/>
-                    <a:p>
-                      <a:pPr algn="ctr"/>
-                      <a:r>
-                        <a:rPr kumimoji="1" lang="en-US" altLang="ja-JP" dirty="0" smtClean="0"/>
-                        <a:t>10500</a:t>
-                      </a:r>
-                      <a:endParaRPr kumimoji="1" lang="ja-JP" altLang="en-US" dirty="0"/>
-                    </a:p>
-                  </a:txBody>
-                  <a:tcPr/>
-                </a:tc>
-              </a:tr>
-              <a:tr h="374442">
-                <a:tc>
-                  <a:txBody>
-                    <a:bodyPr/>
-                    <a:lstStyle/>
-                    <a:p>
-                      <a:pPr algn="ctr"/>
-                      <a:r>
-                        <a:rPr kumimoji="1" lang="en-US" altLang="ja-JP" dirty="0" smtClean="0"/>
-                        <a:t>AVX</a:t>
-                      </a:r>
-                      <a:r>
-                        <a:rPr kumimoji="1" lang="ja-JP" altLang="en-US" dirty="0" smtClean="0"/>
-                        <a:t>有効</a:t>
-                      </a:r>
-                      <a:r>
-                        <a:rPr kumimoji="1" lang="en-US" altLang="ja-JP" dirty="0" smtClean="0"/>
-                        <a:t>, </a:t>
-                      </a:r>
-                      <a:r>
-                        <a:rPr kumimoji="1" lang="en-US" altLang="ja-JP" dirty="0" err="1" smtClean="0"/>
-                        <a:t>Cilk</a:t>
-                      </a:r>
-                      <a:r>
-                        <a:rPr kumimoji="1" lang="ja-JP" altLang="en-US" dirty="0" smtClean="0"/>
-                        <a:t>無効</a:t>
-                      </a:r>
-                      <a:endParaRPr kumimoji="1" lang="ja-JP" altLang="en-US" dirty="0"/>
-                    </a:p>
-                  </a:txBody>
-                  <a:tcPr/>
-                </a:tc>
-                <a:tc>
-                  <a:txBody>
-                    <a:bodyPr/>
-                    <a:lstStyle/>
-                    <a:p>
-                      <a:pPr algn="ctr"/>
-                      <a:r>
-                        <a:rPr kumimoji="1" lang="en-US" altLang="ja-JP" dirty="0" smtClean="0"/>
-                        <a:t>772.3</a:t>
-                      </a:r>
-                      <a:endParaRPr kumimoji="1" lang="ja-JP" altLang="en-US" dirty="0"/>
-                    </a:p>
-                  </a:txBody>
-                  <a:tcPr/>
-                </a:tc>
-                <a:tc>
-                  <a:txBody>
-                    <a:bodyPr/>
-                    <a:lstStyle/>
-                    <a:p>
-                      <a:pPr algn="ctr"/>
-                      <a:r>
-                        <a:rPr kumimoji="1" lang="en-US" altLang="ja-JP" dirty="0" smtClean="0"/>
-                        <a:t>9.36E-13</a:t>
-                      </a:r>
-                      <a:endParaRPr kumimoji="1" lang="ja-JP" altLang="en-US" dirty="0"/>
-                    </a:p>
-                  </a:txBody>
-                  <a:tcPr/>
-                </a:tc>
-                <a:tc>
-                  <a:txBody>
-                    <a:bodyPr/>
-                    <a:lstStyle/>
-                    <a:p>
-                      <a:pPr algn="ctr"/>
-                      <a:r>
-                        <a:rPr kumimoji="1" lang="en-US" altLang="ja-JP" dirty="0" smtClean="0"/>
-                        <a:t>10521</a:t>
-                      </a:r>
-                      <a:endParaRPr kumimoji="1" lang="ja-JP" altLang="en-US" dirty="0"/>
-                    </a:p>
-                  </a:txBody>
-                  <a:tcPr/>
-                </a:tc>
-              </a:tr>
-              <a:tr h="374442">
-                <a:tc>
-                  <a:txBody>
-                    <a:bodyPr/>
-                    <a:lstStyle/>
-                    <a:p>
-                      <a:pPr algn="ctr"/>
-                      <a:r>
-                        <a:rPr kumimoji="1" lang="en-US" altLang="ja-JP" dirty="0" smtClean="0"/>
-                        <a:t>AVX</a:t>
-                      </a:r>
-                      <a:r>
-                        <a:rPr kumimoji="1" lang="ja-JP" altLang="en-US" dirty="0" smtClean="0"/>
-                        <a:t>無効</a:t>
-                      </a:r>
-                      <a:r>
-                        <a:rPr kumimoji="1" lang="en-US" altLang="ja-JP" dirty="0" smtClean="0"/>
-                        <a:t>, </a:t>
-                      </a:r>
-                      <a:r>
-                        <a:rPr kumimoji="1" lang="en-US" altLang="ja-JP" dirty="0" err="1" smtClean="0"/>
-                        <a:t>Cilk</a:t>
-                      </a:r>
-                      <a:r>
-                        <a:rPr kumimoji="1" lang="ja-JP" altLang="en-US" dirty="0" smtClean="0"/>
-                        <a:t>有効</a:t>
-                      </a:r>
-                      <a:endParaRPr kumimoji="1" lang="ja-JP" altLang="en-US" dirty="0"/>
-                    </a:p>
-                  </a:txBody>
-                  <a:tcPr/>
-                </a:tc>
-                <a:tc>
-                  <a:txBody>
-                    <a:bodyPr/>
-                    <a:lstStyle/>
-                    <a:p>
-                      <a:pPr algn="ctr"/>
-                      <a:r>
-                        <a:rPr kumimoji="1" lang="en-US" altLang="ja-JP" dirty="0" smtClean="0"/>
-                        <a:t>99.8</a:t>
-                      </a:r>
-                      <a:endParaRPr kumimoji="1" lang="ja-JP" altLang="en-US" dirty="0"/>
-                    </a:p>
-                  </a:txBody>
-                  <a:tcPr/>
-                </a:tc>
-                <a:tc>
-                  <a:txBody>
-                    <a:bodyPr/>
-                    <a:lstStyle/>
-                    <a:p>
-                      <a:pPr algn="ctr"/>
-                      <a:r>
-                        <a:rPr kumimoji="1" lang="en-US" altLang="ja-JP" dirty="0" smtClean="0"/>
-                        <a:t>9.36E-13</a:t>
-                      </a:r>
-                      <a:endParaRPr kumimoji="1" lang="ja-JP" altLang="en-US" dirty="0"/>
-                    </a:p>
-                  </a:txBody>
-                  <a:tcPr/>
-                </a:tc>
-                <a:tc>
-                  <a:txBody>
-                    <a:bodyPr/>
-                    <a:lstStyle/>
-                    <a:p>
-                      <a:pPr algn="ctr"/>
-                      <a:r>
-                        <a:rPr kumimoji="1" lang="en-US" altLang="ja-JP" dirty="0" smtClean="0"/>
-                        <a:t>10837</a:t>
-                      </a:r>
-                      <a:endParaRPr kumimoji="1" lang="ja-JP" altLang="en-US" dirty="0"/>
-                    </a:p>
-                  </a:txBody>
-                  <a:tcPr/>
-                </a:tc>
-              </a:tr>
-              <a:tr h="374442">
-                <a:tc>
-                  <a:txBody>
-                    <a:bodyPr/>
-                    <a:lstStyle/>
-                    <a:p>
-                      <a:pPr algn="ctr"/>
-                      <a:r>
-                        <a:rPr kumimoji="1" lang="en-US" altLang="ja-JP" dirty="0" smtClean="0"/>
-                        <a:t>AVX</a:t>
-                      </a:r>
-                      <a:r>
-                        <a:rPr kumimoji="1" lang="ja-JP" altLang="en-US" dirty="0" smtClean="0"/>
-                        <a:t>有効</a:t>
-                      </a:r>
-                      <a:r>
-                        <a:rPr kumimoji="1" lang="en-US" altLang="ja-JP" dirty="0" smtClean="0"/>
-                        <a:t>, </a:t>
-                      </a:r>
-                      <a:r>
-                        <a:rPr kumimoji="1" lang="en-US" altLang="ja-JP" dirty="0" err="1" smtClean="0"/>
-                        <a:t>Cilk</a:t>
-                      </a:r>
-                      <a:r>
-                        <a:rPr kumimoji="1" lang="ja-JP" altLang="en-US" dirty="0" smtClean="0"/>
-                        <a:t>有効</a:t>
-                      </a:r>
-                      <a:endParaRPr kumimoji="1" lang="ja-JP" altLang="en-US" dirty="0"/>
-                    </a:p>
-                  </a:txBody>
-                  <a:tcPr/>
-                </a:tc>
-                <a:tc>
-                  <a:txBody>
-                    <a:bodyPr/>
-                    <a:lstStyle/>
-                    <a:p>
-                      <a:pPr algn="ctr"/>
-                      <a:r>
-                        <a:rPr kumimoji="1" lang="en-US" altLang="ja-JP" dirty="0" smtClean="0"/>
-                        <a:t>100.9</a:t>
-                      </a:r>
-                      <a:endParaRPr kumimoji="1" lang="ja-JP" altLang="en-US" dirty="0"/>
-                    </a:p>
-                  </a:txBody>
-                  <a:tcPr/>
-                </a:tc>
-                <a:tc>
-                  <a:txBody>
-                    <a:bodyPr/>
-                    <a:lstStyle/>
-                    <a:p>
-                      <a:pPr algn="ctr"/>
-                      <a:r>
-                        <a:rPr kumimoji="1" lang="en-US" altLang="ja-JP" dirty="0" smtClean="0"/>
-                        <a:t>9.36E-13</a:t>
-                      </a:r>
-                      <a:endParaRPr kumimoji="1" lang="ja-JP" altLang="en-US" dirty="0"/>
-                    </a:p>
-                  </a:txBody>
-                  <a:tcPr/>
-                </a:tc>
-                <a:tc>
-                  <a:txBody>
-                    <a:bodyPr/>
-                    <a:lstStyle/>
-                    <a:p>
-                      <a:pPr algn="ctr"/>
-                      <a:r>
-                        <a:rPr kumimoji="1" lang="en-US" altLang="ja-JP" dirty="0" smtClean="0"/>
-                        <a:t>10977</a:t>
-                      </a:r>
-                      <a:endParaRPr kumimoji="1" lang="ja-JP" altLang="en-US" dirty="0"/>
-                    </a:p>
-                  </a:txBody>
-                  <a:tcPr/>
-                </a:tc>
-              </a:tr>
-            </a:tbl>
-          </a:graphicData>
-        </a:graphic>
-      </p:graphicFrame>
-      <p:sp>
-        <p:nvSpPr>
-          <p:cNvPr id="12" name="テキスト ボックス 11"/>
-          <p:cNvSpPr txBox="1"/>
-          <p:nvPr/>
-        </p:nvSpPr>
-        <p:spPr>
-          <a:xfrm>
-            <a:off x="2123728" y="1649778"/>
-            <a:ext cx="5328592" cy="369332"/>
-          </a:xfrm>
-          <a:prstGeom prst="rect">
-            <a:avLst/>
-          </a:prstGeom>
-          <a:noFill/>
-        </p:spPr>
-        <p:txBody>
-          <a:bodyPr wrap="square" rtlCol="0">
-            <a:spAutoFit/>
-          </a:bodyPr>
-          <a:lstStyle/>
-          <a:p>
-            <a:r>
-              <a:rPr lang="ja-JP" altLang="en-US" dirty="0" smtClean="0"/>
-              <a:t>表</a:t>
-            </a:r>
-            <a:r>
-              <a:rPr lang="en-US" altLang="ja-JP" dirty="0" smtClean="0"/>
-              <a:t>1</a:t>
-            </a:r>
-            <a:r>
-              <a:rPr lang="ja-JP" altLang="en-US" dirty="0" smtClean="0"/>
-              <a:t>　ベクトル化</a:t>
-            </a:r>
-            <a:r>
-              <a:rPr lang="ja-JP" altLang="en-US" dirty="0"/>
-              <a:t>と並列化</a:t>
-            </a:r>
-            <a:r>
-              <a:rPr lang="ja-JP" altLang="en-US" dirty="0" smtClean="0"/>
-              <a:t>の効果の比較（三回の平均）</a:t>
-            </a:r>
-            <a:endParaRPr kumimoji="1" lang="ja-JP" altLang="en-US" dirty="0"/>
-          </a:p>
-        </p:txBody>
-      </p:sp>
-    </p:spTree>
-    <p:extLst>
-      <p:ext uri="{BB962C8B-B14F-4D97-AF65-F5344CB8AC3E}">
-        <p14:creationId xmlns:p14="http://schemas.microsoft.com/office/powerpoint/2010/main" val="305947715"/>
-      </p:ext>
-    </p:extLst>
-  </p:cSld>
-  <p:clrMapOvr>
-    <a:masterClrMapping/>
-  </p:clrMapOvr>
-  <p:timing>
-    <p:tnLst>
-      <p:par>
-        <p:cTn id="1" dur="indefinite" restart="never" nodeType="tmRoot"/>
-      </p:par>
-    </p:tnLst>
-  </p:timing>
-</p:sld>
-</file>
-
-<file path=ppt/slides/slide31.xml><?xml version="1.0" encoding="utf-8"?>
-<p:sld xmlns:a="http://schemas.openxmlformats.org/drawingml/2006/main" xmlns:r="http://schemas.openxmlformats.org/officeDocument/2006/relationships" xmlns:p="http://schemas.openxmlformats.org/presentationml/2006/main">
-  <p:cSld>
-    <p:spTree>
-      <p:nvGrpSpPr>
-        <p:cNvPr id="1" name=""/>
-        <p:cNvGrpSpPr/>
-        <p:nvPr/>
-      </p:nvGrpSpPr>
-      <p:grpSpPr>
-        <a:xfrm>
-          <a:off x="0" y="0"/>
-          <a:ext cx="0" cy="0"/>
-          <a:chOff x="0" y="0"/>
-          <a:chExt cx="0" cy="0"/>
-        </a:xfrm>
-      </p:grpSpPr>
-      <p:sp>
-        <p:nvSpPr>
-          <p:cNvPr id="2" name="タイトル 1"/>
-          <p:cNvSpPr>
-            <a:spLocks noGrp="1"/>
-          </p:cNvSpPr>
-          <p:nvPr>
-            <p:ph type="title"/>
-          </p:nvPr>
-        </p:nvSpPr>
-        <p:spPr/>
-        <p:txBody>
-          <a:bodyPr/>
-          <a:lstStyle/>
-          <a:p>
-            <a:r>
-              <a:rPr lang="ja-JP" altLang="en-US" smtClean="0"/>
-              <a:t>まとめ</a:t>
-            </a:r>
-            <a:endParaRPr lang="ja-JP" altLang="en-US" dirty="0"/>
-          </a:p>
-        </p:txBody>
-      </p:sp>
-      <p:sp>
-        <p:nvSpPr>
-          <p:cNvPr id="3" name="コンテンツ プレースホルダー 2"/>
-          <p:cNvSpPr>
-            <a:spLocks noGrp="1"/>
-          </p:cNvSpPr>
-          <p:nvPr>
-            <p:ph sz="quarter" idx="1"/>
-          </p:nvPr>
-        </p:nvSpPr>
-        <p:spPr/>
-        <p:txBody>
-          <a:bodyPr/>
-          <a:lstStyle/>
-          <a:p>
-            <a:r>
-              <a:rPr lang="en-US" altLang="ja-JP" dirty="0" smtClean="0"/>
-              <a:t>Thomas-Fermi</a:t>
-            </a:r>
-            <a:r>
-              <a:rPr lang="ja-JP" altLang="en-US" dirty="0" smtClean="0"/>
-              <a:t>方程式を有限要素（</a:t>
-            </a:r>
-            <a:r>
-              <a:rPr lang="en-US" altLang="ja-JP" dirty="0" smtClean="0"/>
-              <a:t>1</a:t>
-            </a:r>
-            <a:r>
-              <a:rPr lang="ja-JP" altLang="en-US" dirty="0" smtClean="0"/>
-              <a:t>次要素）による離散化と、反復法によって（数値的に）解いた。</a:t>
-            </a:r>
-            <a:endParaRPr lang="en-US" altLang="ja-JP" dirty="0" smtClean="0"/>
-          </a:p>
-          <a:p>
-            <a:r>
-              <a:rPr lang="ja-JP" altLang="en-US" dirty="0" smtClean="0"/>
-              <a:t>得られた結果は、文献の結果とほぼ一致していた。</a:t>
-            </a:r>
-            <a:endParaRPr lang="en-US" altLang="ja-JP" dirty="0" smtClean="0"/>
-          </a:p>
-          <a:p>
-            <a:r>
-              <a:rPr lang="ja-JP" altLang="en-US" dirty="0" smtClean="0"/>
-              <a:t>高速化をめざして、</a:t>
-            </a:r>
-            <a:r>
-              <a:rPr lang="en-US" altLang="ja-JP" dirty="0" smtClean="0"/>
-              <a:t>AVX</a:t>
-            </a:r>
-            <a:r>
-              <a:rPr lang="ja-JP" altLang="en-US" dirty="0" smtClean="0"/>
-              <a:t>によるベクトル化と、</a:t>
-            </a:r>
-            <a:r>
-              <a:rPr lang="en-US" altLang="ja-JP" dirty="0" smtClean="0"/>
-              <a:t>Intel </a:t>
-            </a:r>
-            <a:r>
-              <a:rPr lang="en-US" altLang="ja-JP" dirty="0" err="1" smtClean="0"/>
-              <a:t>Cilk</a:t>
-            </a:r>
-            <a:r>
-              <a:rPr lang="en-US" altLang="ja-JP" dirty="0" smtClean="0"/>
-              <a:t> Plus</a:t>
-            </a:r>
-            <a:r>
-              <a:rPr lang="ja-JP" altLang="en-US" dirty="0" smtClean="0"/>
-              <a:t>による並列化を試みた。</a:t>
-            </a:r>
-            <a:endParaRPr lang="en-US" altLang="ja-JP" dirty="0" smtClean="0"/>
-          </a:p>
-          <a:p>
-            <a:r>
-              <a:rPr lang="en-US" altLang="ja-JP" dirty="0" smtClean="0"/>
-              <a:t>AVX</a:t>
-            </a:r>
-            <a:r>
-              <a:rPr lang="ja-JP" altLang="en-US" dirty="0" smtClean="0"/>
-              <a:t>によるベクトル化は効果がなかったが、</a:t>
-            </a:r>
-            <a:r>
-              <a:rPr lang="en-US" altLang="ja-JP" dirty="0" smtClean="0"/>
-              <a:t>Intel </a:t>
-            </a:r>
-            <a:r>
-              <a:rPr lang="en-US" altLang="ja-JP" dirty="0" err="1" smtClean="0"/>
-              <a:t>Cilk</a:t>
-            </a:r>
-            <a:r>
-              <a:rPr lang="en-US" altLang="ja-JP" dirty="0" smtClean="0"/>
-              <a:t> Plus</a:t>
-            </a:r>
-            <a:r>
-              <a:rPr lang="ja-JP" altLang="en-US" dirty="0" smtClean="0"/>
-              <a:t>による並列化は非常に効果的であった。</a:t>
-            </a:r>
-            <a:endParaRPr lang="en-US" altLang="ja-JP" dirty="0" smtClean="0"/>
-          </a:p>
-          <a:p>
-            <a:r>
-              <a:rPr lang="ja-JP" altLang="en-US" dirty="0" smtClean="0"/>
-              <a:t>ベクトル化、並列化による誤差はほとんどなかった。</a:t>
-            </a:r>
-            <a:endParaRPr lang="en-US" altLang="ja-JP" dirty="0" smtClean="0"/>
-          </a:p>
-          <a:p>
-            <a:endParaRPr lang="ja-JP" altLang="en-US" dirty="0"/>
-          </a:p>
-        </p:txBody>
-      </p:sp>
-    </p:spTree>
-    <p:extLst>
-      <p:ext uri="{BB962C8B-B14F-4D97-AF65-F5344CB8AC3E}">
-        <p14:creationId xmlns:p14="http://schemas.microsoft.com/office/powerpoint/2010/main" val="4033363336"/>
-      </p:ext>
-    </p:extLst>
-  </p:cSld>
-  <p:clrMapOvr>
-    <a:masterClrMapping/>
-  </p:clrMapOvr>
-  <p:timing>
-    <p:tnLst>
-      <p:par>
-        <p:cTn id="1" dur="indefinite" restart="never" nodeType="tmRoot"/>
-      </p:par>
-    </p:tnLst>
-  </p:timing>
-</p:sld>
-</file>
-
-<file path=ppt/slides/slide32.xml><?xml version="1.0" encoding="utf-8"?>
-<p:sld xmlns:a="http://schemas.openxmlformats.org/drawingml/2006/main" xmlns:r="http://schemas.openxmlformats.org/officeDocument/2006/relationships" xmlns:p="http://schemas.openxmlformats.org/presentationml/2006/main">
-  <p:cSld>
-    <p:spTree>
-      <p:nvGrpSpPr>
-        <p:cNvPr id="1" name=""/>
-        <p:cNvGrpSpPr/>
-        <p:nvPr/>
-      </p:nvGrpSpPr>
-      <p:grpSpPr>
-        <a:xfrm>
-          <a:off x="0" y="0"/>
-          <a:ext cx="0" cy="0"/>
-          <a:chOff x="0" y="0"/>
-          <a:chExt cx="0" cy="0"/>
-        </a:xfrm>
-      </p:grpSpPr>
-      <p:sp>
-        <p:nvSpPr>
-          <p:cNvPr id="2" name="タイトル 1"/>
-          <p:cNvSpPr>
-            <a:spLocks noGrp="1"/>
-          </p:cNvSpPr>
-          <p:nvPr>
-            <p:ph type="title"/>
-          </p:nvPr>
-        </p:nvSpPr>
-        <p:spPr/>
-        <p:txBody>
-          <a:bodyPr/>
-          <a:lstStyle/>
-          <a:p>
-            <a:r>
-              <a:rPr kumimoji="1" lang="ja-JP" altLang="en-US" dirty="0" smtClean="0"/>
-              <a:t>参考サイト</a:t>
-            </a:r>
-            <a:endParaRPr kumimoji="1" lang="ja-JP" altLang="en-US" dirty="0"/>
-          </a:p>
-        </p:txBody>
-      </p:sp>
-      <p:sp>
-        <p:nvSpPr>
-          <p:cNvPr id="3" name="コンテンツ プレースホルダー 2"/>
-          <p:cNvSpPr>
-            <a:spLocks noGrp="1"/>
-          </p:cNvSpPr>
-          <p:nvPr>
-            <p:ph sz="quarter" idx="1"/>
-          </p:nvPr>
-        </p:nvSpPr>
-        <p:spPr/>
-        <p:txBody>
-          <a:bodyPr/>
-          <a:lstStyle/>
-          <a:p>
-            <a:r>
-              <a:rPr kumimoji="1" lang="en-US" altLang="ja-JP" dirty="0" smtClean="0"/>
-              <a:t>Internet-College of Finite </a:t>
-            </a:r>
-            <a:r>
-              <a:rPr lang="en-US" altLang="ja-JP" dirty="0"/>
-              <a:t>Element Method: http://</a:t>
-            </a:r>
-            <a:r>
-              <a:rPr lang="en-US" altLang="ja-JP" dirty="0" smtClean="0"/>
-              <a:t>www.fem.gr.jp/index.html</a:t>
-            </a:r>
-          </a:p>
-          <a:p>
-            <a:r>
-              <a:rPr lang="ja-JP" altLang="en-US" dirty="0"/>
-              <a:t>有限要素法プログラミング演習（</a:t>
-            </a:r>
-            <a:r>
-              <a:rPr lang="en-US" altLang="ja-JP" dirty="0" err="1"/>
-              <a:t>fortran</a:t>
-            </a:r>
-            <a:r>
-              <a:rPr lang="en-US" altLang="ja-JP" dirty="0"/>
-              <a:t>, C </a:t>
-            </a:r>
-            <a:r>
-              <a:rPr lang="ja-JP" altLang="en-US" dirty="0"/>
-              <a:t>のソースコードつき）（開発版</a:t>
-            </a:r>
-            <a:r>
-              <a:rPr lang="ja-JP" altLang="en-US" dirty="0" smtClean="0"/>
-              <a:t>）</a:t>
-            </a:r>
-            <a:r>
-              <a:rPr lang="en-US" altLang="ja-JP" dirty="0"/>
-              <a:t>: http://www.sml.k.u-tokyo.ac.jp/members/nabe/FEM/fem.html</a:t>
-            </a:r>
-            <a:endParaRPr kumimoji="1" lang="ja-JP" altLang="en-US" dirty="0"/>
-          </a:p>
-        </p:txBody>
-      </p:sp>
-    </p:spTree>
-    <p:extLst>
-      <p:ext uri="{BB962C8B-B14F-4D97-AF65-F5344CB8AC3E}">
-        <p14:creationId xmlns:p14="http://schemas.microsoft.com/office/powerpoint/2010/main" val="2519575391"/>
       </p:ext>
     </p:extLst>
   </p:cSld>
@@ -13134,36 +11356,62 @@
         </p:nvSpPr>
         <p:spPr/>
         <p:txBody>
-          <a:bodyPr/>
+          <a:bodyPr>
+            <a:normAutofit lnSpcReduction="10000"/>
+          </a:bodyPr>
           <a:lstStyle/>
           <a:p>
             <a:r>
               <a:rPr lang="ja-JP" altLang="en-US" dirty="0" smtClean="0"/>
-              <a:t>この変数分離により、以下の二つの微分方程式が得られる（計算は</a:t>
-            </a:r>
-            <a:r>
-              <a:rPr lang="ja-JP" altLang="en-US" dirty="0" err="1" smtClean="0"/>
-              <a:t>、。</a:t>
+              <a:t>この変数分離により、以下の二つの微分方程式が得られる。</a:t>
             </a:r>
             <a:endParaRPr lang="en-US" altLang="ja-JP" dirty="0" smtClean="0"/>
           </a:p>
           <a:p>
+            <a:endParaRPr lang="en-US" altLang="ja-JP" dirty="0"/>
+          </a:p>
+          <a:p>
             <a:endParaRPr lang="en-US" altLang="ja-JP" dirty="0" smtClean="0"/>
           </a:p>
           <a:p>
+            <a:r>
+              <a:rPr lang="ja-JP" altLang="en-US" dirty="0" smtClean="0"/>
+              <a:t>なお</a:t>
+            </a:r>
+            <a:r>
+              <a:rPr lang="ja-JP" altLang="en-US" dirty="0"/>
+              <a:t>、</a:t>
+            </a:r>
+            <a:r>
+              <a:rPr lang="ja-JP" altLang="en-US" dirty="0" smtClean="0"/>
+              <a:t>この計算は、　</a:t>
+            </a:r>
+            <a:r>
+              <a:rPr lang="en-US" altLang="ja-JP" dirty="0">
+                <a:hlinkClick r:id="rId3"/>
+              </a:rPr>
+              <a:t>https://</a:t>
+            </a:r>
+            <a:r>
+              <a:rPr lang="en-US" altLang="ja-JP" dirty="0" smtClean="0">
+                <a:hlinkClick r:id="rId3"/>
+              </a:rPr>
+              <a:t>github.com/dc1394/fukui_sono2/blob/master/fukui_sono2.pdf</a:t>
+            </a:r>
+            <a:r>
+              <a:rPr lang="en-US" altLang="ja-JP" dirty="0" smtClean="0"/>
+              <a:t> </a:t>
+            </a:r>
+            <a:r>
+              <a:rPr lang="ja-JP" altLang="en-US" dirty="0" smtClean="0"/>
+              <a:t>にアップロードしてあります。</a:t>
+            </a:r>
             <a:endParaRPr lang="en-US" altLang="ja-JP" dirty="0" smtClean="0"/>
           </a:p>
           <a:p>
             <a:r>
               <a:rPr lang="ja-JP" altLang="en-US" dirty="0" smtClean="0"/>
-              <a:t>第二式の解は、球面調和関数として解析的に得られる。</a:t>
-            </a:r>
-            <a:endParaRPr lang="en-US" altLang="ja-JP" dirty="0" smtClean="0"/>
-          </a:p>
-          <a:p>
-            <a:r>
-              <a:rPr lang="ja-JP" altLang="en-US" dirty="0" smtClean="0"/>
-              <a:t>従って、数値的に解くべき方程式は第一式である。</a:t>
+              <a:t>第二式の解は、球面調和関数として解析的に得られる。従って、数値的に解くべき方程式は第一式である。</a:t>
             </a:r>
             <a:endParaRPr lang="en-US" altLang="ja-JP" dirty="0" smtClean="0"/>
           </a:p>
@@ -13185,7 +11433,7 @@
           </p:nvPr>
         </p:nvPicPr>
         <p:blipFill>
-          <a:blip r:embed="rId3" cstate="print">
+          <a:blip r:embed="rId4" cstate="print">
             <a:extLst>
               <a:ext uri="{28A0092B-C50C-407E-A947-70E740481C1C}">
                 <a14:useLocalDpi xmlns:a14="http://schemas.microsoft.com/office/drawing/2010/main" val="0"/>
@@ -13198,8 +11446,8 @@
         </p:blipFill>
         <p:spPr>
           <a:xfrm>
-            <a:off x="960023" y="2564904"/>
-            <a:ext cx="7356394" cy="1112295"/>
+            <a:off x="960240" y="2420888"/>
+            <a:ext cx="7143596" cy="1080120"/>
           </a:xfrm>
           <a:prstGeom prst="rect">
             <a:avLst/>
@@ -13620,33 +11868,21 @@
 
 <file path=ppt/tags/tag28.xml><?xml version="1.0" encoding="utf-8"?>
 <p:tagLst xmlns:a="http://schemas.openxmlformats.org/drawingml/2006/main" xmlns:r="http://schemas.openxmlformats.org/officeDocument/2006/relationships" xmlns:p="http://schemas.openxmlformats.org/presentationml/2006/main">
-  <p:tag name="TEXPOINT" val="latex"/>
-  <p:tag name="SOURCE" val="\documentclass{article}\pagestyle{empty}&#10;\usepackage{amsmath}&#10;\usepackage{amsfonts}%&#10;\setcounter{MaxMatrixCols}{30}%&#10;\usepackage{amssymb}%&#10;\usepackage{graphicx}&#10;\newtheorem{theorem}{\U{5b9a}\U{7406}}&#10;\newtheorem{acknowledgement}[theorem]{\U{627f}\U{8a8d}}&#10;\newtheorem{algorithm}[theorem]{\U{30a2}\U{30eb}\U{30b4}\U{30ea}\U{30ba}\U{30e0}}&#10;\newtheorem{axiom}[theorem]{\U{516c}\U{7406}}&#10;\newtheorem{case}[theorem]{\U{5834}\U{5408}}&#10;\newtheorem{claim}[theorem]{\U{4e3b}\U{5f35}}&#10;\newtheorem{conclusion}[theorem]{\U{7d50}\U{8ad6}}&#10;\newtheorem{condition}[theorem]{\U{6761}\U{4ef6}}&#10;\newtheorem{conjecture}[theorem]{\U{63a8}\U{8ad6}}&#10;\newtheorem{corollary}[theorem]{\U{7cfb}}&#10;\newtheorem{criterion}[theorem]{\U{57fa}\U{6e96}}&#10;\newtheorem{definition}[theorem]{\U{5b9a}\U{7fa9}}&#10;\newtheorem{example}[theorem]{\U{4f8b}}&#10;\newtheorem{exercise}[theorem]{\U{7df4}\U{7fd2}}&#10;\newtheorem{lemma}[theorem]{\U{88dc}\U{984c}}&#10;\newtheorem{notation}[theorem]{\U{8a18}\U{53f7}}&#10;\newtheorem{problem}[theorem]{\U{554f}\U{984c}}&#10;\newtheorem{proposition}[theorem]{\U{547d}\U{984c}}&#10;\newtheorem{remark}[theorem]{\U{8a18}\U{4e8b}}&#10;\newtheorem{solution}[theorem]{\U{89e3}\U{6cd5}}&#10;\newtheorem{summary}[theorem]{\U{8981}\U{7d04}}&#10;\newenvironment{proof}[1][\U{8a3c}\U{660e}]{\noindent\textbf{#1.} }{\ \rule{0.5em}{0.5em}}&#10;\begin{document}&#10;$y_{i+1}^{in}=\alpha y_{i}^{out}+\left(  1-\alpha\right)  y_{i}^{in}$&#10;\end{document}&#10;"/>
-  <p:tag name="FILENAME" val="TP_tmp"/>
-  <p:tag name="FORMAT" val="png16m"/>
-  <p:tag name="RES" val="1200"/>
-  <p:tag name="BLEND" val="0"/>
-  <p:tag name="TRANSPARENT" val="0"/>
-  <p:tag name="TBUG" val="0"/>
-  <p:tag name="ALLOWFS" val="0"/>
-  <p:tag name="ORIGWIDTH" val="114"/>
-  <p:tag name="PICTUREFILESIZE" val="7171"/>
+  <p:tag name="ORIGINALHEIGHT" val="298.4627"/>
+  <p:tag name="ORIGINALWIDTH" val="1446.569"/>
+  <p:tag name="LATEXADDIN" val="\documentclass{article}&#10;\usepackage{amsmath}&#10;\pagestyle{empty}&#10;\begin{document}&#10;$\dfrac{L_{nl,O}\left(  x_{MP}\right)  }{L_{nl,I}\left(  x_{MP}\right)&#10;}=\dfrac{M_{O}\left(  x_{MP}\right)  }{M_{I}\left(  x_{MP}\right)  }$%&#10;\end{document}"/>
+  <p:tag name="IGUANATEXSIZE" val="20"/>
+  <p:tag name="IGUANATEXCURSOR" val="222"/>
 </p:tagLst>
 </file>
 
 <file path=ppt/tags/tag29.xml><?xml version="1.0" encoding="utf-8"?>
 <p:tagLst xmlns:a="http://schemas.openxmlformats.org/drawingml/2006/main" xmlns:r="http://schemas.openxmlformats.org/officeDocument/2006/relationships" xmlns:p="http://schemas.openxmlformats.org/presentationml/2006/main">
-  <p:tag name="TEXPOINT" val="latex"/>
-  <p:tag name="SOURCE" val="\documentclass{article}\pagestyle{empty}&#10;\usepackage{amsmath}&#10;\usepackage{amsfonts}%&#10;\setcounter{MaxMatrixCols}{30}%&#10;\usepackage{amssymb}%&#10;\usepackage{graphicx}&#10;\newtheorem{theorem}{\U{5b9a}\U{7406}}&#10;\newtheorem{acknowledgement}[theorem]{\U{627f}\U{8a8d}}&#10;\newtheorem{algorithm}[theorem]{\U{30a2}\U{30eb}\U{30b4}\U{30ea}\U{30ba}\U{30e0}}&#10;\newtheorem{axiom}[theorem]{\U{516c}\U{7406}}&#10;\newtheorem{case}[theorem]{\U{5834}\U{5408}}&#10;\newtheorem{claim}[theorem]{\U{4e3b}\U{5f35}}&#10;\newtheorem{conclusion}[theorem]{\U{7d50}\U{8ad6}}&#10;\newtheorem{condition}[theorem]{\U{6761}\U{4ef6}}&#10;\newtheorem{conjecture}[theorem]{\U{63a8}\U{8ad6}}&#10;\newtheorem{corollary}[theorem]{\U{7cfb}}&#10;\newtheorem{criterion}[theorem]{\U{57fa}\U{6e96}}&#10;\newtheorem{definition}[theorem]{\U{5b9a}\U{7fa9}}&#10;\newtheorem{example}[theorem]{\U{4f8b}}&#10;\newtheorem{exercise}[theorem]{\U{7df4}\U{7fd2}}&#10;\newtheorem{lemma}[theorem]{\U{88dc}\U{984c}}&#10;\newtheorem{notation}[theorem]{\U{8a18}\U{53f7}}&#10;\newtheorem{problem}[theorem]{\U{554f}\U{984c}}&#10;\newtheorem{proposition}[theorem]{\U{547d}\U{984c}}&#10;\newtheorem{remark}[theorem]{\U{8a18}\U{4e8b}}&#10;\newtheorem{solution}[theorem]{\U{89e3}\U{6cd5}}&#10;\newtheorem{summary}[theorem]{\U{8981}\U{7d04}}&#10;\newenvironment{proof}[1][\U{8a3c}\U{660e}]{\noindent\textbf{#1.} }{\ \rule{0.5em}{0.5em}}&#10;\begin{document}&#10;$E=\dfrac{3}{7}\left(  \dfrac{128}{9\pi^{2}}\right)  ^{\frac{1}{3}}Z^{\frac&#10;{7}{3}}\left[  y^{\prime}\left(  0\right)  \right]  $&#10;\end{document}&#10;\end{document}"/>
-  <p:tag name="FILENAME" val="TP_tmp"/>
-  <p:tag name="FORMAT" val="png16m"/>
-  <p:tag name="RES" val="1200"/>
-  <p:tag name="BLEND" val="0"/>
-  <p:tag name="TRANSPARENT" val="0"/>
-  <p:tag name="TBUG" val="0"/>
-  <p:tag name="ALLOWFS" val="0"/>
-  <p:tag name="ORIGWIDTH" val="113"/>
-  <p:tag name="PICTUREFILESIZE" val="12633"/>
+  <p:tag name="ORIGINALHEIGHT" val="298.4627"/>
+  <p:tag name="ORIGINALWIDTH" val="3089.614"/>
+  <p:tag name="LATEXADDIN" val="\documentclass{article}&#10;\usepackage{amsmath}&#10;\pagestyle{empty}&#10;\begin{document}&#10;\begin{tabular}&#10;[c]{ll}%&#10;$\Delta D\left(  E\right)  =M_{O}\left(  x_{MP}\right)  -\alpha M_{I}\left(&#10;x_{MP}\right)  ,$ &amp; $\alpha=\dfrac{L_{nl,O}\left(  x_{MP}\right)  }%&#10;{L_{nl,I}\left(  x_{MP}\right)  }$%&#10;\end{tabular}&#10;\end{document}"/>
+  <p:tag name="IGUANATEXSIZE" val="20"/>
+  <p:tag name="IGUANATEXCURSOR" val="299"/>
 </p:tagLst>
 </file>
 
@@ -13663,6 +11899,26 @@
   <p:tag name="ALLOWFS" val="0"/>
   <p:tag name="ORIGWIDTH" val="83"/>
   <p:tag name="PICTUREFILESIZE" val="5251"/>
+</p:tagLst>
+</file>
+
+<file path=ppt/tags/tag30.xml><?xml version="1.0" encoding="utf-8"?>
+<p:tagLst xmlns:a="http://schemas.openxmlformats.org/drawingml/2006/main" xmlns:r="http://schemas.openxmlformats.org/officeDocument/2006/relationships" xmlns:p="http://schemas.openxmlformats.org/presentationml/2006/main">
+  <p:tag name="ORIGINALHEIGHT" val="448.4439"/>
+  <p:tag name="ORIGINALWIDTH" val="2601.425"/>
+  <p:tag name="LATEXADDIN" val="\documentclass{article}&#10;\usepackage{amsmath}&#10;\pagestyle{empty}&#10;\begin{document}&#10;$L_{nl}\left(  x\right)  =\left\{&#10;\begin{tabular}&#10;[c]{ll}%&#10;$L_{nl,O}\left(  x\right)  $ &amp; $\left(  x\leq x_{MP}\right)  $\\&#10;$\dfrac{L_{nl,O}\left(  x_{MP}\right)  }{L_{nl,I}\left(  x_{MP}\right)&#10;}L_{nl,I}\left(  x\right)  $ &amp; $\left(  x&gt;x_{MP}\right)  $%&#10;\end{tabular}&#10;\right.  $&#10;\end{document}"/>
+  <p:tag name="IGUANATEXSIZE" val="20"/>
+  <p:tag name="IGUANATEXCURSOR" val="359"/>
+</p:tagLst>
+</file>
+
+<file path=ppt/tags/tag31.xml><?xml version="1.0" encoding="utf-8"?>
+<p:tagLst xmlns:a="http://schemas.openxmlformats.org/drawingml/2006/main" xmlns:r="http://schemas.openxmlformats.org/officeDocument/2006/relationships" xmlns:p="http://schemas.openxmlformats.org/presentationml/2006/main">
+  <p:tag name="ORIGINALHEIGHT" val="584.9269"/>
+  <p:tag name="ORIGINALWIDTH" val="1727.784"/>
+  <p:tag name="LATEXADDIN" val="\documentclass{article}&#10;\usepackage{amsmath}&#10;\pagestyle{empty}&#10;\begin{document}&#10;$N=%&#10;%TCIMACRO{\dint _{x\min}^{x\max}}%&#10;%BeginExpansion&#10;{\displaystyle\int_{x\min}^{x\max}}&#10;%EndExpansion&#10;\left[  P_{nl}\left(  x\right)  \right]  ^{2}\exp\left(  x\right)  dx$&#10;&#10;$L_{nl}\left(  x\right)  :=\dfrac{1}{\sqrt{N}}L_{nl}\left(  x\right)  $&#10;\end{document}"/>
+  <p:tag name="IGUANATEXSIZE" val="20"/>
+  <p:tag name="IGUANATEXCURSOR" val="344"/>
 </p:tagLst>
 </file>
 
